--- a/material/09_CSharp_기본문법 (배열, 문자열, 함수, 조건문, 반복문).pptx
+++ b/material/09_CSharp_기본문법 (배열, 문자열, 함수, 조건문, 반복문).pptx
@@ -5,7 +5,7 @@
     <p:sldMasterId id="2147483673" r:id="rId1"/>
   </p:sldMasterIdLst>
   <p:notesMasterIdLst>
-    <p:notesMasterId r:id="rId47"/>
+    <p:notesMasterId r:id="rId48"/>
   </p:notesMasterIdLst>
   <p:sldIdLst>
     <p:sldId id="783" r:id="rId2"/>
@@ -29,62 +29,55 @@
     <p:sldId id="748" r:id="rId20"/>
     <p:sldId id="693" r:id="rId21"/>
     <p:sldId id="751" r:id="rId22"/>
-    <p:sldId id="752" r:id="rId23"/>
-    <p:sldId id="753" r:id="rId24"/>
-    <p:sldId id="754" r:id="rId25"/>
-    <p:sldId id="755" r:id="rId26"/>
-    <p:sldId id="756" r:id="rId27"/>
-    <p:sldId id="758" r:id="rId28"/>
-    <p:sldId id="692" r:id="rId29"/>
-    <p:sldId id="757" r:id="rId30"/>
-    <p:sldId id="760" r:id="rId31"/>
-    <p:sldId id="702" r:id="rId32"/>
-    <p:sldId id="703" r:id="rId33"/>
-    <p:sldId id="739" r:id="rId34"/>
-    <p:sldId id="781" r:id="rId35"/>
-    <p:sldId id="762" r:id="rId36"/>
-    <p:sldId id="763" r:id="rId37"/>
-    <p:sldId id="764" r:id="rId38"/>
-    <p:sldId id="761" r:id="rId39"/>
-    <p:sldId id="765" r:id="rId40"/>
-    <p:sldId id="714" r:id="rId41"/>
-    <p:sldId id="766" r:id="rId42"/>
-    <p:sldId id="767" r:id="rId43"/>
-    <p:sldId id="768" r:id="rId44"/>
-    <p:sldId id="695" r:id="rId45"/>
-    <p:sldId id="740" r:id="rId46"/>
+    <p:sldId id="786" r:id="rId23"/>
+    <p:sldId id="752" r:id="rId24"/>
+    <p:sldId id="753" r:id="rId25"/>
+    <p:sldId id="754" r:id="rId26"/>
+    <p:sldId id="755" r:id="rId27"/>
+    <p:sldId id="756" r:id="rId28"/>
+    <p:sldId id="758" r:id="rId29"/>
+    <p:sldId id="692" r:id="rId30"/>
+    <p:sldId id="757" r:id="rId31"/>
+    <p:sldId id="760" r:id="rId32"/>
+    <p:sldId id="702" r:id="rId33"/>
+    <p:sldId id="703" r:id="rId34"/>
+    <p:sldId id="739" r:id="rId35"/>
+    <p:sldId id="781" r:id="rId36"/>
+    <p:sldId id="762" r:id="rId37"/>
+    <p:sldId id="763" r:id="rId38"/>
+    <p:sldId id="764" r:id="rId39"/>
+    <p:sldId id="761" r:id="rId40"/>
+    <p:sldId id="765" r:id="rId41"/>
+    <p:sldId id="714" r:id="rId42"/>
+    <p:sldId id="766" r:id="rId43"/>
+    <p:sldId id="767" r:id="rId44"/>
+    <p:sldId id="768" r:id="rId45"/>
+    <p:sldId id="695" r:id="rId46"/>
+    <p:sldId id="740" r:id="rId47"/>
   </p:sldIdLst>
   <p:sldSz cx="12192000" cy="6858000"/>
   <p:notesSz cx="6858000" cy="9144000"/>
   <p:embeddedFontLst>
     <p:embeddedFont>
-      <p:font typeface="맑은 고딕" panose="020B0503020000020004" pitchFamily="50" charset="-127"/>
-      <p:regular r:id="rId48"/>
-      <p:bold r:id="rId49"/>
+      <p:font typeface="Consolas" panose="020B0609020204030204" pitchFamily="49" charset="0"/>
+      <p:regular r:id="rId49"/>
+      <p:bold r:id="rId50"/>
+      <p:italic r:id="rId51"/>
+      <p:boldItalic r:id="rId52"/>
     </p:embeddedFont>
     <p:embeddedFont>
-      <p:font typeface="AppleSDGothicNeoH00" panose="020B0600000101010101" charset="-127"/>
-      <p:regular r:id="rId50"/>
+      <p:font typeface="Pretendard GOV" panose="02000503000000020004" pitchFamily="2" charset="-127"/>
+      <p:regular r:id="rId53"/>
+      <p:bold r:id="rId54"/>
     </p:embeddedFont>
     <p:embeddedFont>
-      <p:font typeface="Pretendard GOV" panose="020B0600000101010101" charset="-127"/>
-      <p:regular r:id="rId51"/>
-      <p:bold r:id="rId52"/>
+      <p:font typeface="Pretendard GOV Black" panose="02000A03000000020004" pitchFamily="2" charset="-127"/>
+      <p:bold r:id="rId55"/>
     </p:embeddedFont>
     <p:embeddedFont>
-      <p:font typeface="Pretendard GOV Black" panose="020B0600000101010101" charset="-127"/>
-      <p:bold r:id="rId53"/>
-    </p:embeddedFont>
-    <p:embeddedFont>
-      <p:font typeface="AppleSDGothicNeoB00" panose="020B0600000101010101" charset="-127"/>
-      <p:regular r:id="rId54"/>
-    </p:embeddedFont>
-    <p:embeddedFont>
-      <p:font typeface="Consolas" panose="020B0609020204030204" pitchFamily="49" charset="0"/>
-      <p:regular r:id="rId55"/>
-      <p:bold r:id="rId56"/>
-      <p:italic r:id="rId57"/>
-      <p:boldItalic r:id="rId58"/>
+      <p:font typeface="맑은 고딕" panose="020B0503020000020004" pitchFamily="50" charset="-127"/>
+      <p:regular r:id="rId56"/>
+      <p:bold r:id="rId57"/>
     </p:embeddedFont>
   </p:embeddedFontLst>
   <p:defaultTextStyle>
@@ -275,7 +268,7 @@
           <a:p>
             <a:fld id="{2EF3F159-7250-4DD4-91C2-13B35D56E1AF}" type="datetimeFigureOut">
               <a:rPr lang="ko-KR" altLang="en-US" smtClean="0"/>
-              <a:t>2025-04-28</a:t>
+              <a:t>2025-04-29</a:t>
             </a:fld>
             <a:endParaRPr lang="ko-KR" altLang="en-US"/>
           </a:p>
@@ -1137,9 +1130,10 @@
               <a:rPr lang="ko-KR" altLang="en-US" dirty="0"/>
               <a:t>에만 사용</a:t>
             </a:r>
-          </a:p>
-          <a:p>
-            <a:endParaRPr lang="ko-KR" altLang="en-US" dirty="0"/>
+            <a:endParaRPr lang="en-US" altLang="ko-KR" dirty="0"/>
+          </a:p>
+          <a:p>
+            <a:endParaRPr lang="en-US" altLang="ko-KR" dirty="0"/>
           </a:p>
         </p:txBody>
       </p:sp>
@@ -1229,7 +1223,10 @@
           <a:bodyPr/>
           <a:lstStyle/>
           <a:p>
-            <a:endParaRPr lang="ko-KR" altLang="en-US" dirty="0"/>
+            <a:r>
+              <a:rPr lang="ko-KR" altLang="en-US" dirty="0"/>
+              <a:t>｜은　파이프라　읽음</a:t>
+            </a:r>
           </a:p>
         </p:txBody>
       </p:sp>
@@ -1259,7 +1256,7 @@
     </p:spTree>
     <p:extLst>
       <p:ext uri="{BB962C8B-B14F-4D97-AF65-F5344CB8AC3E}">
-        <p14:creationId xmlns:p14="http://schemas.microsoft.com/office/powerpoint/2010/main" val="857427129"/>
+        <p14:creationId xmlns:p14="http://schemas.microsoft.com/office/powerpoint/2010/main" val="1293192272"/>
       </p:ext>
     </p:extLst>
   </p:cSld>
@@ -1343,6 +1340,90 @@
     </p:spTree>
     <p:extLst>
       <p:ext uri="{BB962C8B-B14F-4D97-AF65-F5344CB8AC3E}">
+        <p14:creationId xmlns:p14="http://schemas.microsoft.com/office/powerpoint/2010/main" val="857427129"/>
+      </p:ext>
+    </p:extLst>
+  </p:cSld>
+  <p:clrMapOvr>
+    <a:masterClrMapping/>
+  </p:clrMapOvr>
+</p:notes>
+</file>
+
+<file path=ppt/notesSlides/notesSlide17.xml><?xml version="1.0" encoding="utf-8"?>
+<p:notes xmlns:a="http://schemas.openxmlformats.org/drawingml/2006/main" xmlns:r="http://schemas.openxmlformats.org/officeDocument/2006/relationships" xmlns:p="http://schemas.openxmlformats.org/presentationml/2006/main">
+  <p:cSld>
+    <p:spTree>
+      <p:nvGrpSpPr>
+        <p:cNvPr id="1" name=""/>
+        <p:cNvGrpSpPr/>
+        <p:nvPr/>
+      </p:nvGrpSpPr>
+      <p:grpSpPr>
+        <a:xfrm>
+          <a:off x="0" y="0"/>
+          <a:ext cx="0" cy="0"/>
+          <a:chOff x="0" y="0"/>
+          <a:chExt cx="0" cy="0"/>
+        </a:xfrm>
+      </p:grpSpPr>
+      <p:sp>
+        <p:nvSpPr>
+          <p:cNvPr id="2" name="슬라이드 이미지 개체 틀 1"/>
+          <p:cNvSpPr>
+            <a:spLocks noGrp="1" noRot="1" noChangeAspect="1"/>
+          </p:cNvSpPr>
+          <p:nvPr>
+            <p:ph type="sldImg"/>
+          </p:nvPr>
+        </p:nvSpPr>
+        <p:spPr/>
+      </p:sp>
+      <p:sp>
+        <p:nvSpPr>
+          <p:cNvPr id="3" name="슬라이드 노트 개체 틀 2"/>
+          <p:cNvSpPr>
+            <a:spLocks noGrp="1"/>
+          </p:cNvSpPr>
+          <p:nvPr>
+            <p:ph type="body" idx="1"/>
+          </p:nvPr>
+        </p:nvSpPr>
+        <p:spPr/>
+        <p:txBody>
+          <a:bodyPr/>
+          <a:lstStyle/>
+          <a:p>
+            <a:endParaRPr lang="ko-KR" altLang="en-US" dirty="0"/>
+          </a:p>
+        </p:txBody>
+      </p:sp>
+      <p:sp>
+        <p:nvSpPr>
+          <p:cNvPr id="4" name="슬라이드 번호 개체 틀 3"/>
+          <p:cNvSpPr>
+            <a:spLocks noGrp="1"/>
+          </p:cNvSpPr>
+          <p:nvPr>
+            <p:ph type="sldNum" sz="quarter" idx="5"/>
+          </p:nvPr>
+        </p:nvSpPr>
+        <p:spPr/>
+        <p:txBody>
+          <a:bodyPr/>
+          <a:lstStyle/>
+          <a:p>
+            <a:fld id="{C09E5BFC-1559-42F1-8940-AB342D56BF02}" type="slidenum">
+              <a:rPr lang="ko-KR" altLang="en-US" smtClean="0"/>
+              <a:t>24</a:t>
+            </a:fld>
+            <a:endParaRPr lang="ko-KR" altLang="en-US"/>
+          </a:p>
+        </p:txBody>
+      </p:sp>
+    </p:spTree>
+    <p:extLst>
+      <p:ext uri="{BB962C8B-B14F-4D97-AF65-F5344CB8AC3E}">
         <p14:creationId xmlns:p14="http://schemas.microsoft.com/office/powerpoint/2010/main" val="1460148923"/>
       </p:ext>
     </p:extLst>
@@ -1353,7 +1434,7 @@
 </p:notes>
 </file>
 
-<file path=ppt/notesSlides/notesSlide17.xml><?xml version="1.0" encoding="utf-8"?>
+<file path=ppt/notesSlides/notesSlide18.xml><?xml version="1.0" encoding="utf-8"?>
 <p:notes xmlns:a="http://schemas.openxmlformats.org/drawingml/2006/main" xmlns:r="http://schemas.openxmlformats.org/officeDocument/2006/relationships" xmlns:p="http://schemas.openxmlformats.org/presentationml/2006/main">
   <p:cSld>
     <p:spTree>
@@ -1442,7 +1523,7 @@
           <a:p>
             <a:fld id="{C09E5BFC-1559-42F1-8940-AB342D56BF02}" type="slidenum">
               <a:rPr lang="ko-KR" altLang="en-US" smtClean="0"/>
-              <a:t>24</a:t>
+              <a:t>25</a:t>
             </a:fld>
             <a:endParaRPr lang="ko-KR" altLang="en-US"/>
           </a:p>
@@ -1452,90 +1533,6 @@
     <p:extLst>
       <p:ext uri="{BB962C8B-B14F-4D97-AF65-F5344CB8AC3E}">
         <p14:creationId xmlns:p14="http://schemas.microsoft.com/office/powerpoint/2010/main" val="246511245"/>
-      </p:ext>
-    </p:extLst>
-  </p:cSld>
-  <p:clrMapOvr>
-    <a:masterClrMapping/>
-  </p:clrMapOvr>
-</p:notes>
-</file>
-
-<file path=ppt/notesSlides/notesSlide18.xml><?xml version="1.0" encoding="utf-8"?>
-<p:notes xmlns:a="http://schemas.openxmlformats.org/drawingml/2006/main" xmlns:r="http://schemas.openxmlformats.org/officeDocument/2006/relationships" xmlns:p="http://schemas.openxmlformats.org/presentationml/2006/main">
-  <p:cSld>
-    <p:spTree>
-      <p:nvGrpSpPr>
-        <p:cNvPr id="1" name=""/>
-        <p:cNvGrpSpPr/>
-        <p:nvPr/>
-      </p:nvGrpSpPr>
-      <p:grpSpPr>
-        <a:xfrm>
-          <a:off x="0" y="0"/>
-          <a:ext cx="0" cy="0"/>
-          <a:chOff x="0" y="0"/>
-          <a:chExt cx="0" cy="0"/>
-        </a:xfrm>
-      </p:grpSpPr>
-      <p:sp>
-        <p:nvSpPr>
-          <p:cNvPr id="2" name="슬라이드 이미지 개체 틀 1"/>
-          <p:cNvSpPr>
-            <a:spLocks noGrp="1" noRot="1" noChangeAspect="1"/>
-          </p:cNvSpPr>
-          <p:nvPr>
-            <p:ph type="sldImg"/>
-          </p:nvPr>
-        </p:nvSpPr>
-        <p:spPr/>
-      </p:sp>
-      <p:sp>
-        <p:nvSpPr>
-          <p:cNvPr id="3" name="슬라이드 노트 개체 틀 2"/>
-          <p:cNvSpPr>
-            <a:spLocks noGrp="1"/>
-          </p:cNvSpPr>
-          <p:nvPr>
-            <p:ph type="body" idx="1"/>
-          </p:nvPr>
-        </p:nvSpPr>
-        <p:spPr/>
-        <p:txBody>
-          <a:bodyPr/>
-          <a:lstStyle/>
-          <a:p>
-            <a:endParaRPr lang="ko-KR" altLang="en-US" dirty="0"/>
-          </a:p>
-        </p:txBody>
-      </p:sp>
-      <p:sp>
-        <p:nvSpPr>
-          <p:cNvPr id="4" name="슬라이드 번호 개체 틀 3"/>
-          <p:cNvSpPr>
-            <a:spLocks noGrp="1"/>
-          </p:cNvSpPr>
-          <p:nvPr>
-            <p:ph type="sldNum" sz="quarter" idx="5"/>
-          </p:nvPr>
-        </p:nvSpPr>
-        <p:spPr/>
-        <p:txBody>
-          <a:bodyPr/>
-          <a:lstStyle/>
-          <a:p>
-            <a:fld id="{C09E5BFC-1559-42F1-8940-AB342D56BF02}" type="slidenum">
-              <a:rPr lang="ko-KR" altLang="en-US" smtClean="0"/>
-              <a:t>26</a:t>
-            </a:fld>
-            <a:endParaRPr lang="ko-KR" altLang="en-US"/>
-          </a:p>
-        </p:txBody>
-      </p:sp>
-    </p:spTree>
-    <p:extLst>
-      <p:ext uri="{BB962C8B-B14F-4D97-AF65-F5344CB8AC3E}">
-        <p14:creationId xmlns:p14="http://schemas.microsoft.com/office/powerpoint/2010/main" val="1577794228"/>
       </p:ext>
     </p:extLst>
   </p:cSld>
@@ -1589,82 +1586,7 @@
           <a:bodyPr/>
           <a:lstStyle/>
           <a:p>
-            <a:r>
-              <a:rPr lang="en-US" altLang="ko-KR" dirty="0"/>
-              <a:t>Goto</a:t>
-            </a:r>
-            <a:r>
-              <a:rPr lang="ko-KR" altLang="en-US" dirty="0"/>
-              <a:t>문 </a:t>
-            </a:r>
-            <a:r>
-              <a:rPr lang="en-US" altLang="ko-KR" dirty="0"/>
-              <a:t>: </a:t>
-            </a:r>
-            <a:r>
-              <a:rPr lang="ko-KR" altLang="en-US" dirty="0"/>
-              <a:t>특정 위치로 프로그램의 흐름을 강제로 </a:t>
-            </a:r>
-            <a:r>
-              <a:rPr lang="ko-KR" altLang="en-US" dirty="0" err="1"/>
-              <a:t>점프시키는</a:t>
-            </a:r>
-            <a:r>
-              <a:rPr lang="ko-KR" altLang="en-US" dirty="0"/>
-              <a:t> </a:t>
-            </a:r>
-            <a:r>
-              <a:rPr lang="ko-KR" altLang="en-US" dirty="0" err="1"/>
-              <a:t>제어문</a:t>
-            </a:r>
-            <a:endParaRPr lang="en-US" altLang="ko-KR" dirty="0"/>
-          </a:p>
-          <a:p>
-            <a:endParaRPr lang="en-US" altLang="ko-KR" dirty="0"/>
-          </a:p>
-          <a:p>
-            <a:r>
-              <a:rPr lang="en-US" altLang="ko-KR" dirty="0"/>
-              <a:t>Goto </a:t>
-            </a:r>
-            <a:r>
-              <a:rPr lang="ko-KR" altLang="en-US" dirty="0"/>
-              <a:t>라벨이름</a:t>
-            </a:r>
-            <a:r>
-              <a:rPr lang="en-US" altLang="ko-KR" dirty="0"/>
-              <a:t>;</a:t>
-            </a:r>
-          </a:p>
-          <a:p>
-            <a:r>
-              <a:rPr lang="en-US" altLang="ko-KR" dirty="0"/>
-              <a:t>…</a:t>
-            </a:r>
-          </a:p>
-          <a:p>
-            <a:r>
-              <a:rPr lang="ko-KR" altLang="en-US" dirty="0"/>
-              <a:t>라벨이름</a:t>
-            </a:r>
-            <a:r>
-              <a:rPr lang="en-US" altLang="ko-KR" dirty="0"/>
-              <a:t>:</a:t>
-            </a:r>
-          </a:p>
-          <a:p>
-            <a:endParaRPr lang="en-US" altLang="ko-KR" dirty="0"/>
-          </a:p>
-          <a:p>
-            <a:r>
-              <a:rPr lang="ko-KR" altLang="en-US" dirty="0" err="1"/>
-              <a:t>ㄴ</a:t>
-            </a:r>
-            <a:r>
-              <a:rPr lang="ko-KR" altLang="en-US" dirty="0"/>
-              <a:t> 지정된 라벨로 무조건 이동하는 명령</a:t>
-            </a:r>
-            <a:endParaRPr lang="en-US" altLang="ko-KR" dirty="0"/>
+            <a:endParaRPr lang="ko-KR" altLang="en-US" dirty="0"/>
           </a:p>
         </p:txBody>
       </p:sp>
@@ -1685,7 +1607,7 @@
           <a:p>
             <a:fld id="{C09E5BFC-1559-42F1-8940-AB342D56BF02}" type="slidenum">
               <a:rPr lang="ko-KR" altLang="en-US" smtClean="0"/>
-              <a:t>31</a:t>
+              <a:t>27</a:t>
             </a:fld>
             <a:endParaRPr lang="ko-KR" altLang="en-US"/>
           </a:p>
@@ -1694,7 +1616,7 @@
     </p:spTree>
     <p:extLst>
       <p:ext uri="{BB962C8B-B14F-4D97-AF65-F5344CB8AC3E}">
-        <p14:creationId xmlns:p14="http://schemas.microsoft.com/office/powerpoint/2010/main" val="4264918260"/>
+        <p14:creationId xmlns:p14="http://schemas.microsoft.com/office/powerpoint/2010/main" val="1577794228"/>
       </p:ext>
     </p:extLst>
   </p:cSld>
@@ -1838,24 +1760,76 @@
             </a:r>
             <a:r>
               <a:rPr lang="ko-KR" altLang="en-US" dirty="0"/>
-              <a:t>는 일반적으로 </a:t>
-            </a:r>
-            <a:r>
-              <a:rPr lang="en-US" altLang="ko-KR" dirty="0"/>
-              <a:t>switch</a:t>
-            </a:r>
-            <a:r>
-              <a:rPr lang="ko-KR" altLang="en-US" dirty="0"/>
-              <a:t>문 안에서 특정 </a:t>
-            </a:r>
-            <a:r>
-              <a:rPr lang="en-US" altLang="ko-KR" dirty="0"/>
-              <a:t>case</a:t>
-            </a:r>
-            <a:r>
-              <a:rPr lang="ko-KR" altLang="en-US" dirty="0"/>
-              <a:t>로 점프 이동할 때 쓰는 것이 가장 적절</a:t>
-            </a:r>
+              <a:t>문 </a:t>
+            </a:r>
+            <a:r>
+              <a:rPr lang="en-US" altLang="ko-KR" dirty="0"/>
+              <a:t>: </a:t>
+            </a:r>
+            <a:r>
+              <a:rPr lang="ko-KR" altLang="en-US" dirty="0"/>
+              <a:t>특정 위치로 프로그램의 흐름을 강제로 </a:t>
+            </a:r>
+            <a:r>
+              <a:rPr lang="ko-KR" altLang="en-US" dirty="0" err="1"/>
+              <a:t>점프시키는</a:t>
+            </a:r>
+            <a:r>
+              <a:rPr lang="ko-KR" altLang="en-US" dirty="0"/>
+              <a:t> </a:t>
+            </a:r>
+            <a:r>
+              <a:rPr lang="ko-KR" altLang="en-US" dirty="0" err="1"/>
+              <a:t>제어문</a:t>
+            </a:r>
+            <a:endParaRPr lang="en-US" altLang="ko-KR" dirty="0"/>
+          </a:p>
+          <a:p>
+            <a:endParaRPr lang="en-US" altLang="ko-KR" dirty="0"/>
+          </a:p>
+          <a:p>
+            <a:r>
+              <a:rPr lang="en-US" altLang="ko-KR" dirty="0"/>
+              <a:t>Goto </a:t>
+            </a:r>
+            <a:r>
+              <a:rPr lang="ko-KR" altLang="en-US" dirty="0"/>
+              <a:t>라벨이름</a:t>
+            </a:r>
+            <a:r>
+              <a:rPr lang="en-US" altLang="ko-KR" dirty="0"/>
+              <a:t>;</a:t>
+            </a:r>
+          </a:p>
+          <a:p>
+            <a:r>
+              <a:rPr lang="en-US" altLang="ko-KR" dirty="0"/>
+              <a:t>…</a:t>
+            </a:r>
+          </a:p>
+          <a:p>
+            <a:r>
+              <a:rPr lang="ko-KR" altLang="en-US" dirty="0"/>
+              <a:t>라벨이름</a:t>
+            </a:r>
+            <a:r>
+              <a:rPr lang="en-US" altLang="ko-KR" dirty="0"/>
+              <a:t>:</a:t>
+            </a:r>
+          </a:p>
+          <a:p>
+            <a:endParaRPr lang="en-US" altLang="ko-KR" dirty="0"/>
+          </a:p>
+          <a:p>
+            <a:r>
+              <a:rPr lang="ko-KR" altLang="en-US" dirty="0" err="1"/>
+              <a:t>ㄴ</a:t>
+            </a:r>
+            <a:r>
+              <a:rPr lang="ko-KR" altLang="en-US" dirty="0"/>
+              <a:t> 지정된 라벨로 무조건 이동하는 명령</a:t>
+            </a:r>
+            <a:endParaRPr lang="en-US" altLang="ko-KR" dirty="0"/>
           </a:p>
         </p:txBody>
       </p:sp>
@@ -1877,6 +1851,113 @@
             <a:fld id="{C09E5BFC-1559-42F1-8940-AB342D56BF02}" type="slidenum">
               <a:rPr lang="ko-KR" altLang="en-US" smtClean="0"/>
               <a:t>32</a:t>
+            </a:fld>
+            <a:endParaRPr lang="ko-KR" altLang="en-US"/>
+          </a:p>
+        </p:txBody>
+      </p:sp>
+    </p:spTree>
+    <p:extLst>
+      <p:ext uri="{BB962C8B-B14F-4D97-AF65-F5344CB8AC3E}">
+        <p14:creationId xmlns:p14="http://schemas.microsoft.com/office/powerpoint/2010/main" val="4264918260"/>
+      </p:ext>
+    </p:extLst>
+  </p:cSld>
+  <p:clrMapOvr>
+    <a:masterClrMapping/>
+  </p:clrMapOvr>
+</p:notes>
+</file>
+
+<file path=ppt/notesSlides/notesSlide21.xml><?xml version="1.0" encoding="utf-8"?>
+<p:notes xmlns:a="http://schemas.openxmlformats.org/drawingml/2006/main" xmlns:r="http://schemas.openxmlformats.org/officeDocument/2006/relationships" xmlns:p="http://schemas.openxmlformats.org/presentationml/2006/main">
+  <p:cSld>
+    <p:spTree>
+      <p:nvGrpSpPr>
+        <p:cNvPr id="1" name=""/>
+        <p:cNvGrpSpPr/>
+        <p:nvPr/>
+      </p:nvGrpSpPr>
+      <p:grpSpPr>
+        <a:xfrm>
+          <a:off x="0" y="0"/>
+          <a:ext cx="0" cy="0"/>
+          <a:chOff x="0" y="0"/>
+          <a:chExt cx="0" cy="0"/>
+        </a:xfrm>
+      </p:grpSpPr>
+      <p:sp>
+        <p:nvSpPr>
+          <p:cNvPr id="2" name="슬라이드 이미지 개체 틀 1"/>
+          <p:cNvSpPr>
+            <a:spLocks noGrp="1" noRot="1" noChangeAspect="1"/>
+          </p:cNvSpPr>
+          <p:nvPr>
+            <p:ph type="sldImg"/>
+          </p:nvPr>
+        </p:nvSpPr>
+        <p:spPr/>
+      </p:sp>
+      <p:sp>
+        <p:nvSpPr>
+          <p:cNvPr id="3" name="슬라이드 노트 개체 틀 2"/>
+          <p:cNvSpPr>
+            <a:spLocks noGrp="1"/>
+          </p:cNvSpPr>
+          <p:nvPr>
+            <p:ph type="body" idx="1"/>
+          </p:nvPr>
+        </p:nvSpPr>
+        <p:spPr/>
+        <p:txBody>
+          <a:bodyPr/>
+          <a:lstStyle/>
+          <a:p>
+            <a:r>
+              <a:rPr lang="en-US" altLang="ko-KR" dirty="0"/>
+              <a:t>Goto</a:t>
+            </a:r>
+            <a:r>
+              <a:rPr lang="ko-KR" altLang="en-US" dirty="0"/>
+              <a:t>는 일반적으로 </a:t>
+            </a:r>
+            <a:r>
+              <a:rPr lang="en-US" altLang="ko-KR" dirty="0"/>
+              <a:t>switch</a:t>
+            </a:r>
+            <a:r>
+              <a:rPr lang="ko-KR" altLang="en-US" dirty="0"/>
+              <a:t>문 안에서 특정 </a:t>
+            </a:r>
+            <a:r>
+              <a:rPr lang="en-US" altLang="ko-KR" dirty="0"/>
+              <a:t>case</a:t>
+            </a:r>
+            <a:r>
+              <a:rPr lang="ko-KR" altLang="en-US" dirty="0"/>
+              <a:t>로 점프 이동할 때 쓰는 것이 가장 적절</a:t>
+            </a:r>
+          </a:p>
+        </p:txBody>
+      </p:sp>
+      <p:sp>
+        <p:nvSpPr>
+          <p:cNvPr id="4" name="슬라이드 번호 개체 틀 3"/>
+          <p:cNvSpPr>
+            <a:spLocks noGrp="1"/>
+          </p:cNvSpPr>
+          <p:nvPr>
+            <p:ph type="sldNum" sz="quarter" idx="5"/>
+          </p:nvPr>
+        </p:nvSpPr>
+        <p:spPr/>
+        <p:txBody>
+          <a:bodyPr/>
+          <a:lstStyle/>
+          <a:p>
+            <a:fld id="{C09E5BFC-1559-42F1-8940-AB342D56BF02}" type="slidenum">
+              <a:rPr lang="ko-KR" altLang="en-US" smtClean="0"/>
+              <a:t>33</a:t>
             </a:fld>
             <a:endParaRPr lang="ko-KR" altLang="en-US"/>
           </a:p>
@@ -1895,7 +1976,7 @@
 </p:notes>
 </file>
 
-<file path=ppt/notesSlides/notesSlide21.xml><?xml version="1.0" encoding="utf-8"?>
+<file path=ppt/notesSlides/notesSlide22.xml><?xml version="1.0" encoding="utf-8"?>
 <p:notes xmlns:a="http://schemas.openxmlformats.org/drawingml/2006/main" xmlns:r="http://schemas.openxmlformats.org/officeDocument/2006/relationships" xmlns:p="http://schemas.openxmlformats.org/presentationml/2006/main">
   <p:cSld>
     <p:spTree>
@@ -1984,7 +2065,7 @@
           <a:p>
             <a:fld id="{C09E5BFC-1559-42F1-8940-AB342D56BF02}" type="slidenum">
               <a:rPr lang="ko-KR" altLang="en-US" smtClean="0"/>
-              <a:t>34</a:t>
+              <a:t>35</a:t>
             </a:fld>
             <a:endParaRPr lang="ko-KR" altLang="en-US"/>
           </a:p>
@@ -1994,589 +2075,6 @@
     <p:extLst>
       <p:ext uri="{BB962C8B-B14F-4D97-AF65-F5344CB8AC3E}">
         <p14:creationId xmlns:p14="http://schemas.microsoft.com/office/powerpoint/2010/main" val="2126352399"/>
-      </p:ext>
-    </p:extLst>
-  </p:cSld>
-  <p:clrMapOvr>
-    <a:masterClrMapping/>
-  </p:clrMapOvr>
-</p:notes>
-</file>
-
-<file path=ppt/notesSlides/notesSlide22.xml><?xml version="1.0" encoding="utf-8"?>
-<p:notes xmlns:a="http://schemas.openxmlformats.org/drawingml/2006/main" xmlns:r="http://schemas.openxmlformats.org/officeDocument/2006/relationships" xmlns:p="http://schemas.openxmlformats.org/presentationml/2006/main">
-  <p:cSld>
-    <p:spTree>
-      <p:nvGrpSpPr>
-        <p:cNvPr id="1" name=""/>
-        <p:cNvGrpSpPr/>
-        <p:nvPr/>
-      </p:nvGrpSpPr>
-      <p:grpSpPr>
-        <a:xfrm>
-          <a:off x="0" y="0"/>
-          <a:ext cx="0" cy="0"/>
-          <a:chOff x="0" y="0"/>
-          <a:chExt cx="0" cy="0"/>
-        </a:xfrm>
-      </p:grpSpPr>
-      <p:sp>
-        <p:nvSpPr>
-          <p:cNvPr id="2" name="슬라이드 이미지 개체 틀 1"/>
-          <p:cNvSpPr>
-            <a:spLocks noGrp="1" noRot="1" noChangeAspect="1"/>
-          </p:cNvSpPr>
-          <p:nvPr>
-            <p:ph type="sldImg"/>
-          </p:nvPr>
-        </p:nvSpPr>
-        <p:spPr/>
-      </p:sp>
-      <p:sp>
-        <p:nvSpPr>
-          <p:cNvPr id="3" name="슬라이드 노트 개체 틀 2"/>
-          <p:cNvSpPr>
-            <a:spLocks noGrp="1"/>
-          </p:cNvSpPr>
-          <p:nvPr>
-            <p:ph type="body" idx="1"/>
-          </p:nvPr>
-        </p:nvSpPr>
-        <p:spPr/>
-        <p:txBody>
-          <a:bodyPr/>
-          <a:lstStyle/>
-          <a:p>
-            <a:r>
-              <a:rPr lang="en-US" altLang="ko-KR" dirty="0"/>
-              <a:t>*Big-O </a:t>
-            </a:r>
-            <a:r>
-              <a:rPr lang="ko-KR" altLang="en-US" dirty="0"/>
-              <a:t>표기법</a:t>
-            </a:r>
-            <a:endParaRPr lang="en-US" altLang="ko-KR" dirty="0"/>
-          </a:p>
-          <a:p>
-            <a:r>
-              <a:rPr lang="en-US" altLang="ko-KR" dirty="0"/>
-              <a:t>: </a:t>
-            </a:r>
-            <a:r>
-              <a:rPr lang="ko-KR" altLang="en-US" dirty="0"/>
-              <a:t>이 코드가 얼마나 빨리 실행되는지를 수학적으로 표현하는 방법</a:t>
-            </a:r>
-            <a:r>
-              <a:rPr lang="en-US" altLang="ko-KR" dirty="0"/>
-              <a:t>.</a:t>
-            </a:r>
-          </a:p>
-          <a:p>
-            <a:r>
-              <a:rPr lang="en-US" altLang="ko-KR" dirty="0"/>
-              <a:t>: </a:t>
-            </a:r>
-            <a:r>
-              <a:rPr lang="ko-KR" altLang="en-US" dirty="0"/>
-              <a:t>알고리즘이 </a:t>
-            </a:r>
-            <a:r>
-              <a:rPr lang="en-US" altLang="ko-KR" dirty="0"/>
-              <a:t>“</a:t>
-            </a:r>
-            <a:r>
-              <a:rPr lang="ko-KR" altLang="en-US" dirty="0"/>
-              <a:t>입력 크기 </a:t>
-            </a:r>
-            <a:r>
-              <a:rPr lang="en-US" altLang="ko-KR" dirty="0"/>
-              <a:t>N</a:t>
-            </a:r>
-            <a:r>
-              <a:rPr lang="ko-KR" altLang="en-US" dirty="0"/>
-              <a:t>에 따라 얼마나 많은 작업을 수행하는가</a:t>
-            </a:r>
-            <a:r>
-              <a:rPr lang="en-US" altLang="ko-KR" dirty="0"/>
-              <a:t>?”</a:t>
-            </a:r>
-            <a:r>
-              <a:rPr lang="ko-KR" altLang="en-US" dirty="0"/>
-              <a:t>를 나타내는 시간 복잡도 표기법</a:t>
-            </a:r>
-            <a:endParaRPr lang="en-US" altLang="ko-KR" dirty="0"/>
-          </a:p>
-          <a:p>
-            <a:r>
-              <a:rPr lang="ko-KR" altLang="en-US" dirty="0" err="1"/>
-              <a:t>ㄴ</a:t>
-            </a:r>
-            <a:r>
-              <a:rPr lang="ko-KR" altLang="en-US" dirty="0"/>
-              <a:t> 프로그래밍에서 성능을 판단할 때 꼭 필요한 개념</a:t>
-            </a:r>
-            <a:endParaRPr lang="en-US" altLang="ko-KR" dirty="0"/>
-          </a:p>
-          <a:p>
-            <a:r>
-              <a:rPr lang="ko-KR" altLang="en-US" dirty="0" err="1"/>
-              <a:t>ㄴ</a:t>
-            </a:r>
-            <a:r>
-              <a:rPr lang="ko-KR" altLang="en-US" dirty="0"/>
-              <a:t> 실행 시간을 </a:t>
-            </a:r>
-            <a:r>
-              <a:rPr lang="en-US" altLang="ko-KR" dirty="0"/>
-              <a:t>“</a:t>
-            </a:r>
-            <a:r>
-              <a:rPr lang="ko-KR" altLang="en-US" dirty="0"/>
-              <a:t>정확한 시간</a:t>
-            </a:r>
-            <a:r>
-              <a:rPr lang="en-US" altLang="ko-KR" dirty="0"/>
-              <a:t>＂</a:t>
-            </a:r>
-            <a:r>
-              <a:rPr lang="ko-KR" altLang="en-US" dirty="0"/>
-              <a:t>이 아니라 </a:t>
-            </a:r>
-            <a:r>
-              <a:rPr lang="en-US" altLang="ko-KR" dirty="0"/>
-              <a:t>‘</a:t>
-            </a:r>
-            <a:r>
-              <a:rPr lang="ko-KR" altLang="en-US" dirty="0"/>
-              <a:t>성장 속도</a:t>
-            </a:r>
-            <a:r>
-              <a:rPr lang="en-US" altLang="ko-KR" dirty="0"/>
-              <a:t>’</a:t>
-            </a:r>
-            <a:r>
-              <a:rPr lang="ko-KR" altLang="en-US" dirty="0"/>
-              <a:t>로 표현함</a:t>
-            </a:r>
-            <a:r>
-              <a:rPr lang="en-US" altLang="ko-KR" dirty="0"/>
-              <a:t>.</a:t>
-            </a:r>
-          </a:p>
-          <a:p>
-            <a:endParaRPr lang="en-US" altLang="ko-KR" dirty="0"/>
-          </a:p>
-          <a:p>
-            <a:r>
-              <a:rPr lang="en-US" altLang="ko-KR" dirty="0"/>
-              <a:t>*</a:t>
-            </a:r>
-            <a:r>
-              <a:rPr lang="ko-KR" altLang="en-US" dirty="0"/>
-              <a:t>시간 복잡도</a:t>
-            </a:r>
-            <a:endParaRPr lang="en-US" altLang="ko-KR" dirty="0"/>
-          </a:p>
-          <a:p>
-            <a:r>
-              <a:rPr lang="en-US" altLang="ko-KR" dirty="0"/>
-              <a:t>: </a:t>
-            </a:r>
-            <a:r>
-              <a:rPr lang="ko-KR" altLang="en-US" dirty="0"/>
-              <a:t>실행 시간</a:t>
-            </a:r>
-            <a:endParaRPr lang="en-US" altLang="ko-KR" dirty="0"/>
-          </a:p>
-          <a:p>
-            <a:endParaRPr lang="en-US" altLang="ko-KR" dirty="0"/>
-          </a:p>
-          <a:p>
-            <a:r>
-              <a:rPr lang="en-US" altLang="ko-KR" dirty="0"/>
-              <a:t>*</a:t>
-            </a:r>
-            <a:r>
-              <a:rPr lang="ko-KR" altLang="en-US" dirty="0"/>
-              <a:t>공간 복잡도</a:t>
-            </a:r>
-            <a:endParaRPr lang="en-US" altLang="ko-KR" dirty="0"/>
-          </a:p>
-          <a:p>
-            <a:r>
-              <a:rPr lang="en-US" altLang="ko-KR" dirty="0"/>
-              <a:t>: </a:t>
-            </a:r>
-            <a:r>
-              <a:rPr lang="ko-KR" altLang="en-US" dirty="0"/>
-              <a:t>필요한 메모리 크기</a:t>
-            </a:r>
-            <a:endParaRPr lang="en-US" altLang="ko-KR" dirty="0"/>
-          </a:p>
-          <a:p>
-            <a:endParaRPr lang="en-US" altLang="ko-KR" dirty="0"/>
-          </a:p>
-          <a:p>
-            <a:r>
-              <a:rPr lang="ko-KR" altLang="en-US" dirty="0"/>
-              <a:t>반복문은 대표적인 </a:t>
-            </a:r>
-            <a:r>
-              <a:rPr lang="ko-KR" altLang="en-US" dirty="0" err="1"/>
-              <a:t>시간복잡도</a:t>
-            </a:r>
-            <a:r>
-              <a:rPr lang="ko-KR" altLang="en-US" dirty="0"/>
-              <a:t> 요소</a:t>
-            </a:r>
-            <a:r>
-              <a:rPr lang="en-US" altLang="ko-KR" dirty="0"/>
-              <a:t>!</a:t>
-            </a:r>
-          </a:p>
-          <a:p>
-            <a:r>
-              <a:rPr lang="en-US" altLang="ko-KR" dirty="0"/>
-              <a:t>For : O(n)</a:t>
-            </a:r>
-          </a:p>
-          <a:p>
-            <a:r>
-              <a:rPr lang="ko-KR" altLang="en-US" dirty="0"/>
-              <a:t>이중 </a:t>
-            </a:r>
-            <a:r>
-              <a:rPr lang="en-US" altLang="ko-KR" dirty="0"/>
-              <a:t>for</a:t>
-            </a:r>
-            <a:r>
-              <a:rPr lang="ko-KR" altLang="en-US" dirty="0"/>
-              <a:t>문 </a:t>
-            </a:r>
-            <a:r>
-              <a:rPr lang="en-US" altLang="ko-KR" dirty="0"/>
-              <a:t>: O(n^2)</a:t>
-            </a:r>
-          </a:p>
-          <a:p>
-            <a:r>
-              <a:rPr lang="en-US" altLang="ko-KR" dirty="0"/>
-              <a:t/>
-            </a:r>
-            <a:br>
-              <a:rPr lang="en-US" altLang="ko-KR" dirty="0"/>
-            </a:br>
-            <a:r>
-              <a:rPr lang="en-US" altLang="ko-KR" dirty="0">
-                <a:sym typeface="Wingdings" panose="05000000000000000000" pitchFamily="2" charset="2"/>
-              </a:rPr>
-              <a:t> (2) Big-O</a:t>
-            </a:r>
-            <a:r>
-              <a:rPr lang="ko-KR" altLang="en-US" dirty="0">
-                <a:sym typeface="Wingdings" panose="05000000000000000000" pitchFamily="2" charset="2"/>
-              </a:rPr>
-              <a:t>는 일반적으로 </a:t>
-            </a:r>
-            <a:r>
-              <a:rPr lang="en-US" altLang="ko-KR" dirty="0">
-                <a:sym typeface="Wingdings" panose="05000000000000000000" pitchFamily="2" charset="2"/>
-              </a:rPr>
-              <a:t>“</a:t>
-            </a:r>
-            <a:r>
-              <a:rPr lang="ko-KR" altLang="en-US" dirty="0">
-                <a:sym typeface="Wingdings" panose="05000000000000000000" pitchFamily="2" charset="2"/>
-              </a:rPr>
-              <a:t>가장 오래 걸릴 때</a:t>
-            </a:r>
-            <a:r>
-              <a:rPr lang="en-US" altLang="ko-KR" dirty="0">
-                <a:sym typeface="Wingdings" panose="05000000000000000000" pitchFamily="2" charset="2"/>
-              </a:rPr>
-              <a:t>(</a:t>
-            </a:r>
-            <a:r>
-              <a:rPr lang="ko-KR" altLang="en-US" dirty="0">
-                <a:sym typeface="Wingdings" panose="05000000000000000000" pitchFamily="2" charset="2"/>
-              </a:rPr>
-              <a:t>최악의 경우</a:t>
-            </a:r>
-            <a:r>
-              <a:rPr lang="en-US" altLang="ko-KR" dirty="0">
-                <a:sym typeface="Wingdings" panose="05000000000000000000" pitchFamily="2" charset="2"/>
-              </a:rPr>
-              <a:t>)”</a:t>
-            </a:r>
-            <a:r>
-              <a:rPr lang="ko-KR" altLang="en-US" dirty="0">
-                <a:sym typeface="Wingdings" panose="05000000000000000000" pitchFamily="2" charset="2"/>
-              </a:rPr>
-              <a:t>를 기준으로 계산함</a:t>
-            </a:r>
-            <a:r>
-              <a:rPr lang="en-US" altLang="ko-KR" dirty="0">
-                <a:sym typeface="Wingdings" panose="05000000000000000000" pitchFamily="2" charset="2"/>
-              </a:rPr>
-              <a:t>.</a:t>
-            </a:r>
-          </a:p>
-          <a:p>
-            <a:r>
-              <a:rPr lang="en-US" altLang="ko-KR" dirty="0">
-                <a:sym typeface="Wingdings" panose="05000000000000000000" pitchFamily="2" charset="2"/>
-              </a:rPr>
-              <a:t>Ex) </a:t>
-            </a:r>
-            <a:r>
-              <a:rPr lang="ko-KR" altLang="en-US" dirty="0">
-                <a:sym typeface="Wingdings" panose="05000000000000000000" pitchFamily="2" charset="2"/>
-              </a:rPr>
-              <a:t>정렬 알고리즘에서 이미 정렬된 경우는 빠르지만</a:t>
-            </a:r>
-            <a:r>
-              <a:rPr lang="en-US" altLang="ko-KR" dirty="0">
-                <a:sym typeface="Wingdings" panose="05000000000000000000" pitchFamily="2" charset="2"/>
-              </a:rPr>
-              <a:t>, </a:t>
-            </a:r>
-            <a:r>
-              <a:rPr lang="ko-KR" altLang="en-US" dirty="0">
-                <a:sym typeface="Wingdings" panose="05000000000000000000" pitchFamily="2" charset="2"/>
-              </a:rPr>
-              <a:t>우리는 정렬이 안되어 있을 때를 기준으로 시간 복잡도를 평가함</a:t>
-            </a:r>
-            <a:r>
-              <a:rPr lang="en-US" altLang="ko-KR" dirty="0">
-                <a:sym typeface="Wingdings" panose="05000000000000000000" pitchFamily="2" charset="2"/>
-              </a:rPr>
-              <a:t>.</a:t>
-            </a:r>
-          </a:p>
-          <a:p>
-            <a:pPr marL="171450" indent="-171450">
-              <a:buFont typeface="Wingdings" panose="05000000000000000000" pitchFamily="2" charset="2"/>
-              <a:buChar char="è"/>
-            </a:pPr>
-            <a:r>
-              <a:rPr lang="en-US" altLang="ko-KR" dirty="0">
-                <a:sym typeface="Wingdings" panose="05000000000000000000" pitchFamily="2" charset="2"/>
-              </a:rPr>
-              <a:t>(3) N</a:t>
-            </a:r>
-            <a:r>
-              <a:rPr lang="ko-KR" altLang="en-US" dirty="0">
-                <a:sym typeface="Wingdings" panose="05000000000000000000" pitchFamily="2" charset="2"/>
-              </a:rPr>
-              <a:t>이 커질 수록 상수는 성능에 미치는 영향이 미미해지기 때문</a:t>
-            </a:r>
-            <a:r>
-              <a:rPr lang="en-US" altLang="ko-KR" dirty="0">
-                <a:sym typeface="Wingdings" panose="05000000000000000000" pitchFamily="2" charset="2"/>
-              </a:rPr>
-              <a:t>.</a:t>
-            </a:r>
-          </a:p>
-          <a:p>
-            <a:pPr marL="0" indent="0">
-              <a:buFont typeface="Wingdings" panose="05000000000000000000" pitchFamily="2" charset="2"/>
-              <a:buNone/>
-            </a:pPr>
-            <a:r>
-              <a:rPr lang="en-US" altLang="ko-KR" dirty="0">
-                <a:sym typeface="Wingdings" panose="05000000000000000000" pitchFamily="2" charset="2"/>
-              </a:rPr>
-              <a:t>Ex) O(7N)</a:t>
-            </a:r>
-            <a:r>
-              <a:rPr lang="ko-KR" altLang="en-US" dirty="0">
-                <a:sym typeface="Wingdings" panose="05000000000000000000" pitchFamily="2" charset="2"/>
-              </a:rPr>
-              <a:t>은 실제로는 </a:t>
-            </a:r>
-            <a:r>
-              <a:rPr lang="en-US" altLang="ko-KR" dirty="0">
-                <a:sym typeface="Wingdings" panose="05000000000000000000" pitchFamily="2" charset="2"/>
-              </a:rPr>
-              <a:t>7N</a:t>
-            </a:r>
-            <a:r>
-              <a:rPr lang="ko-KR" altLang="en-US" dirty="0">
-                <a:sym typeface="Wingdings" panose="05000000000000000000" pitchFamily="2" charset="2"/>
-              </a:rPr>
-              <a:t>만큼 반복하지만</a:t>
-            </a:r>
-            <a:r>
-              <a:rPr lang="en-US" altLang="ko-KR" dirty="0">
-                <a:sym typeface="Wingdings" panose="05000000000000000000" pitchFamily="2" charset="2"/>
-              </a:rPr>
-              <a:t>, </a:t>
-            </a:r>
-            <a:r>
-              <a:rPr lang="ko-KR" altLang="en-US" dirty="0">
-                <a:sym typeface="Wingdings" panose="05000000000000000000" pitchFamily="2" charset="2"/>
-              </a:rPr>
-              <a:t>성장속도로 보면 </a:t>
-            </a:r>
-            <a:r>
-              <a:rPr lang="en-US" altLang="ko-KR" dirty="0">
-                <a:sym typeface="Wingdings" panose="05000000000000000000" pitchFamily="2" charset="2"/>
-              </a:rPr>
-              <a:t>N</a:t>
-            </a:r>
-            <a:r>
-              <a:rPr lang="ko-KR" altLang="en-US" dirty="0">
-                <a:sym typeface="Wingdings" panose="05000000000000000000" pitchFamily="2" charset="2"/>
-              </a:rPr>
-              <a:t>과 동일하다고 간주</a:t>
-            </a:r>
-            <a:r>
-              <a:rPr lang="en-US" altLang="ko-KR" dirty="0">
-                <a:sym typeface="Wingdings" panose="05000000000000000000" pitchFamily="2" charset="2"/>
-              </a:rPr>
-              <a:t>.</a:t>
-            </a:r>
-          </a:p>
-          <a:p>
-            <a:pPr marL="171450" indent="-171450">
-              <a:buFont typeface="Wingdings" panose="05000000000000000000" pitchFamily="2" charset="2"/>
-              <a:buChar char="è"/>
-            </a:pPr>
-            <a:r>
-              <a:rPr lang="en-US" altLang="ko-KR" dirty="0">
-                <a:sym typeface="Wingdings" panose="05000000000000000000" pitchFamily="2" charset="2"/>
-              </a:rPr>
-              <a:t>(4) </a:t>
-            </a:r>
-            <a:r>
-              <a:rPr lang="ko-KR" altLang="en-US" dirty="0" err="1">
-                <a:sym typeface="Wingdings" panose="05000000000000000000" pitchFamily="2" charset="2"/>
-              </a:rPr>
-              <a:t>입력값이</a:t>
-            </a:r>
-            <a:r>
-              <a:rPr lang="en-US" altLang="ko-KR" dirty="0">
-                <a:sym typeface="Wingdings" panose="05000000000000000000" pitchFamily="2" charset="2"/>
-              </a:rPr>
-              <a:t> </a:t>
-            </a:r>
-            <a:r>
-              <a:rPr lang="ko-KR" altLang="en-US" dirty="0">
-                <a:sym typeface="Wingdings" panose="05000000000000000000" pitchFamily="2" charset="2"/>
-              </a:rPr>
-              <a:t>커질수록 </a:t>
-            </a:r>
-            <a:r>
-              <a:rPr lang="en-US" altLang="ko-KR" dirty="0">
-                <a:sym typeface="Wingdings" panose="05000000000000000000" pitchFamily="2" charset="2"/>
-              </a:rPr>
-              <a:t>n^3</a:t>
-            </a:r>
-            <a:r>
-              <a:rPr lang="ko-KR" altLang="en-US" dirty="0">
-                <a:sym typeface="Wingdings" panose="05000000000000000000" pitchFamily="2" charset="2"/>
-              </a:rPr>
-              <a:t>항이 전체 실행 시간에 가장 큰 영향을 주기 때문</a:t>
-            </a:r>
-            <a:r>
-              <a:rPr lang="en-US" altLang="ko-KR" dirty="0">
-                <a:sym typeface="Wingdings" panose="05000000000000000000" pitchFamily="2" charset="2"/>
-              </a:rPr>
-              <a:t>.</a:t>
-            </a:r>
-          </a:p>
-          <a:p>
-            <a:pPr marL="0" indent="0">
-              <a:buFont typeface="Wingdings" panose="05000000000000000000" pitchFamily="2" charset="2"/>
-              <a:buNone/>
-            </a:pPr>
-            <a:r>
-              <a:rPr lang="en-US" altLang="ko-KR" dirty="0"/>
-              <a:t>Ex) n = 10 </a:t>
-            </a:r>
-            <a:r>
-              <a:rPr lang="ko-KR" altLang="en-US" dirty="0"/>
-              <a:t>이라</a:t>
-            </a:r>
-            <a:r>
-              <a:rPr lang="en-US" altLang="ko-KR" dirty="0"/>
-              <a:t> </a:t>
-            </a:r>
-            <a:r>
-              <a:rPr lang="ko-KR" altLang="en-US" dirty="0"/>
-              <a:t>가정</a:t>
-            </a:r>
-            <a:r>
-              <a:rPr lang="en-US" altLang="ko-KR" dirty="0"/>
-              <a:t>, N=10 </a:t>
-            </a:r>
-            <a:r>
-              <a:rPr lang="en-US" altLang="ko-KR" dirty="0">
-                <a:sym typeface="Wingdings" panose="05000000000000000000" pitchFamily="2" charset="2"/>
-              </a:rPr>
-              <a:t> N^3 = 1000, N^2 = 100, N=10</a:t>
-            </a:r>
-          </a:p>
-          <a:p>
-            <a:pPr marL="0" indent="0">
-              <a:buFont typeface="Wingdings" panose="05000000000000000000" pitchFamily="2" charset="2"/>
-              <a:buNone/>
-            </a:pPr>
-            <a:r>
-              <a:rPr lang="en-US" altLang="ko-KR" dirty="0">
-                <a:sym typeface="Wingdings" panose="05000000000000000000" pitchFamily="2" charset="2"/>
-              </a:rPr>
-              <a:t>- </a:t>
-            </a:r>
-            <a:r>
-              <a:rPr lang="ko-KR" altLang="en-US" dirty="0">
-                <a:sym typeface="Wingdings" panose="05000000000000000000" pitchFamily="2" charset="2"/>
-              </a:rPr>
-              <a:t>나머지는 거의 무시해도 될 만큼 </a:t>
-            </a:r>
-            <a:r>
-              <a:rPr lang="ko-KR" altLang="en-US" dirty="0" err="1">
-                <a:sym typeface="Wingdings" panose="05000000000000000000" pitchFamily="2" charset="2"/>
-              </a:rPr>
-              <a:t>작아짐</a:t>
-            </a:r>
-            <a:r>
-              <a:rPr lang="en-US" altLang="ko-KR" dirty="0">
-                <a:sym typeface="Wingdings" panose="05000000000000000000" pitchFamily="2" charset="2"/>
-              </a:rPr>
-              <a:t>.</a:t>
-            </a:r>
-            <a:endParaRPr lang="ko-KR" altLang="en-US" dirty="0"/>
-          </a:p>
-        </p:txBody>
-      </p:sp>
-      <p:sp>
-        <p:nvSpPr>
-          <p:cNvPr id="4" name="슬라이드 번호 개체 틀 3"/>
-          <p:cNvSpPr>
-            <a:spLocks noGrp="1"/>
-          </p:cNvSpPr>
-          <p:nvPr>
-            <p:ph type="sldNum" sz="quarter" idx="5"/>
-          </p:nvPr>
-        </p:nvSpPr>
-        <p:spPr/>
-        <p:txBody>
-          <a:bodyPr/>
-          <a:lstStyle/>
-          <a:p>
-            <a:fld id="{C09E5BFC-1559-42F1-8940-AB342D56BF02}" type="slidenum">
-              <a:rPr lang="ko-KR" altLang="en-US" smtClean="0"/>
-              <a:t>36</a:t>
-            </a:fld>
-            <a:endParaRPr lang="ko-KR" altLang="en-US"/>
-          </a:p>
-        </p:txBody>
-      </p:sp>
-    </p:spTree>
-    <p:extLst>
-      <p:ext uri="{BB962C8B-B14F-4D97-AF65-F5344CB8AC3E}">
-        <p14:creationId xmlns:p14="http://schemas.microsoft.com/office/powerpoint/2010/main" val="514268098"/>
       </p:ext>
     </p:extLst>
   </p:cSld>
@@ -2631,263 +2129,501 @@
           <a:lstStyle/>
           <a:p>
             <a:r>
-              <a:rPr lang="ko-KR" altLang="en-US" dirty="0"/>
-              <a:t>입력 데이터의 크기</a:t>
-            </a:r>
-            <a:r>
-              <a:rPr lang="en-US" altLang="ko-KR" dirty="0"/>
-              <a:t>(n)</a:t>
-            </a:r>
-            <a:r>
-              <a:rPr lang="ko-KR" altLang="en-US" dirty="0"/>
-              <a:t>가 커질수록 각 알고리즘이 얼마나 빠르게</a:t>
-            </a:r>
-            <a:r>
-              <a:rPr lang="en-US" altLang="ko-KR" dirty="0"/>
-              <a:t>/</a:t>
-            </a:r>
-            <a:r>
-              <a:rPr lang="ko-KR" altLang="en-US" dirty="0"/>
-              <a:t>느리게 실행시간이 증가하는지를 비교한 그래프</a:t>
+              <a:rPr lang="en-US" altLang="ko-KR" dirty="0"/>
+              <a:t>*Big-O </a:t>
+            </a:r>
+            <a:r>
+              <a:rPr lang="ko-KR" altLang="en-US" dirty="0"/>
+              <a:t>표기법</a:t>
             </a:r>
             <a:endParaRPr lang="en-US" altLang="ko-KR" dirty="0"/>
           </a:p>
           <a:p>
-            <a:pPr marL="228600" indent="-228600">
-              <a:buAutoNum type="arabicPeriod"/>
+            <a:r>
+              <a:rPr lang="en-US" altLang="ko-KR" dirty="0"/>
+              <a:t>: </a:t>
+            </a:r>
+            <a:r>
+              <a:rPr lang="ko-KR" altLang="en-US" dirty="0"/>
+              <a:t>이 코드가 얼마나 빨리 실행되는지를 수학적으로 표현하는 방법</a:t>
+            </a:r>
+            <a:r>
+              <a:rPr lang="en-US" altLang="ko-KR" dirty="0"/>
+              <a:t>.</a:t>
+            </a:r>
+          </a:p>
+          <a:p>
+            <a:r>
+              <a:rPr lang="en-US" altLang="ko-KR" dirty="0"/>
+              <a:t>: </a:t>
+            </a:r>
+            <a:r>
+              <a:rPr lang="ko-KR" altLang="en-US" dirty="0"/>
+              <a:t>알고리즘이 </a:t>
+            </a:r>
+            <a:r>
+              <a:rPr lang="en-US" altLang="ko-KR" dirty="0"/>
+              <a:t>“</a:t>
+            </a:r>
+            <a:r>
+              <a:rPr lang="ko-KR" altLang="en-US" dirty="0"/>
+              <a:t>입력 크기 </a:t>
+            </a:r>
+            <a:r>
+              <a:rPr lang="en-US" altLang="ko-KR" dirty="0"/>
+              <a:t>N</a:t>
+            </a:r>
+            <a:r>
+              <a:rPr lang="ko-KR" altLang="en-US" dirty="0"/>
+              <a:t>에 따라 얼마나 많은 작업을 수행하는가</a:t>
+            </a:r>
+            <a:r>
+              <a:rPr lang="en-US" altLang="ko-KR" dirty="0"/>
+              <a:t>?”</a:t>
+            </a:r>
+            <a:r>
+              <a:rPr lang="ko-KR" altLang="en-US" dirty="0"/>
+              <a:t>를 나타내는 시간 복잡도 표기법</a:t>
+            </a:r>
+            <a:endParaRPr lang="en-US" altLang="ko-KR" dirty="0"/>
+          </a:p>
+          <a:p>
+            <a:r>
+              <a:rPr lang="ko-KR" altLang="en-US" dirty="0" err="1"/>
+              <a:t>ㄴ</a:t>
+            </a:r>
+            <a:r>
+              <a:rPr lang="ko-KR" altLang="en-US" dirty="0"/>
+              <a:t> 프로그래밍에서 성능을 판단할 때 꼭 필요한 개념</a:t>
+            </a:r>
+            <a:endParaRPr lang="en-US" altLang="ko-KR" dirty="0"/>
+          </a:p>
+          <a:p>
+            <a:r>
+              <a:rPr lang="ko-KR" altLang="en-US" dirty="0" err="1"/>
+              <a:t>ㄴ</a:t>
+            </a:r>
+            <a:r>
+              <a:rPr lang="ko-KR" altLang="en-US" dirty="0"/>
+              <a:t> 실행 시간을 </a:t>
+            </a:r>
+            <a:r>
+              <a:rPr lang="en-US" altLang="ko-KR" dirty="0"/>
+              <a:t>“</a:t>
+            </a:r>
+            <a:r>
+              <a:rPr lang="ko-KR" altLang="en-US" dirty="0"/>
+              <a:t>정확한 시간</a:t>
+            </a:r>
+            <a:r>
+              <a:rPr lang="en-US" altLang="ko-KR" dirty="0"/>
+              <a:t>＂</a:t>
+            </a:r>
+            <a:r>
+              <a:rPr lang="ko-KR" altLang="en-US" dirty="0"/>
+              <a:t>이 아니라 </a:t>
+            </a:r>
+            <a:r>
+              <a:rPr lang="en-US" altLang="ko-KR" dirty="0"/>
+              <a:t>‘</a:t>
+            </a:r>
+            <a:r>
+              <a:rPr lang="ko-KR" altLang="en-US" dirty="0"/>
+              <a:t>성장 속도</a:t>
+            </a:r>
+            <a:r>
+              <a:rPr lang="en-US" altLang="ko-KR" dirty="0"/>
+              <a:t>’</a:t>
+            </a:r>
+            <a:r>
+              <a:rPr lang="ko-KR" altLang="en-US" dirty="0"/>
+              <a:t>로 표현함</a:t>
+            </a:r>
+            <a:r>
+              <a:rPr lang="en-US" altLang="ko-KR" dirty="0"/>
+              <a:t>.</a:t>
+            </a:r>
+          </a:p>
+          <a:p>
+            <a:endParaRPr lang="en-US" altLang="ko-KR" dirty="0"/>
+          </a:p>
+          <a:p>
+            <a:r>
+              <a:rPr lang="en-US" altLang="ko-KR" dirty="0"/>
+              <a:t>*</a:t>
+            </a:r>
+            <a:r>
+              <a:rPr lang="ko-KR" altLang="en-US" dirty="0"/>
+              <a:t>시간 복잡도</a:t>
+            </a:r>
+            <a:endParaRPr lang="en-US" altLang="ko-KR" dirty="0"/>
+          </a:p>
+          <a:p>
+            <a:r>
+              <a:rPr lang="en-US" altLang="ko-KR" dirty="0"/>
+              <a:t>: </a:t>
+            </a:r>
+            <a:r>
+              <a:rPr lang="ko-KR" altLang="en-US" dirty="0"/>
+              <a:t>실행 시간</a:t>
+            </a:r>
+            <a:endParaRPr lang="en-US" altLang="ko-KR" dirty="0"/>
+          </a:p>
+          <a:p>
+            <a:endParaRPr lang="en-US" altLang="ko-KR" dirty="0"/>
+          </a:p>
+          <a:p>
+            <a:r>
+              <a:rPr lang="en-US" altLang="ko-KR" dirty="0"/>
+              <a:t>*</a:t>
+            </a:r>
+            <a:r>
+              <a:rPr lang="ko-KR" altLang="en-US" dirty="0"/>
+              <a:t>공간 복잡도</a:t>
+            </a:r>
+            <a:endParaRPr lang="en-US" altLang="ko-KR" dirty="0"/>
+          </a:p>
+          <a:p>
+            <a:r>
+              <a:rPr lang="en-US" altLang="ko-KR" dirty="0"/>
+              <a:t>: </a:t>
+            </a:r>
+            <a:r>
+              <a:rPr lang="ko-KR" altLang="en-US" dirty="0"/>
+              <a:t>필요한 메모리 크기</a:t>
+            </a:r>
+            <a:endParaRPr lang="en-US" altLang="ko-KR" dirty="0"/>
+          </a:p>
+          <a:p>
+            <a:endParaRPr lang="en-US" altLang="ko-KR" dirty="0"/>
+          </a:p>
+          <a:p>
+            <a:r>
+              <a:rPr lang="ko-KR" altLang="en-US" dirty="0"/>
+              <a:t>반복문은 대표적인 </a:t>
+            </a:r>
+            <a:r>
+              <a:rPr lang="ko-KR" altLang="en-US" dirty="0" err="1"/>
+              <a:t>시간복잡도</a:t>
+            </a:r>
+            <a:r>
+              <a:rPr lang="ko-KR" altLang="en-US" dirty="0"/>
+              <a:t> 요소</a:t>
+            </a:r>
+            <a:r>
+              <a:rPr lang="en-US" altLang="ko-KR" dirty="0"/>
+              <a:t>!</a:t>
+            </a:r>
+          </a:p>
+          <a:p>
+            <a:r>
+              <a:rPr lang="en-US" altLang="ko-KR" dirty="0"/>
+              <a:t>For : O(n)</a:t>
+            </a:r>
+          </a:p>
+          <a:p>
+            <a:r>
+              <a:rPr lang="ko-KR" altLang="en-US" dirty="0"/>
+              <a:t>이중 </a:t>
+            </a:r>
+            <a:r>
+              <a:rPr lang="en-US" altLang="ko-KR" dirty="0"/>
+              <a:t>for</a:t>
+            </a:r>
+            <a:r>
+              <a:rPr lang="ko-KR" altLang="en-US" dirty="0"/>
+              <a:t>문 </a:t>
+            </a:r>
+            <a:r>
+              <a:rPr lang="en-US" altLang="ko-KR" dirty="0"/>
+              <a:t>: O(n^2)</a:t>
+            </a:r>
+          </a:p>
+          <a:p>
+            <a:br>
+              <a:rPr lang="en-US" altLang="ko-KR" dirty="0"/>
+            </a:br>
+            <a:r>
+              <a:rPr lang="en-US" altLang="ko-KR" dirty="0">
+                <a:sym typeface="Wingdings" panose="05000000000000000000" pitchFamily="2" charset="2"/>
+              </a:rPr>
+              <a:t> (2) Big-O</a:t>
+            </a:r>
+            <a:r>
+              <a:rPr lang="ko-KR" altLang="en-US" dirty="0">
+                <a:sym typeface="Wingdings" panose="05000000000000000000" pitchFamily="2" charset="2"/>
+              </a:rPr>
+              <a:t>는 일반적으로 </a:t>
+            </a:r>
+            <a:r>
+              <a:rPr lang="en-US" altLang="ko-KR" dirty="0">
+                <a:sym typeface="Wingdings" panose="05000000000000000000" pitchFamily="2" charset="2"/>
+              </a:rPr>
+              <a:t>“</a:t>
+            </a:r>
+            <a:r>
+              <a:rPr lang="ko-KR" altLang="en-US" dirty="0">
+                <a:sym typeface="Wingdings" panose="05000000000000000000" pitchFamily="2" charset="2"/>
+              </a:rPr>
+              <a:t>가장 오래 걸릴 때</a:t>
+            </a:r>
+            <a:r>
+              <a:rPr lang="en-US" altLang="ko-KR" dirty="0">
+                <a:sym typeface="Wingdings" panose="05000000000000000000" pitchFamily="2" charset="2"/>
+              </a:rPr>
+              <a:t>(</a:t>
+            </a:r>
+            <a:r>
+              <a:rPr lang="ko-KR" altLang="en-US" dirty="0">
+                <a:sym typeface="Wingdings" panose="05000000000000000000" pitchFamily="2" charset="2"/>
+              </a:rPr>
+              <a:t>최악의 경우</a:t>
+            </a:r>
+            <a:r>
+              <a:rPr lang="en-US" altLang="ko-KR" dirty="0">
+                <a:sym typeface="Wingdings" panose="05000000000000000000" pitchFamily="2" charset="2"/>
+              </a:rPr>
+              <a:t>)”</a:t>
+            </a:r>
+            <a:r>
+              <a:rPr lang="ko-KR" altLang="en-US" dirty="0">
+                <a:sym typeface="Wingdings" panose="05000000000000000000" pitchFamily="2" charset="2"/>
+              </a:rPr>
+              <a:t>를 기준으로 계산함</a:t>
+            </a:r>
+            <a:r>
+              <a:rPr lang="en-US" altLang="ko-KR" dirty="0">
+                <a:sym typeface="Wingdings" panose="05000000000000000000" pitchFamily="2" charset="2"/>
+              </a:rPr>
+              <a:t>.</a:t>
+            </a:r>
+          </a:p>
+          <a:p>
+            <a:r>
+              <a:rPr lang="en-US" altLang="ko-KR" dirty="0">
+                <a:sym typeface="Wingdings" panose="05000000000000000000" pitchFamily="2" charset="2"/>
+              </a:rPr>
+              <a:t>Ex) </a:t>
+            </a:r>
+            <a:r>
+              <a:rPr lang="ko-KR" altLang="en-US" dirty="0">
+                <a:sym typeface="Wingdings" panose="05000000000000000000" pitchFamily="2" charset="2"/>
+              </a:rPr>
+              <a:t>정렬 알고리즘에서 이미 정렬된 경우는 빠르지만</a:t>
+            </a:r>
+            <a:r>
+              <a:rPr lang="en-US" altLang="ko-KR" dirty="0">
+                <a:sym typeface="Wingdings" panose="05000000000000000000" pitchFamily="2" charset="2"/>
+              </a:rPr>
+              <a:t>, </a:t>
+            </a:r>
+            <a:r>
+              <a:rPr lang="ko-KR" altLang="en-US" dirty="0">
+                <a:sym typeface="Wingdings" panose="05000000000000000000" pitchFamily="2" charset="2"/>
+              </a:rPr>
+              <a:t>우리는 정렬이 안되어 있을 때를 기준으로 시간 복잡도를 평가함</a:t>
+            </a:r>
+            <a:r>
+              <a:rPr lang="en-US" altLang="ko-KR" dirty="0">
+                <a:sym typeface="Wingdings" panose="05000000000000000000" pitchFamily="2" charset="2"/>
+              </a:rPr>
+              <a:t>.</a:t>
+            </a:r>
+          </a:p>
+          <a:p>
+            <a:pPr marL="171450" indent="-171450">
+              <a:buFont typeface="Wingdings" panose="05000000000000000000" pitchFamily="2" charset="2"/>
+              <a:buChar char="è"/>
             </a:pPr>
             <a:r>
-              <a:rPr lang="ko-KR" altLang="en-US" dirty="0"/>
-              <a:t>상수시간</a:t>
-            </a:r>
-            <a:endParaRPr lang="en-US" altLang="ko-KR" dirty="0"/>
+              <a:rPr lang="en-US" altLang="ko-KR" dirty="0">
+                <a:sym typeface="Wingdings" panose="05000000000000000000" pitchFamily="2" charset="2"/>
+              </a:rPr>
+              <a:t>(3) N</a:t>
+            </a:r>
+            <a:r>
+              <a:rPr lang="ko-KR" altLang="en-US" dirty="0">
+                <a:sym typeface="Wingdings" panose="05000000000000000000" pitchFamily="2" charset="2"/>
+              </a:rPr>
+              <a:t>이 커질 수록 상수는 성능에 미치는 영향이 미미해지기 때문</a:t>
+            </a:r>
+            <a:r>
+              <a:rPr lang="en-US" altLang="ko-KR" dirty="0">
+                <a:sym typeface="Wingdings" panose="05000000000000000000" pitchFamily="2" charset="2"/>
+              </a:rPr>
+              <a:t>.</a:t>
+            </a:r>
           </a:p>
           <a:p>
             <a:pPr marL="0" indent="0">
+              <a:buFont typeface="Wingdings" panose="05000000000000000000" pitchFamily="2" charset="2"/>
               <a:buNone/>
             </a:pPr>
             <a:r>
-              <a:rPr lang="ko-KR" altLang="en-US" dirty="0" err="1"/>
-              <a:t>ㄴ</a:t>
-            </a:r>
-            <a:r>
-              <a:rPr lang="ko-KR" altLang="en-US" dirty="0"/>
-              <a:t> 입력 크기 </a:t>
-            </a:r>
-            <a:r>
-              <a:rPr lang="en-US" altLang="ko-KR" dirty="0"/>
+              <a:rPr lang="en-US" altLang="ko-KR" dirty="0">
+                <a:sym typeface="Wingdings" panose="05000000000000000000" pitchFamily="2" charset="2"/>
+              </a:rPr>
+              <a:t>Ex) O(7N)</a:t>
+            </a:r>
+            <a:r>
+              <a:rPr lang="ko-KR" altLang="en-US" dirty="0">
+                <a:sym typeface="Wingdings" panose="05000000000000000000" pitchFamily="2" charset="2"/>
+              </a:rPr>
+              <a:t>은 실제로는 </a:t>
+            </a:r>
+            <a:r>
+              <a:rPr lang="en-US" altLang="ko-KR" dirty="0">
+                <a:sym typeface="Wingdings" panose="05000000000000000000" pitchFamily="2" charset="2"/>
+              </a:rPr>
+              <a:t>7N</a:t>
+            </a:r>
+            <a:r>
+              <a:rPr lang="ko-KR" altLang="en-US" dirty="0">
+                <a:sym typeface="Wingdings" panose="05000000000000000000" pitchFamily="2" charset="2"/>
+              </a:rPr>
+              <a:t>만큼 반복하지만</a:t>
+            </a:r>
+            <a:r>
+              <a:rPr lang="en-US" altLang="ko-KR" dirty="0">
+                <a:sym typeface="Wingdings" panose="05000000000000000000" pitchFamily="2" charset="2"/>
+              </a:rPr>
+              <a:t>, </a:t>
+            </a:r>
+            <a:r>
+              <a:rPr lang="ko-KR" altLang="en-US" dirty="0">
+                <a:sym typeface="Wingdings" panose="05000000000000000000" pitchFamily="2" charset="2"/>
+              </a:rPr>
+              <a:t>성장속도로 보면 </a:t>
+            </a:r>
+            <a:r>
+              <a:rPr lang="en-US" altLang="ko-KR" dirty="0">
+                <a:sym typeface="Wingdings" panose="05000000000000000000" pitchFamily="2" charset="2"/>
+              </a:rPr>
               <a:t>N</a:t>
             </a:r>
             <a:r>
-              <a:rPr lang="ko-KR" altLang="en-US" dirty="0"/>
-              <a:t>과 관계없이 항상 고정된 시간에 처리됨</a:t>
-            </a:r>
-            <a:r>
-              <a:rPr lang="en-US" altLang="ko-KR" dirty="0"/>
+              <a:rPr lang="ko-KR" altLang="en-US" dirty="0">
+                <a:sym typeface="Wingdings" panose="05000000000000000000" pitchFamily="2" charset="2"/>
+              </a:rPr>
+              <a:t>과 동일하다고 간주</a:t>
+            </a:r>
+            <a:r>
+              <a:rPr lang="en-US" altLang="ko-KR" dirty="0">
+                <a:sym typeface="Wingdings" panose="05000000000000000000" pitchFamily="2" charset="2"/>
+              </a:rPr>
               <a:t>.</a:t>
             </a:r>
           </a:p>
           <a:p>
+            <a:pPr marL="171450" indent="-171450">
+              <a:buFont typeface="Wingdings" panose="05000000000000000000" pitchFamily="2" charset="2"/>
+              <a:buChar char="è"/>
+            </a:pPr>
+            <a:r>
+              <a:rPr lang="en-US" altLang="ko-KR" dirty="0">
+                <a:sym typeface="Wingdings" panose="05000000000000000000" pitchFamily="2" charset="2"/>
+              </a:rPr>
+              <a:t>(4) </a:t>
+            </a:r>
+            <a:r>
+              <a:rPr lang="ko-KR" altLang="en-US" dirty="0" err="1">
+                <a:sym typeface="Wingdings" panose="05000000000000000000" pitchFamily="2" charset="2"/>
+              </a:rPr>
+              <a:t>입력값이</a:t>
+            </a:r>
+            <a:r>
+              <a:rPr lang="en-US" altLang="ko-KR" dirty="0">
+                <a:sym typeface="Wingdings" panose="05000000000000000000" pitchFamily="2" charset="2"/>
+              </a:rPr>
+              <a:t> </a:t>
+            </a:r>
+            <a:r>
+              <a:rPr lang="ko-KR" altLang="en-US" dirty="0">
+                <a:sym typeface="Wingdings" panose="05000000000000000000" pitchFamily="2" charset="2"/>
+              </a:rPr>
+              <a:t>커질수록 </a:t>
+            </a:r>
+            <a:r>
+              <a:rPr lang="en-US" altLang="ko-KR" dirty="0">
+                <a:sym typeface="Wingdings" panose="05000000000000000000" pitchFamily="2" charset="2"/>
+              </a:rPr>
+              <a:t>n^3</a:t>
+            </a:r>
+            <a:r>
+              <a:rPr lang="ko-KR" altLang="en-US" dirty="0">
+                <a:sym typeface="Wingdings" panose="05000000000000000000" pitchFamily="2" charset="2"/>
+              </a:rPr>
+              <a:t>항이 전체 실행 시간에 가장 큰 영향을 주기 때문</a:t>
+            </a:r>
+            <a:r>
+              <a:rPr lang="en-US" altLang="ko-KR" dirty="0">
+                <a:sym typeface="Wingdings" panose="05000000000000000000" pitchFamily="2" charset="2"/>
+              </a:rPr>
+              <a:t>.</a:t>
+            </a:r>
+          </a:p>
+          <a:p>
             <a:pPr marL="0" indent="0">
+              <a:buFont typeface="Wingdings" panose="05000000000000000000" pitchFamily="2" charset="2"/>
               <a:buNone/>
             </a:pPr>
-            <a:endParaRPr lang="en-US" altLang="ko-KR" dirty="0"/>
+            <a:r>
+              <a:rPr lang="en-US" altLang="ko-KR" dirty="0"/>
+              <a:t>Ex) n = 10 </a:t>
+            </a:r>
+            <a:r>
+              <a:rPr lang="ko-KR" altLang="en-US" dirty="0"/>
+              <a:t>이라</a:t>
+            </a:r>
+            <a:r>
+              <a:rPr lang="en-US" altLang="ko-KR" dirty="0"/>
+              <a:t> </a:t>
+            </a:r>
+            <a:r>
+              <a:rPr lang="ko-KR" altLang="en-US" dirty="0"/>
+              <a:t>가정</a:t>
+            </a:r>
+            <a:r>
+              <a:rPr lang="en-US" altLang="ko-KR" dirty="0"/>
+              <a:t>, N=10 </a:t>
+            </a:r>
+            <a:r>
+              <a:rPr lang="en-US" altLang="ko-KR" dirty="0">
+                <a:sym typeface="Wingdings" panose="05000000000000000000" pitchFamily="2" charset="2"/>
+              </a:rPr>
+              <a:t> N^3 = 1000, N^2 = 100, N=10</a:t>
+            </a:r>
           </a:p>
           <a:p>
             <a:pPr marL="0" indent="0">
+              <a:buFont typeface="Wingdings" panose="05000000000000000000" pitchFamily="2" charset="2"/>
               <a:buNone/>
             </a:pPr>
             <a:r>
-              <a:rPr lang="en-US" altLang="ko-KR" dirty="0"/>
-              <a:t>2. </a:t>
-            </a:r>
-            <a:r>
-              <a:rPr lang="ko-KR" altLang="en-US" dirty="0"/>
-              <a:t>로그 시간</a:t>
-            </a:r>
-            <a:endParaRPr lang="en-US" altLang="ko-KR" dirty="0"/>
-          </a:p>
-          <a:p>
-            <a:pPr marL="0" indent="0">
-              <a:buNone/>
-            </a:pPr>
-            <a:r>
-              <a:rPr lang="ko-KR" altLang="en-US" dirty="0" err="1"/>
-              <a:t>ㄴ예시</a:t>
-            </a:r>
-            <a:r>
-              <a:rPr lang="en-US" altLang="ko-KR" dirty="0"/>
-              <a:t>) </a:t>
-            </a:r>
-            <a:r>
-              <a:rPr lang="ko-KR" altLang="en-US" dirty="0"/>
-              <a:t>이진 탐색</a:t>
-            </a:r>
-            <a:endParaRPr lang="en-US" altLang="ko-KR" dirty="0"/>
-          </a:p>
-          <a:p>
-            <a:pPr marL="0" indent="0">
-              <a:buNone/>
-            </a:pPr>
-            <a:r>
-              <a:rPr lang="ko-KR" altLang="en-US" dirty="0" err="1"/>
-              <a:t>ㄴ</a:t>
-            </a:r>
-            <a:r>
-              <a:rPr lang="ko-KR" altLang="en-US" dirty="0"/>
-              <a:t> 데이터가 </a:t>
-            </a:r>
-            <a:r>
-              <a:rPr lang="en-US" altLang="ko-KR" dirty="0"/>
-              <a:t>2</a:t>
-            </a:r>
-            <a:r>
-              <a:rPr lang="ko-KR" altLang="en-US" dirty="0"/>
-              <a:t>배로 늘어나도 연산 횟수는 </a:t>
-            </a:r>
-            <a:r>
-              <a:rPr lang="en-US" altLang="ko-KR" dirty="0"/>
-              <a:t>1</a:t>
-            </a:r>
-            <a:r>
-              <a:rPr lang="ko-KR" altLang="en-US" dirty="0"/>
-              <a:t>씩만 증가 </a:t>
-            </a:r>
-            <a:r>
-              <a:rPr lang="en-US" altLang="ko-KR" dirty="0"/>
-              <a:t>-&gt; </a:t>
-            </a:r>
-            <a:r>
-              <a:rPr lang="ko-KR" altLang="en-US" dirty="0"/>
-              <a:t>절반씩 나누는 구조</a:t>
-            </a:r>
-            <a:endParaRPr lang="en-US" altLang="ko-KR" dirty="0"/>
-          </a:p>
-          <a:p>
-            <a:pPr marL="0" indent="0">
-              <a:buNone/>
-            </a:pPr>
-            <a:endParaRPr lang="en-US" altLang="ko-KR" dirty="0"/>
-          </a:p>
-          <a:p>
-            <a:pPr marL="0" indent="0">
-              <a:buNone/>
-            </a:pPr>
-            <a:r>
-              <a:rPr lang="en-US" altLang="ko-KR" dirty="0"/>
-              <a:t>3. </a:t>
-            </a:r>
-            <a:r>
-              <a:rPr lang="ko-KR" altLang="en-US" dirty="0"/>
-              <a:t>준선형 시간</a:t>
-            </a:r>
-            <a:endParaRPr lang="en-US" altLang="ko-KR" dirty="0"/>
-          </a:p>
-          <a:p>
-            <a:pPr marL="0" indent="0">
-              <a:buNone/>
-            </a:pPr>
-            <a:r>
-              <a:rPr lang="ko-KR" altLang="en-US" dirty="0" err="1"/>
-              <a:t>ㄴ</a:t>
-            </a:r>
-            <a:r>
-              <a:rPr lang="ko-KR" altLang="en-US" dirty="0"/>
-              <a:t> 대부분의 고급 정렬 알고리즘이 갖는 시간 복잡도</a:t>
-            </a:r>
-            <a:endParaRPr lang="en-US" altLang="ko-KR" dirty="0"/>
-          </a:p>
-          <a:p>
-            <a:pPr marL="0" indent="0">
-              <a:buNone/>
-            </a:pPr>
-            <a:endParaRPr lang="en-US" altLang="ko-KR" dirty="0"/>
-          </a:p>
-          <a:p>
-            <a:pPr marL="0" indent="0">
-              <a:buNone/>
-            </a:pPr>
-            <a:r>
-              <a:rPr lang="en-US" altLang="ko-KR" dirty="0"/>
-              <a:t>4. </a:t>
-            </a:r>
-            <a:r>
-              <a:rPr lang="ko-KR" altLang="en-US" dirty="0"/>
-              <a:t>이차 시간</a:t>
-            </a:r>
-            <a:endParaRPr lang="en-US" altLang="ko-KR" dirty="0"/>
-          </a:p>
-          <a:p>
-            <a:pPr marL="0" indent="0">
-              <a:buNone/>
-            </a:pPr>
-            <a:r>
-              <a:rPr lang="ko-KR" altLang="en-US" dirty="0"/>
-              <a:t>입력 크기가 커질수록 급격히 느려짐</a:t>
-            </a:r>
-            <a:r>
-              <a:rPr lang="en-US" altLang="ko-KR" dirty="0"/>
+              <a:rPr lang="en-US" altLang="ko-KR" dirty="0">
+                <a:sym typeface="Wingdings" panose="05000000000000000000" pitchFamily="2" charset="2"/>
+              </a:rPr>
+              <a:t>- </a:t>
+            </a:r>
+            <a:r>
+              <a:rPr lang="ko-KR" altLang="en-US" dirty="0">
+                <a:sym typeface="Wingdings" panose="05000000000000000000" pitchFamily="2" charset="2"/>
+              </a:rPr>
+              <a:t>나머지는 거의 무시해도 될 만큼 </a:t>
+            </a:r>
+            <a:r>
+              <a:rPr lang="ko-KR" altLang="en-US" dirty="0" err="1">
+                <a:sym typeface="Wingdings" panose="05000000000000000000" pitchFamily="2" charset="2"/>
+              </a:rPr>
+              <a:t>작아짐</a:t>
+            </a:r>
+            <a:r>
+              <a:rPr lang="en-US" altLang="ko-KR" dirty="0">
+                <a:sym typeface="Wingdings" panose="05000000000000000000" pitchFamily="2" charset="2"/>
+              </a:rPr>
               <a:t>.</a:t>
             </a:r>
-          </a:p>
-          <a:p>
-            <a:pPr marL="0" indent="0">
-              <a:buNone/>
-            </a:pPr>
-            <a:endParaRPr lang="en-US" altLang="ko-KR" dirty="0"/>
-          </a:p>
-          <a:p>
-            <a:pPr marL="0" indent="0">
-              <a:buNone/>
-            </a:pPr>
-            <a:r>
-              <a:rPr lang="en-US" altLang="ko-KR" dirty="0"/>
-              <a:t>5. </a:t>
-            </a:r>
-            <a:r>
-              <a:rPr lang="ko-KR" altLang="en-US" dirty="0"/>
-              <a:t>지수 시간</a:t>
-            </a:r>
-            <a:endParaRPr lang="en-US" altLang="ko-KR" dirty="0"/>
-          </a:p>
-          <a:p>
-            <a:pPr marL="0" indent="0">
-              <a:buNone/>
-            </a:pPr>
-            <a:r>
-              <a:rPr lang="ko-KR" altLang="en-US" dirty="0" err="1"/>
-              <a:t>ㄴ</a:t>
-            </a:r>
-            <a:r>
-              <a:rPr lang="ko-KR" altLang="en-US" dirty="0"/>
-              <a:t> 예시</a:t>
-            </a:r>
-            <a:r>
-              <a:rPr lang="en-US" altLang="ko-KR" dirty="0"/>
-              <a:t>) </a:t>
-            </a:r>
-            <a:r>
-              <a:rPr lang="ko-KR" altLang="en-US" dirty="0"/>
-              <a:t>재귀적 피보나치 수열</a:t>
-            </a:r>
-            <a:endParaRPr lang="en-US" altLang="ko-KR" dirty="0"/>
-          </a:p>
-          <a:p>
-            <a:pPr marL="0" indent="0">
-              <a:buNone/>
-            </a:pPr>
-            <a:r>
-              <a:rPr lang="ko-KR" altLang="en-US" dirty="0" err="1"/>
-              <a:t>ㄴ</a:t>
-            </a:r>
-            <a:r>
-              <a:rPr lang="ko-KR" altLang="en-US" dirty="0"/>
-              <a:t> 입력 크기가 조금만 커져도 연산 횟수가 기하급수적으로 증가</a:t>
-            </a:r>
-            <a:r>
-              <a:rPr lang="en-US" altLang="ko-KR" dirty="0"/>
-              <a:t>.</a:t>
-            </a:r>
+            <a:endParaRPr lang="ko-KR" altLang="en-US" dirty="0"/>
           </a:p>
         </p:txBody>
       </p:sp>
@@ -2917,7 +2653,7 @@
     </p:spTree>
     <p:extLst>
       <p:ext uri="{BB962C8B-B14F-4D97-AF65-F5344CB8AC3E}">
-        <p14:creationId xmlns:p14="http://schemas.microsoft.com/office/powerpoint/2010/main" val="2599045694"/>
+        <p14:creationId xmlns:p14="http://schemas.microsoft.com/office/powerpoint/2010/main" val="514268098"/>
       </p:ext>
     </p:extLst>
   </p:cSld>
@@ -2971,7 +2707,264 @@
           <a:bodyPr/>
           <a:lstStyle/>
           <a:p>
-            <a:endParaRPr lang="ko-KR" altLang="en-US" dirty="0"/>
+            <a:r>
+              <a:rPr lang="ko-KR" altLang="en-US" dirty="0"/>
+              <a:t>입력 데이터의 크기</a:t>
+            </a:r>
+            <a:r>
+              <a:rPr lang="en-US" altLang="ko-KR" dirty="0"/>
+              <a:t>(n)</a:t>
+            </a:r>
+            <a:r>
+              <a:rPr lang="ko-KR" altLang="en-US" dirty="0"/>
+              <a:t>가 커질수록 각 알고리즘이 얼마나 빠르게</a:t>
+            </a:r>
+            <a:r>
+              <a:rPr lang="en-US" altLang="ko-KR" dirty="0"/>
+              <a:t>/</a:t>
+            </a:r>
+            <a:r>
+              <a:rPr lang="ko-KR" altLang="en-US" dirty="0"/>
+              <a:t>느리게 실행시간이 증가하는지를 비교한 그래프</a:t>
+            </a:r>
+            <a:endParaRPr lang="en-US" altLang="ko-KR" dirty="0"/>
+          </a:p>
+          <a:p>
+            <a:pPr marL="228600" indent="-228600">
+              <a:buAutoNum type="arabicPeriod"/>
+            </a:pPr>
+            <a:r>
+              <a:rPr lang="ko-KR" altLang="en-US" dirty="0"/>
+              <a:t>상수시간</a:t>
+            </a:r>
+            <a:endParaRPr lang="en-US" altLang="ko-KR" dirty="0"/>
+          </a:p>
+          <a:p>
+            <a:pPr marL="0" indent="0">
+              <a:buNone/>
+            </a:pPr>
+            <a:r>
+              <a:rPr lang="ko-KR" altLang="en-US" dirty="0" err="1"/>
+              <a:t>ㄴ</a:t>
+            </a:r>
+            <a:r>
+              <a:rPr lang="ko-KR" altLang="en-US" dirty="0"/>
+              <a:t> 입력 크기 </a:t>
+            </a:r>
+            <a:r>
+              <a:rPr lang="en-US" altLang="ko-KR" dirty="0"/>
+              <a:t>N</a:t>
+            </a:r>
+            <a:r>
+              <a:rPr lang="ko-KR" altLang="en-US" dirty="0"/>
+              <a:t>과 관계없이 항상 고정된 시간에 처리됨</a:t>
+            </a:r>
+            <a:r>
+              <a:rPr lang="en-US" altLang="ko-KR" dirty="0"/>
+              <a:t>.</a:t>
+            </a:r>
+          </a:p>
+          <a:p>
+            <a:pPr marL="0" indent="0">
+              <a:buNone/>
+            </a:pPr>
+            <a:endParaRPr lang="en-US" altLang="ko-KR" dirty="0"/>
+          </a:p>
+          <a:p>
+            <a:pPr marL="0" indent="0">
+              <a:buNone/>
+            </a:pPr>
+            <a:r>
+              <a:rPr lang="en-US" altLang="ko-KR" dirty="0"/>
+              <a:t>2. </a:t>
+            </a:r>
+            <a:r>
+              <a:rPr lang="ko-KR" altLang="en-US" dirty="0"/>
+              <a:t>로그 시간</a:t>
+            </a:r>
+            <a:endParaRPr lang="en-US" altLang="ko-KR" dirty="0"/>
+          </a:p>
+          <a:p>
+            <a:pPr marL="0" indent="0">
+              <a:buNone/>
+            </a:pPr>
+            <a:r>
+              <a:rPr lang="ko-KR" altLang="en-US" dirty="0" err="1"/>
+              <a:t>ㄴ예시</a:t>
+            </a:r>
+            <a:r>
+              <a:rPr lang="en-US" altLang="ko-KR" dirty="0"/>
+              <a:t>) </a:t>
+            </a:r>
+            <a:r>
+              <a:rPr lang="ko-KR" altLang="en-US" dirty="0"/>
+              <a:t>이진 탐색</a:t>
+            </a:r>
+            <a:endParaRPr lang="en-US" altLang="ko-KR" dirty="0"/>
+          </a:p>
+          <a:p>
+            <a:pPr marL="0" indent="0">
+              <a:buNone/>
+            </a:pPr>
+            <a:r>
+              <a:rPr lang="ko-KR" altLang="en-US" dirty="0" err="1"/>
+              <a:t>ㄴ</a:t>
+            </a:r>
+            <a:r>
+              <a:rPr lang="ko-KR" altLang="en-US" dirty="0"/>
+              <a:t> 데이터가 </a:t>
+            </a:r>
+            <a:r>
+              <a:rPr lang="en-US" altLang="ko-KR" dirty="0"/>
+              <a:t>2</a:t>
+            </a:r>
+            <a:r>
+              <a:rPr lang="ko-KR" altLang="en-US" dirty="0"/>
+              <a:t>배로 늘어나도 연산 횟수는 </a:t>
+            </a:r>
+            <a:r>
+              <a:rPr lang="en-US" altLang="ko-KR" dirty="0"/>
+              <a:t>1</a:t>
+            </a:r>
+            <a:r>
+              <a:rPr lang="ko-KR" altLang="en-US" dirty="0"/>
+              <a:t>씩만 증가 </a:t>
+            </a:r>
+            <a:r>
+              <a:rPr lang="en-US" altLang="ko-KR" dirty="0"/>
+              <a:t>-&gt; </a:t>
+            </a:r>
+            <a:r>
+              <a:rPr lang="ko-KR" altLang="en-US" dirty="0"/>
+              <a:t>절반씩 나누는 구조</a:t>
+            </a:r>
+            <a:endParaRPr lang="en-US" altLang="ko-KR" dirty="0"/>
+          </a:p>
+          <a:p>
+            <a:pPr marL="0" indent="0">
+              <a:buNone/>
+            </a:pPr>
+            <a:endParaRPr lang="en-US" altLang="ko-KR" dirty="0"/>
+          </a:p>
+          <a:p>
+            <a:pPr marL="0" indent="0">
+              <a:buNone/>
+            </a:pPr>
+            <a:r>
+              <a:rPr lang="en-US" altLang="ko-KR" dirty="0"/>
+              <a:t>3. </a:t>
+            </a:r>
+            <a:r>
+              <a:rPr lang="ko-KR" altLang="en-US" dirty="0"/>
+              <a:t>준선형 시간</a:t>
+            </a:r>
+            <a:endParaRPr lang="en-US" altLang="ko-KR" dirty="0"/>
+          </a:p>
+          <a:p>
+            <a:pPr marL="0" indent="0">
+              <a:buNone/>
+            </a:pPr>
+            <a:r>
+              <a:rPr lang="ko-KR" altLang="en-US" dirty="0" err="1"/>
+              <a:t>ㄴ</a:t>
+            </a:r>
+            <a:r>
+              <a:rPr lang="ko-KR" altLang="en-US" dirty="0"/>
+              <a:t> 대부분의 고급 정렬 알고리즘이 갖는 시간 복잡도</a:t>
+            </a:r>
+            <a:endParaRPr lang="en-US" altLang="ko-KR" dirty="0"/>
+          </a:p>
+          <a:p>
+            <a:pPr marL="0" indent="0">
+              <a:buNone/>
+            </a:pPr>
+            <a:endParaRPr lang="en-US" altLang="ko-KR" dirty="0"/>
+          </a:p>
+          <a:p>
+            <a:pPr marL="0" indent="0">
+              <a:buNone/>
+            </a:pPr>
+            <a:r>
+              <a:rPr lang="en-US" altLang="ko-KR" dirty="0"/>
+              <a:t>4. </a:t>
+            </a:r>
+            <a:r>
+              <a:rPr lang="ko-KR" altLang="en-US" dirty="0"/>
+              <a:t>이차 시간</a:t>
+            </a:r>
+            <a:endParaRPr lang="en-US" altLang="ko-KR" dirty="0"/>
+          </a:p>
+          <a:p>
+            <a:pPr marL="0" indent="0">
+              <a:buNone/>
+            </a:pPr>
+            <a:r>
+              <a:rPr lang="ko-KR" altLang="en-US" dirty="0"/>
+              <a:t>입력 크기가 커질수록 급격히 느려짐</a:t>
+            </a:r>
+            <a:r>
+              <a:rPr lang="en-US" altLang="ko-KR" dirty="0"/>
+              <a:t>.</a:t>
+            </a:r>
+          </a:p>
+          <a:p>
+            <a:pPr marL="0" indent="0">
+              <a:buNone/>
+            </a:pPr>
+            <a:endParaRPr lang="en-US" altLang="ko-KR" dirty="0"/>
+          </a:p>
+          <a:p>
+            <a:pPr marL="0" indent="0">
+              <a:buNone/>
+            </a:pPr>
+            <a:r>
+              <a:rPr lang="en-US" altLang="ko-KR" dirty="0"/>
+              <a:t>5. </a:t>
+            </a:r>
+            <a:r>
+              <a:rPr lang="ko-KR" altLang="en-US" dirty="0"/>
+              <a:t>지수 시간</a:t>
+            </a:r>
+            <a:endParaRPr lang="en-US" altLang="ko-KR" dirty="0"/>
+          </a:p>
+          <a:p>
+            <a:pPr marL="0" indent="0">
+              <a:buNone/>
+            </a:pPr>
+            <a:r>
+              <a:rPr lang="ko-KR" altLang="en-US" dirty="0" err="1"/>
+              <a:t>ㄴ</a:t>
+            </a:r>
+            <a:r>
+              <a:rPr lang="ko-KR" altLang="en-US" dirty="0"/>
+              <a:t> 예시</a:t>
+            </a:r>
+            <a:r>
+              <a:rPr lang="en-US" altLang="ko-KR" dirty="0"/>
+              <a:t>) </a:t>
+            </a:r>
+            <a:r>
+              <a:rPr lang="ko-KR" altLang="en-US" dirty="0"/>
+              <a:t>재귀적 피보나치 수열</a:t>
+            </a:r>
+            <a:endParaRPr lang="en-US" altLang="ko-KR" dirty="0"/>
+          </a:p>
+          <a:p>
+            <a:pPr marL="0" indent="0">
+              <a:buNone/>
+            </a:pPr>
+            <a:r>
+              <a:rPr lang="ko-KR" altLang="en-US" dirty="0" err="1"/>
+              <a:t>ㄴ</a:t>
+            </a:r>
+            <a:r>
+              <a:rPr lang="ko-KR" altLang="en-US" dirty="0"/>
+              <a:t> 입력 크기가 조금만 커져도 연산 횟수가 기하급수적으로 증가</a:t>
+            </a:r>
+            <a:r>
+              <a:rPr lang="en-US" altLang="ko-KR" dirty="0"/>
+              <a:t>.</a:t>
+            </a:r>
           </a:p>
         </p:txBody>
       </p:sp>
@@ -2992,7 +2985,7 @@
           <a:p>
             <a:fld id="{C09E5BFC-1559-42F1-8940-AB342D56BF02}" type="slidenum">
               <a:rPr lang="ko-KR" altLang="en-US" smtClean="0"/>
-              <a:t>39</a:t>
+              <a:t>38</a:t>
             </a:fld>
             <a:endParaRPr lang="ko-KR" altLang="en-US"/>
           </a:p>
@@ -3001,7 +2994,7 @@
     </p:spTree>
     <p:extLst>
       <p:ext uri="{BB962C8B-B14F-4D97-AF65-F5344CB8AC3E}">
-        <p14:creationId xmlns:p14="http://schemas.microsoft.com/office/powerpoint/2010/main" val="458695718"/>
+        <p14:creationId xmlns:p14="http://schemas.microsoft.com/office/powerpoint/2010/main" val="2599045694"/>
       </p:ext>
     </p:extLst>
   </p:cSld>
@@ -3055,242 +3048,7 @@
           <a:bodyPr/>
           <a:lstStyle/>
           <a:p>
-            <a:r>
-              <a:rPr lang="en-US" altLang="ko-KR" dirty="0"/>
-              <a:t>For</a:t>
-            </a:r>
-            <a:r>
-              <a:rPr lang="ko-KR" altLang="en-US" dirty="0"/>
-              <a:t>문과 </a:t>
-            </a:r>
-            <a:r>
-              <a:rPr lang="en-US" altLang="ko-KR" dirty="0"/>
-              <a:t>foreach</a:t>
-            </a:r>
-            <a:r>
-              <a:rPr lang="ko-KR" altLang="en-US" dirty="0"/>
-              <a:t>문 차이</a:t>
-            </a:r>
-            <a:endParaRPr lang="en-US" altLang="ko-KR" dirty="0"/>
-          </a:p>
-          <a:p>
-            <a:pPr marL="171450" indent="-171450">
-              <a:buFontTx/>
-              <a:buChar char="-"/>
-            </a:pPr>
-            <a:r>
-              <a:rPr lang="en-US" altLang="ko-KR" dirty="0"/>
-              <a:t>For</a:t>
-            </a:r>
-            <a:r>
-              <a:rPr lang="ko-KR" altLang="en-US" dirty="0"/>
-              <a:t>문 </a:t>
-            </a:r>
-            <a:r>
-              <a:rPr lang="en-US" altLang="ko-KR" dirty="0"/>
-              <a:t>: </a:t>
-            </a:r>
-            <a:r>
-              <a:rPr lang="ko-KR" altLang="en-US" dirty="0"/>
-              <a:t>보통 몇 번 반복할지 알고 있을 때 사용</a:t>
-            </a:r>
-            <a:endParaRPr lang="en-US" altLang="ko-KR" dirty="0"/>
-          </a:p>
-          <a:p>
-            <a:pPr marL="171450" indent="-171450">
-              <a:buFontTx/>
-              <a:buChar char="-"/>
-            </a:pPr>
-            <a:r>
-              <a:rPr lang="en-US" altLang="ko-KR" dirty="0"/>
-              <a:t>Foreach</a:t>
-            </a:r>
-            <a:r>
-              <a:rPr lang="ko-KR" altLang="en-US" dirty="0"/>
-              <a:t>문 </a:t>
-            </a:r>
-            <a:r>
-              <a:rPr lang="en-US" altLang="ko-KR" dirty="0"/>
-              <a:t>: </a:t>
-            </a:r>
-            <a:r>
-              <a:rPr lang="ko-KR" altLang="en-US" dirty="0"/>
-              <a:t>몇 번 반복할지 몰라도 컬렉션의 크기만큼 자동으로 반복해줌</a:t>
-            </a:r>
-            <a:r>
-              <a:rPr lang="en-US" altLang="ko-KR" dirty="0"/>
-              <a:t>.</a:t>
-            </a:r>
-          </a:p>
-          <a:p>
-            <a:pPr marL="171450" indent="-171450">
-              <a:buFontTx/>
-              <a:buChar char="-"/>
-            </a:pPr>
-            <a:endParaRPr lang="en-US" altLang="ko-KR" dirty="0"/>
-          </a:p>
-          <a:p>
-            <a:pPr marL="0" indent="0">
-              <a:buFontTx/>
-              <a:buNone/>
-            </a:pPr>
-            <a:r>
-              <a:rPr lang="en-US" altLang="ko-KR" dirty="0"/>
-              <a:t>*</a:t>
-            </a:r>
-            <a:r>
-              <a:rPr lang="ko-KR" altLang="en-US" dirty="0"/>
-              <a:t>컬렉션</a:t>
-            </a:r>
-            <a:r>
-              <a:rPr lang="en-US" altLang="ko-KR" dirty="0"/>
-              <a:t>*</a:t>
-            </a:r>
-          </a:p>
-          <a:p>
-            <a:pPr marL="0" indent="0">
-              <a:buFontTx/>
-              <a:buNone/>
-            </a:pPr>
-            <a:r>
-              <a:rPr lang="en-US" altLang="ko-KR" dirty="0"/>
-              <a:t>= </a:t>
-            </a:r>
-            <a:r>
-              <a:rPr lang="ko-KR" altLang="en-US" dirty="0"/>
-              <a:t>여러 개의 데이터를 하나로 묶어서 관리하는 자료 구조를 말함</a:t>
-            </a:r>
-            <a:r>
-              <a:rPr lang="en-US" altLang="ko-KR" dirty="0"/>
-              <a:t>. == </a:t>
-            </a:r>
-            <a:r>
-              <a:rPr lang="ko-KR" altLang="en-US" dirty="0"/>
-              <a:t>데이터들의 모음</a:t>
-            </a:r>
-            <a:r>
-              <a:rPr lang="en-US" altLang="ko-KR" dirty="0"/>
-              <a:t>.</a:t>
-            </a:r>
-          </a:p>
-          <a:p>
-            <a:pPr marL="0" indent="0">
-              <a:buFontTx/>
-              <a:buNone/>
-            </a:pPr>
-            <a:endParaRPr lang="en-US" altLang="ko-KR" dirty="0"/>
-          </a:p>
-          <a:p>
-            <a:pPr marL="0" indent="0">
-              <a:buFontTx/>
-              <a:buNone/>
-            </a:pPr>
-            <a:r>
-              <a:rPr lang="en-US" altLang="ko-KR" dirty="0"/>
-              <a:t>*foreach</a:t>
-            </a:r>
-            <a:r>
-              <a:rPr lang="ko-KR" altLang="en-US" dirty="0"/>
-              <a:t> 사용법</a:t>
-            </a:r>
-            <a:r>
-              <a:rPr lang="en-US" altLang="ko-KR" dirty="0"/>
-              <a:t>*</a:t>
-            </a:r>
-          </a:p>
-          <a:p>
-            <a:pPr marL="0" indent="0">
-              <a:buFontTx/>
-              <a:buNone/>
-            </a:pPr>
-            <a:r>
-              <a:rPr lang="en-US" altLang="ko-KR" dirty="0"/>
-              <a:t>Foreach (</a:t>
-            </a:r>
-            <a:r>
-              <a:rPr lang="ko-KR" altLang="en-US" dirty="0"/>
-              <a:t>자료형 </a:t>
-            </a:r>
-            <a:r>
-              <a:rPr lang="ko-KR" altLang="en-US" dirty="0" err="1"/>
-              <a:t>변수명</a:t>
-            </a:r>
-            <a:r>
-              <a:rPr lang="ko-KR" altLang="en-US" dirty="0"/>
-              <a:t> </a:t>
-            </a:r>
-            <a:r>
-              <a:rPr lang="en-US" altLang="ko-KR" dirty="0"/>
-              <a:t>in </a:t>
-            </a:r>
-            <a:r>
-              <a:rPr lang="ko-KR" altLang="en-US" dirty="0"/>
-              <a:t>컬렉션</a:t>
-            </a:r>
-            <a:r>
-              <a:rPr lang="en-US" altLang="ko-KR" dirty="0"/>
-              <a:t>) </a:t>
-            </a:r>
-            <a:br>
-              <a:rPr lang="en-US" altLang="ko-KR" dirty="0"/>
-            </a:br>
-            <a:r>
-              <a:rPr lang="en-US" altLang="ko-KR" dirty="0"/>
-              <a:t>{ </a:t>
-            </a:r>
-            <a:r>
-              <a:rPr lang="ko-KR" altLang="en-US" dirty="0"/>
-              <a:t>코드 내용 </a:t>
-            </a:r>
-            <a:r>
-              <a:rPr lang="en-US" altLang="ko-KR" dirty="0"/>
-              <a:t>}</a:t>
-            </a:r>
-          </a:p>
-          <a:p>
-            <a:pPr marL="0" indent="0">
-              <a:buFontTx/>
-              <a:buNone/>
-            </a:pPr>
-            <a:endParaRPr lang="en-US" altLang="ko-KR" dirty="0"/>
-          </a:p>
-          <a:p>
-            <a:pPr marL="0" indent="0">
-              <a:buFontTx/>
-              <a:buNone/>
-            </a:pPr>
-            <a:r>
-              <a:rPr lang="ko-KR" altLang="en-US" dirty="0"/>
-              <a:t>자료형</a:t>
-            </a:r>
-            <a:r>
-              <a:rPr lang="en-US" altLang="ko-KR" dirty="0"/>
-              <a:t>: </a:t>
-            </a:r>
-            <a:r>
-              <a:rPr lang="ko-KR" altLang="en-US" dirty="0"/>
-              <a:t>컬렉션 안에 들어있는 요소의 데이터 타입</a:t>
-            </a:r>
-            <a:endParaRPr lang="en-US" altLang="ko-KR" dirty="0"/>
-          </a:p>
-          <a:p>
-            <a:pPr marL="0" indent="0">
-              <a:buFontTx/>
-              <a:buNone/>
-            </a:pPr>
-            <a:r>
-              <a:rPr lang="ko-KR" altLang="en-US" dirty="0" err="1"/>
-              <a:t>변수명</a:t>
-            </a:r>
-            <a:r>
-              <a:rPr lang="en-US" altLang="ko-KR" dirty="0"/>
-              <a:t>: </a:t>
-            </a:r>
-            <a:r>
-              <a:rPr lang="ko-KR" altLang="en-US" dirty="0"/>
-              <a:t>꺼낸 요소를 담는 이름</a:t>
-            </a:r>
-            <a:endParaRPr lang="en-US" altLang="ko-KR" dirty="0"/>
+            <a:endParaRPr lang="ko-KR" altLang="en-US" dirty="0"/>
           </a:p>
         </p:txBody>
       </p:sp>
@@ -3320,7 +3078,7 @@
     </p:spTree>
     <p:extLst>
       <p:ext uri="{BB962C8B-B14F-4D97-AF65-F5344CB8AC3E}">
-        <p14:creationId xmlns:p14="http://schemas.microsoft.com/office/powerpoint/2010/main" val="4124922040"/>
+        <p14:creationId xmlns:p14="http://schemas.microsoft.com/office/powerpoint/2010/main" val="458695718"/>
       </p:ext>
     </p:extLst>
   </p:cSld>
@@ -3374,7 +3132,242 @@
           <a:bodyPr/>
           <a:lstStyle/>
           <a:p>
-            <a:endParaRPr lang="ko-KR" altLang="en-US" dirty="0"/>
+            <a:r>
+              <a:rPr lang="en-US" altLang="ko-KR" dirty="0"/>
+              <a:t>For</a:t>
+            </a:r>
+            <a:r>
+              <a:rPr lang="ko-KR" altLang="en-US" dirty="0"/>
+              <a:t>문과 </a:t>
+            </a:r>
+            <a:r>
+              <a:rPr lang="en-US" altLang="ko-KR" dirty="0"/>
+              <a:t>foreach</a:t>
+            </a:r>
+            <a:r>
+              <a:rPr lang="ko-KR" altLang="en-US" dirty="0"/>
+              <a:t>문 차이</a:t>
+            </a:r>
+            <a:endParaRPr lang="en-US" altLang="ko-KR" dirty="0"/>
+          </a:p>
+          <a:p>
+            <a:pPr marL="171450" indent="-171450">
+              <a:buFontTx/>
+              <a:buChar char="-"/>
+            </a:pPr>
+            <a:r>
+              <a:rPr lang="en-US" altLang="ko-KR" dirty="0"/>
+              <a:t>For</a:t>
+            </a:r>
+            <a:r>
+              <a:rPr lang="ko-KR" altLang="en-US" dirty="0"/>
+              <a:t>문 </a:t>
+            </a:r>
+            <a:r>
+              <a:rPr lang="en-US" altLang="ko-KR" dirty="0"/>
+              <a:t>: </a:t>
+            </a:r>
+            <a:r>
+              <a:rPr lang="ko-KR" altLang="en-US" dirty="0"/>
+              <a:t>보통 몇 번 반복할지 알고 있을 때 사용</a:t>
+            </a:r>
+            <a:endParaRPr lang="en-US" altLang="ko-KR" dirty="0"/>
+          </a:p>
+          <a:p>
+            <a:pPr marL="171450" indent="-171450">
+              <a:buFontTx/>
+              <a:buChar char="-"/>
+            </a:pPr>
+            <a:r>
+              <a:rPr lang="en-US" altLang="ko-KR" dirty="0"/>
+              <a:t>Foreach</a:t>
+            </a:r>
+            <a:r>
+              <a:rPr lang="ko-KR" altLang="en-US" dirty="0"/>
+              <a:t>문 </a:t>
+            </a:r>
+            <a:r>
+              <a:rPr lang="en-US" altLang="ko-KR" dirty="0"/>
+              <a:t>: </a:t>
+            </a:r>
+            <a:r>
+              <a:rPr lang="ko-KR" altLang="en-US" dirty="0"/>
+              <a:t>몇 번 반복할지 몰라도 컬렉션의 크기만큼 자동으로 반복해줌</a:t>
+            </a:r>
+            <a:r>
+              <a:rPr lang="en-US" altLang="ko-KR" dirty="0"/>
+              <a:t>.</a:t>
+            </a:r>
+          </a:p>
+          <a:p>
+            <a:pPr marL="171450" indent="-171450">
+              <a:buFontTx/>
+              <a:buChar char="-"/>
+            </a:pPr>
+            <a:endParaRPr lang="en-US" altLang="ko-KR" dirty="0"/>
+          </a:p>
+          <a:p>
+            <a:pPr marL="0" indent="0">
+              <a:buFontTx/>
+              <a:buNone/>
+            </a:pPr>
+            <a:r>
+              <a:rPr lang="en-US" altLang="ko-KR" dirty="0"/>
+              <a:t>*</a:t>
+            </a:r>
+            <a:r>
+              <a:rPr lang="ko-KR" altLang="en-US" dirty="0"/>
+              <a:t>컬렉션</a:t>
+            </a:r>
+            <a:r>
+              <a:rPr lang="en-US" altLang="ko-KR" dirty="0"/>
+              <a:t>*</a:t>
+            </a:r>
+          </a:p>
+          <a:p>
+            <a:pPr marL="0" indent="0">
+              <a:buFontTx/>
+              <a:buNone/>
+            </a:pPr>
+            <a:r>
+              <a:rPr lang="en-US" altLang="ko-KR" dirty="0"/>
+              <a:t>= </a:t>
+            </a:r>
+            <a:r>
+              <a:rPr lang="ko-KR" altLang="en-US" dirty="0"/>
+              <a:t>여러 개의 데이터를 하나로 묶어서 관리하는 자료 구조를 말함</a:t>
+            </a:r>
+            <a:r>
+              <a:rPr lang="en-US" altLang="ko-KR" dirty="0"/>
+              <a:t>. == </a:t>
+            </a:r>
+            <a:r>
+              <a:rPr lang="ko-KR" altLang="en-US" dirty="0"/>
+              <a:t>데이터들의 모음</a:t>
+            </a:r>
+            <a:r>
+              <a:rPr lang="en-US" altLang="ko-KR" dirty="0"/>
+              <a:t>.</a:t>
+            </a:r>
+          </a:p>
+          <a:p>
+            <a:pPr marL="0" indent="0">
+              <a:buFontTx/>
+              <a:buNone/>
+            </a:pPr>
+            <a:endParaRPr lang="en-US" altLang="ko-KR" dirty="0"/>
+          </a:p>
+          <a:p>
+            <a:pPr marL="0" indent="0">
+              <a:buFontTx/>
+              <a:buNone/>
+            </a:pPr>
+            <a:r>
+              <a:rPr lang="en-US" altLang="ko-KR" dirty="0"/>
+              <a:t>*foreach</a:t>
+            </a:r>
+            <a:r>
+              <a:rPr lang="ko-KR" altLang="en-US" dirty="0"/>
+              <a:t> 사용법</a:t>
+            </a:r>
+            <a:r>
+              <a:rPr lang="en-US" altLang="ko-KR" dirty="0"/>
+              <a:t>*</a:t>
+            </a:r>
+          </a:p>
+          <a:p>
+            <a:pPr marL="0" indent="0">
+              <a:buFontTx/>
+              <a:buNone/>
+            </a:pPr>
+            <a:r>
+              <a:rPr lang="en-US" altLang="ko-KR" dirty="0"/>
+              <a:t>Foreach (</a:t>
+            </a:r>
+            <a:r>
+              <a:rPr lang="ko-KR" altLang="en-US" dirty="0"/>
+              <a:t>자료형 </a:t>
+            </a:r>
+            <a:r>
+              <a:rPr lang="ko-KR" altLang="en-US" dirty="0" err="1"/>
+              <a:t>변수명</a:t>
+            </a:r>
+            <a:r>
+              <a:rPr lang="ko-KR" altLang="en-US" dirty="0"/>
+              <a:t> </a:t>
+            </a:r>
+            <a:r>
+              <a:rPr lang="en-US" altLang="ko-KR" dirty="0"/>
+              <a:t>in </a:t>
+            </a:r>
+            <a:r>
+              <a:rPr lang="ko-KR" altLang="en-US" dirty="0"/>
+              <a:t>컬렉션</a:t>
+            </a:r>
+            <a:r>
+              <a:rPr lang="en-US" altLang="ko-KR" dirty="0"/>
+              <a:t>) </a:t>
+            </a:r>
+            <a:br>
+              <a:rPr lang="en-US" altLang="ko-KR" dirty="0"/>
+            </a:br>
+            <a:r>
+              <a:rPr lang="en-US" altLang="ko-KR" dirty="0"/>
+              <a:t>{ </a:t>
+            </a:r>
+            <a:r>
+              <a:rPr lang="ko-KR" altLang="en-US" dirty="0"/>
+              <a:t>코드 내용 </a:t>
+            </a:r>
+            <a:r>
+              <a:rPr lang="en-US" altLang="ko-KR" dirty="0"/>
+              <a:t>}</a:t>
+            </a:r>
+          </a:p>
+          <a:p>
+            <a:pPr marL="0" indent="0">
+              <a:buFontTx/>
+              <a:buNone/>
+            </a:pPr>
+            <a:endParaRPr lang="en-US" altLang="ko-KR" dirty="0"/>
+          </a:p>
+          <a:p>
+            <a:pPr marL="0" indent="0">
+              <a:buFontTx/>
+              <a:buNone/>
+            </a:pPr>
+            <a:r>
+              <a:rPr lang="ko-KR" altLang="en-US" dirty="0"/>
+              <a:t>자료형</a:t>
+            </a:r>
+            <a:r>
+              <a:rPr lang="en-US" altLang="ko-KR" dirty="0"/>
+              <a:t>: </a:t>
+            </a:r>
+            <a:r>
+              <a:rPr lang="ko-KR" altLang="en-US" dirty="0"/>
+              <a:t>컬렉션 안에 들어있는 요소의 데이터 타입</a:t>
+            </a:r>
+            <a:endParaRPr lang="en-US" altLang="ko-KR" dirty="0"/>
+          </a:p>
+          <a:p>
+            <a:pPr marL="0" indent="0">
+              <a:buFontTx/>
+              <a:buNone/>
+            </a:pPr>
+            <a:r>
+              <a:rPr lang="ko-KR" altLang="en-US" dirty="0" err="1"/>
+              <a:t>변수명</a:t>
+            </a:r>
+            <a:r>
+              <a:rPr lang="en-US" altLang="ko-KR" dirty="0"/>
+              <a:t>: </a:t>
+            </a:r>
+            <a:r>
+              <a:rPr lang="ko-KR" altLang="en-US" dirty="0"/>
+              <a:t>꺼낸 요소를 담는 이름</a:t>
+            </a:r>
+            <a:endParaRPr lang="en-US" altLang="ko-KR" dirty="0"/>
           </a:p>
         </p:txBody>
       </p:sp>
@@ -3404,7 +3397,7 @@
     </p:spTree>
     <p:extLst>
       <p:ext uri="{BB962C8B-B14F-4D97-AF65-F5344CB8AC3E}">
-        <p14:creationId xmlns:p14="http://schemas.microsoft.com/office/powerpoint/2010/main" val="1137311958"/>
+        <p14:creationId xmlns:p14="http://schemas.microsoft.com/office/powerpoint/2010/main" val="4124922040"/>
       </p:ext>
     </p:extLst>
   </p:cSld>
@@ -3479,7 +3472,7 @@
           <a:p>
             <a:fld id="{C09E5BFC-1559-42F1-8940-AB342D56BF02}" type="slidenum">
               <a:rPr lang="ko-KR" altLang="en-US" smtClean="0"/>
-              <a:t>43</a:t>
+              <a:t>42</a:t>
             </a:fld>
             <a:endParaRPr lang="ko-KR" altLang="en-US"/>
           </a:p>
@@ -3488,7 +3481,7 @@
     </p:spTree>
     <p:extLst>
       <p:ext uri="{BB962C8B-B14F-4D97-AF65-F5344CB8AC3E}">
-        <p14:creationId xmlns:p14="http://schemas.microsoft.com/office/powerpoint/2010/main" val="1266101058"/>
+        <p14:creationId xmlns:p14="http://schemas.microsoft.com/office/powerpoint/2010/main" val="1137311958"/>
       </p:ext>
     </p:extLst>
   </p:cSld>
@@ -3572,7 +3565,7 @@
     </p:spTree>
     <p:extLst>
       <p:ext uri="{BB962C8B-B14F-4D97-AF65-F5344CB8AC3E}">
-        <p14:creationId xmlns:p14="http://schemas.microsoft.com/office/powerpoint/2010/main" val="2540806148"/>
+        <p14:creationId xmlns:p14="http://schemas.microsoft.com/office/powerpoint/2010/main" val="1266101058"/>
       </p:ext>
     </p:extLst>
   </p:cSld>
@@ -3626,7 +3619,7 @@
           <a:bodyPr/>
           <a:lstStyle/>
           <a:p>
-            <a:endParaRPr lang="ko-KR" altLang="en-US"/>
+            <a:endParaRPr lang="ko-KR" altLang="en-US" dirty="0"/>
           </a:p>
         </p:txBody>
       </p:sp>
@@ -3656,7 +3649,7 @@
     </p:spTree>
     <p:extLst>
       <p:ext uri="{BB962C8B-B14F-4D97-AF65-F5344CB8AC3E}">
-        <p14:creationId xmlns:p14="http://schemas.microsoft.com/office/powerpoint/2010/main" val="2494379195"/>
+        <p14:creationId xmlns:p14="http://schemas.microsoft.com/office/powerpoint/2010/main" val="2540806148"/>
       </p:ext>
     </p:extLst>
   </p:cSld>
@@ -3711,10 +3704,9 @@
           <a:lstStyle/>
           <a:p>
             <a:r>
-              <a:rPr lang="ko-KR" altLang="en-US" dirty="0" smtClean="0"/>
+              <a:rPr lang="ko-KR" altLang="en-US" dirty="0"/>
               <a:t>코드에서 자세히</a:t>
             </a:r>
-            <a:endParaRPr lang="ko-KR" altLang="en-US" dirty="0"/>
           </a:p>
         </p:txBody>
       </p:sp>
@@ -3745,6 +3737,90 @@
     <p:extLst>
       <p:ext uri="{BB962C8B-B14F-4D97-AF65-F5344CB8AC3E}">
         <p14:creationId xmlns:p14="http://schemas.microsoft.com/office/powerpoint/2010/main" val="4003685071"/>
+      </p:ext>
+    </p:extLst>
+  </p:cSld>
+  <p:clrMapOvr>
+    <a:masterClrMapping/>
+  </p:clrMapOvr>
+</p:notes>
+</file>
+
+<file path=ppt/notesSlides/notesSlide30.xml><?xml version="1.0" encoding="utf-8"?>
+<p:notes xmlns:a="http://schemas.openxmlformats.org/drawingml/2006/main" xmlns:r="http://schemas.openxmlformats.org/officeDocument/2006/relationships" xmlns:p="http://schemas.openxmlformats.org/presentationml/2006/main">
+  <p:cSld>
+    <p:spTree>
+      <p:nvGrpSpPr>
+        <p:cNvPr id="1" name=""/>
+        <p:cNvGrpSpPr/>
+        <p:nvPr/>
+      </p:nvGrpSpPr>
+      <p:grpSpPr>
+        <a:xfrm>
+          <a:off x="0" y="0"/>
+          <a:ext cx="0" cy="0"/>
+          <a:chOff x="0" y="0"/>
+          <a:chExt cx="0" cy="0"/>
+        </a:xfrm>
+      </p:grpSpPr>
+      <p:sp>
+        <p:nvSpPr>
+          <p:cNvPr id="2" name="슬라이드 이미지 개체 틀 1"/>
+          <p:cNvSpPr>
+            <a:spLocks noGrp="1" noRot="1" noChangeAspect="1"/>
+          </p:cNvSpPr>
+          <p:nvPr>
+            <p:ph type="sldImg"/>
+          </p:nvPr>
+        </p:nvSpPr>
+        <p:spPr/>
+      </p:sp>
+      <p:sp>
+        <p:nvSpPr>
+          <p:cNvPr id="3" name="슬라이드 노트 개체 틀 2"/>
+          <p:cNvSpPr>
+            <a:spLocks noGrp="1"/>
+          </p:cNvSpPr>
+          <p:nvPr>
+            <p:ph type="body" idx="1"/>
+          </p:nvPr>
+        </p:nvSpPr>
+        <p:spPr/>
+        <p:txBody>
+          <a:bodyPr/>
+          <a:lstStyle/>
+          <a:p>
+            <a:endParaRPr lang="ko-KR" altLang="en-US" dirty="0"/>
+          </a:p>
+        </p:txBody>
+      </p:sp>
+      <p:sp>
+        <p:nvSpPr>
+          <p:cNvPr id="4" name="슬라이드 번호 개체 틀 3"/>
+          <p:cNvSpPr>
+            <a:spLocks noGrp="1"/>
+          </p:cNvSpPr>
+          <p:nvPr>
+            <p:ph type="sldNum" sz="quarter" idx="5"/>
+          </p:nvPr>
+        </p:nvSpPr>
+        <p:spPr/>
+        <p:txBody>
+          <a:bodyPr/>
+          <a:lstStyle/>
+          <a:p>
+            <a:fld id="{C09E5BFC-1559-42F1-8940-AB342D56BF02}" type="slidenum">
+              <a:rPr lang="ko-KR" altLang="en-US" smtClean="0"/>
+              <a:t>46</a:t>
+            </a:fld>
+            <a:endParaRPr lang="ko-KR" altLang="en-US"/>
+          </a:p>
+        </p:txBody>
+      </p:sp>
+    </p:spTree>
+    <p:extLst>
+      <p:ext uri="{BB962C8B-B14F-4D97-AF65-F5344CB8AC3E}">
+        <p14:creationId xmlns:p14="http://schemas.microsoft.com/office/powerpoint/2010/main" val="2494379195"/>
       </p:ext>
     </p:extLst>
   </p:cSld>
@@ -3915,15 +3991,11 @@
           <a:p>
             <a:r>
               <a:rPr lang="en-US" altLang="ko-KR" dirty="0"/>
-              <a:t>https://</a:t>
-            </a:r>
-            <a:r>
-              <a:rPr lang="en-US" altLang="ko-KR" dirty="0" smtClean="0"/>
-              <a:t>forward-movement.tistory.com/182</a:t>
-            </a:r>
-          </a:p>
-          <a:p>
-            <a:endParaRPr lang="en-US" altLang="ko-KR" dirty="0" smtClean="0"/>
+              <a:t>https://forward-movement.tistory.com/182</a:t>
+            </a:r>
+          </a:p>
+          <a:p>
+            <a:endParaRPr lang="en-US" altLang="ko-KR" dirty="0"/>
           </a:p>
           <a:p>
             <a:pPr marL="171450" indent="-171450">
@@ -3931,42 +4003,42 @@
               <a:buChar char="-"/>
             </a:pPr>
             <a:r>
-              <a:rPr lang="ko-KR" altLang="en-US" dirty="0" smtClean="0"/>
+              <a:rPr lang="ko-KR" altLang="en-US" dirty="0"/>
               <a:t>전 세계의 모든 문자</a:t>
             </a:r>
             <a:r>
-              <a:rPr lang="en-US" altLang="ko-KR" dirty="0" smtClean="0"/>
+              <a:rPr lang="en-US" altLang="ko-KR" dirty="0"/>
               <a:t>(</a:t>
             </a:r>
             <a:r>
-              <a:rPr lang="ko-KR" altLang="en-US" dirty="0" smtClean="0"/>
+              <a:rPr lang="ko-KR" altLang="en-US" dirty="0"/>
               <a:t>언어</a:t>
             </a:r>
             <a:r>
-              <a:rPr lang="en-US" altLang="ko-KR" dirty="0" smtClean="0"/>
+              <a:rPr lang="en-US" altLang="ko-KR" dirty="0"/>
               <a:t>, </a:t>
             </a:r>
             <a:r>
-              <a:rPr lang="ko-KR" altLang="en-US" dirty="0" smtClean="0"/>
+              <a:rPr lang="ko-KR" altLang="en-US" dirty="0"/>
               <a:t>기호</a:t>
             </a:r>
             <a:r>
-              <a:rPr lang="en-US" altLang="ko-KR" dirty="0" smtClean="0"/>
+              <a:rPr lang="en-US" altLang="ko-KR" dirty="0"/>
               <a:t>, </a:t>
             </a:r>
             <a:r>
-              <a:rPr lang="ko-KR" altLang="en-US" dirty="0" err="1" smtClean="0"/>
+              <a:rPr lang="ko-KR" altLang="en-US" dirty="0" err="1"/>
               <a:t>이모지까지</a:t>
             </a:r>
             <a:r>
-              <a:rPr lang="en-US" altLang="ko-KR" dirty="0" smtClean="0"/>
+              <a:rPr lang="en-US" altLang="ko-KR" dirty="0"/>
               <a:t>)</a:t>
             </a:r>
             <a:r>
-              <a:rPr lang="ko-KR" altLang="en-US" dirty="0" smtClean="0"/>
+              <a:rPr lang="ko-KR" altLang="en-US" dirty="0"/>
               <a:t>를 하나의 통일된 기준으로 표현하기 위해 만든 문자 체계</a:t>
             </a:r>
-            <a:endParaRPr lang="en-US" altLang="ko-KR" dirty="0" smtClean="0"/>
+            <a:endParaRPr lang="en-US" altLang="ko-KR" dirty="0"/>
           </a:p>
           <a:p>
             <a:pPr marL="171450" indent="-171450">
@@ -3974,27 +4046,27 @@
               <a:buChar char="-"/>
             </a:pPr>
             <a:r>
-              <a:rPr lang="ko-KR" altLang="en-US" dirty="0" smtClean="0"/>
+              <a:rPr lang="ko-KR" altLang="en-US" dirty="0"/>
               <a:t>예전에는 </a:t>
             </a:r>
             <a:r>
-              <a:rPr lang="en-US" altLang="ko-KR" dirty="0" smtClean="0"/>
+              <a:rPr lang="en-US" altLang="ko-KR" dirty="0"/>
               <a:t>ASCII </a:t>
             </a:r>
             <a:r>
-              <a:rPr lang="ko-KR" altLang="en-US" dirty="0" smtClean="0"/>
+              <a:rPr lang="ko-KR" altLang="en-US" dirty="0"/>
               <a:t>코드만 썼음</a:t>
             </a:r>
             <a:r>
-              <a:rPr lang="en-US" altLang="ko-KR" dirty="0" smtClean="0"/>
+              <a:rPr lang="en-US" altLang="ko-KR" dirty="0"/>
               <a:t>. (</a:t>
             </a:r>
             <a:r>
-              <a:rPr lang="ko-KR" altLang="en-US" dirty="0" smtClean="0"/>
+              <a:rPr lang="ko-KR" altLang="en-US" dirty="0"/>
               <a:t>영어 숫자 특수문자 몇 개만 표현 가능</a:t>
             </a:r>
             <a:r>
-              <a:rPr lang="en-US" altLang="ko-KR" dirty="0" smtClean="0"/>
+              <a:rPr lang="en-US" altLang="ko-KR" dirty="0"/>
               <a:t>)</a:t>
             </a:r>
           </a:p>
@@ -4004,19 +4076,19 @@
               <a:buChar char="-"/>
             </a:pPr>
             <a:r>
-              <a:rPr lang="ko-KR" altLang="en-US" dirty="0" smtClean="0"/>
+              <a:rPr lang="ko-KR" altLang="en-US" dirty="0"/>
               <a:t>한 글자당 </a:t>
             </a:r>
             <a:r>
-              <a:rPr lang="en-US" altLang="ko-KR" dirty="0" smtClean="0"/>
+              <a:rPr lang="en-US" altLang="ko-KR" dirty="0"/>
               <a:t>8bit </a:t>
             </a:r>
             <a:r>
-              <a:rPr lang="ko-KR" altLang="en-US" dirty="0" smtClean="0"/>
+              <a:rPr lang="ko-KR" altLang="en-US" dirty="0"/>
               <a:t>사용함</a:t>
             </a:r>
             <a:r>
-              <a:rPr lang="en-US" altLang="ko-KR" dirty="0" smtClean="0"/>
+              <a:rPr lang="en-US" altLang="ko-KR" dirty="0"/>
               <a:t>.</a:t>
             </a:r>
           </a:p>
@@ -4026,11 +4098,11 @@
               <a:buChar char="-"/>
             </a:pPr>
             <a:r>
-              <a:rPr lang="ko-KR" altLang="en-US" dirty="0" smtClean="0"/>
+              <a:rPr lang="ko-KR" altLang="en-US" dirty="0"/>
               <a:t>그래서 한글 일본어 중국어 같은 다른 나라 문자를 표현 할 수가 없었음</a:t>
             </a:r>
             <a:r>
-              <a:rPr lang="en-US" altLang="ko-KR" dirty="0" smtClean="0"/>
+              <a:rPr lang="en-US" altLang="ko-KR" dirty="0"/>
               <a:t>.</a:t>
             </a:r>
           </a:p>
@@ -4040,31 +4112,31 @@
               <a:buChar char="-"/>
             </a:pPr>
             <a:r>
-              <a:rPr lang="en-US" altLang="ko-KR" dirty="0" smtClean="0"/>
+              <a:rPr lang="en-US" altLang="ko-KR" dirty="0"/>
               <a:t>-&gt;</a:t>
             </a:r>
             <a:r>
-              <a:rPr lang="en-US" altLang="ko-KR" baseline="0" dirty="0" smtClean="0"/>
+              <a:rPr lang="en-US" altLang="ko-KR" baseline="0" dirty="0"/>
               <a:t> </a:t>
             </a:r>
             <a:r>
-              <a:rPr lang="ko-KR" altLang="en-US" baseline="0" dirty="0" smtClean="0"/>
+              <a:rPr lang="ko-KR" altLang="en-US" baseline="0" dirty="0"/>
               <a:t>이것을 극복하기 위해 모든 나라 문자까지 표현할 수 있는 새로운 약속이 </a:t>
             </a:r>
             <a:r>
-              <a:rPr lang="ko-KR" altLang="en-US" baseline="0" dirty="0" err="1" smtClean="0"/>
+              <a:rPr lang="ko-KR" altLang="en-US" baseline="0" dirty="0" err="1"/>
               <a:t>필요해짐</a:t>
             </a:r>
             <a:r>
-              <a:rPr lang="en-US" altLang="ko-KR" baseline="0" dirty="0" smtClean="0"/>
+              <a:rPr lang="en-US" altLang="ko-KR" baseline="0" dirty="0"/>
               <a:t>. =&gt; </a:t>
             </a:r>
             <a:r>
-              <a:rPr lang="ko-KR" altLang="en-US" baseline="0" dirty="0" smtClean="0"/>
+              <a:rPr lang="ko-KR" altLang="en-US" baseline="0" dirty="0"/>
               <a:t>그게 유니코드</a:t>
             </a:r>
             <a:r>
-              <a:rPr lang="en-US" altLang="ko-KR" baseline="0" dirty="0" smtClean="0"/>
+              <a:rPr lang="en-US" altLang="ko-KR" baseline="0" dirty="0"/>
               <a:t>.</a:t>
             </a:r>
           </a:p>
@@ -4073,7 +4145,7 @@
               <a:buFontTx/>
               <a:buChar char="-"/>
             </a:pPr>
-            <a:endParaRPr lang="en-US" altLang="ko-KR" baseline="0" dirty="0" smtClean="0"/>
+            <a:endParaRPr lang="en-US" altLang="ko-KR" baseline="0" dirty="0"/>
           </a:p>
           <a:p>
             <a:pPr marL="171450" indent="-171450">
@@ -4081,47 +4153,47 @@
               <a:buChar char="-"/>
             </a:pPr>
             <a:r>
-              <a:rPr lang="ko-KR" altLang="en-US" b="1" dirty="0" smtClean="0"/>
+              <a:rPr lang="ko-KR" altLang="en-US" b="1" dirty="0"/>
               <a:t>유니코드는 </a:t>
             </a:r>
             <a:r>
-              <a:rPr lang="en-US" altLang="ko-KR" b="1" dirty="0" smtClean="0"/>
+              <a:rPr lang="en-US" altLang="ko-KR" b="1" dirty="0"/>
               <a:t>"</a:t>
             </a:r>
             <a:r>
-              <a:rPr lang="ko-KR" altLang="en-US" b="1" dirty="0" smtClean="0"/>
+              <a:rPr lang="ko-KR" altLang="en-US" b="1" dirty="0"/>
               <a:t>문자에 번호를 붙이는 약속</a:t>
             </a:r>
             <a:r>
-              <a:rPr lang="en-US" altLang="ko-KR" b="1" dirty="0" smtClean="0"/>
+              <a:rPr lang="en-US" altLang="ko-KR" b="1" dirty="0"/>
               <a:t>"</a:t>
             </a:r>
             <a:r>
-              <a:rPr lang="ko-KR" altLang="en-US" dirty="0" smtClean="0"/>
+              <a:rPr lang="ko-KR" altLang="en-US" dirty="0"/>
               <a:t> 입니다</a:t>
             </a:r>
             <a:r>
-              <a:rPr lang="en-US" altLang="ko-KR" dirty="0" smtClean="0"/>
+              <a:rPr lang="en-US" altLang="ko-KR" dirty="0"/>
               <a:t>. (</a:t>
             </a:r>
             <a:r>
-              <a:rPr lang="ko-KR" altLang="en-US" dirty="0" smtClean="0"/>
+              <a:rPr lang="ko-KR" altLang="en-US" dirty="0"/>
               <a:t>이걸 </a:t>
             </a:r>
             <a:r>
-              <a:rPr lang="ko-KR" altLang="en-US" b="1" dirty="0" err="1" smtClean="0"/>
+              <a:rPr lang="ko-KR" altLang="en-US" b="1" dirty="0" err="1"/>
               <a:t>부호화</a:t>
             </a:r>
             <a:r>
-              <a:rPr lang="ko-KR" altLang="en-US" dirty="0" err="1" smtClean="0"/>
+              <a:rPr lang="ko-KR" altLang="en-US" dirty="0" err="1"/>
               <a:t>라고</a:t>
             </a:r>
             <a:r>
-              <a:rPr lang="ko-KR" altLang="en-US" dirty="0" smtClean="0"/>
+              <a:rPr lang="ko-KR" altLang="en-US" dirty="0"/>
               <a:t> 해요</a:t>
             </a:r>
             <a:r>
-              <a:rPr lang="en-US" altLang="ko-KR" dirty="0" smtClean="0"/>
+              <a:rPr lang="en-US" altLang="ko-KR" dirty="0"/>
               <a:t>)</a:t>
             </a:r>
           </a:p>
@@ -4130,208 +4202,208 @@
               <a:buFontTx/>
               <a:buChar char="-"/>
             </a:pPr>
-            <a:endParaRPr lang="en-US" altLang="ko-KR" dirty="0" smtClean="0"/>
-          </a:p>
-          <a:p>
-            <a:r>
-              <a:rPr lang="ko-KR" altLang="en-US" b="1" dirty="0" smtClean="0"/>
+            <a:endParaRPr lang="en-US" altLang="ko-KR" dirty="0"/>
+          </a:p>
+          <a:p>
+            <a:r>
+              <a:rPr lang="ko-KR" altLang="en-US" b="1" dirty="0"/>
               <a:t>유니코드 자체는 </a:t>
             </a:r>
             <a:r>
-              <a:rPr lang="en-US" altLang="ko-KR" b="1" dirty="0" smtClean="0"/>
+              <a:rPr lang="en-US" altLang="ko-KR" b="1" dirty="0"/>
               <a:t>'</a:t>
             </a:r>
             <a:r>
-              <a:rPr lang="ko-KR" altLang="en-US" b="1" dirty="0" smtClean="0"/>
+              <a:rPr lang="ko-KR" altLang="en-US" b="1" dirty="0"/>
               <a:t>번호 붙이기</a:t>
             </a:r>
             <a:r>
-              <a:rPr lang="en-US" altLang="ko-KR" b="1" dirty="0" smtClean="0"/>
+              <a:rPr lang="en-US" altLang="ko-KR" b="1" dirty="0"/>
               <a:t>' </a:t>
             </a:r>
             <a:r>
-              <a:rPr lang="ko-KR" altLang="en-US" b="1" dirty="0" smtClean="0"/>
+              <a:rPr lang="ko-KR" altLang="en-US" b="1" dirty="0"/>
               <a:t>약속</a:t>
             </a:r>
             <a:r>
-              <a:rPr lang="ko-KR" altLang="en-US" dirty="0" smtClean="0"/>
+              <a:rPr lang="ko-KR" altLang="en-US" dirty="0"/>
               <a:t>일 뿐입니다</a:t>
             </a:r>
             <a:r>
-              <a:rPr lang="en-US" altLang="ko-KR" dirty="0" smtClean="0"/>
+              <a:rPr lang="en-US" altLang="ko-KR" dirty="0"/>
               <a:t>.</a:t>
             </a:r>
             <a:br>
-              <a:rPr lang="en-US" altLang="ko-KR" dirty="0" smtClean="0"/>
+              <a:rPr lang="en-US" altLang="ko-KR" dirty="0"/>
             </a:br>
             <a:r>
-              <a:rPr lang="ko-KR" altLang="en-US" b="1" dirty="0" smtClean="0"/>
+              <a:rPr lang="ko-KR" altLang="en-US" b="1" dirty="0"/>
               <a:t>컴퓨터에 저장할 때는 </a:t>
             </a:r>
             <a:r>
-              <a:rPr lang="en-US" altLang="ko-KR" b="1" dirty="0" smtClean="0"/>
+              <a:rPr lang="en-US" altLang="ko-KR" b="1" dirty="0"/>
               <a:t>"</a:t>
             </a:r>
             <a:r>
-              <a:rPr lang="ko-KR" altLang="en-US" b="1" dirty="0" smtClean="0"/>
+              <a:rPr lang="ko-KR" altLang="en-US" b="1" dirty="0"/>
               <a:t>파일 크기</a:t>
             </a:r>
             <a:r>
-              <a:rPr lang="en-US" altLang="ko-KR" b="1" dirty="0" smtClean="0"/>
+              <a:rPr lang="en-US" altLang="ko-KR" b="1" dirty="0"/>
               <a:t>"</a:t>
             </a:r>
             <a:r>
-              <a:rPr lang="ko-KR" altLang="en-US" b="1" dirty="0" smtClean="0"/>
+              <a:rPr lang="ko-KR" altLang="en-US" b="1" dirty="0"/>
               <a:t>가 중요</a:t>
             </a:r>
             <a:r>
-              <a:rPr lang="ko-KR" altLang="en-US" dirty="0" smtClean="0"/>
+              <a:rPr lang="ko-KR" altLang="en-US" dirty="0"/>
               <a:t>하니까</a:t>
             </a:r>
             <a:r>
-              <a:rPr lang="en-US" altLang="ko-KR" dirty="0" smtClean="0"/>
+              <a:rPr lang="en-US" altLang="ko-KR" dirty="0"/>
               <a:t>, </a:t>
             </a:r>
             <a:r>
-              <a:rPr lang="ko-KR" altLang="en-US" dirty="0" smtClean="0"/>
+              <a:rPr lang="ko-KR" altLang="en-US" dirty="0"/>
               <a:t>효율적으로 저장하는 방법이 필요합니다</a:t>
             </a:r>
             <a:r>
-              <a:rPr lang="en-US" altLang="ko-KR" dirty="0" smtClean="0"/>
+              <a:rPr lang="en-US" altLang="ko-KR" dirty="0"/>
               <a:t>.</a:t>
             </a:r>
           </a:p>
           <a:p>
             <a:r>
-              <a:rPr lang="ko-KR" altLang="en-US" dirty="0" smtClean="0"/>
+              <a:rPr lang="ko-KR" altLang="en-US" dirty="0"/>
               <a:t>그래서 나온 것들이</a:t>
             </a:r>
             <a:r>
-              <a:rPr lang="en-US" altLang="ko-KR" dirty="0" smtClean="0"/>
+              <a:rPr lang="en-US" altLang="ko-KR" dirty="0"/>
               <a:t>:</a:t>
             </a:r>
           </a:p>
           <a:p>
             <a:r>
-              <a:rPr lang="en-US" altLang="ko-KR" b="1" dirty="0" smtClean="0"/>
+              <a:rPr lang="en-US" altLang="ko-KR" b="1" dirty="0"/>
               <a:t>UTF-8</a:t>
             </a:r>
             <a:r>
-              <a:rPr lang="ko-KR" altLang="en-US" dirty="0" smtClean="0"/>
+              <a:rPr lang="ko-KR" altLang="en-US" dirty="0"/>
               <a:t> </a:t>
             </a:r>
             <a:r>
-              <a:rPr lang="en-US" altLang="ko-KR" dirty="0" smtClean="0"/>
+              <a:rPr lang="en-US" altLang="ko-KR" dirty="0"/>
               <a:t>: </a:t>
             </a:r>
             <a:r>
-              <a:rPr lang="ko-KR" altLang="en-US" dirty="0" smtClean="0"/>
+              <a:rPr lang="ko-KR" altLang="en-US" dirty="0"/>
               <a:t>가장 많이 쓰임</a:t>
             </a:r>
             <a:r>
-              <a:rPr lang="en-US" altLang="ko-KR" dirty="0" smtClean="0"/>
+              <a:rPr lang="en-US" altLang="ko-KR" dirty="0"/>
               <a:t>. </a:t>
             </a:r>
             <a:r>
-              <a:rPr lang="ko-KR" altLang="en-US" dirty="0" smtClean="0"/>
+              <a:rPr lang="ko-KR" altLang="en-US" dirty="0"/>
               <a:t>영어는 </a:t>
             </a:r>
             <a:r>
-              <a:rPr lang="en-US" altLang="ko-KR" dirty="0" smtClean="0"/>
+              <a:rPr lang="en-US" altLang="ko-KR" dirty="0"/>
               <a:t>1</a:t>
             </a:r>
             <a:r>
-              <a:rPr lang="ko-KR" altLang="en-US" dirty="0" smtClean="0"/>
+              <a:rPr lang="ko-KR" altLang="en-US" dirty="0"/>
               <a:t>바이트</a:t>
             </a:r>
             <a:r>
-              <a:rPr lang="en-US" altLang="ko-KR" dirty="0" smtClean="0"/>
+              <a:rPr lang="en-US" altLang="ko-KR" dirty="0"/>
               <a:t>, </a:t>
             </a:r>
             <a:r>
-              <a:rPr lang="ko-KR" altLang="en-US" dirty="0" smtClean="0"/>
+              <a:rPr lang="ko-KR" altLang="en-US" dirty="0"/>
               <a:t>한글은 </a:t>
             </a:r>
             <a:r>
-              <a:rPr lang="en-US" altLang="ko-KR" dirty="0" smtClean="0"/>
+              <a:rPr lang="en-US" altLang="ko-KR" dirty="0"/>
               <a:t>3</a:t>
             </a:r>
             <a:r>
-              <a:rPr lang="ko-KR" altLang="en-US" dirty="0" smtClean="0"/>
+              <a:rPr lang="ko-KR" altLang="en-US" dirty="0"/>
               <a:t>바이트</a:t>
             </a:r>
             <a:r>
-              <a:rPr lang="en-US" altLang="ko-KR" dirty="0" smtClean="0"/>
+              <a:rPr lang="en-US" altLang="ko-KR" dirty="0"/>
               <a:t>.</a:t>
             </a:r>
           </a:p>
           <a:p>
             <a:r>
-              <a:rPr lang="en-US" altLang="ko-KR" b="1" dirty="0" smtClean="0"/>
+              <a:rPr lang="en-US" altLang="ko-KR" b="1" dirty="0"/>
               <a:t>UTF-16</a:t>
             </a:r>
             <a:r>
-              <a:rPr lang="ko-KR" altLang="en-US" dirty="0" smtClean="0"/>
+              <a:rPr lang="ko-KR" altLang="en-US" dirty="0"/>
               <a:t> </a:t>
             </a:r>
             <a:r>
-              <a:rPr lang="en-US" altLang="ko-KR" dirty="0" smtClean="0"/>
+              <a:rPr lang="en-US" altLang="ko-KR" dirty="0"/>
               <a:t>: </a:t>
             </a:r>
             <a:r>
-              <a:rPr lang="ko-KR" altLang="en-US" dirty="0" smtClean="0"/>
+              <a:rPr lang="ko-KR" altLang="en-US" dirty="0"/>
               <a:t>주로 </a:t>
             </a:r>
             <a:r>
-              <a:rPr lang="en-US" altLang="ko-KR" dirty="0" smtClean="0"/>
+              <a:rPr lang="en-US" altLang="ko-KR" dirty="0"/>
               <a:t>2</a:t>
             </a:r>
             <a:r>
-              <a:rPr lang="ko-KR" altLang="en-US" dirty="0" smtClean="0"/>
+              <a:rPr lang="ko-KR" altLang="en-US" dirty="0"/>
               <a:t>바이트로 표현</a:t>
             </a:r>
             <a:r>
-              <a:rPr lang="en-US" altLang="ko-KR" dirty="0" smtClean="0"/>
+              <a:rPr lang="en-US" altLang="ko-KR" dirty="0"/>
               <a:t>.</a:t>
             </a:r>
           </a:p>
           <a:p>
             <a:r>
-              <a:rPr lang="en-US" altLang="ko-KR" dirty="0" smtClean="0"/>
+              <a:rPr lang="en-US" altLang="ko-KR" dirty="0"/>
               <a:t>(UTF = Unicode Transformation Format, </a:t>
             </a:r>
             <a:r>
-              <a:rPr lang="ko-KR" altLang="en-US" dirty="0" smtClean="0"/>
+              <a:rPr lang="ko-KR" altLang="en-US" dirty="0"/>
               <a:t>유니코드를 변환한 형식</a:t>
             </a:r>
             <a:r>
-              <a:rPr lang="en-US" altLang="ko-KR" dirty="0" smtClean="0"/>
+              <a:rPr lang="en-US" altLang="ko-KR" dirty="0"/>
               <a:t>)</a:t>
             </a:r>
           </a:p>
           <a:p>
             <a:r>
-              <a:rPr lang="ko-KR" altLang="en-US" dirty="0" smtClean="0"/>
+              <a:rPr lang="ko-KR" altLang="en-US" dirty="0"/>
               <a:t>유니코드를 실제 파일이나 통신에서 쓸 수 있게 압축하고 저장하는 방법이 </a:t>
             </a:r>
             <a:r>
-              <a:rPr lang="en-US" altLang="ko-KR" dirty="0" smtClean="0"/>
+              <a:rPr lang="en-US" altLang="ko-KR" dirty="0"/>
               <a:t>UTF-8, UTF-16 </a:t>
             </a:r>
             <a:r>
-              <a:rPr lang="ko-KR" altLang="en-US" dirty="0" smtClean="0"/>
+              <a:rPr lang="ko-KR" altLang="en-US" dirty="0"/>
               <a:t>같은 </a:t>
             </a:r>
             <a:r>
-              <a:rPr lang="ko-KR" altLang="en-US" dirty="0" err="1" smtClean="0"/>
+              <a:rPr lang="ko-KR" altLang="en-US" dirty="0" err="1"/>
               <a:t>인코딩</a:t>
             </a:r>
             <a:r>
-              <a:rPr lang="ko-KR" altLang="en-US" dirty="0" smtClean="0"/>
+              <a:rPr lang="ko-KR" altLang="en-US" dirty="0"/>
               <a:t> 방식입니다</a:t>
             </a:r>
             <a:r>
-              <a:rPr lang="en-US" altLang="ko-KR" dirty="0" smtClean="0"/>
+              <a:rPr lang="en-US" altLang="ko-KR" dirty="0"/>
               <a:t>.</a:t>
             </a:r>
           </a:p>
@@ -4340,7 +4412,7 @@
               <a:buFontTx/>
               <a:buChar char="-"/>
             </a:pPr>
-            <a:endParaRPr lang="en-US" altLang="ko-KR" dirty="0" smtClean="0"/>
+            <a:endParaRPr lang="en-US" altLang="ko-KR" dirty="0"/>
           </a:p>
         </p:txBody>
       </p:sp>
@@ -4445,7 +4517,7 @@
               <a:t>참고하여 사용 법을 숙지하면 좋습니다</a:t>
             </a:r>
             <a:r>
-              <a:rPr lang="en-US" altLang="ko-KR" dirty="0" smtClean="0"/>
+              <a:rPr lang="en-US" altLang="ko-KR" dirty="0"/>
               <a:t>.</a:t>
             </a:r>
           </a:p>
@@ -4932,7 +5004,7 @@
           <a:p>
             <a:fld id="{442BEE3F-2E9A-4FD8-8B8A-8619F3E161C0}" type="datetime1">
               <a:rPr lang="ko-KR" altLang="en-US" smtClean="0"/>
-              <a:t>2025-04-28</a:t>
+              <a:t>2025-04-29</a:t>
             </a:fld>
             <a:endParaRPr lang="ko-KR" altLang="en-US"/>
           </a:p>
@@ -5118,7 +5190,7 @@
           <a:p>
             <a:fld id="{2EAE422B-0E68-47B5-84BB-CA2BDA8EE46C}" type="datetime1">
               <a:rPr lang="ko-KR" altLang="en-US" smtClean="0"/>
-              <a:t>2025-04-28</a:t>
+              <a:t>2025-04-29</a:t>
             </a:fld>
             <a:endParaRPr lang="ko-KR" altLang="en-US"/>
           </a:p>
@@ -5326,7 +5398,7 @@
           <a:p>
             <a:fld id="{AF7C623F-179B-417F-99B6-50F6DF228D4B}" type="datetime1">
               <a:rPr lang="ko-KR" altLang="en-US" smtClean="0"/>
-              <a:t>2025-04-28</a:t>
+              <a:t>2025-04-29</a:t>
             </a:fld>
             <a:endParaRPr lang="ko-KR" altLang="en-US"/>
           </a:p>
@@ -5564,7 +5636,7 @@
           <a:p>
             <a:fld id="{0F78D9C4-20C1-4B15-A116-16DC77AD9A1E}" type="datetime1">
               <a:rPr lang="ko-KR" altLang="en-US" smtClean="0"/>
-              <a:t>2025-04-28</a:t>
+              <a:t>2025-04-29</a:t>
             </a:fld>
             <a:endParaRPr lang="ko-KR" altLang="en-US"/>
           </a:p>
@@ -5839,7 +5911,7 @@
           <a:p>
             <a:fld id="{C7F43723-C509-4DEA-8428-B50818F79709}" type="datetime1">
               <a:rPr lang="ko-KR" altLang="en-US" smtClean="0"/>
-              <a:t>2025-04-28</a:t>
+              <a:t>2025-04-29</a:t>
             </a:fld>
             <a:endParaRPr lang="ko-KR" altLang="en-US"/>
           </a:p>
@@ -6104,7 +6176,7 @@
           <a:p>
             <a:fld id="{5D2B7482-EE74-4DBD-97F4-D0DAC0C0E4E5}" type="datetime1">
               <a:rPr lang="ko-KR" altLang="en-US" smtClean="0"/>
-              <a:t>2025-04-28</a:t>
+              <a:t>2025-04-29</a:t>
             </a:fld>
             <a:endParaRPr lang="ko-KR" altLang="en-US"/>
           </a:p>
@@ -6517,7 +6589,7 @@
           <a:p>
             <a:fld id="{051A8C49-CED7-4A86-9B4A-621D7F62EE92}" type="datetime1">
               <a:rPr lang="ko-KR" altLang="en-US" smtClean="0"/>
-              <a:t>2025-04-28</a:t>
+              <a:t>2025-04-29</a:t>
             </a:fld>
             <a:endParaRPr lang="ko-KR" altLang="en-US"/>
           </a:p>
@@ -6664,7 +6736,7 @@
           <a:p>
             <a:fld id="{84082D76-7079-412D-848B-E1B9E7A6A286}" type="datetime1">
               <a:rPr lang="ko-KR" altLang="en-US" smtClean="0"/>
-              <a:t>2025-04-28</a:t>
+              <a:t>2025-04-29</a:t>
             </a:fld>
             <a:endParaRPr lang="ko-KR" altLang="en-US"/>
           </a:p>
@@ -6777,7 +6849,7 @@
           <a:p>
             <a:fld id="{10C5FEB5-5F88-4F49-9108-1795E314F09F}" type="datetime1">
               <a:rPr lang="ko-KR" altLang="en-US" smtClean="0"/>
-              <a:t>2025-04-28</a:t>
+              <a:t>2025-04-29</a:t>
             </a:fld>
             <a:endParaRPr lang="ko-KR" altLang="en-US"/>
           </a:p>
@@ -7088,7 +7160,7 @@
           <a:p>
             <a:fld id="{E37ABBEE-D8D4-48AD-9887-4DC578B8A684}" type="datetime1">
               <a:rPr lang="ko-KR" altLang="en-US" smtClean="0"/>
-              <a:t>2025-04-28</a:t>
+              <a:t>2025-04-29</a:t>
             </a:fld>
             <a:endParaRPr lang="ko-KR" altLang="en-US"/>
           </a:p>
@@ -7379,7 +7451,7 @@
           <a:p>
             <a:fld id="{A2D6A55C-F3DD-45DD-9D50-F8680410167D}" type="datetime1">
               <a:rPr lang="ko-KR" altLang="en-US" smtClean="0"/>
-              <a:t>2025-04-28</a:t>
+              <a:t>2025-04-29</a:t>
             </a:fld>
             <a:endParaRPr lang="ko-KR" altLang="en-US"/>
           </a:p>
@@ -7623,7 +7695,7 @@
             <a:fld id="{7F5E23C3-0E3D-4E4E-8486-D7FB4C073DC1}" type="datetime1">
               <a:rPr lang="ko-KR" altLang="en-US" smtClean="0"/>
               <a:pPr/>
-              <a:t>2025-04-28</a:t>
+              <a:t>2025-04-29</a:t>
             </a:fld>
             <a:endParaRPr lang="ko-KR" altLang="en-US" dirty="0"/>
           </a:p>
@@ -8122,10 +8194,9 @@
               </a:lnSpc>
             </a:pPr>
             <a:r>
-              <a:rPr lang="ko-KR" altLang="en-US" b="1" dirty="0" smtClean="0"/>
+              <a:rPr lang="ko-KR" altLang="en-US" b="1" dirty="0"/>
               <a:t>배열</a:t>
             </a:r>
-            <a:endParaRPr lang="ko-KR" altLang="en-US" b="1" dirty="0"/>
           </a:p>
         </p:txBody>
       </p:sp>
@@ -8152,7 +8223,7 @@
           <a:p>
             <a:fld id="{2E2BEDFA-D8AA-4914-9440-7DF713C99FA9}" type="datetime1">
               <a:rPr lang="ko-KR" altLang="en-US" smtClean="0"/>
-              <a:t>2025-04-28</a:t>
+              <a:t>2025-04-29</a:t>
             </a:fld>
             <a:endParaRPr lang="ko-KR" altLang="en-US"/>
           </a:p>
@@ -8257,10 +8328,9 @@
               </a:lnSpc>
             </a:pPr>
             <a:r>
-              <a:rPr lang="ko-KR" altLang="en-US" b="1" dirty="0" smtClean="0"/>
+              <a:rPr lang="ko-KR" altLang="en-US" b="1" dirty="0"/>
               <a:t>함수</a:t>
             </a:r>
-            <a:endParaRPr lang="ko-KR" altLang="en-US" b="1" dirty="0"/>
           </a:p>
         </p:txBody>
       </p:sp>
@@ -8287,7 +8357,7 @@
           <a:p>
             <a:fld id="{2E2BEDFA-D8AA-4914-9440-7DF713C99FA9}" type="datetime1">
               <a:rPr lang="ko-KR" altLang="en-US" smtClean="0"/>
-              <a:t>2025-04-28</a:t>
+              <a:t>2025-04-29</a:t>
             </a:fld>
             <a:endParaRPr lang="ko-KR" altLang="en-US"/>
           </a:p>
@@ -8407,7 +8477,7 @@
         <p:spPr/>
         <p:txBody>
           <a:bodyPr>
-            <a:normAutofit fontScale="92500" lnSpcReduction="10000"/>
+            <a:normAutofit lnSpcReduction="10000"/>
           </a:bodyPr>
           <a:lstStyle/>
           <a:p>
@@ -8648,7 +8718,7 @@
           <a:p>
             <a:fld id="{0F78D9C4-20C1-4B15-A116-16DC77AD9A1E}" type="datetime1">
               <a:rPr lang="ko-KR" altLang="en-US" smtClean="0"/>
-              <a:t>2025-04-28</a:t>
+              <a:t>2025-04-29</a:t>
             </a:fld>
             <a:endParaRPr lang="ko-KR" altLang="en-US"/>
           </a:p>
@@ -8764,7 +8834,7 @@
           <a:p>
             <a:fld id="{0F78D9C4-20C1-4B15-A116-16DC77AD9A1E}" type="datetime1">
               <a:rPr lang="ko-KR" altLang="en-US" smtClean="0"/>
-              <a:t>2025-04-28</a:t>
+              <a:t>2025-04-29</a:t>
             </a:fld>
             <a:endParaRPr lang="ko-KR" altLang="en-US"/>
           </a:p>
@@ -9332,7 +9402,7 @@
           <a:p>
             <a:fld id="{0F78D9C4-20C1-4B15-A116-16DC77AD9A1E}" type="datetime1">
               <a:rPr lang="ko-KR" altLang="en-US" smtClean="0"/>
-              <a:t>2025-04-28</a:t>
+              <a:t>2025-04-29</a:t>
             </a:fld>
             <a:endParaRPr lang="ko-KR" altLang="en-US"/>
           </a:p>
@@ -9665,7 +9735,7 @@
           <a:p>
             <a:fld id="{0F78D9C4-20C1-4B15-A116-16DC77AD9A1E}" type="datetime1">
               <a:rPr lang="ko-KR" altLang="en-US" smtClean="0"/>
-              <a:t>2025-04-28</a:t>
+              <a:t>2025-04-29</a:t>
             </a:fld>
             <a:endParaRPr lang="ko-KR" altLang="en-US"/>
           </a:p>
@@ -10112,7 +10182,7 @@
           <a:p>
             <a:fld id="{0F78D9C4-20C1-4B15-A116-16DC77AD9A1E}" type="datetime1">
               <a:rPr lang="ko-KR" altLang="en-US" smtClean="0"/>
-              <a:t>2025-04-28</a:t>
+              <a:t>2025-04-29</a:t>
             </a:fld>
             <a:endParaRPr lang="ko-KR" altLang="en-US"/>
           </a:p>
@@ -10843,7 +10913,7 @@
           <a:p>
             <a:fld id="{0F78D9C4-20C1-4B15-A116-16DC77AD9A1E}" type="datetime1">
               <a:rPr lang="ko-KR" altLang="en-US" smtClean="0"/>
-              <a:t>2025-04-28</a:t>
+              <a:t>2025-04-29</a:t>
             </a:fld>
             <a:endParaRPr lang="ko-KR" altLang="en-US"/>
           </a:p>
@@ -10977,7 +11047,7 @@
           <a:p>
             <a:fld id="{2E2BEDFA-D8AA-4914-9440-7DF713C99FA9}" type="datetime1">
               <a:rPr lang="ko-KR" altLang="en-US" smtClean="0"/>
-              <a:t>2025-04-28</a:t>
+              <a:t>2025-04-29</a:t>
             </a:fld>
             <a:endParaRPr lang="ko-KR" altLang="en-US"/>
           </a:p>
@@ -11234,7 +11304,7 @@
           <a:p>
             <a:fld id="{0F78D9C4-20C1-4B15-A116-16DC77AD9A1E}" type="datetime1">
               <a:rPr lang="ko-KR" altLang="en-US" smtClean="0"/>
-              <a:t>2025-04-28</a:t>
+              <a:t>2025-04-29</a:t>
             </a:fld>
             <a:endParaRPr lang="ko-KR" altLang="en-US"/>
           </a:p>
@@ -11941,7 +12011,7 @@
           <a:p>
             <a:fld id="{0F78D9C4-20C1-4B15-A116-16DC77AD9A1E}" type="datetime1">
               <a:rPr lang="ko-KR" altLang="en-US" smtClean="0"/>
-              <a:t>2025-04-28</a:t>
+              <a:t>2025-04-29</a:t>
             </a:fld>
             <a:endParaRPr lang="ko-KR" altLang="en-US"/>
           </a:p>
@@ -12103,7 +12173,7 @@
           <a:p>
             <a:fld id="{0F78D9C4-20C1-4B15-A116-16DC77AD9A1E}" type="datetime1">
               <a:rPr lang="ko-KR" altLang="en-US" smtClean="0"/>
-              <a:t>2025-04-28</a:t>
+              <a:t>2025-04-29</a:t>
             </a:fld>
             <a:endParaRPr lang="ko-KR" altLang="en-US"/>
           </a:p>
@@ -12477,7 +12547,7 @@
           <a:p>
             <a:fld id="{0F78D9C4-20C1-4B15-A116-16DC77AD9A1E}" type="datetime1">
               <a:rPr lang="ko-KR" altLang="en-US" smtClean="0"/>
-              <a:t>2025-04-28</a:t>
+              <a:t>2025-04-29</a:t>
             </a:fld>
             <a:endParaRPr lang="ko-KR" altLang="en-US"/>
           </a:p>
@@ -12746,7 +12816,7 @@
           <a:p>
             <a:fld id="{0F78D9C4-20C1-4B15-A116-16DC77AD9A1E}" type="datetime1">
               <a:rPr lang="ko-KR" altLang="en-US" smtClean="0"/>
-              <a:t>2025-04-28</a:t>
+              <a:t>2025-04-29</a:t>
             </a:fld>
             <a:endParaRPr lang="ko-KR" altLang="en-US"/>
           </a:p>
@@ -13419,7 +13489,7 @@
 </file>
 
 <file path=ppt/slides/slide22.xml><?xml version="1.0" encoding="utf-8"?>
-<p:sld xmlns:a="http://schemas.openxmlformats.org/drawingml/2006/main" xmlns:r="http://schemas.openxmlformats.org/officeDocument/2006/relationships" xmlns:p="http://schemas.openxmlformats.org/presentationml/2006/main">
+<p:sld xmlns:a="http://schemas.openxmlformats.org/drawingml/2006/main" xmlns:r="http://schemas.openxmlformats.org/officeDocument/2006/relationships" xmlns:p="http://schemas.openxmlformats.org/presentationml/2006/main" show="0">
   <p:cSld>
     <p:spTree>
       <p:nvGrpSpPr>
@@ -13437,391 +13507,10 @@
       </p:grpSpPr>
       <p:sp>
         <p:nvSpPr>
-          <p:cNvPr id="2" name="제목 1">
-            <a:extLst>
-              <a:ext uri="{FF2B5EF4-FFF2-40B4-BE49-F238E27FC236}">
-                <a16:creationId xmlns:a16="http://schemas.microsoft.com/office/drawing/2014/main" id="{53B86CA1-77E4-8947-85B6-BA34C1741D09}"/>
-              </a:ext>
-            </a:extLst>
-          </p:cNvPr>
-          <p:cNvSpPr>
-            <a:spLocks noGrp="1"/>
-          </p:cNvSpPr>
-          <p:nvPr>
-            <p:ph type="title"/>
-          </p:nvPr>
-        </p:nvSpPr>
-        <p:spPr/>
-        <p:txBody>
-          <a:bodyPr/>
-          <a:lstStyle/>
-          <a:p>
-            <a:r>
-              <a:rPr lang="ko-KR" altLang="en-US" dirty="0">
-                <a:solidFill>
-                  <a:srgbClr val="00B050"/>
-                </a:solidFill>
-              </a:rPr>
-              <a:t>실습</a:t>
-            </a:r>
-            <a:r>
-              <a:rPr lang="en-US" altLang="ko-KR" dirty="0">
-                <a:solidFill>
-                  <a:srgbClr val="00B050"/>
-                </a:solidFill>
-              </a:rPr>
-              <a:t>. if </a:t>
-            </a:r>
-            <a:r>
-              <a:rPr lang="ko-KR" altLang="en-US" dirty="0">
-                <a:solidFill>
-                  <a:srgbClr val="00B050"/>
-                </a:solidFill>
-              </a:rPr>
-              <a:t>문</a:t>
-            </a:r>
-          </a:p>
-        </p:txBody>
-      </p:sp>
-      <p:sp>
-        <p:nvSpPr>
-          <p:cNvPr id="3" name="내용 개체 틀 2">
-            <a:extLst>
-              <a:ext uri="{FF2B5EF4-FFF2-40B4-BE49-F238E27FC236}">
-                <a16:creationId xmlns:a16="http://schemas.microsoft.com/office/drawing/2014/main" id="{7C7BC263-D8CB-7AE9-4B05-B72013A51DF5}"/>
-              </a:ext>
-            </a:extLst>
-          </p:cNvPr>
-          <p:cNvSpPr>
-            <a:spLocks noGrp="1"/>
-          </p:cNvSpPr>
-          <p:nvPr>
-            <p:ph idx="1"/>
-          </p:nvPr>
-        </p:nvSpPr>
-        <p:spPr/>
-        <p:txBody>
-          <a:bodyPr>
-            <a:normAutofit fontScale="92500" lnSpcReduction="10000"/>
-          </a:bodyPr>
-          <a:lstStyle/>
-          <a:p>
-            <a:r>
-              <a:rPr lang="ko-KR" altLang="en-US" dirty="0"/>
-              <a:t>동전 던지기</a:t>
-            </a:r>
-            <a:r>
-              <a:rPr lang="en-US" altLang="ko-KR" dirty="0"/>
-              <a:t>(</a:t>
-            </a:r>
-            <a:r>
-              <a:rPr lang="ko-KR" altLang="en-US" dirty="0"/>
-              <a:t>앞 면 또는 </a:t>
-            </a:r>
-            <a:r>
-              <a:rPr lang="ko-KR" altLang="en-US" dirty="0" err="1"/>
-              <a:t>뒷</a:t>
-            </a:r>
-            <a:r>
-              <a:rPr lang="ko-KR" altLang="en-US" dirty="0"/>
-              <a:t> 면</a:t>
-            </a:r>
-            <a:r>
-              <a:rPr lang="en-US" altLang="ko-KR" dirty="0"/>
-              <a:t>)</a:t>
-            </a:r>
-            <a:r>
-              <a:rPr lang="ko-KR" altLang="en-US" dirty="0"/>
-              <a:t> 함수를 작성</a:t>
-            </a:r>
-            <a:endParaRPr lang="en-US" altLang="ko-KR" dirty="0"/>
-          </a:p>
-          <a:p>
-            <a:pPr marL="971550" lvl="1" indent="-514350">
-              <a:buFont typeface="+mj-lt"/>
-              <a:buAutoNum type="arabicPeriod"/>
-            </a:pPr>
-            <a:r>
-              <a:rPr lang="ko-KR" altLang="en-US" dirty="0"/>
-              <a:t>함수 이름을 적당하게 짓기</a:t>
-            </a:r>
-            <a:endParaRPr lang="en-US" altLang="ko-KR" dirty="0"/>
-          </a:p>
-          <a:p>
-            <a:pPr marL="971550" lvl="1" indent="-514350">
-              <a:buFont typeface="+mj-lt"/>
-              <a:buAutoNum type="arabicPeriod"/>
-            </a:pPr>
-            <a:r>
-              <a:rPr lang="ko-KR" altLang="en-US" dirty="0"/>
-              <a:t>출력 자료형은 </a:t>
-            </a:r>
-            <a:r>
-              <a:rPr lang="en-US" altLang="ko-KR" dirty="0"/>
-              <a:t>bool </a:t>
-            </a:r>
-          </a:p>
-          <a:p>
-            <a:pPr marL="971550" lvl="1" indent="-514350">
-              <a:buFont typeface="+mj-lt"/>
-              <a:buAutoNum type="arabicPeriod"/>
-            </a:pPr>
-            <a:r>
-              <a:rPr lang="ko-KR" altLang="en-US" dirty="0"/>
-              <a:t>입력은 </a:t>
-            </a:r>
-            <a:r>
-              <a:rPr lang="en-US" altLang="ko-KR" dirty="0"/>
-              <a:t>bool </a:t>
-            </a:r>
-            <a:r>
-              <a:rPr lang="ko-KR" altLang="en-US" dirty="0"/>
-              <a:t>형 </a:t>
-            </a:r>
-            <a:r>
-              <a:rPr lang="en-US" altLang="ko-KR" dirty="0"/>
-              <a:t>1</a:t>
-            </a:r>
-            <a:r>
-              <a:rPr lang="ko-KR" altLang="en-US" dirty="0"/>
-              <a:t>개 </a:t>
-            </a:r>
-            <a:endParaRPr lang="en-US" altLang="ko-KR" dirty="0"/>
-          </a:p>
-          <a:p>
-            <a:pPr marL="971550" lvl="1" indent="-514350">
-              <a:buFont typeface="+mj-lt"/>
-              <a:buAutoNum type="arabicPeriod"/>
-            </a:pPr>
-            <a:r>
-              <a:rPr lang="en-US" altLang="ko-KR" dirty="0"/>
-              <a:t>“</a:t>
-            </a:r>
-            <a:r>
-              <a:rPr lang="ko-KR" altLang="en-US" dirty="0"/>
-              <a:t>난수 생성</a:t>
-            </a:r>
-            <a:r>
-              <a:rPr lang="en-US" altLang="ko-KR" dirty="0"/>
-              <a:t>”</a:t>
-            </a:r>
-            <a:r>
-              <a:rPr lang="ko-KR" altLang="en-US" dirty="0"/>
-              <a:t>을 검색하여 난수 생성 방법을 학습하고 </a:t>
-            </a:r>
-            <a:r>
-              <a:rPr lang="en-US" altLang="ko-KR" dirty="0"/>
-              <a:t>int</a:t>
-            </a:r>
-            <a:r>
-              <a:rPr lang="ko-KR" altLang="en-US" dirty="0"/>
-              <a:t>형 난수를 생성</a:t>
-            </a:r>
-            <a:endParaRPr lang="en-US" altLang="ko-KR" dirty="0"/>
-          </a:p>
-          <a:p>
-            <a:pPr marL="971550" lvl="1" indent="-514350">
-              <a:buFont typeface="+mj-lt"/>
-              <a:buAutoNum type="arabicPeriod"/>
-            </a:pPr>
-            <a:r>
-              <a:rPr lang="ko-KR" altLang="en-US" dirty="0"/>
-              <a:t>생성된 난수와 </a:t>
-            </a:r>
-            <a:r>
-              <a:rPr lang="en-US" altLang="ko-KR" dirty="0"/>
-              <a:t>% </a:t>
-            </a:r>
-            <a:r>
-              <a:rPr lang="ko-KR" altLang="en-US" dirty="0"/>
-              <a:t>연산을 이용</a:t>
-            </a:r>
-            <a:r>
-              <a:rPr lang="en-US" altLang="ko-KR" dirty="0"/>
-              <a:t>,</a:t>
-            </a:r>
-            <a:r>
-              <a:rPr lang="ko-KR" altLang="en-US" dirty="0"/>
-              <a:t> 연산 결과로 </a:t>
-            </a:r>
-            <a:r>
-              <a:rPr lang="en-US" altLang="ko-KR" dirty="0"/>
-              <a:t>0 </a:t>
-            </a:r>
-            <a:r>
-              <a:rPr lang="ko-KR" altLang="en-US" dirty="0"/>
-              <a:t>또는 </a:t>
-            </a:r>
-            <a:r>
-              <a:rPr lang="en-US" altLang="ko-KR" dirty="0"/>
-              <a:t>1</a:t>
-            </a:r>
-            <a:r>
-              <a:rPr lang="ko-KR" altLang="en-US" dirty="0"/>
-              <a:t>만 값이 나오도록 작성</a:t>
-            </a:r>
-            <a:endParaRPr lang="en-US" altLang="ko-KR" dirty="0"/>
-          </a:p>
-          <a:p>
-            <a:pPr marL="971550" lvl="1" indent="-514350">
-              <a:buFont typeface="+mj-lt"/>
-              <a:buAutoNum type="arabicPeriod"/>
-            </a:pPr>
-            <a:r>
-              <a:rPr lang="ko-KR" altLang="en-US" dirty="0"/>
-              <a:t>입력 값과 연산 결과를 비교하여 둘이 같으면 </a:t>
-            </a:r>
-            <a:r>
-              <a:rPr lang="en-US" altLang="ko-KR" dirty="0"/>
-              <a:t>true</a:t>
-            </a:r>
-            <a:r>
-              <a:rPr lang="ko-KR" altLang="en-US" dirty="0"/>
-              <a:t>를 반환</a:t>
-            </a:r>
-            <a:r>
-              <a:rPr lang="en-US" altLang="ko-KR" dirty="0"/>
-              <a:t>, </a:t>
-            </a:r>
-            <a:r>
-              <a:rPr lang="ko-KR" altLang="en-US" dirty="0"/>
-              <a:t>다르면 </a:t>
-            </a:r>
-            <a:r>
-              <a:rPr lang="en-US" altLang="ko-KR" dirty="0"/>
-              <a:t>false</a:t>
-            </a:r>
-            <a:r>
-              <a:rPr lang="ko-KR" altLang="en-US" dirty="0"/>
-              <a:t>를 반환</a:t>
-            </a:r>
-            <a:endParaRPr lang="en-US" altLang="ko-KR" dirty="0"/>
-          </a:p>
-          <a:p>
-            <a:pPr lvl="2"/>
-            <a:r>
-              <a:rPr lang="en-US" altLang="ko-KR" dirty="0"/>
-              <a:t>1 =</a:t>
-            </a:r>
-            <a:r>
-              <a:rPr lang="ko-KR" altLang="en-US" dirty="0"/>
-              <a:t> </a:t>
-            </a:r>
-            <a:r>
-              <a:rPr lang="en-US" altLang="ko-KR" dirty="0"/>
-              <a:t>true, 0 = false </a:t>
-            </a:r>
-            <a:r>
-              <a:rPr lang="ko-KR" altLang="en-US" dirty="0"/>
-              <a:t>라고 가정</a:t>
-            </a:r>
-            <a:endParaRPr lang="en-US" altLang="ko-KR" dirty="0"/>
-          </a:p>
-          <a:p>
-            <a:r>
-              <a:rPr lang="ko-KR" altLang="en-US" dirty="0"/>
-              <a:t>함수에 </a:t>
-            </a:r>
-            <a:r>
-              <a:rPr lang="en-US" altLang="ko-KR" dirty="0"/>
-              <a:t>true </a:t>
-            </a:r>
-            <a:r>
-              <a:rPr lang="ko-KR" altLang="en-US" dirty="0"/>
-              <a:t>또는 </a:t>
-            </a:r>
-            <a:r>
-              <a:rPr lang="en-US" altLang="ko-KR" dirty="0"/>
-              <a:t>false</a:t>
-            </a:r>
-            <a:r>
-              <a:rPr lang="ko-KR" altLang="en-US" dirty="0"/>
-              <a:t>를 입력하고 반환된 결과에 따라 </a:t>
-            </a:r>
-            <a:r>
-              <a:rPr lang="en-US" altLang="ko-KR" dirty="0"/>
-              <a:t>“</a:t>
-            </a:r>
-            <a:r>
-              <a:rPr lang="ko-KR" altLang="en-US" dirty="0"/>
-              <a:t>승리</a:t>
-            </a:r>
-            <a:r>
-              <a:rPr lang="en-US" altLang="ko-KR" dirty="0"/>
-              <a:t>” </a:t>
-            </a:r>
-            <a:r>
-              <a:rPr lang="ko-KR" altLang="en-US" dirty="0"/>
-              <a:t>또는 </a:t>
-            </a:r>
-            <a:r>
-              <a:rPr lang="en-US" altLang="ko-KR" dirty="0"/>
-              <a:t>“</a:t>
-            </a:r>
-            <a:r>
-              <a:rPr lang="ko-KR" altLang="en-US" dirty="0"/>
-              <a:t>패배</a:t>
-            </a:r>
-            <a:r>
-              <a:rPr lang="en-US" altLang="ko-KR" dirty="0"/>
-              <a:t>”</a:t>
-            </a:r>
-            <a:r>
-              <a:rPr lang="ko-KR" altLang="en-US" dirty="0"/>
-              <a:t>로 </a:t>
-            </a:r>
-            <a:r>
-              <a:rPr lang="en-US" altLang="ko-KR" dirty="0" err="1"/>
-              <a:t>TextBox</a:t>
-            </a:r>
-            <a:r>
-              <a:rPr lang="ko-KR" altLang="en-US" dirty="0"/>
-              <a:t>에 표시 </a:t>
-            </a:r>
-            <a:endParaRPr lang="en-US" altLang="ko-KR" dirty="0"/>
-          </a:p>
-          <a:p>
-            <a:r>
-              <a:rPr lang="en-US" altLang="ko-KR" dirty="0"/>
-              <a:t>Push </a:t>
-            </a:r>
-            <a:r>
-              <a:rPr lang="ko-KR" altLang="en-US" dirty="0"/>
-              <a:t>후 </a:t>
-            </a:r>
-            <a:r>
-              <a:rPr lang="en-US" altLang="ko-KR" dirty="0"/>
-              <a:t>Repo. </a:t>
-            </a:r>
-            <a:r>
-              <a:rPr lang="ko-KR" altLang="en-US" dirty="0"/>
-              <a:t>링크를 </a:t>
-            </a:r>
-            <a:r>
-              <a:rPr lang="ko-KR" altLang="en-US" dirty="0" err="1"/>
-              <a:t>슬랙</a:t>
-            </a:r>
-            <a:r>
-              <a:rPr lang="ko-KR" altLang="en-US" dirty="0"/>
-              <a:t> 댓글로 제출</a:t>
-            </a:r>
-            <a:endParaRPr lang="en-US" altLang="ko-KR" dirty="0"/>
-          </a:p>
-          <a:p>
-            <a:pPr marL="971550" lvl="1" indent="-514350">
-              <a:buFont typeface="+mj-lt"/>
-              <a:buAutoNum type="arabicPeriod"/>
-            </a:pPr>
-            <a:endParaRPr lang="ko-KR" altLang="en-US" dirty="0"/>
-          </a:p>
-        </p:txBody>
-      </p:sp>
-      <p:sp>
-        <p:nvSpPr>
           <p:cNvPr id="4" name="날짜 개체 틀 3">
             <a:extLst>
               <a:ext uri="{FF2B5EF4-FFF2-40B4-BE49-F238E27FC236}">
-                <a16:creationId xmlns:a16="http://schemas.microsoft.com/office/drawing/2014/main" id="{80F68893-6F22-E0B2-B44C-680CA408A124}"/>
+                <a16:creationId xmlns:a16="http://schemas.microsoft.com/office/drawing/2014/main" id="{950211C6-2ED5-B50F-1C0F-E8E572CB3250}"/>
               </a:ext>
             </a:extLst>
           </p:cNvPr>
@@ -13839,7 +13528,7 @@
           <a:p>
             <a:fld id="{0F78D9C4-20C1-4B15-A116-16DC77AD9A1E}" type="datetime1">
               <a:rPr lang="ko-KR" altLang="en-US" smtClean="0"/>
-              <a:t>2025-04-28</a:t>
+              <a:t>2025-04-29</a:t>
             </a:fld>
             <a:endParaRPr lang="ko-KR" altLang="en-US"/>
           </a:p>
@@ -13850,7 +13539,7 @@
           <p:cNvPr id="5" name="슬라이드 번호 개체 틀 4">
             <a:extLst>
               <a:ext uri="{FF2B5EF4-FFF2-40B4-BE49-F238E27FC236}">
-                <a16:creationId xmlns:a16="http://schemas.microsoft.com/office/drawing/2014/main" id="{3F917572-88B9-9A0A-2CD6-E2FDE7A50CD0}"/>
+                <a16:creationId xmlns:a16="http://schemas.microsoft.com/office/drawing/2014/main" id="{CBBE0D58-63D8-D0F0-02E6-71414C9A7F93}"/>
               </a:ext>
             </a:extLst>
           </p:cNvPr>
@@ -13874,10 +13563,70 @@
           </a:p>
         </p:txBody>
       </p:sp>
+      <p:pic>
+        <p:nvPicPr>
+          <p:cNvPr id="7" name="그림 6">
+            <a:extLst>
+              <a:ext uri="{FF2B5EF4-FFF2-40B4-BE49-F238E27FC236}">
+                <a16:creationId xmlns:a16="http://schemas.microsoft.com/office/drawing/2014/main" id="{FB64A2FB-27FA-9745-0B93-8D555A66D28E}"/>
+              </a:ext>
+            </a:extLst>
+          </p:cNvPr>
+          <p:cNvPicPr>
+            <a:picLocks noChangeAspect="1"/>
+          </p:cNvPicPr>
+          <p:nvPr/>
+        </p:nvPicPr>
+        <p:blipFill>
+          <a:blip r:embed="rId3"/>
+          <a:stretch>
+            <a:fillRect/>
+          </a:stretch>
+        </p:blipFill>
+        <p:spPr>
+          <a:xfrm>
+            <a:off x="0" y="692908"/>
+            <a:ext cx="12192000" cy="2892017"/>
+          </a:xfrm>
+          <a:prstGeom prst="rect">
+            <a:avLst/>
+          </a:prstGeom>
+        </p:spPr>
+      </p:pic>
+      <p:pic>
+        <p:nvPicPr>
+          <p:cNvPr id="10" name="그림 9">
+            <a:extLst>
+              <a:ext uri="{FF2B5EF4-FFF2-40B4-BE49-F238E27FC236}">
+                <a16:creationId xmlns:a16="http://schemas.microsoft.com/office/drawing/2014/main" id="{C048712E-BEF9-6F37-AC58-B99FC31789CB}"/>
+              </a:ext>
+            </a:extLst>
+          </p:cNvPr>
+          <p:cNvPicPr>
+            <a:picLocks noChangeAspect="1"/>
+          </p:cNvPicPr>
+          <p:nvPr/>
+        </p:nvPicPr>
+        <p:blipFill>
+          <a:blip r:embed="rId4"/>
+          <a:stretch>
+            <a:fillRect/>
+          </a:stretch>
+        </p:blipFill>
+        <p:spPr>
+          <a:xfrm>
+            <a:off x="3480557" y="3752068"/>
+            <a:ext cx="5230886" cy="2909715"/>
+          </a:xfrm>
+          <a:prstGeom prst="rect">
+            <a:avLst/>
+          </a:prstGeom>
+        </p:spPr>
+      </p:pic>
     </p:spTree>
     <p:extLst>
       <p:ext uri="{BB962C8B-B14F-4D97-AF65-F5344CB8AC3E}">
-        <p14:creationId xmlns:p14="http://schemas.microsoft.com/office/powerpoint/2010/main" val="1181052720"/>
+        <p14:creationId xmlns:p14="http://schemas.microsoft.com/office/powerpoint/2010/main" val="3217839993"/>
       </p:ext>
     </p:extLst>
   </p:cSld>
@@ -13909,6 +13658,475 @@
           <p:cNvPr id="2" name="제목 1">
             <a:extLst>
               <a:ext uri="{FF2B5EF4-FFF2-40B4-BE49-F238E27FC236}">
+                <a16:creationId xmlns:a16="http://schemas.microsoft.com/office/drawing/2014/main" id="{53B86CA1-77E4-8947-85B6-BA34C1741D09}"/>
+              </a:ext>
+            </a:extLst>
+          </p:cNvPr>
+          <p:cNvSpPr>
+            <a:spLocks noGrp="1"/>
+          </p:cNvSpPr>
+          <p:nvPr>
+            <p:ph type="title"/>
+          </p:nvPr>
+        </p:nvSpPr>
+        <p:spPr/>
+        <p:txBody>
+          <a:bodyPr/>
+          <a:lstStyle/>
+          <a:p>
+            <a:r>
+              <a:rPr lang="ko-KR" altLang="en-US" dirty="0">
+                <a:solidFill>
+                  <a:srgbClr val="00B050"/>
+                </a:solidFill>
+              </a:rPr>
+              <a:t>실습</a:t>
+            </a:r>
+            <a:r>
+              <a:rPr lang="en-US" altLang="ko-KR" dirty="0">
+                <a:solidFill>
+                  <a:srgbClr val="00B050"/>
+                </a:solidFill>
+              </a:rPr>
+              <a:t>. if </a:t>
+            </a:r>
+            <a:r>
+              <a:rPr lang="ko-KR" altLang="en-US" dirty="0">
+                <a:solidFill>
+                  <a:srgbClr val="00B050"/>
+                </a:solidFill>
+              </a:rPr>
+              <a:t>문</a:t>
+            </a:r>
+          </a:p>
+        </p:txBody>
+      </p:sp>
+      <p:sp>
+        <p:nvSpPr>
+          <p:cNvPr id="3" name="내용 개체 틀 2">
+            <a:extLst>
+              <a:ext uri="{FF2B5EF4-FFF2-40B4-BE49-F238E27FC236}">
+                <a16:creationId xmlns:a16="http://schemas.microsoft.com/office/drawing/2014/main" id="{7C7BC263-D8CB-7AE9-4B05-B72013A51DF5}"/>
+              </a:ext>
+            </a:extLst>
+          </p:cNvPr>
+          <p:cNvSpPr>
+            <a:spLocks noGrp="1"/>
+          </p:cNvSpPr>
+          <p:nvPr>
+            <p:ph idx="1"/>
+          </p:nvPr>
+        </p:nvSpPr>
+        <p:spPr/>
+        <p:txBody>
+          <a:bodyPr>
+            <a:normAutofit fontScale="92500"/>
+          </a:bodyPr>
+          <a:lstStyle/>
+          <a:p>
+            <a:r>
+              <a:rPr lang="ko-KR" altLang="en-US" dirty="0"/>
+              <a:t>동전 던지기</a:t>
+            </a:r>
+            <a:r>
+              <a:rPr lang="en-US" altLang="ko-KR" dirty="0"/>
+              <a:t>(</a:t>
+            </a:r>
+            <a:r>
+              <a:rPr lang="ko-KR" altLang="en-US" dirty="0"/>
+              <a:t>앞 면 또는 </a:t>
+            </a:r>
+            <a:r>
+              <a:rPr lang="ko-KR" altLang="en-US" dirty="0" err="1"/>
+              <a:t>뒷</a:t>
+            </a:r>
+            <a:r>
+              <a:rPr lang="ko-KR" altLang="en-US" dirty="0"/>
+              <a:t> 면</a:t>
+            </a:r>
+            <a:r>
+              <a:rPr lang="en-US" altLang="ko-KR" dirty="0"/>
+              <a:t>)</a:t>
+            </a:r>
+            <a:r>
+              <a:rPr lang="ko-KR" altLang="en-US" dirty="0"/>
+              <a:t> 함수를 작성</a:t>
+            </a:r>
+            <a:endParaRPr lang="en-US" altLang="ko-KR" dirty="0"/>
+          </a:p>
+          <a:p>
+            <a:pPr marL="971550" lvl="1" indent="-514350">
+              <a:buFont typeface="+mj-lt"/>
+              <a:buAutoNum type="arabicPeriod"/>
+            </a:pPr>
+            <a:r>
+              <a:rPr lang="ko-KR" altLang="en-US" dirty="0"/>
+              <a:t>함수 이름을 적당하게 짓기</a:t>
+            </a:r>
+            <a:endParaRPr lang="en-US" altLang="ko-KR" dirty="0"/>
+          </a:p>
+          <a:p>
+            <a:pPr marL="971550" lvl="1" indent="-514350">
+              <a:buFont typeface="+mj-lt"/>
+              <a:buAutoNum type="arabicPeriod"/>
+            </a:pPr>
+            <a:r>
+              <a:rPr lang="ko-KR" altLang="en-US" dirty="0"/>
+              <a:t>출력 자료형은 </a:t>
+            </a:r>
+            <a:r>
+              <a:rPr lang="en-US" altLang="ko-KR" dirty="0"/>
+              <a:t>bool </a:t>
+            </a:r>
+          </a:p>
+          <a:p>
+            <a:pPr marL="971550" lvl="1" indent="-514350">
+              <a:buFont typeface="+mj-lt"/>
+              <a:buAutoNum type="arabicPeriod"/>
+            </a:pPr>
+            <a:r>
+              <a:rPr lang="ko-KR" altLang="en-US" dirty="0"/>
+              <a:t>입력은 </a:t>
+            </a:r>
+            <a:r>
+              <a:rPr lang="en-US" altLang="ko-KR" dirty="0"/>
+              <a:t>bool </a:t>
+            </a:r>
+            <a:r>
+              <a:rPr lang="ko-KR" altLang="en-US" dirty="0"/>
+              <a:t>형 </a:t>
+            </a:r>
+            <a:r>
+              <a:rPr lang="en-US" altLang="ko-KR" dirty="0"/>
+              <a:t>1</a:t>
+            </a:r>
+            <a:r>
+              <a:rPr lang="ko-KR" altLang="en-US" dirty="0"/>
+              <a:t>개 </a:t>
+            </a:r>
+            <a:endParaRPr lang="en-US" altLang="ko-KR" dirty="0"/>
+          </a:p>
+          <a:p>
+            <a:pPr marL="971550" lvl="1" indent="-514350">
+              <a:buFont typeface="+mj-lt"/>
+              <a:buAutoNum type="arabicPeriod"/>
+            </a:pPr>
+            <a:r>
+              <a:rPr lang="en-US" altLang="ko-KR" dirty="0"/>
+              <a:t>“</a:t>
+            </a:r>
+            <a:r>
+              <a:rPr lang="ko-KR" altLang="en-US" dirty="0"/>
+              <a:t>난수 생성</a:t>
+            </a:r>
+            <a:r>
+              <a:rPr lang="en-US" altLang="ko-KR" dirty="0"/>
+              <a:t>”</a:t>
+            </a:r>
+            <a:r>
+              <a:rPr lang="ko-KR" altLang="en-US" dirty="0"/>
+              <a:t>을 검색하여 난수 생성 방법을 학습하고 </a:t>
+            </a:r>
+            <a:r>
+              <a:rPr lang="en-US" altLang="ko-KR" dirty="0"/>
+              <a:t>int</a:t>
+            </a:r>
+            <a:r>
+              <a:rPr lang="ko-KR" altLang="en-US" dirty="0"/>
+              <a:t>형 난수를 생성</a:t>
+            </a:r>
+            <a:endParaRPr lang="en-US" altLang="ko-KR" dirty="0"/>
+          </a:p>
+          <a:p>
+            <a:pPr marL="971550" lvl="1" indent="-514350">
+              <a:buFont typeface="+mj-lt"/>
+              <a:buAutoNum type="arabicPeriod"/>
+            </a:pPr>
+            <a:r>
+              <a:rPr lang="ko-KR" altLang="en-US" dirty="0"/>
+              <a:t>생성된 난수와 </a:t>
+            </a:r>
+            <a:r>
+              <a:rPr lang="en-US" altLang="ko-KR" dirty="0"/>
+              <a:t>% </a:t>
+            </a:r>
+            <a:r>
+              <a:rPr lang="ko-KR" altLang="en-US" dirty="0"/>
+              <a:t>연산을 이용</a:t>
+            </a:r>
+            <a:r>
+              <a:rPr lang="en-US" altLang="ko-KR" dirty="0"/>
+              <a:t>,</a:t>
+            </a:r>
+            <a:r>
+              <a:rPr lang="ko-KR" altLang="en-US" dirty="0"/>
+              <a:t> 연산 결과로 </a:t>
+            </a:r>
+            <a:r>
+              <a:rPr lang="en-US" altLang="ko-KR" dirty="0"/>
+              <a:t>0 </a:t>
+            </a:r>
+            <a:r>
+              <a:rPr lang="ko-KR" altLang="en-US" dirty="0"/>
+              <a:t>또는 </a:t>
+            </a:r>
+            <a:r>
+              <a:rPr lang="en-US" altLang="ko-KR" dirty="0"/>
+              <a:t>1</a:t>
+            </a:r>
+            <a:r>
+              <a:rPr lang="ko-KR" altLang="en-US" dirty="0"/>
+              <a:t>만 값이 나오도록 작성</a:t>
+            </a:r>
+            <a:endParaRPr lang="en-US" altLang="ko-KR" dirty="0"/>
+          </a:p>
+          <a:p>
+            <a:pPr marL="971550" lvl="1" indent="-514350">
+              <a:buFont typeface="+mj-lt"/>
+              <a:buAutoNum type="arabicPeriod"/>
+            </a:pPr>
+            <a:r>
+              <a:rPr lang="ko-KR" altLang="en-US" dirty="0"/>
+              <a:t>입력 값과 연산 결과를 비교하여 둘이 같으면 </a:t>
+            </a:r>
+            <a:r>
+              <a:rPr lang="en-US" altLang="ko-KR" dirty="0"/>
+              <a:t>true</a:t>
+            </a:r>
+            <a:r>
+              <a:rPr lang="ko-KR" altLang="en-US" dirty="0"/>
+              <a:t>를 반환</a:t>
+            </a:r>
+            <a:r>
+              <a:rPr lang="en-US" altLang="ko-KR" dirty="0"/>
+              <a:t>, </a:t>
+            </a:r>
+            <a:r>
+              <a:rPr lang="ko-KR" altLang="en-US" dirty="0"/>
+              <a:t>다르면 </a:t>
+            </a:r>
+            <a:r>
+              <a:rPr lang="en-US" altLang="ko-KR" dirty="0"/>
+              <a:t>false</a:t>
+            </a:r>
+            <a:r>
+              <a:rPr lang="ko-KR" altLang="en-US" dirty="0"/>
+              <a:t>를 반환</a:t>
+            </a:r>
+            <a:endParaRPr lang="en-US" altLang="ko-KR" dirty="0"/>
+          </a:p>
+          <a:p>
+            <a:pPr lvl="2"/>
+            <a:r>
+              <a:rPr lang="en-US" altLang="ko-KR" dirty="0"/>
+              <a:t>1 =</a:t>
+            </a:r>
+            <a:r>
+              <a:rPr lang="ko-KR" altLang="en-US" dirty="0"/>
+              <a:t> </a:t>
+            </a:r>
+            <a:r>
+              <a:rPr lang="en-US" altLang="ko-KR" dirty="0"/>
+              <a:t>true, 0 = false </a:t>
+            </a:r>
+            <a:r>
+              <a:rPr lang="ko-KR" altLang="en-US" dirty="0"/>
+              <a:t>라고 가정</a:t>
+            </a:r>
+            <a:endParaRPr lang="en-US" altLang="ko-KR" dirty="0"/>
+          </a:p>
+          <a:p>
+            <a:r>
+              <a:rPr lang="ko-KR" altLang="en-US" dirty="0"/>
+              <a:t>함수에 </a:t>
+            </a:r>
+            <a:r>
+              <a:rPr lang="en-US" altLang="ko-KR" dirty="0"/>
+              <a:t>true </a:t>
+            </a:r>
+            <a:r>
+              <a:rPr lang="ko-KR" altLang="en-US" dirty="0"/>
+              <a:t>또는 </a:t>
+            </a:r>
+            <a:r>
+              <a:rPr lang="en-US" altLang="ko-KR" dirty="0"/>
+              <a:t>false</a:t>
+            </a:r>
+            <a:r>
+              <a:rPr lang="ko-KR" altLang="en-US" dirty="0"/>
+              <a:t>를 입력하고 반환된 결과에 따라 </a:t>
+            </a:r>
+            <a:r>
+              <a:rPr lang="en-US" altLang="ko-KR" dirty="0"/>
+              <a:t>“</a:t>
+            </a:r>
+            <a:r>
+              <a:rPr lang="ko-KR" altLang="en-US" dirty="0"/>
+              <a:t>승리</a:t>
+            </a:r>
+            <a:r>
+              <a:rPr lang="en-US" altLang="ko-KR" dirty="0"/>
+              <a:t>” </a:t>
+            </a:r>
+            <a:r>
+              <a:rPr lang="ko-KR" altLang="en-US" dirty="0"/>
+              <a:t>또는 </a:t>
+            </a:r>
+            <a:r>
+              <a:rPr lang="en-US" altLang="ko-KR" dirty="0"/>
+              <a:t>“</a:t>
+            </a:r>
+            <a:r>
+              <a:rPr lang="ko-KR" altLang="en-US" dirty="0"/>
+              <a:t>패배</a:t>
+            </a:r>
+            <a:r>
+              <a:rPr lang="en-US" altLang="ko-KR" dirty="0"/>
+              <a:t>”</a:t>
+            </a:r>
+            <a:r>
+              <a:rPr lang="ko-KR" altLang="en-US" dirty="0"/>
+              <a:t>로 </a:t>
+            </a:r>
+            <a:r>
+              <a:rPr lang="en-US" altLang="ko-KR" dirty="0" err="1"/>
+              <a:t>TextBox</a:t>
+            </a:r>
+            <a:r>
+              <a:rPr lang="ko-KR" altLang="en-US" dirty="0"/>
+              <a:t>에 표시 </a:t>
+            </a:r>
+            <a:endParaRPr lang="en-US" altLang="ko-KR" dirty="0"/>
+          </a:p>
+          <a:p>
+            <a:r>
+              <a:rPr lang="en-US" altLang="ko-KR" dirty="0"/>
+              <a:t>Push </a:t>
+            </a:r>
+            <a:r>
+              <a:rPr lang="ko-KR" altLang="en-US" dirty="0"/>
+              <a:t>후 </a:t>
+            </a:r>
+            <a:r>
+              <a:rPr lang="en-US" altLang="ko-KR" dirty="0"/>
+              <a:t>Repo. </a:t>
+            </a:r>
+            <a:r>
+              <a:rPr lang="ko-KR" altLang="en-US" dirty="0"/>
+              <a:t>링크를 </a:t>
+            </a:r>
+            <a:r>
+              <a:rPr lang="ko-KR" altLang="en-US" dirty="0" err="1"/>
+              <a:t>슬랙</a:t>
+            </a:r>
+            <a:r>
+              <a:rPr lang="ko-KR" altLang="en-US" dirty="0"/>
+              <a:t> 댓글로 제출</a:t>
+            </a:r>
+            <a:endParaRPr lang="en-US" altLang="ko-KR" dirty="0"/>
+          </a:p>
+          <a:p>
+            <a:pPr marL="971550" lvl="1" indent="-514350">
+              <a:buFont typeface="+mj-lt"/>
+              <a:buAutoNum type="arabicPeriod"/>
+            </a:pPr>
+            <a:endParaRPr lang="ko-KR" altLang="en-US" dirty="0"/>
+          </a:p>
+        </p:txBody>
+      </p:sp>
+      <p:sp>
+        <p:nvSpPr>
+          <p:cNvPr id="4" name="날짜 개체 틀 3">
+            <a:extLst>
+              <a:ext uri="{FF2B5EF4-FFF2-40B4-BE49-F238E27FC236}">
+                <a16:creationId xmlns:a16="http://schemas.microsoft.com/office/drawing/2014/main" id="{80F68893-6F22-E0B2-B44C-680CA408A124}"/>
+              </a:ext>
+            </a:extLst>
+          </p:cNvPr>
+          <p:cNvSpPr>
+            <a:spLocks noGrp="1"/>
+          </p:cNvSpPr>
+          <p:nvPr>
+            <p:ph type="dt" sz="half" idx="10"/>
+          </p:nvPr>
+        </p:nvSpPr>
+        <p:spPr/>
+        <p:txBody>
+          <a:bodyPr/>
+          <a:lstStyle/>
+          <a:p>
+            <a:fld id="{0F78D9C4-20C1-4B15-A116-16DC77AD9A1E}" type="datetime1">
+              <a:rPr lang="ko-KR" altLang="en-US" smtClean="0"/>
+              <a:t>2025-04-29</a:t>
+            </a:fld>
+            <a:endParaRPr lang="ko-KR" altLang="en-US"/>
+          </a:p>
+        </p:txBody>
+      </p:sp>
+      <p:sp>
+        <p:nvSpPr>
+          <p:cNvPr id="5" name="슬라이드 번호 개체 틀 4">
+            <a:extLst>
+              <a:ext uri="{FF2B5EF4-FFF2-40B4-BE49-F238E27FC236}">
+                <a16:creationId xmlns:a16="http://schemas.microsoft.com/office/drawing/2014/main" id="{3F917572-88B9-9A0A-2CD6-E2FDE7A50CD0}"/>
+              </a:ext>
+            </a:extLst>
+          </p:cNvPr>
+          <p:cNvSpPr>
+            <a:spLocks noGrp="1"/>
+          </p:cNvSpPr>
+          <p:nvPr>
+            <p:ph type="sldNum" sz="quarter" idx="12"/>
+          </p:nvPr>
+        </p:nvSpPr>
+        <p:spPr/>
+        <p:txBody>
+          <a:bodyPr/>
+          <a:lstStyle/>
+          <a:p>
+            <a:fld id="{083A2CE0-18CD-4102-B738-4ACFF9E68BA4}" type="slidenum">
+              <a:rPr lang="ko-KR" altLang="en-US" smtClean="0"/>
+              <a:t>23</a:t>
+            </a:fld>
+            <a:endParaRPr lang="ko-KR" altLang="en-US"/>
+          </a:p>
+        </p:txBody>
+      </p:sp>
+    </p:spTree>
+    <p:extLst>
+      <p:ext uri="{BB962C8B-B14F-4D97-AF65-F5344CB8AC3E}">
+        <p14:creationId xmlns:p14="http://schemas.microsoft.com/office/powerpoint/2010/main" val="1181052720"/>
+      </p:ext>
+    </p:extLst>
+  </p:cSld>
+  <p:clrMapOvr>
+    <a:masterClrMapping/>
+  </p:clrMapOvr>
+</p:sld>
+</file>
+
+<file path=ppt/slides/slide24.xml><?xml version="1.0" encoding="utf-8"?>
+<p:sld xmlns:a="http://schemas.openxmlformats.org/drawingml/2006/main" xmlns:r="http://schemas.openxmlformats.org/officeDocument/2006/relationships" xmlns:p="http://schemas.openxmlformats.org/presentationml/2006/main">
+  <p:cSld>
+    <p:spTree>
+      <p:nvGrpSpPr>
+        <p:cNvPr id="1" name=""/>
+        <p:cNvGrpSpPr/>
+        <p:nvPr/>
+      </p:nvGrpSpPr>
+      <p:grpSpPr>
+        <a:xfrm>
+          <a:off x="0" y="0"/>
+          <a:ext cx="0" cy="0"/>
+          <a:chOff x="0" y="0"/>
+          <a:chExt cx="0" cy="0"/>
+        </a:xfrm>
+      </p:grpSpPr>
+      <p:sp>
+        <p:nvSpPr>
+          <p:cNvPr id="2" name="제목 1">
+            <a:extLst>
+              <a:ext uri="{FF2B5EF4-FFF2-40B4-BE49-F238E27FC236}">
                 <a16:creationId xmlns:a16="http://schemas.microsoft.com/office/drawing/2014/main" id="{E7BA0304-5865-C300-4FA1-782EABD31824}"/>
               </a:ext>
             </a:extLst>
@@ -14110,7 +14328,7 @@
           <a:p>
             <a:fld id="{0F78D9C4-20C1-4B15-A116-16DC77AD9A1E}" type="datetime1">
               <a:rPr lang="ko-KR" altLang="en-US" smtClean="0"/>
-              <a:t>2025-04-28</a:t>
+              <a:t>2025-04-29</a:t>
             </a:fld>
             <a:endParaRPr lang="ko-KR" altLang="en-US"/>
           </a:p>
@@ -14139,7 +14357,7 @@
           <a:p>
             <a:fld id="{083A2CE0-18CD-4102-B738-4ACFF9E68BA4}" type="slidenum">
               <a:rPr lang="ko-KR" altLang="en-US" smtClean="0"/>
-              <a:t>23</a:t>
+              <a:t>24</a:t>
             </a:fld>
             <a:endParaRPr lang="ko-KR" altLang="en-US"/>
           </a:p>
@@ -14296,7 +14514,7 @@
 </p:sld>
 </file>
 
-<file path=ppt/slides/slide24.xml><?xml version="1.0" encoding="utf-8"?>
+<file path=ppt/slides/slide25.xml><?xml version="1.0" encoding="utf-8"?>
 <p:sld xmlns:a="http://schemas.openxmlformats.org/drawingml/2006/main" xmlns:r="http://schemas.openxmlformats.org/officeDocument/2006/relationships" xmlns:p="http://schemas.openxmlformats.org/presentationml/2006/main">
   <p:cSld>
     <p:spTree>
@@ -14449,10 +14667,6 @@
               <a:rPr lang="ko-KR" altLang="en-US" dirty="0"/>
               <a:t> 위 함수 내부에 작성한</a:t>
             </a:r>
-            <a:r>
-              <a:rPr lang="en-US" altLang="ko-KR" dirty="0"/>
-              <a:t/>
-            </a:r>
             <a:br>
               <a:rPr lang="en-US" altLang="ko-KR" dirty="0"/>
             </a:br>
@@ -14486,7 +14700,7 @@
           <a:p>
             <a:fld id="{0F78D9C4-20C1-4B15-A116-16DC77AD9A1E}" type="datetime1">
               <a:rPr lang="ko-KR" altLang="en-US" smtClean="0"/>
-              <a:t>2025-04-28</a:t>
+              <a:t>2025-04-29</a:t>
             </a:fld>
             <a:endParaRPr lang="ko-KR" altLang="en-US"/>
           </a:p>
@@ -14515,7 +14729,7 @@
           <a:p>
             <a:fld id="{083A2CE0-18CD-4102-B738-4ACFF9E68BA4}" type="slidenum">
               <a:rPr lang="ko-KR" altLang="en-US" smtClean="0"/>
-              <a:t>24</a:t>
+              <a:t>25</a:t>
             </a:fld>
             <a:endParaRPr lang="ko-KR" altLang="en-US"/>
           </a:p>
@@ -14768,7 +14982,7 @@
 </p:sld>
 </file>
 
-<file path=ppt/slides/slide25.xml><?xml version="1.0" encoding="utf-8"?>
+<file path=ppt/slides/slide26.xml><?xml version="1.0" encoding="utf-8"?>
 <p:sld xmlns:a="http://schemas.openxmlformats.org/drawingml/2006/main" xmlns:r="http://schemas.openxmlformats.org/officeDocument/2006/relationships" xmlns:p="http://schemas.openxmlformats.org/presentationml/2006/main">
   <p:cSld>
     <p:spTree>
@@ -14880,7 +15094,7 @@
           <a:p>
             <a:fld id="{0F78D9C4-20C1-4B15-A116-16DC77AD9A1E}" type="datetime1">
               <a:rPr lang="ko-KR" altLang="en-US" smtClean="0"/>
-              <a:t>2025-04-28</a:t>
+              <a:t>2025-04-29</a:t>
             </a:fld>
             <a:endParaRPr lang="ko-KR" altLang="en-US"/>
           </a:p>
@@ -14909,7 +15123,7 @@
           <a:p>
             <a:fld id="{083A2CE0-18CD-4102-B738-4ACFF9E68BA4}" type="slidenum">
               <a:rPr lang="ko-KR" altLang="en-US" smtClean="0"/>
-              <a:t>25</a:t>
+              <a:t>26</a:t>
             </a:fld>
             <a:endParaRPr lang="ko-KR" altLang="en-US"/>
           </a:p>
@@ -14988,7 +15202,7 @@
 </p:sld>
 </file>
 
-<file path=ppt/slides/slide26.xml><?xml version="1.0" encoding="utf-8"?>
+<file path=ppt/slides/slide27.xml><?xml version="1.0" encoding="utf-8"?>
 <p:sld xmlns:a="http://schemas.openxmlformats.org/drawingml/2006/main" xmlns:r="http://schemas.openxmlformats.org/officeDocument/2006/relationships" xmlns:p="http://schemas.openxmlformats.org/presentationml/2006/main">
   <p:cSld>
     <p:spTree>
@@ -15072,7 +15286,7 @@
         <p:spPr/>
         <p:txBody>
           <a:bodyPr>
-            <a:normAutofit fontScale="92500" lnSpcReduction="10000"/>
+            <a:normAutofit/>
           </a:bodyPr>
           <a:lstStyle/>
           <a:p>
@@ -15292,7 +15506,7 @@
           <a:p>
             <a:fld id="{0F78D9C4-20C1-4B15-A116-16DC77AD9A1E}" type="datetime1">
               <a:rPr lang="ko-KR" altLang="en-US" smtClean="0"/>
-              <a:t>2025-04-28</a:t>
+              <a:t>2025-04-29</a:t>
             </a:fld>
             <a:endParaRPr lang="ko-KR" altLang="en-US"/>
           </a:p>
@@ -15321,7 +15535,7 @@
           <a:p>
             <a:fld id="{083A2CE0-18CD-4102-B738-4ACFF9E68BA4}" type="slidenum">
               <a:rPr lang="ko-KR" altLang="en-US" smtClean="0"/>
-              <a:t>26</a:t>
+              <a:t>27</a:t>
             </a:fld>
             <a:endParaRPr lang="ko-KR" altLang="en-US"/>
           </a:p>
@@ -15369,7 +15583,7 @@
 </p:sld>
 </file>
 
-<file path=ppt/slides/slide27.xml><?xml version="1.0" encoding="utf-8"?>
+<file path=ppt/slides/slide28.xml><?xml version="1.0" encoding="utf-8"?>
 <p:sld xmlns:a="http://schemas.openxmlformats.org/drawingml/2006/main" xmlns:r="http://schemas.openxmlformats.org/officeDocument/2006/relationships" xmlns:p="http://schemas.openxmlformats.org/presentationml/2006/main">
   <p:cSld>
     <p:spTree>
@@ -15671,7 +15885,7 @@
           <a:p>
             <a:fld id="{0F78D9C4-20C1-4B15-A116-16DC77AD9A1E}" type="datetime1">
               <a:rPr lang="ko-KR" altLang="en-US" smtClean="0"/>
-              <a:t>2025-04-28</a:t>
+              <a:t>2025-04-29</a:t>
             </a:fld>
             <a:endParaRPr lang="ko-KR" altLang="en-US"/>
           </a:p>
@@ -15700,7 +15914,7 @@
           <a:p>
             <a:fld id="{083A2CE0-18CD-4102-B738-4ACFF9E68BA4}" type="slidenum">
               <a:rPr lang="ko-KR" altLang="en-US" smtClean="0"/>
-              <a:t>27</a:t>
+              <a:t>28</a:t>
             </a:fld>
             <a:endParaRPr lang="ko-KR" altLang="en-US"/>
           </a:p>
@@ -15719,7 +15933,7 @@
 </p:sld>
 </file>
 
-<file path=ppt/slides/slide28.xml><?xml version="1.0" encoding="utf-8"?>
+<file path=ppt/slides/slide29.xml><?xml version="1.0" encoding="utf-8"?>
 <p:sld xmlns:a="http://schemas.openxmlformats.org/drawingml/2006/main" xmlns:r="http://schemas.openxmlformats.org/officeDocument/2006/relationships" xmlns:p="http://schemas.openxmlformats.org/presentationml/2006/main">
   <p:cSld>
     <p:spTree>
@@ -15821,7 +16035,7 @@
           <a:p>
             <a:fld id="{0F78D9C4-20C1-4B15-A116-16DC77AD9A1E}" type="datetime1">
               <a:rPr lang="ko-KR" altLang="en-US" smtClean="0"/>
-              <a:t>2025-04-28</a:t>
+              <a:t>2025-04-29</a:t>
             </a:fld>
             <a:endParaRPr lang="ko-KR" altLang="en-US"/>
           </a:p>
@@ -15850,7 +16064,7 @@
           <a:p>
             <a:fld id="{083A2CE0-18CD-4102-B738-4ACFF9E68BA4}" type="slidenum">
               <a:rPr lang="ko-KR" altLang="en-US" smtClean="0"/>
-              <a:t>28</a:t>
+              <a:t>29</a:t>
             </a:fld>
             <a:endParaRPr lang="ko-KR" altLang="en-US"/>
           </a:p>
@@ -15949,7 +16163,701 @@
 </p:sld>
 </file>
 
-<file path=ppt/slides/slide29.xml><?xml version="1.0" encoding="utf-8"?>
+<file path=ppt/slides/slide3.xml><?xml version="1.0" encoding="utf-8"?>
+<p:sld xmlns:a="http://schemas.openxmlformats.org/drawingml/2006/main" xmlns:r="http://schemas.openxmlformats.org/officeDocument/2006/relationships" xmlns:p="http://schemas.openxmlformats.org/presentationml/2006/main">
+  <p:cSld>
+    <p:spTree>
+      <p:nvGrpSpPr>
+        <p:cNvPr id="1" name="">
+          <a:extLst>
+            <a:ext uri="{FF2B5EF4-FFF2-40B4-BE49-F238E27FC236}">
+              <a16:creationId xmlns:a16="http://schemas.microsoft.com/office/drawing/2014/main" id="{63722E43-BD1D-4627-8094-685755F0B919}"/>
+            </a:ext>
+          </a:extLst>
+        </p:cNvPr>
+        <p:cNvGrpSpPr/>
+        <p:nvPr/>
+      </p:nvGrpSpPr>
+      <p:grpSpPr>
+        <a:xfrm>
+          <a:off x="0" y="0"/>
+          <a:ext cx="0" cy="0"/>
+          <a:chOff x="0" y="0"/>
+          <a:chExt cx="0" cy="0"/>
+        </a:xfrm>
+      </p:grpSpPr>
+      <p:sp>
+        <p:nvSpPr>
+          <p:cNvPr id="2" name="제목 1">
+            <a:extLst>
+              <a:ext uri="{FF2B5EF4-FFF2-40B4-BE49-F238E27FC236}">
+                <a16:creationId xmlns:a16="http://schemas.microsoft.com/office/drawing/2014/main" id="{63A1EE8A-0DC7-AE92-DECF-B87F49AAACAC}"/>
+              </a:ext>
+            </a:extLst>
+          </p:cNvPr>
+          <p:cNvSpPr>
+            <a:spLocks noGrp="1"/>
+          </p:cNvSpPr>
+          <p:nvPr>
+            <p:ph type="title"/>
+          </p:nvPr>
+        </p:nvSpPr>
+        <p:spPr/>
+        <p:txBody>
+          <a:bodyPr/>
+          <a:lstStyle/>
+          <a:p>
+            <a:r>
+              <a:rPr lang="ko-KR" altLang="en-US" b="1" dirty="0"/>
+              <a:t>배열의 종류</a:t>
+            </a:r>
+          </a:p>
+        </p:txBody>
+      </p:sp>
+      <p:sp>
+        <p:nvSpPr>
+          <p:cNvPr id="3" name="내용 개체 틀 2">
+            <a:extLst>
+              <a:ext uri="{FF2B5EF4-FFF2-40B4-BE49-F238E27FC236}">
+                <a16:creationId xmlns:a16="http://schemas.microsoft.com/office/drawing/2014/main" id="{A2E670EA-5AD9-C8BA-FA6F-2792E57A9D8D}"/>
+              </a:ext>
+            </a:extLst>
+          </p:cNvPr>
+          <p:cNvSpPr>
+            <a:spLocks noGrp="1"/>
+          </p:cNvSpPr>
+          <p:nvPr>
+            <p:ph idx="1"/>
+          </p:nvPr>
+        </p:nvSpPr>
+        <p:spPr/>
+        <p:txBody>
+          <a:bodyPr>
+            <a:normAutofit/>
+          </a:bodyPr>
+          <a:lstStyle/>
+          <a:p>
+            <a:pPr marL="0" indent="0">
+              <a:buNone/>
+            </a:pPr>
+            <a:r>
+              <a:rPr lang="en-US" altLang="ko-KR" sz="2400" b="0" i="0" dirty="0">
+                <a:solidFill>
+                  <a:srgbClr val="0101FD"/>
+                </a:solidFill>
+                <a:effectLst/>
+                <a:latin typeface="Consolas" panose="020B0609020204030204" pitchFamily="49" charset="0"/>
+              </a:rPr>
+              <a:t>int</a:t>
+            </a:r>
+            <a:r>
+              <a:rPr lang="en-US" altLang="ko-KR" sz="2400" b="0" i="0" dirty="0">
+                <a:solidFill>
+                  <a:srgbClr val="161616"/>
+                </a:solidFill>
+                <a:effectLst/>
+                <a:latin typeface="Consolas" panose="020B0609020204030204" pitchFamily="49" charset="0"/>
+              </a:rPr>
+              <a:t>[] array1 = </a:t>
+            </a:r>
+            <a:r>
+              <a:rPr lang="en-US" altLang="ko-KR" sz="2400" b="0" i="0" dirty="0">
+                <a:solidFill>
+                  <a:srgbClr val="0101FD"/>
+                </a:solidFill>
+                <a:effectLst/>
+                <a:latin typeface="Consolas" panose="020B0609020204030204" pitchFamily="49" charset="0"/>
+              </a:rPr>
+              <a:t>new</a:t>
+            </a:r>
+            <a:r>
+              <a:rPr lang="en-US" altLang="ko-KR" sz="2400" b="0" i="0" dirty="0">
+                <a:solidFill>
+                  <a:srgbClr val="161616"/>
+                </a:solidFill>
+                <a:effectLst/>
+                <a:latin typeface="Consolas" panose="020B0609020204030204" pitchFamily="49" charset="0"/>
+              </a:rPr>
+              <a:t> </a:t>
+            </a:r>
+            <a:r>
+              <a:rPr lang="en-US" altLang="ko-KR" sz="2400" b="0" i="0" dirty="0">
+                <a:solidFill>
+                  <a:srgbClr val="0101FD"/>
+                </a:solidFill>
+                <a:effectLst/>
+                <a:latin typeface="Consolas" panose="020B0609020204030204" pitchFamily="49" charset="0"/>
+              </a:rPr>
+              <a:t>int</a:t>
+            </a:r>
+            <a:r>
+              <a:rPr lang="en-US" altLang="ko-KR" sz="2400" b="0" i="0" dirty="0">
+                <a:solidFill>
+                  <a:srgbClr val="161616"/>
+                </a:solidFill>
+                <a:effectLst/>
+                <a:latin typeface="Consolas" panose="020B0609020204030204" pitchFamily="49" charset="0"/>
+              </a:rPr>
+              <a:t>[5]; </a:t>
+            </a:r>
+          </a:p>
+          <a:p>
+            <a:pPr marL="0" indent="0">
+              <a:buNone/>
+            </a:pPr>
+            <a:r>
+              <a:rPr lang="en-US" altLang="ko-KR" sz="2400" b="0" i="0" dirty="0">
+                <a:solidFill>
+                  <a:srgbClr val="0101FD"/>
+                </a:solidFill>
+                <a:effectLst/>
+                <a:latin typeface="Consolas" panose="020B0609020204030204" pitchFamily="49" charset="0"/>
+              </a:rPr>
+              <a:t>int</a:t>
+            </a:r>
+            <a:r>
+              <a:rPr lang="en-US" altLang="ko-KR" sz="2400" b="0" i="0" dirty="0">
+                <a:solidFill>
+                  <a:srgbClr val="161616"/>
+                </a:solidFill>
+                <a:effectLst/>
+                <a:latin typeface="Consolas" panose="020B0609020204030204" pitchFamily="49" charset="0"/>
+              </a:rPr>
+              <a:t>[] array2 = { 1, 2, 3, 4, 5, 6 }; </a:t>
+            </a:r>
+          </a:p>
+          <a:p>
+            <a:pPr marL="0" indent="0">
+              <a:buNone/>
+            </a:pPr>
+            <a:r>
+              <a:rPr lang="en-US" altLang="ko-KR" sz="2400" b="0" i="0" dirty="0">
+                <a:solidFill>
+                  <a:srgbClr val="0101FD"/>
+                </a:solidFill>
+                <a:effectLst/>
+                <a:latin typeface="Consolas" panose="020B0609020204030204" pitchFamily="49" charset="0"/>
+              </a:rPr>
+              <a:t>int</a:t>
+            </a:r>
+            <a:r>
+              <a:rPr lang="en-US" altLang="ko-KR" sz="2400" b="0" i="0" dirty="0">
+                <a:solidFill>
+                  <a:srgbClr val="161616"/>
+                </a:solidFill>
+                <a:effectLst/>
+                <a:latin typeface="Consolas" panose="020B0609020204030204" pitchFamily="49" charset="0"/>
+              </a:rPr>
+              <a:t>[,] multiDimensionalArray1 = </a:t>
+            </a:r>
+            <a:r>
+              <a:rPr lang="en-US" altLang="ko-KR" sz="2400" b="0" i="0" dirty="0">
+                <a:solidFill>
+                  <a:srgbClr val="0101FD"/>
+                </a:solidFill>
+                <a:effectLst/>
+                <a:latin typeface="Consolas" panose="020B0609020204030204" pitchFamily="49" charset="0"/>
+              </a:rPr>
+              <a:t>new</a:t>
+            </a:r>
+            <a:r>
+              <a:rPr lang="en-US" altLang="ko-KR" sz="2400" b="0" i="0" dirty="0">
+                <a:solidFill>
+                  <a:srgbClr val="161616"/>
+                </a:solidFill>
+                <a:effectLst/>
+                <a:latin typeface="Consolas" panose="020B0609020204030204" pitchFamily="49" charset="0"/>
+              </a:rPr>
+              <a:t> </a:t>
+            </a:r>
+            <a:r>
+              <a:rPr lang="en-US" altLang="ko-KR" sz="2400" b="0" i="0" dirty="0">
+                <a:solidFill>
+                  <a:srgbClr val="0101FD"/>
+                </a:solidFill>
+                <a:effectLst/>
+                <a:latin typeface="Consolas" panose="020B0609020204030204" pitchFamily="49" charset="0"/>
+              </a:rPr>
+              <a:t>int</a:t>
+            </a:r>
+            <a:r>
+              <a:rPr lang="en-US" altLang="ko-KR" sz="2400" b="0" i="0" dirty="0">
+                <a:solidFill>
+                  <a:srgbClr val="161616"/>
+                </a:solidFill>
+                <a:effectLst/>
+                <a:latin typeface="Consolas" panose="020B0609020204030204" pitchFamily="49" charset="0"/>
+              </a:rPr>
+              <a:t>[2, 3]; </a:t>
+            </a:r>
+          </a:p>
+          <a:p>
+            <a:pPr marL="0" indent="0">
+              <a:buNone/>
+            </a:pPr>
+            <a:r>
+              <a:rPr lang="en-US" altLang="ko-KR" sz="2400" b="0" i="0" dirty="0">
+                <a:solidFill>
+                  <a:srgbClr val="0101FD"/>
+                </a:solidFill>
+                <a:effectLst/>
+                <a:latin typeface="Consolas" panose="020B0609020204030204" pitchFamily="49" charset="0"/>
+              </a:rPr>
+              <a:t>int</a:t>
+            </a:r>
+            <a:r>
+              <a:rPr lang="en-US" altLang="ko-KR" sz="2400" b="0" i="0" dirty="0">
+                <a:solidFill>
+                  <a:srgbClr val="161616"/>
+                </a:solidFill>
+                <a:effectLst/>
+                <a:latin typeface="Consolas" panose="020B0609020204030204" pitchFamily="49" charset="0"/>
+              </a:rPr>
+              <a:t>[,] multiDimensionalArray2 = { { 1, 2, 3 }, { 4, 5, 6 } };</a:t>
+            </a:r>
+          </a:p>
+          <a:p>
+            <a:pPr marL="0" indent="0">
+              <a:buNone/>
+            </a:pPr>
+            <a:r>
+              <a:rPr lang="en-US" altLang="ko-KR" sz="2400" b="0" i="0" dirty="0">
+                <a:solidFill>
+                  <a:srgbClr val="0101FD"/>
+                </a:solidFill>
+                <a:effectLst/>
+                <a:latin typeface="Consolas" panose="020B0609020204030204" pitchFamily="49" charset="0"/>
+              </a:rPr>
+              <a:t>int</a:t>
+            </a:r>
+            <a:r>
+              <a:rPr lang="en-US" altLang="ko-KR" sz="2400" b="0" i="0" dirty="0">
+                <a:solidFill>
+                  <a:srgbClr val="161616"/>
+                </a:solidFill>
+                <a:effectLst/>
+                <a:latin typeface="Consolas" panose="020B0609020204030204" pitchFamily="49" charset="0"/>
+              </a:rPr>
+              <a:t>[][] </a:t>
+            </a:r>
+            <a:r>
+              <a:rPr lang="en-US" altLang="ko-KR" sz="2400" b="0" i="0" dirty="0" err="1">
+                <a:solidFill>
+                  <a:srgbClr val="161616"/>
+                </a:solidFill>
+                <a:effectLst/>
+                <a:latin typeface="Consolas" panose="020B0609020204030204" pitchFamily="49" charset="0"/>
+              </a:rPr>
+              <a:t>jaggedArray</a:t>
+            </a:r>
+            <a:r>
+              <a:rPr lang="en-US" altLang="ko-KR" sz="2400" b="0" i="0" dirty="0">
+                <a:solidFill>
+                  <a:srgbClr val="161616"/>
+                </a:solidFill>
+                <a:effectLst/>
+                <a:latin typeface="Consolas" panose="020B0609020204030204" pitchFamily="49" charset="0"/>
+              </a:rPr>
+              <a:t> = </a:t>
+            </a:r>
+            <a:r>
+              <a:rPr lang="en-US" altLang="ko-KR" sz="2400" b="0" i="0" dirty="0">
+                <a:solidFill>
+                  <a:srgbClr val="0101FD"/>
+                </a:solidFill>
+                <a:effectLst/>
+                <a:latin typeface="Consolas" panose="020B0609020204030204" pitchFamily="49" charset="0"/>
+              </a:rPr>
+              <a:t>new</a:t>
+            </a:r>
+            <a:r>
+              <a:rPr lang="en-US" altLang="ko-KR" sz="2400" b="0" i="0" dirty="0">
+                <a:solidFill>
+                  <a:srgbClr val="161616"/>
+                </a:solidFill>
+                <a:effectLst/>
+                <a:latin typeface="Consolas" panose="020B0609020204030204" pitchFamily="49" charset="0"/>
+              </a:rPr>
+              <a:t> </a:t>
+            </a:r>
+            <a:r>
+              <a:rPr lang="en-US" altLang="ko-KR" sz="2400" b="0" i="0" dirty="0">
+                <a:solidFill>
+                  <a:srgbClr val="0101FD"/>
+                </a:solidFill>
+                <a:effectLst/>
+                <a:latin typeface="Consolas" panose="020B0609020204030204" pitchFamily="49" charset="0"/>
+              </a:rPr>
+              <a:t>int</a:t>
+            </a:r>
+            <a:r>
+              <a:rPr lang="en-US" altLang="ko-KR" sz="2400" b="0" i="0" dirty="0">
+                <a:solidFill>
+                  <a:srgbClr val="161616"/>
+                </a:solidFill>
+                <a:effectLst/>
+                <a:latin typeface="Consolas" panose="020B0609020204030204" pitchFamily="49" charset="0"/>
+              </a:rPr>
+              <a:t>[6][];</a:t>
+            </a:r>
+            <a:endParaRPr lang="en-US" altLang="ko-KR" sz="2400" dirty="0">
+              <a:solidFill>
+                <a:srgbClr val="161616"/>
+              </a:solidFill>
+              <a:latin typeface="Consolas" panose="020B0609020204030204" pitchFamily="49" charset="0"/>
+            </a:endParaRPr>
+          </a:p>
+          <a:p>
+            <a:pPr marL="0" indent="0">
+              <a:buNone/>
+            </a:pPr>
+            <a:r>
+              <a:rPr lang="en-US" altLang="ko-KR" sz="2400" b="0" i="0" dirty="0" err="1">
+                <a:solidFill>
+                  <a:srgbClr val="161616"/>
+                </a:solidFill>
+                <a:effectLst/>
+                <a:latin typeface="Consolas" panose="020B0609020204030204" pitchFamily="49" charset="0"/>
+              </a:rPr>
+              <a:t>jaggedArray</a:t>
+            </a:r>
+            <a:r>
+              <a:rPr lang="en-US" altLang="ko-KR" sz="2400" b="0" i="0" dirty="0">
+                <a:solidFill>
+                  <a:srgbClr val="161616"/>
+                </a:solidFill>
+                <a:effectLst/>
+                <a:latin typeface="Consolas" panose="020B0609020204030204" pitchFamily="49" charset="0"/>
+              </a:rPr>
+              <a:t>[0] = </a:t>
+            </a:r>
+            <a:r>
+              <a:rPr lang="en-US" altLang="ko-KR" sz="2400" b="0" i="0" dirty="0">
+                <a:solidFill>
+                  <a:srgbClr val="0101FD"/>
+                </a:solidFill>
+                <a:effectLst/>
+                <a:latin typeface="Consolas" panose="020B0609020204030204" pitchFamily="49" charset="0"/>
+              </a:rPr>
+              <a:t>new</a:t>
+            </a:r>
+            <a:r>
+              <a:rPr lang="en-US" altLang="ko-KR" sz="2400" b="0" i="0" dirty="0">
+                <a:solidFill>
+                  <a:srgbClr val="161616"/>
+                </a:solidFill>
+                <a:effectLst/>
+                <a:latin typeface="Consolas" panose="020B0609020204030204" pitchFamily="49" charset="0"/>
+              </a:rPr>
+              <a:t> </a:t>
+            </a:r>
+            <a:r>
+              <a:rPr lang="en-US" altLang="ko-KR" sz="2400" b="0" i="0" dirty="0">
+                <a:solidFill>
+                  <a:srgbClr val="0101FD"/>
+                </a:solidFill>
+                <a:effectLst/>
+                <a:latin typeface="Consolas" panose="020B0609020204030204" pitchFamily="49" charset="0"/>
+              </a:rPr>
+              <a:t>int</a:t>
+            </a:r>
+            <a:r>
+              <a:rPr lang="en-US" altLang="ko-KR" sz="2400" b="0" i="0" dirty="0">
+                <a:solidFill>
+                  <a:srgbClr val="161616"/>
+                </a:solidFill>
+                <a:effectLst/>
+                <a:latin typeface="Consolas" panose="020B0609020204030204" pitchFamily="49" charset="0"/>
+              </a:rPr>
+              <a:t>[4] { 1, 2, 3, 4 };</a:t>
+            </a:r>
+          </a:p>
+          <a:p>
+            <a:pPr marL="0" indent="0">
+              <a:buNone/>
+            </a:pPr>
+            <a:r>
+              <a:rPr lang="en-US" altLang="ko-KR" sz="2400" dirty="0" err="1">
+                <a:solidFill>
+                  <a:srgbClr val="161616"/>
+                </a:solidFill>
+                <a:latin typeface="Consolas" panose="020B0609020204030204" pitchFamily="49" charset="0"/>
+              </a:rPr>
+              <a:t>jaggedArray</a:t>
+            </a:r>
+            <a:r>
+              <a:rPr lang="en-US" altLang="ko-KR" sz="2400" dirty="0">
+                <a:solidFill>
+                  <a:srgbClr val="161616"/>
+                </a:solidFill>
+                <a:latin typeface="Consolas" panose="020B0609020204030204" pitchFamily="49" charset="0"/>
+              </a:rPr>
+              <a:t>[1]</a:t>
+            </a:r>
+            <a:r>
+              <a:rPr lang="ko-KR" altLang="en-US" sz="2400" dirty="0">
+                <a:solidFill>
+                  <a:srgbClr val="161616"/>
+                </a:solidFill>
+                <a:latin typeface="Consolas" panose="020B0609020204030204" pitchFamily="49" charset="0"/>
+              </a:rPr>
+              <a:t> </a:t>
+            </a:r>
+            <a:r>
+              <a:rPr lang="en-US" altLang="ko-KR" sz="2400" dirty="0">
+                <a:solidFill>
+                  <a:srgbClr val="161616"/>
+                </a:solidFill>
+                <a:latin typeface="Consolas" panose="020B0609020204030204" pitchFamily="49" charset="0"/>
+              </a:rPr>
+              <a:t>=</a:t>
+            </a:r>
+            <a:r>
+              <a:rPr lang="ko-KR" altLang="en-US" sz="2400" dirty="0">
+                <a:solidFill>
+                  <a:srgbClr val="161616"/>
+                </a:solidFill>
+                <a:latin typeface="Consolas" panose="020B0609020204030204" pitchFamily="49" charset="0"/>
+              </a:rPr>
+              <a:t> </a:t>
+            </a:r>
+            <a:r>
+              <a:rPr lang="en-US" altLang="ko-KR" sz="2400" dirty="0">
+                <a:solidFill>
+                  <a:srgbClr val="0000FF"/>
+                </a:solidFill>
+                <a:latin typeface="Consolas" panose="020B0609020204030204" pitchFamily="49" charset="0"/>
+              </a:rPr>
+              <a:t>new</a:t>
+            </a:r>
+            <a:r>
+              <a:rPr lang="ko-KR" altLang="en-US" sz="2400" dirty="0">
+                <a:solidFill>
+                  <a:srgbClr val="0000FF"/>
+                </a:solidFill>
+                <a:latin typeface="Consolas" panose="020B0609020204030204" pitchFamily="49" charset="0"/>
+              </a:rPr>
+              <a:t> </a:t>
+            </a:r>
+            <a:r>
+              <a:rPr lang="en-US" altLang="ko-KR" sz="2400" dirty="0">
+                <a:solidFill>
+                  <a:srgbClr val="0000FF"/>
+                </a:solidFill>
+                <a:latin typeface="Consolas" panose="020B0609020204030204" pitchFamily="49" charset="0"/>
+              </a:rPr>
+              <a:t>int</a:t>
+            </a:r>
+            <a:r>
+              <a:rPr lang="en-US" altLang="ko-KR" sz="2400" dirty="0">
+                <a:solidFill>
+                  <a:srgbClr val="161616"/>
+                </a:solidFill>
+                <a:latin typeface="Consolas" panose="020B0609020204030204" pitchFamily="49" charset="0"/>
+              </a:rPr>
+              <a:t>[2]</a:t>
+            </a:r>
+            <a:r>
+              <a:rPr lang="ko-KR" altLang="en-US" sz="2400" dirty="0">
+                <a:solidFill>
+                  <a:srgbClr val="161616"/>
+                </a:solidFill>
+                <a:latin typeface="Consolas" panose="020B0609020204030204" pitchFamily="49" charset="0"/>
+              </a:rPr>
+              <a:t> </a:t>
+            </a:r>
+            <a:r>
+              <a:rPr lang="en-US" altLang="ko-KR" sz="2400" dirty="0">
+                <a:solidFill>
+                  <a:srgbClr val="161616"/>
+                </a:solidFill>
+                <a:latin typeface="Consolas" panose="020B0609020204030204" pitchFamily="49" charset="0"/>
+              </a:rPr>
+              <a:t>{</a:t>
+            </a:r>
+            <a:r>
+              <a:rPr lang="ko-KR" altLang="en-US" sz="2400" dirty="0">
+                <a:solidFill>
+                  <a:srgbClr val="161616"/>
+                </a:solidFill>
+                <a:latin typeface="Consolas" panose="020B0609020204030204" pitchFamily="49" charset="0"/>
+              </a:rPr>
+              <a:t> </a:t>
+            </a:r>
+            <a:r>
+              <a:rPr lang="en-US" altLang="ko-KR" sz="2400" dirty="0">
+                <a:solidFill>
+                  <a:srgbClr val="161616"/>
+                </a:solidFill>
+                <a:latin typeface="Consolas" panose="020B0609020204030204" pitchFamily="49" charset="0"/>
+              </a:rPr>
+              <a:t>5,</a:t>
+            </a:r>
+            <a:r>
+              <a:rPr lang="ko-KR" altLang="en-US" sz="2400" dirty="0">
+                <a:solidFill>
+                  <a:srgbClr val="161616"/>
+                </a:solidFill>
+                <a:latin typeface="Consolas" panose="020B0609020204030204" pitchFamily="49" charset="0"/>
+              </a:rPr>
+              <a:t> </a:t>
+            </a:r>
+            <a:r>
+              <a:rPr lang="en-US" altLang="ko-KR" sz="2400" dirty="0">
+                <a:solidFill>
+                  <a:srgbClr val="161616"/>
+                </a:solidFill>
+                <a:latin typeface="Consolas" panose="020B0609020204030204" pitchFamily="49" charset="0"/>
+              </a:rPr>
+              <a:t>6</a:t>
+            </a:r>
+            <a:r>
+              <a:rPr lang="ko-KR" altLang="en-US" sz="2400" dirty="0">
+                <a:solidFill>
+                  <a:srgbClr val="161616"/>
+                </a:solidFill>
+                <a:latin typeface="Consolas" panose="020B0609020204030204" pitchFamily="49" charset="0"/>
+              </a:rPr>
+              <a:t> </a:t>
+            </a:r>
+            <a:r>
+              <a:rPr lang="en-US" altLang="ko-KR" sz="2400" dirty="0">
+                <a:solidFill>
+                  <a:srgbClr val="161616"/>
+                </a:solidFill>
+                <a:latin typeface="Consolas" panose="020B0609020204030204" pitchFamily="49" charset="0"/>
+              </a:rPr>
+              <a:t>};</a:t>
+            </a:r>
+            <a:endParaRPr lang="ko-KR" altLang="en-US" sz="2400" dirty="0">
+              <a:latin typeface="Consolas" panose="020B0609020204030204" pitchFamily="49" charset="0"/>
+            </a:endParaRPr>
+          </a:p>
+        </p:txBody>
+      </p:sp>
+      <p:sp>
+        <p:nvSpPr>
+          <p:cNvPr id="4" name="날짜 개체 틀 3">
+            <a:extLst>
+              <a:ext uri="{FF2B5EF4-FFF2-40B4-BE49-F238E27FC236}">
+                <a16:creationId xmlns:a16="http://schemas.microsoft.com/office/drawing/2014/main" id="{C5580F05-CFB9-B832-FEB2-CAEE873AB545}"/>
+              </a:ext>
+            </a:extLst>
+          </p:cNvPr>
+          <p:cNvSpPr>
+            <a:spLocks noGrp="1"/>
+          </p:cNvSpPr>
+          <p:nvPr>
+            <p:ph type="dt" sz="half" idx="10"/>
+          </p:nvPr>
+        </p:nvSpPr>
+        <p:spPr/>
+        <p:txBody>
+          <a:bodyPr/>
+          <a:lstStyle/>
+          <a:p>
+            <a:fld id="{0F78D9C4-20C1-4B15-A116-16DC77AD9A1E}" type="datetime1">
+              <a:rPr lang="ko-KR" altLang="en-US" smtClean="0"/>
+              <a:t>2025-04-29</a:t>
+            </a:fld>
+            <a:endParaRPr lang="ko-KR" altLang="en-US"/>
+          </a:p>
+        </p:txBody>
+      </p:sp>
+      <p:sp>
+        <p:nvSpPr>
+          <p:cNvPr id="5" name="슬라이드 번호 개체 틀 4">
+            <a:extLst>
+              <a:ext uri="{FF2B5EF4-FFF2-40B4-BE49-F238E27FC236}">
+                <a16:creationId xmlns:a16="http://schemas.microsoft.com/office/drawing/2014/main" id="{2A380543-0567-5416-A6FB-D094C6D8644F}"/>
+              </a:ext>
+            </a:extLst>
+          </p:cNvPr>
+          <p:cNvSpPr>
+            <a:spLocks noGrp="1"/>
+          </p:cNvSpPr>
+          <p:nvPr>
+            <p:ph type="sldNum" sz="quarter" idx="12"/>
+          </p:nvPr>
+        </p:nvSpPr>
+        <p:spPr/>
+        <p:txBody>
+          <a:bodyPr/>
+          <a:lstStyle/>
+          <a:p>
+            <a:fld id="{083A2CE0-18CD-4102-B738-4ACFF9E68BA4}" type="slidenum">
+              <a:rPr lang="ko-KR" altLang="en-US" smtClean="0"/>
+              <a:t>3</a:t>
+            </a:fld>
+            <a:endParaRPr lang="ko-KR" altLang="en-US"/>
+          </a:p>
+        </p:txBody>
+      </p:sp>
+      <p:sp>
+        <p:nvSpPr>
+          <p:cNvPr id="8" name="TextBox 7">
+            <a:extLst>
+              <a:ext uri="{FF2B5EF4-FFF2-40B4-BE49-F238E27FC236}">
+                <a16:creationId xmlns:a16="http://schemas.microsoft.com/office/drawing/2014/main" id="{8917E3CA-B942-0585-42DB-1FB08C8F9436}"/>
+              </a:ext>
+            </a:extLst>
+          </p:cNvPr>
+          <p:cNvSpPr txBox="1"/>
+          <p:nvPr/>
+        </p:nvSpPr>
+        <p:spPr>
+          <a:xfrm>
+            <a:off x="921958" y="5283249"/>
+            <a:ext cx="6000361" cy="461665"/>
+          </a:xfrm>
+          <a:prstGeom prst="rect">
+            <a:avLst/>
+          </a:prstGeom>
+          <a:noFill/>
+        </p:spPr>
+        <p:txBody>
+          <a:bodyPr wrap="none" rtlCol="0">
+            <a:spAutoFit/>
+          </a:bodyPr>
+          <a:lstStyle/>
+          <a:p>
+            <a:r>
+              <a:rPr lang="en-US" altLang="ko-KR" sz="2400" dirty="0"/>
+              <a:t>* </a:t>
+            </a:r>
+            <a:r>
+              <a:rPr lang="ko-KR" altLang="en-US" sz="2400" dirty="0"/>
+              <a:t>큰 크기의 배열은 이후 배울 </a:t>
+            </a:r>
+            <a:r>
+              <a:rPr lang="ko-KR" altLang="en-US" sz="2400" dirty="0">
+                <a:solidFill>
+                  <a:srgbClr val="00B050"/>
+                </a:solidFill>
+              </a:rPr>
+              <a:t>반복문</a:t>
+            </a:r>
+            <a:r>
+              <a:rPr lang="ko-KR" altLang="en-US" sz="2400" dirty="0"/>
+              <a:t>과 함께 사용</a:t>
+            </a:r>
+          </a:p>
+        </p:txBody>
+      </p:sp>
+    </p:spTree>
+    <p:extLst>
+      <p:ext uri="{BB962C8B-B14F-4D97-AF65-F5344CB8AC3E}">
+        <p14:creationId xmlns:p14="http://schemas.microsoft.com/office/powerpoint/2010/main" val="2893646446"/>
+      </p:ext>
+    </p:extLst>
+  </p:cSld>
+  <p:clrMapOvr>
+    <a:masterClrMapping/>
+  </p:clrMapOvr>
+</p:sld>
+</file>
+
+<file path=ppt/slides/slide30.xml><?xml version="1.0" encoding="utf-8"?>
 <p:sld xmlns:a="http://schemas.openxmlformats.org/drawingml/2006/main" xmlns:r="http://schemas.openxmlformats.org/officeDocument/2006/relationships" xmlns:p="http://schemas.openxmlformats.org/presentationml/2006/main">
   <p:cSld>
     <p:spTree>
@@ -16084,7 +16992,7 @@
           <a:p>
             <a:fld id="{0F78D9C4-20C1-4B15-A116-16DC77AD9A1E}" type="datetime1">
               <a:rPr lang="ko-KR" altLang="en-US" smtClean="0"/>
-              <a:t>2025-04-28</a:t>
+              <a:t>2025-04-29</a:t>
             </a:fld>
             <a:endParaRPr lang="ko-KR" altLang="en-US"/>
           </a:p>
@@ -16113,7 +17021,7 @@
           <a:p>
             <a:fld id="{083A2CE0-18CD-4102-B738-4ACFF9E68BA4}" type="slidenum">
               <a:rPr lang="ko-KR" altLang="en-US" smtClean="0"/>
-              <a:t>29</a:t>
+              <a:t>30</a:t>
             </a:fld>
             <a:endParaRPr lang="ko-KR" altLang="en-US"/>
           </a:p>
@@ -16192,701 +17100,7 @@
 </p:sld>
 </file>
 
-<file path=ppt/slides/slide3.xml><?xml version="1.0" encoding="utf-8"?>
-<p:sld xmlns:a="http://schemas.openxmlformats.org/drawingml/2006/main" xmlns:r="http://schemas.openxmlformats.org/officeDocument/2006/relationships" xmlns:p="http://schemas.openxmlformats.org/presentationml/2006/main">
-  <p:cSld>
-    <p:spTree>
-      <p:nvGrpSpPr>
-        <p:cNvPr id="1" name="">
-          <a:extLst>
-            <a:ext uri="{FF2B5EF4-FFF2-40B4-BE49-F238E27FC236}">
-              <a16:creationId xmlns:a16="http://schemas.microsoft.com/office/drawing/2014/main" id="{63722E43-BD1D-4627-8094-685755F0B919}"/>
-            </a:ext>
-          </a:extLst>
-        </p:cNvPr>
-        <p:cNvGrpSpPr/>
-        <p:nvPr/>
-      </p:nvGrpSpPr>
-      <p:grpSpPr>
-        <a:xfrm>
-          <a:off x="0" y="0"/>
-          <a:ext cx="0" cy="0"/>
-          <a:chOff x="0" y="0"/>
-          <a:chExt cx="0" cy="0"/>
-        </a:xfrm>
-      </p:grpSpPr>
-      <p:sp>
-        <p:nvSpPr>
-          <p:cNvPr id="2" name="제목 1">
-            <a:extLst>
-              <a:ext uri="{FF2B5EF4-FFF2-40B4-BE49-F238E27FC236}">
-                <a16:creationId xmlns:a16="http://schemas.microsoft.com/office/drawing/2014/main" id="{63A1EE8A-0DC7-AE92-DECF-B87F49AAACAC}"/>
-              </a:ext>
-            </a:extLst>
-          </p:cNvPr>
-          <p:cNvSpPr>
-            <a:spLocks noGrp="1"/>
-          </p:cNvSpPr>
-          <p:nvPr>
-            <p:ph type="title"/>
-          </p:nvPr>
-        </p:nvSpPr>
-        <p:spPr/>
-        <p:txBody>
-          <a:bodyPr/>
-          <a:lstStyle/>
-          <a:p>
-            <a:r>
-              <a:rPr lang="ko-KR" altLang="en-US" b="1" dirty="0"/>
-              <a:t>배열의 종류</a:t>
-            </a:r>
-          </a:p>
-        </p:txBody>
-      </p:sp>
-      <p:sp>
-        <p:nvSpPr>
-          <p:cNvPr id="3" name="내용 개체 틀 2">
-            <a:extLst>
-              <a:ext uri="{FF2B5EF4-FFF2-40B4-BE49-F238E27FC236}">
-                <a16:creationId xmlns:a16="http://schemas.microsoft.com/office/drawing/2014/main" id="{A2E670EA-5AD9-C8BA-FA6F-2792E57A9D8D}"/>
-              </a:ext>
-            </a:extLst>
-          </p:cNvPr>
-          <p:cNvSpPr>
-            <a:spLocks noGrp="1"/>
-          </p:cNvSpPr>
-          <p:nvPr>
-            <p:ph idx="1"/>
-          </p:nvPr>
-        </p:nvSpPr>
-        <p:spPr/>
-        <p:txBody>
-          <a:bodyPr>
-            <a:normAutofit/>
-          </a:bodyPr>
-          <a:lstStyle/>
-          <a:p>
-            <a:pPr marL="0" indent="0">
-              <a:buNone/>
-            </a:pPr>
-            <a:r>
-              <a:rPr lang="en-US" altLang="ko-KR" sz="2400" b="0" i="0" dirty="0">
-                <a:solidFill>
-                  <a:srgbClr val="0101FD"/>
-                </a:solidFill>
-                <a:effectLst/>
-                <a:latin typeface="Consolas" panose="020B0609020204030204" pitchFamily="49" charset="0"/>
-              </a:rPr>
-              <a:t>int</a:t>
-            </a:r>
-            <a:r>
-              <a:rPr lang="en-US" altLang="ko-KR" sz="2400" b="0" i="0" dirty="0">
-                <a:solidFill>
-                  <a:srgbClr val="161616"/>
-                </a:solidFill>
-                <a:effectLst/>
-                <a:latin typeface="Consolas" panose="020B0609020204030204" pitchFamily="49" charset="0"/>
-              </a:rPr>
-              <a:t>[] array1 = </a:t>
-            </a:r>
-            <a:r>
-              <a:rPr lang="en-US" altLang="ko-KR" sz="2400" b="0" i="0" dirty="0">
-                <a:solidFill>
-                  <a:srgbClr val="0101FD"/>
-                </a:solidFill>
-                <a:effectLst/>
-                <a:latin typeface="Consolas" panose="020B0609020204030204" pitchFamily="49" charset="0"/>
-              </a:rPr>
-              <a:t>new</a:t>
-            </a:r>
-            <a:r>
-              <a:rPr lang="en-US" altLang="ko-KR" sz="2400" b="0" i="0" dirty="0">
-                <a:solidFill>
-                  <a:srgbClr val="161616"/>
-                </a:solidFill>
-                <a:effectLst/>
-                <a:latin typeface="Consolas" panose="020B0609020204030204" pitchFamily="49" charset="0"/>
-              </a:rPr>
-              <a:t> </a:t>
-            </a:r>
-            <a:r>
-              <a:rPr lang="en-US" altLang="ko-KR" sz="2400" b="0" i="0" dirty="0">
-                <a:solidFill>
-                  <a:srgbClr val="0101FD"/>
-                </a:solidFill>
-                <a:effectLst/>
-                <a:latin typeface="Consolas" panose="020B0609020204030204" pitchFamily="49" charset="0"/>
-              </a:rPr>
-              <a:t>int</a:t>
-            </a:r>
-            <a:r>
-              <a:rPr lang="en-US" altLang="ko-KR" sz="2400" b="0" i="0" dirty="0">
-                <a:solidFill>
-                  <a:srgbClr val="161616"/>
-                </a:solidFill>
-                <a:effectLst/>
-                <a:latin typeface="Consolas" panose="020B0609020204030204" pitchFamily="49" charset="0"/>
-              </a:rPr>
-              <a:t>[5]; </a:t>
-            </a:r>
-          </a:p>
-          <a:p>
-            <a:pPr marL="0" indent="0">
-              <a:buNone/>
-            </a:pPr>
-            <a:r>
-              <a:rPr lang="en-US" altLang="ko-KR" sz="2400" b="0" i="0" dirty="0">
-                <a:solidFill>
-                  <a:srgbClr val="0101FD"/>
-                </a:solidFill>
-                <a:effectLst/>
-                <a:latin typeface="Consolas" panose="020B0609020204030204" pitchFamily="49" charset="0"/>
-              </a:rPr>
-              <a:t>int</a:t>
-            </a:r>
-            <a:r>
-              <a:rPr lang="en-US" altLang="ko-KR" sz="2400" b="0" i="0" dirty="0">
-                <a:solidFill>
-                  <a:srgbClr val="161616"/>
-                </a:solidFill>
-                <a:effectLst/>
-                <a:latin typeface="Consolas" panose="020B0609020204030204" pitchFamily="49" charset="0"/>
-              </a:rPr>
-              <a:t>[] array2 = { 1, 2, 3, 4, 5, 6 }; </a:t>
-            </a:r>
-          </a:p>
-          <a:p>
-            <a:pPr marL="0" indent="0">
-              <a:buNone/>
-            </a:pPr>
-            <a:r>
-              <a:rPr lang="en-US" altLang="ko-KR" sz="2400" b="0" i="0" dirty="0">
-                <a:solidFill>
-                  <a:srgbClr val="0101FD"/>
-                </a:solidFill>
-                <a:effectLst/>
-                <a:latin typeface="Consolas" panose="020B0609020204030204" pitchFamily="49" charset="0"/>
-              </a:rPr>
-              <a:t>int</a:t>
-            </a:r>
-            <a:r>
-              <a:rPr lang="en-US" altLang="ko-KR" sz="2400" b="0" i="0" dirty="0">
-                <a:solidFill>
-                  <a:srgbClr val="161616"/>
-                </a:solidFill>
-                <a:effectLst/>
-                <a:latin typeface="Consolas" panose="020B0609020204030204" pitchFamily="49" charset="0"/>
-              </a:rPr>
-              <a:t>[,] multiDimensionalArray1 = </a:t>
-            </a:r>
-            <a:r>
-              <a:rPr lang="en-US" altLang="ko-KR" sz="2400" b="0" i="0" dirty="0">
-                <a:solidFill>
-                  <a:srgbClr val="0101FD"/>
-                </a:solidFill>
-                <a:effectLst/>
-                <a:latin typeface="Consolas" panose="020B0609020204030204" pitchFamily="49" charset="0"/>
-              </a:rPr>
-              <a:t>new</a:t>
-            </a:r>
-            <a:r>
-              <a:rPr lang="en-US" altLang="ko-KR" sz="2400" b="0" i="0" dirty="0">
-                <a:solidFill>
-                  <a:srgbClr val="161616"/>
-                </a:solidFill>
-                <a:effectLst/>
-                <a:latin typeface="Consolas" panose="020B0609020204030204" pitchFamily="49" charset="0"/>
-              </a:rPr>
-              <a:t> </a:t>
-            </a:r>
-            <a:r>
-              <a:rPr lang="en-US" altLang="ko-KR" sz="2400" b="0" i="0" dirty="0">
-                <a:solidFill>
-                  <a:srgbClr val="0101FD"/>
-                </a:solidFill>
-                <a:effectLst/>
-                <a:latin typeface="Consolas" panose="020B0609020204030204" pitchFamily="49" charset="0"/>
-              </a:rPr>
-              <a:t>int</a:t>
-            </a:r>
-            <a:r>
-              <a:rPr lang="en-US" altLang="ko-KR" sz="2400" b="0" i="0" dirty="0">
-                <a:solidFill>
-                  <a:srgbClr val="161616"/>
-                </a:solidFill>
-                <a:effectLst/>
-                <a:latin typeface="Consolas" panose="020B0609020204030204" pitchFamily="49" charset="0"/>
-              </a:rPr>
-              <a:t>[2, 3]; </a:t>
-            </a:r>
-          </a:p>
-          <a:p>
-            <a:pPr marL="0" indent="0">
-              <a:buNone/>
-            </a:pPr>
-            <a:r>
-              <a:rPr lang="en-US" altLang="ko-KR" sz="2400" b="0" i="0" dirty="0">
-                <a:solidFill>
-                  <a:srgbClr val="0101FD"/>
-                </a:solidFill>
-                <a:effectLst/>
-                <a:latin typeface="Consolas" panose="020B0609020204030204" pitchFamily="49" charset="0"/>
-              </a:rPr>
-              <a:t>int</a:t>
-            </a:r>
-            <a:r>
-              <a:rPr lang="en-US" altLang="ko-KR" sz="2400" b="0" i="0" dirty="0">
-                <a:solidFill>
-                  <a:srgbClr val="161616"/>
-                </a:solidFill>
-                <a:effectLst/>
-                <a:latin typeface="Consolas" panose="020B0609020204030204" pitchFamily="49" charset="0"/>
-              </a:rPr>
-              <a:t>[,] multiDimensionalArray2 = { { 1, 2, 3 }, { 4, 5, 6 } };</a:t>
-            </a:r>
-          </a:p>
-          <a:p>
-            <a:pPr marL="0" indent="0">
-              <a:buNone/>
-            </a:pPr>
-            <a:r>
-              <a:rPr lang="en-US" altLang="ko-KR" sz="2400" b="0" i="0" dirty="0">
-                <a:solidFill>
-                  <a:srgbClr val="0101FD"/>
-                </a:solidFill>
-                <a:effectLst/>
-                <a:latin typeface="Consolas" panose="020B0609020204030204" pitchFamily="49" charset="0"/>
-              </a:rPr>
-              <a:t>int</a:t>
-            </a:r>
-            <a:r>
-              <a:rPr lang="en-US" altLang="ko-KR" sz="2400" b="0" i="0" dirty="0">
-                <a:solidFill>
-                  <a:srgbClr val="161616"/>
-                </a:solidFill>
-                <a:effectLst/>
-                <a:latin typeface="Consolas" panose="020B0609020204030204" pitchFamily="49" charset="0"/>
-              </a:rPr>
-              <a:t>[][] </a:t>
-            </a:r>
-            <a:r>
-              <a:rPr lang="en-US" altLang="ko-KR" sz="2400" b="0" i="0" dirty="0" err="1">
-                <a:solidFill>
-                  <a:srgbClr val="161616"/>
-                </a:solidFill>
-                <a:effectLst/>
-                <a:latin typeface="Consolas" panose="020B0609020204030204" pitchFamily="49" charset="0"/>
-              </a:rPr>
-              <a:t>jaggedArray</a:t>
-            </a:r>
-            <a:r>
-              <a:rPr lang="en-US" altLang="ko-KR" sz="2400" b="0" i="0" dirty="0">
-                <a:solidFill>
-                  <a:srgbClr val="161616"/>
-                </a:solidFill>
-                <a:effectLst/>
-                <a:latin typeface="Consolas" panose="020B0609020204030204" pitchFamily="49" charset="0"/>
-              </a:rPr>
-              <a:t> = </a:t>
-            </a:r>
-            <a:r>
-              <a:rPr lang="en-US" altLang="ko-KR" sz="2400" b="0" i="0" dirty="0">
-                <a:solidFill>
-                  <a:srgbClr val="0101FD"/>
-                </a:solidFill>
-                <a:effectLst/>
-                <a:latin typeface="Consolas" panose="020B0609020204030204" pitchFamily="49" charset="0"/>
-              </a:rPr>
-              <a:t>new</a:t>
-            </a:r>
-            <a:r>
-              <a:rPr lang="en-US" altLang="ko-KR" sz="2400" b="0" i="0" dirty="0">
-                <a:solidFill>
-                  <a:srgbClr val="161616"/>
-                </a:solidFill>
-                <a:effectLst/>
-                <a:latin typeface="Consolas" panose="020B0609020204030204" pitchFamily="49" charset="0"/>
-              </a:rPr>
-              <a:t> </a:t>
-            </a:r>
-            <a:r>
-              <a:rPr lang="en-US" altLang="ko-KR" sz="2400" b="0" i="0" dirty="0">
-                <a:solidFill>
-                  <a:srgbClr val="0101FD"/>
-                </a:solidFill>
-                <a:effectLst/>
-                <a:latin typeface="Consolas" panose="020B0609020204030204" pitchFamily="49" charset="0"/>
-              </a:rPr>
-              <a:t>int</a:t>
-            </a:r>
-            <a:r>
-              <a:rPr lang="en-US" altLang="ko-KR" sz="2400" b="0" i="0" dirty="0">
-                <a:solidFill>
-                  <a:srgbClr val="161616"/>
-                </a:solidFill>
-                <a:effectLst/>
-                <a:latin typeface="Consolas" panose="020B0609020204030204" pitchFamily="49" charset="0"/>
-              </a:rPr>
-              <a:t>[6][];</a:t>
-            </a:r>
-            <a:endParaRPr lang="en-US" altLang="ko-KR" sz="2400" dirty="0">
-              <a:solidFill>
-                <a:srgbClr val="161616"/>
-              </a:solidFill>
-              <a:latin typeface="Consolas" panose="020B0609020204030204" pitchFamily="49" charset="0"/>
-            </a:endParaRPr>
-          </a:p>
-          <a:p>
-            <a:pPr marL="0" indent="0">
-              <a:buNone/>
-            </a:pPr>
-            <a:r>
-              <a:rPr lang="en-US" altLang="ko-KR" sz="2400" b="0" i="0" dirty="0" err="1">
-                <a:solidFill>
-                  <a:srgbClr val="161616"/>
-                </a:solidFill>
-                <a:effectLst/>
-                <a:latin typeface="Consolas" panose="020B0609020204030204" pitchFamily="49" charset="0"/>
-              </a:rPr>
-              <a:t>jaggedArray</a:t>
-            </a:r>
-            <a:r>
-              <a:rPr lang="en-US" altLang="ko-KR" sz="2400" b="0" i="0" dirty="0">
-                <a:solidFill>
-                  <a:srgbClr val="161616"/>
-                </a:solidFill>
-                <a:effectLst/>
-                <a:latin typeface="Consolas" panose="020B0609020204030204" pitchFamily="49" charset="0"/>
-              </a:rPr>
-              <a:t>[0] = </a:t>
-            </a:r>
-            <a:r>
-              <a:rPr lang="en-US" altLang="ko-KR" sz="2400" b="0" i="0" dirty="0">
-                <a:solidFill>
-                  <a:srgbClr val="0101FD"/>
-                </a:solidFill>
-                <a:effectLst/>
-                <a:latin typeface="Consolas" panose="020B0609020204030204" pitchFamily="49" charset="0"/>
-              </a:rPr>
-              <a:t>new</a:t>
-            </a:r>
-            <a:r>
-              <a:rPr lang="en-US" altLang="ko-KR" sz="2400" b="0" i="0" dirty="0">
-                <a:solidFill>
-                  <a:srgbClr val="161616"/>
-                </a:solidFill>
-                <a:effectLst/>
-                <a:latin typeface="Consolas" panose="020B0609020204030204" pitchFamily="49" charset="0"/>
-              </a:rPr>
-              <a:t> </a:t>
-            </a:r>
-            <a:r>
-              <a:rPr lang="en-US" altLang="ko-KR" sz="2400" b="0" i="0" dirty="0">
-                <a:solidFill>
-                  <a:srgbClr val="0101FD"/>
-                </a:solidFill>
-                <a:effectLst/>
-                <a:latin typeface="Consolas" panose="020B0609020204030204" pitchFamily="49" charset="0"/>
-              </a:rPr>
-              <a:t>int</a:t>
-            </a:r>
-            <a:r>
-              <a:rPr lang="en-US" altLang="ko-KR" sz="2400" b="0" i="0" dirty="0">
-                <a:solidFill>
-                  <a:srgbClr val="161616"/>
-                </a:solidFill>
-                <a:effectLst/>
-                <a:latin typeface="Consolas" panose="020B0609020204030204" pitchFamily="49" charset="0"/>
-              </a:rPr>
-              <a:t>[4] { 1, 2, 3, 4 };</a:t>
-            </a:r>
-          </a:p>
-          <a:p>
-            <a:pPr marL="0" indent="0">
-              <a:buNone/>
-            </a:pPr>
-            <a:r>
-              <a:rPr lang="en-US" altLang="ko-KR" sz="2400" dirty="0" err="1">
-                <a:solidFill>
-                  <a:srgbClr val="161616"/>
-                </a:solidFill>
-                <a:latin typeface="Consolas" panose="020B0609020204030204" pitchFamily="49" charset="0"/>
-              </a:rPr>
-              <a:t>jaggedArray</a:t>
-            </a:r>
-            <a:r>
-              <a:rPr lang="en-US" altLang="ko-KR" sz="2400" dirty="0">
-                <a:solidFill>
-                  <a:srgbClr val="161616"/>
-                </a:solidFill>
-                <a:latin typeface="Consolas" panose="020B0609020204030204" pitchFamily="49" charset="0"/>
-              </a:rPr>
-              <a:t>[1]</a:t>
-            </a:r>
-            <a:r>
-              <a:rPr lang="ko-KR" altLang="en-US" sz="2400" dirty="0">
-                <a:solidFill>
-                  <a:srgbClr val="161616"/>
-                </a:solidFill>
-                <a:latin typeface="Consolas" panose="020B0609020204030204" pitchFamily="49" charset="0"/>
-              </a:rPr>
-              <a:t> </a:t>
-            </a:r>
-            <a:r>
-              <a:rPr lang="en-US" altLang="ko-KR" sz="2400" dirty="0">
-                <a:solidFill>
-                  <a:srgbClr val="161616"/>
-                </a:solidFill>
-                <a:latin typeface="Consolas" panose="020B0609020204030204" pitchFamily="49" charset="0"/>
-              </a:rPr>
-              <a:t>=</a:t>
-            </a:r>
-            <a:r>
-              <a:rPr lang="ko-KR" altLang="en-US" sz="2400" dirty="0">
-                <a:solidFill>
-                  <a:srgbClr val="161616"/>
-                </a:solidFill>
-                <a:latin typeface="Consolas" panose="020B0609020204030204" pitchFamily="49" charset="0"/>
-              </a:rPr>
-              <a:t> </a:t>
-            </a:r>
-            <a:r>
-              <a:rPr lang="en-US" altLang="ko-KR" sz="2400" dirty="0">
-                <a:solidFill>
-                  <a:srgbClr val="0000FF"/>
-                </a:solidFill>
-                <a:latin typeface="Consolas" panose="020B0609020204030204" pitchFamily="49" charset="0"/>
-              </a:rPr>
-              <a:t>new</a:t>
-            </a:r>
-            <a:r>
-              <a:rPr lang="ko-KR" altLang="en-US" sz="2400" dirty="0">
-                <a:solidFill>
-                  <a:srgbClr val="0000FF"/>
-                </a:solidFill>
-                <a:latin typeface="Consolas" panose="020B0609020204030204" pitchFamily="49" charset="0"/>
-              </a:rPr>
-              <a:t> </a:t>
-            </a:r>
-            <a:r>
-              <a:rPr lang="en-US" altLang="ko-KR" sz="2400" dirty="0">
-                <a:solidFill>
-                  <a:srgbClr val="0000FF"/>
-                </a:solidFill>
-                <a:latin typeface="Consolas" panose="020B0609020204030204" pitchFamily="49" charset="0"/>
-              </a:rPr>
-              <a:t>int</a:t>
-            </a:r>
-            <a:r>
-              <a:rPr lang="en-US" altLang="ko-KR" sz="2400" dirty="0">
-                <a:solidFill>
-                  <a:srgbClr val="161616"/>
-                </a:solidFill>
-                <a:latin typeface="Consolas" panose="020B0609020204030204" pitchFamily="49" charset="0"/>
-              </a:rPr>
-              <a:t>[2]</a:t>
-            </a:r>
-            <a:r>
-              <a:rPr lang="ko-KR" altLang="en-US" sz="2400" dirty="0">
-                <a:solidFill>
-                  <a:srgbClr val="161616"/>
-                </a:solidFill>
-                <a:latin typeface="Consolas" panose="020B0609020204030204" pitchFamily="49" charset="0"/>
-              </a:rPr>
-              <a:t> </a:t>
-            </a:r>
-            <a:r>
-              <a:rPr lang="en-US" altLang="ko-KR" sz="2400" dirty="0">
-                <a:solidFill>
-                  <a:srgbClr val="161616"/>
-                </a:solidFill>
-                <a:latin typeface="Consolas" panose="020B0609020204030204" pitchFamily="49" charset="0"/>
-              </a:rPr>
-              <a:t>{</a:t>
-            </a:r>
-            <a:r>
-              <a:rPr lang="ko-KR" altLang="en-US" sz="2400" dirty="0">
-                <a:solidFill>
-                  <a:srgbClr val="161616"/>
-                </a:solidFill>
-                <a:latin typeface="Consolas" panose="020B0609020204030204" pitchFamily="49" charset="0"/>
-              </a:rPr>
-              <a:t> </a:t>
-            </a:r>
-            <a:r>
-              <a:rPr lang="en-US" altLang="ko-KR" sz="2400" dirty="0">
-                <a:solidFill>
-                  <a:srgbClr val="161616"/>
-                </a:solidFill>
-                <a:latin typeface="Consolas" panose="020B0609020204030204" pitchFamily="49" charset="0"/>
-              </a:rPr>
-              <a:t>5,</a:t>
-            </a:r>
-            <a:r>
-              <a:rPr lang="ko-KR" altLang="en-US" sz="2400" dirty="0">
-                <a:solidFill>
-                  <a:srgbClr val="161616"/>
-                </a:solidFill>
-                <a:latin typeface="Consolas" panose="020B0609020204030204" pitchFamily="49" charset="0"/>
-              </a:rPr>
-              <a:t> </a:t>
-            </a:r>
-            <a:r>
-              <a:rPr lang="en-US" altLang="ko-KR" sz="2400" dirty="0">
-                <a:solidFill>
-                  <a:srgbClr val="161616"/>
-                </a:solidFill>
-                <a:latin typeface="Consolas" panose="020B0609020204030204" pitchFamily="49" charset="0"/>
-              </a:rPr>
-              <a:t>6</a:t>
-            </a:r>
-            <a:r>
-              <a:rPr lang="ko-KR" altLang="en-US" sz="2400" dirty="0">
-                <a:solidFill>
-                  <a:srgbClr val="161616"/>
-                </a:solidFill>
-                <a:latin typeface="Consolas" panose="020B0609020204030204" pitchFamily="49" charset="0"/>
-              </a:rPr>
-              <a:t> </a:t>
-            </a:r>
-            <a:r>
-              <a:rPr lang="en-US" altLang="ko-KR" sz="2400" dirty="0">
-                <a:solidFill>
-                  <a:srgbClr val="161616"/>
-                </a:solidFill>
-                <a:latin typeface="Consolas" panose="020B0609020204030204" pitchFamily="49" charset="0"/>
-              </a:rPr>
-              <a:t>};</a:t>
-            </a:r>
-            <a:endParaRPr lang="ko-KR" altLang="en-US" sz="2400" dirty="0">
-              <a:latin typeface="Consolas" panose="020B0609020204030204" pitchFamily="49" charset="0"/>
-            </a:endParaRPr>
-          </a:p>
-        </p:txBody>
-      </p:sp>
-      <p:sp>
-        <p:nvSpPr>
-          <p:cNvPr id="4" name="날짜 개체 틀 3">
-            <a:extLst>
-              <a:ext uri="{FF2B5EF4-FFF2-40B4-BE49-F238E27FC236}">
-                <a16:creationId xmlns:a16="http://schemas.microsoft.com/office/drawing/2014/main" id="{C5580F05-CFB9-B832-FEB2-CAEE873AB545}"/>
-              </a:ext>
-            </a:extLst>
-          </p:cNvPr>
-          <p:cNvSpPr>
-            <a:spLocks noGrp="1"/>
-          </p:cNvSpPr>
-          <p:nvPr>
-            <p:ph type="dt" sz="half" idx="10"/>
-          </p:nvPr>
-        </p:nvSpPr>
-        <p:spPr/>
-        <p:txBody>
-          <a:bodyPr/>
-          <a:lstStyle/>
-          <a:p>
-            <a:fld id="{0F78D9C4-20C1-4B15-A116-16DC77AD9A1E}" type="datetime1">
-              <a:rPr lang="ko-KR" altLang="en-US" smtClean="0"/>
-              <a:t>2025-04-28</a:t>
-            </a:fld>
-            <a:endParaRPr lang="ko-KR" altLang="en-US"/>
-          </a:p>
-        </p:txBody>
-      </p:sp>
-      <p:sp>
-        <p:nvSpPr>
-          <p:cNvPr id="5" name="슬라이드 번호 개체 틀 4">
-            <a:extLst>
-              <a:ext uri="{FF2B5EF4-FFF2-40B4-BE49-F238E27FC236}">
-                <a16:creationId xmlns:a16="http://schemas.microsoft.com/office/drawing/2014/main" id="{2A380543-0567-5416-A6FB-D094C6D8644F}"/>
-              </a:ext>
-            </a:extLst>
-          </p:cNvPr>
-          <p:cNvSpPr>
-            <a:spLocks noGrp="1"/>
-          </p:cNvSpPr>
-          <p:nvPr>
-            <p:ph type="sldNum" sz="quarter" idx="12"/>
-          </p:nvPr>
-        </p:nvSpPr>
-        <p:spPr/>
-        <p:txBody>
-          <a:bodyPr/>
-          <a:lstStyle/>
-          <a:p>
-            <a:fld id="{083A2CE0-18CD-4102-B738-4ACFF9E68BA4}" type="slidenum">
-              <a:rPr lang="ko-KR" altLang="en-US" smtClean="0"/>
-              <a:t>3</a:t>
-            </a:fld>
-            <a:endParaRPr lang="ko-KR" altLang="en-US"/>
-          </a:p>
-        </p:txBody>
-      </p:sp>
-      <p:sp>
-        <p:nvSpPr>
-          <p:cNvPr id="8" name="TextBox 7">
-            <a:extLst>
-              <a:ext uri="{FF2B5EF4-FFF2-40B4-BE49-F238E27FC236}">
-                <a16:creationId xmlns:a16="http://schemas.microsoft.com/office/drawing/2014/main" id="{8917E3CA-B942-0585-42DB-1FB08C8F9436}"/>
-              </a:ext>
-            </a:extLst>
-          </p:cNvPr>
-          <p:cNvSpPr txBox="1"/>
-          <p:nvPr/>
-        </p:nvSpPr>
-        <p:spPr>
-          <a:xfrm>
-            <a:off x="921958" y="5283249"/>
-            <a:ext cx="6000361" cy="461665"/>
-          </a:xfrm>
-          <a:prstGeom prst="rect">
-            <a:avLst/>
-          </a:prstGeom>
-          <a:noFill/>
-        </p:spPr>
-        <p:txBody>
-          <a:bodyPr wrap="none" rtlCol="0">
-            <a:spAutoFit/>
-          </a:bodyPr>
-          <a:lstStyle/>
-          <a:p>
-            <a:r>
-              <a:rPr lang="en-US" altLang="ko-KR" sz="2400" dirty="0"/>
-              <a:t>* </a:t>
-            </a:r>
-            <a:r>
-              <a:rPr lang="ko-KR" altLang="en-US" sz="2400" dirty="0"/>
-              <a:t>큰 크기의 배열은 이후 배울 </a:t>
-            </a:r>
-            <a:r>
-              <a:rPr lang="ko-KR" altLang="en-US" sz="2400" dirty="0">
-                <a:solidFill>
-                  <a:srgbClr val="00B050"/>
-                </a:solidFill>
-              </a:rPr>
-              <a:t>반복문</a:t>
-            </a:r>
-            <a:r>
-              <a:rPr lang="ko-KR" altLang="en-US" sz="2400" dirty="0"/>
-              <a:t>과 함께 사용</a:t>
-            </a:r>
-          </a:p>
-        </p:txBody>
-      </p:sp>
-    </p:spTree>
-    <p:extLst>
-      <p:ext uri="{BB962C8B-B14F-4D97-AF65-F5344CB8AC3E}">
-        <p14:creationId xmlns:p14="http://schemas.microsoft.com/office/powerpoint/2010/main" val="2893646446"/>
-      </p:ext>
-    </p:extLst>
-  </p:cSld>
-  <p:clrMapOvr>
-    <a:masterClrMapping/>
-  </p:clrMapOvr>
-</p:sld>
-</file>
-
-<file path=ppt/slides/slide30.xml><?xml version="1.0" encoding="utf-8"?>
+<file path=ppt/slides/slide31.xml><?xml version="1.0" encoding="utf-8"?>
 <p:sld xmlns:a="http://schemas.openxmlformats.org/drawingml/2006/main" xmlns:r="http://schemas.openxmlformats.org/officeDocument/2006/relationships" xmlns:p="http://schemas.openxmlformats.org/presentationml/2006/main">
   <p:cSld>
     <p:spTree>
@@ -16977,7 +17191,7 @@
           <a:p>
             <a:fld id="{0F78D9C4-20C1-4B15-A116-16DC77AD9A1E}" type="datetime1">
               <a:rPr lang="ko-KR" altLang="en-US" smtClean="0"/>
-              <a:t>2025-04-28</a:t>
+              <a:t>2025-04-29</a:t>
             </a:fld>
             <a:endParaRPr lang="ko-KR" altLang="en-US"/>
           </a:p>
@@ -17006,7 +17220,7 @@
           <a:p>
             <a:fld id="{083A2CE0-18CD-4102-B738-4ACFF9E68BA4}" type="slidenum">
               <a:rPr lang="ko-KR" altLang="en-US" smtClean="0"/>
-              <a:t>30</a:t>
+              <a:t>31</a:t>
             </a:fld>
             <a:endParaRPr lang="ko-KR" altLang="en-US"/>
           </a:p>
@@ -17151,7 +17365,7 @@
 </p:sld>
 </file>
 
-<file path=ppt/slides/slide31.xml><?xml version="1.0" encoding="utf-8"?>
+<file path=ppt/slides/slide32.xml><?xml version="1.0" encoding="utf-8"?>
 <p:sld xmlns:a="http://schemas.openxmlformats.org/drawingml/2006/main" xmlns:r="http://schemas.openxmlformats.org/officeDocument/2006/relationships" xmlns:p="http://schemas.openxmlformats.org/presentationml/2006/main">
   <p:cSld>
     <p:spTree>
@@ -17232,7 +17446,7 @@
           <a:p>
             <a:fld id="{0F78D9C4-20C1-4B15-A116-16DC77AD9A1E}" type="datetime1">
               <a:rPr lang="ko-KR" altLang="en-US" smtClean="0"/>
-              <a:t>2025-04-28</a:t>
+              <a:t>2025-04-29</a:t>
             </a:fld>
             <a:endParaRPr lang="ko-KR" altLang="en-US"/>
           </a:p>
@@ -17261,7 +17475,7 @@
           <a:p>
             <a:fld id="{083A2CE0-18CD-4102-B738-4ACFF9E68BA4}" type="slidenum">
               <a:rPr lang="ko-KR" altLang="en-US" smtClean="0"/>
-              <a:t>31</a:t>
+              <a:t>32</a:t>
             </a:fld>
             <a:endParaRPr lang="ko-KR" altLang="en-US"/>
           </a:p>
@@ -17628,7 +17842,7 @@
 </p:sld>
 </file>
 
-<file path=ppt/slides/slide32.xml><?xml version="1.0" encoding="utf-8"?>
+<file path=ppt/slides/slide33.xml><?xml version="1.0" encoding="utf-8"?>
 <p:sld xmlns:a="http://schemas.openxmlformats.org/drawingml/2006/main" xmlns:r="http://schemas.openxmlformats.org/officeDocument/2006/relationships" xmlns:p="http://schemas.openxmlformats.org/presentationml/2006/main">
   <p:cSld>
     <p:spTree>
@@ -17697,7 +17911,7 @@
           <a:p>
             <a:fld id="{0F78D9C4-20C1-4B15-A116-16DC77AD9A1E}" type="datetime1">
               <a:rPr lang="ko-KR" altLang="en-US" smtClean="0"/>
-              <a:t>2025-04-28</a:t>
+              <a:t>2025-04-29</a:t>
             </a:fld>
             <a:endParaRPr lang="ko-KR" altLang="en-US"/>
           </a:p>
@@ -17726,7 +17940,7 @@
           <a:p>
             <a:fld id="{083A2CE0-18CD-4102-B738-4ACFF9E68BA4}" type="slidenum">
               <a:rPr lang="ko-KR" altLang="en-US" smtClean="0"/>
-              <a:t>32</a:t>
+              <a:t>33</a:t>
             </a:fld>
             <a:endParaRPr lang="ko-KR" altLang="en-US"/>
           </a:p>
@@ -17906,7 +18120,7 @@
 </p:sld>
 </file>
 
-<file path=ppt/slides/slide33.xml><?xml version="1.0" encoding="utf-8"?>
+<file path=ppt/slides/slide34.xml><?xml version="1.0" encoding="utf-8"?>
 <p:sld xmlns:a="http://schemas.openxmlformats.org/drawingml/2006/main" xmlns:r="http://schemas.openxmlformats.org/officeDocument/2006/relationships" xmlns:p="http://schemas.openxmlformats.org/presentationml/2006/main">
   <p:cSld>
     <p:spTree>
@@ -18190,7 +18404,7 @@
           <a:p>
             <a:fld id="{0F78D9C4-20C1-4B15-A116-16DC77AD9A1E}" type="datetime1">
               <a:rPr lang="ko-KR" altLang="en-US" smtClean="0"/>
-              <a:t>2025-04-28</a:t>
+              <a:t>2025-04-29</a:t>
             </a:fld>
             <a:endParaRPr lang="ko-KR" altLang="en-US"/>
           </a:p>
@@ -18219,7 +18433,7 @@
           <a:p>
             <a:fld id="{083A2CE0-18CD-4102-B738-4ACFF9E68BA4}" type="slidenum">
               <a:rPr lang="ko-KR" altLang="en-US" smtClean="0"/>
-              <a:t>33</a:t>
+              <a:t>34</a:t>
             </a:fld>
             <a:endParaRPr lang="ko-KR" altLang="en-US"/>
           </a:p>
@@ -18238,7 +18452,7 @@
 </p:sld>
 </file>
 
-<file path=ppt/slides/slide34.xml><?xml version="1.0" encoding="utf-8"?>
+<file path=ppt/slides/slide35.xml><?xml version="1.0" encoding="utf-8"?>
 <p:sld xmlns:a="http://schemas.openxmlformats.org/drawingml/2006/main" xmlns:r="http://schemas.openxmlformats.org/officeDocument/2006/relationships" xmlns:p="http://schemas.openxmlformats.org/presentationml/2006/main">
   <p:cSld>
     <p:spTree>
@@ -18325,7 +18539,7 @@
           <a:p>
             <a:fld id="{2E2BEDFA-D8AA-4914-9440-7DF713C99FA9}" type="datetime1">
               <a:rPr lang="ko-KR" altLang="en-US" smtClean="0"/>
-              <a:t>2025-04-28</a:t>
+              <a:t>2025-04-29</a:t>
             </a:fld>
             <a:endParaRPr lang="ko-KR" altLang="en-US"/>
           </a:p>
@@ -18354,7 +18568,7 @@
           <a:p>
             <a:fld id="{083A2CE0-18CD-4102-B738-4ACFF9E68BA4}" type="slidenum">
               <a:rPr lang="ko-KR" altLang="en-US" smtClean="0"/>
-              <a:t>34</a:t>
+              <a:t>35</a:t>
             </a:fld>
             <a:endParaRPr lang="ko-KR" altLang="en-US"/>
           </a:p>
@@ -18373,7 +18587,7 @@
 </p:sld>
 </file>
 
-<file path=ppt/slides/slide35.xml><?xml version="1.0" encoding="utf-8"?>
+<file path=ppt/slides/slide36.xml><?xml version="1.0" encoding="utf-8"?>
 <p:sld xmlns:a="http://schemas.openxmlformats.org/drawingml/2006/main" xmlns:r="http://schemas.openxmlformats.org/officeDocument/2006/relationships" xmlns:p="http://schemas.openxmlformats.org/presentationml/2006/main">
   <p:cSld>
     <p:spTree>
@@ -18438,7 +18652,7 @@
         <p:spPr/>
         <p:txBody>
           <a:bodyPr>
-            <a:normAutofit fontScale="92500"/>
+            <a:normAutofit lnSpcReduction="10000"/>
           </a:bodyPr>
           <a:lstStyle/>
           <a:p>
@@ -18591,7 +18805,7 @@
           <a:p>
             <a:fld id="{0F78D9C4-20C1-4B15-A116-16DC77AD9A1E}" type="datetime1">
               <a:rPr lang="ko-KR" altLang="en-US" smtClean="0"/>
-              <a:t>2025-04-28</a:t>
+              <a:t>2025-04-29</a:t>
             </a:fld>
             <a:endParaRPr lang="ko-KR" altLang="en-US"/>
           </a:p>
@@ -18620,7 +18834,7 @@
           <a:p>
             <a:fld id="{083A2CE0-18CD-4102-B738-4ACFF9E68BA4}" type="slidenum">
               <a:rPr lang="ko-KR" altLang="en-US" smtClean="0"/>
-              <a:t>35</a:t>
+              <a:t>36</a:t>
             </a:fld>
             <a:endParaRPr lang="ko-KR" altLang="en-US"/>
           </a:p>
@@ -18639,7 +18853,7 @@
 </p:sld>
 </file>
 
-<file path=ppt/slides/slide36.xml><?xml version="1.0" encoding="utf-8"?>
+<file path=ppt/slides/slide37.xml><?xml version="1.0" encoding="utf-8"?>
 <p:sld xmlns:a="http://schemas.openxmlformats.org/drawingml/2006/main" xmlns:r="http://schemas.openxmlformats.org/officeDocument/2006/relationships" xmlns:p="http://schemas.openxmlformats.org/presentationml/2006/main">
   <p:cSld>
     <p:spTree>
@@ -18894,7 +19108,7 @@
           <a:p>
             <a:fld id="{0F78D9C4-20C1-4B15-A116-16DC77AD9A1E}" type="datetime1">
               <a:rPr lang="ko-KR" altLang="en-US" smtClean="0"/>
-              <a:t>2025-04-28</a:t>
+              <a:t>2025-04-29</a:t>
             </a:fld>
             <a:endParaRPr lang="ko-KR" altLang="en-US"/>
           </a:p>
@@ -18923,7 +19137,7 @@
           <a:p>
             <a:fld id="{083A2CE0-18CD-4102-B738-4ACFF9E68BA4}" type="slidenum">
               <a:rPr lang="ko-KR" altLang="en-US" smtClean="0"/>
-              <a:t>36</a:t>
+              <a:t>37</a:t>
             </a:fld>
             <a:endParaRPr lang="ko-KR" altLang="en-US"/>
           </a:p>
@@ -18942,7 +19156,7 @@
 </p:sld>
 </file>
 
-<file path=ppt/slides/slide37.xml><?xml version="1.0" encoding="utf-8"?>
+<file path=ppt/slides/slide38.xml><?xml version="1.0" encoding="utf-8"?>
 <p:sld xmlns:a="http://schemas.openxmlformats.org/drawingml/2006/main" xmlns:r="http://schemas.openxmlformats.org/officeDocument/2006/relationships" xmlns:p="http://schemas.openxmlformats.org/presentationml/2006/main">
   <p:cSld>
     <p:spTree>
@@ -19220,7 +19434,7 @@
           <a:p>
             <a:fld id="{0F78D9C4-20C1-4B15-A116-16DC77AD9A1E}" type="datetime1">
               <a:rPr lang="ko-KR" altLang="en-US" smtClean="0"/>
-              <a:t>2025-04-28</a:t>
+              <a:t>2025-04-29</a:t>
             </a:fld>
             <a:endParaRPr lang="ko-KR" altLang="en-US"/>
           </a:p>
@@ -19249,7 +19463,7 @@
           <a:p>
             <a:fld id="{083A2CE0-18CD-4102-B738-4ACFF9E68BA4}" type="slidenum">
               <a:rPr lang="ko-KR" altLang="en-US" smtClean="0"/>
-              <a:t>37</a:t>
+              <a:t>38</a:t>
             </a:fld>
             <a:endParaRPr lang="ko-KR" altLang="en-US"/>
           </a:p>
@@ -19268,7 +19482,7 @@
 </p:sld>
 </file>
 
-<file path=ppt/slides/slide38.xml><?xml version="1.0" encoding="utf-8"?>
+<file path=ppt/slides/slide39.xml><?xml version="1.0" encoding="utf-8"?>
 <p:sld xmlns:a="http://schemas.openxmlformats.org/drawingml/2006/main" xmlns:r="http://schemas.openxmlformats.org/officeDocument/2006/relationships" xmlns:p="http://schemas.openxmlformats.org/presentationml/2006/main">
   <p:cSld>
     <p:spTree>
@@ -19400,7 +19614,7 @@
           <a:p>
             <a:fld id="{0F78D9C4-20C1-4B15-A116-16DC77AD9A1E}" type="datetime1">
               <a:rPr lang="ko-KR" altLang="en-US" smtClean="0"/>
-              <a:t>2025-04-28</a:t>
+              <a:t>2025-04-29</a:t>
             </a:fld>
             <a:endParaRPr lang="ko-KR" altLang="en-US"/>
           </a:p>
@@ -19429,7 +19643,7 @@
           <a:p>
             <a:fld id="{083A2CE0-18CD-4102-B738-4ACFF9E68BA4}" type="slidenum">
               <a:rPr lang="ko-KR" altLang="en-US" smtClean="0"/>
-              <a:t>38</a:t>
+              <a:t>39</a:t>
             </a:fld>
             <a:endParaRPr lang="ko-KR" altLang="en-US"/>
           </a:p>
@@ -19627,7 +19841,141 @@
 </p:sld>
 </file>
 
-<file path=ppt/slides/slide39.xml><?xml version="1.0" encoding="utf-8"?>
+<file path=ppt/slides/slide4.xml><?xml version="1.0" encoding="utf-8"?>
+<p:sld xmlns:a="http://schemas.openxmlformats.org/drawingml/2006/main" xmlns:r="http://schemas.openxmlformats.org/officeDocument/2006/relationships" xmlns:p="http://schemas.openxmlformats.org/presentationml/2006/main">
+  <p:cSld>
+    <p:spTree>
+      <p:nvGrpSpPr>
+        <p:cNvPr id="1" name="">
+          <a:extLst>
+            <a:ext uri="{FF2B5EF4-FFF2-40B4-BE49-F238E27FC236}">
+              <a16:creationId xmlns:a16="http://schemas.microsoft.com/office/drawing/2014/main" id="{51A4EC79-CDCF-220A-680D-F0805FD53E36}"/>
+            </a:ext>
+          </a:extLst>
+        </p:cNvPr>
+        <p:cNvGrpSpPr/>
+        <p:nvPr/>
+      </p:nvGrpSpPr>
+      <p:grpSpPr>
+        <a:xfrm>
+          <a:off x="0" y="0"/>
+          <a:ext cx="0" cy="0"/>
+          <a:chOff x="0" y="0"/>
+          <a:chExt cx="0" cy="0"/>
+        </a:xfrm>
+      </p:grpSpPr>
+      <p:sp>
+        <p:nvSpPr>
+          <p:cNvPr id="2" name="제목 1">
+            <a:extLst>
+              <a:ext uri="{FF2B5EF4-FFF2-40B4-BE49-F238E27FC236}">
+                <a16:creationId xmlns:a16="http://schemas.microsoft.com/office/drawing/2014/main" id="{26F85EB1-3B89-2E3B-D50A-3998CEF46FCD}"/>
+              </a:ext>
+            </a:extLst>
+          </p:cNvPr>
+          <p:cNvSpPr>
+            <a:spLocks noGrp="1"/>
+          </p:cNvSpPr>
+          <p:nvPr>
+            <p:ph type="ctrTitle"/>
+          </p:nvPr>
+        </p:nvSpPr>
+        <p:spPr>
+          <a:xfrm>
+            <a:off x="2209751" y="2165521"/>
+            <a:ext cx="7772498" cy="2526957"/>
+          </a:xfrm>
+        </p:spPr>
+        <p:txBody>
+          <a:bodyPr anchor="ctr" anchorCtr="0">
+            <a:noAutofit/>
+          </a:bodyPr>
+          <a:lstStyle/>
+          <a:p>
+            <a:pPr>
+              <a:lnSpc>
+                <a:spcPct val="150000"/>
+              </a:lnSpc>
+            </a:pPr>
+            <a:r>
+              <a:rPr lang="ko-KR" altLang="en-US" b="1" dirty="0"/>
+              <a:t>문자열</a:t>
+            </a:r>
+          </a:p>
+        </p:txBody>
+      </p:sp>
+      <p:sp>
+        <p:nvSpPr>
+          <p:cNvPr id="4" name="날짜 개체 틀 3">
+            <a:extLst>
+              <a:ext uri="{FF2B5EF4-FFF2-40B4-BE49-F238E27FC236}">
+                <a16:creationId xmlns:a16="http://schemas.microsoft.com/office/drawing/2014/main" id="{07851673-2F0D-5806-43C5-2E1525ABEF63}"/>
+              </a:ext>
+            </a:extLst>
+          </p:cNvPr>
+          <p:cNvSpPr>
+            <a:spLocks noGrp="1"/>
+          </p:cNvSpPr>
+          <p:nvPr>
+            <p:ph type="dt" sz="half" idx="10"/>
+          </p:nvPr>
+        </p:nvSpPr>
+        <p:spPr/>
+        <p:txBody>
+          <a:bodyPr/>
+          <a:lstStyle/>
+          <a:p>
+            <a:fld id="{2E2BEDFA-D8AA-4914-9440-7DF713C99FA9}" type="datetime1">
+              <a:rPr lang="ko-KR" altLang="en-US" smtClean="0"/>
+              <a:t>2025-04-29</a:t>
+            </a:fld>
+            <a:endParaRPr lang="ko-KR" altLang="en-US"/>
+          </a:p>
+        </p:txBody>
+      </p:sp>
+      <p:sp>
+        <p:nvSpPr>
+          <p:cNvPr id="6" name="슬라이드 번호 개체 틀 5">
+            <a:extLst>
+              <a:ext uri="{FF2B5EF4-FFF2-40B4-BE49-F238E27FC236}">
+                <a16:creationId xmlns:a16="http://schemas.microsoft.com/office/drawing/2014/main" id="{4D23E721-2A68-4990-706A-90B72D6C9281}"/>
+              </a:ext>
+            </a:extLst>
+          </p:cNvPr>
+          <p:cNvSpPr>
+            <a:spLocks noGrp="1"/>
+          </p:cNvSpPr>
+          <p:nvPr>
+            <p:ph type="sldNum" sz="quarter" idx="12"/>
+          </p:nvPr>
+        </p:nvSpPr>
+        <p:spPr/>
+        <p:txBody>
+          <a:bodyPr/>
+          <a:lstStyle/>
+          <a:p>
+            <a:fld id="{083A2CE0-18CD-4102-B738-4ACFF9E68BA4}" type="slidenum">
+              <a:rPr lang="ko-KR" altLang="en-US" smtClean="0"/>
+              <a:t>4</a:t>
+            </a:fld>
+            <a:endParaRPr lang="ko-KR" altLang="en-US"/>
+          </a:p>
+        </p:txBody>
+      </p:sp>
+    </p:spTree>
+    <p:extLst>
+      <p:ext uri="{BB962C8B-B14F-4D97-AF65-F5344CB8AC3E}">
+        <p14:creationId xmlns:p14="http://schemas.microsoft.com/office/powerpoint/2010/main" val="1354914802"/>
+      </p:ext>
+    </p:extLst>
+  </p:cSld>
+  <p:clrMapOvr>
+    <a:masterClrMapping/>
+  </p:clrMapOvr>
+</p:sld>
+</file>
+
+<file path=ppt/slides/slide40.xml><?xml version="1.0" encoding="utf-8"?>
 <p:sld xmlns:a="http://schemas.openxmlformats.org/drawingml/2006/main" xmlns:r="http://schemas.openxmlformats.org/officeDocument/2006/relationships" xmlns:p="http://schemas.openxmlformats.org/presentationml/2006/main">
   <p:cSld>
     <p:spTree>
@@ -19734,7 +20082,7 @@
           <a:p>
             <a:fld id="{0F78D9C4-20C1-4B15-A116-16DC77AD9A1E}" type="datetime1">
               <a:rPr lang="ko-KR" altLang="en-US" smtClean="0"/>
-              <a:t>2025-04-28</a:t>
+              <a:t>2025-04-29</a:t>
             </a:fld>
             <a:endParaRPr lang="ko-KR" altLang="en-US"/>
           </a:p>
@@ -19763,7 +20111,7 @@
           <a:p>
             <a:fld id="{083A2CE0-18CD-4102-B738-4ACFF9E68BA4}" type="slidenum">
               <a:rPr lang="ko-KR" altLang="en-US" smtClean="0"/>
-              <a:t>39</a:t>
+              <a:t>40</a:t>
             </a:fld>
             <a:endParaRPr lang="ko-KR" altLang="en-US"/>
           </a:p>
@@ -19812,142 +20160,7 @@
 </p:sld>
 </file>
 
-<file path=ppt/slides/slide4.xml><?xml version="1.0" encoding="utf-8"?>
-<p:sld xmlns:a="http://schemas.openxmlformats.org/drawingml/2006/main" xmlns:r="http://schemas.openxmlformats.org/officeDocument/2006/relationships" xmlns:p="http://schemas.openxmlformats.org/presentationml/2006/main">
-  <p:cSld>
-    <p:spTree>
-      <p:nvGrpSpPr>
-        <p:cNvPr id="1" name="">
-          <a:extLst>
-            <a:ext uri="{FF2B5EF4-FFF2-40B4-BE49-F238E27FC236}">
-              <a16:creationId xmlns:a16="http://schemas.microsoft.com/office/drawing/2014/main" id="{51A4EC79-CDCF-220A-680D-F0805FD53E36}"/>
-            </a:ext>
-          </a:extLst>
-        </p:cNvPr>
-        <p:cNvGrpSpPr/>
-        <p:nvPr/>
-      </p:nvGrpSpPr>
-      <p:grpSpPr>
-        <a:xfrm>
-          <a:off x="0" y="0"/>
-          <a:ext cx="0" cy="0"/>
-          <a:chOff x="0" y="0"/>
-          <a:chExt cx="0" cy="0"/>
-        </a:xfrm>
-      </p:grpSpPr>
-      <p:sp>
-        <p:nvSpPr>
-          <p:cNvPr id="2" name="제목 1">
-            <a:extLst>
-              <a:ext uri="{FF2B5EF4-FFF2-40B4-BE49-F238E27FC236}">
-                <a16:creationId xmlns:a16="http://schemas.microsoft.com/office/drawing/2014/main" id="{26F85EB1-3B89-2E3B-D50A-3998CEF46FCD}"/>
-              </a:ext>
-            </a:extLst>
-          </p:cNvPr>
-          <p:cNvSpPr>
-            <a:spLocks noGrp="1"/>
-          </p:cNvSpPr>
-          <p:nvPr>
-            <p:ph type="ctrTitle"/>
-          </p:nvPr>
-        </p:nvSpPr>
-        <p:spPr>
-          <a:xfrm>
-            <a:off x="2209751" y="2165521"/>
-            <a:ext cx="7772498" cy="2526957"/>
-          </a:xfrm>
-        </p:spPr>
-        <p:txBody>
-          <a:bodyPr anchor="ctr" anchorCtr="0">
-            <a:noAutofit/>
-          </a:bodyPr>
-          <a:lstStyle/>
-          <a:p>
-            <a:pPr>
-              <a:lnSpc>
-                <a:spcPct val="150000"/>
-              </a:lnSpc>
-            </a:pPr>
-            <a:r>
-              <a:rPr lang="ko-KR" altLang="en-US" b="1" dirty="0" smtClean="0"/>
-              <a:t>문자열</a:t>
-            </a:r>
-            <a:endParaRPr lang="ko-KR" altLang="en-US" b="1" dirty="0"/>
-          </a:p>
-        </p:txBody>
-      </p:sp>
-      <p:sp>
-        <p:nvSpPr>
-          <p:cNvPr id="4" name="날짜 개체 틀 3">
-            <a:extLst>
-              <a:ext uri="{FF2B5EF4-FFF2-40B4-BE49-F238E27FC236}">
-                <a16:creationId xmlns:a16="http://schemas.microsoft.com/office/drawing/2014/main" id="{07851673-2F0D-5806-43C5-2E1525ABEF63}"/>
-              </a:ext>
-            </a:extLst>
-          </p:cNvPr>
-          <p:cNvSpPr>
-            <a:spLocks noGrp="1"/>
-          </p:cNvSpPr>
-          <p:nvPr>
-            <p:ph type="dt" sz="half" idx="10"/>
-          </p:nvPr>
-        </p:nvSpPr>
-        <p:spPr/>
-        <p:txBody>
-          <a:bodyPr/>
-          <a:lstStyle/>
-          <a:p>
-            <a:fld id="{2E2BEDFA-D8AA-4914-9440-7DF713C99FA9}" type="datetime1">
-              <a:rPr lang="ko-KR" altLang="en-US" smtClean="0"/>
-              <a:t>2025-04-28</a:t>
-            </a:fld>
-            <a:endParaRPr lang="ko-KR" altLang="en-US"/>
-          </a:p>
-        </p:txBody>
-      </p:sp>
-      <p:sp>
-        <p:nvSpPr>
-          <p:cNvPr id="6" name="슬라이드 번호 개체 틀 5">
-            <a:extLst>
-              <a:ext uri="{FF2B5EF4-FFF2-40B4-BE49-F238E27FC236}">
-                <a16:creationId xmlns:a16="http://schemas.microsoft.com/office/drawing/2014/main" id="{4D23E721-2A68-4990-706A-90B72D6C9281}"/>
-              </a:ext>
-            </a:extLst>
-          </p:cNvPr>
-          <p:cNvSpPr>
-            <a:spLocks noGrp="1"/>
-          </p:cNvSpPr>
-          <p:nvPr>
-            <p:ph type="sldNum" sz="quarter" idx="12"/>
-          </p:nvPr>
-        </p:nvSpPr>
-        <p:spPr/>
-        <p:txBody>
-          <a:bodyPr/>
-          <a:lstStyle/>
-          <a:p>
-            <a:fld id="{083A2CE0-18CD-4102-B738-4ACFF9E68BA4}" type="slidenum">
-              <a:rPr lang="ko-KR" altLang="en-US" smtClean="0"/>
-              <a:t>4</a:t>
-            </a:fld>
-            <a:endParaRPr lang="ko-KR" altLang="en-US"/>
-          </a:p>
-        </p:txBody>
-      </p:sp>
-    </p:spTree>
-    <p:extLst>
-      <p:ext uri="{BB962C8B-B14F-4D97-AF65-F5344CB8AC3E}">
-        <p14:creationId xmlns:p14="http://schemas.microsoft.com/office/powerpoint/2010/main" val="1354914802"/>
-      </p:ext>
-    </p:extLst>
-  </p:cSld>
-  <p:clrMapOvr>
-    <a:masterClrMapping/>
-  </p:clrMapOvr>
-</p:sld>
-</file>
-
-<file path=ppt/slides/slide40.xml><?xml version="1.0" encoding="utf-8"?>
+<file path=ppt/slides/slide41.xml><?xml version="1.0" encoding="utf-8"?>
 <p:sld xmlns:a="http://schemas.openxmlformats.org/drawingml/2006/main" xmlns:r="http://schemas.openxmlformats.org/officeDocument/2006/relationships" xmlns:p="http://schemas.openxmlformats.org/presentationml/2006/main">
   <p:cSld>
     <p:spTree>
@@ -20049,7 +20262,7 @@
           <a:p>
             <a:fld id="{0F78D9C4-20C1-4B15-A116-16DC77AD9A1E}" type="datetime1">
               <a:rPr lang="ko-KR" altLang="en-US" smtClean="0"/>
-              <a:t>2025-04-28</a:t>
+              <a:t>2025-04-29</a:t>
             </a:fld>
             <a:endParaRPr lang="ko-KR" altLang="en-US"/>
           </a:p>
@@ -20078,7 +20291,7 @@
           <a:p>
             <a:fld id="{083A2CE0-18CD-4102-B738-4ACFF9E68BA4}" type="slidenum">
               <a:rPr lang="ko-KR" altLang="en-US" smtClean="0"/>
-              <a:t>40</a:t>
+              <a:t>41</a:t>
             </a:fld>
             <a:endParaRPr lang="ko-KR" altLang="en-US"/>
           </a:p>
@@ -20332,335 +20545,6 @@
 </p:sld>
 </file>
 
-<file path=ppt/slides/slide41.xml><?xml version="1.0" encoding="utf-8"?>
-<p:sld xmlns:a="http://schemas.openxmlformats.org/drawingml/2006/main" xmlns:r="http://schemas.openxmlformats.org/officeDocument/2006/relationships" xmlns:p="http://schemas.openxmlformats.org/presentationml/2006/main">
-  <p:cSld>
-    <p:spTree>
-      <p:nvGrpSpPr>
-        <p:cNvPr id="1" name=""/>
-        <p:cNvGrpSpPr/>
-        <p:nvPr/>
-      </p:nvGrpSpPr>
-      <p:grpSpPr>
-        <a:xfrm>
-          <a:off x="0" y="0"/>
-          <a:ext cx="0" cy="0"/>
-          <a:chOff x="0" y="0"/>
-          <a:chExt cx="0" cy="0"/>
-        </a:xfrm>
-      </p:grpSpPr>
-      <p:sp>
-        <p:nvSpPr>
-          <p:cNvPr id="2" name="제목 1">
-            <a:extLst>
-              <a:ext uri="{FF2B5EF4-FFF2-40B4-BE49-F238E27FC236}">
-                <a16:creationId xmlns:a16="http://schemas.microsoft.com/office/drawing/2014/main" id="{18214B3C-8F5D-8ADD-C909-867E086F536F}"/>
-              </a:ext>
-            </a:extLst>
-          </p:cNvPr>
-          <p:cNvSpPr>
-            <a:spLocks noGrp="1"/>
-          </p:cNvSpPr>
-          <p:nvPr>
-            <p:ph type="title"/>
-          </p:nvPr>
-        </p:nvSpPr>
-        <p:spPr/>
-        <p:txBody>
-          <a:bodyPr/>
-          <a:lstStyle/>
-          <a:p>
-            <a:r>
-              <a:rPr lang="ko-KR" altLang="en-US" dirty="0">
-                <a:solidFill>
-                  <a:srgbClr val="00B050"/>
-                </a:solidFill>
-              </a:rPr>
-              <a:t>실습</a:t>
-            </a:r>
-            <a:r>
-              <a:rPr lang="en-US" altLang="ko-KR" dirty="0">
-                <a:solidFill>
-                  <a:srgbClr val="00B050"/>
-                </a:solidFill>
-              </a:rPr>
-              <a:t>. for</a:t>
-            </a:r>
-            <a:r>
-              <a:rPr lang="ko-KR" altLang="en-US" dirty="0">
-                <a:solidFill>
-                  <a:srgbClr val="00B050"/>
-                </a:solidFill>
-              </a:rPr>
-              <a:t>문</a:t>
-            </a:r>
-          </a:p>
-        </p:txBody>
-      </p:sp>
-      <p:sp>
-        <p:nvSpPr>
-          <p:cNvPr id="3" name="내용 개체 틀 2">
-            <a:extLst>
-              <a:ext uri="{FF2B5EF4-FFF2-40B4-BE49-F238E27FC236}">
-                <a16:creationId xmlns:a16="http://schemas.microsoft.com/office/drawing/2014/main" id="{9147D9B3-90B7-D501-1979-AD3107E587B9}"/>
-              </a:ext>
-            </a:extLst>
-          </p:cNvPr>
-          <p:cNvSpPr>
-            <a:spLocks noGrp="1"/>
-          </p:cNvSpPr>
-          <p:nvPr>
-            <p:ph idx="1"/>
-          </p:nvPr>
-        </p:nvSpPr>
-        <p:spPr/>
-        <p:txBody>
-          <a:bodyPr>
-            <a:normAutofit fontScale="92500"/>
-          </a:bodyPr>
-          <a:lstStyle/>
-          <a:p>
-            <a:r>
-              <a:rPr lang="ko-KR" altLang="en-US" dirty="0"/>
-              <a:t>가짜 성적표 만들기 😈</a:t>
-            </a:r>
-            <a:endParaRPr lang="en-US" altLang="ko-KR" dirty="0"/>
-          </a:p>
-          <a:p>
-            <a:pPr marL="514350" indent="-514350">
-              <a:buFont typeface="+mj-lt"/>
-              <a:buAutoNum type="arabicPeriod"/>
-            </a:pPr>
-            <a:r>
-              <a:rPr lang="ko-KR" altLang="en-US" dirty="0"/>
-              <a:t>학생수를 입력</a:t>
-            </a:r>
-            <a:endParaRPr lang="en-US" altLang="ko-KR" dirty="0"/>
-          </a:p>
-          <a:p>
-            <a:pPr marL="514350" indent="-514350">
-              <a:buFont typeface="+mj-lt"/>
-              <a:buAutoNum type="arabicPeriod"/>
-            </a:pPr>
-            <a:r>
-              <a:rPr lang="ko-KR" altLang="en-US" dirty="0"/>
-              <a:t>입력된 학생 수 만큼 </a:t>
-            </a:r>
-            <a:r>
-              <a:rPr lang="en-US" altLang="ko-KR" dirty="0"/>
-              <a:t>0~100</a:t>
-            </a:r>
-            <a:r>
-              <a:rPr lang="ko-KR" altLang="en-US" dirty="0"/>
-              <a:t>점 사이의 </a:t>
-            </a:r>
-            <a:r>
-              <a:rPr lang="ko-KR" altLang="en-US" dirty="0" err="1"/>
-              <a:t>랜덤한</a:t>
-            </a:r>
-            <a:r>
-              <a:rPr lang="ko-KR" altLang="en-US" dirty="0"/>
-              <a:t> 점수를 생성하고 각 학생에게 점수를 할당</a:t>
-            </a:r>
-            <a:endParaRPr lang="en-US" altLang="ko-KR" dirty="0"/>
-          </a:p>
-          <a:p>
-            <a:pPr marL="514350" indent="-514350">
-              <a:buFont typeface="+mj-lt"/>
-              <a:buAutoNum type="arabicPeriod"/>
-            </a:pPr>
-            <a:r>
-              <a:rPr lang="ko-KR" altLang="en-US" dirty="0"/>
-              <a:t>학생의 이름은 </a:t>
-            </a:r>
-            <a:r>
-              <a:rPr lang="en-US" altLang="ko-KR" dirty="0"/>
-              <a:t>“</a:t>
-            </a:r>
-            <a:r>
-              <a:rPr lang="ko-KR" altLang="en-US" dirty="0"/>
-              <a:t>학생</a:t>
-            </a:r>
-            <a:r>
-              <a:rPr lang="en-US" altLang="ko-KR" dirty="0"/>
-              <a:t>1”, “</a:t>
-            </a:r>
-            <a:r>
-              <a:rPr lang="ko-KR" altLang="en-US" dirty="0"/>
-              <a:t>학생</a:t>
-            </a:r>
-            <a:r>
-              <a:rPr lang="en-US" altLang="ko-KR" dirty="0"/>
-              <a:t>2”, ... </a:t>
-            </a:r>
-            <a:r>
-              <a:rPr lang="ko-KR" altLang="en-US" dirty="0"/>
-              <a:t>와 같이 숫자만 붙여서 표기</a:t>
-            </a:r>
-            <a:endParaRPr lang="en-US" altLang="ko-KR" dirty="0"/>
-          </a:p>
-          <a:p>
-            <a:pPr marL="514350" indent="-514350">
-              <a:buFont typeface="+mj-lt"/>
-              <a:buAutoNum type="arabicPeriod"/>
-            </a:pPr>
-            <a:r>
-              <a:rPr lang="ko-KR" altLang="en-US" dirty="0"/>
-              <a:t>모든 학생에 대해 </a:t>
-            </a:r>
-            <a:r>
-              <a:rPr lang="en-US" altLang="ko-KR" dirty="0"/>
-              <a:t>“</a:t>
-            </a:r>
-            <a:r>
-              <a:rPr lang="ko-KR" altLang="en-US" dirty="0"/>
-              <a:t>학생</a:t>
-            </a:r>
-            <a:r>
-              <a:rPr lang="en-US" altLang="ko-KR" dirty="0"/>
-              <a:t>1</a:t>
-            </a:r>
-            <a:r>
-              <a:rPr lang="ko-KR" altLang="en-US" dirty="0"/>
-              <a:t>의 점수</a:t>
-            </a:r>
-            <a:r>
-              <a:rPr lang="en-US" altLang="ko-KR" dirty="0"/>
-              <a:t>: 42</a:t>
-            </a:r>
-            <a:r>
-              <a:rPr lang="ko-KR" altLang="en-US" dirty="0"/>
-              <a:t>점</a:t>
-            </a:r>
-            <a:r>
-              <a:rPr lang="en-US" altLang="ko-KR" dirty="0"/>
-              <a:t>” </a:t>
-            </a:r>
-            <a:r>
-              <a:rPr lang="ko-KR" altLang="en-US" dirty="0"/>
-              <a:t>과 같은 형태로 결과를 표시</a:t>
-            </a:r>
-            <a:endParaRPr lang="en-US" altLang="ko-KR" dirty="0"/>
-          </a:p>
-          <a:p>
-            <a:pPr lvl="1"/>
-            <a:r>
-              <a:rPr lang="ko-KR" altLang="en-US" dirty="0"/>
-              <a:t>이름과 성적을 입력하면 위와 같은 문자열을 만들어주는 함수를 작성하여 사용</a:t>
-            </a:r>
-            <a:endParaRPr lang="en-US" altLang="ko-KR" dirty="0"/>
-          </a:p>
-          <a:p>
-            <a:pPr marL="514350" indent="-514350">
-              <a:buFont typeface="+mj-lt"/>
-              <a:buAutoNum type="arabicPeriod"/>
-            </a:pPr>
-            <a:r>
-              <a:rPr lang="en-US" altLang="ko-KR" dirty="0"/>
-              <a:t>Push </a:t>
-            </a:r>
-            <a:r>
-              <a:rPr lang="ko-KR" altLang="en-US" dirty="0"/>
-              <a:t>후 </a:t>
-            </a:r>
-            <a:r>
-              <a:rPr lang="en-US" altLang="ko-KR" dirty="0"/>
-              <a:t>Repo. </a:t>
-            </a:r>
-            <a:r>
-              <a:rPr lang="ko-KR" altLang="en-US" dirty="0"/>
-              <a:t>링크를 </a:t>
-            </a:r>
-            <a:r>
-              <a:rPr lang="ko-KR" altLang="en-US" dirty="0" err="1"/>
-              <a:t>슬랙</a:t>
-            </a:r>
-            <a:r>
-              <a:rPr lang="ko-KR" altLang="en-US" dirty="0"/>
-              <a:t> 댓글로 제출</a:t>
-            </a:r>
-            <a:endParaRPr lang="en-US" altLang="ko-KR" dirty="0"/>
-          </a:p>
-          <a:p>
-            <a:pPr marL="514350" indent="-514350">
-              <a:buFont typeface="+mj-lt"/>
-              <a:buAutoNum type="arabicPeriod"/>
-            </a:pPr>
-            <a:endParaRPr lang="ko-KR" altLang="en-US" dirty="0"/>
-          </a:p>
-        </p:txBody>
-      </p:sp>
-      <p:sp>
-        <p:nvSpPr>
-          <p:cNvPr id="4" name="날짜 개체 틀 3">
-            <a:extLst>
-              <a:ext uri="{FF2B5EF4-FFF2-40B4-BE49-F238E27FC236}">
-                <a16:creationId xmlns:a16="http://schemas.microsoft.com/office/drawing/2014/main" id="{A98EB516-6AB9-DC89-5AC4-43308D4480FA}"/>
-              </a:ext>
-            </a:extLst>
-          </p:cNvPr>
-          <p:cNvSpPr>
-            <a:spLocks noGrp="1"/>
-          </p:cNvSpPr>
-          <p:nvPr>
-            <p:ph type="dt" sz="half" idx="10"/>
-          </p:nvPr>
-        </p:nvSpPr>
-        <p:spPr/>
-        <p:txBody>
-          <a:bodyPr/>
-          <a:lstStyle/>
-          <a:p>
-            <a:fld id="{0F78D9C4-20C1-4B15-A116-16DC77AD9A1E}" type="datetime1">
-              <a:rPr lang="ko-KR" altLang="en-US" smtClean="0"/>
-              <a:t>2025-04-28</a:t>
-            </a:fld>
-            <a:endParaRPr lang="ko-KR" altLang="en-US"/>
-          </a:p>
-        </p:txBody>
-      </p:sp>
-      <p:sp>
-        <p:nvSpPr>
-          <p:cNvPr id="5" name="슬라이드 번호 개체 틀 4">
-            <a:extLst>
-              <a:ext uri="{FF2B5EF4-FFF2-40B4-BE49-F238E27FC236}">
-                <a16:creationId xmlns:a16="http://schemas.microsoft.com/office/drawing/2014/main" id="{190BF621-8D05-65CF-6DFC-8F103E46A485}"/>
-              </a:ext>
-            </a:extLst>
-          </p:cNvPr>
-          <p:cNvSpPr>
-            <a:spLocks noGrp="1"/>
-          </p:cNvSpPr>
-          <p:nvPr>
-            <p:ph type="sldNum" sz="quarter" idx="12"/>
-          </p:nvPr>
-        </p:nvSpPr>
-        <p:spPr/>
-        <p:txBody>
-          <a:bodyPr/>
-          <a:lstStyle/>
-          <a:p>
-            <a:fld id="{083A2CE0-18CD-4102-B738-4ACFF9E68BA4}" type="slidenum">
-              <a:rPr lang="ko-KR" altLang="en-US" smtClean="0"/>
-              <a:t>41</a:t>
-            </a:fld>
-            <a:endParaRPr lang="ko-KR" altLang="en-US"/>
-          </a:p>
-        </p:txBody>
-      </p:sp>
-    </p:spTree>
-    <p:extLst>
-      <p:ext uri="{BB962C8B-B14F-4D97-AF65-F5344CB8AC3E}">
-        <p14:creationId xmlns:p14="http://schemas.microsoft.com/office/powerpoint/2010/main" val="2252739932"/>
-      </p:ext>
-    </p:extLst>
-  </p:cSld>
-  <p:clrMapOvr>
-    <a:masterClrMapping/>
-  </p:clrMapOvr>
-</p:sld>
-</file>
-
 <file path=ppt/slides/slide42.xml><?xml version="1.0" encoding="utf-8"?>
 <p:sld xmlns:a="http://schemas.openxmlformats.org/drawingml/2006/main" xmlns:r="http://schemas.openxmlformats.org/officeDocument/2006/relationships" xmlns:p="http://schemas.openxmlformats.org/presentationml/2006/main">
   <p:cSld>
@@ -20683,6 +20567,335 @@
           <p:cNvPr id="2" name="제목 1">
             <a:extLst>
               <a:ext uri="{FF2B5EF4-FFF2-40B4-BE49-F238E27FC236}">
+                <a16:creationId xmlns:a16="http://schemas.microsoft.com/office/drawing/2014/main" id="{18214B3C-8F5D-8ADD-C909-867E086F536F}"/>
+              </a:ext>
+            </a:extLst>
+          </p:cNvPr>
+          <p:cNvSpPr>
+            <a:spLocks noGrp="1"/>
+          </p:cNvSpPr>
+          <p:nvPr>
+            <p:ph type="title"/>
+          </p:nvPr>
+        </p:nvSpPr>
+        <p:spPr/>
+        <p:txBody>
+          <a:bodyPr/>
+          <a:lstStyle/>
+          <a:p>
+            <a:r>
+              <a:rPr lang="ko-KR" altLang="en-US" dirty="0">
+                <a:solidFill>
+                  <a:srgbClr val="00B050"/>
+                </a:solidFill>
+              </a:rPr>
+              <a:t>실습</a:t>
+            </a:r>
+            <a:r>
+              <a:rPr lang="en-US" altLang="ko-KR" dirty="0">
+                <a:solidFill>
+                  <a:srgbClr val="00B050"/>
+                </a:solidFill>
+              </a:rPr>
+              <a:t>. for</a:t>
+            </a:r>
+            <a:r>
+              <a:rPr lang="ko-KR" altLang="en-US" dirty="0">
+                <a:solidFill>
+                  <a:srgbClr val="00B050"/>
+                </a:solidFill>
+              </a:rPr>
+              <a:t>문</a:t>
+            </a:r>
+          </a:p>
+        </p:txBody>
+      </p:sp>
+      <p:sp>
+        <p:nvSpPr>
+          <p:cNvPr id="3" name="내용 개체 틀 2">
+            <a:extLst>
+              <a:ext uri="{FF2B5EF4-FFF2-40B4-BE49-F238E27FC236}">
+                <a16:creationId xmlns:a16="http://schemas.microsoft.com/office/drawing/2014/main" id="{9147D9B3-90B7-D501-1979-AD3107E587B9}"/>
+              </a:ext>
+            </a:extLst>
+          </p:cNvPr>
+          <p:cNvSpPr>
+            <a:spLocks noGrp="1"/>
+          </p:cNvSpPr>
+          <p:nvPr>
+            <p:ph idx="1"/>
+          </p:nvPr>
+        </p:nvSpPr>
+        <p:spPr/>
+        <p:txBody>
+          <a:bodyPr>
+            <a:normAutofit/>
+          </a:bodyPr>
+          <a:lstStyle/>
+          <a:p>
+            <a:r>
+              <a:rPr lang="ko-KR" altLang="en-US" dirty="0"/>
+              <a:t>가짜 성적표 만들기 😈</a:t>
+            </a:r>
+            <a:endParaRPr lang="en-US" altLang="ko-KR" dirty="0"/>
+          </a:p>
+          <a:p>
+            <a:pPr marL="514350" indent="-514350">
+              <a:buFont typeface="+mj-lt"/>
+              <a:buAutoNum type="arabicPeriod"/>
+            </a:pPr>
+            <a:r>
+              <a:rPr lang="ko-KR" altLang="en-US" dirty="0"/>
+              <a:t>학생수를 입력</a:t>
+            </a:r>
+            <a:endParaRPr lang="en-US" altLang="ko-KR" dirty="0"/>
+          </a:p>
+          <a:p>
+            <a:pPr marL="514350" indent="-514350">
+              <a:buFont typeface="+mj-lt"/>
+              <a:buAutoNum type="arabicPeriod"/>
+            </a:pPr>
+            <a:r>
+              <a:rPr lang="ko-KR" altLang="en-US" dirty="0"/>
+              <a:t>입력된 학생 수 만큼 </a:t>
+            </a:r>
+            <a:r>
+              <a:rPr lang="en-US" altLang="ko-KR" dirty="0"/>
+              <a:t>0~100</a:t>
+            </a:r>
+            <a:r>
+              <a:rPr lang="ko-KR" altLang="en-US" dirty="0"/>
+              <a:t>점 사이의 </a:t>
+            </a:r>
+            <a:r>
+              <a:rPr lang="ko-KR" altLang="en-US" dirty="0" err="1"/>
+              <a:t>랜덤한</a:t>
+            </a:r>
+            <a:r>
+              <a:rPr lang="ko-KR" altLang="en-US" dirty="0"/>
+              <a:t> 점수를 생성하고 각 학생에게 점수를 할당</a:t>
+            </a:r>
+            <a:endParaRPr lang="en-US" altLang="ko-KR" dirty="0"/>
+          </a:p>
+          <a:p>
+            <a:pPr marL="514350" indent="-514350">
+              <a:buFont typeface="+mj-lt"/>
+              <a:buAutoNum type="arabicPeriod"/>
+            </a:pPr>
+            <a:r>
+              <a:rPr lang="ko-KR" altLang="en-US" dirty="0"/>
+              <a:t>학생의 이름은 </a:t>
+            </a:r>
+            <a:r>
+              <a:rPr lang="en-US" altLang="ko-KR" dirty="0"/>
+              <a:t>“</a:t>
+            </a:r>
+            <a:r>
+              <a:rPr lang="ko-KR" altLang="en-US" dirty="0"/>
+              <a:t>학생</a:t>
+            </a:r>
+            <a:r>
+              <a:rPr lang="en-US" altLang="ko-KR" dirty="0"/>
+              <a:t>1”, “</a:t>
+            </a:r>
+            <a:r>
+              <a:rPr lang="ko-KR" altLang="en-US" dirty="0"/>
+              <a:t>학생</a:t>
+            </a:r>
+            <a:r>
+              <a:rPr lang="en-US" altLang="ko-KR" dirty="0"/>
+              <a:t>2”, ... </a:t>
+            </a:r>
+            <a:r>
+              <a:rPr lang="ko-KR" altLang="en-US" dirty="0"/>
+              <a:t>와 같이 숫자만 붙여서 표기</a:t>
+            </a:r>
+            <a:endParaRPr lang="en-US" altLang="ko-KR" dirty="0"/>
+          </a:p>
+          <a:p>
+            <a:pPr marL="514350" indent="-514350">
+              <a:buFont typeface="+mj-lt"/>
+              <a:buAutoNum type="arabicPeriod"/>
+            </a:pPr>
+            <a:r>
+              <a:rPr lang="ko-KR" altLang="en-US" dirty="0"/>
+              <a:t>모든 학생에 대해 </a:t>
+            </a:r>
+            <a:r>
+              <a:rPr lang="en-US" altLang="ko-KR" dirty="0"/>
+              <a:t>“</a:t>
+            </a:r>
+            <a:r>
+              <a:rPr lang="ko-KR" altLang="en-US" dirty="0"/>
+              <a:t>학생</a:t>
+            </a:r>
+            <a:r>
+              <a:rPr lang="en-US" altLang="ko-KR" dirty="0"/>
+              <a:t>1</a:t>
+            </a:r>
+            <a:r>
+              <a:rPr lang="ko-KR" altLang="en-US" dirty="0"/>
+              <a:t>의 점수</a:t>
+            </a:r>
+            <a:r>
+              <a:rPr lang="en-US" altLang="ko-KR" dirty="0"/>
+              <a:t>: 42</a:t>
+            </a:r>
+            <a:r>
+              <a:rPr lang="ko-KR" altLang="en-US" dirty="0"/>
+              <a:t>점</a:t>
+            </a:r>
+            <a:r>
+              <a:rPr lang="en-US" altLang="ko-KR" dirty="0"/>
+              <a:t>” </a:t>
+            </a:r>
+            <a:r>
+              <a:rPr lang="ko-KR" altLang="en-US" dirty="0"/>
+              <a:t>과 같은 형태로 결과를 표시</a:t>
+            </a:r>
+            <a:endParaRPr lang="en-US" altLang="ko-KR" dirty="0"/>
+          </a:p>
+          <a:p>
+            <a:pPr lvl="1"/>
+            <a:r>
+              <a:rPr lang="ko-KR" altLang="en-US" dirty="0"/>
+              <a:t>이름과 성적을 입력하면 위와 같은 문자열을 만들어주는 함수를 작성하여 사용</a:t>
+            </a:r>
+            <a:endParaRPr lang="en-US" altLang="ko-KR" dirty="0"/>
+          </a:p>
+          <a:p>
+            <a:pPr marL="514350" indent="-514350">
+              <a:buFont typeface="+mj-lt"/>
+              <a:buAutoNum type="arabicPeriod"/>
+            </a:pPr>
+            <a:r>
+              <a:rPr lang="en-US" altLang="ko-KR" dirty="0"/>
+              <a:t>Push </a:t>
+            </a:r>
+            <a:r>
+              <a:rPr lang="ko-KR" altLang="en-US" dirty="0"/>
+              <a:t>후 </a:t>
+            </a:r>
+            <a:r>
+              <a:rPr lang="en-US" altLang="ko-KR" dirty="0"/>
+              <a:t>Repo. </a:t>
+            </a:r>
+            <a:r>
+              <a:rPr lang="ko-KR" altLang="en-US" dirty="0"/>
+              <a:t>링크를 </a:t>
+            </a:r>
+            <a:r>
+              <a:rPr lang="ko-KR" altLang="en-US" dirty="0" err="1"/>
+              <a:t>슬랙</a:t>
+            </a:r>
+            <a:r>
+              <a:rPr lang="ko-KR" altLang="en-US" dirty="0"/>
+              <a:t> 댓글로 제출</a:t>
+            </a:r>
+            <a:endParaRPr lang="en-US" altLang="ko-KR" dirty="0"/>
+          </a:p>
+          <a:p>
+            <a:pPr marL="514350" indent="-514350">
+              <a:buFont typeface="+mj-lt"/>
+              <a:buAutoNum type="arabicPeriod"/>
+            </a:pPr>
+            <a:endParaRPr lang="ko-KR" altLang="en-US" dirty="0"/>
+          </a:p>
+        </p:txBody>
+      </p:sp>
+      <p:sp>
+        <p:nvSpPr>
+          <p:cNvPr id="4" name="날짜 개체 틀 3">
+            <a:extLst>
+              <a:ext uri="{FF2B5EF4-FFF2-40B4-BE49-F238E27FC236}">
+                <a16:creationId xmlns:a16="http://schemas.microsoft.com/office/drawing/2014/main" id="{A98EB516-6AB9-DC89-5AC4-43308D4480FA}"/>
+              </a:ext>
+            </a:extLst>
+          </p:cNvPr>
+          <p:cNvSpPr>
+            <a:spLocks noGrp="1"/>
+          </p:cNvSpPr>
+          <p:nvPr>
+            <p:ph type="dt" sz="half" idx="10"/>
+          </p:nvPr>
+        </p:nvSpPr>
+        <p:spPr/>
+        <p:txBody>
+          <a:bodyPr/>
+          <a:lstStyle/>
+          <a:p>
+            <a:fld id="{0F78D9C4-20C1-4B15-A116-16DC77AD9A1E}" type="datetime1">
+              <a:rPr lang="ko-KR" altLang="en-US" smtClean="0"/>
+              <a:t>2025-04-29</a:t>
+            </a:fld>
+            <a:endParaRPr lang="ko-KR" altLang="en-US"/>
+          </a:p>
+        </p:txBody>
+      </p:sp>
+      <p:sp>
+        <p:nvSpPr>
+          <p:cNvPr id="5" name="슬라이드 번호 개체 틀 4">
+            <a:extLst>
+              <a:ext uri="{FF2B5EF4-FFF2-40B4-BE49-F238E27FC236}">
+                <a16:creationId xmlns:a16="http://schemas.microsoft.com/office/drawing/2014/main" id="{190BF621-8D05-65CF-6DFC-8F103E46A485}"/>
+              </a:ext>
+            </a:extLst>
+          </p:cNvPr>
+          <p:cNvSpPr>
+            <a:spLocks noGrp="1"/>
+          </p:cNvSpPr>
+          <p:nvPr>
+            <p:ph type="sldNum" sz="quarter" idx="12"/>
+          </p:nvPr>
+        </p:nvSpPr>
+        <p:spPr/>
+        <p:txBody>
+          <a:bodyPr/>
+          <a:lstStyle/>
+          <a:p>
+            <a:fld id="{083A2CE0-18CD-4102-B738-4ACFF9E68BA4}" type="slidenum">
+              <a:rPr lang="ko-KR" altLang="en-US" smtClean="0"/>
+              <a:t>42</a:t>
+            </a:fld>
+            <a:endParaRPr lang="ko-KR" altLang="en-US"/>
+          </a:p>
+        </p:txBody>
+      </p:sp>
+    </p:spTree>
+    <p:extLst>
+      <p:ext uri="{BB962C8B-B14F-4D97-AF65-F5344CB8AC3E}">
+        <p14:creationId xmlns:p14="http://schemas.microsoft.com/office/powerpoint/2010/main" val="2252739932"/>
+      </p:ext>
+    </p:extLst>
+  </p:cSld>
+  <p:clrMapOvr>
+    <a:masterClrMapping/>
+  </p:clrMapOvr>
+</p:sld>
+</file>
+
+<file path=ppt/slides/slide43.xml><?xml version="1.0" encoding="utf-8"?>
+<p:sld xmlns:a="http://schemas.openxmlformats.org/drawingml/2006/main" xmlns:r="http://schemas.openxmlformats.org/officeDocument/2006/relationships" xmlns:p="http://schemas.openxmlformats.org/presentationml/2006/main">
+  <p:cSld>
+    <p:spTree>
+      <p:nvGrpSpPr>
+        <p:cNvPr id="1" name=""/>
+        <p:cNvGrpSpPr/>
+        <p:nvPr/>
+      </p:nvGrpSpPr>
+      <p:grpSpPr>
+        <a:xfrm>
+          <a:off x="0" y="0"/>
+          <a:ext cx="0" cy="0"/>
+          <a:chOff x="0" y="0"/>
+          <a:chExt cx="0" cy="0"/>
+        </a:xfrm>
+      </p:grpSpPr>
+      <p:sp>
+        <p:nvSpPr>
+          <p:cNvPr id="2" name="제목 1">
+            <a:extLst>
+              <a:ext uri="{FF2B5EF4-FFF2-40B4-BE49-F238E27FC236}">
                 <a16:creationId xmlns:a16="http://schemas.microsoft.com/office/drawing/2014/main" id="{A89874C6-EA76-E5C0-7A75-064B13672704}"/>
               </a:ext>
             </a:extLst>
@@ -20789,7 +21002,7 @@
           <a:p>
             <a:fld id="{0F78D9C4-20C1-4B15-A116-16DC77AD9A1E}" type="datetime1">
               <a:rPr lang="ko-KR" altLang="en-US" smtClean="0"/>
-              <a:t>2025-04-28</a:t>
+              <a:t>2025-04-29</a:t>
             </a:fld>
             <a:endParaRPr lang="ko-KR" altLang="en-US"/>
           </a:p>
@@ -20818,7 +21031,7 @@
           <a:p>
             <a:fld id="{083A2CE0-18CD-4102-B738-4ACFF9E68BA4}" type="slidenum">
               <a:rPr lang="ko-KR" altLang="en-US" smtClean="0"/>
-              <a:t>42</a:t>
+              <a:t>43</a:t>
             </a:fld>
             <a:endParaRPr lang="ko-KR" altLang="en-US"/>
           </a:p>
@@ -20897,7 +21110,7 @@
 </p:sld>
 </file>
 
-<file path=ppt/slides/slide43.xml><?xml version="1.0" encoding="utf-8"?>
+<file path=ppt/slides/slide44.xml><?xml version="1.0" encoding="utf-8"?>
 <p:sld xmlns:a="http://schemas.openxmlformats.org/drawingml/2006/main" xmlns:r="http://schemas.openxmlformats.org/officeDocument/2006/relationships" xmlns:p="http://schemas.openxmlformats.org/presentationml/2006/main">
   <p:cSld>
     <p:spTree>
@@ -21036,7 +21249,7 @@
           <a:p>
             <a:fld id="{0F78D9C4-20C1-4B15-A116-16DC77AD9A1E}" type="datetime1">
               <a:rPr lang="ko-KR" altLang="en-US" smtClean="0"/>
-              <a:t>2025-04-28</a:t>
+              <a:t>2025-04-29</a:t>
             </a:fld>
             <a:endParaRPr lang="ko-KR" altLang="en-US"/>
           </a:p>
@@ -21065,7 +21278,7 @@
           <a:p>
             <a:fld id="{083A2CE0-18CD-4102-B738-4ACFF9E68BA4}" type="slidenum">
               <a:rPr lang="ko-KR" altLang="en-US" smtClean="0"/>
-              <a:t>43</a:t>
+              <a:t>44</a:t>
             </a:fld>
             <a:endParaRPr lang="ko-KR" altLang="en-US"/>
           </a:p>
@@ -21144,7 +21357,7 @@
 </p:sld>
 </file>
 
-<file path=ppt/slides/slide44.xml><?xml version="1.0" encoding="utf-8"?>
+<file path=ppt/slides/slide45.xml><?xml version="1.0" encoding="utf-8"?>
 <p:sld xmlns:a="http://schemas.openxmlformats.org/drawingml/2006/main" xmlns:r="http://schemas.openxmlformats.org/officeDocument/2006/relationships" xmlns:p="http://schemas.openxmlformats.org/presentationml/2006/main">
   <p:cSld>
     <p:spTree>
@@ -21242,7 +21455,7 @@
           <a:p>
             <a:fld id="{0F78D9C4-20C1-4B15-A116-16DC77AD9A1E}" type="datetime1">
               <a:rPr lang="ko-KR" altLang="en-US" smtClean="0"/>
-              <a:t>2025-04-28</a:t>
+              <a:t>2025-04-29</a:t>
             </a:fld>
             <a:endParaRPr lang="ko-KR" altLang="en-US"/>
           </a:p>
@@ -21271,7 +21484,7 @@
           <a:p>
             <a:fld id="{083A2CE0-18CD-4102-B738-4ACFF9E68BA4}" type="slidenum">
               <a:rPr lang="ko-KR" altLang="en-US" smtClean="0"/>
-              <a:t>44</a:t>
+              <a:t>45</a:t>
             </a:fld>
             <a:endParaRPr lang="ko-KR" altLang="en-US"/>
           </a:p>
@@ -21393,7 +21606,7 @@
 </p:sld>
 </file>
 
-<file path=ppt/slides/slide45.xml><?xml version="1.0" encoding="utf-8"?>
+<file path=ppt/slides/slide46.xml><?xml version="1.0" encoding="utf-8"?>
 <p:sld xmlns:a="http://schemas.openxmlformats.org/drawingml/2006/main" xmlns:r="http://schemas.openxmlformats.org/officeDocument/2006/relationships" xmlns:p="http://schemas.openxmlformats.org/presentationml/2006/main">
   <p:cSld>
     <p:spTree>
@@ -21648,7 +21861,7 @@
           <a:p>
             <a:fld id="{0F78D9C4-20C1-4B15-A116-16DC77AD9A1E}" type="datetime1">
               <a:rPr lang="ko-KR" altLang="en-US" smtClean="0"/>
-              <a:t>2025-04-28</a:t>
+              <a:t>2025-04-29</a:t>
             </a:fld>
             <a:endParaRPr lang="ko-KR" altLang="en-US"/>
           </a:p>
@@ -21677,7 +21890,7 @@
           <a:p>
             <a:fld id="{083A2CE0-18CD-4102-B738-4ACFF9E68BA4}" type="slidenum">
               <a:rPr lang="ko-KR" altLang="en-US" smtClean="0"/>
-              <a:t>45</a:t>
+              <a:t>46</a:t>
             </a:fld>
             <a:endParaRPr lang="ko-KR" altLang="en-US"/>
           </a:p>
@@ -21902,7 +22115,7 @@
           <a:p>
             <a:fld id="{0F78D9C4-20C1-4B15-A116-16DC77AD9A1E}" type="datetime1">
               <a:rPr lang="ko-KR" altLang="en-US" smtClean="0"/>
-              <a:t>2025-04-28</a:t>
+              <a:t>2025-04-29</a:t>
             </a:fld>
             <a:endParaRPr lang="ko-KR" altLang="en-US"/>
           </a:p>
@@ -22153,10 +22366,6 @@
               <a:rPr lang="ko-KR" altLang="en-US" dirty="0"/>
               <a:t>다양한 문자열 제어 함수를 사용하여 다방면으로 활용 가능</a:t>
             </a:r>
-            <a:r>
-              <a:rPr lang="en-US" altLang="ko-KR" dirty="0"/>
-              <a:t/>
-            </a:r>
             <a:br>
               <a:rPr lang="en-US" altLang="ko-KR" dirty="0"/>
             </a:br>
@@ -22187,7 +22396,7 @@
           <a:p>
             <a:fld id="{0F78D9C4-20C1-4B15-A116-16DC77AD9A1E}" type="datetime1">
               <a:rPr lang="ko-KR" altLang="en-US" smtClean="0"/>
-              <a:t>2025-04-28</a:t>
+              <a:t>2025-04-29</a:t>
             </a:fld>
             <a:endParaRPr lang="ko-KR" altLang="en-US"/>
           </a:p>
@@ -22333,7 +22542,7 @@
           <a:p>
             <a:fld id="{0F78D9C4-20C1-4B15-A116-16DC77AD9A1E}" type="datetime1">
               <a:rPr lang="ko-KR" altLang="en-US" smtClean="0"/>
-              <a:t>2025-04-28</a:t>
+              <a:t>2025-04-29</a:t>
             </a:fld>
             <a:endParaRPr lang="ko-KR" altLang="en-US"/>
           </a:p>
@@ -23520,7 +23729,7 @@
           <a:p>
             <a:fld id="{0F78D9C4-20C1-4B15-A116-16DC77AD9A1E}" type="datetime1">
               <a:rPr lang="ko-KR" altLang="en-US" smtClean="0"/>
-              <a:t>2025-04-28</a:t>
+              <a:t>2025-04-29</a:t>
             </a:fld>
             <a:endParaRPr lang="ko-KR" altLang="en-US"/>
           </a:p>
@@ -23977,7 +24186,7 @@
           <a:p>
             <a:fld id="{0F78D9C4-20C1-4B15-A116-16DC77AD9A1E}" type="datetime1">
               <a:rPr lang="ko-KR" altLang="en-US" smtClean="0"/>
-              <a:t>2025-04-28</a:t>
+              <a:t>2025-04-29</a:t>
             </a:fld>
             <a:endParaRPr lang="ko-KR" altLang="en-US"/>
           </a:p>

--- a/material/09_CSharp_기본문법 (배열, 문자열, 함수, 조건문, 반복문).pptx
+++ b/material/09_CSharp_기본문법 (배열, 문자열, 함수, 조건문, 반복문).pptx
@@ -59,25 +59,29 @@
   <p:notesSz cx="6858000" cy="9144000"/>
   <p:embeddedFontLst>
     <p:embeddedFont>
-      <p:font typeface="Consolas" panose="020B0609020204030204" pitchFamily="49" charset="0"/>
-      <p:regular r:id="rId49"/>
-      <p:bold r:id="rId50"/>
-      <p:italic r:id="rId51"/>
-      <p:boldItalic r:id="rId52"/>
+      <p:font typeface="Pretendard GOV Black" panose="020B0600000101010101" charset="-127"/>
+      <p:bold r:id="rId49"/>
     </p:embeddedFont>
     <p:embeddedFont>
-      <p:font typeface="Pretendard GOV" panose="02000503000000020004" pitchFamily="2" charset="-127"/>
-      <p:regular r:id="rId53"/>
-      <p:bold r:id="rId54"/>
+      <p:font typeface="Pretendard ExtraBold" panose="02000903000000020004" pitchFamily="2" charset="-127"/>
+      <p:bold r:id="rId50"/>
     </p:embeddedFont>
     <p:embeddedFont>
-      <p:font typeface="Pretendard GOV Black" panose="02000A03000000020004" pitchFamily="2" charset="-127"/>
-      <p:bold r:id="rId55"/>
+      <p:font typeface="Consolas" panose="020B0609020204030204" pitchFamily="49" charset="0"/>
+      <p:regular r:id="rId51"/>
+      <p:bold r:id="rId52"/>
+      <p:italic r:id="rId53"/>
+      <p:boldItalic r:id="rId54"/>
     </p:embeddedFont>
     <p:embeddedFont>
       <p:font typeface="맑은 고딕" panose="020B0503020000020004" pitchFamily="50" charset="-127"/>
-      <p:regular r:id="rId56"/>
-      <p:bold r:id="rId57"/>
+      <p:regular r:id="rId55"/>
+      <p:bold r:id="rId56"/>
+    </p:embeddedFont>
+    <p:embeddedFont>
+      <p:font typeface="Pretendard GOV" panose="020B0600000101010101" charset="-127"/>
+      <p:regular r:id="rId57"/>
+      <p:bold r:id="rId58"/>
     </p:embeddedFont>
   </p:embeddedFontLst>
   <p:defaultTextStyle>
@@ -268,7 +272,7 @@
           <a:p>
             <a:fld id="{2EF3F159-7250-4DD4-91C2-13B35D56E1AF}" type="datetimeFigureOut">
               <a:rPr lang="ko-KR" altLang="en-US" smtClean="0"/>
-              <a:t>2025-04-29</a:t>
+              <a:t>2025-04-30</a:t>
             </a:fld>
             <a:endParaRPr lang="ko-KR" altLang="en-US"/>
           </a:p>
@@ -1755,81 +1759,52 @@
           <a:lstStyle/>
           <a:p>
             <a:r>
-              <a:rPr lang="en-US" altLang="ko-KR" dirty="0"/>
-              <a:t>Goto</a:t>
-            </a:r>
-            <a:r>
-              <a:rPr lang="ko-KR" altLang="en-US" dirty="0"/>
-              <a:t>문 </a:t>
-            </a:r>
-            <a:r>
-              <a:rPr lang="en-US" altLang="ko-KR" dirty="0"/>
-              <a:t>: </a:t>
-            </a:r>
-            <a:r>
-              <a:rPr lang="ko-KR" altLang="en-US" dirty="0"/>
-              <a:t>특정 위치로 프로그램의 흐름을 강제로 </a:t>
-            </a:r>
-            <a:r>
-              <a:rPr lang="ko-KR" altLang="en-US" dirty="0" err="1"/>
-              <a:t>점프시키는</a:t>
-            </a:r>
-            <a:r>
-              <a:rPr lang="ko-KR" altLang="en-US" dirty="0"/>
+              <a:rPr lang="en-US" altLang="ko-KR" dirty="0" smtClean="0">
+                <a:solidFill>
+                  <a:srgbClr val="7030A0"/>
+                </a:solidFill>
+              </a:rPr>
+              <a:t>case</a:t>
+            </a:r>
+            <a:r>
+              <a:rPr lang="en-US" altLang="ko-KR" dirty="0" smtClean="0"/>
               <a:t> </a:t>
             </a:r>
             <a:r>
-              <a:rPr lang="ko-KR" altLang="en-US" dirty="0" err="1"/>
-              <a:t>제어문</a:t>
-            </a:r>
-            <a:endParaRPr lang="en-US" altLang="ko-KR" dirty="0"/>
-          </a:p>
-          <a:p>
-            <a:endParaRPr lang="en-US" altLang="ko-KR" dirty="0"/>
-          </a:p>
-          <a:p>
-            <a:r>
-              <a:rPr lang="en-US" altLang="ko-KR" dirty="0"/>
-              <a:t>Goto </a:t>
-            </a:r>
-            <a:r>
-              <a:rPr lang="ko-KR" altLang="en-US" dirty="0"/>
-              <a:t>라벨이름</a:t>
-            </a:r>
-            <a:r>
-              <a:rPr lang="en-US" altLang="ko-KR" dirty="0"/>
-              <a:t>;</a:t>
-            </a:r>
-          </a:p>
-          <a:p>
-            <a:r>
-              <a:rPr lang="en-US" altLang="ko-KR" dirty="0"/>
-              <a:t>…</a:t>
-            </a:r>
-          </a:p>
-          <a:p>
-            <a:r>
-              <a:rPr lang="ko-KR" altLang="en-US" dirty="0"/>
-              <a:t>라벨이름</a:t>
-            </a:r>
-            <a:r>
-              <a:rPr lang="en-US" altLang="ko-KR" dirty="0"/>
-              <a:t>:</a:t>
-            </a:r>
-          </a:p>
-          <a:p>
-            <a:endParaRPr lang="en-US" altLang="ko-KR" dirty="0"/>
-          </a:p>
-          <a:p>
-            <a:r>
-              <a:rPr lang="ko-KR" altLang="en-US" dirty="0" err="1"/>
-              <a:t>ㄴ</a:t>
-            </a:r>
-            <a:r>
-              <a:rPr lang="ko-KR" altLang="en-US" dirty="0"/>
-              <a:t> 지정된 라벨로 무조건 이동하는 명령</a:t>
-            </a:r>
-            <a:endParaRPr lang="en-US" altLang="ko-KR" dirty="0"/>
+              <a:rPr lang="ko-KR" altLang="en-US" dirty="0" smtClean="0"/>
+              <a:t>조건</a:t>
+            </a:r>
+            <a:r>
+              <a:rPr lang="en-US" altLang="ko-KR" baseline="0" dirty="0" smtClean="0"/>
+              <a:t> : </a:t>
+            </a:r>
+            <a:r>
+              <a:rPr lang="ko-KR" altLang="en-US" dirty="0" smtClean="0"/>
+              <a:t> 이건 잘못된 설명</a:t>
+            </a:r>
+            <a:r>
+              <a:rPr lang="en-US" altLang="ko-KR" dirty="0" smtClean="0"/>
+              <a:t>.</a:t>
+            </a:r>
+          </a:p>
+          <a:p>
+            <a:r>
+              <a:rPr lang="ko-KR" altLang="en-US" dirty="0" smtClean="0"/>
+              <a:t>단순 값 비교만 가능하고</a:t>
+            </a:r>
+            <a:r>
+              <a:rPr lang="en-US" altLang="ko-KR" dirty="0" smtClean="0"/>
+              <a:t>, </a:t>
+            </a:r>
+            <a:r>
+              <a:rPr lang="ko-KR" altLang="en-US" dirty="0" smtClean="0"/>
+              <a:t>조건식은 못씀</a:t>
+            </a:r>
+            <a:r>
+              <a:rPr lang="en-US" altLang="ko-KR" dirty="0" smtClean="0"/>
+              <a:t>.</a:t>
+            </a:r>
+            <a:endParaRPr lang="ko-KR" altLang="en-US" dirty="0"/>
           </a:p>
         </p:txBody>
       </p:sp>
@@ -1840,7 +1815,7 @@
             <a:spLocks noGrp="1"/>
           </p:cNvSpPr>
           <p:nvPr>
-            <p:ph type="sldNum" sz="quarter" idx="5"/>
+            <p:ph type="sldNum" sz="quarter" idx="10"/>
           </p:nvPr>
         </p:nvSpPr>
         <p:spPr/>
@@ -1850,7 +1825,7 @@
           <a:p>
             <a:fld id="{C09E5BFC-1559-42F1-8940-AB342D56BF02}" type="slidenum">
               <a:rPr lang="ko-KR" altLang="en-US" smtClean="0"/>
-              <a:t>32</a:t>
+              <a:t>28</a:t>
             </a:fld>
             <a:endParaRPr lang="ko-KR" altLang="en-US"/>
           </a:p>
@@ -1859,7 +1834,7 @@
     </p:spTree>
     <p:extLst>
       <p:ext uri="{BB962C8B-B14F-4D97-AF65-F5344CB8AC3E}">
-        <p14:creationId xmlns:p14="http://schemas.microsoft.com/office/powerpoint/2010/main" val="4264918260"/>
+        <p14:creationId xmlns:p14="http://schemas.microsoft.com/office/powerpoint/2010/main" val="1377588953"/>
       </p:ext>
     </p:extLst>
   </p:cSld>
@@ -1919,6 +1894,165 @@
             </a:r>
             <a:r>
               <a:rPr lang="ko-KR" altLang="en-US" dirty="0"/>
+              <a:t>문 </a:t>
+            </a:r>
+            <a:r>
+              <a:rPr lang="en-US" altLang="ko-KR" dirty="0"/>
+              <a:t>: </a:t>
+            </a:r>
+            <a:r>
+              <a:rPr lang="ko-KR" altLang="en-US" dirty="0"/>
+              <a:t>특정 위치로 프로그램의 흐름을 강제로 </a:t>
+            </a:r>
+            <a:r>
+              <a:rPr lang="ko-KR" altLang="en-US" dirty="0" err="1"/>
+              <a:t>점프시키는</a:t>
+            </a:r>
+            <a:r>
+              <a:rPr lang="ko-KR" altLang="en-US" dirty="0"/>
+              <a:t> </a:t>
+            </a:r>
+            <a:r>
+              <a:rPr lang="ko-KR" altLang="en-US" dirty="0" err="1"/>
+              <a:t>제어문</a:t>
+            </a:r>
+            <a:endParaRPr lang="en-US" altLang="ko-KR" dirty="0"/>
+          </a:p>
+          <a:p>
+            <a:endParaRPr lang="en-US" altLang="ko-KR" dirty="0"/>
+          </a:p>
+          <a:p>
+            <a:r>
+              <a:rPr lang="en-US" altLang="ko-KR" dirty="0"/>
+              <a:t>Goto </a:t>
+            </a:r>
+            <a:r>
+              <a:rPr lang="ko-KR" altLang="en-US" dirty="0"/>
+              <a:t>라벨이름</a:t>
+            </a:r>
+            <a:r>
+              <a:rPr lang="en-US" altLang="ko-KR" dirty="0"/>
+              <a:t>;</a:t>
+            </a:r>
+          </a:p>
+          <a:p>
+            <a:r>
+              <a:rPr lang="en-US" altLang="ko-KR" dirty="0"/>
+              <a:t>…</a:t>
+            </a:r>
+          </a:p>
+          <a:p>
+            <a:r>
+              <a:rPr lang="ko-KR" altLang="en-US" dirty="0"/>
+              <a:t>라벨이름</a:t>
+            </a:r>
+            <a:r>
+              <a:rPr lang="en-US" altLang="ko-KR" dirty="0"/>
+              <a:t>:</a:t>
+            </a:r>
+          </a:p>
+          <a:p>
+            <a:endParaRPr lang="en-US" altLang="ko-KR" dirty="0"/>
+          </a:p>
+          <a:p>
+            <a:r>
+              <a:rPr lang="ko-KR" altLang="en-US" dirty="0" err="1"/>
+              <a:t>ㄴ</a:t>
+            </a:r>
+            <a:r>
+              <a:rPr lang="ko-KR" altLang="en-US" dirty="0"/>
+              <a:t> 지정된 라벨로 무조건 이동하는 명령</a:t>
+            </a:r>
+            <a:endParaRPr lang="en-US" altLang="ko-KR" dirty="0"/>
+          </a:p>
+        </p:txBody>
+      </p:sp>
+      <p:sp>
+        <p:nvSpPr>
+          <p:cNvPr id="4" name="슬라이드 번호 개체 틀 3"/>
+          <p:cNvSpPr>
+            <a:spLocks noGrp="1"/>
+          </p:cNvSpPr>
+          <p:nvPr>
+            <p:ph type="sldNum" sz="quarter" idx="5"/>
+          </p:nvPr>
+        </p:nvSpPr>
+        <p:spPr/>
+        <p:txBody>
+          <a:bodyPr/>
+          <a:lstStyle/>
+          <a:p>
+            <a:fld id="{C09E5BFC-1559-42F1-8940-AB342D56BF02}" type="slidenum">
+              <a:rPr lang="ko-KR" altLang="en-US" smtClean="0"/>
+              <a:t>32</a:t>
+            </a:fld>
+            <a:endParaRPr lang="ko-KR" altLang="en-US"/>
+          </a:p>
+        </p:txBody>
+      </p:sp>
+    </p:spTree>
+    <p:extLst>
+      <p:ext uri="{BB962C8B-B14F-4D97-AF65-F5344CB8AC3E}">
+        <p14:creationId xmlns:p14="http://schemas.microsoft.com/office/powerpoint/2010/main" val="4264918260"/>
+      </p:ext>
+    </p:extLst>
+  </p:cSld>
+  <p:clrMapOvr>
+    <a:masterClrMapping/>
+  </p:clrMapOvr>
+</p:notes>
+</file>
+
+<file path=ppt/notesSlides/notesSlide22.xml><?xml version="1.0" encoding="utf-8"?>
+<p:notes xmlns:a="http://schemas.openxmlformats.org/drawingml/2006/main" xmlns:r="http://schemas.openxmlformats.org/officeDocument/2006/relationships" xmlns:p="http://schemas.openxmlformats.org/presentationml/2006/main">
+  <p:cSld>
+    <p:spTree>
+      <p:nvGrpSpPr>
+        <p:cNvPr id="1" name=""/>
+        <p:cNvGrpSpPr/>
+        <p:nvPr/>
+      </p:nvGrpSpPr>
+      <p:grpSpPr>
+        <a:xfrm>
+          <a:off x="0" y="0"/>
+          <a:ext cx="0" cy="0"/>
+          <a:chOff x="0" y="0"/>
+          <a:chExt cx="0" cy="0"/>
+        </a:xfrm>
+      </p:grpSpPr>
+      <p:sp>
+        <p:nvSpPr>
+          <p:cNvPr id="2" name="슬라이드 이미지 개체 틀 1"/>
+          <p:cNvSpPr>
+            <a:spLocks noGrp="1" noRot="1" noChangeAspect="1"/>
+          </p:cNvSpPr>
+          <p:nvPr>
+            <p:ph type="sldImg"/>
+          </p:nvPr>
+        </p:nvSpPr>
+        <p:spPr/>
+      </p:sp>
+      <p:sp>
+        <p:nvSpPr>
+          <p:cNvPr id="3" name="슬라이드 노트 개체 틀 2"/>
+          <p:cNvSpPr>
+            <a:spLocks noGrp="1"/>
+          </p:cNvSpPr>
+          <p:nvPr>
+            <p:ph type="body" idx="1"/>
+          </p:nvPr>
+        </p:nvSpPr>
+        <p:spPr/>
+        <p:txBody>
+          <a:bodyPr/>
+          <a:lstStyle/>
+          <a:p>
+            <a:r>
+              <a:rPr lang="en-US" altLang="ko-KR" dirty="0"/>
+              <a:t>Goto</a:t>
+            </a:r>
+            <a:r>
+              <a:rPr lang="ko-KR" altLang="en-US" dirty="0"/>
               <a:t>는 일반적으로 </a:t>
             </a:r>
             <a:r>
@@ -1935,8 +2069,28 @@
             </a:r>
             <a:r>
               <a:rPr lang="ko-KR" altLang="en-US" dirty="0"/>
-              <a:t>로 점프 이동할 때 쓰는 것이 가장 적절</a:t>
-            </a:r>
+              <a:t>로 점프 이동할 때 쓰는 것이 가장 </a:t>
+            </a:r>
+            <a:r>
+              <a:rPr lang="ko-KR" altLang="en-US" dirty="0" smtClean="0"/>
+              <a:t>적절</a:t>
+            </a:r>
+            <a:endParaRPr lang="en-US" altLang="ko-KR" dirty="0" smtClean="0"/>
+          </a:p>
+          <a:p>
+            <a:r>
+              <a:rPr lang="ko-KR" altLang="en-US" dirty="0" smtClean="0"/>
+              <a:t>여러 </a:t>
+            </a:r>
+            <a:r>
+              <a:rPr lang="en-US" altLang="ko-KR" dirty="0" smtClean="0"/>
+              <a:t>case</a:t>
+            </a:r>
+            <a:r>
+              <a:rPr lang="ko-KR" altLang="en-US" dirty="0" smtClean="0"/>
+              <a:t>가 중복된 코드를 실행해야 할 때</a:t>
+            </a:r>
+            <a:endParaRPr lang="ko-KR" altLang="en-US" dirty="0"/>
           </a:p>
         </p:txBody>
       </p:sp>
@@ -1976,7 +2130,7 @@
 </p:notes>
 </file>
 
-<file path=ppt/notesSlides/notesSlide22.xml><?xml version="1.0" encoding="utf-8"?>
+<file path=ppt/notesSlides/notesSlide23.xml><?xml version="1.0" encoding="utf-8"?>
 <p:notes xmlns:a="http://schemas.openxmlformats.org/drawingml/2006/main" xmlns:r="http://schemas.openxmlformats.org/officeDocument/2006/relationships" xmlns:p="http://schemas.openxmlformats.org/presentationml/2006/main">
   <p:cSld>
     <p:spTree>
@@ -2075,585 +2229,6 @@
     <p:extLst>
       <p:ext uri="{BB962C8B-B14F-4D97-AF65-F5344CB8AC3E}">
         <p14:creationId xmlns:p14="http://schemas.microsoft.com/office/powerpoint/2010/main" val="2126352399"/>
-      </p:ext>
-    </p:extLst>
-  </p:cSld>
-  <p:clrMapOvr>
-    <a:masterClrMapping/>
-  </p:clrMapOvr>
-</p:notes>
-</file>
-
-<file path=ppt/notesSlides/notesSlide23.xml><?xml version="1.0" encoding="utf-8"?>
-<p:notes xmlns:a="http://schemas.openxmlformats.org/drawingml/2006/main" xmlns:r="http://schemas.openxmlformats.org/officeDocument/2006/relationships" xmlns:p="http://schemas.openxmlformats.org/presentationml/2006/main">
-  <p:cSld>
-    <p:spTree>
-      <p:nvGrpSpPr>
-        <p:cNvPr id="1" name=""/>
-        <p:cNvGrpSpPr/>
-        <p:nvPr/>
-      </p:nvGrpSpPr>
-      <p:grpSpPr>
-        <a:xfrm>
-          <a:off x="0" y="0"/>
-          <a:ext cx="0" cy="0"/>
-          <a:chOff x="0" y="0"/>
-          <a:chExt cx="0" cy="0"/>
-        </a:xfrm>
-      </p:grpSpPr>
-      <p:sp>
-        <p:nvSpPr>
-          <p:cNvPr id="2" name="슬라이드 이미지 개체 틀 1"/>
-          <p:cNvSpPr>
-            <a:spLocks noGrp="1" noRot="1" noChangeAspect="1"/>
-          </p:cNvSpPr>
-          <p:nvPr>
-            <p:ph type="sldImg"/>
-          </p:nvPr>
-        </p:nvSpPr>
-        <p:spPr/>
-      </p:sp>
-      <p:sp>
-        <p:nvSpPr>
-          <p:cNvPr id="3" name="슬라이드 노트 개체 틀 2"/>
-          <p:cNvSpPr>
-            <a:spLocks noGrp="1"/>
-          </p:cNvSpPr>
-          <p:nvPr>
-            <p:ph type="body" idx="1"/>
-          </p:nvPr>
-        </p:nvSpPr>
-        <p:spPr/>
-        <p:txBody>
-          <a:bodyPr/>
-          <a:lstStyle/>
-          <a:p>
-            <a:r>
-              <a:rPr lang="en-US" altLang="ko-KR" dirty="0"/>
-              <a:t>*Big-O </a:t>
-            </a:r>
-            <a:r>
-              <a:rPr lang="ko-KR" altLang="en-US" dirty="0"/>
-              <a:t>표기법</a:t>
-            </a:r>
-            <a:endParaRPr lang="en-US" altLang="ko-KR" dirty="0"/>
-          </a:p>
-          <a:p>
-            <a:r>
-              <a:rPr lang="en-US" altLang="ko-KR" dirty="0"/>
-              <a:t>: </a:t>
-            </a:r>
-            <a:r>
-              <a:rPr lang="ko-KR" altLang="en-US" dirty="0"/>
-              <a:t>이 코드가 얼마나 빨리 실행되는지를 수학적으로 표현하는 방법</a:t>
-            </a:r>
-            <a:r>
-              <a:rPr lang="en-US" altLang="ko-KR" dirty="0"/>
-              <a:t>.</a:t>
-            </a:r>
-          </a:p>
-          <a:p>
-            <a:r>
-              <a:rPr lang="en-US" altLang="ko-KR" dirty="0"/>
-              <a:t>: </a:t>
-            </a:r>
-            <a:r>
-              <a:rPr lang="ko-KR" altLang="en-US" dirty="0"/>
-              <a:t>알고리즘이 </a:t>
-            </a:r>
-            <a:r>
-              <a:rPr lang="en-US" altLang="ko-KR" dirty="0"/>
-              <a:t>“</a:t>
-            </a:r>
-            <a:r>
-              <a:rPr lang="ko-KR" altLang="en-US" dirty="0"/>
-              <a:t>입력 크기 </a:t>
-            </a:r>
-            <a:r>
-              <a:rPr lang="en-US" altLang="ko-KR" dirty="0"/>
-              <a:t>N</a:t>
-            </a:r>
-            <a:r>
-              <a:rPr lang="ko-KR" altLang="en-US" dirty="0"/>
-              <a:t>에 따라 얼마나 많은 작업을 수행하는가</a:t>
-            </a:r>
-            <a:r>
-              <a:rPr lang="en-US" altLang="ko-KR" dirty="0"/>
-              <a:t>?”</a:t>
-            </a:r>
-            <a:r>
-              <a:rPr lang="ko-KR" altLang="en-US" dirty="0"/>
-              <a:t>를 나타내는 시간 복잡도 표기법</a:t>
-            </a:r>
-            <a:endParaRPr lang="en-US" altLang="ko-KR" dirty="0"/>
-          </a:p>
-          <a:p>
-            <a:r>
-              <a:rPr lang="ko-KR" altLang="en-US" dirty="0" err="1"/>
-              <a:t>ㄴ</a:t>
-            </a:r>
-            <a:r>
-              <a:rPr lang="ko-KR" altLang="en-US" dirty="0"/>
-              <a:t> 프로그래밍에서 성능을 판단할 때 꼭 필요한 개념</a:t>
-            </a:r>
-            <a:endParaRPr lang="en-US" altLang="ko-KR" dirty="0"/>
-          </a:p>
-          <a:p>
-            <a:r>
-              <a:rPr lang="ko-KR" altLang="en-US" dirty="0" err="1"/>
-              <a:t>ㄴ</a:t>
-            </a:r>
-            <a:r>
-              <a:rPr lang="ko-KR" altLang="en-US" dirty="0"/>
-              <a:t> 실행 시간을 </a:t>
-            </a:r>
-            <a:r>
-              <a:rPr lang="en-US" altLang="ko-KR" dirty="0"/>
-              <a:t>“</a:t>
-            </a:r>
-            <a:r>
-              <a:rPr lang="ko-KR" altLang="en-US" dirty="0"/>
-              <a:t>정확한 시간</a:t>
-            </a:r>
-            <a:r>
-              <a:rPr lang="en-US" altLang="ko-KR" dirty="0"/>
-              <a:t>＂</a:t>
-            </a:r>
-            <a:r>
-              <a:rPr lang="ko-KR" altLang="en-US" dirty="0"/>
-              <a:t>이 아니라 </a:t>
-            </a:r>
-            <a:r>
-              <a:rPr lang="en-US" altLang="ko-KR" dirty="0"/>
-              <a:t>‘</a:t>
-            </a:r>
-            <a:r>
-              <a:rPr lang="ko-KR" altLang="en-US" dirty="0"/>
-              <a:t>성장 속도</a:t>
-            </a:r>
-            <a:r>
-              <a:rPr lang="en-US" altLang="ko-KR" dirty="0"/>
-              <a:t>’</a:t>
-            </a:r>
-            <a:r>
-              <a:rPr lang="ko-KR" altLang="en-US" dirty="0"/>
-              <a:t>로 표현함</a:t>
-            </a:r>
-            <a:r>
-              <a:rPr lang="en-US" altLang="ko-KR" dirty="0"/>
-              <a:t>.</a:t>
-            </a:r>
-          </a:p>
-          <a:p>
-            <a:endParaRPr lang="en-US" altLang="ko-KR" dirty="0"/>
-          </a:p>
-          <a:p>
-            <a:r>
-              <a:rPr lang="en-US" altLang="ko-KR" dirty="0"/>
-              <a:t>*</a:t>
-            </a:r>
-            <a:r>
-              <a:rPr lang="ko-KR" altLang="en-US" dirty="0"/>
-              <a:t>시간 복잡도</a:t>
-            </a:r>
-            <a:endParaRPr lang="en-US" altLang="ko-KR" dirty="0"/>
-          </a:p>
-          <a:p>
-            <a:r>
-              <a:rPr lang="en-US" altLang="ko-KR" dirty="0"/>
-              <a:t>: </a:t>
-            </a:r>
-            <a:r>
-              <a:rPr lang="ko-KR" altLang="en-US" dirty="0"/>
-              <a:t>실행 시간</a:t>
-            </a:r>
-            <a:endParaRPr lang="en-US" altLang="ko-KR" dirty="0"/>
-          </a:p>
-          <a:p>
-            <a:endParaRPr lang="en-US" altLang="ko-KR" dirty="0"/>
-          </a:p>
-          <a:p>
-            <a:r>
-              <a:rPr lang="en-US" altLang="ko-KR" dirty="0"/>
-              <a:t>*</a:t>
-            </a:r>
-            <a:r>
-              <a:rPr lang="ko-KR" altLang="en-US" dirty="0"/>
-              <a:t>공간 복잡도</a:t>
-            </a:r>
-            <a:endParaRPr lang="en-US" altLang="ko-KR" dirty="0"/>
-          </a:p>
-          <a:p>
-            <a:r>
-              <a:rPr lang="en-US" altLang="ko-KR" dirty="0"/>
-              <a:t>: </a:t>
-            </a:r>
-            <a:r>
-              <a:rPr lang="ko-KR" altLang="en-US" dirty="0"/>
-              <a:t>필요한 메모리 크기</a:t>
-            </a:r>
-            <a:endParaRPr lang="en-US" altLang="ko-KR" dirty="0"/>
-          </a:p>
-          <a:p>
-            <a:endParaRPr lang="en-US" altLang="ko-KR" dirty="0"/>
-          </a:p>
-          <a:p>
-            <a:r>
-              <a:rPr lang="ko-KR" altLang="en-US" dirty="0"/>
-              <a:t>반복문은 대표적인 </a:t>
-            </a:r>
-            <a:r>
-              <a:rPr lang="ko-KR" altLang="en-US" dirty="0" err="1"/>
-              <a:t>시간복잡도</a:t>
-            </a:r>
-            <a:r>
-              <a:rPr lang="ko-KR" altLang="en-US" dirty="0"/>
-              <a:t> 요소</a:t>
-            </a:r>
-            <a:r>
-              <a:rPr lang="en-US" altLang="ko-KR" dirty="0"/>
-              <a:t>!</a:t>
-            </a:r>
-          </a:p>
-          <a:p>
-            <a:r>
-              <a:rPr lang="en-US" altLang="ko-KR" dirty="0"/>
-              <a:t>For : O(n)</a:t>
-            </a:r>
-          </a:p>
-          <a:p>
-            <a:r>
-              <a:rPr lang="ko-KR" altLang="en-US" dirty="0"/>
-              <a:t>이중 </a:t>
-            </a:r>
-            <a:r>
-              <a:rPr lang="en-US" altLang="ko-KR" dirty="0"/>
-              <a:t>for</a:t>
-            </a:r>
-            <a:r>
-              <a:rPr lang="ko-KR" altLang="en-US" dirty="0"/>
-              <a:t>문 </a:t>
-            </a:r>
-            <a:r>
-              <a:rPr lang="en-US" altLang="ko-KR" dirty="0"/>
-              <a:t>: O(n^2)</a:t>
-            </a:r>
-          </a:p>
-          <a:p>
-            <a:br>
-              <a:rPr lang="en-US" altLang="ko-KR" dirty="0"/>
-            </a:br>
-            <a:r>
-              <a:rPr lang="en-US" altLang="ko-KR" dirty="0">
-                <a:sym typeface="Wingdings" panose="05000000000000000000" pitchFamily="2" charset="2"/>
-              </a:rPr>
-              <a:t> (2) Big-O</a:t>
-            </a:r>
-            <a:r>
-              <a:rPr lang="ko-KR" altLang="en-US" dirty="0">
-                <a:sym typeface="Wingdings" panose="05000000000000000000" pitchFamily="2" charset="2"/>
-              </a:rPr>
-              <a:t>는 일반적으로 </a:t>
-            </a:r>
-            <a:r>
-              <a:rPr lang="en-US" altLang="ko-KR" dirty="0">
-                <a:sym typeface="Wingdings" panose="05000000000000000000" pitchFamily="2" charset="2"/>
-              </a:rPr>
-              <a:t>“</a:t>
-            </a:r>
-            <a:r>
-              <a:rPr lang="ko-KR" altLang="en-US" dirty="0">
-                <a:sym typeface="Wingdings" panose="05000000000000000000" pitchFamily="2" charset="2"/>
-              </a:rPr>
-              <a:t>가장 오래 걸릴 때</a:t>
-            </a:r>
-            <a:r>
-              <a:rPr lang="en-US" altLang="ko-KR" dirty="0">
-                <a:sym typeface="Wingdings" panose="05000000000000000000" pitchFamily="2" charset="2"/>
-              </a:rPr>
-              <a:t>(</a:t>
-            </a:r>
-            <a:r>
-              <a:rPr lang="ko-KR" altLang="en-US" dirty="0">
-                <a:sym typeface="Wingdings" panose="05000000000000000000" pitchFamily="2" charset="2"/>
-              </a:rPr>
-              <a:t>최악의 경우</a:t>
-            </a:r>
-            <a:r>
-              <a:rPr lang="en-US" altLang="ko-KR" dirty="0">
-                <a:sym typeface="Wingdings" panose="05000000000000000000" pitchFamily="2" charset="2"/>
-              </a:rPr>
-              <a:t>)”</a:t>
-            </a:r>
-            <a:r>
-              <a:rPr lang="ko-KR" altLang="en-US" dirty="0">
-                <a:sym typeface="Wingdings" panose="05000000000000000000" pitchFamily="2" charset="2"/>
-              </a:rPr>
-              <a:t>를 기준으로 계산함</a:t>
-            </a:r>
-            <a:r>
-              <a:rPr lang="en-US" altLang="ko-KR" dirty="0">
-                <a:sym typeface="Wingdings" panose="05000000000000000000" pitchFamily="2" charset="2"/>
-              </a:rPr>
-              <a:t>.</a:t>
-            </a:r>
-          </a:p>
-          <a:p>
-            <a:r>
-              <a:rPr lang="en-US" altLang="ko-KR" dirty="0">
-                <a:sym typeface="Wingdings" panose="05000000000000000000" pitchFamily="2" charset="2"/>
-              </a:rPr>
-              <a:t>Ex) </a:t>
-            </a:r>
-            <a:r>
-              <a:rPr lang="ko-KR" altLang="en-US" dirty="0">
-                <a:sym typeface="Wingdings" panose="05000000000000000000" pitchFamily="2" charset="2"/>
-              </a:rPr>
-              <a:t>정렬 알고리즘에서 이미 정렬된 경우는 빠르지만</a:t>
-            </a:r>
-            <a:r>
-              <a:rPr lang="en-US" altLang="ko-KR" dirty="0">
-                <a:sym typeface="Wingdings" panose="05000000000000000000" pitchFamily="2" charset="2"/>
-              </a:rPr>
-              <a:t>, </a:t>
-            </a:r>
-            <a:r>
-              <a:rPr lang="ko-KR" altLang="en-US" dirty="0">
-                <a:sym typeface="Wingdings" panose="05000000000000000000" pitchFamily="2" charset="2"/>
-              </a:rPr>
-              <a:t>우리는 정렬이 안되어 있을 때를 기준으로 시간 복잡도를 평가함</a:t>
-            </a:r>
-            <a:r>
-              <a:rPr lang="en-US" altLang="ko-KR" dirty="0">
-                <a:sym typeface="Wingdings" panose="05000000000000000000" pitchFamily="2" charset="2"/>
-              </a:rPr>
-              <a:t>.</a:t>
-            </a:r>
-          </a:p>
-          <a:p>
-            <a:pPr marL="171450" indent="-171450">
-              <a:buFont typeface="Wingdings" panose="05000000000000000000" pitchFamily="2" charset="2"/>
-              <a:buChar char="è"/>
-            </a:pPr>
-            <a:r>
-              <a:rPr lang="en-US" altLang="ko-KR" dirty="0">
-                <a:sym typeface="Wingdings" panose="05000000000000000000" pitchFamily="2" charset="2"/>
-              </a:rPr>
-              <a:t>(3) N</a:t>
-            </a:r>
-            <a:r>
-              <a:rPr lang="ko-KR" altLang="en-US" dirty="0">
-                <a:sym typeface="Wingdings" panose="05000000000000000000" pitchFamily="2" charset="2"/>
-              </a:rPr>
-              <a:t>이 커질 수록 상수는 성능에 미치는 영향이 미미해지기 때문</a:t>
-            </a:r>
-            <a:r>
-              <a:rPr lang="en-US" altLang="ko-KR" dirty="0">
-                <a:sym typeface="Wingdings" panose="05000000000000000000" pitchFamily="2" charset="2"/>
-              </a:rPr>
-              <a:t>.</a:t>
-            </a:r>
-          </a:p>
-          <a:p>
-            <a:pPr marL="0" indent="0">
-              <a:buFont typeface="Wingdings" panose="05000000000000000000" pitchFamily="2" charset="2"/>
-              <a:buNone/>
-            </a:pPr>
-            <a:r>
-              <a:rPr lang="en-US" altLang="ko-KR" dirty="0">
-                <a:sym typeface="Wingdings" panose="05000000000000000000" pitchFamily="2" charset="2"/>
-              </a:rPr>
-              <a:t>Ex) O(7N)</a:t>
-            </a:r>
-            <a:r>
-              <a:rPr lang="ko-KR" altLang="en-US" dirty="0">
-                <a:sym typeface="Wingdings" panose="05000000000000000000" pitchFamily="2" charset="2"/>
-              </a:rPr>
-              <a:t>은 실제로는 </a:t>
-            </a:r>
-            <a:r>
-              <a:rPr lang="en-US" altLang="ko-KR" dirty="0">
-                <a:sym typeface="Wingdings" panose="05000000000000000000" pitchFamily="2" charset="2"/>
-              </a:rPr>
-              <a:t>7N</a:t>
-            </a:r>
-            <a:r>
-              <a:rPr lang="ko-KR" altLang="en-US" dirty="0">
-                <a:sym typeface="Wingdings" panose="05000000000000000000" pitchFamily="2" charset="2"/>
-              </a:rPr>
-              <a:t>만큼 반복하지만</a:t>
-            </a:r>
-            <a:r>
-              <a:rPr lang="en-US" altLang="ko-KR" dirty="0">
-                <a:sym typeface="Wingdings" panose="05000000000000000000" pitchFamily="2" charset="2"/>
-              </a:rPr>
-              <a:t>, </a:t>
-            </a:r>
-            <a:r>
-              <a:rPr lang="ko-KR" altLang="en-US" dirty="0">
-                <a:sym typeface="Wingdings" panose="05000000000000000000" pitchFamily="2" charset="2"/>
-              </a:rPr>
-              <a:t>성장속도로 보면 </a:t>
-            </a:r>
-            <a:r>
-              <a:rPr lang="en-US" altLang="ko-KR" dirty="0">
-                <a:sym typeface="Wingdings" panose="05000000000000000000" pitchFamily="2" charset="2"/>
-              </a:rPr>
-              <a:t>N</a:t>
-            </a:r>
-            <a:r>
-              <a:rPr lang="ko-KR" altLang="en-US" dirty="0">
-                <a:sym typeface="Wingdings" panose="05000000000000000000" pitchFamily="2" charset="2"/>
-              </a:rPr>
-              <a:t>과 동일하다고 간주</a:t>
-            </a:r>
-            <a:r>
-              <a:rPr lang="en-US" altLang="ko-KR" dirty="0">
-                <a:sym typeface="Wingdings" panose="05000000000000000000" pitchFamily="2" charset="2"/>
-              </a:rPr>
-              <a:t>.</a:t>
-            </a:r>
-          </a:p>
-          <a:p>
-            <a:pPr marL="171450" indent="-171450">
-              <a:buFont typeface="Wingdings" panose="05000000000000000000" pitchFamily="2" charset="2"/>
-              <a:buChar char="è"/>
-            </a:pPr>
-            <a:r>
-              <a:rPr lang="en-US" altLang="ko-KR" dirty="0">
-                <a:sym typeface="Wingdings" panose="05000000000000000000" pitchFamily="2" charset="2"/>
-              </a:rPr>
-              <a:t>(4) </a:t>
-            </a:r>
-            <a:r>
-              <a:rPr lang="ko-KR" altLang="en-US" dirty="0" err="1">
-                <a:sym typeface="Wingdings" panose="05000000000000000000" pitchFamily="2" charset="2"/>
-              </a:rPr>
-              <a:t>입력값이</a:t>
-            </a:r>
-            <a:r>
-              <a:rPr lang="en-US" altLang="ko-KR" dirty="0">
-                <a:sym typeface="Wingdings" panose="05000000000000000000" pitchFamily="2" charset="2"/>
-              </a:rPr>
-              <a:t> </a:t>
-            </a:r>
-            <a:r>
-              <a:rPr lang="ko-KR" altLang="en-US" dirty="0">
-                <a:sym typeface="Wingdings" panose="05000000000000000000" pitchFamily="2" charset="2"/>
-              </a:rPr>
-              <a:t>커질수록 </a:t>
-            </a:r>
-            <a:r>
-              <a:rPr lang="en-US" altLang="ko-KR" dirty="0">
-                <a:sym typeface="Wingdings" panose="05000000000000000000" pitchFamily="2" charset="2"/>
-              </a:rPr>
-              <a:t>n^3</a:t>
-            </a:r>
-            <a:r>
-              <a:rPr lang="ko-KR" altLang="en-US" dirty="0">
-                <a:sym typeface="Wingdings" panose="05000000000000000000" pitchFamily="2" charset="2"/>
-              </a:rPr>
-              <a:t>항이 전체 실행 시간에 가장 큰 영향을 주기 때문</a:t>
-            </a:r>
-            <a:r>
-              <a:rPr lang="en-US" altLang="ko-KR" dirty="0">
-                <a:sym typeface="Wingdings" panose="05000000000000000000" pitchFamily="2" charset="2"/>
-              </a:rPr>
-              <a:t>.</a:t>
-            </a:r>
-          </a:p>
-          <a:p>
-            <a:pPr marL="0" indent="0">
-              <a:buFont typeface="Wingdings" panose="05000000000000000000" pitchFamily="2" charset="2"/>
-              <a:buNone/>
-            </a:pPr>
-            <a:r>
-              <a:rPr lang="en-US" altLang="ko-KR" dirty="0"/>
-              <a:t>Ex) n = 10 </a:t>
-            </a:r>
-            <a:r>
-              <a:rPr lang="ko-KR" altLang="en-US" dirty="0"/>
-              <a:t>이라</a:t>
-            </a:r>
-            <a:r>
-              <a:rPr lang="en-US" altLang="ko-KR" dirty="0"/>
-              <a:t> </a:t>
-            </a:r>
-            <a:r>
-              <a:rPr lang="ko-KR" altLang="en-US" dirty="0"/>
-              <a:t>가정</a:t>
-            </a:r>
-            <a:r>
-              <a:rPr lang="en-US" altLang="ko-KR" dirty="0"/>
-              <a:t>, N=10 </a:t>
-            </a:r>
-            <a:r>
-              <a:rPr lang="en-US" altLang="ko-KR" dirty="0">
-                <a:sym typeface="Wingdings" panose="05000000000000000000" pitchFamily="2" charset="2"/>
-              </a:rPr>
-              <a:t> N^3 = 1000, N^2 = 100, N=10</a:t>
-            </a:r>
-          </a:p>
-          <a:p>
-            <a:pPr marL="0" indent="0">
-              <a:buFont typeface="Wingdings" panose="05000000000000000000" pitchFamily="2" charset="2"/>
-              <a:buNone/>
-            </a:pPr>
-            <a:r>
-              <a:rPr lang="en-US" altLang="ko-KR" dirty="0">
-                <a:sym typeface="Wingdings" panose="05000000000000000000" pitchFamily="2" charset="2"/>
-              </a:rPr>
-              <a:t>- </a:t>
-            </a:r>
-            <a:r>
-              <a:rPr lang="ko-KR" altLang="en-US" dirty="0">
-                <a:sym typeface="Wingdings" panose="05000000000000000000" pitchFamily="2" charset="2"/>
-              </a:rPr>
-              <a:t>나머지는 거의 무시해도 될 만큼 </a:t>
-            </a:r>
-            <a:r>
-              <a:rPr lang="ko-KR" altLang="en-US" dirty="0" err="1">
-                <a:sym typeface="Wingdings" panose="05000000000000000000" pitchFamily="2" charset="2"/>
-              </a:rPr>
-              <a:t>작아짐</a:t>
-            </a:r>
-            <a:r>
-              <a:rPr lang="en-US" altLang="ko-KR" dirty="0">
-                <a:sym typeface="Wingdings" panose="05000000000000000000" pitchFamily="2" charset="2"/>
-              </a:rPr>
-              <a:t>.</a:t>
-            </a:r>
-            <a:endParaRPr lang="ko-KR" altLang="en-US" dirty="0"/>
-          </a:p>
-        </p:txBody>
-      </p:sp>
-      <p:sp>
-        <p:nvSpPr>
-          <p:cNvPr id="4" name="슬라이드 번호 개체 틀 3"/>
-          <p:cNvSpPr>
-            <a:spLocks noGrp="1"/>
-          </p:cNvSpPr>
-          <p:nvPr>
-            <p:ph type="sldNum" sz="quarter" idx="5"/>
-          </p:nvPr>
-        </p:nvSpPr>
-        <p:spPr/>
-        <p:txBody>
-          <a:bodyPr/>
-          <a:lstStyle/>
-          <a:p>
-            <a:fld id="{C09E5BFC-1559-42F1-8940-AB342D56BF02}" type="slidenum">
-              <a:rPr lang="ko-KR" altLang="en-US" smtClean="0"/>
-              <a:t>37</a:t>
-            </a:fld>
-            <a:endParaRPr lang="ko-KR" altLang="en-US"/>
-          </a:p>
-        </p:txBody>
-      </p:sp>
-    </p:spTree>
-    <p:extLst>
-      <p:ext uri="{BB962C8B-B14F-4D97-AF65-F5344CB8AC3E}">
-        <p14:creationId xmlns:p14="http://schemas.microsoft.com/office/powerpoint/2010/main" val="514268098"/>
       </p:ext>
     </p:extLst>
   </p:cSld>
@@ -2708,263 +2283,505 @@
           <a:lstStyle/>
           <a:p>
             <a:r>
-              <a:rPr lang="ko-KR" altLang="en-US" dirty="0"/>
-              <a:t>입력 데이터의 크기</a:t>
-            </a:r>
-            <a:r>
-              <a:rPr lang="en-US" altLang="ko-KR" dirty="0"/>
-              <a:t>(n)</a:t>
-            </a:r>
-            <a:r>
-              <a:rPr lang="ko-KR" altLang="en-US" dirty="0"/>
-              <a:t>가 커질수록 각 알고리즘이 얼마나 빠르게</a:t>
-            </a:r>
-            <a:r>
-              <a:rPr lang="en-US" altLang="ko-KR" dirty="0"/>
-              <a:t>/</a:t>
-            </a:r>
-            <a:r>
-              <a:rPr lang="ko-KR" altLang="en-US" dirty="0"/>
-              <a:t>느리게 실행시간이 증가하는지를 비교한 그래프</a:t>
+              <a:rPr lang="en-US" altLang="ko-KR" dirty="0"/>
+              <a:t>*Big-O </a:t>
+            </a:r>
+            <a:r>
+              <a:rPr lang="ko-KR" altLang="en-US" dirty="0"/>
+              <a:t>표기법</a:t>
             </a:r>
             <a:endParaRPr lang="en-US" altLang="ko-KR" dirty="0"/>
           </a:p>
           <a:p>
-            <a:pPr marL="228600" indent="-228600">
-              <a:buAutoNum type="arabicPeriod"/>
+            <a:r>
+              <a:rPr lang="en-US" altLang="ko-KR" dirty="0"/>
+              <a:t>: </a:t>
+            </a:r>
+            <a:r>
+              <a:rPr lang="ko-KR" altLang="en-US" dirty="0"/>
+              <a:t>이 코드가 얼마나 빨리 실행되는지를 수학적으로 표현하는 방법</a:t>
+            </a:r>
+            <a:r>
+              <a:rPr lang="en-US" altLang="ko-KR" dirty="0"/>
+              <a:t>.</a:t>
+            </a:r>
+          </a:p>
+          <a:p>
+            <a:r>
+              <a:rPr lang="en-US" altLang="ko-KR" dirty="0"/>
+              <a:t>: </a:t>
+            </a:r>
+            <a:r>
+              <a:rPr lang="ko-KR" altLang="en-US" dirty="0"/>
+              <a:t>알고리즘이 </a:t>
+            </a:r>
+            <a:r>
+              <a:rPr lang="en-US" altLang="ko-KR" dirty="0"/>
+              <a:t>“</a:t>
+            </a:r>
+            <a:r>
+              <a:rPr lang="ko-KR" altLang="en-US" dirty="0"/>
+              <a:t>입력 크기 </a:t>
+            </a:r>
+            <a:r>
+              <a:rPr lang="en-US" altLang="ko-KR" dirty="0"/>
+              <a:t>N</a:t>
+            </a:r>
+            <a:r>
+              <a:rPr lang="ko-KR" altLang="en-US" dirty="0"/>
+              <a:t>에 따라 얼마나 많은 작업을 수행하는가</a:t>
+            </a:r>
+            <a:r>
+              <a:rPr lang="en-US" altLang="ko-KR" dirty="0"/>
+              <a:t>?”</a:t>
+            </a:r>
+            <a:r>
+              <a:rPr lang="ko-KR" altLang="en-US" dirty="0"/>
+              <a:t>를 나타내는 시간 복잡도 표기법</a:t>
+            </a:r>
+            <a:endParaRPr lang="en-US" altLang="ko-KR" dirty="0"/>
+          </a:p>
+          <a:p>
+            <a:r>
+              <a:rPr lang="ko-KR" altLang="en-US" dirty="0" err="1"/>
+              <a:t>ㄴ</a:t>
+            </a:r>
+            <a:r>
+              <a:rPr lang="ko-KR" altLang="en-US" dirty="0"/>
+              <a:t> 프로그래밍에서 성능을 판단할 때 꼭 필요한 개념</a:t>
+            </a:r>
+            <a:endParaRPr lang="en-US" altLang="ko-KR" dirty="0"/>
+          </a:p>
+          <a:p>
+            <a:r>
+              <a:rPr lang="ko-KR" altLang="en-US" dirty="0" err="1"/>
+              <a:t>ㄴ</a:t>
+            </a:r>
+            <a:r>
+              <a:rPr lang="ko-KR" altLang="en-US" dirty="0"/>
+              <a:t> 실행 시간을 </a:t>
+            </a:r>
+            <a:r>
+              <a:rPr lang="en-US" altLang="ko-KR" dirty="0"/>
+              <a:t>“</a:t>
+            </a:r>
+            <a:r>
+              <a:rPr lang="ko-KR" altLang="en-US" dirty="0"/>
+              <a:t>정확한 시간</a:t>
+            </a:r>
+            <a:r>
+              <a:rPr lang="en-US" altLang="ko-KR" dirty="0"/>
+              <a:t>＂</a:t>
+            </a:r>
+            <a:r>
+              <a:rPr lang="ko-KR" altLang="en-US" dirty="0"/>
+              <a:t>이 아니라 </a:t>
+            </a:r>
+            <a:r>
+              <a:rPr lang="en-US" altLang="ko-KR" dirty="0"/>
+              <a:t>‘</a:t>
+            </a:r>
+            <a:r>
+              <a:rPr lang="ko-KR" altLang="en-US" dirty="0"/>
+              <a:t>성장 속도</a:t>
+            </a:r>
+            <a:r>
+              <a:rPr lang="en-US" altLang="ko-KR" dirty="0"/>
+              <a:t>’</a:t>
+            </a:r>
+            <a:r>
+              <a:rPr lang="ko-KR" altLang="en-US" dirty="0"/>
+              <a:t>로 표현함</a:t>
+            </a:r>
+            <a:r>
+              <a:rPr lang="en-US" altLang="ko-KR" dirty="0"/>
+              <a:t>.</a:t>
+            </a:r>
+          </a:p>
+          <a:p>
+            <a:endParaRPr lang="en-US" altLang="ko-KR" dirty="0"/>
+          </a:p>
+          <a:p>
+            <a:r>
+              <a:rPr lang="en-US" altLang="ko-KR" dirty="0"/>
+              <a:t>*</a:t>
+            </a:r>
+            <a:r>
+              <a:rPr lang="ko-KR" altLang="en-US" dirty="0"/>
+              <a:t>시간 복잡도</a:t>
+            </a:r>
+            <a:endParaRPr lang="en-US" altLang="ko-KR" dirty="0"/>
+          </a:p>
+          <a:p>
+            <a:r>
+              <a:rPr lang="en-US" altLang="ko-KR" dirty="0"/>
+              <a:t>: </a:t>
+            </a:r>
+            <a:r>
+              <a:rPr lang="ko-KR" altLang="en-US" dirty="0"/>
+              <a:t>실행 시간</a:t>
+            </a:r>
+            <a:endParaRPr lang="en-US" altLang="ko-KR" dirty="0"/>
+          </a:p>
+          <a:p>
+            <a:endParaRPr lang="en-US" altLang="ko-KR" dirty="0"/>
+          </a:p>
+          <a:p>
+            <a:r>
+              <a:rPr lang="en-US" altLang="ko-KR" dirty="0"/>
+              <a:t>*</a:t>
+            </a:r>
+            <a:r>
+              <a:rPr lang="ko-KR" altLang="en-US" dirty="0"/>
+              <a:t>공간 복잡도</a:t>
+            </a:r>
+            <a:endParaRPr lang="en-US" altLang="ko-KR" dirty="0"/>
+          </a:p>
+          <a:p>
+            <a:r>
+              <a:rPr lang="en-US" altLang="ko-KR" dirty="0"/>
+              <a:t>: </a:t>
+            </a:r>
+            <a:r>
+              <a:rPr lang="ko-KR" altLang="en-US" dirty="0"/>
+              <a:t>필요한 메모리 크기</a:t>
+            </a:r>
+            <a:endParaRPr lang="en-US" altLang="ko-KR" dirty="0"/>
+          </a:p>
+          <a:p>
+            <a:endParaRPr lang="en-US" altLang="ko-KR" dirty="0"/>
+          </a:p>
+          <a:p>
+            <a:r>
+              <a:rPr lang="ko-KR" altLang="en-US" dirty="0"/>
+              <a:t>반복문은 대표적인 </a:t>
+            </a:r>
+            <a:r>
+              <a:rPr lang="ko-KR" altLang="en-US" dirty="0" err="1"/>
+              <a:t>시간복잡도</a:t>
+            </a:r>
+            <a:r>
+              <a:rPr lang="ko-KR" altLang="en-US" dirty="0"/>
+              <a:t> 요소</a:t>
+            </a:r>
+            <a:r>
+              <a:rPr lang="en-US" altLang="ko-KR" dirty="0"/>
+              <a:t>!</a:t>
+            </a:r>
+          </a:p>
+          <a:p>
+            <a:r>
+              <a:rPr lang="en-US" altLang="ko-KR" dirty="0"/>
+              <a:t>For : O(n)</a:t>
+            </a:r>
+          </a:p>
+          <a:p>
+            <a:r>
+              <a:rPr lang="ko-KR" altLang="en-US" dirty="0"/>
+              <a:t>이중 </a:t>
+            </a:r>
+            <a:r>
+              <a:rPr lang="en-US" altLang="ko-KR" dirty="0"/>
+              <a:t>for</a:t>
+            </a:r>
+            <a:r>
+              <a:rPr lang="ko-KR" altLang="en-US" dirty="0"/>
+              <a:t>문 </a:t>
+            </a:r>
+            <a:r>
+              <a:rPr lang="en-US" altLang="ko-KR" dirty="0"/>
+              <a:t>: O(n^2)</a:t>
+            </a:r>
+          </a:p>
+          <a:p>
+            <a:r>
+              <a:rPr lang="en-US" altLang="ko-KR" dirty="0"/>
+              <a:t/>
+            </a:r>
+            <a:br>
+              <a:rPr lang="en-US" altLang="ko-KR" dirty="0"/>
+            </a:br>
+            <a:r>
+              <a:rPr lang="en-US" altLang="ko-KR" dirty="0">
+                <a:sym typeface="Wingdings" panose="05000000000000000000" pitchFamily="2" charset="2"/>
+              </a:rPr>
+              <a:t> (2) Big-O</a:t>
+            </a:r>
+            <a:r>
+              <a:rPr lang="ko-KR" altLang="en-US" dirty="0">
+                <a:sym typeface="Wingdings" panose="05000000000000000000" pitchFamily="2" charset="2"/>
+              </a:rPr>
+              <a:t>는 일반적으로 </a:t>
+            </a:r>
+            <a:r>
+              <a:rPr lang="en-US" altLang="ko-KR" dirty="0">
+                <a:sym typeface="Wingdings" panose="05000000000000000000" pitchFamily="2" charset="2"/>
+              </a:rPr>
+              <a:t>“</a:t>
+            </a:r>
+            <a:r>
+              <a:rPr lang="ko-KR" altLang="en-US" dirty="0">
+                <a:sym typeface="Wingdings" panose="05000000000000000000" pitchFamily="2" charset="2"/>
+              </a:rPr>
+              <a:t>가장 오래 걸릴 때</a:t>
+            </a:r>
+            <a:r>
+              <a:rPr lang="en-US" altLang="ko-KR" dirty="0">
+                <a:sym typeface="Wingdings" panose="05000000000000000000" pitchFamily="2" charset="2"/>
+              </a:rPr>
+              <a:t>(</a:t>
+            </a:r>
+            <a:r>
+              <a:rPr lang="ko-KR" altLang="en-US" dirty="0">
+                <a:sym typeface="Wingdings" panose="05000000000000000000" pitchFamily="2" charset="2"/>
+              </a:rPr>
+              <a:t>최악의 경우</a:t>
+            </a:r>
+            <a:r>
+              <a:rPr lang="en-US" altLang="ko-KR" dirty="0">
+                <a:sym typeface="Wingdings" panose="05000000000000000000" pitchFamily="2" charset="2"/>
+              </a:rPr>
+              <a:t>)”</a:t>
+            </a:r>
+            <a:r>
+              <a:rPr lang="ko-KR" altLang="en-US" dirty="0">
+                <a:sym typeface="Wingdings" panose="05000000000000000000" pitchFamily="2" charset="2"/>
+              </a:rPr>
+              <a:t>를 기준으로 계산함</a:t>
+            </a:r>
+            <a:r>
+              <a:rPr lang="en-US" altLang="ko-KR" dirty="0">
+                <a:sym typeface="Wingdings" panose="05000000000000000000" pitchFamily="2" charset="2"/>
+              </a:rPr>
+              <a:t>.</a:t>
+            </a:r>
+          </a:p>
+          <a:p>
+            <a:r>
+              <a:rPr lang="en-US" altLang="ko-KR" dirty="0">
+                <a:sym typeface="Wingdings" panose="05000000000000000000" pitchFamily="2" charset="2"/>
+              </a:rPr>
+              <a:t>Ex) </a:t>
+            </a:r>
+            <a:r>
+              <a:rPr lang="ko-KR" altLang="en-US" dirty="0">
+                <a:sym typeface="Wingdings" panose="05000000000000000000" pitchFamily="2" charset="2"/>
+              </a:rPr>
+              <a:t>정렬 알고리즘에서 이미 정렬된 경우는 빠르지만</a:t>
+            </a:r>
+            <a:r>
+              <a:rPr lang="en-US" altLang="ko-KR" dirty="0">
+                <a:sym typeface="Wingdings" panose="05000000000000000000" pitchFamily="2" charset="2"/>
+              </a:rPr>
+              <a:t>, </a:t>
+            </a:r>
+            <a:r>
+              <a:rPr lang="ko-KR" altLang="en-US" dirty="0">
+                <a:sym typeface="Wingdings" panose="05000000000000000000" pitchFamily="2" charset="2"/>
+              </a:rPr>
+              <a:t>우리는 정렬이 안되어 있을 때를 기준으로 시간 복잡도를 평가함</a:t>
+            </a:r>
+            <a:r>
+              <a:rPr lang="en-US" altLang="ko-KR" dirty="0">
+                <a:sym typeface="Wingdings" panose="05000000000000000000" pitchFamily="2" charset="2"/>
+              </a:rPr>
+              <a:t>.</a:t>
+            </a:r>
+          </a:p>
+          <a:p>
+            <a:pPr marL="171450" indent="-171450">
+              <a:buFont typeface="Wingdings" panose="05000000000000000000" pitchFamily="2" charset="2"/>
+              <a:buChar char="è"/>
             </a:pPr>
             <a:r>
-              <a:rPr lang="ko-KR" altLang="en-US" dirty="0"/>
-              <a:t>상수시간</a:t>
-            </a:r>
-            <a:endParaRPr lang="en-US" altLang="ko-KR" dirty="0"/>
+              <a:rPr lang="en-US" altLang="ko-KR" dirty="0">
+                <a:sym typeface="Wingdings" panose="05000000000000000000" pitchFamily="2" charset="2"/>
+              </a:rPr>
+              <a:t>(3) N</a:t>
+            </a:r>
+            <a:r>
+              <a:rPr lang="ko-KR" altLang="en-US" dirty="0">
+                <a:sym typeface="Wingdings" panose="05000000000000000000" pitchFamily="2" charset="2"/>
+              </a:rPr>
+              <a:t>이 커질 수록 상수는 성능에 미치는 영향이 미미해지기 때문</a:t>
+            </a:r>
+            <a:r>
+              <a:rPr lang="en-US" altLang="ko-KR" dirty="0">
+                <a:sym typeface="Wingdings" panose="05000000000000000000" pitchFamily="2" charset="2"/>
+              </a:rPr>
+              <a:t>.</a:t>
+            </a:r>
           </a:p>
           <a:p>
             <a:pPr marL="0" indent="0">
+              <a:buFont typeface="Wingdings" panose="05000000000000000000" pitchFamily="2" charset="2"/>
               <a:buNone/>
             </a:pPr>
             <a:r>
-              <a:rPr lang="ko-KR" altLang="en-US" dirty="0" err="1"/>
-              <a:t>ㄴ</a:t>
-            </a:r>
-            <a:r>
-              <a:rPr lang="ko-KR" altLang="en-US" dirty="0"/>
-              <a:t> 입력 크기 </a:t>
-            </a:r>
-            <a:r>
-              <a:rPr lang="en-US" altLang="ko-KR" dirty="0"/>
+              <a:rPr lang="en-US" altLang="ko-KR" dirty="0">
+                <a:sym typeface="Wingdings" panose="05000000000000000000" pitchFamily="2" charset="2"/>
+              </a:rPr>
+              <a:t>Ex) O(7N)</a:t>
+            </a:r>
+            <a:r>
+              <a:rPr lang="ko-KR" altLang="en-US" dirty="0">
+                <a:sym typeface="Wingdings" panose="05000000000000000000" pitchFamily="2" charset="2"/>
+              </a:rPr>
+              <a:t>은 실제로는 </a:t>
+            </a:r>
+            <a:r>
+              <a:rPr lang="en-US" altLang="ko-KR" dirty="0">
+                <a:sym typeface="Wingdings" panose="05000000000000000000" pitchFamily="2" charset="2"/>
+              </a:rPr>
+              <a:t>7N</a:t>
+            </a:r>
+            <a:r>
+              <a:rPr lang="ko-KR" altLang="en-US" dirty="0">
+                <a:sym typeface="Wingdings" panose="05000000000000000000" pitchFamily="2" charset="2"/>
+              </a:rPr>
+              <a:t>만큼 반복하지만</a:t>
+            </a:r>
+            <a:r>
+              <a:rPr lang="en-US" altLang="ko-KR" dirty="0">
+                <a:sym typeface="Wingdings" panose="05000000000000000000" pitchFamily="2" charset="2"/>
+              </a:rPr>
+              <a:t>, </a:t>
+            </a:r>
+            <a:r>
+              <a:rPr lang="ko-KR" altLang="en-US" dirty="0">
+                <a:sym typeface="Wingdings" panose="05000000000000000000" pitchFamily="2" charset="2"/>
+              </a:rPr>
+              <a:t>성장속도로 보면 </a:t>
+            </a:r>
+            <a:r>
+              <a:rPr lang="en-US" altLang="ko-KR" dirty="0">
+                <a:sym typeface="Wingdings" panose="05000000000000000000" pitchFamily="2" charset="2"/>
+              </a:rPr>
               <a:t>N</a:t>
             </a:r>
             <a:r>
-              <a:rPr lang="ko-KR" altLang="en-US" dirty="0"/>
-              <a:t>과 관계없이 항상 고정된 시간에 처리됨</a:t>
-            </a:r>
-            <a:r>
-              <a:rPr lang="en-US" altLang="ko-KR" dirty="0"/>
+              <a:rPr lang="ko-KR" altLang="en-US" dirty="0">
+                <a:sym typeface="Wingdings" panose="05000000000000000000" pitchFamily="2" charset="2"/>
+              </a:rPr>
+              <a:t>과 동일하다고 간주</a:t>
+            </a:r>
+            <a:r>
+              <a:rPr lang="en-US" altLang="ko-KR" dirty="0">
+                <a:sym typeface="Wingdings" panose="05000000000000000000" pitchFamily="2" charset="2"/>
+              </a:rPr>
               <a:t>.</a:t>
             </a:r>
           </a:p>
           <a:p>
+            <a:pPr marL="171450" indent="-171450">
+              <a:buFont typeface="Wingdings" panose="05000000000000000000" pitchFamily="2" charset="2"/>
+              <a:buChar char="è"/>
+            </a:pPr>
+            <a:r>
+              <a:rPr lang="en-US" altLang="ko-KR" dirty="0">
+                <a:sym typeface="Wingdings" panose="05000000000000000000" pitchFamily="2" charset="2"/>
+              </a:rPr>
+              <a:t>(4) </a:t>
+            </a:r>
+            <a:r>
+              <a:rPr lang="ko-KR" altLang="en-US" dirty="0" err="1">
+                <a:sym typeface="Wingdings" panose="05000000000000000000" pitchFamily="2" charset="2"/>
+              </a:rPr>
+              <a:t>입력값이</a:t>
+            </a:r>
+            <a:r>
+              <a:rPr lang="en-US" altLang="ko-KR" dirty="0">
+                <a:sym typeface="Wingdings" panose="05000000000000000000" pitchFamily="2" charset="2"/>
+              </a:rPr>
+              <a:t> </a:t>
+            </a:r>
+            <a:r>
+              <a:rPr lang="ko-KR" altLang="en-US" dirty="0">
+                <a:sym typeface="Wingdings" panose="05000000000000000000" pitchFamily="2" charset="2"/>
+              </a:rPr>
+              <a:t>커질수록 </a:t>
+            </a:r>
+            <a:r>
+              <a:rPr lang="en-US" altLang="ko-KR" dirty="0">
+                <a:sym typeface="Wingdings" panose="05000000000000000000" pitchFamily="2" charset="2"/>
+              </a:rPr>
+              <a:t>n^3</a:t>
+            </a:r>
+            <a:r>
+              <a:rPr lang="ko-KR" altLang="en-US" dirty="0">
+                <a:sym typeface="Wingdings" panose="05000000000000000000" pitchFamily="2" charset="2"/>
+              </a:rPr>
+              <a:t>항이 전체 실행 시간에 가장 큰 영향을 주기 때문</a:t>
+            </a:r>
+            <a:r>
+              <a:rPr lang="en-US" altLang="ko-KR" dirty="0">
+                <a:sym typeface="Wingdings" panose="05000000000000000000" pitchFamily="2" charset="2"/>
+              </a:rPr>
+              <a:t>.</a:t>
+            </a:r>
+          </a:p>
+          <a:p>
             <a:pPr marL="0" indent="0">
+              <a:buFont typeface="Wingdings" panose="05000000000000000000" pitchFamily="2" charset="2"/>
               <a:buNone/>
             </a:pPr>
-            <a:endParaRPr lang="en-US" altLang="ko-KR" dirty="0"/>
+            <a:r>
+              <a:rPr lang="en-US" altLang="ko-KR" dirty="0"/>
+              <a:t>Ex) n = 10 </a:t>
+            </a:r>
+            <a:r>
+              <a:rPr lang="ko-KR" altLang="en-US" dirty="0"/>
+              <a:t>이라</a:t>
+            </a:r>
+            <a:r>
+              <a:rPr lang="en-US" altLang="ko-KR" dirty="0"/>
+              <a:t> </a:t>
+            </a:r>
+            <a:r>
+              <a:rPr lang="ko-KR" altLang="en-US" dirty="0"/>
+              <a:t>가정</a:t>
+            </a:r>
+            <a:r>
+              <a:rPr lang="en-US" altLang="ko-KR" dirty="0"/>
+              <a:t>, N=10 </a:t>
+            </a:r>
+            <a:r>
+              <a:rPr lang="en-US" altLang="ko-KR" dirty="0">
+                <a:sym typeface="Wingdings" panose="05000000000000000000" pitchFamily="2" charset="2"/>
+              </a:rPr>
+              <a:t> N^3 = 1000, N^2 = 100, N=10</a:t>
+            </a:r>
           </a:p>
           <a:p>
             <a:pPr marL="0" indent="0">
+              <a:buFont typeface="Wingdings" panose="05000000000000000000" pitchFamily="2" charset="2"/>
               <a:buNone/>
             </a:pPr>
             <a:r>
-              <a:rPr lang="en-US" altLang="ko-KR" dirty="0"/>
-              <a:t>2. </a:t>
-            </a:r>
-            <a:r>
-              <a:rPr lang="ko-KR" altLang="en-US" dirty="0"/>
-              <a:t>로그 시간</a:t>
-            </a:r>
-            <a:endParaRPr lang="en-US" altLang="ko-KR" dirty="0"/>
-          </a:p>
-          <a:p>
-            <a:pPr marL="0" indent="0">
-              <a:buNone/>
-            </a:pPr>
-            <a:r>
-              <a:rPr lang="ko-KR" altLang="en-US" dirty="0" err="1"/>
-              <a:t>ㄴ예시</a:t>
-            </a:r>
-            <a:r>
-              <a:rPr lang="en-US" altLang="ko-KR" dirty="0"/>
-              <a:t>) </a:t>
-            </a:r>
-            <a:r>
-              <a:rPr lang="ko-KR" altLang="en-US" dirty="0"/>
-              <a:t>이진 탐색</a:t>
-            </a:r>
-            <a:endParaRPr lang="en-US" altLang="ko-KR" dirty="0"/>
-          </a:p>
-          <a:p>
-            <a:pPr marL="0" indent="0">
-              <a:buNone/>
-            </a:pPr>
-            <a:r>
-              <a:rPr lang="ko-KR" altLang="en-US" dirty="0" err="1"/>
-              <a:t>ㄴ</a:t>
-            </a:r>
-            <a:r>
-              <a:rPr lang="ko-KR" altLang="en-US" dirty="0"/>
-              <a:t> 데이터가 </a:t>
-            </a:r>
-            <a:r>
-              <a:rPr lang="en-US" altLang="ko-KR" dirty="0"/>
-              <a:t>2</a:t>
-            </a:r>
-            <a:r>
-              <a:rPr lang="ko-KR" altLang="en-US" dirty="0"/>
-              <a:t>배로 늘어나도 연산 횟수는 </a:t>
-            </a:r>
-            <a:r>
-              <a:rPr lang="en-US" altLang="ko-KR" dirty="0"/>
-              <a:t>1</a:t>
-            </a:r>
-            <a:r>
-              <a:rPr lang="ko-KR" altLang="en-US" dirty="0"/>
-              <a:t>씩만 증가 </a:t>
-            </a:r>
-            <a:r>
-              <a:rPr lang="en-US" altLang="ko-KR" dirty="0"/>
-              <a:t>-&gt; </a:t>
-            </a:r>
-            <a:r>
-              <a:rPr lang="ko-KR" altLang="en-US" dirty="0"/>
-              <a:t>절반씩 나누는 구조</a:t>
-            </a:r>
-            <a:endParaRPr lang="en-US" altLang="ko-KR" dirty="0"/>
-          </a:p>
-          <a:p>
-            <a:pPr marL="0" indent="0">
-              <a:buNone/>
-            </a:pPr>
-            <a:endParaRPr lang="en-US" altLang="ko-KR" dirty="0"/>
-          </a:p>
-          <a:p>
-            <a:pPr marL="0" indent="0">
-              <a:buNone/>
-            </a:pPr>
-            <a:r>
-              <a:rPr lang="en-US" altLang="ko-KR" dirty="0"/>
-              <a:t>3. </a:t>
-            </a:r>
-            <a:r>
-              <a:rPr lang="ko-KR" altLang="en-US" dirty="0"/>
-              <a:t>준선형 시간</a:t>
-            </a:r>
-            <a:endParaRPr lang="en-US" altLang="ko-KR" dirty="0"/>
-          </a:p>
-          <a:p>
-            <a:pPr marL="0" indent="0">
-              <a:buNone/>
-            </a:pPr>
-            <a:r>
-              <a:rPr lang="ko-KR" altLang="en-US" dirty="0" err="1"/>
-              <a:t>ㄴ</a:t>
-            </a:r>
-            <a:r>
-              <a:rPr lang="ko-KR" altLang="en-US" dirty="0"/>
-              <a:t> 대부분의 고급 정렬 알고리즘이 갖는 시간 복잡도</a:t>
-            </a:r>
-            <a:endParaRPr lang="en-US" altLang="ko-KR" dirty="0"/>
-          </a:p>
-          <a:p>
-            <a:pPr marL="0" indent="0">
-              <a:buNone/>
-            </a:pPr>
-            <a:endParaRPr lang="en-US" altLang="ko-KR" dirty="0"/>
-          </a:p>
-          <a:p>
-            <a:pPr marL="0" indent="0">
-              <a:buNone/>
-            </a:pPr>
-            <a:r>
-              <a:rPr lang="en-US" altLang="ko-KR" dirty="0"/>
-              <a:t>4. </a:t>
-            </a:r>
-            <a:r>
-              <a:rPr lang="ko-KR" altLang="en-US" dirty="0"/>
-              <a:t>이차 시간</a:t>
-            </a:r>
-            <a:endParaRPr lang="en-US" altLang="ko-KR" dirty="0"/>
-          </a:p>
-          <a:p>
-            <a:pPr marL="0" indent="0">
-              <a:buNone/>
-            </a:pPr>
-            <a:r>
-              <a:rPr lang="ko-KR" altLang="en-US" dirty="0"/>
-              <a:t>입력 크기가 커질수록 급격히 느려짐</a:t>
-            </a:r>
-            <a:r>
-              <a:rPr lang="en-US" altLang="ko-KR" dirty="0"/>
+              <a:rPr lang="en-US" altLang="ko-KR" dirty="0">
+                <a:sym typeface="Wingdings" panose="05000000000000000000" pitchFamily="2" charset="2"/>
+              </a:rPr>
+              <a:t>- </a:t>
+            </a:r>
+            <a:r>
+              <a:rPr lang="ko-KR" altLang="en-US" dirty="0">
+                <a:sym typeface="Wingdings" panose="05000000000000000000" pitchFamily="2" charset="2"/>
+              </a:rPr>
+              <a:t>나머지는 거의 무시해도 될 만큼 </a:t>
+            </a:r>
+            <a:r>
+              <a:rPr lang="ko-KR" altLang="en-US" dirty="0" err="1">
+                <a:sym typeface="Wingdings" panose="05000000000000000000" pitchFamily="2" charset="2"/>
+              </a:rPr>
+              <a:t>작아짐</a:t>
+            </a:r>
+            <a:r>
+              <a:rPr lang="en-US" altLang="ko-KR" dirty="0">
+                <a:sym typeface="Wingdings" panose="05000000000000000000" pitchFamily="2" charset="2"/>
+              </a:rPr>
               <a:t>.</a:t>
             </a:r>
-          </a:p>
-          <a:p>
-            <a:pPr marL="0" indent="0">
-              <a:buNone/>
-            </a:pPr>
-            <a:endParaRPr lang="en-US" altLang="ko-KR" dirty="0"/>
-          </a:p>
-          <a:p>
-            <a:pPr marL="0" indent="0">
-              <a:buNone/>
-            </a:pPr>
-            <a:r>
-              <a:rPr lang="en-US" altLang="ko-KR" dirty="0"/>
-              <a:t>5. </a:t>
-            </a:r>
-            <a:r>
-              <a:rPr lang="ko-KR" altLang="en-US" dirty="0"/>
-              <a:t>지수 시간</a:t>
-            </a:r>
-            <a:endParaRPr lang="en-US" altLang="ko-KR" dirty="0"/>
-          </a:p>
-          <a:p>
-            <a:pPr marL="0" indent="0">
-              <a:buNone/>
-            </a:pPr>
-            <a:r>
-              <a:rPr lang="ko-KR" altLang="en-US" dirty="0" err="1"/>
-              <a:t>ㄴ</a:t>
-            </a:r>
-            <a:r>
-              <a:rPr lang="ko-KR" altLang="en-US" dirty="0"/>
-              <a:t> 예시</a:t>
-            </a:r>
-            <a:r>
-              <a:rPr lang="en-US" altLang="ko-KR" dirty="0"/>
-              <a:t>) </a:t>
-            </a:r>
-            <a:r>
-              <a:rPr lang="ko-KR" altLang="en-US" dirty="0"/>
-              <a:t>재귀적 피보나치 수열</a:t>
-            </a:r>
-            <a:endParaRPr lang="en-US" altLang="ko-KR" dirty="0"/>
-          </a:p>
-          <a:p>
-            <a:pPr marL="0" indent="0">
-              <a:buNone/>
-            </a:pPr>
-            <a:r>
-              <a:rPr lang="ko-KR" altLang="en-US" dirty="0" err="1"/>
-              <a:t>ㄴ</a:t>
-            </a:r>
-            <a:r>
-              <a:rPr lang="ko-KR" altLang="en-US" dirty="0"/>
-              <a:t> 입력 크기가 조금만 커져도 연산 횟수가 기하급수적으로 증가</a:t>
-            </a:r>
-            <a:r>
-              <a:rPr lang="en-US" altLang="ko-KR" dirty="0"/>
-              <a:t>.</a:t>
-            </a:r>
+            <a:endParaRPr lang="ko-KR" altLang="en-US" dirty="0"/>
           </a:p>
         </p:txBody>
       </p:sp>
@@ -2985,7 +2802,7 @@
           <a:p>
             <a:fld id="{C09E5BFC-1559-42F1-8940-AB342D56BF02}" type="slidenum">
               <a:rPr lang="ko-KR" altLang="en-US" smtClean="0"/>
-              <a:t>38</a:t>
+              <a:t>37</a:t>
             </a:fld>
             <a:endParaRPr lang="ko-KR" altLang="en-US"/>
           </a:p>
@@ -2994,7 +2811,7 @@
     </p:spTree>
     <p:extLst>
       <p:ext uri="{BB962C8B-B14F-4D97-AF65-F5344CB8AC3E}">
-        <p14:creationId xmlns:p14="http://schemas.microsoft.com/office/powerpoint/2010/main" val="2599045694"/>
+        <p14:creationId xmlns:p14="http://schemas.microsoft.com/office/powerpoint/2010/main" val="514268098"/>
       </p:ext>
     </p:extLst>
   </p:cSld>
@@ -3048,7 +2865,264 @@
           <a:bodyPr/>
           <a:lstStyle/>
           <a:p>
-            <a:endParaRPr lang="ko-KR" altLang="en-US" dirty="0"/>
+            <a:r>
+              <a:rPr lang="ko-KR" altLang="en-US" dirty="0"/>
+              <a:t>입력 데이터의 크기</a:t>
+            </a:r>
+            <a:r>
+              <a:rPr lang="en-US" altLang="ko-KR" dirty="0"/>
+              <a:t>(n)</a:t>
+            </a:r>
+            <a:r>
+              <a:rPr lang="ko-KR" altLang="en-US" dirty="0"/>
+              <a:t>가 커질수록 각 알고리즘이 얼마나 빠르게</a:t>
+            </a:r>
+            <a:r>
+              <a:rPr lang="en-US" altLang="ko-KR" dirty="0"/>
+              <a:t>/</a:t>
+            </a:r>
+            <a:r>
+              <a:rPr lang="ko-KR" altLang="en-US" dirty="0"/>
+              <a:t>느리게 실행시간이 증가하는지를 비교한 그래프</a:t>
+            </a:r>
+            <a:endParaRPr lang="en-US" altLang="ko-KR" dirty="0"/>
+          </a:p>
+          <a:p>
+            <a:pPr marL="228600" indent="-228600">
+              <a:buAutoNum type="arabicPeriod"/>
+            </a:pPr>
+            <a:r>
+              <a:rPr lang="ko-KR" altLang="en-US" dirty="0"/>
+              <a:t>상수시간</a:t>
+            </a:r>
+            <a:endParaRPr lang="en-US" altLang="ko-KR" dirty="0"/>
+          </a:p>
+          <a:p>
+            <a:pPr marL="0" indent="0">
+              <a:buNone/>
+            </a:pPr>
+            <a:r>
+              <a:rPr lang="ko-KR" altLang="en-US" dirty="0" err="1"/>
+              <a:t>ㄴ</a:t>
+            </a:r>
+            <a:r>
+              <a:rPr lang="ko-KR" altLang="en-US" dirty="0"/>
+              <a:t> 입력 크기 </a:t>
+            </a:r>
+            <a:r>
+              <a:rPr lang="en-US" altLang="ko-KR" dirty="0"/>
+              <a:t>N</a:t>
+            </a:r>
+            <a:r>
+              <a:rPr lang="ko-KR" altLang="en-US" dirty="0"/>
+              <a:t>과 관계없이 항상 고정된 시간에 처리됨</a:t>
+            </a:r>
+            <a:r>
+              <a:rPr lang="en-US" altLang="ko-KR" dirty="0"/>
+              <a:t>.</a:t>
+            </a:r>
+          </a:p>
+          <a:p>
+            <a:pPr marL="0" indent="0">
+              <a:buNone/>
+            </a:pPr>
+            <a:endParaRPr lang="en-US" altLang="ko-KR" dirty="0"/>
+          </a:p>
+          <a:p>
+            <a:pPr marL="0" indent="0">
+              <a:buNone/>
+            </a:pPr>
+            <a:r>
+              <a:rPr lang="en-US" altLang="ko-KR" dirty="0"/>
+              <a:t>2. </a:t>
+            </a:r>
+            <a:r>
+              <a:rPr lang="ko-KR" altLang="en-US" dirty="0"/>
+              <a:t>로그 시간</a:t>
+            </a:r>
+            <a:endParaRPr lang="en-US" altLang="ko-KR" dirty="0"/>
+          </a:p>
+          <a:p>
+            <a:pPr marL="0" indent="0">
+              <a:buNone/>
+            </a:pPr>
+            <a:r>
+              <a:rPr lang="ko-KR" altLang="en-US" dirty="0" err="1"/>
+              <a:t>ㄴ예시</a:t>
+            </a:r>
+            <a:r>
+              <a:rPr lang="en-US" altLang="ko-KR" dirty="0"/>
+              <a:t>) </a:t>
+            </a:r>
+            <a:r>
+              <a:rPr lang="ko-KR" altLang="en-US" dirty="0"/>
+              <a:t>이진 탐색</a:t>
+            </a:r>
+            <a:endParaRPr lang="en-US" altLang="ko-KR" dirty="0"/>
+          </a:p>
+          <a:p>
+            <a:pPr marL="0" indent="0">
+              <a:buNone/>
+            </a:pPr>
+            <a:r>
+              <a:rPr lang="ko-KR" altLang="en-US" dirty="0" err="1"/>
+              <a:t>ㄴ</a:t>
+            </a:r>
+            <a:r>
+              <a:rPr lang="ko-KR" altLang="en-US" dirty="0"/>
+              <a:t> 데이터가 </a:t>
+            </a:r>
+            <a:r>
+              <a:rPr lang="en-US" altLang="ko-KR" dirty="0"/>
+              <a:t>2</a:t>
+            </a:r>
+            <a:r>
+              <a:rPr lang="ko-KR" altLang="en-US" dirty="0"/>
+              <a:t>배로 늘어나도 연산 횟수는 </a:t>
+            </a:r>
+            <a:r>
+              <a:rPr lang="en-US" altLang="ko-KR" dirty="0"/>
+              <a:t>1</a:t>
+            </a:r>
+            <a:r>
+              <a:rPr lang="ko-KR" altLang="en-US" dirty="0"/>
+              <a:t>씩만 증가 </a:t>
+            </a:r>
+            <a:r>
+              <a:rPr lang="en-US" altLang="ko-KR" dirty="0"/>
+              <a:t>-&gt; </a:t>
+            </a:r>
+            <a:r>
+              <a:rPr lang="ko-KR" altLang="en-US" dirty="0"/>
+              <a:t>절반씩 나누는 구조</a:t>
+            </a:r>
+            <a:endParaRPr lang="en-US" altLang="ko-KR" dirty="0"/>
+          </a:p>
+          <a:p>
+            <a:pPr marL="0" indent="0">
+              <a:buNone/>
+            </a:pPr>
+            <a:endParaRPr lang="en-US" altLang="ko-KR" dirty="0"/>
+          </a:p>
+          <a:p>
+            <a:pPr marL="0" indent="0">
+              <a:buNone/>
+            </a:pPr>
+            <a:r>
+              <a:rPr lang="en-US" altLang="ko-KR" dirty="0"/>
+              <a:t>3. </a:t>
+            </a:r>
+            <a:r>
+              <a:rPr lang="ko-KR" altLang="en-US" dirty="0"/>
+              <a:t>준선형 시간</a:t>
+            </a:r>
+            <a:endParaRPr lang="en-US" altLang="ko-KR" dirty="0"/>
+          </a:p>
+          <a:p>
+            <a:pPr marL="0" indent="0">
+              <a:buNone/>
+            </a:pPr>
+            <a:r>
+              <a:rPr lang="ko-KR" altLang="en-US" dirty="0" err="1"/>
+              <a:t>ㄴ</a:t>
+            </a:r>
+            <a:r>
+              <a:rPr lang="ko-KR" altLang="en-US" dirty="0"/>
+              <a:t> 대부분의 고급 정렬 알고리즘이 갖는 시간 복잡도</a:t>
+            </a:r>
+            <a:endParaRPr lang="en-US" altLang="ko-KR" dirty="0"/>
+          </a:p>
+          <a:p>
+            <a:pPr marL="0" indent="0">
+              <a:buNone/>
+            </a:pPr>
+            <a:endParaRPr lang="en-US" altLang="ko-KR" dirty="0"/>
+          </a:p>
+          <a:p>
+            <a:pPr marL="0" indent="0">
+              <a:buNone/>
+            </a:pPr>
+            <a:r>
+              <a:rPr lang="en-US" altLang="ko-KR" dirty="0"/>
+              <a:t>4. </a:t>
+            </a:r>
+            <a:r>
+              <a:rPr lang="ko-KR" altLang="en-US" dirty="0"/>
+              <a:t>이차 시간</a:t>
+            </a:r>
+            <a:endParaRPr lang="en-US" altLang="ko-KR" dirty="0"/>
+          </a:p>
+          <a:p>
+            <a:pPr marL="0" indent="0">
+              <a:buNone/>
+            </a:pPr>
+            <a:r>
+              <a:rPr lang="ko-KR" altLang="en-US" dirty="0"/>
+              <a:t>입력 크기가 커질수록 급격히 느려짐</a:t>
+            </a:r>
+            <a:r>
+              <a:rPr lang="en-US" altLang="ko-KR" dirty="0"/>
+              <a:t>.</a:t>
+            </a:r>
+          </a:p>
+          <a:p>
+            <a:pPr marL="0" indent="0">
+              <a:buNone/>
+            </a:pPr>
+            <a:endParaRPr lang="en-US" altLang="ko-KR" dirty="0"/>
+          </a:p>
+          <a:p>
+            <a:pPr marL="0" indent="0">
+              <a:buNone/>
+            </a:pPr>
+            <a:r>
+              <a:rPr lang="en-US" altLang="ko-KR" dirty="0"/>
+              <a:t>5. </a:t>
+            </a:r>
+            <a:r>
+              <a:rPr lang="ko-KR" altLang="en-US" dirty="0"/>
+              <a:t>지수 시간</a:t>
+            </a:r>
+            <a:endParaRPr lang="en-US" altLang="ko-KR" dirty="0"/>
+          </a:p>
+          <a:p>
+            <a:pPr marL="0" indent="0">
+              <a:buNone/>
+            </a:pPr>
+            <a:r>
+              <a:rPr lang="ko-KR" altLang="en-US" dirty="0" err="1"/>
+              <a:t>ㄴ</a:t>
+            </a:r>
+            <a:r>
+              <a:rPr lang="ko-KR" altLang="en-US" dirty="0"/>
+              <a:t> 예시</a:t>
+            </a:r>
+            <a:r>
+              <a:rPr lang="en-US" altLang="ko-KR" dirty="0"/>
+              <a:t>) </a:t>
+            </a:r>
+            <a:r>
+              <a:rPr lang="ko-KR" altLang="en-US" dirty="0"/>
+              <a:t>재귀적 피보나치 수열</a:t>
+            </a:r>
+            <a:endParaRPr lang="en-US" altLang="ko-KR" dirty="0"/>
+          </a:p>
+          <a:p>
+            <a:pPr marL="0" indent="0">
+              <a:buNone/>
+            </a:pPr>
+            <a:r>
+              <a:rPr lang="ko-KR" altLang="en-US" dirty="0" err="1"/>
+              <a:t>ㄴ</a:t>
+            </a:r>
+            <a:r>
+              <a:rPr lang="ko-KR" altLang="en-US" dirty="0"/>
+              <a:t> 입력 크기가 조금만 커져도 연산 횟수가 기하급수적으로 증가</a:t>
+            </a:r>
+            <a:r>
+              <a:rPr lang="en-US" altLang="ko-KR" dirty="0"/>
+              <a:t>.</a:t>
+            </a:r>
           </a:p>
         </p:txBody>
       </p:sp>
@@ -3069,7 +3143,7 @@
           <a:p>
             <a:fld id="{C09E5BFC-1559-42F1-8940-AB342D56BF02}" type="slidenum">
               <a:rPr lang="ko-KR" altLang="en-US" smtClean="0"/>
-              <a:t>40</a:t>
+              <a:t>38</a:t>
             </a:fld>
             <a:endParaRPr lang="ko-KR" altLang="en-US"/>
           </a:p>
@@ -3078,7 +3152,7 @@
     </p:spTree>
     <p:extLst>
       <p:ext uri="{BB962C8B-B14F-4D97-AF65-F5344CB8AC3E}">
-        <p14:creationId xmlns:p14="http://schemas.microsoft.com/office/powerpoint/2010/main" val="458695718"/>
+        <p14:creationId xmlns:p14="http://schemas.microsoft.com/office/powerpoint/2010/main" val="2599045694"/>
       </p:ext>
     </p:extLst>
   </p:cSld>
@@ -3132,242 +3206,7 @@
           <a:bodyPr/>
           <a:lstStyle/>
           <a:p>
-            <a:r>
-              <a:rPr lang="en-US" altLang="ko-KR" dirty="0"/>
-              <a:t>For</a:t>
-            </a:r>
-            <a:r>
-              <a:rPr lang="ko-KR" altLang="en-US" dirty="0"/>
-              <a:t>문과 </a:t>
-            </a:r>
-            <a:r>
-              <a:rPr lang="en-US" altLang="ko-KR" dirty="0"/>
-              <a:t>foreach</a:t>
-            </a:r>
-            <a:r>
-              <a:rPr lang="ko-KR" altLang="en-US" dirty="0"/>
-              <a:t>문 차이</a:t>
-            </a:r>
-            <a:endParaRPr lang="en-US" altLang="ko-KR" dirty="0"/>
-          </a:p>
-          <a:p>
-            <a:pPr marL="171450" indent="-171450">
-              <a:buFontTx/>
-              <a:buChar char="-"/>
-            </a:pPr>
-            <a:r>
-              <a:rPr lang="en-US" altLang="ko-KR" dirty="0"/>
-              <a:t>For</a:t>
-            </a:r>
-            <a:r>
-              <a:rPr lang="ko-KR" altLang="en-US" dirty="0"/>
-              <a:t>문 </a:t>
-            </a:r>
-            <a:r>
-              <a:rPr lang="en-US" altLang="ko-KR" dirty="0"/>
-              <a:t>: </a:t>
-            </a:r>
-            <a:r>
-              <a:rPr lang="ko-KR" altLang="en-US" dirty="0"/>
-              <a:t>보통 몇 번 반복할지 알고 있을 때 사용</a:t>
-            </a:r>
-            <a:endParaRPr lang="en-US" altLang="ko-KR" dirty="0"/>
-          </a:p>
-          <a:p>
-            <a:pPr marL="171450" indent="-171450">
-              <a:buFontTx/>
-              <a:buChar char="-"/>
-            </a:pPr>
-            <a:r>
-              <a:rPr lang="en-US" altLang="ko-KR" dirty="0"/>
-              <a:t>Foreach</a:t>
-            </a:r>
-            <a:r>
-              <a:rPr lang="ko-KR" altLang="en-US" dirty="0"/>
-              <a:t>문 </a:t>
-            </a:r>
-            <a:r>
-              <a:rPr lang="en-US" altLang="ko-KR" dirty="0"/>
-              <a:t>: </a:t>
-            </a:r>
-            <a:r>
-              <a:rPr lang="ko-KR" altLang="en-US" dirty="0"/>
-              <a:t>몇 번 반복할지 몰라도 컬렉션의 크기만큼 자동으로 반복해줌</a:t>
-            </a:r>
-            <a:r>
-              <a:rPr lang="en-US" altLang="ko-KR" dirty="0"/>
-              <a:t>.</a:t>
-            </a:r>
-          </a:p>
-          <a:p>
-            <a:pPr marL="171450" indent="-171450">
-              <a:buFontTx/>
-              <a:buChar char="-"/>
-            </a:pPr>
-            <a:endParaRPr lang="en-US" altLang="ko-KR" dirty="0"/>
-          </a:p>
-          <a:p>
-            <a:pPr marL="0" indent="0">
-              <a:buFontTx/>
-              <a:buNone/>
-            </a:pPr>
-            <a:r>
-              <a:rPr lang="en-US" altLang="ko-KR" dirty="0"/>
-              <a:t>*</a:t>
-            </a:r>
-            <a:r>
-              <a:rPr lang="ko-KR" altLang="en-US" dirty="0"/>
-              <a:t>컬렉션</a:t>
-            </a:r>
-            <a:r>
-              <a:rPr lang="en-US" altLang="ko-KR" dirty="0"/>
-              <a:t>*</a:t>
-            </a:r>
-          </a:p>
-          <a:p>
-            <a:pPr marL="0" indent="0">
-              <a:buFontTx/>
-              <a:buNone/>
-            </a:pPr>
-            <a:r>
-              <a:rPr lang="en-US" altLang="ko-KR" dirty="0"/>
-              <a:t>= </a:t>
-            </a:r>
-            <a:r>
-              <a:rPr lang="ko-KR" altLang="en-US" dirty="0"/>
-              <a:t>여러 개의 데이터를 하나로 묶어서 관리하는 자료 구조를 말함</a:t>
-            </a:r>
-            <a:r>
-              <a:rPr lang="en-US" altLang="ko-KR" dirty="0"/>
-              <a:t>. == </a:t>
-            </a:r>
-            <a:r>
-              <a:rPr lang="ko-KR" altLang="en-US" dirty="0"/>
-              <a:t>데이터들의 모음</a:t>
-            </a:r>
-            <a:r>
-              <a:rPr lang="en-US" altLang="ko-KR" dirty="0"/>
-              <a:t>.</a:t>
-            </a:r>
-          </a:p>
-          <a:p>
-            <a:pPr marL="0" indent="0">
-              <a:buFontTx/>
-              <a:buNone/>
-            </a:pPr>
-            <a:endParaRPr lang="en-US" altLang="ko-KR" dirty="0"/>
-          </a:p>
-          <a:p>
-            <a:pPr marL="0" indent="0">
-              <a:buFontTx/>
-              <a:buNone/>
-            </a:pPr>
-            <a:r>
-              <a:rPr lang="en-US" altLang="ko-KR" dirty="0"/>
-              <a:t>*foreach</a:t>
-            </a:r>
-            <a:r>
-              <a:rPr lang="ko-KR" altLang="en-US" dirty="0"/>
-              <a:t> 사용법</a:t>
-            </a:r>
-            <a:r>
-              <a:rPr lang="en-US" altLang="ko-KR" dirty="0"/>
-              <a:t>*</a:t>
-            </a:r>
-          </a:p>
-          <a:p>
-            <a:pPr marL="0" indent="0">
-              <a:buFontTx/>
-              <a:buNone/>
-            </a:pPr>
-            <a:r>
-              <a:rPr lang="en-US" altLang="ko-KR" dirty="0"/>
-              <a:t>Foreach (</a:t>
-            </a:r>
-            <a:r>
-              <a:rPr lang="ko-KR" altLang="en-US" dirty="0"/>
-              <a:t>자료형 </a:t>
-            </a:r>
-            <a:r>
-              <a:rPr lang="ko-KR" altLang="en-US" dirty="0" err="1"/>
-              <a:t>변수명</a:t>
-            </a:r>
-            <a:r>
-              <a:rPr lang="ko-KR" altLang="en-US" dirty="0"/>
-              <a:t> </a:t>
-            </a:r>
-            <a:r>
-              <a:rPr lang="en-US" altLang="ko-KR" dirty="0"/>
-              <a:t>in </a:t>
-            </a:r>
-            <a:r>
-              <a:rPr lang="ko-KR" altLang="en-US" dirty="0"/>
-              <a:t>컬렉션</a:t>
-            </a:r>
-            <a:r>
-              <a:rPr lang="en-US" altLang="ko-KR" dirty="0"/>
-              <a:t>) </a:t>
-            </a:r>
-            <a:br>
-              <a:rPr lang="en-US" altLang="ko-KR" dirty="0"/>
-            </a:br>
-            <a:r>
-              <a:rPr lang="en-US" altLang="ko-KR" dirty="0"/>
-              <a:t>{ </a:t>
-            </a:r>
-            <a:r>
-              <a:rPr lang="ko-KR" altLang="en-US" dirty="0"/>
-              <a:t>코드 내용 </a:t>
-            </a:r>
-            <a:r>
-              <a:rPr lang="en-US" altLang="ko-KR" dirty="0"/>
-              <a:t>}</a:t>
-            </a:r>
-          </a:p>
-          <a:p>
-            <a:pPr marL="0" indent="0">
-              <a:buFontTx/>
-              <a:buNone/>
-            </a:pPr>
-            <a:endParaRPr lang="en-US" altLang="ko-KR" dirty="0"/>
-          </a:p>
-          <a:p>
-            <a:pPr marL="0" indent="0">
-              <a:buFontTx/>
-              <a:buNone/>
-            </a:pPr>
-            <a:r>
-              <a:rPr lang="ko-KR" altLang="en-US" dirty="0"/>
-              <a:t>자료형</a:t>
-            </a:r>
-            <a:r>
-              <a:rPr lang="en-US" altLang="ko-KR" dirty="0"/>
-              <a:t>: </a:t>
-            </a:r>
-            <a:r>
-              <a:rPr lang="ko-KR" altLang="en-US" dirty="0"/>
-              <a:t>컬렉션 안에 들어있는 요소의 데이터 타입</a:t>
-            </a:r>
-            <a:endParaRPr lang="en-US" altLang="ko-KR" dirty="0"/>
-          </a:p>
-          <a:p>
-            <a:pPr marL="0" indent="0">
-              <a:buFontTx/>
-              <a:buNone/>
-            </a:pPr>
-            <a:r>
-              <a:rPr lang="ko-KR" altLang="en-US" dirty="0" err="1"/>
-              <a:t>변수명</a:t>
-            </a:r>
-            <a:r>
-              <a:rPr lang="en-US" altLang="ko-KR" dirty="0"/>
-              <a:t>: </a:t>
-            </a:r>
-            <a:r>
-              <a:rPr lang="ko-KR" altLang="en-US" dirty="0"/>
-              <a:t>꺼낸 요소를 담는 이름</a:t>
-            </a:r>
-            <a:endParaRPr lang="en-US" altLang="ko-KR" dirty="0"/>
+            <a:endParaRPr lang="ko-KR" altLang="en-US" dirty="0"/>
           </a:p>
         </p:txBody>
       </p:sp>
@@ -3388,7 +3227,7 @@
           <a:p>
             <a:fld id="{C09E5BFC-1559-42F1-8940-AB342D56BF02}" type="slidenum">
               <a:rPr lang="ko-KR" altLang="en-US" smtClean="0"/>
-              <a:t>41</a:t>
+              <a:t>40</a:t>
             </a:fld>
             <a:endParaRPr lang="ko-KR" altLang="en-US"/>
           </a:p>
@@ -3397,7 +3236,7 @@
     </p:spTree>
     <p:extLst>
       <p:ext uri="{BB962C8B-B14F-4D97-AF65-F5344CB8AC3E}">
-        <p14:creationId xmlns:p14="http://schemas.microsoft.com/office/powerpoint/2010/main" val="4124922040"/>
+        <p14:creationId xmlns:p14="http://schemas.microsoft.com/office/powerpoint/2010/main" val="458695718"/>
       </p:ext>
     </p:extLst>
   </p:cSld>
@@ -3451,7 +3290,242 @@
           <a:bodyPr/>
           <a:lstStyle/>
           <a:p>
-            <a:endParaRPr lang="ko-KR" altLang="en-US" dirty="0"/>
+            <a:r>
+              <a:rPr lang="en-US" altLang="ko-KR" dirty="0"/>
+              <a:t>For</a:t>
+            </a:r>
+            <a:r>
+              <a:rPr lang="ko-KR" altLang="en-US" dirty="0"/>
+              <a:t>문과 </a:t>
+            </a:r>
+            <a:r>
+              <a:rPr lang="en-US" altLang="ko-KR" dirty="0"/>
+              <a:t>foreach</a:t>
+            </a:r>
+            <a:r>
+              <a:rPr lang="ko-KR" altLang="en-US" dirty="0"/>
+              <a:t>문 차이</a:t>
+            </a:r>
+            <a:endParaRPr lang="en-US" altLang="ko-KR" dirty="0"/>
+          </a:p>
+          <a:p>
+            <a:pPr marL="171450" indent="-171450">
+              <a:buFontTx/>
+              <a:buChar char="-"/>
+            </a:pPr>
+            <a:r>
+              <a:rPr lang="en-US" altLang="ko-KR" dirty="0"/>
+              <a:t>For</a:t>
+            </a:r>
+            <a:r>
+              <a:rPr lang="ko-KR" altLang="en-US" dirty="0"/>
+              <a:t>문 </a:t>
+            </a:r>
+            <a:r>
+              <a:rPr lang="en-US" altLang="ko-KR" dirty="0"/>
+              <a:t>: </a:t>
+            </a:r>
+            <a:r>
+              <a:rPr lang="ko-KR" altLang="en-US" dirty="0"/>
+              <a:t>보통 몇 번 반복할지 알고 있을 때 사용</a:t>
+            </a:r>
+            <a:endParaRPr lang="en-US" altLang="ko-KR" dirty="0"/>
+          </a:p>
+          <a:p>
+            <a:pPr marL="171450" indent="-171450">
+              <a:buFontTx/>
+              <a:buChar char="-"/>
+            </a:pPr>
+            <a:r>
+              <a:rPr lang="en-US" altLang="ko-KR" dirty="0"/>
+              <a:t>Foreach</a:t>
+            </a:r>
+            <a:r>
+              <a:rPr lang="ko-KR" altLang="en-US" dirty="0"/>
+              <a:t>문 </a:t>
+            </a:r>
+            <a:r>
+              <a:rPr lang="en-US" altLang="ko-KR" dirty="0"/>
+              <a:t>: </a:t>
+            </a:r>
+            <a:r>
+              <a:rPr lang="ko-KR" altLang="en-US" dirty="0"/>
+              <a:t>몇 번 반복할지 몰라도 컬렉션의 크기만큼 자동으로 반복해줌</a:t>
+            </a:r>
+            <a:r>
+              <a:rPr lang="en-US" altLang="ko-KR" dirty="0"/>
+              <a:t>.</a:t>
+            </a:r>
+          </a:p>
+          <a:p>
+            <a:pPr marL="171450" indent="-171450">
+              <a:buFontTx/>
+              <a:buChar char="-"/>
+            </a:pPr>
+            <a:endParaRPr lang="en-US" altLang="ko-KR" dirty="0"/>
+          </a:p>
+          <a:p>
+            <a:pPr marL="0" indent="0">
+              <a:buFontTx/>
+              <a:buNone/>
+            </a:pPr>
+            <a:r>
+              <a:rPr lang="en-US" altLang="ko-KR" dirty="0"/>
+              <a:t>*</a:t>
+            </a:r>
+            <a:r>
+              <a:rPr lang="ko-KR" altLang="en-US" dirty="0"/>
+              <a:t>컬렉션</a:t>
+            </a:r>
+            <a:r>
+              <a:rPr lang="en-US" altLang="ko-KR" dirty="0"/>
+              <a:t>*</a:t>
+            </a:r>
+          </a:p>
+          <a:p>
+            <a:pPr marL="0" indent="0">
+              <a:buFontTx/>
+              <a:buNone/>
+            </a:pPr>
+            <a:r>
+              <a:rPr lang="en-US" altLang="ko-KR" dirty="0"/>
+              <a:t>= </a:t>
+            </a:r>
+            <a:r>
+              <a:rPr lang="ko-KR" altLang="en-US" dirty="0"/>
+              <a:t>여러 개의 데이터를 하나로 묶어서 관리하는 자료 구조를 말함</a:t>
+            </a:r>
+            <a:r>
+              <a:rPr lang="en-US" altLang="ko-KR" dirty="0"/>
+              <a:t>. == </a:t>
+            </a:r>
+            <a:r>
+              <a:rPr lang="ko-KR" altLang="en-US" dirty="0"/>
+              <a:t>데이터들의 모음</a:t>
+            </a:r>
+            <a:r>
+              <a:rPr lang="en-US" altLang="ko-KR" dirty="0"/>
+              <a:t>.</a:t>
+            </a:r>
+          </a:p>
+          <a:p>
+            <a:pPr marL="0" indent="0">
+              <a:buFontTx/>
+              <a:buNone/>
+            </a:pPr>
+            <a:endParaRPr lang="en-US" altLang="ko-KR" dirty="0"/>
+          </a:p>
+          <a:p>
+            <a:pPr marL="0" indent="0">
+              <a:buFontTx/>
+              <a:buNone/>
+            </a:pPr>
+            <a:r>
+              <a:rPr lang="en-US" altLang="ko-KR" dirty="0"/>
+              <a:t>*foreach</a:t>
+            </a:r>
+            <a:r>
+              <a:rPr lang="ko-KR" altLang="en-US" dirty="0"/>
+              <a:t> 사용법</a:t>
+            </a:r>
+            <a:r>
+              <a:rPr lang="en-US" altLang="ko-KR" dirty="0"/>
+              <a:t>*</a:t>
+            </a:r>
+          </a:p>
+          <a:p>
+            <a:pPr marL="0" indent="0">
+              <a:buFontTx/>
+              <a:buNone/>
+            </a:pPr>
+            <a:r>
+              <a:rPr lang="en-US" altLang="ko-KR" dirty="0"/>
+              <a:t>Foreach (</a:t>
+            </a:r>
+            <a:r>
+              <a:rPr lang="ko-KR" altLang="en-US" dirty="0"/>
+              <a:t>자료형 </a:t>
+            </a:r>
+            <a:r>
+              <a:rPr lang="ko-KR" altLang="en-US" dirty="0" err="1"/>
+              <a:t>변수명</a:t>
+            </a:r>
+            <a:r>
+              <a:rPr lang="ko-KR" altLang="en-US" dirty="0"/>
+              <a:t> </a:t>
+            </a:r>
+            <a:r>
+              <a:rPr lang="en-US" altLang="ko-KR" dirty="0"/>
+              <a:t>in </a:t>
+            </a:r>
+            <a:r>
+              <a:rPr lang="ko-KR" altLang="en-US" dirty="0"/>
+              <a:t>컬렉션</a:t>
+            </a:r>
+            <a:r>
+              <a:rPr lang="en-US" altLang="ko-KR" dirty="0"/>
+              <a:t>) </a:t>
+            </a:r>
+            <a:br>
+              <a:rPr lang="en-US" altLang="ko-KR" dirty="0"/>
+            </a:br>
+            <a:r>
+              <a:rPr lang="en-US" altLang="ko-KR" dirty="0"/>
+              <a:t>{ </a:t>
+            </a:r>
+            <a:r>
+              <a:rPr lang="ko-KR" altLang="en-US" dirty="0"/>
+              <a:t>코드 내용 </a:t>
+            </a:r>
+            <a:r>
+              <a:rPr lang="en-US" altLang="ko-KR" dirty="0"/>
+              <a:t>}</a:t>
+            </a:r>
+          </a:p>
+          <a:p>
+            <a:pPr marL="0" indent="0">
+              <a:buFontTx/>
+              <a:buNone/>
+            </a:pPr>
+            <a:endParaRPr lang="en-US" altLang="ko-KR" dirty="0"/>
+          </a:p>
+          <a:p>
+            <a:pPr marL="0" indent="0">
+              <a:buFontTx/>
+              <a:buNone/>
+            </a:pPr>
+            <a:r>
+              <a:rPr lang="ko-KR" altLang="en-US" dirty="0"/>
+              <a:t>자료형</a:t>
+            </a:r>
+            <a:r>
+              <a:rPr lang="en-US" altLang="ko-KR" dirty="0"/>
+              <a:t>: </a:t>
+            </a:r>
+            <a:r>
+              <a:rPr lang="ko-KR" altLang="en-US" dirty="0"/>
+              <a:t>컬렉션 안에 들어있는 요소의 데이터 타입</a:t>
+            </a:r>
+            <a:endParaRPr lang="en-US" altLang="ko-KR" dirty="0"/>
+          </a:p>
+          <a:p>
+            <a:pPr marL="0" indent="0">
+              <a:buFontTx/>
+              <a:buNone/>
+            </a:pPr>
+            <a:r>
+              <a:rPr lang="ko-KR" altLang="en-US" dirty="0" err="1"/>
+              <a:t>변수명</a:t>
+            </a:r>
+            <a:r>
+              <a:rPr lang="en-US" altLang="ko-KR" dirty="0"/>
+              <a:t>: </a:t>
+            </a:r>
+            <a:r>
+              <a:rPr lang="ko-KR" altLang="en-US" dirty="0"/>
+              <a:t>꺼낸 요소를 담는 이름</a:t>
+            </a:r>
+            <a:endParaRPr lang="en-US" altLang="ko-KR" dirty="0"/>
           </a:p>
         </p:txBody>
       </p:sp>
@@ -3472,7 +3546,7 @@
           <a:p>
             <a:fld id="{C09E5BFC-1559-42F1-8940-AB342D56BF02}" type="slidenum">
               <a:rPr lang="ko-KR" altLang="en-US" smtClean="0"/>
-              <a:t>42</a:t>
+              <a:t>41</a:t>
             </a:fld>
             <a:endParaRPr lang="ko-KR" altLang="en-US"/>
           </a:p>
@@ -3481,7 +3555,7 @@
     </p:spTree>
     <p:extLst>
       <p:ext uri="{BB962C8B-B14F-4D97-AF65-F5344CB8AC3E}">
-        <p14:creationId xmlns:p14="http://schemas.microsoft.com/office/powerpoint/2010/main" val="1137311958"/>
+        <p14:creationId xmlns:p14="http://schemas.microsoft.com/office/powerpoint/2010/main" val="4124922040"/>
       </p:ext>
     </p:extLst>
   </p:cSld>
@@ -3556,7 +3630,7 @@
           <a:p>
             <a:fld id="{C09E5BFC-1559-42F1-8940-AB342D56BF02}" type="slidenum">
               <a:rPr lang="ko-KR" altLang="en-US" smtClean="0"/>
-              <a:t>44</a:t>
+              <a:t>42</a:t>
             </a:fld>
             <a:endParaRPr lang="ko-KR" altLang="en-US"/>
           </a:p>
@@ -3565,7 +3639,7 @@
     </p:spTree>
     <p:extLst>
       <p:ext uri="{BB962C8B-B14F-4D97-AF65-F5344CB8AC3E}">
-        <p14:creationId xmlns:p14="http://schemas.microsoft.com/office/powerpoint/2010/main" val="1266101058"/>
+        <p14:creationId xmlns:p14="http://schemas.microsoft.com/office/powerpoint/2010/main" val="1137311958"/>
       </p:ext>
     </p:extLst>
   </p:cSld>
@@ -3640,7 +3714,7 @@
           <a:p>
             <a:fld id="{C09E5BFC-1559-42F1-8940-AB342D56BF02}" type="slidenum">
               <a:rPr lang="ko-KR" altLang="en-US" smtClean="0"/>
-              <a:t>45</a:t>
+              <a:t>44</a:t>
             </a:fld>
             <a:endParaRPr lang="ko-KR" altLang="en-US"/>
           </a:p>
@@ -3649,7 +3723,7 @@
     </p:spTree>
     <p:extLst>
       <p:ext uri="{BB962C8B-B14F-4D97-AF65-F5344CB8AC3E}">
-        <p14:creationId xmlns:p14="http://schemas.microsoft.com/office/powerpoint/2010/main" val="2540806148"/>
+        <p14:creationId xmlns:p14="http://schemas.microsoft.com/office/powerpoint/2010/main" val="1266101058"/>
       </p:ext>
     </p:extLst>
   </p:cSld>
@@ -3747,6 +3821,90 @@
 </file>
 
 <file path=ppt/notesSlides/notesSlide30.xml><?xml version="1.0" encoding="utf-8"?>
+<p:notes xmlns:a="http://schemas.openxmlformats.org/drawingml/2006/main" xmlns:r="http://schemas.openxmlformats.org/officeDocument/2006/relationships" xmlns:p="http://schemas.openxmlformats.org/presentationml/2006/main">
+  <p:cSld>
+    <p:spTree>
+      <p:nvGrpSpPr>
+        <p:cNvPr id="1" name=""/>
+        <p:cNvGrpSpPr/>
+        <p:nvPr/>
+      </p:nvGrpSpPr>
+      <p:grpSpPr>
+        <a:xfrm>
+          <a:off x="0" y="0"/>
+          <a:ext cx="0" cy="0"/>
+          <a:chOff x="0" y="0"/>
+          <a:chExt cx="0" cy="0"/>
+        </a:xfrm>
+      </p:grpSpPr>
+      <p:sp>
+        <p:nvSpPr>
+          <p:cNvPr id="2" name="슬라이드 이미지 개체 틀 1"/>
+          <p:cNvSpPr>
+            <a:spLocks noGrp="1" noRot="1" noChangeAspect="1"/>
+          </p:cNvSpPr>
+          <p:nvPr>
+            <p:ph type="sldImg"/>
+          </p:nvPr>
+        </p:nvSpPr>
+        <p:spPr/>
+      </p:sp>
+      <p:sp>
+        <p:nvSpPr>
+          <p:cNvPr id="3" name="슬라이드 노트 개체 틀 2"/>
+          <p:cNvSpPr>
+            <a:spLocks noGrp="1"/>
+          </p:cNvSpPr>
+          <p:nvPr>
+            <p:ph type="body" idx="1"/>
+          </p:nvPr>
+        </p:nvSpPr>
+        <p:spPr/>
+        <p:txBody>
+          <a:bodyPr/>
+          <a:lstStyle/>
+          <a:p>
+            <a:endParaRPr lang="ko-KR" altLang="en-US" dirty="0"/>
+          </a:p>
+        </p:txBody>
+      </p:sp>
+      <p:sp>
+        <p:nvSpPr>
+          <p:cNvPr id="4" name="슬라이드 번호 개체 틀 3"/>
+          <p:cNvSpPr>
+            <a:spLocks noGrp="1"/>
+          </p:cNvSpPr>
+          <p:nvPr>
+            <p:ph type="sldNum" sz="quarter" idx="5"/>
+          </p:nvPr>
+        </p:nvSpPr>
+        <p:spPr/>
+        <p:txBody>
+          <a:bodyPr/>
+          <a:lstStyle/>
+          <a:p>
+            <a:fld id="{C09E5BFC-1559-42F1-8940-AB342D56BF02}" type="slidenum">
+              <a:rPr lang="ko-KR" altLang="en-US" smtClean="0"/>
+              <a:t>45</a:t>
+            </a:fld>
+            <a:endParaRPr lang="ko-KR" altLang="en-US"/>
+          </a:p>
+        </p:txBody>
+      </p:sp>
+    </p:spTree>
+    <p:extLst>
+      <p:ext uri="{BB962C8B-B14F-4D97-AF65-F5344CB8AC3E}">
+        <p14:creationId xmlns:p14="http://schemas.microsoft.com/office/powerpoint/2010/main" val="2540806148"/>
+      </p:ext>
+    </p:extLst>
+  </p:cSld>
+  <p:clrMapOvr>
+    <a:masterClrMapping/>
+  </p:clrMapOvr>
+</p:notes>
+</file>
+
+<file path=ppt/notesSlides/notesSlide31.xml><?xml version="1.0" encoding="utf-8"?>
 <p:notes xmlns:a="http://schemas.openxmlformats.org/drawingml/2006/main" xmlns:r="http://schemas.openxmlformats.org/officeDocument/2006/relationships" xmlns:p="http://schemas.openxmlformats.org/presentationml/2006/main">
   <p:cSld>
     <p:spTree>
@@ -5004,7 +5162,7 @@
           <a:p>
             <a:fld id="{442BEE3F-2E9A-4FD8-8B8A-8619F3E161C0}" type="datetime1">
               <a:rPr lang="ko-KR" altLang="en-US" smtClean="0"/>
-              <a:t>2025-04-29</a:t>
+              <a:t>2025-04-30</a:t>
             </a:fld>
             <a:endParaRPr lang="ko-KR" altLang="en-US"/>
           </a:p>
@@ -5190,7 +5348,7 @@
           <a:p>
             <a:fld id="{2EAE422B-0E68-47B5-84BB-CA2BDA8EE46C}" type="datetime1">
               <a:rPr lang="ko-KR" altLang="en-US" smtClean="0"/>
-              <a:t>2025-04-29</a:t>
+              <a:t>2025-04-30</a:t>
             </a:fld>
             <a:endParaRPr lang="ko-KR" altLang="en-US"/>
           </a:p>
@@ -5398,7 +5556,7 @@
           <a:p>
             <a:fld id="{AF7C623F-179B-417F-99B6-50F6DF228D4B}" type="datetime1">
               <a:rPr lang="ko-KR" altLang="en-US" smtClean="0"/>
-              <a:t>2025-04-29</a:t>
+              <a:t>2025-04-30</a:t>
             </a:fld>
             <a:endParaRPr lang="ko-KR" altLang="en-US"/>
           </a:p>
@@ -5636,7 +5794,7 @@
           <a:p>
             <a:fld id="{0F78D9C4-20C1-4B15-A116-16DC77AD9A1E}" type="datetime1">
               <a:rPr lang="ko-KR" altLang="en-US" smtClean="0"/>
-              <a:t>2025-04-29</a:t>
+              <a:t>2025-04-30</a:t>
             </a:fld>
             <a:endParaRPr lang="ko-KR" altLang="en-US"/>
           </a:p>
@@ -5911,7 +6069,7 @@
           <a:p>
             <a:fld id="{C7F43723-C509-4DEA-8428-B50818F79709}" type="datetime1">
               <a:rPr lang="ko-KR" altLang="en-US" smtClean="0"/>
-              <a:t>2025-04-29</a:t>
+              <a:t>2025-04-30</a:t>
             </a:fld>
             <a:endParaRPr lang="ko-KR" altLang="en-US"/>
           </a:p>
@@ -6176,7 +6334,7 @@
           <a:p>
             <a:fld id="{5D2B7482-EE74-4DBD-97F4-D0DAC0C0E4E5}" type="datetime1">
               <a:rPr lang="ko-KR" altLang="en-US" smtClean="0"/>
-              <a:t>2025-04-29</a:t>
+              <a:t>2025-04-30</a:t>
             </a:fld>
             <a:endParaRPr lang="ko-KR" altLang="en-US"/>
           </a:p>
@@ -6589,7 +6747,7 @@
           <a:p>
             <a:fld id="{051A8C49-CED7-4A86-9B4A-621D7F62EE92}" type="datetime1">
               <a:rPr lang="ko-KR" altLang="en-US" smtClean="0"/>
-              <a:t>2025-04-29</a:t>
+              <a:t>2025-04-30</a:t>
             </a:fld>
             <a:endParaRPr lang="ko-KR" altLang="en-US"/>
           </a:p>
@@ -6736,7 +6894,7 @@
           <a:p>
             <a:fld id="{84082D76-7079-412D-848B-E1B9E7A6A286}" type="datetime1">
               <a:rPr lang="ko-KR" altLang="en-US" smtClean="0"/>
-              <a:t>2025-04-29</a:t>
+              <a:t>2025-04-30</a:t>
             </a:fld>
             <a:endParaRPr lang="ko-KR" altLang="en-US"/>
           </a:p>
@@ -6849,7 +7007,7 @@
           <a:p>
             <a:fld id="{10C5FEB5-5F88-4F49-9108-1795E314F09F}" type="datetime1">
               <a:rPr lang="ko-KR" altLang="en-US" smtClean="0"/>
-              <a:t>2025-04-29</a:t>
+              <a:t>2025-04-30</a:t>
             </a:fld>
             <a:endParaRPr lang="ko-KR" altLang="en-US"/>
           </a:p>
@@ -7160,7 +7318,7 @@
           <a:p>
             <a:fld id="{E37ABBEE-D8D4-48AD-9887-4DC578B8A684}" type="datetime1">
               <a:rPr lang="ko-KR" altLang="en-US" smtClean="0"/>
-              <a:t>2025-04-29</a:t>
+              <a:t>2025-04-30</a:t>
             </a:fld>
             <a:endParaRPr lang="ko-KR" altLang="en-US"/>
           </a:p>
@@ -7451,7 +7609,7 @@
           <a:p>
             <a:fld id="{A2D6A55C-F3DD-45DD-9D50-F8680410167D}" type="datetime1">
               <a:rPr lang="ko-KR" altLang="en-US" smtClean="0"/>
-              <a:t>2025-04-29</a:t>
+              <a:t>2025-04-30</a:t>
             </a:fld>
             <a:endParaRPr lang="ko-KR" altLang="en-US"/>
           </a:p>
@@ -7695,7 +7853,7 @@
             <a:fld id="{7F5E23C3-0E3D-4E4E-8486-D7FB4C073DC1}" type="datetime1">
               <a:rPr lang="ko-KR" altLang="en-US" smtClean="0"/>
               <a:pPr/>
-              <a:t>2025-04-29</a:t>
+              <a:t>2025-04-30</a:t>
             </a:fld>
             <a:endParaRPr lang="ko-KR" altLang="en-US" dirty="0"/>
           </a:p>
@@ -8223,7 +8381,7 @@
           <a:p>
             <a:fld id="{2E2BEDFA-D8AA-4914-9440-7DF713C99FA9}" type="datetime1">
               <a:rPr lang="ko-KR" altLang="en-US" smtClean="0"/>
-              <a:t>2025-04-29</a:t>
+              <a:t>2025-04-30</a:t>
             </a:fld>
             <a:endParaRPr lang="ko-KR" altLang="en-US"/>
           </a:p>
@@ -8357,7 +8515,7 @@
           <a:p>
             <a:fld id="{2E2BEDFA-D8AA-4914-9440-7DF713C99FA9}" type="datetime1">
               <a:rPr lang="ko-KR" altLang="en-US" smtClean="0"/>
-              <a:t>2025-04-29</a:t>
+              <a:t>2025-04-30</a:t>
             </a:fld>
             <a:endParaRPr lang="ko-KR" altLang="en-US"/>
           </a:p>
@@ -8718,7 +8876,7 @@
           <a:p>
             <a:fld id="{0F78D9C4-20C1-4B15-A116-16DC77AD9A1E}" type="datetime1">
               <a:rPr lang="ko-KR" altLang="en-US" smtClean="0"/>
-              <a:t>2025-04-29</a:t>
+              <a:t>2025-04-30</a:t>
             </a:fld>
             <a:endParaRPr lang="ko-KR" altLang="en-US"/>
           </a:p>
@@ -8834,7 +8992,7 @@
           <a:p>
             <a:fld id="{0F78D9C4-20C1-4B15-A116-16DC77AD9A1E}" type="datetime1">
               <a:rPr lang="ko-KR" altLang="en-US" smtClean="0"/>
-              <a:t>2025-04-29</a:t>
+              <a:t>2025-04-30</a:t>
             </a:fld>
             <a:endParaRPr lang="ko-KR" altLang="en-US"/>
           </a:p>
@@ -9402,7 +9560,7 @@
           <a:p>
             <a:fld id="{0F78D9C4-20C1-4B15-A116-16DC77AD9A1E}" type="datetime1">
               <a:rPr lang="ko-KR" altLang="en-US" smtClean="0"/>
-              <a:t>2025-04-29</a:t>
+              <a:t>2025-04-30</a:t>
             </a:fld>
             <a:endParaRPr lang="ko-KR" altLang="en-US"/>
           </a:p>
@@ -9735,7 +9893,7 @@
           <a:p>
             <a:fld id="{0F78D9C4-20C1-4B15-A116-16DC77AD9A1E}" type="datetime1">
               <a:rPr lang="ko-KR" altLang="en-US" smtClean="0"/>
-              <a:t>2025-04-29</a:t>
+              <a:t>2025-04-30</a:t>
             </a:fld>
             <a:endParaRPr lang="ko-KR" altLang="en-US"/>
           </a:p>
@@ -10182,7 +10340,7 @@
           <a:p>
             <a:fld id="{0F78D9C4-20C1-4B15-A116-16DC77AD9A1E}" type="datetime1">
               <a:rPr lang="ko-KR" altLang="en-US" smtClean="0"/>
-              <a:t>2025-04-29</a:t>
+              <a:t>2025-04-30</a:t>
             </a:fld>
             <a:endParaRPr lang="ko-KR" altLang="en-US"/>
           </a:p>
@@ -10913,7 +11071,7 @@
           <a:p>
             <a:fld id="{0F78D9C4-20C1-4B15-A116-16DC77AD9A1E}" type="datetime1">
               <a:rPr lang="ko-KR" altLang="en-US" smtClean="0"/>
-              <a:t>2025-04-29</a:t>
+              <a:t>2025-04-30</a:t>
             </a:fld>
             <a:endParaRPr lang="ko-KR" altLang="en-US"/>
           </a:p>
@@ -11047,7 +11205,7 @@
           <a:p>
             <a:fld id="{2E2BEDFA-D8AA-4914-9440-7DF713C99FA9}" type="datetime1">
               <a:rPr lang="ko-KR" altLang="en-US" smtClean="0"/>
-              <a:t>2025-04-29</a:t>
+              <a:t>2025-04-30</a:t>
             </a:fld>
             <a:endParaRPr lang="ko-KR" altLang="en-US"/>
           </a:p>
@@ -11304,7 +11462,7 @@
           <a:p>
             <a:fld id="{0F78D9C4-20C1-4B15-A116-16DC77AD9A1E}" type="datetime1">
               <a:rPr lang="ko-KR" altLang="en-US" smtClean="0"/>
-              <a:t>2025-04-29</a:t>
+              <a:t>2025-04-30</a:t>
             </a:fld>
             <a:endParaRPr lang="ko-KR" altLang="en-US"/>
           </a:p>
@@ -12011,7 +12169,7 @@
           <a:p>
             <a:fld id="{0F78D9C4-20C1-4B15-A116-16DC77AD9A1E}" type="datetime1">
               <a:rPr lang="ko-KR" altLang="en-US" smtClean="0"/>
-              <a:t>2025-04-29</a:t>
+              <a:t>2025-04-30</a:t>
             </a:fld>
             <a:endParaRPr lang="ko-KR" altLang="en-US"/>
           </a:p>
@@ -12173,7 +12331,7 @@
           <a:p>
             <a:fld id="{0F78D9C4-20C1-4B15-A116-16DC77AD9A1E}" type="datetime1">
               <a:rPr lang="ko-KR" altLang="en-US" smtClean="0"/>
-              <a:t>2025-04-29</a:t>
+              <a:t>2025-04-30</a:t>
             </a:fld>
             <a:endParaRPr lang="ko-KR" altLang="en-US"/>
           </a:p>
@@ -12547,7 +12705,7 @@
           <a:p>
             <a:fld id="{0F78D9C4-20C1-4B15-A116-16DC77AD9A1E}" type="datetime1">
               <a:rPr lang="ko-KR" altLang="en-US" smtClean="0"/>
-              <a:t>2025-04-29</a:t>
+              <a:t>2025-04-30</a:t>
             </a:fld>
             <a:endParaRPr lang="ko-KR" altLang="en-US"/>
           </a:p>
@@ -12816,7 +12974,7 @@
           <a:p>
             <a:fld id="{0F78D9C4-20C1-4B15-A116-16DC77AD9A1E}" type="datetime1">
               <a:rPr lang="ko-KR" altLang="en-US" smtClean="0"/>
-              <a:t>2025-04-29</a:t>
+              <a:t>2025-04-30</a:t>
             </a:fld>
             <a:endParaRPr lang="ko-KR" altLang="en-US"/>
           </a:p>
@@ -13528,7 +13686,7 @@
           <a:p>
             <a:fld id="{0F78D9C4-20C1-4B15-A116-16DC77AD9A1E}" type="datetime1">
               <a:rPr lang="ko-KR" altLang="en-US" smtClean="0"/>
-              <a:t>2025-04-29</a:t>
+              <a:t>2025-04-30</a:t>
             </a:fld>
             <a:endParaRPr lang="ko-KR" altLang="en-US"/>
           </a:p>
@@ -13633,6 +13791,14 @@
   <p:clrMapOvr>
     <a:masterClrMapping/>
   </p:clrMapOvr>
+  <mc:AlternateContent xmlns:mc="http://schemas.openxmlformats.org/markup-compatibility/2006">
+    <mc:Choice xmlns:p14="http://schemas.microsoft.com/office/powerpoint/2010/main" Requires="p14">
+      <p:transition spd="slow" p14:dur="2000"/>
+    </mc:Choice>
+    <mc:Fallback>
+      <p:transition spd="slow"/>
+    </mc:Fallback>
+  </mc:AlternateContent>
 </p:sld>
 </file>
 
@@ -14057,7 +14223,7 @@
           <a:p>
             <a:fld id="{0F78D9C4-20C1-4B15-A116-16DC77AD9A1E}" type="datetime1">
               <a:rPr lang="ko-KR" altLang="en-US" smtClean="0"/>
-              <a:t>2025-04-29</a:t>
+              <a:t>2025-04-30</a:t>
             </a:fld>
             <a:endParaRPr lang="ko-KR" altLang="en-US"/>
           </a:p>
@@ -14328,7 +14494,7 @@
           <a:p>
             <a:fld id="{0F78D9C4-20C1-4B15-A116-16DC77AD9A1E}" type="datetime1">
               <a:rPr lang="ko-KR" altLang="en-US" smtClean="0"/>
-              <a:t>2025-04-29</a:t>
+              <a:t>2025-04-30</a:t>
             </a:fld>
             <a:endParaRPr lang="ko-KR" altLang="en-US"/>
           </a:p>
@@ -14667,6 +14833,10 @@
               <a:rPr lang="ko-KR" altLang="en-US" dirty="0"/>
               <a:t> 위 함수 내부에 작성한</a:t>
             </a:r>
+            <a:r>
+              <a:rPr lang="en-US" altLang="ko-KR" dirty="0"/>
+              <a:t/>
+            </a:r>
             <a:br>
               <a:rPr lang="en-US" altLang="ko-KR" dirty="0"/>
             </a:br>
@@ -14700,7 +14870,7 @@
           <a:p>
             <a:fld id="{0F78D9C4-20C1-4B15-A116-16DC77AD9A1E}" type="datetime1">
               <a:rPr lang="ko-KR" altLang="en-US" smtClean="0"/>
-              <a:t>2025-04-29</a:t>
+              <a:t>2025-04-30</a:t>
             </a:fld>
             <a:endParaRPr lang="ko-KR" altLang="en-US"/>
           </a:p>
@@ -15094,7 +15264,7 @@
           <a:p>
             <a:fld id="{0F78D9C4-20C1-4B15-A116-16DC77AD9A1E}" type="datetime1">
               <a:rPr lang="ko-KR" altLang="en-US" smtClean="0"/>
-              <a:t>2025-04-29</a:t>
+              <a:t>2025-04-30</a:t>
             </a:fld>
             <a:endParaRPr lang="ko-KR" altLang="en-US"/>
           </a:p>
@@ -15506,7 +15676,7 @@
           <a:p>
             <a:fld id="{0F78D9C4-20C1-4B15-A116-16DC77AD9A1E}" type="datetime1">
               <a:rPr lang="ko-KR" altLang="en-US" smtClean="0"/>
-              <a:t>2025-04-29</a:t>
+              <a:t>2025-04-30</a:t>
             </a:fld>
             <a:endParaRPr lang="ko-KR" altLang="en-US"/>
           </a:p>
@@ -15651,7 +15821,7 @@
         <p:spPr/>
         <p:txBody>
           <a:bodyPr>
-            <a:normAutofit fontScale="92500" lnSpcReduction="20000"/>
+            <a:normAutofit lnSpcReduction="10000"/>
           </a:bodyPr>
           <a:lstStyle/>
           <a:p>
@@ -15782,41 +15952,7 @@
           </a:p>
           <a:p>
             <a:r>
-              <a:rPr lang="en-US" altLang="ko-KR" dirty="0">
-                <a:solidFill>
-                  <a:srgbClr val="7030A0"/>
-                </a:solidFill>
-              </a:rPr>
-              <a:t>case</a:t>
-            </a:r>
-            <a:r>
-              <a:rPr lang="en-US" altLang="ko-KR" dirty="0"/>
-              <a:t> </a:t>
-            </a:r>
-            <a:r>
-              <a:rPr lang="ko-KR" altLang="en-US" dirty="0"/>
-              <a:t>조건 </a:t>
-            </a:r>
-            <a:r>
-              <a:rPr lang="en-US" altLang="ko-KR" dirty="0"/>
-              <a:t>: </a:t>
-            </a:r>
-          </a:p>
-          <a:p>
-            <a:pPr lvl="1"/>
-            <a:r>
-              <a:rPr lang="en-US" altLang="ko-KR" dirty="0"/>
-              <a:t>switch</a:t>
-            </a:r>
-            <a:r>
-              <a:rPr lang="ko-KR" altLang="en-US" dirty="0"/>
-              <a:t>로 입력 받은 변수가 조건을 만족하는지 확인</a:t>
-            </a:r>
-            <a:endParaRPr lang="en-US" altLang="ko-KR" dirty="0"/>
-          </a:p>
-          <a:p>
-            <a:r>
-              <a:rPr lang="en-US" altLang="ko-KR" dirty="0">
+              <a:rPr lang="en-US" altLang="ko-KR" dirty="0" smtClean="0">
                 <a:solidFill>
                   <a:srgbClr val="7030A0"/>
                 </a:solidFill>
@@ -15824,8 +15960,12 @@
               <a:t>default</a:t>
             </a:r>
             <a:r>
-              <a:rPr lang="en-US" altLang="ko-KR" dirty="0"/>
-              <a:t> :</a:t>
+              <a:rPr lang="en-US" altLang="ko-KR" dirty="0" smtClean="0"/>
+              <a:t> </a:t>
+            </a:r>
+            <a:r>
+              <a:rPr lang="en-US" altLang="ko-KR" dirty="0"/>
+              <a:t>:</a:t>
             </a:r>
           </a:p>
           <a:p>
@@ -15885,7 +16025,7 @@
           <a:p>
             <a:fld id="{0F78D9C4-20C1-4B15-A116-16DC77AD9A1E}" type="datetime1">
               <a:rPr lang="ko-KR" altLang="en-US" smtClean="0"/>
-              <a:t>2025-04-29</a:t>
+              <a:t>2025-04-30</a:t>
             </a:fld>
             <a:endParaRPr lang="ko-KR" altLang="en-US"/>
           </a:p>
@@ -16035,7 +16175,7 @@
           <a:p>
             <a:fld id="{0F78D9C4-20C1-4B15-A116-16DC77AD9A1E}" type="datetime1">
               <a:rPr lang="ko-KR" altLang="en-US" smtClean="0"/>
-              <a:t>2025-04-29</a:t>
+              <a:t>2025-04-30</a:t>
             </a:fld>
             <a:endParaRPr lang="ko-KR" altLang="en-US"/>
           </a:p>
@@ -16758,7 +16898,7 @@
           <a:p>
             <a:fld id="{0F78D9C4-20C1-4B15-A116-16DC77AD9A1E}" type="datetime1">
               <a:rPr lang="ko-KR" altLang="en-US" smtClean="0"/>
-              <a:t>2025-04-29</a:t>
+              <a:t>2025-04-30</a:t>
             </a:fld>
             <a:endParaRPr lang="ko-KR" altLang="en-US"/>
           </a:p>
@@ -16992,7 +17132,7 @@
           <a:p>
             <a:fld id="{0F78D9C4-20C1-4B15-A116-16DC77AD9A1E}" type="datetime1">
               <a:rPr lang="ko-KR" altLang="en-US" smtClean="0"/>
-              <a:t>2025-04-29</a:t>
+              <a:t>2025-04-30</a:t>
             </a:fld>
             <a:endParaRPr lang="ko-KR" altLang="en-US"/>
           </a:p>
@@ -17191,7 +17331,7 @@
           <a:p>
             <a:fld id="{0F78D9C4-20C1-4B15-A116-16DC77AD9A1E}" type="datetime1">
               <a:rPr lang="ko-KR" altLang="en-US" smtClean="0"/>
-              <a:t>2025-04-29</a:t>
+              <a:t>2025-04-30</a:t>
             </a:fld>
             <a:endParaRPr lang="ko-KR" altLang="en-US"/>
           </a:p>
@@ -17311,8 +17451,8 @@
         </p:nvSpPr>
         <p:spPr>
           <a:xfrm>
-            <a:off x="4171477" y="3544255"/>
-            <a:ext cx="5834025" cy="707886"/>
+            <a:off x="4337732" y="3377068"/>
+            <a:ext cx="6088658" cy="707886"/>
           </a:xfrm>
           <a:prstGeom prst="rect">
             <a:avLst/>
@@ -17326,29 +17466,57 @@
           <a:lstStyle/>
           <a:p>
             <a:r>
-              <a:rPr lang="en-US" altLang="ko-KR" sz="2000" dirty="0"/>
+              <a:rPr lang="en-US" altLang="ko-KR" sz="2000" dirty="0">
+                <a:latin typeface="Pretendard ExtraBold" panose="02000903000000020004" pitchFamily="2" charset="-127"/>
+                <a:ea typeface="Pretendard ExtraBold" panose="02000903000000020004" pitchFamily="2" charset="-127"/>
+                <a:cs typeface="Pretendard ExtraBold" panose="02000903000000020004" pitchFamily="2" charset="-127"/>
+              </a:rPr>
               <a:t>Parse</a:t>
             </a:r>
             <a:r>
-              <a:rPr lang="ko-KR" altLang="en-US" sz="2000" dirty="0"/>
+              <a:rPr lang="ko-KR" altLang="en-US" sz="2000" dirty="0">
+                <a:latin typeface="Pretendard ExtraBold" panose="02000903000000020004" pitchFamily="2" charset="-127"/>
+                <a:ea typeface="Pretendard ExtraBold" panose="02000903000000020004" pitchFamily="2" charset="-127"/>
+                <a:cs typeface="Pretendard ExtraBold" panose="02000903000000020004" pitchFamily="2" charset="-127"/>
+              </a:rPr>
               <a:t>처럼 자료형의 변환이 이루어지는 것은 아님</a:t>
             </a:r>
-            <a:endParaRPr lang="en-US" altLang="ko-KR" sz="2000" dirty="0"/>
-          </a:p>
-          <a:p>
-            <a:r>
-              <a:rPr lang="ko-KR" altLang="en-US" sz="2000" dirty="0"/>
+            <a:endParaRPr lang="en-US" altLang="ko-KR" sz="2000" dirty="0">
+              <a:latin typeface="Pretendard ExtraBold" panose="02000903000000020004" pitchFamily="2" charset="-127"/>
+              <a:ea typeface="Pretendard ExtraBold" panose="02000903000000020004" pitchFamily="2" charset="-127"/>
+              <a:cs typeface="Pretendard ExtraBold" panose="02000903000000020004" pitchFamily="2" charset="-127"/>
+            </a:endParaRPr>
+          </a:p>
+          <a:p>
+            <a:r>
+              <a:rPr lang="ko-KR" altLang="en-US" sz="2000" dirty="0">
+                <a:latin typeface="Pretendard ExtraBold" panose="02000903000000020004" pitchFamily="2" charset="-127"/>
+                <a:ea typeface="Pretendard ExtraBold" panose="02000903000000020004" pitchFamily="2" charset="-127"/>
+                <a:cs typeface="Pretendard ExtraBold" panose="02000903000000020004" pitchFamily="2" charset="-127"/>
+              </a:rPr>
               <a:t>명시적으로 </a:t>
             </a:r>
             <a:r>
-              <a:rPr lang="en-US" altLang="ko-KR" sz="2000" dirty="0"/>
+              <a:rPr lang="en-US" altLang="ko-KR" sz="2000" dirty="0">
+                <a:latin typeface="Pretendard ExtraBold" panose="02000903000000020004" pitchFamily="2" charset="-127"/>
+                <a:ea typeface="Pretendard ExtraBold" panose="02000903000000020004" pitchFamily="2" charset="-127"/>
+                <a:cs typeface="Pretendard ExtraBold" panose="02000903000000020004" pitchFamily="2" charset="-127"/>
+              </a:rPr>
               <a:t>int </a:t>
             </a:r>
             <a:r>
-              <a:rPr lang="ko-KR" altLang="en-US" sz="2000" dirty="0"/>
+              <a:rPr lang="ko-KR" altLang="en-US" sz="2000" dirty="0">
+                <a:latin typeface="Pretendard ExtraBold" panose="02000903000000020004" pitchFamily="2" charset="-127"/>
+                <a:ea typeface="Pretendard ExtraBold" panose="02000903000000020004" pitchFamily="2" charset="-127"/>
+                <a:cs typeface="Pretendard ExtraBold" panose="02000903000000020004" pitchFamily="2" charset="-127"/>
+              </a:rPr>
               <a:t>형 데이터 임을 표시해주는 것일 뿐</a:t>
             </a:r>
-            <a:endParaRPr lang="en-US" altLang="ko-KR" sz="2000" dirty="0"/>
+            <a:endParaRPr lang="en-US" altLang="ko-KR" sz="2000" dirty="0">
+              <a:latin typeface="Pretendard ExtraBold" panose="02000903000000020004" pitchFamily="2" charset="-127"/>
+              <a:ea typeface="Pretendard ExtraBold" panose="02000903000000020004" pitchFamily="2" charset="-127"/>
+              <a:cs typeface="Pretendard ExtraBold" panose="02000903000000020004" pitchFamily="2" charset="-127"/>
+            </a:endParaRPr>
           </a:p>
         </p:txBody>
       </p:sp>
@@ -17446,7 +17614,7 @@
           <a:p>
             <a:fld id="{0F78D9C4-20C1-4B15-A116-16DC77AD9A1E}" type="datetime1">
               <a:rPr lang="ko-KR" altLang="en-US" smtClean="0"/>
-              <a:t>2025-04-29</a:t>
+              <a:t>2025-04-30</a:t>
             </a:fld>
             <a:endParaRPr lang="ko-KR" altLang="en-US"/>
           </a:p>
@@ -17911,7 +18079,7 @@
           <a:p>
             <a:fld id="{0F78D9C4-20C1-4B15-A116-16DC77AD9A1E}" type="datetime1">
               <a:rPr lang="ko-KR" altLang="en-US" smtClean="0"/>
-              <a:t>2025-04-29</a:t>
+              <a:t>2025-04-30</a:t>
             </a:fld>
             <a:endParaRPr lang="ko-KR" altLang="en-US"/>
           </a:p>
@@ -18404,7 +18572,7 @@
           <a:p>
             <a:fld id="{0F78D9C4-20C1-4B15-A116-16DC77AD9A1E}" type="datetime1">
               <a:rPr lang="ko-KR" altLang="en-US" smtClean="0"/>
-              <a:t>2025-04-29</a:t>
+              <a:t>2025-04-30</a:t>
             </a:fld>
             <a:endParaRPr lang="ko-KR" altLang="en-US"/>
           </a:p>
@@ -18539,7 +18707,7 @@
           <a:p>
             <a:fld id="{2E2BEDFA-D8AA-4914-9440-7DF713C99FA9}" type="datetime1">
               <a:rPr lang="ko-KR" altLang="en-US" smtClean="0"/>
-              <a:t>2025-04-29</a:t>
+              <a:t>2025-04-30</a:t>
             </a:fld>
             <a:endParaRPr lang="ko-KR" altLang="en-US"/>
           </a:p>
@@ -18805,7 +18973,7 @@
           <a:p>
             <a:fld id="{0F78D9C4-20C1-4B15-A116-16DC77AD9A1E}" type="datetime1">
               <a:rPr lang="ko-KR" altLang="en-US" smtClean="0"/>
-              <a:t>2025-04-29</a:t>
+              <a:t>2025-04-30</a:t>
             </a:fld>
             <a:endParaRPr lang="ko-KR" altLang="en-US"/>
           </a:p>
@@ -19108,7 +19276,7 @@
           <a:p>
             <a:fld id="{0F78D9C4-20C1-4B15-A116-16DC77AD9A1E}" type="datetime1">
               <a:rPr lang="ko-KR" altLang="en-US" smtClean="0"/>
-              <a:t>2025-04-29</a:t>
+              <a:t>2025-04-30</a:t>
             </a:fld>
             <a:endParaRPr lang="ko-KR" altLang="en-US"/>
           </a:p>
@@ -19434,7 +19602,7 @@
           <a:p>
             <a:fld id="{0F78D9C4-20C1-4B15-A116-16DC77AD9A1E}" type="datetime1">
               <a:rPr lang="ko-KR" altLang="en-US" smtClean="0"/>
-              <a:t>2025-04-29</a:t>
+              <a:t>2025-04-30</a:t>
             </a:fld>
             <a:endParaRPr lang="ko-KR" altLang="en-US"/>
           </a:p>
@@ -19614,7 +19782,7 @@
           <a:p>
             <a:fld id="{0F78D9C4-20C1-4B15-A116-16DC77AD9A1E}" type="datetime1">
               <a:rPr lang="ko-KR" altLang="en-US" smtClean="0"/>
-              <a:t>2025-04-29</a:t>
+              <a:t>2025-04-30</a:t>
             </a:fld>
             <a:endParaRPr lang="ko-KR" altLang="en-US"/>
           </a:p>
@@ -19927,7 +20095,7 @@
           <a:p>
             <a:fld id="{2E2BEDFA-D8AA-4914-9440-7DF713C99FA9}" type="datetime1">
               <a:rPr lang="ko-KR" altLang="en-US" smtClean="0"/>
-              <a:t>2025-04-29</a:t>
+              <a:t>2025-04-30</a:t>
             </a:fld>
             <a:endParaRPr lang="ko-KR" altLang="en-US"/>
           </a:p>
@@ -20082,7 +20250,7 @@
           <a:p>
             <a:fld id="{0F78D9C4-20C1-4B15-A116-16DC77AD9A1E}" type="datetime1">
               <a:rPr lang="ko-KR" altLang="en-US" smtClean="0"/>
-              <a:t>2025-04-29</a:t>
+              <a:t>2025-04-30</a:t>
             </a:fld>
             <a:endParaRPr lang="ko-KR" altLang="en-US"/>
           </a:p>
@@ -20262,7 +20430,7 @@
           <a:p>
             <a:fld id="{0F78D9C4-20C1-4B15-A116-16DC77AD9A1E}" type="datetime1">
               <a:rPr lang="ko-KR" altLang="en-US" smtClean="0"/>
-              <a:t>2025-04-29</a:t>
+              <a:t>2025-04-30</a:t>
             </a:fld>
             <a:endParaRPr lang="ko-KR" altLang="en-US"/>
           </a:p>
@@ -20826,7 +20994,7 @@
           <a:p>
             <a:fld id="{0F78D9C4-20C1-4B15-A116-16DC77AD9A1E}" type="datetime1">
               <a:rPr lang="ko-KR" altLang="en-US" smtClean="0"/>
-              <a:t>2025-04-29</a:t>
+              <a:t>2025-04-30</a:t>
             </a:fld>
             <a:endParaRPr lang="ko-KR" altLang="en-US"/>
           </a:p>
@@ -21002,7 +21170,7 @@
           <a:p>
             <a:fld id="{0F78D9C4-20C1-4B15-A116-16DC77AD9A1E}" type="datetime1">
               <a:rPr lang="ko-KR" altLang="en-US" smtClean="0"/>
-              <a:t>2025-04-29</a:t>
+              <a:t>2025-04-30</a:t>
             </a:fld>
             <a:endParaRPr lang="ko-KR" altLang="en-US"/>
           </a:p>
@@ -21249,7 +21417,7 @@
           <a:p>
             <a:fld id="{0F78D9C4-20C1-4B15-A116-16DC77AD9A1E}" type="datetime1">
               <a:rPr lang="ko-KR" altLang="en-US" smtClean="0"/>
-              <a:t>2025-04-29</a:t>
+              <a:t>2025-04-30</a:t>
             </a:fld>
             <a:endParaRPr lang="ko-KR" altLang="en-US"/>
           </a:p>
@@ -21455,7 +21623,7 @@
           <a:p>
             <a:fld id="{0F78D9C4-20C1-4B15-A116-16DC77AD9A1E}" type="datetime1">
               <a:rPr lang="ko-KR" altLang="en-US" smtClean="0"/>
-              <a:t>2025-04-29</a:t>
+              <a:t>2025-04-30</a:t>
             </a:fld>
             <a:endParaRPr lang="ko-KR" altLang="en-US"/>
           </a:p>
@@ -21861,7 +22029,7 @@
           <a:p>
             <a:fld id="{0F78D9C4-20C1-4B15-A116-16DC77AD9A1E}" type="datetime1">
               <a:rPr lang="ko-KR" altLang="en-US" smtClean="0"/>
-              <a:t>2025-04-29</a:t>
+              <a:t>2025-04-30</a:t>
             </a:fld>
             <a:endParaRPr lang="ko-KR" altLang="en-US"/>
           </a:p>
@@ -22115,7 +22283,7 @@
           <a:p>
             <a:fld id="{0F78D9C4-20C1-4B15-A116-16DC77AD9A1E}" type="datetime1">
               <a:rPr lang="ko-KR" altLang="en-US" smtClean="0"/>
-              <a:t>2025-04-29</a:t>
+              <a:t>2025-04-30</a:t>
             </a:fld>
             <a:endParaRPr lang="ko-KR" altLang="en-US"/>
           </a:p>
@@ -22366,6 +22534,10 @@
               <a:rPr lang="ko-KR" altLang="en-US" dirty="0"/>
               <a:t>다양한 문자열 제어 함수를 사용하여 다방면으로 활용 가능</a:t>
             </a:r>
+            <a:r>
+              <a:rPr lang="en-US" altLang="ko-KR" dirty="0"/>
+              <a:t/>
+            </a:r>
             <a:br>
               <a:rPr lang="en-US" altLang="ko-KR" dirty="0"/>
             </a:br>
@@ -22396,7 +22568,7 @@
           <a:p>
             <a:fld id="{0F78D9C4-20C1-4B15-A116-16DC77AD9A1E}" type="datetime1">
               <a:rPr lang="ko-KR" altLang="en-US" smtClean="0"/>
-              <a:t>2025-04-29</a:t>
+              <a:t>2025-04-30</a:t>
             </a:fld>
             <a:endParaRPr lang="ko-KR" altLang="en-US"/>
           </a:p>
@@ -22542,7 +22714,7 @@
           <a:p>
             <a:fld id="{0F78D9C4-20C1-4B15-A116-16DC77AD9A1E}" type="datetime1">
               <a:rPr lang="ko-KR" altLang="en-US" smtClean="0"/>
-              <a:t>2025-04-29</a:t>
+              <a:t>2025-04-30</a:t>
             </a:fld>
             <a:endParaRPr lang="ko-KR" altLang="en-US"/>
           </a:p>
@@ -23729,7 +23901,7 @@
           <a:p>
             <a:fld id="{0F78D9C4-20C1-4B15-A116-16DC77AD9A1E}" type="datetime1">
               <a:rPr lang="ko-KR" altLang="en-US" smtClean="0"/>
-              <a:t>2025-04-29</a:t>
+              <a:t>2025-04-30</a:t>
             </a:fld>
             <a:endParaRPr lang="ko-KR" altLang="en-US"/>
           </a:p>
@@ -24186,7 +24358,7 @@
           <a:p>
             <a:fld id="{0F78D9C4-20C1-4B15-A116-16DC77AD9A1E}" type="datetime1">
               <a:rPr lang="ko-KR" altLang="en-US" smtClean="0"/>
-              <a:t>2025-04-29</a:t>
+              <a:t>2025-04-30</a:t>
             </a:fld>
             <a:endParaRPr lang="ko-KR" altLang="en-US"/>
           </a:p>

--- a/material/09_CSharp_기본문법 (배열, 문자열, 함수, 조건문, 반복문).pptx
+++ b/material/09_CSharp_기본문법 (배열, 문자열, 함수, 조건문, 반복문).pptx
@@ -5,7 +5,7 @@
     <p:sldMasterId id="2147483673" r:id="rId1"/>
   </p:sldMasterIdLst>
   <p:notesMasterIdLst>
-    <p:notesMasterId r:id="rId48"/>
+    <p:notesMasterId r:id="rId51"/>
   </p:notesMasterIdLst>
   <p:sldIdLst>
     <p:sldId id="783" r:id="rId2"/>
@@ -39,49 +39,56 @@
     <p:sldId id="692" r:id="rId30"/>
     <p:sldId id="757" r:id="rId31"/>
     <p:sldId id="760" r:id="rId32"/>
-    <p:sldId id="702" r:id="rId33"/>
-    <p:sldId id="703" r:id="rId34"/>
-    <p:sldId id="739" r:id="rId35"/>
-    <p:sldId id="781" r:id="rId36"/>
-    <p:sldId id="762" r:id="rId37"/>
-    <p:sldId id="763" r:id="rId38"/>
-    <p:sldId id="764" r:id="rId39"/>
-    <p:sldId id="761" r:id="rId40"/>
-    <p:sldId id="765" r:id="rId41"/>
-    <p:sldId id="714" r:id="rId42"/>
-    <p:sldId id="766" r:id="rId43"/>
-    <p:sldId id="767" r:id="rId44"/>
-    <p:sldId id="768" r:id="rId45"/>
-    <p:sldId id="695" r:id="rId46"/>
-    <p:sldId id="740" r:id="rId47"/>
+    <p:sldId id="787" r:id="rId33"/>
+    <p:sldId id="740" r:id="rId34"/>
+    <p:sldId id="788" r:id="rId35"/>
+    <p:sldId id="789" r:id="rId36"/>
+    <p:sldId id="702" r:id="rId37"/>
+    <p:sldId id="703" r:id="rId38"/>
+    <p:sldId id="739" r:id="rId39"/>
+    <p:sldId id="781" r:id="rId40"/>
+    <p:sldId id="762" r:id="rId41"/>
+    <p:sldId id="763" r:id="rId42"/>
+    <p:sldId id="764" r:id="rId43"/>
+    <p:sldId id="761" r:id="rId44"/>
+    <p:sldId id="765" r:id="rId45"/>
+    <p:sldId id="714" r:id="rId46"/>
+    <p:sldId id="766" r:id="rId47"/>
+    <p:sldId id="767" r:id="rId48"/>
+    <p:sldId id="768" r:id="rId49"/>
+    <p:sldId id="695" r:id="rId50"/>
   </p:sldIdLst>
   <p:sldSz cx="12192000" cy="6858000"/>
   <p:notesSz cx="6858000" cy="9144000"/>
   <p:embeddedFontLst>
     <p:embeddedFont>
-      <p:font typeface="Pretendard GOV Black" panose="020B0600000101010101" charset="-127"/>
-      <p:bold r:id="rId49"/>
+      <p:font typeface="HY헤드라인M" panose="02030600000101010101" pitchFamily="18" charset="-127"/>
+      <p:regular r:id="rId52"/>
     </p:embeddedFont>
     <p:embeddedFont>
-      <p:font typeface="Pretendard ExtraBold" panose="02000903000000020004" pitchFamily="2" charset="-127"/>
-      <p:bold r:id="rId50"/>
+      <p:font typeface="Pretendard ExtraBold" panose="020B0600000101010101" charset="-127"/>
+      <p:bold r:id="rId53"/>
     </p:embeddedFont>
     <p:embeddedFont>
       <p:font typeface="Consolas" panose="020B0609020204030204" pitchFamily="49" charset="0"/>
-      <p:regular r:id="rId51"/>
-      <p:bold r:id="rId52"/>
-      <p:italic r:id="rId53"/>
-      <p:boldItalic r:id="rId54"/>
+      <p:regular r:id="rId54"/>
+      <p:bold r:id="rId55"/>
+      <p:italic r:id="rId56"/>
+      <p:boldItalic r:id="rId57"/>
+    </p:embeddedFont>
+    <p:embeddedFont>
+      <p:font typeface="Pretendard GOV" panose="02000503000000020004" pitchFamily="2" charset="-127"/>
+      <p:regular r:id="rId58"/>
+      <p:bold r:id="rId59"/>
+    </p:embeddedFont>
+    <p:embeddedFont>
+      <p:font typeface="Pretendard GOV Black" panose="02000A03000000020004" pitchFamily="2" charset="-127"/>
+      <p:bold r:id="rId60"/>
     </p:embeddedFont>
     <p:embeddedFont>
       <p:font typeface="맑은 고딕" panose="020B0503020000020004" pitchFamily="50" charset="-127"/>
-      <p:regular r:id="rId55"/>
-      <p:bold r:id="rId56"/>
-    </p:embeddedFont>
-    <p:embeddedFont>
-      <p:font typeface="Pretendard GOV" panose="020B0600000101010101" charset="-127"/>
-      <p:regular r:id="rId57"/>
-      <p:bold r:id="rId58"/>
+      <p:regular r:id="rId61"/>
+      <p:bold r:id="rId62"/>
     </p:embeddedFont>
   </p:embeddedFontLst>
   <p:defaultTextStyle>
@@ -1759,7 +1766,7 @@
           <a:lstStyle/>
           <a:p>
             <a:r>
-              <a:rPr lang="en-US" altLang="ko-KR" dirty="0" smtClean="0">
+              <a:rPr lang="en-US" altLang="ko-KR" dirty="0">
                 <a:solidFill>
                   <a:srgbClr val="7030A0"/>
                 </a:solidFill>
@@ -1767,41 +1774,41 @@
               <a:t>case</a:t>
             </a:r>
             <a:r>
-              <a:rPr lang="en-US" altLang="ko-KR" dirty="0" smtClean="0"/>
+              <a:rPr lang="en-US" altLang="ko-KR" dirty="0"/>
               <a:t> </a:t>
             </a:r>
             <a:r>
-              <a:rPr lang="ko-KR" altLang="en-US" dirty="0" smtClean="0"/>
+              <a:rPr lang="ko-KR" altLang="en-US" dirty="0"/>
               <a:t>조건</a:t>
             </a:r>
             <a:r>
-              <a:rPr lang="en-US" altLang="ko-KR" baseline="0" dirty="0" smtClean="0"/>
+              <a:rPr lang="en-US" altLang="ko-KR" baseline="0" dirty="0"/>
               <a:t> : </a:t>
             </a:r>
             <a:r>
-              <a:rPr lang="ko-KR" altLang="en-US" dirty="0" smtClean="0"/>
+              <a:rPr lang="ko-KR" altLang="en-US" dirty="0"/>
               <a:t> 이건 잘못된 설명</a:t>
             </a:r>
             <a:r>
-              <a:rPr lang="en-US" altLang="ko-KR" dirty="0" smtClean="0"/>
+              <a:rPr lang="en-US" altLang="ko-KR" dirty="0"/>
               <a:t>.</a:t>
             </a:r>
           </a:p>
           <a:p>
             <a:r>
-              <a:rPr lang="ko-KR" altLang="en-US" dirty="0" smtClean="0"/>
+              <a:rPr lang="ko-KR" altLang="en-US" dirty="0"/>
               <a:t>단순 값 비교만 가능하고</a:t>
             </a:r>
             <a:r>
-              <a:rPr lang="en-US" altLang="ko-KR" dirty="0" smtClean="0"/>
+              <a:rPr lang="en-US" altLang="ko-KR" dirty="0"/>
               <a:t>, </a:t>
             </a:r>
             <a:r>
-              <a:rPr lang="ko-KR" altLang="en-US" dirty="0" smtClean="0"/>
+              <a:rPr lang="ko-KR" altLang="en-US" dirty="0"/>
               <a:t>조건식은 못씀</a:t>
             </a:r>
             <a:r>
-              <a:rPr lang="en-US" altLang="ko-KR" dirty="0" smtClean="0"/>
+              <a:rPr lang="en-US" altLang="ko-KR" dirty="0"/>
               <a:t>.</a:t>
             </a:r>
             <a:endParaRPr lang="ko-KR" altLang="en-US" dirty="0"/>
@@ -1849,7 +1856,13 @@
   <p:cSld>
     <p:spTree>
       <p:nvGrpSpPr>
-        <p:cNvPr id="1" name=""/>
+        <p:cNvPr id="1" name="">
+          <a:extLst>
+            <a:ext uri="{FF2B5EF4-FFF2-40B4-BE49-F238E27FC236}">
+              <a16:creationId xmlns:a16="http://schemas.microsoft.com/office/drawing/2014/main" id="{212BA00D-2184-B067-2516-917C370278FE}"/>
+            </a:ext>
+          </a:extLst>
+        </p:cNvPr>
         <p:cNvGrpSpPr/>
         <p:nvPr/>
       </p:nvGrpSpPr>
@@ -1863,7 +1876,13 @@
       </p:grpSpPr>
       <p:sp>
         <p:nvSpPr>
-          <p:cNvPr id="2" name="슬라이드 이미지 개체 틀 1"/>
+          <p:cNvPr id="2" name="슬라이드 이미지 개체 틀 1">
+            <a:extLst>
+              <a:ext uri="{FF2B5EF4-FFF2-40B4-BE49-F238E27FC236}">
+                <a16:creationId xmlns:a16="http://schemas.microsoft.com/office/drawing/2014/main" id="{81499382-2C22-C2B9-9885-9070E65E8941}"/>
+              </a:ext>
+            </a:extLst>
+          </p:cNvPr>
           <p:cNvSpPr>
             <a:spLocks noGrp="1" noRot="1" noChangeAspect="1"/>
           </p:cNvSpPr>
@@ -1875,7 +1894,13 @@
       </p:sp>
       <p:sp>
         <p:nvSpPr>
-          <p:cNvPr id="3" name="슬라이드 노트 개체 틀 2"/>
+          <p:cNvPr id="3" name="슬라이드 노트 개체 틀 2">
+            <a:extLst>
+              <a:ext uri="{FF2B5EF4-FFF2-40B4-BE49-F238E27FC236}">
+                <a16:creationId xmlns:a16="http://schemas.microsoft.com/office/drawing/2014/main" id="{C5AE60F8-00EC-F9DA-1D0F-FD6AAF9511A1}"/>
+              </a:ext>
+            </a:extLst>
+          </p:cNvPr>
           <p:cNvSpPr>
             <a:spLocks noGrp="1"/>
           </p:cNvSpPr>
@@ -1888,88 +1913,19 @@
           <a:bodyPr/>
           <a:lstStyle/>
           <a:p>
-            <a:r>
-              <a:rPr lang="en-US" altLang="ko-KR" dirty="0"/>
-              <a:t>Goto</a:t>
-            </a:r>
-            <a:r>
-              <a:rPr lang="ko-KR" altLang="en-US" dirty="0"/>
-              <a:t>문 </a:t>
-            </a:r>
-            <a:r>
-              <a:rPr lang="en-US" altLang="ko-KR" dirty="0"/>
-              <a:t>: </a:t>
-            </a:r>
-            <a:r>
-              <a:rPr lang="ko-KR" altLang="en-US" dirty="0"/>
-              <a:t>특정 위치로 프로그램의 흐름을 강제로 </a:t>
-            </a:r>
-            <a:r>
-              <a:rPr lang="ko-KR" altLang="en-US" dirty="0" err="1"/>
-              <a:t>점프시키는</a:t>
-            </a:r>
-            <a:r>
-              <a:rPr lang="ko-KR" altLang="en-US" dirty="0"/>
-              <a:t> </a:t>
-            </a:r>
-            <a:r>
-              <a:rPr lang="ko-KR" altLang="en-US" dirty="0" err="1"/>
-              <a:t>제어문</a:t>
-            </a:r>
-            <a:endParaRPr lang="en-US" altLang="ko-KR" dirty="0"/>
-          </a:p>
-          <a:p>
-            <a:endParaRPr lang="en-US" altLang="ko-KR" dirty="0"/>
-          </a:p>
-          <a:p>
-            <a:r>
-              <a:rPr lang="en-US" altLang="ko-KR" dirty="0"/>
-              <a:t>Goto </a:t>
-            </a:r>
-            <a:r>
-              <a:rPr lang="ko-KR" altLang="en-US" dirty="0"/>
-              <a:t>라벨이름</a:t>
-            </a:r>
-            <a:r>
-              <a:rPr lang="en-US" altLang="ko-KR" dirty="0"/>
-              <a:t>;</a:t>
-            </a:r>
-          </a:p>
-          <a:p>
-            <a:r>
-              <a:rPr lang="en-US" altLang="ko-KR" dirty="0"/>
-              <a:t>…</a:t>
-            </a:r>
-          </a:p>
-          <a:p>
-            <a:r>
-              <a:rPr lang="ko-KR" altLang="en-US" dirty="0"/>
-              <a:t>라벨이름</a:t>
-            </a:r>
-            <a:r>
-              <a:rPr lang="en-US" altLang="ko-KR" dirty="0"/>
-              <a:t>:</a:t>
-            </a:r>
-          </a:p>
-          <a:p>
-            <a:endParaRPr lang="en-US" altLang="ko-KR" dirty="0"/>
-          </a:p>
-          <a:p>
-            <a:r>
-              <a:rPr lang="ko-KR" altLang="en-US" dirty="0" err="1"/>
-              <a:t>ㄴ</a:t>
-            </a:r>
-            <a:r>
-              <a:rPr lang="ko-KR" altLang="en-US" dirty="0"/>
-              <a:t> 지정된 라벨로 무조건 이동하는 명령</a:t>
-            </a:r>
-            <a:endParaRPr lang="en-US" altLang="ko-KR" dirty="0"/>
-          </a:p>
-        </p:txBody>
-      </p:sp>
-      <p:sp>
-        <p:nvSpPr>
-          <p:cNvPr id="4" name="슬라이드 번호 개체 틀 3"/>
+            <a:endParaRPr lang="ko-KR" altLang="en-US" dirty="0"/>
+          </a:p>
+        </p:txBody>
+      </p:sp>
+      <p:sp>
+        <p:nvSpPr>
+          <p:cNvPr id="4" name="슬라이드 번호 개체 틀 3">
+            <a:extLst>
+              <a:ext uri="{FF2B5EF4-FFF2-40B4-BE49-F238E27FC236}">
+                <a16:creationId xmlns:a16="http://schemas.microsoft.com/office/drawing/2014/main" id="{144D2150-99A0-594D-E03C-486F1CF38CD7}"/>
+              </a:ext>
+            </a:extLst>
+          </p:cNvPr>
           <p:cNvSpPr>
             <a:spLocks noGrp="1"/>
           </p:cNvSpPr>
@@ -1993,7 +1949,7 @@
     </p:spTree>
     <p:extLst>
       <p:ext uri="{BB962C8B-B14F-4D97-AF65-F5344CB8AC3E}">
-        <p14:creationId xmlns:p14="http://schemas.microsoft.com/office/powerpoint/2010/main" val="4264918260"/>
+        <p14:creationId xmlns:p14="http://schemas.microsoft.com/office/powerpoint/2010/main" val="3571707599"/>
       </p:ext>
     </p:extLst>
   </p:cSld>
@@ -2047,49 +2003,6 @@
           <a:bodyPr/>
           <a:lstStyle/>
           <a:p>
-            <a:r>
-              <a:rPr lang="en-US" altLang="ko-KR" dirty="0"/>
-              <a:t>Goto</a:t>
-            </a:r>
-            <a:r>
-              <a:rPr lang="ko-KR" altLang="en-US" dirty="0"/>
-              <a:t>는 일반적으로 </a:t>
-            </a:r>
-            <a:r>
-              <a:rPr lang="en-US" altLang="ko-KR" dirty="0"/>
-              <a:t>switch</a:t>
-            </a:r>
-            <a:r>
-              <a:rPr lang="ko-KR" altLang="en-US" dirty="0"/>
-              <a:t>문 안에서 특정 </a:t>
-            </a:r>
-            <a:r>
-              <a:rPr lang="en-US" altLang="ko-KR" dirty="0"/>
-              <a:t>case</a:t>
-            </a:r>
-            <a:r>
-              <a:rPr lang="ko-KR" altLang="en-US" dirty="0"/>
-              <a:t>로 점프 이동할 때 쓰는 것이 가장 </a:t>
-            </a:r>
-            <a:r>
-              <a:rPr lang="ko-KR" altLang="en-US" dirty="0" smtClean="0"/>
-              <a:t>적절</a:t>
-            </a:r>
-            <a:endParaRPr lang="en-US" altLang="ko-KR" dirty="0" smtClean="0"/>
-          </a:p>
-          <a:p>
-            <a:r>
-              <a:rPr lang="ko-KR" altLang="en-US" dirty="0" smtClean="0"/>
-              <a:t>여러 </a:t>
-            </a:r>
-            <a:r>
-              <a:rPr lang="en-US" altLang="ko-KR" dirty="0" smtClean="0"/>
-              <a:t>case</a:t>
-            </a:r>
-            <a:r>
-              <a:rPr lang="ko-KR" altLang="en-US" dirty="0" smtClean="0"/>
-              <a:t>가 중복된 코드를 실행해야 할 때</a:t>
-            </a:r>
             <a:endParaRPr lang="ko-KR" altLang="en-US" dirty="0"/>
           </a:p>
         </p:txBody>
@@ -2120,7 +2033,7 @@
     </p:spTree>
     <p:extLst>
       <p:ext uri="{BB962C8B-B14F-4D97-AF65-F5344CB8AC3E}">
-        <p14:creationId xmlns:p14="http://schemas.microsoft.com/office/powerpoint/2010/main" val="1456154604"/>
+        <p14:creationId xmlns:p14="http://schemas.microsoft.com/office/powerpoint/2010/main" val="2494379195"/>
       </p:ext>
     </p:extLst>
   </p:cSld>
@@ -2138,7 +2051,7 @@
         <p:cNvPr id="1" name="">
           <a:extLst>
             <a:ext uri="{FF2B5EF4-FFF2-40B4-BE49-F238E27FC236}">
-              <a16:creationId xmlns:a16="http://schemas.microsoft.com/office/drawing/2014/main" id="{5D46308A-0FBD-664B-18D3-526E31F24675}"/>
+              <a16:creationId xmlns:a16="http://schemas.microsoft.com/office/drawing/2014/main" id="{1F682E94-4562-55F1-7160-6536CD8F58DA}"/>
             </a:ext>
           </a:extLst>
         </p:cNvPr>
@@ -2158,7 +2071,7 @@
           <p:cNvPr id="2" name="슬라이드 이미지 개체 틀 1">
             <a:extLst>
               <a:ext uri="{FF2B5EF4-FFF2-40B4-BE49-F238E27FC236}">
-                <a16:creationId xmlns:a16="http://schemas.microsoft.com/office/drawing/2014/main" id="{5F435273-E5EE-E05A-9F47-1BC0B6B27BEB}"/>
+                <a16:creationId xmlns:a16="http://schemas.microsoft.com/office/drawing/2014/main" id="{B8FB080C-C328-52CA-367F-F0F7366195E8}"/>
               </a:ext>
             </a:extLst>
           </p:cNvPr>
@@ -2176,7 +2089,7 @@
           <p:cNvPr id="3" name="슬라이드 노트 개체 틀 2">
             <a:extLst>
               <a:ext uri="{FF2B5EF4-FFF2-40B4-BE49-F238E27FC236}">
-                <a16:creationId xmlns:a16="http://schemas.microsoft.com/office/drawing/2014/main" id="{77DCAE61-2BBB-7F49-38DE-65C7B6E9D053}"/>
+                <a16:creationId xmlns:a16="http://schemas.microsoft.com/office/drawing/2014/main" id="{4D23C1B5-9F4A-87A0-44CF-3E82E95607C4}"/>
               </a:ext>
             </a:extLst>
           </p:cNvPr>
@@ -2201,7 +2114,7 @@
           <p:cNvPr id="4" name="슬라이드 번호 개체 틀 3">
             <a:extLst>
               <a:ext uri="{FF2B5EF4-FFF2-40B4-BE49-F238E27FC236}">
-                <a16:creationId xmlns:a16="http://schemas.microsoft.com/office/drawing/2014/main" id="{52BC3DD7-EF92-9B52-87D1-B1707A99862D}"/>
+                <a16:creationId xmlns:a16="http://schemas.microsoft.com/office/drawing/2014/main" id="{CC3A745E-E478-7F2E-C9E2-5881EEA699B6}"/>
               </a:ext>
             </a:extLst>
           </p:cNvPr>
@@ -2219,7 +2132,7 @@
           <a:p>
             <a:fld id="{C09E5BFC-1559-42F1-8940-AB342D56BF02}" type="slidenum">
               <a:rPr lang="ko-KR" altLang="en-US" smtClean="0"/>
-              <a:t>35</a:t>
+              <a:t>34</a:t>
             </a:fld>
             <a:endParaRPr lang="ko-KR" altLang="en-US"/>
           </a:p>
@@ -2228,7 +2141,7 @@
     </p:spTree>
     <p:extLst>
       <p:ext uri="{BB962C8B-B14F-4D97-AF65-F5344CB8AC3E}">
-        <p14:creationId xmlns:p14="http://schemas.microsoft.com/office/powerpoint/2010/main" val="2126352399"/>
+        <p14:creationId xmlns:p14="http://schemas.microsoft.com/office/powerpoint/2010/main" val="1375407453"/>
       </p:ext>
     </p:extLst>
   </p:cSld>
@@ -2243,7 +2156,13 @@
   <p:cSld>
     <p:spTree>
       <p:nvGrpSpPr>
-        <p:cNvPr id="1" name=""/>
+        <p:cNvPr id="1" name="">
+          <a:extLst>
+            <a:ext uri="{FF2B5EF4-FFF2-40B4-BE49-F238E27FC236}">
+              <a16:creationId xmlns:a16="http://schemas.microsoft.com/office/drawing/2014/main" id="{655AE1C1-8BD6-A92C-7576-8AD04C9170CD}"/>
+            </a:ext>
+          </a:extLst>
+        </p:cNvPr>
         <p:cNvGrpSpPr/>
         <p:nvPr/>
       </p:nvGrpSpPr>
@@ -2257,7 +2176,13 @@
       </p:grpSpPr>
       <p:sp>
         <p:nvSpPr>
-          <p:cNvPr id="2" name="슬라이드 이미지 개체 틀 1"/>
+          <p:cNvPr id="2" name="슬라이드 이미지 개체 틀 1">
+            <a:extLst>
+              <a:ext uri="{FF2B5EF4-FFF2-40B4-BE49-F238E27FC236}">
+                <a16:creationId xmlns:a16="http://schemas.microsoft.com/office/drawing/2014/main" id="{F216AB87-E00C-7B06-C64A-9F975989999F}"/>
+              </a:ext>
+            </a:extLst>
+          </p:cNvPr>
           <p:cNvSpPr>
             <a:spLocks noGrp="1" noRot="1" noChangeAspect="1"/>
           </p:cNvSpPr>
@@ -2269,7 +2194,13 @@
       </p:sp>
       <p:sp>
         <p:nvSpPr>
-          <p:cNvPr id="3" name="슬라이드 노트 개체 틀 2"/>
+          <p:cNvPr id="3" name="슬라이드 노트 개체 틀 2">
+            <a:extLst>
+              <a:ext uri="{FF2B5EF4-FFF2-40B4-BE49-F238E27FC236}">
+                <a16:creationId xmlns:a16="http://schemas.microsoft.com/office/drawing/2014/main" id="{43A51028-096D-4B61-B0EB-73551453D50F}"/>
+              </a:ext>
+            </a:extLst>
+          </p:cNvPr>
           <p:cNvSpPr>
             <a:spLocks noGrp="1"/>
           </p:cNvSpPr>
@@ -2282,512 +2213,19 @@
           <a:bodyPr/>
           <a:lstStyle/>
           <a:p>
-            <a:r>
-              <a:rPr lang="en-US" altLang="ko-KR" dirty="0"/>
-              <a:t>*Big-O </a:t>
-            </a:r>
-            <a:r>
-              <a:rPr lang="ko-KR" altLang="en-US" dirty="0"/>
-              <a:t>표기법</a:t>
-            </a:r>
-            <a:endParaRPr lang="en-US" altLang="ko-KR" dirty="0"/>
-          </a:p>
-          <a:p>
-            <a:r>
-              <a:rPr lang="en-US" altLang="ko-KR" dirty="0"/>
-              <a:t>: </a:t>
-            </a:r>
-            <a:r>
-              <a:rPr lang="ko-KR" altLang="en-US" dirty="0"/>
-              <a:t>이 코드가 얼마나 빨리 실행되는지를 수학적으로 표현하는 방법</a:t>
-            </a:r>
-            <a:r>
-              <a:rPr lang="en-US" altLang="ko-KR" dirty="0"/>
-              <a:t>.</a:t>
-            </a:r>
-          </a:p>
-          <a:p>
-            <a:r>
-              <a:rPr lang="en-US" altLang="ko-KR" dirty="0"/>
-              <a:t>: </a:t>
-            </a:r>
-            <a:r>
-              <a:rPr lang="ko-KR" altLang="en-US" dirty="0"/>
-              <a:t>알고리즘이 </a:t>
-            </a:r>
-            <a:r>
-              <a:rPr lang="en-US" altLang="ko-KR" dirty="0"/>
-              <a:t>“</a:t>
-            </a:r>
-            <a:r>
-              <a:rPr lang="ko-KR" altLang="en-US" dirty="0"/>
-              <a:t>입력 크기 </a:t>
-            </a:r>
-            <a:r>
-              <a:rPr lang="en-US" altLang="ko-KR" dirty="0"/>
-              <a:t>N</a:t>
-            </a:r>
-            <a:r>
-              <a:rPr lang="ko-KR" altLang="en-US" dirty="0"/>
-              <a:t>에 따라 얼마나 많은 작업을 수행하는가</a:t>
-            </a:r>
-            <a:r>
-              <a:rPr lang="en-US" altLang="ko-KR" dirty="0"/>
-              <a:t>?”</a:t>
-            </a:r>
-            <a:r>
-              <a:rPr lang="ko-KR" altLang="en-US" dirty="0"/>
-              <a:t>를 나타내는 시간 복잡도 표기법</a:t>
-            </a:r>
-            <a:endParaRPr lang="en-US" altLang="ko-KR" dirty="0"/>
-          </a:p>
-          <a:p>
-            <a:r>
-              <a:rPr lang="ko-KR" altLang="en-US" dirty="0" err="1"/>
-              <a:t>ㄴ</a:t>
-            </a:r>
-            <a:r>
-              <a:rPr lang="ko-KR" altLang="en-US" dirty="0"/>
-              <a:t> 프로그래밍에서 성능을 판단할 때 꼭 필요한 개념</a:t>
-            </a:r>
-            <a:endParaRPr lang="en-US" altLang="ko-KR" dirty="0"/>
-          </a:p>
-          <a:p>
-            <a:r>
-              <a:rPr lang="ko-KR" altLang="en-US" dirty="0" err="1"/>
-              <a:t>ㄴ</a:t>
-            </a:r>
-            <a:r>
-              <a:rPr lang="ko-KR" altLang="en-US" dirty="0"/>
-              <a:t> 실행 시간을 </a:t>
-            </a:r>
-            <a:r>
-              <a:rPr lang="en-US" altLang="ko-KR" dirty="0"/>
-              <a:t>“</a:t>
-            </a:r>
-            <a:r>
-              <a:rPr lang="ko-KR" altLang="en-US" dirty="0"/>
-              <a:t>정확한 시간</a:t>
-            </a:r>
-            <a:r>
-              <a:rPr lang="en-US" altLang="ko-KR" dirty="0"/>
-              <a:t>＂</a:t>
-            </a:r>
-            <a:r>
-              <a:rPr lang="ko-KR" altLang="en-US" dirty="0"/>
-              <a:t>이 아니라 </a:t>
-            </a:r>
-            <a:r>
-              <a:rPr lang="en-US" altLang="ko-KR" dirty="0"/>
-              <a:t>‘</a:t>
-            </a:r>
-            <a:r>
-              <a:rPr lang="ko-KR" altLang="en-US" dirty="0"/>
-              <a:t>성장 속도</a:t>
-            </a:r>
-            <a:r>
-              <a:rPr lang="en-US" altLang="ko-KR" dirty="0"/>
-              <a:t>’</a:t>
-            </a:r>
-            <a:r>
-              <a:rPr lang="ko-KR" altLang="en-US" dirty="0"/>
-              <a:t>로 표현함</a:t>
-            </a:r>
-            <a:r>
-              <a:rPr lang="en-US" altLang="ko-KR" dirty="0"/>
-              <a:t>.</a:t>
-            </a:r>
-          </a:p>
-          <a:p>
-            <a:endParaRPr lang="en-US" altLang="ko-KR" dirty="0"/>
-          </a:p>
-          <a:p>
-            <a:r>
-              <a:rPr lang="en-US" altLang="ko-KR" dirty="0"/>
-              <a:t>*</a:t>
-            </a:r>
-            <a:r>
-              <a:rPr lang="ko-KR" altLang="en-US" dirty="0"/>
-              <a:t>시간 복잡도</a:t>
-            </a:r>
-            <a:endParaRPr lang="en-US" altLang="ko-KR" dirty="0"/>
-          </a:p>
-          <a:p>
-            <a:r>
-              <a:rPr lang="en-US" altLang="ko-KR" dirty="0"/>
-              <a:t>: </a:t>
-            </a:r>
-            <a:r>
-              <a:rPr lang="ko-KR" altLang="en-US" dirty="0"/>
-              <a:t>실행 시간</a:t>
-            </a:r>
-            <a:endParaRPr lang="en-US" altLang="ko-KR" dirty="0"/>
-          </a:p>
-          <a:p>
-            <a:endParaRPr lang="en-US" altLang="ko-KR" dirty="0"/>
-          </a:p>
-          <a:p>
-            <a:r>
-              <a:rPr lang="en-US" altLang="ko-KR" dirty="0"/>
-              <a:t>*</a:t>
-            </a:r>
-            <a:r>
-              <a:rPr lang="ko-KR" altLang="en-US" dirty="0"/>
-              <a:t>공간 복잡도</a:t>
-            </a:r>
-            <a:endParaRPr lang="en-US" altLang="ko-KR" dirty="0"/>
-          </a:p>
-          <a:p>
-            <a:r>
-              <a:rPr lang="en-US" altLang="ko-KR" dirty="0"/>
-              <a:t>: </a:t>
-            </a:r>
-            <a:r>
-              <a:rPr lang="ko-KR" altLang="en-US" dirty="0"/>
-              <a:t>필요한 메모리 크기</a:t>
-            </a:r>
-            <a:endParaRPr lang="en-US" altLang="ko-KR" dirty="0"/>
-          </a:p>
-          <a:p>
-            <a:endParaRPr lang="en-US" altLang="ko-KR" dirty="0"/>
-          </a:p>
-          <a:p>
-            <a:r>
-              <a:rPr lang="ko-KR" altLang="en-US" dirty="0"/>
-              <a:t>반복문은 대표적인 </a:t>
-            </a:r>
-            <a:r>
-              <a:rPr lang="ko-KR" altLang="en-US" dirty="0" err="1"/>
-              <a:t>시간복잡도</a:t>
-            </a:r>
-            <a:r>
-              <a:rPr lang="ko-KR" altLang="en-US" dirty="0"/>
-              <a:t> 요소</a:t>
-            </a:r>
-            <a:r>
-              <a:rPr lang="en-US" altLang="ko-KR" dirty="0"/>
-              <a:t>!</a:t>
-            </a:r>
-          </a:p>
-          <a:p>
-            <a:r>
-              <a:rPr lang="en-US" altLang="ko-KR" dirty="0"/>
-              <a:t>For : O(n)</a:t>
-            </a:r>
-          </a:p>
-          <a:p>
-            <a:r>
-              <a:rPr lang="ko-KR" altLang="en-US" dirty="0"/>
-              <a:t>이중 </a:t>
-            </a:r>
-            <a:r>
-              <a:rPr lang="en-US" altLang="ko-KR" dirty="0"/>
-              <a:t>for</a:t>
-            </a:r>
-            <a:r>
-              <a:rPr lang="ko-KR" altLang="en-US" dirty="0"/>
-              <a:t>문 </a:t>
-            </a:r>
-            <a:r>
-              <a:rPr lang="en-US" altLang="ko-KR" dirty="0"/>
-              <a:t>: O(n^2)</a:t>
-            </a:r>
-          </a:p>
-          <a:p>
-            <a:r>
-              <a:rPr lang="en-US" altLang="ko-KR" dirty="0"/>
-              <a:t/>
-            </a:r>
-            <a:br>
-              <a:rPr lang="en-US" altLang="ko-KR" dirty="0"/>
-            </a:br>
-            <a:r>
-              <a:rPr lang="en-US" altLang="ko-KR" dirty="0">
-                <a:sym typeface="Wingdings" panose="05000000000000000000" pitchFamily="2" charset="2"/>
-              </a:rPr>
-              <a:t> (2) Big-O</a:t>
-            </a:r>
-            <a:r>
-              <a:rPr lang="ko-KR" altLang="en-US" dirty="0">
-                <a:sym typeface="Wingdings" panose="05000000000000000000" pitchFamily="2" charset="2"/>
-              </a:rPr>
-              <a:t>는 일반적으로 </a:t>
-            </a:r>
-            <a:r>
-              <a:rPr lang="en-US" altLang="ko-KR" dirty="0">
-                <a:sym typeface="Wingdings" panose="05000000000000000000" pitchFamily="2" charset="2"/>
-              </a:rPr>
-              <a:t>“</a:t>
-            </a:r>
-            <a:r>
-              <a:rPr lang="ko-KR" altLang="en-US" dirty="0">
-                <a:sym typeface="Wingdings" panose="05000000000000000000" pitchFamily="2" charset="2"/>
-              </a:rPr>
-              <a:t>가장 오래 걸릴 때</a:t>
-            </a:r>
-            <a:r>
-              <a:rPr lang="en-US" altLang="ko-KR" dirty="0">
-                <a:sym typeface="Wingdings" panose="05000000000000000000" pitchFamily="2" charset="2"/>
-              </a:rPr>
-              <a:t>(</a:t>
-            </a:r>
-            <a:r>
-              <a:rPr lang="ko-KR" altLang="en-US" dirty="0">
-                <a:sym typeface="Wingdings" panose="05000000000000000000" pitchFamily="2" charset="2"/>
-              </a:rPr>
-              <a:t>최악의 경우</a:t>
-            </a:r>
-            <a:r>
-              <a:rPr lang="en-US" altLang="ko-KR" dirty="0">
-                <a:sym typeface="Wingdings" panose="05000000000000000000" pitchFamily="2" charset="2"/>
-              </a:rPr>
-              <a:t>)”</a:t>
-            </a:r>
-            <a:r>
-              <a:rPr lang="ko-KR" altLang="en-US" dirty="0">
-                <a:sym typeface="Wingdings" panose="05000000000000000000" pitchFamily="2" charset="2"/>
-              </a:rPr>
-              <a:t>를 기준으로 계산함</a:t>
-            </a:r>
-            <a:r>
-              <a:rPr lang="en-US" altLang="ko-KR" dirty="0">
-                <a:sym typeface="Wingdings" panose="05000000000000000000" pitchFamily="2" charset="2"/>
-              </a:rPr>
-              <a:t>.</a:t>
-            </a:r>
-          </a:p>
-          <a:p>
-            <a:r>
-              <a:rPr lang="en-US" altLang="ko-KR" dirty="0">
-                <a:sym typeface="Wingdings" panose="05000000000000000000" pitchFamily="2" charset="2"/>
-              </a:rPr>
-              <a:t>Ex) </a:t>
-            </a:r>
-            <a:r>
-              <a:rPr lang="ko-KR" altLang="en-US" dirty="0">
-                <a:sym typeface="Wingdings" panose="05000000000000000000" pitchFamily="2" charset="2"/>
-              </a:rPr>
-              <a:t>정렬 알고리즘에서 이미 정렬된 경우는 빠르지만</a:t>
-            </a:r>
-            <a:r>
-              <a:rPr lang="en-US" altLang="ko-KR" dirty="0">
-                <a:sym typeface="Wingdings" panose="05000000000000000000" pitchFamily="2" charset="2"/>
-              </a:rPr>
-              <a:t>, </a:t>
-            </a:r>
-            <a:r>
-              <a:rPr lang="ko-KR" altLang="en-US" dirty="0">
-                <a:sym typeface="Wingdings" panose="05000000000000000000" pitchFamily="2" charset="2"/>
-              </a:rPr>
-              <a:t>우리는 정렬이 안되어 있을 때를 기준으로 시간 복잡도를 평가함</a:t>
-            </a:r>
-            <a:r>
-              <a:rPr lang="en-US" altLang="ko-KR" dirty="0">
-                <a:sym typeface="Wingdings" panose="05000000000000000000" pitchFamily="2" charset="2"/>
-              </a:rPr>
-              <a:t>.</a:t>
-            </a:r>
-          </a:p>
-          <a:p>
-            <a:pPr marL="171450" indent="-171450">
-              <a:buFont typeface="Wingdings" panose="05000000000000000000" pitchFamily="2" charset="2"/>
-              <a:buChar char="è"/>
-            </a:pPr>
-            <a:r>
-              <a:rPr lang="en-US" altLang="ko-KR" dirty="0">
-                <a:sym typeface="Wingdings" panose="05000000000000000000" pitchFamily="2" charset="2"/>
-              </a:rPr>
-              <a:t>(3) N</a:t>
-            </a:r>
-            <a:r>
-              <a:rPr lang="ko-KR" altLang="en-US" dirty="0">
-                <a:sym typeface="Wingdings" panose="05000000000000000000" pitchFamily="2" charset="2"/>
-              </a:rPr>
-              <a:t>이 커질 수록 상수는 성능에 미치는 영향이 미미해지기 때문</a:t>
-            </a:r>
-            <a:r>
-              <a:rPr lang="en-US" altLang="ko-KR" dirty="0">
-                <a:sym typeface="Wingdings" panose="05000000000000000000" pitchFamily="2" charset="2"/>
-              </a:rPr>
-              <a:t>.</a:t>
-            </a:r>
-          </a:p>
-          <a:p>
-            <a:pPr marL="0" indent="0">
-              <a:buFont typeface="Wingdings" panose="05000000000000000000" pitchFamily="2" charset="2"/>
-              <a:buNone/>
-            </a:pPr>
-            <a:r>
-              <a:rPr lang="en-US" altLang="ko-KR" dirty="0">
-                <a:sym typeface="Wingdings" panose="05000000000000000000" pitchFamily="2" charset="2"/>
-              </a:rPr>
-              <a:t>Ex) O(7N)</a:t>
-            </a:r>
-            <a:r>
-              <a:rPr lang="ko-KR" altLang="en-US" dirty="0">
-                <a:sym typeface="Wingdings" panose="05000000000000000000" pitchFamily="2" charset="2"/>
-              </a:rPr>
-              <a:t>은 실제로는 </a:t>
-            </a:r>
-            <a:r>
-              <a:rPr lang="en-US" altLang="ko-KR" dirty="0">
-                <a:sym typeface="Wingdings" panose="05000000000000000000" pitchFamily="2" charset="2"/>
-              </a:rPr>
-              <a:t>7N</a:t>
-            </a:r>
-            <a:r>
-              <a:rPr lang="ko-KR" altLang="en-US" dirty="0">
-                <a:sym typeface="Wingdings" panose="05000000000000000000" pitchFamily="2" charset="2"/>
-              </a:rPr>
-              <a:t>만큼 반복하지만</a:t>
-            </a:r>
-            <a:r>
-              <a:rPr lang="en-US" altLang="ko-KR" dirty="0">
-                <a:sym typeface="Wingdings" panose="05000000000000000000" pitchFamily="2" charset="2"/>
-              </a:rPr>
-              <a:t>, </a:t>
-            </a:r>
-            <a:r>
-              <a:rPr lang="ko-KR" altLang="en-US" dirty="0">
-                <a:sym typeface="Wingdings" panose="05000000000000000000" pitchFamily="2" charset="2"/>
-              </a:rPr>
-              <a:t>성장속도로 보면 </a:t>
-            </a:r>
-            <a:r>
-              <a:rPr lang="en-US" altLang="ko-KR" dirty="0">
-                <a:sym typeface="Wingdings" panose="05000000000000000000" pitchFamily="2" charset="2"/>
-              </a:rPr>
-              <a:t>N</a:t>
-            </a:r>
-            <a:r>
-              <a:rPr lang="ko-KR" altLang="en-US" dirty="0">
-                <a:sym typeface="Wingdings" panose="05000000000000000000" pitchFamily="2" charset="2"/>
-              </a:rPr>
-              <a:t>과 동일하다고 간주</a:t>
-            </a:r>
-            <a:r>
-              <a:rPr lang="en-US" altLang="ko-KR" dirty="0">
-                <a:sym typeface="Wingdings" panose="05000000000000000000" pitchFamily="2" charset="2"/>
-              </a:rPr>
-              <a:t>.</a:t>
-            </a:r>
-          </a:p>
-          <a:p>
-            <a:pPr marL="171450" indent="-171450">
-              <a:buFont typeface="Wingdings" panose="05000000000000000000" pitchFamily="2" charset="2"/>
-              <a:buChar char="è"/>
-            </a:pPr>
-            <a:r>
-              <a:rPr lang="en-US" altLang="ko-KR" dirty="0">
-                <a:sym typeface="Wingdings" panose="05000000000000000000" pitchFamily="2" charset="2"/>
-              </a:rPr>
-              <a:t>(4) </a:t>
-            </a:r>
-            <a:r>
-              <a:rPr lang="ko-KR" altLang="en-US" dirty="0" err="1">
-                <a:sym typeface="Wingdings" panose="05000000000000000000" pitchFamily="2" charset="2"/>
-              </a:rPr>
-              <a:t>입력값이</a:t>
-            </a:r>
-            <a:r>
-              <a:rPr lang="en-US" altLang="ko-KR" dirty="0">
-                <a:sym typeface="Wingdings" panose="05000000000000000000" pitchFamily="2" charset="2"/>
-              </a:rPr>
-              <a:t> </a:t>
-            </a:r>
-            <a:r>
-              <a:rPr lang="ko-KR" altLang="en-US" dirty="0">
-                <a:sym typeface="Wingdings" panose="05000000000000000000" pitchFamily="2" charset="2"/>
-              </a:rPr>
-              <a:t>커질수록 </a:t>
-            </a:r>
-            <a:r>
-              <a:rPr lang="en-US" altLang="ko-KR" dirty="0">
-                <a:sym typeface="Wingdings" panose="05000000000000000000" pitchFamily="2" charset="2"/>
-              </a:rPr>
-              <a:t>n^3</a:t>
-            </a:r>
-            <a:r>
-              <a:rPr lang="ko-KR" altLang="en-US" dirty="0">
-                <a:sym typeface="Wingdings" panose="05000000000000000000" pitchFamily="2" charset="2"/>
-              </a:rPr>
-              <a:t>항이 전체 실행 시간에 가장 큰 영향을 주기 때문</a:t>
-            </a:r>
-            <a:r>
-              <a:rPr lang="en-US" altLang="ko-KR" dirty="0">
-                <a:sym typeface="Wingdings" panose="05000000000000000000" pitchFamily="2" charset="2"/>
-              </a:rPr>
-              <a:t>.</a:t>
-            </a:r>
-          </a:p>
-          <a:p>
-            <a:pPr marL="0" indent="0">
-              <a:buFont typeface="Wingdings" panose="05000000000000000000" pitchFamily="2" charset="2"/>
-              <a:buNone/>
-            </a:pPr>
-            <a:r>
-              <a:rPr lang="en-US" altLang="ko-KR" dirty="0"/>
-              <a:t>Ex) n = 10 </a:t>
-            </a:r>
-            <a:r>
-              <a:rPr lang="ko-KR" altLang="en-US" dirty="0"/>
-              <a:t>이라</a:t>
-            </a:r>
-            <a:r>
-              <a:rPr lang="en-US" altLang="ko-KR" dirty="0"/>
-              <a:t> </a:t>
-            </a:r>
-            <a:r>
-              <a:rPr lang="ko-KR" altLang="en-US" dirty="0"/>
-              <a:t>가정</a:t>
-            </a:r>
-            <a:r>
-              <a:rPr lang="en-US" altLang="ko-KR" dirty="0"/>
-              <a:t>, N=10 </a:t>
-            </a:r>
-            <a:r>
-              <a:rPr lang="en-US" altLang="ko-KR" dirty="0">
-                <a:sym typeface="Wingdings" panose="05000000000000000000" pitchFamily="2" charset="2"/>
-              </a:rPr>
-              <a:t> N^3 = 1000, N^2 = 100, N=10</a:t>
-            </a:r>
-          </a:p>
-          <a:p>
-            <a:pPr marL="0" indent="0">
-              <a:buFont typeface="Wingdings" panose="05000000000000000000" pitchFamily="2" charset="2"/>
-              <a:buNone/>
-            </a:pPr>
-            <a:r>
-              <a:rPr lang="en-US" altLang="ko-KR" dirty="0">
-                <a:sym typeface="Wingdings" panose="05000000000000000000" pitchFamily="2" charset="2"/>
-              </a:rPr>
-              <a:t>- </a:t>
-            </a:r>
-            <a:r>
-              <a:rPr lang="ko-KR" altLang="en-US" dirty="0">
-                <a:sym typeface="Wingdings" panose="05000000000000000000" pitchFamily="2" charset="2"/>
-              </a:rPr>
-              <a:t>나머지는 거의 무시해도 될 만큼 </a:t>
-            </a:r>
-            <a:r>
-              <a:rPr lang="ko-KR" altLang="en-US" dirty="0" err="1">
-                <a:sym typeface="Wingdings" panose="05000000000000000000" pitchFamily="2" charset="2"/>
-              </a:rPr>
-              <a:t>작아짐</a:t>
-            </a:r>
-            <a:r>
-              <a:rPr lang="en-US" altLang="ko-KR" dirty="0">
-                <a:sym typeface="Wingdings" panose="05000000000000000000" pitchFamily="2" charset="2"/>
-              </a:rPr>
-              <a:t>.</a:t>
-            </a:r>
             <a:endParaRPr lang="ko-KR" altLang="en-US" dirty="0"/>
           </a:p>
         </p:txBody>
       </p:sp>
       <p:sp>
         <p:nvSpPr>
-          <p:cNvPr id="4" name="슬라이드 번호 개체 틀 3"/>
+          <p:cNvPr id="4" name="슬라이드 번호 개체 틀 3">
+            <a:extLst>
+              <a:ext uri="{FF2B5EF4-FFF2-40B4-BE49-F238E27FC236}">
+                <a16:creationId xmlns:a16="http://schemas.microsoft.com/office/drawing/2014/main" id="{3CAB2ACB-6CBF-2B26-16B6-D3E0FFA4E397}"/>
+              </a:ext>
+            </a:extLst>
+          </p:cNvPr>
           <p:cNvSpPr>
             <a:spLocks noGrp="1"/>
           </p:cNvSpPr>
@@ -2802,7 +2240,7 @@
           <a:p>
             <a:fld id="{C09E5BFC-1559-42F1-8940-AB342D56BF02}" type="slidenum">
               <a:rPr lang="ko-KR" altLang="en-US" smtClean="0"/>
-              <a:t>37</a:t>
+              <a:t>35</a:t>
             </a:fld>
             <a:endParaRPr lang="ko-KR" altLang="en-US"/>
           </a:p>
@@ -2811,7 +2249,7 @@
     </p:spTree>
     <p:extLst>
       <p:ext uri="{BB962C8B-B14F-4D97-AF65-F5344CB8AC3E}">
-        <p14:creationId xmlns:p14="http://schemas.microsoft.com/office/powerpoint/2010/main" val="514268098"/>
+        <p14:creationId xmlns:p14="http://schemas.microsoft.com/office/powerpoint/2010/main" val="3799711009"/>
       </p:ext>
     </p:extLst>
   </p:cSld>
@@ -2866,263 +2304,81 @@
           <a:lstStyle/>
           <a:p>
             <a:r>
-              <a:rPr lang="ko-KR" altLang="en-US" dirty="0"/>
-              <a:t>입력 데이터의 크기</a:t>
-            </a:r>
-            <a:r>
-              <a:rPr lang="en-US" altLang="ko-KR" dirty="0"/>
-              <a:t>(n)</a:t>
-            </a:r>
-            <a:r>
-              <a:rPr lang="ko-KR" altLang="en-US" dirty="0"/>
-              <a:t>가 커질수록 각 알고리즘이 얼마나 빠르게</a:t>
-            </a:r>
-            <a:r>
-              <a:rPr lang="en-US" altLang="ko-KR" dirty="0"/>
-              <a:t>/</a:t>
-            </a:r>
-            <a:r>
-              <a:rPr lang="ko-KR" altLang="en-US" dirty="0"/>
-              <a:t>느리게 실행시간이 증가하는지를 비교한 그래프</a:t>
+              <a:rPr lang="en-US" altLang="ko-KR" dirty="0"/>
+              <a:t>Goto</a:t>
+            </a:r>
+            <a:r>
+              <a:rPr lang="ko-KR" altLang="en-US" dirty="0"/>
+              <a:t>문 </a:t>
+            </a:r>
+            <a:r>
+              <a:rPr lang="en-US" altLang="ko-KR" dirty="0"/>
+              <a:t>: </a:t>
+            </a:r>
+            <a:r>
+              <a:rPr lang="ko-KR" altLang="en-US" dirty="0"/>
+              <a:t>특정 위치로 프로그램의 흐름을 강제로 </a:t>
+            </a:r>
+            <a:r>
+              <a:rPr lang="ko-KR" altLang="en-US" dirty="0" err="1"/>
+              <a:t>점프시키는</a:t>
+            </a:r>
+            <a:r>
+              <a:rPr lang="ko-KR" altLang="en-US" dirty="0"/>
+              <a:t> </a:t>
+            </a:r>
+            <a:r>
+              <a:rPr lang="ko-KR" altLang="en-US" dirty="0" err="1"/>
+              <a:t>제어문</a:t>
             </a:r>
             <a:endParaRPr lang="en-US" altLang="ko-KR" dirty="0"/>
           </a:p>
           <a:p>
-            <a:pPr marL="228600" indent="-228600">
-              <a:buAutoNum type="arabicPeriod"/>
-            </a:pPr>
-            <a:r>
-              <a:rPr lang="ko-KR" altLang="en-US" dirty="0"/>
-              <a:t>상수시간</a:t>
-            </a:r>
             <a:endParaRPr lang="en-US" altLang="ko-KR" dirty="0"/>
           </a:p>
           <a:p>
-            <a:pPr marL="0" indent="0">
-              <a:buNone/>
-            </a:pPr>
+            <a:r>
+              <a:rPr lang="en-US" altLang="ko-KR" dirty="0"/>
+              <a:t>Goto </a:t>
+            </a:r>
+            <a:r>
+              <a:rPr lang="ko-KR" altLang="en-US" dirty="0"/>
+              <a:t>라벨이름</a:t>
+            </a:r>
+            <a:r>
+              <a:rPr lang="en-US" altLang="ko-KR" dirty="0"/>
+              <a:t>;</a:t>
+            </a:r>
+          </a:p>
+          <a:p>
+            <a:r>
+              <a:rPr lang="en-US" altLang="ko-KR" dirty="0"/>
+              <a:t>…</a:t>
+            </a:r>
+          </a:p>
+          <a:p>
+            <a:r>
+              <a:rPr lang="ko-KR" altLang="en-US" dirty="0"/>
+              <a:t>라벨이름</a:t>
+            </a:r>
+            <a:r>
+              <a:rPr lang="en-US" altLang="ko-KR" dirty="0"/>
+              <a:t>:</a:t>
+            </a:r>
+          </a:p>
+          <a:p>
+            <a:endParaRPr lang="en-US" altLang="ko-KR" dirty="0"/>
+          </a:p>
+          <a:p>
             <a:r>
               <a:rPr lang="ko-KR" altLang="en-US" dirty="0" err="1"/>
               <a:t>ㄴ</a:t>
             </a:r>
             <a:r>
               <a:rPr lang="ko-KR" altLang="en-US" dirty="0"/>
-              <a:t> 입력 크기 </a:t>
-            </a:r>
-            <a:r>
-              <a:rPr lang="en-US" altLang="ko-KR" dirty="0"/>
-              <a:t>N</a:t>
-            </a:r>
-            <a:r>
-              <a:rPr lang="ko-KR" altLang="en-US" dirty="0"/>
-              <a:t>과 관계없이 항상 고정된 시간에 처리됨</a:t>
-            </a:r>
-            <a:r>
-              <a:rPr lang="en-US" altLang="ko-KR" dirty="0"/>
-              <a:t>.</a:t>
-            </a:r>
-          </a:p>
-          <a:p>
-            <a:pPr marL="0" indent="0">
-              <a:buNone/>
-            </a:pPr>
+              <a:t> 지정된 라벨로 무조건 이동하는 명령</a:t>
+            </a:r>
             <a:endParaRPr lang="en-US" altLang="ko-KR" dirty="0"/>
-          </a:p>
-          <a:p>
-            <a:pPr marL="0" indent="0">
-              <a:buNone/>
-            </a:pPr>
-            <a:r>
-              <a:rPr lang="en-US" altLang="ko-KR" dirty="0"/>
-              <a:t>2. </a:t>
-            </a:r>
-            <a:r>
-              <a:rPr lang="ko-KR" altLang="en-US" dirty="0"/>
-              <a:t>로그 시간</a:t>
-            </a:r>
-            <a:endParaRPr lang="en-US" altLang="ko-KR" dirty="0"/>
-          </a:p>
-          <a:p>
-            <a:pPr marL="0" indent="0">
-              <a:buNone/>
-            </a:pPr>
-            <a:r>
-              <a:rPr lang="ko-KR" altLang="en-US" dirty="0" err="1"/>
-              <a:t>ㄴ예시</a:t>
-            </a:r>
-            <a:r>
-              <a:rPr lang="en-US" altLang="ko-KR" dirty="0"/>
-              <a:t>) </a:t>
-            </a:r>
-            <a:r>
-              <a:rPr lang="ko-KR" altLang="en-US" dirty="0"/>
-              <a:t>이진 탐색</a:t>
-            </a:r>
-            <a:endParaRPr lang="en-US" altLang="ko-KR" dirty="0"/>
-          </a:p>
-          <a:p>
-            <a:pPr marL="0" indent="0">
-              <a:buNone/>
-            </a:pPr>
-            <a:r>
-              <a:rPr lang="ko-KR" altLang="en-US" dirty="0" err="1"/>
-              <a:t>ㄴ</a:t>
-            </a:r>
-            <a:r>
-              <a:rPr lang="ko-KR" altLang="en-US" dirty="0"/>
-              <a:t> 데이터가 </a:t>
-            </a:r>
-            <a:r>
-              <a:rPr lang="en-US" altLang="ko-KR" dirty="0"/>
-              <a:t>2</a:t>
-            </a:r>
-            <a:r>
-              <a:rPr lang="ko-KR" altLang="en-US" dirty="0"/>
-              <a:t>배로 늘어나도 연산 횟수는 </a:t>
-            </a:r>
-            <a:r>
-              <a:rPr lang="en-US" altLang="ko-KR" dirty="0"/>
-              <a:t>1</a:t>
-            </a:r>
-            <a:r>
-              <a:rPr lang="ko-KR" altLang="en-US" dirty="0"/>
-              <a:t>씩만 증가 </a:t>
-            </a:r>
-            <a:r>
-              <a:rPr lang="en-US" altLang="ko-KR" dirty="0"/>
-              <a:t>-&gt; </a:t>
-            </a:r>
-            <a:r>
-              <a:rPr lang="ko-KR" altLang="en-US" dirty="0"/>
-              <a:t>절반씩 나누는 구조</a:t>
-            </a:r>
-            <a:endParaRPr lang="en-US" altLang="ko-KR" dirty="0"/>
-          </a:p>
-          <a:p>
-            <a:pPr marL="0" indent="0">
-              <a:buNone/>
-            </a:pPr>
-            <a:endParaRPr lang="en-US" altLang="ko-KR" dirty="0"/>
-          </a:p>
-          <a:p>
-            <a:pPr marL="0" indent="0">
-              <a:buNone/>
-            </a:pPr>
-            <a:r>
-              <a:rPr lang="en-US" altLang="ko-KR" dirty="0"/>
-              <a:t>3. </a:t>
-            </a:r>
-            <a:r>
-              <a:rPr lang="ko-KR" altLang="en-US" dirty="0"/>
-              <a:t>준선형 시간</a:t>
-            </a:r>
-            <a:endParaRPr lang="en-US" altLang="ko-KR" dirty="0"/>
-          </a:p>
-          <a:p>
-            <a:pPr marL="0" indent="0">
-              <a:buNone/>
-            </a:pPr>
-            <a:r>
-              <a:rPr lang="ko-KR" altLang="en-US" dirty="0" err="1"/>
-              <a:t>ㄴ</a:t>
-            </a:r>
-            <a:r>
-              <a:rPr lang="ko-KR" altLang="en-US" dirty="0"/>
-              <a:t> 대부분의 고급 정렬 알고리즘이 갖는 시간 복잡도</a:t>
-            </a:r>
-            <a:endParaRPr lang="en-US" altLang="ko-KR" dirty="0"/>
-          </a:p>
-          <a:p>
-            <a:pPr marL="0" indent="0">
-              <a:buNone/>
-            </a:pPr>
-            <a:endParaRPr lang="en-US" altLang="ko-KR" dirty="0"/>
-          </a:p>
-          <a:p>
-            <a:pPr marL="0" indent="0">
-              <a:buNone/>
-            </a:pPr>
-            <a:r>
-              <a:rPr lang="en-US" altLang="ko-KR" dirty="0"/>
-              <a:t>4. </a:t>
-            </a:r>
-            <a:r>
-              <a:rPr lang="ko-KR" altLang="en-US" dirty="0"/>
-              <a:t>이차 시간</a:t>
-            </a:r>
-            <a:endParaRPr lang="en-US" altLang="ko-KR" dirty="0"/>
-          </a:p>
-          <a:p>
-            <a:pPr marL="0" indent="0">
-              <a:buNone/>
-            </a:pPr>
-            <a:r>
-              <a:rPr lang="ko-KR" altLang="en-US" dirty="0"/>
-              <a:t>입력 크기가 커질수록 급격히 느려짐</a:t>
-            </a:r>
-            <a:r>
-              <a:rPr lang="en-US" altLang="ko-KR" dirty="0"/>
-              <a:t>.</a:t>
-            </a:r>
-          </a:p>
-          <a:p>
-            <a:pPr marL="0" indent="0">
-              <a:buNone/>
-            </a:pPr>
-            <a:endParaRPr lang="en-US" altLang="ko-KR" dirty="0"/>
-          </a:p>
-          <a:p>
-            <a:pPr marL="0" indent="0">
-              <a:buNone/>
-            </a:pPr>
-            <a:r>
-              <a:rPr lang="en-US" altLang="ko-KR" dirty="0"/>
-              <a:t>5. </a:t>
-            </a:r>
-            <a:r>
-              <a:rPr lang="ko-KR" altLang="en-US" dirty="0"/>
-              <a:t>지수 시간</a:t>
-            </a:r>
-            <a:endParaRPr lang="en-US" altLang="ko-KR" dirty="0"/>
-          </a:p>
-          <a:p>
-            <a:pPr marL="0" indent="0">
-              <a:buNone/>
-            </a:pPr>
-            <a:r>
-              <a:rPr lang="ko-KR" altLang="en-US" dirty="0" err="1"/>
-              <a:t>ㄴ</a:t>
-            </a:r>
-            <a:r>
-              <a:rPr lang="ko-KR" altLang="en-US" dirty="0"/>
-              <a:t> 예시</a:t>
-            </a:r>
-            <a:r>
-              <a:rPr lang="en-US" altLang="ko-KR" dirty="0"/>
-              <a:t>) </a:t>
-            </a:r>
-            <a:r>
-              <a:rPr lang="ko-KR" altLang="en-US" dirty="0"/>
-              <a:t>재귀적 피보나치 수열</a:t>
-            </a:r>
-            <a:endParaRPr lang="en-US" altLang="ko-KR" dirty="0"/>
-          </a:p>
-          <a:p>
-            <a:pPr marL="0" indent="0">
-              <a:buNone/>
-            </a:pPr>
-            <a:r>
-              <a:rPr lang="ko-KR" altLang="en-US" dirty="0" err="1"/>
-              <a:t>ㄴ</a:t>
-            </a:r>
-            <a:r>
-              <a:rPr lang="ko-KR" altLang="en-US" dirty="0"/>
-              <a:t> 입력 크기가 조금만 커져도 연산 횟수가 기하급수적으로 증가</a:t>
-            </a:r>
-            <a:r>
-              <a:rPr lang="en-US" altLang="ko-KR" dirty="0"/>
-              <a:t>.</a:t>
-            </a:r>
           </a:p>
         </p:txBody>
       </p:sp>
@@ -3143,7 +2399,7 @@
           <a:p>
             <a:fld id="{C09E5BFC-1559-42F1-8940-AB342D56BF02}" type="slidenum">
               <a:rPr lang="ko-KR" altLang="en-US" smtClean="0"/>
-              <a:t>38</a:t>
+              <a:t>36</a:t>
             </a:fld>
             <a:endParaRPr lang="ko-KR" altLang="en-US"/>
           </a:p>
@@ -3152,7 +2408,7 @@
     </p:spTree>
     <p:extLst>
       <p:ext uri="{BB962C8B-B14F-4D97-AF65-F5344CB8AC3E}">
-        <p14:creationId xmlns:p14="http://schemas.microsoft.com/office/powerpoint/2010/main" val="2599045694"/>
+        <p14:creationId xmlns:p14="http://schemas.microsoft.com/office/powerpoint/2010/main" val="4264918260"/>
       </p:ext>
     </p:extLst>
   </p:cSld>
@@ -3206,7 +2462,45 @@
           <a:bodyPr/>
           <a:lstStyle/>
           <a:p>
-            <a:endParaRPr lang="ko-KR" altLang="en-US" dirty="0"/>
+            <a:r>
+              <a:rPr lang="en-US" altLang="ko-KR" dirty="0"/>
+              <a:t>Goto</a:t>
+            </a:r>
+            <a:r>
+              <a:rPr lang="ko-KR" altLang="en-US" dirty="0"/>
+              <a:t>는 일반적으로 </a:t>
+            </a:r>
+            <a:r>
+              <a:rPr lang="en-US" altLang="ko-KR" dirty="0"/>
+              <a:t>switch</a:t>
+            </a:r>
+            <a:r>
+              <a:rPr lang="ko-KR" altLang="en-US" dirty="0"/>
+              <a:t>문 안에서 특정 </a:t>
+            </a:r>
+            <a:r>
+              <a:rPr lang="en-US" altLang="ko-KR" dirty="0"/>
+              <a:t>case</a:t>
+            </a:r>
+            <a:r>
+              <a:rPr lang="ko-KR" altLang="en-US" dirty="0"/>
+              <a:t>로 점프 이동할 때 쓰는 것이 가장 적절</a:t>
+            </a:r>
+            <a:endParaRPr lang="en-US" altLang="ko-KR" dirty="0"/>
+          </a:p>
+          <a:p>
+            <a:r>
+              <a:rPr lang="ko-KR" altLang="en-US" dirty="0"/>
+              <a:t>여러 </a:t>
+            </a:r>
+            <a:r>
+              <a:rPr lang="en-US" altLang="ko-KR" dirty="0"/>
+              <a:t>case</a:t>
+            </a:r>
+            <a:r>
+              <a:rPr lang="ko-KR" altLang="en-US" dirty="0"/>
+              <a:t>가 중복된 코드를 실행해야 할 때</a:t>
+            </a:r>
           </a:p>
         </p:txBody>
       </p:sp>
@@ -3227,7 +2521,7 @@
           <a:p>
             <a:fld id="{C09E5BFC-1559-42F1-8940-AB342D56BF02}" type="slidenum">
               <a:rPr lang="ko-KR" altLang="en-US" smtClean="0"/>
-              <a:t>40</a:t>
+              <a:t>37</a:t>
             </a:fld>
             <a:endParaRPr lang="ko-KR" altLang="en-US"/>
           </a:p>
@@ -3236,7 +2530,7 @@
     </p:spTree>
     <p:extLst>
       <p:ext uri="{BB962C8B-B14F-4D97-AF65-F5344CB8AC3E}">
-        <p14:creationId xmlns:p14="http://schemas.microsoft.com/office/powerpoint/2010/main" val="458695718"/>
+        <p14:creationId xmlns:p14="http://schemas.microsoft.com/office/powerpoint/2010/main" val="1456154604"/>
       </p:ext>
     </p:extLst>
   </p:cSld>
@@ -3251,7 +2545,13 @@
   <p:cSld>
     <p:spTree>
       <p:nvGrpSpPr>
-        <p:cNvPr id="1" name=""/>
+        <p:cNvPr id="1" name="">
+          <a:extLst>
+            <a:ext uri="{FF2B5EF4-FFF2-40B4-BE49-F238E27FC236}">
+              <a16:creationId xmlns:a16="http://schemas.microsoft.com/office/drawing/2014/main" id="{5D46308A-0FBD-664B-18D3-526E31F24675}"/>
+            </a:ext>
+          </a:extLst>
+        </p:cNvPr>
         <p:cNvGrpSpPr/>
         <p:nvPr/>
       </p:nvGrpSpPr>
@@ -3265,7 +2565,13 @@
       </p:grpSpPr>
       <p:sp>
         <p:nvSpPr>
-          <p:cNvPr id="2" name="슬라이드 이미지 개체 틀 1"/>
+          <p:cNvPr id="2" name="슬라이드 이미지 개체 틀 1">
+            <a:extLst>
+              <a:ext uri="{FF2B5EF4-FFF2-40B4-BE49-F238E27FC236}">
+                <a16:creationId xmlns:a16="http://schemas.microsoft.com/office/drawing/2014/main" id="{5F435273-E5EE-E05A-9F47-1BC0B6B27BEB}"/>
+              </a:ext>
+            </a:extLst>
+          </p:cNvPr>
           <p:cNvSpPr>
             <a:spLocks noGrp="1" noRot="1" noChangeAspect="1"/>
           </p:cNvSpPr>
@@ -3277,7 +2583,13 @@
       </p:sp>
       <p:sp>
         <p:nvSpPr>
-          <p:cNvPr id="3" name="슬라이드 노트 개체 틀 2"/>
+          <p:cNvPr id="3" name="슬라이드 노트 개체 틀 2">
+            <a:extLst>
+              <a:ext uri="{FF2B5EF4-FFF2-40B4-BE49-F238E27FC236}">
+                <a16:creationId xmlns:a16="http://schemas.microsoft.com/office/drawing/2014/main" id="{77DCAE61-2BBB-7F49-38DE-65C7B6E9D053}"/>
+              </a:ext>
+            </a:extLst>
+          </p:cNvPr>
           <p:cNvSpPr>
             <a:spLocks noGrp="1"/>
           </p:cNvSpPr>
@@ -3290,248 +2602,19 @@
           <a:bodyPr/>
           <a:lstStyle/>
           <a:p>
-            <a:r>
-              <a:rPr lang="en-US" altLang="ko-KR" dirty="0"/>
-              <a:t>For</a:t>
-            </a:r>
-            <a:r>
-              <a:rPr lang="ko-KR" altLang="en-US" dirty="0"/>
-              <a:t>문과 </a:t>
-            </a:r>
-            <a:r>
-              <a:rPr lang="en-US" altLang="ko-KR" dirty="0"/>
-              <a:t>foreach</a:t>
-            </a:r>
-            <a:r>
-              <a:rPr lang="ko-KR" altLang="en-US" dirty="0"/>
-              <a:t>문 차이</a:t>
-            </a:r>
-            <a:endParaRPr lang="en-US" altLang="ko-KR" dirty="0"/>
-          </a:p>
-          <a:p>
-            <a:pPr marL="171450" indent="-171450">
-              <a:buFontTx/>
-              <a:buChar char="-"/>
-            </a:pPr>
-            <a:r>
-              <a:rPr lang="en-US" altLang="ko-KR" dirty="0"/>
-              <a:t>For</a:t>
-            </a:r>
-            <a:r>
-              <a:rPr lang="ko-KR" altLang="en-US" dirty="0"/>
-              <a:t>문 </a:t>
-            </a:r>
-            <a:r>
-              <a:rPr lang="en-US" altLang="ko-KR" dirty="0"/>
-              <a:t>: </a:t>
-            </a:r>
-            <a:r>
-              <a:rPr lang="ko-KR" altLang="en-US" dirty="0"/>
-              <a:t>보통 몇 번 반복할지 알고 있을 때 사용</a:t>
-            </a:r>
-            <a:endParaRPr lang="en-US" altLang="ko-KR" dirty="0"/>
-          </a:p>
-          <a:p>
-            <a:pPr marL="171450" indent="-171450">
-              <a:buFontTx/>
-              <a:buChar char="-"/>
-            </a:pPr>
-            <a:r>
-              <a:rPr lang="en-US" altLang="ko-KR" dirty="0"/>
-              <a:t>Foreach</a:t>
-            </a:r>
-            <a:r>
-              <a:rPr lang="ko-KR" altLang="en-US" dirty="0"/>
-              <a:t>문 </a:t>
-            </a:r>
-            <a:r>
-              <a:rPr lang="en-US" altLang="ko-KR" dirty="0"/>
-              <a:t>: </a:t>
-            </a:r>
-            <a:r>
-              <a:rPr lang="ko-KR" altLang="en-US" dirty="0"/>
-              <a:t>몇 번 반복할지 몰라도 컬렉션의 크기만큼 자동으로 반복해줌</a:t>
-            </a:r>
-            <a:r>
-              <a:rPr lang="en-US" altLang="ko-KR" dirty="0"/>
-              <a:t>.</a:t>
-            </a:r>
-          </a:p>
-          <a:p>
-            <a:pPr marL="171450" indent="-171450">
-              <a:buFontTx/>
-              <a:buChar char="-"/>
-            </a:pPr>
-            <a:endParaRPr lang="en-US" altLang="ko-KR" dirty="0"/>
-          </a:p>
-          <a:p>
-            <a:pPr marL="0" indent="0">
-              <a:buFontTx/>
-              <a:buNone/>
-            </a:pPr>
-            <a:r>
-              <a:rPr lang="en-US" altLang="ko-KR" dirty="0"/>
-              <a:t>*</a:t>
-            </a:r>
-            <a:r>
-              <a:rPr lang="ko-KR" altLang="en-US" dirty="0"/>
-              <a:t>컬렉션</a:t>
-            </a:r>
-            <a:r>
-              <a:rPr lang="en-US" altLang="ko-KR" dirty="0"/>
-              <a:t>*</a:t>
-            </a:r>
-          </a:p>
-          <a:p>
-            <a:pPr marL="0" indent="0">
-              <a:buFontTx/>
-              <a:buNone/>
-            </a:pPr>
-            <a:r>
-              <a:rPr lang="en-US" altLang="ko-KR" dirty="0"/>
-              <a:t>= </a:t>
-            </a:r>
-            <a:r>
-              <a:rPr lang="ko-KR" altLang="en-US" dirty="0"/>
-              <a:t>여러 개의 데이터를 하나로 묶어서 관리하는 자료 구조를 말함</a:t>
-            </a:r>
-            <a:r>
-              <a:rPr lang="en-US" altLang="ko-KR" dirty="0"/>
-              <a:t>. == </a:t>
-            </a:r>
-            <a:r>
-              <a:rPr lang="ko-KR" altLang="en-US" dirty="0"/>
-              <a:t>데이터들의 모음</a:t>
-            </a:r>
-            <a:r>
-              <a:rPr lang="en-US" altLang="ko-KR" dirty="0"/>
-              <a:t>.</a:t>
-            </a:r>
-          </a:p>
-          <a:p>
-            <a:pPr marL="0" indent="0">
-              <a:buFontTx/>
-              <a:buNone/>
-            </a:pPr>
-            <a:endParaRPr lang="en-US" altLang="ko-KR" dirty="0"/>
-          </a:p>
-          <a:p>
-            <a:pPr marL="0" indent="0">
-              <a:buFontTx/>
-              <a:buNone/>
-            </a:pPr>
-            <a:r>
-              <a:rPr lang="en-US" altLang="ko-KR" dirty="0"/>
-              <a:t>*foreach</a:t>
-            </a:r>
-            <a:r>
-              <a:rPr lang="ko-KR" altLang="en-US" dirty="0"/>
-              <a:t> 사용법</a:t>
-            </a:r>
-            <a:r>
-              <a:rPr lang="en-US" altLang="ko-KR" dirty="0"/>
-              <a:t>*</a:t>
-            </a:r>
-          </a:p>
-          <a:p>
-            <a:pPr marL="0" indent="0">
-              <a:buFontTx/>
-              <a:buNone/>
-            </a:pPr>
-            <a:r>
-              <a:rPr lang="en-US" altLang="ko-KR" dirty="0"/>
-              <a:t>Foreach (</a:t>
-            </a:r>
-            <a:r>
-              <a:rPr lang="ko-KR" altLang="en-US" dirty="0"/>
-              <a:t>자료형 </a:t>
-            </a:r>
-            <a:r>
-              <a:rPr lang="ko-KR" altLang="en-US" dirty="0" err="1"/>
-              <a:t>변수명</a:t>
-            </a:r>
-            <a:r>
-              <a:rPr lang="ko-KR" altLang="en-US" dirty="0"/>
-              <a:t> </a:t>
-            </a:r>
-            <a:r>
-              <a:rPr lang="en-US" altLang="ko-KR" dirty="0"/>
-              <a:t>in </a:t>
-            </a:r>
-            <a:r>
-              <a:rPr lang="ko-KR" altLang="en-US" dirty="0"/>
-              <a:t>컬렉션</a:t>
-            </a:r>
-            <a:r>
-              <a:rPr lang="en-US" altLang="ko-KR" dirty="0"/>
-              <a:t>) </a:t>
-            </a:r>
-            <a:br>
-              <a:rPr lang="en-US" altLang="ko-KR" dirty="0"/>
-            </a:br>
-            <a:r>
-              <a:rPr lang="en-US" altLang="ko-KR" dirty="0"/>
-              <a:t>{ </a:t>
-            </a:r>
-            <a:r>
-              <a:rPr lang="ko-KR" altLang="en-US" dirty="0"/>
-              <a:t>코드 내용 </a:t>
-            </a:r>
-            <a:r>
-              <a:rPr lang="en-US" altLang="ko-KR" dirty="0"/>
-              <a:t>}</a:t>
-            </a:r>
-          </a:p>
-          <a:p>
-            <a:pPr marL="0" indent="0">
-              <a:buFontTx/>
-              <a:buNone/>
-            </a:pPr>
-            <a:endParaRPr lang="en-US" altLang="ko-KR" dirty="0"/>
-          </a:p>
-          <a:p>
-            <a:pPr marL="0" indent="0">
-              <a:buFontTx/>
-              <a:buNone/>
-            </a:pPr>
-            <a:r>
-              <a:rPr lang="ko-KR" altLang="en-US" dirty="0"/>
-              <a:t>자료형</a:t>
-            </a:r>
-            <a:r>
-              <a:rPr lang="en-US" altLang="ko-KR" dirty="0"/>
-              <a:t>: </a:t>
-            </a:r>
-            <a:r>
-              <a:rPr lang="ko-KR" altLang="en-US" dirty="0"/>
-              <a:t>컬렉션 안에 들어있는 요소의 데이터 타입</a:t>
-            </a:r>
-            <a:endParaRPr lang="en-US" altLang="ko-KR" dirty="0"/>
-          </a:p>
-          <a:p>
-            <a:pPr marL="0" indent="0">
-              <a:buFontTx/>
-              <a:buNone/>
-            </a:pPr>
-            <a:r>
-              <a:rPr lang="ko-KR" altLang="en-US" dirty="0" err="1"/>
-              <a:t>변수명</a:t>
-            </a:r>
-            <a:r>
-              <a:rPr lang="en-US" altLang="ko-KR" dirty="0"/>
-              <a:t>: </a:t>
-            </a:r>
-            <a:r>
-              <a:rPr lang="ko-KR" altLang="en-US" dirty="0"/>
-              <a:t>꺼낸 요소를 담는 이름</a:t>
-            </a:r>
-            <a:endParaRPr lang="en-US" altLang="ko-KR" dirty="0"/>
-          </a:p>
-        </p:txBody>
-      </p:sp>
-      <p:sp>
-        <p:nvSpPr>
-          <p:cNvPr id="4" name="슬라이드 번호 개체 틀 3"/>
+            <a:endParaRPr lang="ko-KR" altLang="en-US" dirty="0"/>
+          </a:p>
+        </p:txBody>
+      </p:sp>
+      <p:sp>
+        <p:nvSpPr>
+          <p:cNvPr id="4" name="슬라이드 번호 개체 틀 3">
+            <a:extLst>
+              <a:ext uri="{FF2B5EF4-FFF2-40B4-BE49-F238E27FC236}">
+                <a16:creationId xmlns:a16="http://schemas.microsoft.com/office/drawing/2014/main" id="{52BC3DD7-EF92-9B52-87D1-B1707A99862D}"/>
+              </a:ext>
+            </a:extLst>
+          </p:cNvPr>
           <p:cNvSpPr>
             <a:spLocks noGrp="1"/>
           </p:cNvSpPr>
@@ -3546,7 +2629,7 @@
           <a:p>
             <a:fld id="{C09E5BFC-1559-42F1-8940-AB342D56BF02}" type="slidenum">
               <a:rPr lang="ko-KR" altLang="en-US" smtClean="0"/>
-              <a:t>41</a:t>
+              <a:t>39</a:t>
             </a:fld>
             <a:endParaRPr lang="ko-KR" altLang="en-US"/>
           </a:p>
@@ -3555,7 +2638,7 @@
     </p:spTree>
     <p:extLst>
       <p:ext uri="{BB962C8B-B14F-4D97-AF65-F5344CB8AC3E}">
-        <p14:creationId xmlns:p14="http://schemas.microsoft.com/office/powerpoint/2010/main" val="4124922040"/>
+        <p14:creationId xmlns:p14="http://schemas.microsoft.com/office/powerpoint/2010/main" val="2126352399"/>
       </p:ext>
     </p:extLst>
   </p:cSld>
@@ -3609,6 +2692,501 @@
           <a:bodyPr/>
           <a:lstStyle/>
           <a:p>
+            <a:r>
+              <a:rPr lang="en-US" altLang="ko-KR" dirty="0"/>
+              <a:t>*Big-O </a:t>
+            </a:r>
+            <a:r>
+              <a:rPr lang="ko-KR" altLang="en-US" dirty="0"/>
+              <a:t>표기법</a:t>
+            </a:r>
+            <a:endParaRPr lang="en-US" altLang="ko-KR" dirty="0"/>
+          </a:p>
+          <a:p>
+            <a:r>
+              <a:rPr lang="en-US" altLang="ko-KR" dirty="0"/>
+              <a:t>: </a:t>
+            </a:r>
+            <a:r>
+              <a:rPr lang="ko-KR" altLang="en-US" dirty="0"/>
+              <a:t>이 코드가 얼마나 빨리 실행되는지를 수학적으로 표현하는 방법</a:t>
+            </a:r>
+            <a:r>
+              <a:rPr lang="en-US" altLang="ko-KR" dirty="0"/>
+              <a:t>.</a:t>
+            </a:r>
+          </a:p>
+          <a:p>
+            <a:r>
+              <a:rPr lang="en-US" altLang="ko-KR" dirty="0"/>
+              <a:t>: </a:t>
+            </a:r>
+            <a:r>
+              <a:rPr lang="ko-KR" altLang="en-US" dirty="0"/>
+              <a:t>알고리즘이 </a:t>
+            </a:r>
+            <a:r>
+              <a:rPr lang="en-US" altLang="ko-KR" dirty="0"/>
+              <a:t>“</a:t>
+            </a:r>
+            <a:r>
+              <a:rPr lang="ko-KR" altLang="en-US" dirty="0"/>
+              <a:t>입력 크기 </a:t>
+            </a:r>
+            <a:r>
+              <a:rPr lang="en-US" altLang="ko-KR" dirty="0"/>
+              <a:t>N</a:t>
+            </a:r>
+            <a:r>
+              <a:rPr lang="ko-KR" altLang="en-US" dirty="0"/>
+              <a:t>에 따라 얼마나 많은 작업을 수행하는가</a:t>
+            </a:r>
+            <a:r>
+              <a:rPr lang="en-US" altLang="ko-KR" dirty="0"/>
+              <a:t>?”</a:t>
+            </a:r>
+            <a:r>
+              <a:rPr lang="ko-KR" altLang="en-US" dirty="0"/>
+              <a:t>를 나타내는 시간 복잡도 표기법</a:t>
+            </a:r>
+            <a:endParaRPr lang="en-US" altLang="ko-KR" dirty="0"/>
+          </a:p>
+          <a:p>
+            <a:r>
+              <a:rPr lang="ko-KR" altLang="en-US" dirty="0" err="1"/>
+              <a:t>ㄴ</a:t>
+            </a:r>
+            <a:r>
+              <a:rPr lang="ko-KR" altLang="en-US" dirty="0"/>
+              <a:t> 프로그래밍에서 성능을 판단할 때 꼭 필요한 개념</a:t>
+            </a:r>
+            <a:endParaRPr lang="en-US" altLang="ko-KR" dirty="0"/>
+          </a:p>
+          <a:p>
+            <a:r>
+              <a:rPr lang="ko-KR" altLang="en-US" dirty="0" err="1"/>
+              <a:t>ㄴ</a:t>
+            </a:r>
+            <a:r>
+              <a:rPr lang="ko-KR" altLang="en-US" dirty="0"/>
+              <a:t> 실행 시간을 </a:t>
+            </a:r>
+            <a:r>
+              <a:rPr lang="en-US" altLang="ko-KR" dirty="0"/>
+              <a:t>“</a:t>
+            </a:r>
+            <a:r>
+              <a:rPr lang="ko-KR" altLang="en-US" dirty="0"/>
+              <a:t>정확한 시간</a:t>
+            </a:r>
+            <a:r>
+              <a:rPr lang="en-US" altLang="ko-KR" dirty="0"/>
+              <a:t>＂</a:t>
+            </a:r>
+            <a:r>
+              <a:rPr lang="ko-KR" altLang="en-US" dirty="0"/>
+              <a:t>이 아니라 </a:t>
+            </a:r>
+            <a:r>
+              <a:rPr lang="en-US" altLang="ko-KR" dirty="0"/>
+              <a:t>‘</a:t>
+            </a:r>
+            <a:r>
+              <a:rPr lang="ko-KR" altLang="en-US" dirty="0"/>
+              <a:t>성장 속도</a:t>
+            </a:r>
+            <a:r>
+              <a:rPr lang="en-US" altLang="ko-KR" dirty="0"/>
+              <a:t>’</a:t>
+            </a:r>
+            <a:r>
+              <a:rPr lang="ko-KR" altLang="en-US" dirty="0"/>
+              <a:t>로 표현함</a:t>
+            </a:r>
+            <a:r>
+              <a:rPr lang="en-US" altLang="ko-KR" dirty="0"/>
+              <a:t>.</a:t>
+            </a:r>
+          </a:p>
+          <a:p>
+            <a:endParaRPr lang="en-US" altLang="ko-KR" dirty="0"/>
+          </a:p>
+          <a:p>
+            <a:r>
+              <a:rPr lang="en-US" altLang="ko-KR" dirty="0"/>
+              <a:t>*</a:t>
+            </a:r>
+            <a:r>
+              <a:rPr lang="ko-KR" altLang="en-US" dirty="0"/>
+              <a:t>시간 복잡도</a:t>
+            </a:r>
+            <a:endParaRPr lang="en-US" altLang="ko-KR" dirty="0"/>
+          </a:p>
+          <a:p>
+            <a:r>
+              <a:rPr lang="en-US" altLang="ko-KR" dirty="0"/>
+              <a:t>: </a:t>
+            </a:r>
+            <a:r>
+              <a:rPr lang="ko-KR" altLang="en-US" dirty="0"/>
+              <a:t>실행 시간</a:t>
+            </a:r>
+            <a:endParaRPr lang="en-US" altLang="ko-KR" dirty="0"/>
+          </a:p>
+          <a:p>
+            <a:endParaRPr lang="en-US" altLang="ko-KR" dirty="0"/>
+          </a:p>
+          <a:p>
+            <a:r>
+              <a:rPr lang="en-US" altLang="ko-KR" dirty="0"/>
+              <a:t>*</a:t>
+            </a:r>
+            <a:r>
+              <a:rPr lang="ko-KR" altLang="en-US" dirty="0"/>
+              <a:t>공간 복잡도</a:t>
+            </a:r>
+            <a:endParaRPr lang="en-US" altLang="ko-KR" dirty="0"/>
+          </a:p>
+          <a:p>
+            <a:r>
+              <a:rPr lang="en-US" altLang="ko-KR" dirty="0"/>
+              <a:t>: </a:t>
+            </a:r>
+            <a:r>
+              <a:rPr lang="ko-KR" altLang="en-US" dirty="0"/>
+              <a:t>필요한 메모리 크기</a:t>
+            </a:r>
+            <a:endParaRPr lang="en-US" altLang="ko-KR" dirty="0"/>
+          </a:p>
+          <a:p>
+            <a:endParaRPr lang="en-US" altLang="ko-KR" dirty="0"/>
+          </a:p>
+          <a:p>
+            <a:r>
+              <a:rPr lang="ko-KR" altLang="en-US" dirty="0"/>
+              <a:t>반복문은 대표적인 </a:t>
+            </a:r>
+            <a:r>
+              <a:rPr lang="ko-KR" altLang="en-US" dirty="0" err="1"/>
+              <a:t>시간복잡도</a:t>
+            </a:r>
+            <a:r>
+              <a:rPr lang="ko-KR" altLang="en-US" dirty="0"/>
+              <a:t> 요소</a:t>
+            </a:r>
+            <a:r>
+              <a:rPr lang="en-US" altLang="ko-KR" dirty="0"/>
+              <a:t>!</a:t>
+            </a:r>
+          </a:p>
+          <a:p>
+            <a:r>
+              <a:rPr lang="en-US" altLang="ko-KR" dirty="0"/>
+              <a:t>For : O(n)</a:t>
+            </a:r>
+          </a:p>
+          <a:p>
+            <a:r>
+              <a:rPr lang="ko-KR" altLang="en-US" dirty="0"/>
+              <a:t>이중 </a:t>
+            </a:r>
+            <a:r>
+              <a:rPr lang="en-US" altLang="ko-KR" dirty="0"/>
+              <a:t>for</a:t>
+            </a:r>
+            <a:r>
+              <a:rPr lang="ko-KR" altLang="en-US" dirty="0"/>
+              <a:t>문 </a:t>
+            </a:r>
+            <a:r>
+              <a:rPr lang="en-US" altLang="ko-KR" dirty="0"/>
+              <a:t>: O(n^2)</a:t>
+            </a:r>
+          </a:p>
+          <a:p>
+            <a:br>
+              <a:rPr lang="en-US" altLang="ko-KR" dirty="0"/>
+            </a:br>
+            <a:r>
+              <a:rPr lang="en-US" altLang="ko-KR" dirty="0">
+                <a:sym typeface="Wingdings" panose="05000000000000000000" pitchFamily="2" charset="2"/>
+              </a:rPr>
+              <a:t> (2) Big-O</a:t>
+            </a:r>
+            <a:r>
+              <a:rPr lang="ko-KR" altLang="en-US" dirty="0">
+                <a:sym typeface="Wingdings" panose="05000000000000000000" pitchFamily="2" charset="2"/>
+              </a:rPr>
+              <a:t>는 일반적으로 </a:t>
+            </a:r>
+            <a:r>
+              <a:rPr lang="en-US" altLang="ko-KR" dirty="0">
+                <a:sym typeface="Wingdings" panose="05000000000000000000" pitchFamily="2" charset="2"/>
+              </a:rPr>
+              <a:t>“</a:t>
+            </a:r>
+            <a:r>
+              <a:rPr lang="ko-KR" altLang="en-US" dirty="0">
+                <a:sym typeface="Wingdings" panose="05000000000000000000" pitchFamily="2" charset="2"/>
+              </a:rPr>
+              <a:t>가장 오래 걸릴 때</a:t>
+            </a:r>
+            <a:r>
+              <a:rPr lang="en-US" altLang="ko-KR" dirty="0">
+                <a:sym typeface="Wingdings" panose="05000000000000000000" pitchFamily="2" charset="2"/>
+              </a:rPr>
+              <a:t>(</a:t>
+            </a:r>
+            <a:r>
+              <a:rPr lang="ko-KR" altLang="en-US" dirty="0">
+                <a:sym typeface="Wingdings" panose="05000000000000000000" pitchFamily="2" charset="2"/>
+              </a:rPr>
+              <a:t>최악의 경우</a:t>
+            </a:r>
+            <a:r>
+              <a:rPr lang="en-US" altLang="ko-KR" dirty="0">
+                <a:sym typeface="Wingdings" panose="05000000000000000000" pitchFamily="2" charset="2"/>
+              </a:rPr>
+              <a:t>)”</a:t>
+            </a:r>
+            <a:r>
+              <a:rPr lang="ko-KR" altLang="en-US" dirty="0">
+                <a:sym typeface="Wingdings" panose="05000000000000000000" pitchFamily="2" charset="2"/>
+              </a:rPr>
+              <a:t>를 기준으로 계산함</a:t>
+            </a:r>
+            <a:r>
+              <a:rPr lang="en-US" altLang="ko-KR" dirty="0">
+                <a:sym typeface="Wingdings" panose="05000000000000000000" pitchFamily="2" charset="2"/>
+              </a:rPr>
+              <a:t>.</a:t>
+            </a:r>
+          </a:p>
+          <a:p>
+            <a:r>
+              <a:rPr lang="en-US" altLang="ko-KR" dirty="0">
+                <a:sym typeface="Wingdings" panose="05000000000000000000" pitchFamily="2" charset="2"/>
+              </a:rPr>
+              <a:t>Ex) </a:t>
+            </a:r>
+            <a:r>
+              <a:rPr lang="ko-KR" altLang="en-US" dirty="0">
+                <a:sym typeface="Wingdings" panose="05000000000000000000" pitchFamily="2" charset="2"/>
+              </a:rPr>
+              <a:t>정렬 알고리즘에서 이미 정렬된 경우는 빠르지만</a:t>
+            </a:r>
+            <a:r>
+              <a:rPr lang="en-US" altLang="ko-KR" dirty="0">
+                <a:sym typeface="Wingdings" panose="05000000000000000000" pitchFamily="2" charset="2"/>
+              </a:rPr>
+              <a:t>, </a:t>
+            </a:r>
+            <a:r>
+              <a:rPr lang="ko-KR" altLang="en-US" dirty="0">
+                <a:sym typeface="Wingdings" panose="05000000000000000000" pitchFamily="2" charset="2"/>
+              </a:rPr>
+              <a:t>우리는 정렬이 안되어 있을 때를 기준으로 시간 복잡도를 평가함</a:t>
+            </a:r>
+            <a:r>
+              <a:rPr lang="en-US" altLang="ko-KR" dirty="0">
+                <a:sym typeface="Wingdings" panose="05000000000000000000" pitchFamily="2" charset="2"/>
+              </a:rPr>
+              <a:t>.</a:t>
+            </a:r>
+          </a:p>
+          <a:p>
+            <a:pPr marL="171450" indent="-171450">
+              <a:buFont typeface="Wingdings" panose="05000000000000000000" pitchFamily="2" charset="2"/>
+              <a:buChar char="è"/>
+            </a:pPr>
+            <a:r>
+              <a:rPr lang="en-US" altLang="ko-KR" dirty="0">
+                <a:sym typeface="Wingdings" panose="05000000000000000000" pitchFamily="2" charset="2"/>
+              </a:rPr>
+              <a:t>(3) N</a:t>
+            </a:r>
+            <a:r>
+              <a:rPr lang="ko-KR" altLang="en-US" dirty="0">
+                <a:sym typeface="Wingdings" panose="05000000000000000000" pitchFamily="2" charset="2"/>
+              </a:rPr>
+              <a:t>이 커질 수록 상수는 성능에 미치는 영향이 미미해지기 때문</a:t>
+            </a:r>
+            <a:r>
+              <a:rPr lang="en-US" altLang="ko-KR" dirty="0">
+                <a:sym typeface="Wingdings" panose="05000000000000000000" pitchFamily="2" charset="2"/>
+              </a:rPr>
+              <a:t>.</a:t>
+            </a:r>
+          </a:p>
+          <a:p>
+            <a:pPr marL="0" indent="0">
+              <a:buFont typeface="Wingdings" panose="05000000000000000000" pitchFamily="2" charset="2"/>
+              <a:buNone/>
+            </a:pPr>
+            <a:r>
+              <a:rPr lang="en-US" altLang="ko-KR" dirty="0">
+                <a:sym typeface="Wingdings" panose="05000000000000000000" pitchFamily="2" charset="2"/>
+              </a:rPr>
+              <a:t>Ex) O(7N)</a:t>
+            </a:r>
+            <a:r>
+              <a:rPr lang="ko-KR" altLang="en-US" dirty="0">
+                <a:sym typeface="Wingdings" panose="05000000000000000000" pitchFamily="2" charset="2"/>
+              </a:rPr>
+              <a:t>은 실제로는 </a:t>
+            </a:r>
+            <a:r>
+              <a:rPr lang="en-US" altLang="ko-KR" dirty="0">
+                <a:sym typeface="Wingdings" panose="05000000000000000000" pitchFamily="2" charset="2"/>
+              </a:rPr>
+              <a:t>7N</a:t>
+            </a:r>
+            <a:r>
+              <a:rPr lang="ko-KR" altLang="en-US" dirty="0">
+                <a:sym typeface="Wingdings" panose="05000000000000000000" pitchFamily="2" charset="2"/>
+              </a:rPr>
+              <a:t>만큼 반복하지만</a:t>
+            </a:r>
+            <a:r>
+              <a:rPr lang="en-US" altLang="ko-KR" dirty="0">
+                <a:sym typeface="Wingdings" panose="05000000000000000000" pitchFamily="2" charset="2"/>
+              </a:rPr>
+              <a:t>, </a:t>
+            </a:r>
+            <a:r>
+              <a:rPr lang="ko-KR" altLang="en-US" dirty="0">
+                <a:sym typeface="Wingdings" panose="05000000000000000000" pitchFamily="2" charset="2"/>
+              </a:rPr>
+              <a:t>성장속도로 보면 </a:t>
+            </a:r>
+            <a:r>
+              <a:rPr lang="en-US" altLang="ko-KR" dirty="0">
+                <a:sym typeface="Wingdings" panose="05000000000000000000" pitchFamily="2" charset="2"/>
+              </a:rPr>
+              <a:t>N</a:t>
+            </a:r>
+            <a:r>
+              <a:rPr lang="ko-KR" altLang="en-US" dirty="0">
+                <a:sym typeface="Wingdings" panose="05000000000000000000" pitchFamily="2" charset="2"/>
+              </a:rPr>
+              <a:t>과 동일하다고 간주</a:t>
+            </a:r>
+            <a:r>
+              <a:rPr lang="en-US" altLang="ko-KR" dirty="0">
+                <a:sym typeface="Wingdings" panose="05000000000000000000" pitchFamily="2" charset="2"/>
+              </a:rPr>
+              <a:t>.</a:t>
+            </a:r>
+          </a:p>
+          <a:p>
+            <a:pPr marL="171450" indent="-171450">
+              <a:buFont typeface="Wingdings" panose="05000000000000000000" pitchFamily="2" charset="2"/>
+              <a:buChar char="è"/>
+            </a:pPr>
+            <a:r>
+              <a:rPr lang="en-US" altLang="ko-KR" dirty="0">
+                <a:sym typeface="Wingdings" panose="05000000000000000000" pitchFamily="2" charset="2"/>
+              </a:rPr>
+              <a:t>(4) </a:t>
+            </a:r>
+            <a:r>
+              <a:rPr lang="ko-KR" altLang="en-US" dirty="0" err="1">
+                <a:sym typeface="Wingdings" panose="05000000000000000000" pitchFamily="2" charset="2"/>
+              </a:rPr>
+              <a:t>입력값이</a:t>
+            </a:r>
+            <a:r>
+              <a:rPr lang="en-US" altLang="ko-KR" dirty="0">
+                <a:sym typeface="Wingdings" panose="05000000000000000000" pitchFamily="2" charset="2"/>
+              </a:rPr>
+              <a:t> </a:t>
+            </a:r>
+            <a:r>
+              <a:rPr lang="ko-KR" altLang="en-US" dirty="0">
+                <a:sym typeface="Wingdings" panose="05000000000000000000" pitchFamily="2" charset="2"/>
+              </a:rPr>
+              <a:t>커질수록 </a:t>
+            </a:r>
+            <a:r>
+              <a:rPr lang="en-US" altLang="ko-KR" dirty="0">
+                <a:sym typeface="Wingdings" panose="05000000000000000000" pitchFamily="2" charset="2"/>
+              </a:rPr>
+              <a:t>n^3</a:t>
+            </a:r>
+            <a:r>
+              <a:rPr lang="ko-KR" altLang="en-US" dirty="0">
+                <a:sym typeface="Wingdings" panose="05000000000000000000" pitchFamily="2" charset="2"/>
+              </a:rPr>
+              <a:t>항이 전체 실행 시간에 가장 큰 영향을 주기 때문</a:t>
+            </a:r>
+            <a:r>
+              <a:rPr lang="en-US" altLang="ko-KR" dirty="0">
+                <a:sym typeface="Wingdings" panose="05000000000000000000" pitchFamily="2" charset="2"/>
+              </a:rPr>
+              <a:t>.</a:t>
+            </a:r>
+          </a:p>
+          <a:p>
+            <a:pPr marL="0" indent="0">
+              <a:buFont typeface="Wingdings" panose="05000000000000000000" pitchFamily="2" charset="2"/>
+              <a:buNone/>
+            </a:pPr>
+            <a:r>
+              <a:rPr lang="en-US" altLang="ko-KR" dirty="0"/>
+              <a:t>Ex) n = 10 </a:t>
+            </a:r>
+            <a:r>
+              <a:rPr lang="ko-KR" altLang="en-US" dirty="0"/>
+              <a:t>이라</a:t>
+            </a:r>
+            <a:r>
+              <a:rPr lang="en-US" altLang="ko-KR" dirty="0"/>
+              <a:t> </a:t>
+            </a:r>
+            <a:r>
+              <a:rPr lang="ko-KR" altLang="en-US" dirty="0"/>
+              <a:t>가정</a:t>
+            </a:r>
+            <a:r>
+              <a:rPr lang="en-US" altLang="ko-KR" dirty="0"/>
+              <a:t>, N=10 </a:t>
+            </a:r>
+            <a:r>
+              <a:rPr lang="en-US" altLang="ko-KR" dirty="0">
+                <a:sym typeface="Wingdings" panose="05000000000000000000" pitchFamily="2" charset="2"/>
+              </a:rPr>
+              <a:t> N^3 = 1000, N^2 = 100, N=10</a:t>
+            </a:r>
+          </a:p>
+          <a:p>
+            <a:pPr marL="0" indent="0">
+              <a:buFont typeface="Wingdings" panose="05000000000000000000" pitchFamily="2" charset="2"/>
+              <a:buNone/>
+            </a:pPr>
+            <a:r>
+              <a:rPr lang="en-US" altLang="ko-KR" dirty="0">
+                <a:sym typeface="Wingdings" panose="05000000000000000000" pitchFamily="2" charset="2"/>
+              </a:rPr>
+              <a:t>- </a:t>
+            </a:r>
+            <a:r>
+              <a:rPr lang="ko-KR" altLang="en-US" dirty="0">
+                <a:sym typeface="Wingdings" panose="05000000000000000000" pitchFamily="2" charset="2"/>
+              </a:rPr>
+              <a:t>나머지는 거의 무시해도 될 만큼 </a:t>
+            </a:r>
+            <a:r>
+              <a:rPr lang="ko-KR" altLang="en-US" dirty="0" err="1">
+                <a:sym typeface="Wingdings" panose="05000000000000000000" pitchFamily="2" charset="2"/>
+              </a:rPr>
+              <a:t>작아짐</a:t>
+            </a:r>
+            <a:r>
+              <a:rPr lang="en-US" altLang="ko-KR" dirty="0">
+                <a:sym typeface="Wingdings" panose="05000000000000000000" pitchFamily="2" charset="2"/>
+              </a:rPr>
+              <a:t>.</a:t>
+            </a:r>
             <a:endParaRPr lang="ko-KR" altLang="en-US" dirty="0"/>
           </a:p>
         </p:txBody>
@@ -3630,7 +3208,7 @@
           <a:p>
             <a:fld id="{C09E5BFC-1559-42F1-8940-AB342D56BF02}" type="slidenum">
               <a:rPr lang="ko-KR" altLang="en-US" smtClean="0"/>
-              <a:t>42</a:t>
+              <a:t>41</a:t>
             </a:fld>
             <a:endParaRPr lang="ko-KR" altLang="en-US"/>
           </a:p>
@@ -3639,7 +3217,7 @@
     </p:spTree>
     <p:extLst>
       <p:ext uri="{BB962C8B-B14F-4D97-AF65-F5344CB8AC3E}">
-        <p14:creationId xmlns:p14="http://schemas.microsoft.com/office/powerpoint/2010/main" val="1137311958"/>
+        <p14:creationId xmlns:p14="http://schemas.microsoft.com/office/powerpoint/2010/main" val="514268098"/>
       </p:ext>
     </p:extLst>
   </p:cSld>
@@ -3693,7 +3271,264 @@
           <a:bodyPr/>
           <a:lstStyle/>
           <a:p>
-            <a:endParaRPr lang="ko-KR" altLang="en-US" dirty="0"/>
+            <a:r>
+              <a:rPr lang="ko-KR" altLang="en-US" dirty="0"/>
+              <a:t>입력 데이터의 크기</a:t>
+            </a:r>
+            <a:r>
+              <a:rPr lang="en-US" altLang="ko-KR" dirty="0"/>
+              <a:t>(n)</a:t>
+            </a:r>
+            <a:r>
+              <a:rPr lang="ko-KR" altLang="en-US" dirty="0"/>
+              <a:t>가 커질수록 각 알고리즘이 얼마나 빠르게</a:t>
+            </a:r>
+            <a:r>
+              <a:rPr lang="en-US" altLang="ko-KR" dirty="0"/>
+              <a:t>/</a:t>
+            </a:r>
+            <a:r>
+              <a:rPr lang="ko-KR" altLang="en-US" dirty="0"/>
+              <a:t>느리게 실행시간이 증가하는지를 비교한 그래프</a:t>
+            </a:r>
+            <a:endParaRPr lang="en-US" altLang="ko-KR" dirty="0"/>
+          </a:p>
+          <a:p>
+            <a:pPr marL="228600" indent="-228600">
+              <a:buAutoNum type="arabicPeriod"/>
+            </a:pPr>
+            <a:r>
+              <a:rPr lang="ko-KR" altLang="en-US" dirty="0"/>
+              <a:t>상수시간</a:t>
+            </a:r>
+            <a:endParaRPr lang="en-US" altLang="ko-KR" dirty="0"/>
+          </a:p>
+          <a:p>
+            <a:pPr marL="0" indent="0">
+              <a:buNone/>
+            </a:pPr>
+            <a:r>
+              <a:rPr lang="ko-KR" altLang="en-US" dirty="0" err="1"/>
+              <a:t>ㄴ</a:t>
+            </a:r>
+            <a:r>
+              <a:rPr lang="ko-KR" altLang="en-US" dirty="0"/>
+              <a:t> 입력 크기 </a:t>
+            </a:r>
+            <a:r>
+              <a:rPr lang="en-US" altLang="ko-KR" dirty="0"/>
+              <a:t>N</a:t>
+            </a:r>
+            <a:r>
+              <a:rPr lang="ko-KR" altLang="en-US" dirty="0"/>
+              <a:t>과 관계없이 항상 고정된 시간에 처리됨</a:t>
+            </a:r>
+            <a:r>
+              <a:rPr lang="en-US" altLang="ko-KR" dirty="0"/>
+              <a:t>.</a:t>
+            </a:r>
+          </a:p>
+          <a:p>
+            <a:pPr marL="0" indent="0">
+              <a:buNone/>
+            </a:pPr>
+            <a:endParaRPr lang="en-US" altLang="ko-KR" dirty="0"/>
+          </a:p>
+          <a:p>
+            <a:pPr marL="0" indent="0">
+              <a:buNone/>
+            </a:pPr>
+            <a:r>
+              <a:rPr lang="en-US" altLang="ko-KR" dirty="0"/>
+              <a:t>2. </a:t>
+            </a:r>
+            <a:r>
+              <a:rPr lang="ko-KR" altLang="en-US" dirty="0"/>
+              <a:t>로그 시간</a:t>
+            </a:r>
+            <a:endParaRPr lang="en-US" altLang="ko-KR" dirty="0"/>
+          </a:p>
+          <a:p>
+            <a:pPr marL="0" indent="0">
+              <a:buNone/>
+            </a:pPr>
+            <a:r>
+              <a:rPr lang="ko-KR" altLang="en-US" dirty="0" err="1"/>
+              <a:t>ㄴ예시</a:t>
+            </a:r>
+            <a:r>
+              <a:rPr lang="en-US" altLang="ko-KR" dirty="0"/>
+              <a:t>) </a:t>
+            </a:r>
+            <a:r>
+              <a:rPr lang="ko-KR" altLang="en-US" dirty="0"/>
+              <a:t>이진 탐색</a:t>
+            </a:r>
+            <a:endParaRPr lang="en-US" altLang="ko-KR" dirty="0"/>
+          </a:p>
+          <a:p>
+            <a:pPr marL="0" indent="0">
+              <a:buNone/>
+            </a:pPr>
+            <a:r>
+              <a:rPr lang="ko-KR" altLang="en-US" dirty="0" err="1"/>
+              <a:t>ㄴ</a:t>
+            </a:r>
+            <a:r>
+              <a:rPr lang="ko-KR" altLang="en-US" dirty="0"/>
+              <a:t> 데이터가 </a:t>
+            </a:r>
+            <a:r>
+              <a:rPr lang="en-US" altLang="ko-KR" dirty="0"/>
+              <a:t>2</a:t>
+            </a:r>
+            <a:r>
+              <a:rPr lang="ko-KR" altLang="en-US" dirty="0"/>
+              <a:t>배로 늘어나도 연산 횟수는 </a:t>
+            </a:r>
+            <a:r>
+              <a:rPr lang="en-US" altLang="ko-KR" dirty="0"/>
+              <a:t>1</a:t>
+            </a:r>
+            <a:r>
+              <a:rPr lang="ko-KR" altLang="en-US" dirty="0"/>
+              <a:t>씩만 증가 </a:t>
+            </a:r>
+            <a:r>
+              <a:rPr lang="en-US" altLang="ko-KR" dirty="0"/>
+              <a:t>-&gt; </a:t>
+            </a:r>
+            <a:r>
+              <a:rPr lang="ko-KR" altLang="en-US" dirty="0"/>
+              <a:t>절반씩 나누는 구조</a:t>
+            </a:r>
+            <a:endParaRPr lang="en-US" altLang="ko-KR" dirty="0"/>
+          </a:p>
+          <a:p>
+            <a:pPr marL="0" indent="0">
+              <a:buNone/>
+            </a:pPr>
+            <a:endParaRPr lang="en-US" altLang="ko-KR" dirty="0"/>
+          </a:p>
+          <a:p>
+            <a:pPr marL="0" indent="0">
+              <a:buNone/>
+            </a:pPr>
+            <a:r>
+              <a:rPr lang="en-US" altLang="ko-KR" dirty="0"/>
+              <a:t>3. </a:t>
+            </a:r>
+            <a:r>
+              <a:rPr lang="ko-KR" altLang="en-US" dirty="0"/>
+              <a:t>준선형 시간</a:t>
+            </a:r>
+            <a:endParaRPr lang="en-US" altLang="ko-KR" dirty="0"/>
+          </a:p>
+          <a:p>
+            <a:pPr marL="0" indent="0">
+              <a:buNone/>
+            </a:pPr>
+            <a:r>
+              <a:rPr lang="ko-KR" altLang="en-US" dirty="0" err="1"/>
+              <a:t>ㄴ</a:t>
+            </a:r>
+            <a:r>
+              <a:rPr lang="ko-KR" altLang="en-US" dirty="0"/>
+              <a:t> 대부분의 고급 정렬 알고리즘이 갖는 시간 복잡도</a:t>
+            </a:r>
+            <a:endParaRPr lang="en-US" altLang="ko-KR" dirty="0"/>
+          </a:p>
+          <a:p>
+            <a:pPr marL="0" indent="0">
+              <a:buNone/>
+            </a:pPr>
+            <a:endParaRPr lang="en-US" altLang="ko-KR" dirty="0"/>
+          </a:p>
+          <a:p>
+            <a:pPr marL="0" indent="0">
+              <a:buNone/>
+            </a:pPr>
+            <a:r>
+              <a:rPr lang="en-US" altLang="ko-KR" dirty="0"/>
+              <a:t>4. </a:t>
+            </a:r>
+            <a:r>
+              <a:rPr lang="ko-KR" altLang="en-US" dirty="0"/>
+              <a:t>이차 시간</a:t>
+            </a:r>
+            <a:endParaRPr lang="en-US" altLang="ko-KR" dirty="0"/>
+          </a:p>
+          <a:p>
+            <a:pPr marL="0" indent="0">
+              <a:buNone/>
+            </a:pPr>
+            <a:r>
+              <a:rPr lang="ko-KR" altLang="en-US" dirty="0"/>
+              <a:t>입력 크기가 커질수록 급격히 느려짐</a:t>
+            </a:r>
+            <a:r>
+              <a:rPr lang="en-US" altLang="ko-KR" dirty="0"/>
+              <a:t>.</a:t>
+            </a:r>
+          </a:p>
+          <a:p>
+            <a:pPr marL="0" indent="0">
+              <a:buNone/>
+            </a:pPr>
+            <a:endParaRPr lang="en-US" altLang="ko-KR" dirty="0"/>
+          </a:p>
+          <a:p>
+            <a:pPr marL="0" indent="0">
+              <a:buNone/>
+            </a:pPr>
+            <a:r>
+              <a:rPr lang="en-US" altLang="ko-KR" dirty="0"/>
+              <a:t>5. </a:t>
+            </a:r>
+            <a:r>
+              <a:rPr lang="ko-KR" altLang="en-US" dirty="0"/>
+              <a:t>지수 시간</a:t>
+            </a:r>
+            <a:endParaRPr lang="en-US" altLang="ko-KR" dirty="0"/>
+          </a:p>
+          <a:p>
+            <a:pPr marL="0" indent="0">
+              <a:buNone/>
+            </a:pPr>
+            <a:r>
+              <a:rPr lang="ko-KR" altLang="en-US" dirty="0" err="1"/>
+              <a:t>ㄴ</a:t>
+            </a:r>
+            <a:r>
+              <a:rPr lang="ko-KR" altLang="en-US" dirty="0"/>
+              <a:t> 예시</a:t>
+            </a:r>
+            <a:r>
+              <a:rPr lang="en-US" altLang="ko-KR" dirty="0"/>
+              <a:t>) </a:t>
+            </a:r>
+            <a:r>
+              <a:rPr lang="ko-KR" altLang="en-US" dirty="0"/>
+              <a:t>재귀적 피보나치 수열</a:t>
+            </a:r>
+            <a:endParaRPr lang="en-US" altLang="ko-KR" dirty="0"/>
+          </a:p>
+          <a:p>
+            <a:pPr marL="0" indent="0">
+              <a:buNone/>
+            </a:pPr>
+            <a:r>
+              <a:rPr lang="ko-KR" altLang="en-US" dirty="0" err="1"/>
+              <a:t>ㄴ</a:t>
+            </a:r>
+            <a:r>
+              <a:rPr lang="ko-KR" altLang="en-US" dirty="0"/>
+              <a:t> 입력 크기가 조금만 커져도 연산 횟수가 기하급수적으로 증가</a:t>
+            </a:r>
+            <a:r>
+              <a:rPr lang="en-US" altLang="ko-KR" dirty="0"/>
+              <a:t>.</a:t>
+            </a:r>
           </a:p>
         </p:txBody>
       </p:sp>
@@ -3714,7 +3549,7 @@
           <a:p>
             <a:fld id="{C09E5BFC-1559-42F1-8940-AB342D56BF02}" type="slidenum">
               <a:rPr lang="ko-KR" altLang="en-US" smtClean="0"/>
-              <a:t>44</a:t>
+              <a:t>42</a:t>
             </a:fld>
             <a:endParaRPr lang="ko-KR" altLang="en-US"/>
           </a:p>
@@ -3723,7 +3558,7 @@
     </p:spTree>
     <p:extLst>
       <p:ext uri="{BB962C8B-B14F-4D97-AF65-F5344CB8AC3E}">
-        <p14:creationId xmlns:p14="http://schemas.microsoft.com/office/powerpoint/2010/main" val="1266101058"/>
+        <p14:creationId xmlns:p14="http://schemas.microsoft.com/office/powerpoint/2010/main" val="2599045694"/>
       </p:ext>
     </p:extLst>
   </p:cSld>
@@ -3885,7 +3720,7 @@
           <a:p>
             <a:fld id="{C09E5BFC-1559-42F1-8940-AB342D56BF02}" type="slidenum">
               <a:rPr lang="ko-KR" altLang="en-US" smtClean="0"/>
-              <a:t>45</a:t>
+              <a:t>44</a:t>
             </a:fld>
             <a:endParaRPr lang="ko-KR" altLang="en-US"/>
           </a:p>
@@ -3894,7 +3729,7 @@
     </p:spTree>
     <p:extLst>
       <p:ext uri="{BB962C8B-B14F-4D97-AF65-F5344CB8AC3E}">
-        <p14:creationId xmlns:p14="http://schemas.microsoft.com/office/powerpoint/2010/main" val="2540806148"/>
+        <p14:creationId xmlns:p14="http://schemas.microsoft.com/office/powerpoint/2010/main" val="458695718"/>
       </p:ext>
     </p:extLst>
   </p:cSld>
@@ -3948,6 +3783,325 @@
           <a:bodyPr/>
           <a:lstStyle/>
           <a:p>
+            <a:r>
+              <a:rPr lang="en-US" altLang="ko-KR" dirty="0"/>
+              <a:t>For</a:t>
+            </a:r>
+            <a:r>
+              <a:rPr lang="ko-KR" altLang="en-US" dirty="0"/>
+              <a:t>문과 </a:t>
+            </a:r>
+            <a:r>
+              <a:rPr lang="en-US" altLang="ko-KR" dirty="0"/>
+              <a:t>foreach</a:t>
+            </a:r>
+            <a:r>
+              <a:rPr lang="ko-KR" altLang="en-US" dirty="0"/>
+              <a:t>문 차이</a:t>
+            </a:r>
+            <a:endParaRPr lang="en-US" altLang="ko-KR" dirty="0"/>
+          </a:p>
+          <a:p>
+            <a:pPr marL="171450" indent="-171450">
+              <a:buFontTx/>
+              <a:buChar char="-"/>
+            </a:pPr>
+            <a:r>
+              <a:rPr lang="en-US" altLang="ko-KR" dirty="0"/>
+              <a:t>For</a:t>
+            </a:r>
+            <a:r>
+              <a:rPr lang="ko-KR" altLang="en-US" dirty="0"/>
+              <a:t>문 </a:t>
+            </a:r>
+            <a:r>
+              <a:rPr lang="en-US" altLang="ko-KR" dirty="0"/>
+              <a:t>: </a:t>
+            </a:r>
+            <a:r>
+              <a:rPr lang="ko-KR" altLang="en-US" dirty="0"/>
+              <a:t>보통 몇 번 반복할지 알고 있을 때 사용</a:t>
+            </a:r>
+            <a:endParaRPr lang="en-US" altLang="ko-KR" dirty="0"/>
+          </a:p>
+          <a:p>
+            <a:pPr marL="171450" indent="-171450">
+              <a:buFontTx/>
+              <a:buChar char="-"/>
+            </a:pPr>
+            <a:r>
+              <a:rPr lang="en-US" altLang="ko-KR" dirty="0"/>
+              <a:t>Foreach</a:t>
+            </a:r>
+            <a:r>
+              <a:rPr lang="ko-KR" altLang="en-US" dirty="0"/>
+              <a:t>문 </a:t>
+            </a:r>
+            <a:r>
+              <a:rPr lang="en-US" altLang="ko-KR" dirty="0"/>
+              <a:t>: </a:t>
+            </a:r>
+            <a:r>
+              <a:rPr lang="ko-KR" altLang="en-US" dirty="0"/>
+              <a:t>몇 번 반복할지 몰라도 컬렉션의 크기만큼 자동으로 반복해줌</a:t>
+            </a:r>
+            <a:r>
+              <a:rPr lang="en-US" altLang="ko-KR" dirty="0"/>
+              <a:t>.</a:t>
+            </a:r>
+          </a:p>
+          <a:p>
+            <a:pPr marL="171450" indent="-171450">
+              <a:buFontTx/>
+              <a:buChar char="-"/>
+            </a:pPr>
+            <a:endParaRPr lang="en-US" altLang="ko-KR" dirty="0"/>
+          </a:p>
+          <a:p>
+            <a:pPr marL="0" indent="0">
+              <a:buFontTx/>
+              <a:buNone/>
+            </a:pPr>
+            <a:r>
+              <a:rPr lang="en-US" altLang="ko-KR" dirty="0"/>
+              <a:t>*</a:t>
+            </a:r>
+            <a:r>
+              <a:rPr lang="ko-KR" altLang="en-US" dirty="0"/>
+              <a:t>컬렉션</a:t>
+            </a:r>
+            <a:r>
+              <a:rPr lang="en-US" altLang="ko-KR" dirty="0"/>
+              <a:t>*</a:t>
+            </a:r>
+          </a:p>
+          <a:p>
+            <a:pPr marL="0" indent="0">
+              <a:buFontTx/>
+              <a:buNone/>
+            </a:pPr>
+            <a:r>
+              <a:rPr lang="en-US" altLang="ko-KR" dirty="0"/>
+              <a:t>= </a:t>
+            </a:r>
+            <a:r>
+              <a:rPr lang="ko-KR" altLang="en-US" dirty="0"/>
+              <a:t>여러 개의 데이터를 하나로 묶어서 관리하는 자료 구조를 말함</a:t>
+            </a:r>
+            <a:r>
+              <a:rPr lang="en-US" altLang="ko-KR" dirty="0"/>
+              <a:t>. == </a:t>
+            </a:r>
+            <a:r>
+              <a:rPr lang="ko-KR" altLang="en-US" dirty="0"/>
+              <a:t>데이터들의 모음</a:t>
+            </a:r>
+            <a:r>
+              <a:rPr lang="en-US" altLang="ko-KR" dirty="0"/>
+              <a:t>.</a:t>
+            </a:r>
+          </a:p>
+          <a:p>
+            <a:pPr marL="0" indent="0">
+              <a:buFontTx/>
+              <a:buNone/>
+            </a:pPr>
+            <a:endParaRPr lang="en-US" altLang="ko-KR" dirty="0"/>
+          </a:p>
+          <a:p>
+            <a:pPr marL="0" indent="0">
+              <a:buFontTx/>
+              <a:buNone/>
+            </a:pPr>
+            <a:r>
+              <a:rPr lang="en-US" altLang="ko-KR" dirty="0"/>
+              <a:t>*foreach</a:t>
+            </a:r>
+            <a:r>
+              <a:rPr lang="ko-KR" altLang="en-US" dirty="0"/>
+              <a:t> 사용법</a:t>
+            </a:r>
+            <a:r>
+              <a:rPr lang="en-US" altLang="ko-KR" dirty="0"/>
+              <a:t>*</a:t>
+            </a:r>
+          </a:p>
+          <a:p>
+            <a:pPr marL="0" indent="0">
+              <a:buFontTx/>
+              <a:buNone/>
+            </a:pPr>
+            <a:r>
+              <a:rPr lang="en-US" altLang="ko-KR" dirty="0"/>
+              <a:t>Foreach (</a:t>
+            </a:r>
+            <a:r>
+              <a:rPr lang="ko-KR" altLang="en-US" dirty="0"/>
+              <a:t>자료형 </a:t>
+            </a:r>
+            <a:r>
+              <a:rPr lang="ko-KR" altLang="en-US" dirty="0" err="1"/>
+              <a:t>변수명</a:t>
+            </a:r>
+            <a:r>
+              <a:rPr lang="ko-KR" altLang="en-US" dirty="0"/>
+              <a:t> </a:t>
+            </a:r>
+            <a:r>
+              <a:rPr lang="en-US" altLang="ko-KR" dirty="0"/>
+              <a:t>in </a:t>
+            </a:r>
+            <a:r>
+              <a:rPr lang="ko-KR" altLang="en-US" dirty="0"/>
+              <a:t>컬렉션</a:t>
+            </a:r>
+            <a:r>
+              <a:rPr lang="en-US" altLang="ko-KR" dirty="0"/>
+              <a:t>) </a:t>
+            </a:r>
+            <a:br>
+              <a:rPr lang="en-US" altLang="ko-KR" dirty="0"/>
+            </a:br>
+            <a:r>
+              <a:rPr lang="en-US" altLang="ko-KR" dirty="0"/>
+              <a:t>{ </a:t>
+            </a:r>
+            <a:r>
+              <a:rPr lang="ko-KR" altLang="en-US" dirty="0"/>
+              <a:t>코드 내용 </a:t>
+            </a:r>
+            <a:r>
+              <a:rPr lang="en-US" altLang="ko-KR" dirty="0"/>
+              <a:t>}</a:t>
+            </a:r>
+          </a:p>
+          <a:p>
+            <a:pPr marL="0" indent="0">
+              <a:buFontTx/>
+              <a:buNone/>
+            </a:pPr>
+            <a:endParaRPr lang="en-US" altLang="ko-KR" dirty="0"/>
+          </a:p>
+          <a:p>
+            <a:pPr marL="0" indent="0">
+              <a:buFontTx/>
+              <a:buNone/>
+            </a:pPr>
+            <a:r>
+              <a:rPr lang="ko-KR" altLang="en-US" dirty="0"/>
+              <a:t>자료형</a:t>
+            </a:r>
+            <a:r>
+              <a:rPr lang="en-US" altLang="ko-KR" dirty="0"/>
+              <a:t>: </a:t>
+            </a:r>
+            <a:r>
+              <a:rPr lang="ko-KR" altLang="en-US" dirty="0"/>
+              <a:t>컬렉션 안에 들어있는 요소의 데이터 타입</a:t>
+            </a:r>
+            <a:endParaRPr lang="en-US" altLang="ko-KR" dirty="0"/>
+          </a:p>
+          <a:p>
+            <a:pPr marL="0" indent="0">
+              <a:buFontTx/>
+              <a:buNone/>
+            </a:pPr>
+            <a:r>
+              <a:rPr lang="ko-KR" altLang="en-US" dirty="0" err="1"/>
+              <a:t>변수명</a:t>
+            </a:r>
+            <a:r>
+              <a:rPr lang="en-US" altLang="ko-KR" dirty="0"/>
+              <a:t>: </a:t>
+            </a:r>
+            <a:r>
+              <a:rPr lang="ko-KR" altLang="en-US" dirty="0"/>
+              <a:t>꺼낸 요소를 담는 이름</a:t>
+            </a:r>
+            <a:endParaRPr lang="en-US" altLang="ko-KR" dirty="0"/>
+          </a:p>
+        </p:txBody>
+      </p:sp>
+      <p:sp>
+        <p:nvSpPr>
+          <p:cNvPr id="4" name="슬라이드 번호 개체 틀 3"/>
+          <p:cNvSpPr>
+            <a:spLocks noGrp="1"/>
+          </p:cNvSpPr>
+          <p:nvPr>
+            <p:ph type="sldNum" sz="quarter" idx="5"/>
+          </p:nvPr>
+        </p:nvSpPr>
+        <p:spPr/>
+        <p:txBody>
+          <a:bodyPr/>
+          <a:lstStyle/>
+          <a:p>
+            <a:fld id="{C09E5BFC-1559-42F1-8940-AB342D56BF02}" type="slidenum">
+              <a:rPr lang="ko-KR" altLang="en-US" smtClean="0"/>
+              <a:t>45</a:t>
+            </a:fld>
+            <a:endParaRPr lang="ko-KR" altLang="en-US"/>
+          </a:p>
+        </p:txBody>
+      </p:sp>
+    </p:spTree>
+    <p:extLst>
+      <p:ext uri="{BB962C8B-B14F-4D97-AF65-F5344CB8AC3E}">
+        <p14:creationId xmlns:p14="http://schemas.microsoft.com/office/powerpoint/2010/main" val="4124922040"/>
+      </p:ext>
+    </p:extLst>
+  </p:cSld>
+  <p:clrMapOvr>
+    <a:masterClrMapping/>
+  </p:clrMapOvr>
+</p:notes>
+</file>
+
+<file path=ppt/notesSlides/notesSlide32.xml><?xml version="1.0" encoding="utf-8"?>
+<p:notes xmlns:a="http://schemas.openxmlformats.org/drawingml/2006/main" xmlns:r="http://schemas.openxmlformats.org/officeDocument/2006/relationships" xmlns:p="http://schemas.openxmlformats.org/presentationml/2006/main">
+  <p:cSld>
+    <p:spTree>
+      <p:nvGrpSpPr>
+        <p:cNvPr id="1" name=""/>
+        <p:cNvGrpSpPr/>
+        <p:nvPr/>
+      </p:nvGrpSpPr>
+      <p:grpSpPr>
+        <a:xfrm>
+          <a:off x="0" y="0"/>
+          <a:ext cx="0" cy="0"/>
+          <a:chOff x="0" y="0"/>
+          <a:chExt cx="0" cy="0"/>
+        </a:xfrm>
+      </p:grpSpPr>
+      <p:sp>
+        <p:nvSpPr>
+          <p:cNvPr id="2" name="슬라이드 이미지 개체 틀 1"/>
+          <p:cNvSpPr>
+            <a:spLocks noGrp="1" noRot="1" noChangeAspect="1"/>
+          </p:cNvSpPr>
+          <p:nvPr>
+            <p:ph type="sldImg"/>
+          </p:nvPr>
+        </p:nvSpPr>
+        <p:spPr/>
+      </p:sp>
+      <p:sp>
+        <p:nvSpPr>
+          <p:cNvPr id="3" name="슬라이드 노트 개체 틀 2"/>
+          <p:cNvSpPr>
+            <a:spLocks noGrp="1"/>
+          </p:cNvSpPr>
+          <p:nvPr>
+            <p:ph type="body" idx="1"/>
+          </p:nvPr>
+        </p:nvSpPr>
+        <p:spPr/>
+        <p:txBody>
+          <a:bodyPr/>
+          <a:lstStyle/>
+          <a:p>
             <a:endParaRPr lang="ko-KR" altLang="en-US" dirty="0"/>
           </a:p>
         </p:txBody>
@@ -3978,7 +4132,175 @@
     </p:spTree>
     <p:extLst>
       <p:ext uri="{BB962C8B-B14F-4D97-AF65-F5344CB8AC3E}">
-        <p14:creationId xmlns:p14="http://schemas.microsoft.com/office/powerpoint/2010/main" val="2494379195"/>
+        <p14:creationId xmlns:p14="http://schemas.microsoft.com/office/powerpoint/2010/main" val="1137311958"/>
+      </p:ext>
+    </p:extLst>
+  </p:cSld>
+  <p:clrMapOvr>
+    <a:masterClrMapping/>
+  </p:clrMapOvr>
+</p:notes>
+</file>
+
+<file path=ppt/notesSlides/notesSlide33.xml><?xml version="1.0" encoding="utf-8"?>
+<p:notes xmlns:a="http://schemas.openxmlformats.org/drawingml/2006/main" xmlns:r="http://schemas.openxmlformats.org/officeDocument/2006/relationships" xmlns:p="http://schemas.openxmlformats.org/presentationml/2006/main">
+  <p:cSld>
+    <p:spTree>
+      <p:nvGrpSpPr>
+        <p:cNvPr id="1" name=""/>
+        <p:cNvGrpSpPr/>
+        <p:nvPr/>
+      </p:nvGrpSpPr>
+      <p:grpSpPr>
+        <a:xfrm>
+          <a:off x="0" y="0"/>
+          <a:ext cx="0" cy="0"/>
+          <a:chOff x="0" y="0"/>
+          <a:chExt cx="0" cy="0"/>
+        </a:xfrm>
+      </p:grpSpPr>
+      <p:sp>
+        <p:nvSpPr>
+          <p:cNvPr id="2" name="슬라이드 이미지 개체 틀 1"/>
+          <p:cNvSpPr>
+            <a:spLocks noGrp="1" noRot="1" noChangeAspect="1"/>
+          </p:cNvSpPr>
+          <p:nvPr>
+            <p:ph type="sldImg"/>
+          </p:nvPr>
+        </p:nvSpPr>
+        <p:spPr/>
+      </p:sp>
+      <p:sp>
+        <p:nvSpPr>
+          <p:cNvPr id="3" name="슬라이드 노트 개체 틀 2"/>
+          <p:cNvSpPr>
+            <a:spLocks noGrp="1"/>
+          </p:cNvSpPr>
+          <p:nvPr>
+            <p:ph type="body" idx="1"/>
+          </p:nvPr>
+        </p:nvSpPr>
+        <p:spPr/>
+        <p:txBody>
+          <a:bodyPr/>
+          <a:lstStyle/>
+          <a:p>
+            <a:endParaRPr lang="ko-KR" altLang="en-US" dirty="0"/>
+          </a:p>
+        </p:txBody>
+      </p:sp>
+      <p:sp>
+        <p:nvSpPr>
+          <p:cNvPr id="4" name="슬라이드 번호 개체 틀 3"/>
+          <p:cNvSpPr>
+            <a:spLocks noGrp="1"/>
+          </p:cNvSpPr>
+          <p:nvPr>
+            <p:ph type="sldNum" sz="quarter" idx="5"/>
+          </p:nvPr>
+        </p:nvSpPr>
+        <p:spPr/>
+        <p:txBody>
+          <a:bodyPr/>
+          <a:lstStyle/>
+          <a:p>
+            <a:fld id="{C09E5BFC-1559-42F1-8940-AB342D56BF02}" type="slidenum">
+              <a:rPr lang="ko-KR" altLang="en-US" smtClean="0"/>
+              <a:t>48</a:t>
+            </a:fld>
+            <a:endParaRPr lang="ko-KR" altLang="en-US"/>
+          </a:p>
+        </p:txBody>
+      </p:sp>
+    </p:spTree>
+    <p:extLst>
+      <p:ext uri="{BB962C8B-B14F-4D97-AF65-F5344CB8AC3E}">
+        <p14:creationId xmlns:p14="http://schemas.microsoft.com/office/powerpoint/2010/main" val="1266101058"/>
+      </p:ext>
+    </p:extLst>
+  </p:cSld>
+  <p:clrMapOvr>
+    <a:masterClrMapping/>
+  </p:clrMapOvr>
+</p:notes>
+</file>
+
+<file path=ppt/notesSlides/notesSlide34.xml><?xml version="1.0" encoding="utf-8"?>
+<p:notes xmlns:a="http://schemas.openxmlformats.org/drawingml/2006/main" xmlns:r="http://schemas.openxmlformats.org/officeDocument/2006/relationships" xmlns:p="http://schemas.openxmlformats.org/presentationml/2006/main">
+  <p:cSld>
+    <p:spTree>
+      <p:nvGrpSpPr>
+        <p:cNvPr id="1" name=""/>
+        <p:cNvGrpSpPr/>
+        <p:nvPr/>
+      </p:nvGrpSpPr>
+      <p:grpSpPr>
+        <a:xfrm>
+          <a:off x="0" y="0"/>
+          <a:ext cx="0" cy="0"/>
+          <a:chOff x="0" y="0"/>
+          <a:chExt cx="0" cy="0"/>
+        </a:xfrm>
+      </p:grpSpPr>
+      <p:sp>
+        <p:nvSpPr>
+          <p:cNvPr id="2" name="슬라이드 이미지 개체 틀 1"/>
+          <p:cNvSpPr>
+            <a:spLocks noGrp="1" noRot="1" noChangeAspect="1"/>
+          </p:cNvSpPr>
+          <p:nvPr>
+            <p:ph type="sldImg"/>
+          </p:nvPr>
+        </p:nvSpPr>
+        <p:spPr/>
+      </p:sp>
+      <p:sp>
+        <p:nvSpPr>
+          <p:cNvPr id="3" name="슬라이드 노트 개체 틀 2"/>
+          <p:cNvSpPr>
+            <a:spLocks noGrp="1"/>
+          </p:cNvSpPr>
+          <p:nvPr>
+            <p:ph type="body" idx="1"/>
+          </p:nvPr>
+        </p:nvSpPr>
+        <p:spPr/>
+        <p:txBody>
+          <a:bodyPr/>
+          <a:lstStyle/>
+          <a:p>
+            <a:endParaRPr lang="ko-KR" altLang="en-US" dirty="0"/>
+          </a:p>
+        </p:txBody>
+      </p:sp>
+      <p:sp>
+        <p:nvSpPr>
+          <p:cNvPr id="4" name="슬라이드 번호 개체 틀 3"/>
+          <p:cNvSpPr>
+            <a:spLocks noGrp="1"/>
+          </p:cNvSpPr>
+          <p:nvPr>
+            <p:ph type="sldNum" sz="quarter" idx="5"/>
+          </p:nvPr>
+        </p:nvSpPr>
+        <p:spPr/>
+        <p:txBody>
+          <a:bodyPr/>
+          <a:lstStyle/>
+          <a:p>
+            <a:fld id="{C09E5BFC-1559-42F1-8940-AB342D56BF02}" type="slidenum">
+              <a:rPr lang="ko-KR" altLang="en-US" smtClean="0"/>
+              <a:t>49</a:t>
+            </a:fld>
+            <a:endParaRPr lang="ko-KR" altLang="en-US"/>
+          </a:p>
+        </p:txBody>
+      </p:sp>
+    </p:spTree>
+    <p:extLst>
+      <p:ext uri="{BB962C8B-B14F-4D97-AF65-F5344CB8AC3E}">
+        <p14:creationId xmlns:p14="http://schemas.microsoft.com/office/powerpoint/2010/main" val="2540806148"/>
       </p:ext>
     </p:extLst>
   </p:cSld>
@@ -13791,14 +14113,6 @@
   <p:clrMapOvr>
     <a:masterClrMapping/>
   </p:clrMapOvr>
-  <mc:AlternateContent xmlns:mc="http://schemas.openxmlformats.org/markup-compatibility/2006">
-    <mc:Choice xmlns:p14="http://schemas.microsoft.com/office/powerpoint/2010/main" Requires="p14">
-      <p:transition spd="slow" p14:dur="2000"/>
-    </mc:Choice>
-    <mc:Fallback>
-      <p:transition spd="slow"/>
-    </mc:Fallback>
-  </mc:AlternateContent>
 </p:sld>
 </file>
 
@@ -14832,10 +15146,6 @@
             <a:r>
               <a:rPr lang="ko-KR" altLang="en-US" dirty="0"/>
               <a:t> 위 함수 내부에 작성한</a:t>
-            </a:r>
-            <a:r>
-              <a:rPr lang="en-US" altLang="ko-KR" dirty="0"/>
-              <a:t/>
             </a:r>
             <a:br>
               <a:rPr lang="en-US" altLang="ko-KR" dirty="0"/>
@@ -15952,7 +16262,7 @@
           </a:p>
           <a:p>
             <a:r>
-              <a:rPr lang="en-US" altLang="ko-KR" dirty="0" smtClean="0">
+              <a:rPr lang="en-US" altLang="ko-KR" dirty="0">
                 <a:solidFill>
                   <a:srgbClr val="7030A0"/>
                 </a:solidFill>
@@ -15960,12 +16270,8 @@
               <a:t>default</a:t>
             </a:r>
             <a:r>
-              <a:rPr lang="en-US" altLang="ko-KR" dirty="0" smtClean="0"/>
-              <a:t> </a:t>
-            </a:r>
-            <a:r>
-              <a:rPr lang="en-US" altLang="ko-KR" dirty="0"/>
-              <a:t>:</a:t>
+              <a:rPr lang="en-US" altLang="ko-KR" dirty="0"/>
+              <a:t> :</a:t>
             </a:r>
           </a:p>
           <a:p>
@@ -17538,6 +17844,394 @@
   <p:cSld>
     <p:spTree>
       <p:nvGrpSpPr>
+        <p:cNvPr id="1" name="">
+          <a:extLst>
+            <a:ext uri="{FF2B5EF4-FFF2-40B4-BE49-F238E27FC236}">
+              <a16:creationId xmlns:a16="http://schemas.microsoft.com/office/drawing/2014/main" id="{61E84C4B-CD1A-C83C-0124-3CE70E2A6984}"/>
+            </a:ext>
+          </a:extLst>
+        </p:cNvPr>
+        <p:cNvGrpSpPr/>
+        <p:nvPr/>
+      </p:nvGrpSpPr>
+      <p:grpSpPr>
+        <a:xfrm>
+          <a:off x="0" y="0"/>
+          <a:ext cx="0" cy="0"/>
+          <a:chOff x="0" y="0"/>
+          <a:chExt cx="0" cy="0"/>
+        </a:xfrm>
+      </p:grpSpPr>
+      <p:sp>
+        <p:nvSpPr>
+          <p:cNvPr id="2" name="제목 1">
+            <a:extLst>
+              <a:ext uri="{FF2B5EF4-FFF2-40B4-BE49-F238E27FC236}">
+                <a16:creationId xmlns:a16="http://schemas.microsoft.com/office/drawing/2014/main" id="{F1F4946D-7778-44F2-2D7C-8AD1A8BD17CB}"/>
+              </a:ext>
+            </a:extLst>
+          </p:cNvPr>
+          <p:cNvSpPr>
+            <a:spLocks noGrp="1"/>
+          </p:cNvSpPr>
+          <p:nvPr>
+            <p:ph type="title"/>
+          </p:nvPr>
+        </p:nvSpPr>
+        <p:spPr/>
+        <p:txBody>
+          <a:bodyPr/>
+          <a:lstStyle/>
+          <a:p>
+            <a:r>
+              <a:rPr lang="ko-KR" altLang="en-US" dirty="0">
+                <a:solidFill>
+                  <a:srgbClr val="00B050"/>
+                </a:solidFill>
+              </a:rPr>
+              <a:t>실습</a:t>
+            </a:r>
+            <a:r>
+              <a:rPr lang="en-US" altLang="ko-KR" dirty="0">
+                <a:solidFill>
+                  <a:srgbClr val="00B050"/>
+                </a:solidFill>
+              </a:rPr>
+              <a:t>. Enum + if </a:t>
+            </a:r>
+            <a:r>
+              <a:rPr lang="ko-KR" altLang="en-US" dirty="0">
+                <a:solidFill>
+                  <a:srgbClr val="00B050"/>
+                </a:solidFill>
+              </a:rPr>
+              <a:t>문</a:t>
+            </a:r>
+          </a:p>
+        </p:txBody>
+      </p:sp>
+      <p:sp>
+        <p:nvSpPr>
+          <p:cNvPr id="3" name="내용 개체 틀 2">
+            <a:extLst>
+              <a:ext uri="{FF2B5EF4-FFF2-40B4-BE49-F238E27FC236}">
+                <a16:creationId xmlns:a16="http://schemas.microsoft.com/office/drawing/2014/main" id="{E5FE1D27-C197-050A-F5C9-BABCAFDFA719}"/>
+              </a:ext>
+            </a:extLst>
+          </p:cNvPr>
+          <p:cNvSpPr>
+            <a:spLocks noGrp="1"/>
+          </p:cNvSpPr>
+          <p:nvPr>
+            <p:ph idx="1"/>
+          </p:nvPr>
+        </p:nvSpPr>
+        <p:spPr/>
+        <p:txBody>
+          <a:bodyPr>
+            <a:normAutofit/>
+          </a:bodyPr>
+          <a:lstStyle/>
+          <a:p>
+            <a:r>
+              <a:rPr lang="ko-KR" altLang="en-US" dirty="0"/>
+              <a:t>가위바위보 게임</a:t>
+            </a:r>
+            <a:endParaRPr lang="en-US" altLang="ko-KR" dirty="0"/>
+          </a:p>
+          <a:p>
+            <a:pPr marL="514350" indent="-514350">
+              <a:buFont typeface="+mj-lt"/>
+              <a:buAutoNum type="arabicPeriod"/>
+            </a:pPr>
+            <a:r>
+              <a:rPr lang="ko-KR" altLang="en-US" dirty="0"/>
+              <a:t>가위</a:t>
+            </a:r>
+            <a:r>
+              <a:rPr lang="en-US" altLang="ko-KR" dirty="0"/>
+              <a:t>, </a:t>
+            </a:r>
+            <a:r>
+              <a:rPr lang="ko-KR" altLang="en-US" dirty="0"/>
+              <a:t>바위</a:t>
+            </a:r>
+            <a:r>
+              <a:rPr lang="en-US" altLang="ko-KR" dirty="0"/>
+              <a:t>, </a:t>
+            </a:r>
+            <a:r>
+              <a:rPr lang="ko-KR" altLang="en-US" dirty="0"/>
+              <a:t>보에 대한 버튼을 </a:t>
+            </a:r>
+            <a:r>
+              <a:rPr lang="en-US" altLang="ko-KR" dirty="0"/>
+              <a:t>3</a:t>
+            </a:r>
+            <a:r>
+              <a:rPr lang="ko-KR" altLang="en-US" dirty="0"/>
+              <a:t>개 생성</a:t>
+            </a:r>
+            <a:endParaRPr lang="en-US" altLang="ko-KR" dirty="0"/>
+          </a:p>
+          <a:p>
+            <a:pPr marL="514350" indent="-514350">
+              <a:buFont typeface="+mj-lt"/>
+              <a:buAutoNum type="arabicPeriod"/>
+            </a:pPr>
+            <a:r>
+              <a:rPr lang="ko-KR" altLang="en-US" dirty="0"/>
+              <a:t>셋 중 아무 버튼이나 </a:t>
+            </a:r>
+            <a:r>
+              <a:rPr lang="en-US" altLang="ko-KR" dirty="0"/>
+              <a:t>“</a:t>
+            </a:r>
+            <a:r>
+              <a:rPr lang="ko-KR" altLang="en-US" dirty="0"/>
+              <a:t>클릭하면</a:t>
+            </a:r>
+            <a:r>
+              <a:rPr lang="en-US" altLang="ko-KR" dirty="0"/>
+              <a:t>”</a:t>
+            </a:r>
+            <a:r>
+              <a:rPr lang="ko-KR" altLang="en-US" dirty="0"/>
+              <a:t> 컴퓨터도 가위</a:t>
+            </a:r>
+            <a:r>
+              <a:rPr lang="en-US" altLang="ko-KR" dirty="0"/>
+              <a:t>, </a:t>
+            </a:r>
+            <a:r>
+              <a:rPr lang="ko-KR" altLang="en-US" dirty="0"/>
+              <a:t>바위</a:t>
+            </a:r>
+            <a:r>
+              <a:rPr lang="en-US" altLang="ko-KR" dirty="0"/>
+              <a:t>, </a:t>
+            </a:r>
+            <a:r>
+              <a:rPr lang="ko-KR" altLang="en-US" dirty="0"/>
+              <a:t>보 중 하나를 랜덤하게 선택</a:t>
+            </a:r>
+            <a:r>
+              <a:rPr lang="en-US" altLang="ko-KR" dirty="0"/>
+              <a:t>.</a:t>
+            </a:r>
+          </a:p>
+          <a:p>
+            <a:pPr marL="514350" indent="-514350">
+              <a:buFont typeface="+mj-lt"/>
+              <a:buAutoNum type="arabicPeriod"/>
+            </a:pPr>
+            <a:r>
+              <a:rPr lang="ko-KR" altLang="en-US" dirty="0"/>
+              <a:t>컴퓨터가 무엇을 선택했는지 화면에 표시하고</a:t>
+            </a:r>
+            <a:r>
+              <a:rPr lang="en-US" altLang="ko-KR" dirty="0"/>
+              <a:t>, </a:t>
+            </a:r>
+            <a:r>
+              <a:rPr lang="ko-KR" altLang="en-US" dirty="0"/>
+              <a:t>사용자가 선택한 것과 비교하여 승패를 가름</a:t>
+            </a:r>
+            <a:r>
+              <a:rPr lang="en-US" altLang="ko-KR" dirty="0"/>
+              <a:t>.</a:t>
+            </a:r>
+          </a:p>
+          <a:p>
+            <a:pPr lvl="1">
+              <a:buFont typeface="Wingdings" panose="05000000000000000000" pitchFamily="2" charset="2"/>
+              <a:buChar char="v"/>
+            </a:pPr>
+            <a:r>
+              <a:rPr lang="ko-KR" altLang="en-US" dirty="0"/>
+              <a:t> </a:t>
+            </a:r>
+            <a:r>
+              <a:rPr lang="ko-KR" altLang="en-US" dirty="0">
+                <a:highlight>
+                  <a:srgbClr val="F9A130"/>
+                </a:highlight>
+              </a:rPr>
+              <a:t>승리한 쪽에는 </a:t>
+            </a:r>
+            <a:r>
+              <a:rPr lang="en-US" altLang="ko-KR" dirty="0">
+                <a:highlight>
+                  <a:srgbClr val="F9A130"/>
+                </a:highlight>
+              </a:rPr>
+              <a:t>1</a:t>
+            </a:r>
+            <a:r>
+              <a:rPr lang="ko-KR" altLang="en-US" dirty="0">
+                <a:highlight>
+                  <a:srgbClr val="F9A130"/>
+                </a:highlight>
+              </a:rPr>
+              <a:t>점 추가 </a:t>
+            </a:r>
+            <a:r>
+              <a:rPr lang="en-US" altLang="ko-KR" dirty="0">
+                <a:highlight>
+                  <a:srgbClr val="F9A130"/>
+                </a:highlight>
+              </a:rPr>
+              <a:t>/ </a:t>
+            </a:r>
+            <a:r>
+              <a:rPr lang="ko-KR" altLang="en-US" dirty="0">
+                <a:highlight>
+                  <a:srgbClr val="F9A130"/>
+                </a:highlight>
+              </a:rPr>
+              <a:t>무승부는 변화 없음</a:t>
+            </a:r>
+            <a:r>
+              <a:rPr lang="en-US" altLang="ko-KR" dirty="0">
+                <a:highlight>
+                  <a:srgbClr val="F9A130"/>
+                </a:highlight>
+              </a:rPr>
+              <a:t>.</a:t>
+            </a:r>
+          </a:p>
+          <a:p>
+            <a:pPr marL="514350" indent="-514350">
+              <a:buFont typeface="+mj-lt"/>
+              <a:buAutoNum type="arabicPeriod"/>
+            </a:pPr>
+            <a:r>
+              <a:rPr lang="ko-KR" altLang="en-US" dirty="0"/>
+              <a:t>사용자와 컴퓨터의 점수를 표시하고 먼저 </a:t>
+            </a:r>
+            <a:r>
+              <a:rPr lang="en-US" altLang="ko-KR" dirty="0"/>
+              <a:t>3</a:t>
+            </a:r>
+            <a:r>
+              <a:rPr lang="ko-KR" altLang="en-US" dirty="0"/>
+              <a:t>점을 얻는 쪽이 최종 승리</a:t>
+            </a:r>
+            <a:endParaRPr lang="en-US" altLang="ko-KR" dirty="0"/>
+          </a:p>
+          <a:p>
+            <a:pPr marL="514350" indent="-514350">
+              <a:buFont typeface="+mj-lt"/>
+              <a:buAutoNum type="arabicPeriod"/>
+            </a:pPr>
+            <a:r>
+              <a:rPr lang="ko-KR" altLang="en-US" dirty="0"/>
+              <a:t>한쪽이 </a:t>
+            </a:r>
+            <a:r>
+              <a:rPr lang="en-US" altLang="ko-KR" dirty="0"/>
+              <a:t>3</a:t>
+            </a:r>
+            <a:r>
+              <a:rPr lang="ko-KR" altLang="en-US" dirty="0"/>
+              <a:t>점을 얻는 순간 점수 초기화 하기</a:t>
+            </a:r>
+            <a:r>
+              <a:rPr lang="en-US" altLang="ko-KR" dirty="0"/>
+              <a:t>.</a:t>
+            </a:r>
+          </a:p>
+          <a:p>
+            <a:pPr marL="514350" indent="-514350">
+              <a:buFont typeface="+mj-lt"/>
+              <a:buAutoNum type="arabicPeriod"/>
+            </a:pPr>
+            <a:endParaRPr lang="en-US" altLang="ko-KR" dirty="0"/>
+          </a:p>
+          <a:p>
+            <a:pPr marL="0" indent="0">
+              <a:buNone/>
+            </a:pPr>
+            <a:endParaRPr lang="ko-KR" altLang="en-US" dirty="0"/>
+          </a:p>
+        </p:txBody>
+      </p:sp>
+      <p:sp>
+        <p:nvSpPr>
+          <p:cNvPr id="4" name="날짜 개체 틀 3">
+            <a:extLst>
+              <a:ext uri="{FF2B5EF4-FFF2-40B4-BE49-F238E27FC236}">
+                <a16:creationId xmlns:a16="http://schemas.microsoft.com/office/drawing/2014/main" id="{917C1A78-A0AE-7168-1254-1F80D8624E3D}"/>
+              </a:ext>
+            </a:extLst>
+          </p:cNvPr>
+          <p:cNvSpPr>
+            <a:spLocks noGrp="1"/>
+          </p:cNvSpPr>
+          <p:nvPr>
+            <p:ph type="dt" sz="half" idx="10"/>
+          </p:nvPr>
+        </p:nvSpPr>
+        <p:spPr/>
+        <p:txBody>
+          <a:bodyPr/>
+          <a:lstStyle/>
+          <a:p>
+            <a:fld id="{0F78D9C4-20C1-4B15-A116-16DC77AD9A1E}" type="datetime1">
+              <a:rPr lang="ko-KR" altLang="en-US" smtClean="0"/>
+              <a:t>2025-04-30</a:t>
+            </a:fld>
+            <a:endParaRPr lang="ko-KR" altLang="en-US"/>
+          </a:p>
+        </p:txBody>
+      </p:sp>
+      <p:sp>
+        <p:nvSpPr>
+          <p:cNvPr id="5" name="슬라이드 번호 개체 틀 4">
+            <a:extLst>
+              <a:ext uri="{FF2B5EF4-FFF2-40B4-BE49-F238E27FC236}">
+                <a16:creationId xmlns:a16="http://schemas.microsoft.com/office/drawing/2014/main" id="{9C86057C-316E-1401-2A61-B0993DB13588}"/>
+              </a:ext>
+            </a:extLst>
+          </p:cNvPr>
+          <p:cNvSpPr>
+            <a:spLocks noGrp="1"/>
+          </p:cNvSpPr>
+          <p:nvPr>
+            <p:ph type="sldNum" sz="quarter" idx="12"/>
+          </p:nvPr>
+        </p:nvSpPr>
+        <p:spPr/>
+        <p:txBody>
+          <a:bodyPr/>
+          <a:lstStyle/>
+          <a:p>
+            <a:fld id="{083A2CE0-18CD-4102-B738-4ACFF9E68BA4}" type="slidenum">
+              <a:rPr lang="ko-KR" altLang="en-US" smtClean="0"/>
+              <a:t>32</a:t>
+            </a:fld>
+            <a:endParaRPr lang="ko-KR" altLang="en-US"/>
+          </a:p>
+        </p:txBody>
+      </p:sp>
+    </p:spTree>
+    <p:extLst>
+      <p:ext uri="{BB962C8B-B14F-4D97-AF65-F5344CB8AC3E}">
+        <p14:creationId xmlns:p14="http://schemas.microsoft.com/office/powerpoint/2010/main" val="1152930653"/>
+      </p:ext>
+    </p:extLst>
+  </p:cSld>
+  <p:clrMapOvr>
+    <a:masterClrMapping/>
+  </p:clrMapOvr>
+</p:sld>
+</file>
+
+<file path=ppt/slides/slide33.xml><?xml version="1.0" encoding="utf-8"?>
+<p:sld xmlns:a="http://schemas.openxmlformats.org/drawingml/2006/main" xmlns:r="http://schemas.openxmlformats.org/officeDocument/2006/relationships" xmlns:p="http://schemas.openxmlformats.org/presentationml/2006/main">
+  <p:cSld>
+    <p:spTree>
+      <p:nvGrpSpPr>
         <p:cNvPr id="1" name=""/>
         <p:cNvGrpSpPr/>
         <p:nvPr/>
@@ -17555,7 +18249,7 @@
           <p:cNvPr id="2" name="제목 1">
             <a:extLst>
               <a:ext uri="{FF2B5EF4-FFF2-40B4-BE49-F238E27FC236}">
-                <a16:creationId xmlns:a16="http://schemas.microsoft.com/office/drawing/2014/main" id="{B5E54853-105F-7157-3E56-845BBC59BE72}"/>
+                <a16:creationId xmlns:a16="http://schemas.microsoft.com/office/drawing/2014/main" id="{8ECE2325-7392-0406-C430-C4CD38FB075B}"/>
               </a:ext>
             </a:extLst>
           </p:cNvPr>
@@ -17572,22 +18266,251 @@
           <a:lstStyle/>
           <a:p>
             <a:r>
+              <a:rPr lang="ko-KR" altLang="en-US" dirty="0">
+                <a:solidFill>
+                  <a:srgbClr val="00B050"/>
+                </a:solidFill>
+              </a:rPr>
+              <a:t>실습</a:t>
+            </a:r>
+            <a:r>
+              <a:rPr lang="en-US" altLang="ko-KR" dirty="0">
+                <a:solidFill>
+                  <a:srgbClr val="00B050"/>
+                </a:solidFill>
+              </a:rPr>
+              <a:t>. Enum + if </a:t>
+            </a:r>
+            <a:r>
+              <a:rPr lang="ko-KR" altLang="en-US" dirty="0">
+                <a:solidFill>
+                  <a:srgbClr val="00B050"/>
+                </a:solidFill>
+              </a:rPr>
+              <a:t>문</a:t>
+            </a:r>
+          </a:p>
+        </p:txBody>
+      </p:sp>
+      <p:sp>
+        <p:nvSpPr>
+          <p:cNvPr id="3" name="내용 개체 틀 2">
+            <a:extLst>
+              <a:ext uri="{FF2B5EF4-FFF2-40B4-BE49-F238E27FC236}">
+                <a16:creationId xmlns:a16="http://schemas.microsoft.com/office/drawing/2014/main" id="{A1E4F010-CDDB-314B-16DE-53F80688E42C}"/>
+              </a:ext>
+            </a:extLst>
+          </p:cNvPr>
+          <p:cNvSpPr>
+            <a:spLocks noGrp="1"/>
+          </p:cNvSpPr>
+          <p:nvPr>
+            <p:ph idx="1"/>
+          </p:nvPr>
+        </p:nvSpPr>
+        <p:spPr/>
+        <p:txBody>
+          <a:bodyPr>
+            <a:normAutofit/>
+          </a:bodyPr>
+          <a:lstStyle/>
+          <a:p>
+            <a:r>
+              <a:rPr lang="ko-KR" altLang="en-US" dirty="0"/>
+              <a:t>가위바위보 게임</a:t>
+            </a:r>
+            <a:endParaRPr lang="en-US" altLang="ko-KR" dirty="0"/>
+          </a:p>
+          <a:p>
+            <a:pPr marL="0" indent="0">
+              <a:buNone/>
+            </a:pPr>
+            <a:r>
+              <a:rPr lang="en-US" altLang="ko-KR" b="1" dirty="0"/>
+              <a:t>- </a:t>
+            </a:r>
+            <a:r>
+              <a:rPr lang="ko-KR" altLang="en-US" b="1" dirty="0"/>
+              <a:t>조건 </a:t>
+            </a:r>
+            <a:r>
+              <a:rPr lang="en-US" altLang="ko-KR" b="1" dirty="0"/>
+              <a:t>(Hint)</a:t>
+            </a:r>
+          </a:p>
+          <a:p>
+            <a:pPr marL="514350" indent="-514350">
+              <a:buFont typeface="+mj-lt"/>
+              <a:buAutoNum type="arabicPeriod"/>
+            </a:pPr>
+            <a:r>
+              <a:rPr lang="ko-KR" altLang="en-US" dirty="0"/>
+              <a:t>가위 바위 보 </a:t>
+            </a:r>
+            <a:r>
+              <a:rPr lang="en-US" altLang="ko-KR" dirty="0"/>
+              <a:t>- </a:t>
+            </a:r>
+            <a:r>
               <a:rPr lang="en-US" altLang="ko-KR" dirty="0" err="1"/>
-              <a:t>goto</a:t>
-            </a:r>
-            <a:r>
-              <a:rPr lang="en-US" altLang="ko-KR" dirty="0"/>
-              <a:t> </a:t>
+              <a:t>enum</a:t>
+            </a:r>
+            <a:r>
+              <a:rPr lang="ko-KR" altLang="en-US" dirty="0"/>
+              <a:t>으로 표현</a:t>
+            </a:r>
+            <a:endParaRPr lang="en-US" altLang="ko-KR" dirty="0"/>
+          </a:p>
+          <a:p>
+            <a:pPr marL="514350" indent="-514350">
+              <a:buFont typeface="+mj-lt"/>
+              <a:buAutoNum type="arabicPeriod"/>
+            </a:pPr>
+            <a:r>
+              <a:rPr lang="ko-KR" altLang="en-US" dirty="0"/>
+              <a:t>승부 결과 </a:t>
+            </a:r>
+            <a:r>
+              <a:rPr lang="en-US" altLang="ko-KR" dirty="0"/>
+              <a:t>(</a:t>
+            </a:r>
+            <a:r>
+              <a:rPr lang="ko-KR" altLang="en-US" dirty="0"/>
+              <a:t>승리 무승부 패배</a:t>
+            </a:r>
+            <a:r>
+              <a:rPr lang="en-US" altLang="ko-KR" dirty="0"/>
+              <a:t>) – </a:t>
+            </a:r>
+            <a:r>
+              <a:rPr lang="en-US" altLang="ko-KR" dirty="0" err="1"/>
+              <a:t>enum</a:t>
+            </a:r>
+            <a:r>
+              <a:rPr lang="ko-KR" altLang="en-US" dirty="0"/>
+              <a:t>으로 표현</a:t>
+            </a:r>
+            <a:endParaRPr lang="en-US" altLang="ko-KR" dirty="0"/>
+          </a:p>
+          <a:p>
+            <a:pPr marL="514350" indent="-514350">
+              <a:buFont typeface="+mj-lt"/>
+              <a:buAutoNum type="arabicPeriod"/>
+            </a:pPr>
+            <a:r>
+              <a:rPr lang="ko-KR" altLang="en-US" dirty="0"/>
+              <a:t>승부 판단 로직</a:t>
+            </a:r>
+            <a:r>
+              <a:rPr lang="en-US" altLang="ko-KR" dirty="0"/>
+              <a:t>(</a:t>
+            </a:r>
+            <a:r>
+              <a:rPr lang="ko-KR" altLang="en-US" dirty="0"/>
+              <a:t>함수</a:t>
+            </a:r>
+            <a:r>
+              <a:rPr lang="en-US" altLang="ko-KR" dirty="0"/>
+              <a:t>) </a:t>
+            </a:r>
+            <a:r>
+              <a:rPr lang="ko-KR" altLang="en-US" dirty="0"/>
+              <a:t>생성</a:t>
+            </a:r>
+            <a:endParaRPr lang="en-US" altLang="ko-KR" dirty="0"/>
+          </a:p>
+          <a:p>
+            <a:pPr marL="514350" indent="-514350">
+              <a:buFont typeface="+mj-lt"/>
+              <a:buAutoNum type="arabicPeriod"/>
+            </a:pPr>
+            <a:r>
+              <a:rPr lang="ko-KR" altLang="en-US" dirty="0"/>
+              <a:t>게임 전체 관리 로직</a:t>
+            </a:r>
+            <a:r>
+              <a:rPr lang="en-US" altLang="ko-KR" dirty="0"/>
+              <a:t>(</a:t>
+            </a:r>
+            <a:r>
+              <a:rPr lang="ko-KR" altLang="en-US" dirty="0"/>
+              <a:t>함수</a:t>
+            </a:r>
+            <a:r>
+              <a:rPr lang="en-US" altLang="ko-KR" dirty="0"/>
+              <a:t>) </a:t>
+            </a:r>
+            <a:r>
+              <a:rPr lang="ko-KR" altLang="en-US" dirty="0"/>
+              <a:t>생성</a:t>
+            </a:r>
+            <a:endParaRPr lang="en-US" altLang="ko-KR" dirty="0"/>
+          </a:p>
+          <a:p>
+            <a:pPr marL="514350" indent="-514350">
+              <a:buFont typeface="+mj-lt"/>
+              <a:buAutoNum type="arabicPeriod"/>
+            </a:pPr>
+            <a:r>
+              <a:rPr lang="ko-KR" altLang="en-US" dirty="0"/>
+              <a:t>승부 완료 후</a:t>
+            </a:r>
+            <a:r>
+              <a:rPr lang="en-US" altLang="ko-KR" dirty="0"/>
+              <a:t>, </a:t>
+            </a:r>
+            <a:r>
+              <a:rPr lang="ko-KR" altLang="en-US" dirty="0"/>
+              <a:t>점수 초기화 로직</a:t>
+            </a:r>
+            <a:r>
+              <a:rPr lang="en-US" altLang="ko-KR" dirty="0"/>
+              <a:t>(</a:t>
+            </a:r>
+            <a:r>
+              <a:rPr lang="ko-KR" altLang="en-US" dirty="0"/>
+              <a:t>함수</a:t>
+            </a:r>
+            <a:r>
+              <a:rPr lang="en-US" altLang="ko-KR" dirty="0"/>
+              <a:t>) </a:t>
+            </a:r>
+            <a:r>
+              <a:rPr lang="ko-KR" altLang="en-US" dirty="0"/>
+              <a:t>생성</a:t>
+            </a:r>
+            <a:endParaRPr lang="en-US" altLang="ko-KR" dirty="0"/>
+          </a:p>
+          <a:p>
+            <a:pPr marL="514350" indent="-514350">
+              <a:buFont typeface="+mj-lt"/>
+              <a:buAutoNum type="arabicPeriod"/>
+            </a:pPr>
+            <a:r>
+              <a:rPr lang="en-US" altLang="ko-KR" dirty="0"/>
+              <a:t>Push </a:t>
+            </a:r>
+            <a:r>
+              <a:rPr lang="ko-KR" altLang="en-US" dirty="0"/>
+              <a:t>후 </a:t>
+            </a:r>
+            <a:r>
+              <a:rPr lang="en-US" altLang="ko-KR" dirty="0"/>
+              <a:t>Repo. </a:t>
+            </a:r>
+            <a:r>
+              <a:rPr lang="ko-KR" altLang="en-US" dirty="0"/>
+              <a:t>링크를 </a:t>
             </a:r>
             <a:r>
               <a:rPr lang="ko-KR" altLang="en-US" dirty="0" err="1"/>
-              <a:t>점프문</a:t>
-            </a:r>
-            <a:r>
-              <a:rPr lang="en-US" altLang="ko-KR" dirty="0"/>
-              <a:t> </a:t>
-            </a:r>
-            <a:endParaRPr lang="ko-KR" altLang="en-US" dirty="0"/>
+              <a:t>슬랙</a:t>
+            </a:r>
+            <a:r>
+              <a:rPr lang="ko-KR" altLang="en-US" dirty="0"/>
+              <a:t> 댓글로 제출</a:t>
+            </a:r>
+            <a:endParaRPr lang="en-US" altLang="ko-KR" dirty="0"/>
           </a:p>
         </p:txBody>
       </p:sp>
@@ -17596,7 +18519,7 @@
           <p:cNvPr id="4" name="날짜 개체 틀 3">
             <a:extLst>
               <a:ext uri="{FF2B5EF4-FFF2-40B4-BE49-F238E27FC236}">
-                <a16:creationId xmlns:a16="http://schemas.microsoft.com/office/drawing/2014/main" id="{32B049BF-471D-C40A-A809-A9EF0EE09A70}"/>
+                <a16:creationId xmlns:a16="http://schemas.microsoft.com/office/drawing/2014/main" id="{DBF331F7-6F39-0889-6DB5-992845350DEE}"/>
               </a:ext>
             </a:extLst>
           </p:cNvPr>
@@ -17625,7 +18548,7 @@
           <p:cNvPr id="5" name="슬라이드 번호 개체 틀 4">
             <a:extLst>
               <a:ext uri="{FF2B5EF4-FFF2-40B4-BE49-F238E27FC236}">
-                <a16:creationId xmlns:a16="http://schemas.microsoft.com/office/drawing/2014/main" id="{8F278B4F-0AEA-908A-0263-7351C27C06E9}"/>
+                <a16:creationId xmlns:a16="http://schemas.microsoft.com/office/drawing/2014/main" id="{83740C8A-C010-B5CA-1036-96B32EB620E1}"/>
               </a:ext>
             </a:extLst>
           </p:cNvPr>
@@ -17643,7 +18566,614 @@
           <a:p>
             <a:fld id="{083A2CE0-18CD-4102-B738-4ACFF9E68BA4}" type="slidenum">
               <a:rPr lang="ko-KR" altLang="en-US" smtClean="0"/>
-              <a:t>32</a:t>
+              <a:t>33</a:t>
+            </a:fld>
+            <a:endParaRPr lang="ko-KR" altLang="en-US"/>
+          </a:p>
+        </p:txBody>
+      </p:sp>
+    </p:spTree>
+    <p:extLst>
+      <p:ext uri="{BB962C8B-B14F-4D97-AF65-F5344CB8AC3E}">
+        <p14:creationId xmlns:p14="http://schemas.microsoft.com/office/powerpoint/2010/main" val="1361457749"/>
+      </p:ext>
+    </p:extLst>
+  </p:cSld>
+  <p:clrMapOvr>
+    <a:masterClrMapping/>
+  </p:clrMapOvr>
+</p:sld>
+</file>
+
+<file path=ppt/slides/slide34.xml><?xml version="1.0" encoding="utf-8"?>
+<p:sld xmlns:a="http://schemas.openxmlformats.org/drawingml/2006/main" xmlns:r="http://schemas.openxmlformats.org/officeDocument/2006/relationships" xmlns:p="http://schemas.openxmlformats.org/presentationml/2006/main">
+  <p:cSld>
+    <p:spTree>
+      <p:nvGrpSpPr>
+        <p:cNvPr id="1" name="">
+          <a:extLst>
+            <a:ext uri="{FF2B5EF4-FFF2-40B4-BE49-F238E27FC236}">
+              <a16:creationId xmlns:a16="http://schemas.microsoft.com/office/drawing/2014/main" id="{4512FED9-E923-F17B-E9CD-B7868F887DC5}"/>
+            </a:ext>
+          </a:extLst>
+        </p:cNvPr>
+        <p:cNvGrpSpPr/>
+        <p:nvPr/>
+      </p:nvGrpSpPr>
+      <p:grpSpPr>
+        <a:xfrm>
+          <a:off x="0" y="0"/>
+          <a:ext cx="0" cy="0"/>
+          <a:chOff x="0" y="0"/>
+          <a:chExt cx="0" cy="0"/>
+        </a:xfrm>
+      </p:grpSpPr>
+      <p:sp>
+        <p:nvSpPr>
+          <p:cNvPr id="2" name="제목 1">
+            <a:extLst>
+              <a:ext uri="{FF2B5EF4-FFF2-40B4-BE49-F238E27FC236}">
+                <a16:creationId xmlns:a16="http://schemas.microsoft.com/office/drawing/2014/main" id="{C8437867-C80B-6DB7-3539-6E2F0CACA80D}"/>
+              </a:ext>
+            </a:extLst>
+          </p:cNvPr>
+          <p:cNvSpPr>
+            <a:spLocks noGrp="1"/>
+          </p:cNvSpPr>
+          <p:nvPr>
+            <p:ph type="title"/>
+          </p:nvPr>
+        </p:nvSpPr>
+        <p:spPr/>
+        <p:txBody>
+          <a:bodyPr/>
+          <a:lstStyle/>
+          <a:p>
+            <a:r>
+              <a:rPr lang="ko-KR" altLang="en-US" dirty="0">
+                <a:solidFill>
+                  <a:srgbClr val="00B050"/>
+                </a:solidFill>
+              </a:rPr>
+              <a:t>실습</a:t>
+            </a:r>
+            <a:r>
+              <a:rPr lang="en-US" altLang="ko-KR" dirty="0">
+                <a:solidFill>
+                  <a:srgbClr val="00B050"/>
+                </a:solidFill>
+              </a:rPr>
+              <a:t>. </a:t>
+            </a:r>
+            <a:r>
+              <a:rPr lang="ko-KR" altLang="en-US" dirty="0">
+                <a:solidFill>
+                  <a:srgbClr val="00B050"/>
+                </a:solidFill>
+              </a:rPr>
+              <a:t>결과 예시 화면</a:t>
+            </a:r>
+          </a:p>
+        </p:txBody>
+      </p:sp>
+      <p:sp>
+        <p:nvSpPr>
+          <p:cNvPr id="4" name="날짜 개체 틀 3">
+            <a:extLst>
+              <a:ext uri="{FF2B5EF4-FFF2-40B4-BE49-F238E27FC236}">
+                <a16:creationId xmlns:a16="http://schemas.microsoft.com/office/drawing/2014/main" id="{3FD4BB30-E225-138A-230A-29065A240BB2}"/>
+              </a:ext>
+            </a:extLst>
+          </p:cNvPr>
+          <p:cNvSpPr>
+            <a:spLocks noGrp="1"/>
+          </p:cNvSpPr>
+          <p:nvPr>
+            <p:ph type="dt" sz="half" idx="10"/>
+          </p:nvPr>
+        </p:nvSpPr>
+        <p:spPr/>
+        <p:txBody>
+          <a:bodyPr/>
+          <a:lstStyle/>
+          <a:p>
+            <a:fld id="{0F78D9C4-20C1-4B15-A116-16DC77AD9A1E}" type="datetime1">
+              <a:rPr lang="ko-KR" altLang="en-US" smtClean="0"/>
+              <a:t>2025-04-30</a:t>
+            </a:fld>
+            <a:endParaRPr lang="ko-KR" altLang="en-US"/>
+          </a:p>
+        </p:txBody>
+      </p:sp>
+      <p:sp>
+        <p:nvSpPr>
+          <p:cNvPr id="5" name="슬라이드 번호 개체 틀 4">
+            <a:extLst>
+              <a:ext uri="{FF2B5EF4-FFF2-40B4-BE49-F238E27FC236}">
+                <a16:creationId xmlns:a16="http://schemas.microsoft.com/office/drawing/2014/main" id="{00177C7B-A6B7-C353-EC1D-95320A26A933}"/>
+              </a:ext>
+            </a:extLst>
+          </p:cNvPr>
+          <p:cNvSpPr>
+            <a:spLocks noGrp="1"/>
+          </p:cNvSpPr>
+          <p:nvPr>
+            <p:ph type="sldNum" sz="quarter" idx="12"/>
+          </p:nvPr>
+        </p:nvSpPr>
+        <p:spPr/>
+        <p:txBody>
+          <a:bodyPr/>
+          <a:lstStyle/>
+          <a:p>
+            <a:fld id="{083A2CE0-18CD-4102-B738-4ACFF9E68BA4}" type="slidenum">
+              <a:rPr lang="ko-KR" altLang="en-US" smtClean="0"/>
+              <a:t>34</a:t>
+            </a:fld>
+            <a:endParaRPr lang="ko-KR" altLang="en-US"/>
+          </a:p>
+        </p:txBody>
+      </p:sp>
+      <p:pic>
+        <p:nvPicPr>
+          <p:cNvPr id="9" name="그림 8">
+            <a:extLst>
+              <a:ext uri="{FF2B5EF4-FFF2-40B4-BE49-F238E27FC236}">
+                <a16:creationId xmlns:a16="http://schemas.microsoft.com/office/drawing/2014/main" id="{E1BA7005-3ADF-CB91-0901-B2B6E498F190}"/>
+              </a:ext>
+            </a:extLst>
+          </p:cNvPr>
+          <p:cNvPicPr>
+            <a:picLocks noChangeAspect="1"/>
+          </p:cNvPicPr>
+          <p:nvPr/>
+        </p:nvPicPr>
+        <p:blipFill>
+          <a:blip r:embed="rId3"/>
+          <a:stretch>
+            <a:fillRect/>
+          </a:stretch>
+        </p:blipFill>
+        <p:spPr>
+          <a:xfrm>
+            <a:off x="743616" y="1783730"/>
+            <a:ext cx="4508869" cy="4602449"/>
+          </a:xfrm>
+          <a:prstGeom prst="rect">
+            <a:avLst/>
+          </a:prstGeom>
+        </p:spPr>
+      </p:pic>
+      <p:pic>
+        <p:nvPicPr>
+          <p:cNvPr id="11" name="그림 10">
+            <a:extLst>
+              <a:ext uri="{FF2B5EF4-FFF2-40B4-BE49-F238E27FC236}">
+                <a16:creationId xmlns:a16="http://schemas.microsoft.com/office/drawing/2014/main" id="{84BE8A12-1B3C-89DF-E29D-9A44745FA49A}"/>
+              </a:ext>
+            </a:extLst>
+          </p:cNvPr>
+          <p:cNvPicPr>
+            <a:picLocks noChangeAspect="1"/>
+          </p:cNvPicPr>
+          <p:nvPr/>
+        </p:nvPicPr>
+        <p:blipFill>
+          <a:blip r:embed="rId4"/>
+          <a:stretch>
+            <a:fillRect/>
+          </a:stretch>
+        </p:blipFill>
+        <p:spPr>
+          <a:xfrm>
+            <a:off x="6414976" y="1783730"/>
+            <a:ext cx="4474127" cy="4602449"/>
+          </a:xfrm>
+          <a:prstGeom prst="rect">
+            <a:avLst/>
+          </a:prstGeom>
+        </p:spPr>
+      </p:pic>
+    </p:spTree>
+    <p:extLst>
+      <p:ext uri="{BB962C8B-B14F-4D97-AF65-F5344CB8AC3E}">
+        <p14:creationId xmlns:p14="http://schemas.microsoft.com/office/powerpoint/2010/main" val="190667896"/>
+      </p:ext>
+    </p:extLst>
+  </p:cSld>
+  <p:clrMapOvr>
+    <a:masterClrMapping/>
+  </p:clrMapOvr>
+</p:sld>
+</file>
+
+<file path=ppt/slides/slide35.xml><?xml version="1.0" encoding="utf-8"?>
+<p:sld xmlns:a="http://schemas.openxmlformats.org/drawingml/2006/main" xmlns:r="http://schemas.openxmlformats.org/officeDocument/2006/relationships" xmlns:p="http://schemas.openxmlformats.org/presentationml/2006/main">
+  <p:cSld>
+    <p:spTree>
+      <p:nvGrpSpPr>
+        <p:cNvPr id="1" name="">
+          <a:extLst>
+            <a:ext uri="{FF2B5EF4-FFF2-40B4-BE49-F238E27FC236}">
+              <a16:creationId xmlns:a16="http://schemas.microsoft.com/office/drawing/2014/main" id="{AB31E692-2246-98B6-02B2-43C7F8E51FE7}"/>
+            </a:ext>
+          </a:extLst>
+        </p:cNvPr>
+        <p:cNvGrpSpPr/>
+        <p:nvPr/>
+      </p:nvGrpSpPr>
+      <p:grpSpPr>
+        <a:xfrm>
+          <a:off x="0" y="0"/>
+          <a:ext cx="0" cy="0"/>
+          <a:chOff x="0" y="0"/>
+          <a:chExt cx="0" cy="0"/>
+        </a:xfrm>
+      </p:grpSpPr>
+      <p:sp>
+        <p:nvSpPr>
+          <p:cNvPr id="2" name="제목 1">
+            <a:extLst>
+              <a:ext uri="{FF2B5EF4-FFF2-40B4-BE49-F238E27FC236}">
+                <a16:creationId xmlns:a16="http://schemas.microsoft.com/office/drawing/2014/main" id="{D022091B-6923-A576-3C5B-D4439AB82E29}"/>
+              </a:ext>
+            </a:extLst>
+          </p:cNvPr>
+          <p:cNvSpPr>
+            <a:spLocks noGrp="1"/>
+          </p:cNvSpPr>
+          <p:nvPr>
+            <p:ph type="title"/>
+          </p:nvPr>
+        </p:nvSpPr>
+        <p:spPr/>
+        <p:txBody>
+          <a:bodyPr/>
+          <a:lstStyle/>
+          <a:p>
+            <a:r>
+              <a:rPr lang="ko-KR" altLang="en-US" dirty="0">
+                <a:solidFill>
+                  <a:srgbClr val="00B050"/>
+                </a:solidFill>
+              </a:rPr>
+              <a:t>실습</a:t>
+            </a:r>
+            <a:r>
+              <a:rPr lang="en-US" altLang="ko-KR" dirty="0">
+                <a:solidFill>
+                  <a:srgbClr val="00B050"/>
+                </a:solidFill>
+              </a:rPr>
+              <a:t>. </a:t>
+            </a:r>
+            <a:r>
+              <a:rPr lang="ko-KR" altLang="en-US" dirty="0">
+                <a:solidFill>
+                  <a:srgbClr val="00B050"/>
+                </a:solidFill>
+              </a:rPr>
+              <a:t>결과 예시 화면</a:t>
+            </a:r>
+          </a:p>
+        </p:txBody>
+      </p:sp>
+      <p:sp>
+        <p:nvSpPr>
+          <p:cNvPr id="4" name="날짜 개체 틀 3">
+            <a:extLst>
+              <a:ext uri="{FF2B5EF4-FFF2-40B4-BE49-F238E27FC236}">
+                <a16:creationId xmlns:a16="http://schemas.microsoft.com/office/drawing/2014/main" id="{016FEC8F-64B2-C3EE-CA31-CE0C1E89E4BE}"/>
+              </a:ext>
+            </a:extLst>
+          </p:cNvPr>
+          <p:cNvSpPr>
+            <a:spLocks noGrp="1"/>
+          </p:cNvSpPr>
+          <p:nvPr>
+            <p:ph type="dt" sz="half" idx="10"/>
+          </p:nvPr>
+        </p:nvSpPr>
+        <p:spPr/>
+        <p:txBody>
+          <a:bodyPr/>
+          <a:lstStyle/>
+          <a:p>
+            <a:fld id="{0F78D9C4-20C1-4B15-A116-16DC77AD9A1E}" type="datetime1">
+              <a:rPr lang="ko-KR" altLang="en-US" smtClean="0"/>
+              <a:t>2025-04-30</a:t>
+            </a:fld>
+            <a:endParaRPr lang="ko-KR" altLang="en-US"/>
+          </a:p>
+        </p:txBody>
+      </p:sp>
+      <p:sp>
+        <p:nvSpPr>
+          <p:cNvPr id="5" name="슬라이드 번호 개체 틀 4">
+            <a:extLst>
+              <a:ext uri="{FF2B5EF4-FFF2-40B4-BE49-F238E27FC236}">
+                <a16:creationId xmlns:a16="http://schemas.microsoft.com/office/drawing/2014/main" id="{1905DCA1-4519-5B94-F81C-442A97286644}"/>
+              </a:ext>
+            </a:extLst>
+          </p:cNvPr>
+          <p:cNvSpPr>
+            <a:spLocks noGrp="1"/>
+          </p:cNvSpPr>
+          <p:nvPr>
+            <p:ph type="sldNum" sz="quarter" idx="12"/>
+          </p:nvPr>
+        </p:nvSpPr>
+        <p:spPr/>
+        <p:txBody>
+          <a:bodyPr/>
+          <a:lstStyle/>
+          <a:p>
+            <a:fld id="{083A2CE0-18CD-4102-B738-4ACFF9E68BA4}" type="slidenum">
+              <a:rPr lang="ko-KR" altLang="en-US" smtClean="0"/>
+              <a:t>35</a:t>
+            </a:fld>
+            <a:endParaRPr lang="ko-KR" altLang="en-US"/>
+          </a:p>
+        </p:txBody>
+      </p:sp>
+      <p:pic>
+        <p:nvPicPr>
+          <p:cNvPr id="6" name="그림 5">
+            <a:extLst>
+              <a:ext uri="{FF2B5EF4-FFF2-40B4-BE49-F238E27FC236}">
+                <a16:creationId xmlns:a16="http://schemas.microsoft.com/office/drawing/2014/main" id="{86EA7C46-3C6D-8476-56C0-2762937D6843}"/>
+              </a:ext>
+            </a:extLst>
+          </p:cNvPr>
+          <p:cNvPicPr>
+            <a:picLocks noChangeAspect="1"/>
+          </p:cNvPicPr>
+          <p:nvPr/>
+        </p:nvPicPr>
+        <p:blipFill>
+          <a:blip r:embed="rId3"/>
+          <a:stretch>
+            <a:fillRect/>
+          </a:stretch>
+        </p:blipFill>
+        <p:spPr>
+          <a:xfrm>
+            <a:off x="214425" y="1878419"/>
+            <a:ext cx="3458592" cy="3572539"/>
+          </a:xfrm>
+          <a:prstGeom prst="rect">
+            <a:avLst/>
+          </a:prstGeom>
+        </p:spPr>
+      </p:pic>
+      <p:pic>
+        <p:nvPicPr>
+          <p:cNvPr id="8" name="그림 7">
+            <a:extLst>
+              <a:ext uri="{FF2B5EF4-FFF2-40B4-BE49-F238E27FC236}">
+                <a16:creationId xmlns:a16="http://schemas.microsoft.com/office/drawing/2014/main" id="{E6AE7041-6DE5-F5E1-A908-41033F3A3C86}"/>
+              </a:ext>
+            </a:extLst>
+          </p:cNvPr>
+          <p:cNvPicPr>
+            <a:picLocks noChangeAspect="1"/>
+          </p:cNvPicPr>
+          <p:nvPr/>
+        </p:nvPicPr>
+        <p:blipFill>
+          <a:blip r:embed="rId4"/>
+          <a:stretch>
+            <a:fillRect/>
+          </a:stretch>
+        </p:blipFill>
+        <p:spPr>
+          <a:xfrm>
+            <a:off x="4040742" y="1878418"/>
+            <a:ext cx="3485891" cy="3572539"/>
+          </a:xfrm>
+          <a:prstGeom prst="rect">
+            <a:avLst/>
+          </a:prstGeom>
+        </p:spPr>
+      </p:pic>
+      <p:pic>
+        <p:nvPicPr>
+          <p:cNvPr id="12" name="그림 11">
+            <a:extLst>
+              <a:ext uri="{FF2B5EF4-FFF2-40B4-BE49-F238E27FC236}">
+                <a16:creationId xmlns:a16="http://schemas.microsoft.com/office/drawing/2014/main" id="{8AB92667-13B1-44B8-0F8A-913C4FF70B4E}"/>
+              </a:ext>
+            </a:extLst>
+          </p:cNvPr>
+          <p:cNvPicPr>
+            <a:picLocks noChangeAspect="1"/>
+          </p:cNvPicPr>
+          <p:nvPr/>
+        </p:nvPicPr>
+        <p:blipFill>
+          <a:blip r:embed="rId5"/>
+          <a:stretch>
+            <a:fillRect/>
+          </a:stretch>
+        </p:blipFill>
+        <p:spPr>
+          <a:xfrm>
+            <a:off x="7894358" y="1878418"/>
+            <a:ext cx="3459442" cy="3572539"/>
+          </a:xfrm>
+          <a:prstGeom prst="rect">
+            <a:avLst/>
+          </a:prstGeom>
+        </p:spPr>
+      </p:pic>
+      <p:sp>
+        <p:nvSpPr>
+          <p:cNvPr id="13" name="TextBox 12">
+            <a:extLst>
+              <a:ext uri="{FF2B5EF4-FFF2-40B4-BE49-F238E27FC236}">
+                <a16:creationId xmlns:a16="http://schemas.microsoft.com/office/drawing/2014/main" id="{46338179-7A6A-017B-9C2E-F2B71D25CC01}"/>
+              </a:ext>
+            </a:extLst>
+          </p:cNvPr>
+          <p:cNvSpPr txBox="1"/>
+          <p:nvPr/>
+        </p:nvSpPr>
+        <p:spPr>
+          <a:xfrm>
+            <a:off x="8780387" y="3464632"/>
+            <a:ext cx="1687384" cy="400110"/>
+          </a:xfrm>
+          <a:prstGeom prst="rect">
+            <a:avLst/>
+          </a:prstGeom>
+          <a:noFill/>
+        </p:spPr>
+        <p:txBody>
+          <a:bodyPr wrap="square" rtlCol="0">
+            <a:spAutoFit/>
+          </a:bodyPr>
+          <a:lstStyle/>
+          <a:p>
+            <a:r>
+              <a:rPr lang="ko-KR" altLang="en-US" sz="2000" dirty="0">
+                <a:latin typeface="HY헤드라인M" panose="02030600000101010101" pitchFamily="18" charset="-127"/>
+                <a:ea typeface="HY헤드라인M" panose="02030600000101010101" pitchFamily="18" charset="-127"/>
+                <a:cs typeface="Pretendard ExtraBold" panose="02000903000000020004" pitchFamily="2" charset="-127"/>
+              </a:rPr>
+              <a:t>점수 초기화</a:t>
+            </a:r>
+            <a:endParaRPr lang="en-US" altLang="ko-KR" sz="2000" dirty="0">
+              <a:latin typeface="HY헤드라인M" panose="02030600000101010101" pitchFamily="18" charset="-127"/>
+              <a:ea typeface="HY헤드라인M" panose="02030600000101010101" pitchFamily="18" charset="-127"/>
+              <a:cs typeface="Pretendard ExtraBold" panose="02000903000000020004" pitchFamily="2" charset="-127"/>
+            </a:endParaRPr>
+          </a:p>
+        </p:txBody>
+      </p:sp>
+    </p:spTree>
+    <p:extLst>
+      <p:ext uri="{BB962C8B-B14F-4D97-AF65-F5344CB8AC3E}">
+        <p14:creationId xmlns:p14="http://schemas.microsoft.com/office/powerpoint/2010/main" val="2906637127"/>
+      </p:ext>
+    </p:extLst>
+  </p:cSld>
+  <p:clrMapOvr>
+    <a:masterClrMapping/>
+  </p:clrMapOvr>
+</p:sld>
+</file>
+
+<file path=ppt/slides/slide36.xml><?xml version="1.0" encoding="utf-8"?>
+<p:sld xmlns:a="http://schemas.openxmlformats.org/drawingml/2006/main" xmlns:r="http://schemas.openxmlformats.org/officeDocument/2006/relationships" xmlns:p="http://schemas.openxmlformats.org/presentationml/2006/main">
+  <p:cSld>
+    <p:spTree>
+      <p:nvGrpSpPr>
+        <p:cNvPr id="1" name=""/>
+        <p:cNvGrpSpPr/>
+        <p:nvPr/>
+      </p:nvGrpSpPr>
+      <p:grpSpPr>
+        <a:xfrm>
+          <a:off x="0" y="0"/>
+          <a:ext cx="0" cy="0"/>
+          <a:chOff x="0" y="0"/>
+          <a:chExt cx="0" cy="0"/>
+        </a:xfrm>
+      </p:grpSpPr>
+      <p:sp>
+        <p:nvSpPr>
+          <p:cNvPr id="2" name="제목 1">
+            <a:extLst>
+              <a:ext uri="{FF2B5EF4-FFF2-40B4-BE49-F238E27FC236}">
+                <a16:creationId xmlns:a16="http://schemas.microsoft.com/office/drawing/2014/main" id="{B5E54853-105F-7157-3E56-845BBC59BE72}"/>
+              </a:ext>
+            </a:extLst>
+          </p:cNvPr>
+          <p:cNvSpPr>
+            <a:spLocks noGrp="1"/>
+          </p:cNvSpPr>
+          <p:nvPr>
+            <p:ph type="title"/>
+          </p:nvPr>
+        </p:nvSpPr>
+        <p:spPr/>
+        <p:txBody>
+          <a:bodyPr/>
+          <a:lstStyle/>
+          <a:p>
+            <a:r>
+              <a:rPr lang="en-US" altLang="ko-KR" dirty="0" err="1"/>
+              <a:t>goto</a:t>
+            </a:r>
+            <a:r>
+              <a:rPr lang="en-US" altLang="ko-KR" dirty="0"/>
+              <a:t> </a:t>
+            </a:r>
+            <a:r>
+              <a:rPr lang="ko-KR" altLang="en-US" dirty="0" err="1"/>
+              <a:t>점프문</a:t>
+            </a:r>
+            <a:r>
+              <a:rPr lang="en-US" altLang="ko-KR" dirty="0"/>
+              <a:t> </a:t>
+            </a:r>
+            <a:endParaRPr lang="ko-KR" altLang="en-US" dirty="0"/>
+          </a:p>
+        </p:txBody>
+      </p:sp>
+      <p:sp>
+        <p:nvSpPr>
+          <p:cNvPr id="4" name="날짜 개체 틀 3">
+            <a:extLst>
+              <a:ext uri="{FF2B5EF4-FFF2-40B4-BE49-F238E27FC236}">
+                <a16:creationId xmlns:a16="http://schemas.microsoft.com/office/drawing/2014/main" id="{32B049BF-471D-C40A-A809-A9EF0EE09A70}"/>
+              </a:ext>
+            </a:extLst>
+          </p:cNvPr>
+          <p:cNvSpPr>
+            <a:spLocks noGrp="1"/>
+          </p:cNvSpPr>
+          <p:nvPr>
+            <p:ph type="dt" sz="half" idx="10"/>
+          </p:nvPr>
+        </p:nvSpPr>
+        <p:spPr/>
+        <p:txBody>
+          <a:bodyPr/>
+          <a:lstStyle/>
+          <a:p>
+            <a:fld id="{0F78D9C4-20C1-4B15-A116-16DC77AD9A1E}" type="datetime1">
+              <a:rPr lang="ko-KR" altLang="en-US" smtClean="0"/>
+              <a:t>2025-04-30</a:t>
+            </a:fld>
+            <a:endParaRPr lang="ko-KR" altLang="en-US"/>
+          </a:p>
+        </p:txBody>
+      </p:sp>
+      <p:sp>
+        <p:nvSpPr>
+          <p:cNvPr id="5" name="슬라이드 번호 개체 틀 4">
+            <a:extLst>
+              <a:ext uri="{FF2B5EF4-FFF2-40B4-BE49-F238E27FC236}">
+                <a16:creationId xmlns:a16="http://schemas.microsoft.com/office/drawing/2014/main" id="{8F278B4F-0AEA-908A-0263-7351C27C06E9}"/>
+              </a:ext>
+            </a:extLst>
+          </p:cNvPr>
+          <p:cNvSpPr>
+            <a:spLocks noGrp="1"/>
+          </p:cNvSpPr>
+          <p:nvPr>
+            <p:ph type="sldNum" sz="quarter" idx="12"/>
+          </p:nvPr>
+        </p:nvSpPr>
+        <p:spPr/>
+        <p:txBody>
+          <a:bodyPr/>
+          <a:lstStyle/>
+          <a:p>
+            <a:fld id="{083A2CE0-18CD-4102-B738-4ACFF9E68BA4}" type="slidenum">
+              <a:rPr lang="ko-KR" altLang="en-US" smtClean="0"/>
+              <a:t>36</a:t>
             </a:fld>
             <a:endParaRPr lang="ko-KR" altLang="en-US"/>
           </a:p>
@@ -18010,7 +19540,7 @@
 </p:sld>
 </file>
 
-<file path=ppt/slides/slide33.xml><?xml version="1.0" encoding="utf-8"?>
+<file path=ppt/slides/slide37.xml><?xml version="1.0" encoding="utf-8"?>
 <p:sld xmlns:a="http://schemas.openxmlformats.org/drawingml/2006/main" xmlns:r="http://schemas.openxmlformats.org/officeDocument/2006/relationships" xmlns:p="http://schemas.openxmlformats.org/presentationml/2006/main">
   <p:cSld>
     <p:spTree>
@@ -18108,7 +19638,7 @@
           <a:p>
             <a:fld id="{083A2CE0-18CD-4102-B738-4ACFF9E68BA4}" type="slidenum">
               <a:rPr lang="ko-KR" altLang="en-US" smtClean="0"/>
-              <a:t>33</a:t>
+              <a:t>37</a:t>
             </a:fld>
             <a:endParaRPr lang="ko-KR" altLang="en-US"/>
           </a:p>
@@ -18288,7 +19818,7 @@
 </p:sld>
 </file>
 
-<file path=ppt/slides/slide34.xml><?xml version="1.0" encoding="utf-8"?>
+<file path=ppt/slides/slide38.xml><?xml version="1.0" encoding="utf-8"?>
 <p:sld xmlns:a="http://schemas.openxmlformats.org/drawingml/2006/main" xmlns:r="http://schemas.openxmlformats.org/officeDocument/2006/relationships" xmlns:p="http://schemas.openxmlformats.org/presentationml/2006/main">
   <p:cSld>
     <p:spTree>
@@ -18601,7 +20131,7 @@
           <a:p>
             <a:fld id="{083A2CE0-18CD-4102-B738-4ACFF9E68BA4}" type="slidenum">
               <a:rPr lang="ko-KR" altLang="en-US" smtClean="0"/>
-              <a:t>34</a:t>
+              <a:t>38</a:t>
             </a:fld>
             <a:endParaRPr lang="ko-KR" altLang="en-US"/>
           </a:p>
@@ -18620,7 +20150,7 @@
 </p:sld>
 </file>
 
-<file path=ppt/slides/slide35.xml><?xml version="1.0" encoding="utf-8"?>
+<file path=ppt/slides/slide39.xml><?xml version="1.0" encoding="utf-8"?>
 <p:sld xmlns:a="http://schemas.openxmlformats.org/drawingml/2006/main" xmlns:r="http://schemas.openxmlformats.org/officeDocument/2006/relationships" xmlns:p="http://schemas.openxmlformats.org/presentationml/2006/main">
   <p:cSld>
     <p:spTree>
@@ -18736,7 +20266,7 @@
           <a:p>
             <a:fld id="{083A2CE0-18CD-4102-B738-4ACFF9E68BA4}" type="slidenum">
               <a:rPr lang="ko-KR" altLang="en-US" smtClean="0"/>
-              <a:t>35</a:t>
+              <a:t>39</a:t>
             </a:fld>
             <a:endParaRPr lang="ko-KR" altLang="en-US"/>
           </a:p>
@@ -18755,7 +20285,141 @@
 </p:sld>
 </file>
 
-<file path=ppt/slides/slide36.xml><?xml version="1.0" encoding="utf-8"?>
+<file path=ppt/slides/slide4.xml><?xml version="1.0" encoding="utf-8"?>
+<p:sld xmlns:a="http://schemas.openxmlformats.org/drawingml/2006/main" xmlns:r="http://schemas.openxmlformats.org/officeDocument/2006/relationships" xmlns:p="http://schemas.openxmlformats.org/presentationml/2006/main">
+  <p:cSld>
+    <p:spTree>
+      <p:nvGrpSpPr>
+        <p:cNvPr id="1" name="">
+          <a:extLst>
+            <a:ext uri="{FF2B5EF4-FFF2-40B4-BE49-F238E27FC236}">
+              <a16:creationId xmlns:a16="http://schemas.microsoft.com/office/drawing/2014/main" id="{51A4EC79-CDCF-220A-680D-F0805FD53E36}"/>
+            </a:ext>
+          </a:extLst>
+        </p:cNvPr>
+        <p:cNvGrpSpPr/>
+        <p:nvPr/>
+      </p:nvGrpSpPr>
+      <p:grpSpPr>
+        <a:xfrm>
+          <a:off x="0" y="0"/>
+          <a:ext cx="0" cy="0"/>
+          <a:chOff x="0" y="0"/>
+          <a:chExt cx="0" cy="0"/>
+        </a:xfrm>
+      </p:grpSpPr>
+      <p:sp>
+        <p:nvSpPr>
+          <p:cNvPr id="2" name="제목 1">
+            <a:extLst>
+              <a:ext uri="{FF2B5EF4-FFF2-40B4-BE49-F238E27FC236}">
+                <a16:creationId xmlns:a16="http://schemas.microsoft.com/office/drawing/2014/main" id="{26F85EB1-3B89-2E3B-D50A-3998CEF46FCD}"/>
+              </a:ext>
+            </a:extLst>
+          </p:cNvPr>
+          <p:cNvSpPr>
+            <a:spLocks noGrp="1"/>
+          </p:cNvSpPr>
+          <p:nvPr>
+            <p:ph type="ctrTitle"/>
+          </p:nvPr>
+        </p:nvSpPr>
+        <p:spPr>
+          <a:xfrm>
+            <a:off x="2209751" y="2165521"/>
+            <a:ext cx="7772498" cy="2526957"/>
+          </a:xfrm>
+        </p:spPr>
+        <p:txBody>
+          <a:bodyPr anchor="ctr" anchorCtr="0">
+            <a:noAutofit/>
+          </a:bodyPr>
+          <a:lstStyle/>
+          <a:p>
+            <a:pPr>
+              <a:lnSpc>
+                <a:spcPct val="150000"/>
+              </a:lnSpc>
+            </a:pPr>
+            <a:r>
+              <a:rPr lang="ko-KR" altLang="en-US" b="1" dirty="0"/>
+              <a:t>문자열</a:t>
+            </a:r>
+          </a:p>
+        </p:txBody>
+      </p:sp>
+      <p:sp>
+        <p:nvSpPr>
+          <p:cNvPr id="4" name="날짜 개체 틀 3">
+            <a:extLst>
+              <a:ext uri="{FF2B5EF4-FFF2-40B4-BE49-F238E27FC236}">
+                <a16:creationId xmlns:a16="http://schemas.microsoft.com/office/drawing/2014/main" id="{07851673-2F0D-5806-43C5-2E1525ABEF63}"/>
+              </a:ext>
+            </a:extLst>
+          </p:cNvPr>
+          <p:cNvSpPr>
+            <a:spLocks noGrp="1"/>
+          </p:cNvSpPr>
+          <p:nvPr>
+            <p:ph type="dt" sz="half" idx="10"/>
+          </p:nvPr>
+        </p:nvSpPr>
+        <p:spPr/>
+        <p:txBody>
+          <a:bodyPr/>
+          <a:lstStyle/>
+          <a:p>
+            <a:fld id="{2E2BEDFA-D8AA-4914-9440-7DF713C99FA9}" type="datetime1">
+              <a:rPr lang="ko-KR" altLang="en-US" smtClean="0"/>
+              <a:t>2025-04-30</a:t>
+            </a:fld>
+            <a:endParaRPr lang="ko-KR" altLang="en-US"/>
+          </a:p>
+        </p:txBody>
+      </p:sp>
+      <p:sp>
+        <p:nvSpPr>
+          <p:cNvPr id="6" name="슬라이드 번호 개체 틀 5">
+            <a:extLst>
+              <a:ext uri="{FF2B5EF4-FFF2-40B4-BE49-F238E27FC236}">
+                <a16:creationId xmlns:a16="http://schemas.microsoft.com/office/drawing/2014/main" id="{4D23E721-2A68-4990-706A-90B72D6C9281}"/>
+              </a:ext>
+            </a:extLst>
+          </p:cNvPr>
+          <p:cNvSpPr>
+            <a:spLocks noGrp="1"/>
+          </p:cNvSpPr>
+          <p:nvPr>
+            <p:ph type="sldNum" sz="quarter" idx="12"/>
+          </p:nvPr>
+        </p:nvSpPr>
+        <p:spPr/>
+        <p:txBody>
+          <a:bodyPr/>
+          <a:lstStyle/>
+          <a:p>
+            <a:fld id="{083A2CE0-18CD-4102-B738-4ACFF9E68BA4}" type="slidenum">
+              <a:rPr lang="ko-KR" altLang="en-US" smtClean="0"/>
+              <a:t>4</a:t>
+            </a:fld>
+            <a:endParaRPr lang="ko-KR" altLang="en-US"/>
+          </a:p>
+        </p:txBody>
+      </p:sp>
+    </p:spTree>
+    <p:extLst>
+      <p:ext uri="{BB962C8B-B14F-4D97-AF65-F5344CB8AC3E}">
+        <p14:creationId xmlns:p14="http://schemas.microsoft.com/office/powerpoint/2010/main" val="1354914802"/>
+      </p:ext>
+    </p:extLst>
+  </p:cSld>
+  <p:clrMapOvr>
+    <a:masterClrMapping/>
+  </p:clrMapOvr>
+</p:sld>
+</file>
+
+<file path=ppt/slides/slide40.xml><?xml version="1.0" encoding="utf-8"?>
 <p:sld xmlns:a="http://schemas.openxmlformats.org/drawingml/2006/main" xmlns:r="http://schemas.openxmlformats.org/officeDocument/2006/relationships" xmlns:p="http://schemas.openxmlformats.org/presentationml/2006/main">
   <p:cSld>
     <p:spTree>
@@ -19002,7 +20666,7 @@
           <a:p>
             <a:fld id="{083A2CE0-18CD-4102-B738-4ACFF9E68BA4}" type="slidenum">
               <a:rPr lang="ko-KR" altLang="en-US" smtClean="0"/>
-              <a:t>36</a:t>
+              <a:t>40</a:t>
             </a:fld>
             <a:endParaRPr lang="ko-KR" altLang="en-US"/>
           </a:p>
@@ -19021,7 +20685,7 @@
 </p:sld>
 </file>
 
-<file path=ppt/slides/slide37.xml><?xml version="1.0" encoding="utf-8"?>
+<file path=ppt/slides/slide41.xml><?xml version="1.0" encoding="utf-8"?>
 <p:sld xmlns:a="http://schemas.openxmlformats.org/drawingml/2006/main" xmlns:r="http://schemas.openxmlformats.org/officeDocument/2006/relationships" xmlns:p="http://schemas.openxmlformats.org/presentationml/2006/main">
   <p:cSld>
     <p:spTree>
@@ -19305,7 +20969,7 @@
           <a:p>
             <a:fld id="{083A2CE0-18CD-4102-B738-4ACFF9E68BA4}" type="slidenum">
               <a:rPr lang="ko-KR" altLang="en-US" smtClean="0"/>
-              <a:t>37</a:t>
+              <a:t>41</a:t>
             </a:fld>
             <a:endParaRPr lang="ko-KR" altLang="en-US"/>
           </a:p>
@@ -19324,7 +20988,7 @@
 </p:sld>
 </file>
 
-<file path=ppt/slides/slide38.xml><?xml version="1.0" encoding="utf-8"?>
+<file path=ppt/slides/slide42.xml><?xml version="1.0" encoding="utf-8"?>
 <p:sld xmlns:a="http://schemas.openxmlformats.org/drawingml/2006/main" xmlns:r="http://schemas.openxmlformats.org/officeDocument/2006/relationships" xmlns:p="http://schemas.openxmlformats.org/presentationml/2006/main">
   <p:cSld>
     <p:spTree>
@@ -19631,7 +21295,7 @@
           <a:p>
             <a:fld id="{083A2CE0-18CD-4102-B738-4ACFF9E68BA4}" type="slidenum">
               <a:rPr lang="ko-KR" altLang="en-US" smtClean="0"/>
-              <a:t>38</a:t>
+              <a:t>42</a:t>
             </a:fld>
             <a:endParaRPr lang="ko-KR" altLang="en-US"/>
           </a:p>
@@ -19650,7 +21314,7 @@
 </p:sld>
 </file>
 
-<file path=ppt/slides/slide39.xml><?xml version="1.0" encoding="utf-8"?>
+<file path=ppt/slides/slide43.xml><?xml version="1.0" encoding="utf-8"?>
 <p:sld xmlns:a="http://schemas.openxmlformats.org/drawingml/2006/main" xmlns:r="http://schemas.openxmlformats.org/officeDocument/2006/relationships" xmlns:p="http://schemas.openxmlformats.org/presentationml/2006/main">
   <p:cSld>
     <p:spTree>
@@ -19811,7 +21475,7 @@
           <a:p>
             <a:fld id="{083A2CE0-18CD-4102-B738-4ACFF9E68BA4}" type="slidenum">
               <a:rPr lang="ko-KR" altLang="en-US" smtClean="0"/>
-              <a:t>39</a:t>
+              <a:t>43</a:t>
             </a:fld>
             <a:endParaRPr lang="ko-KR" altLang="en-US"/>
           </a:p>
@@ -20009,141 +21673,7 @@
 </p:sld>
 </file>
 
-<file path=ppt/slides/slide4.xml><?xml version="1.0" encoding="utf-8"?>
-<p:sld xmlns:a="http://schemas.openxmlformats.org/drawingml/2006/main" xmlns:r="http://schemas.openxmlformats.org/officeDocument/2006/relationships" xmlns:p="http://schemas.openxmlformats.org/presentationml/2006/main">
-  <p:cSld>
-    <p:spTree>
-      <p:nvGrpSpPr>
-        <p:cNvPr id="1" name="">
-          <a:extLst>
-            <a:ext uri="{FF2B5EF4-FFF2-40B4-BE49-F238E27FC236}">
-              <a16:creationId xmlns:a16="http://schemas.microsoft.com/office/drawing/2014/main" id="{51A4EC79-CDCF-220A-680D-F0805FD53E36}"/>
-            </a:ext>
-          </a:extLst>
-        </p:cNvPr>
-        <p:cNvGrpSpPr/>
-        <p:nvPr/>
-      </p:nvGrpSpPr>
-      <p:grpSpPr>
-        <a:xfrm>
-          <a:off x="0" y="0"/>
-          <a:ext cx="0" cy="0"/>
-          <a:chOff x="0" y="0"/>
-          <a:chExt cx="0" cy="0"/>
-        </a:xfrm>
-      </p:grpSpPr>
-      <p:sp>
-        <p:nvSpPr>
-          <p:cNvPr id="2" name="제목 1">
-            <a:extLst>
-              <a:ext uri="{FF2B5EF4-FFF2-40B4-BE49-F238E27FC236}">
-                <a16:creationId xmlns:a16="http://schemas.microsoft.com/office/drawing/2014/main" id="{26F85EB1-3B89-2E3B-D50A-3998CEF46FCD}"/>
-              </a:ext>
-            </a:extLst>
-          </p:cNvPr>
-          <p:cNvSpPr>
-            <a:spLocks noGrp="1"/>
-          </p:cNvSpPr>
-          <p:nvPr>
-            <p:ph type="ctrTitle"/>
-          </p:nvPr>
-        </p:nvSpPr>
-        <p:spPr>
-          <a:xfrm>
-            <a:off x="2209751" y="2165521"/>
-            <a:ext cx="7772498" cy="2526957"/>
-          </a:xfrm>
-        </p:spPr>
-        <p:txBody>
-          <a:bodyPr anchor="ctr" anchorCtr="0">
-            <a:noAutofit/>
-          </a:bodyPr>
-          <a:lstStyle/>
-          <a:p>
-            <a:pPr>
-              <a:lnSpc>
-                <a:spcPct val="150000"/>
-              </a:lnSpc>
-            </a:pPr>
-            <a:r>
-              <a:rPr lang="ko-KR" altLang="en-US" b="1" dirty="0"/>
-              <a:t>문자열</a:t>
-            </a:r>
-          </a:p>
-        </p:txBody>
-      </p:sp>
-      <p:sp>
-        <p:nvSpPr>
-          <p:cNvPr id="4" name="날짜 개체 틀 3">
-            <a:extLst>
-              <a:ext uri="{FF2B5EF4-FFF2-40B4-BE49-F238E27FC236}">
-                <a16:creationId xmlns:a16="http://schemas.microsoft.com/office/drawing/2014/main" id="{07851673-2F0D-5806-43C5-2E1525ABEF63}"/>
-              </a:ext>
-            </a:extLst>
-          </p:cNvPr>
-          <p:cNvSpPr>
-            <a:spLocks noGrp="1"/>
-          </p:cNvSpPr>
-          <p:nvPr>
-            <p:ph type="dt" sz="half" idx="10"/>
-          </p:nvPr>
-        </p:nvSpPr>
-        <p:spPr/>
-        <p:txBody>
-          <a:bodyPr/>
-          <a:lstStyle/>
-          <a:p>
-            <a:fld id="{2E2BEDFA-D8AA-4914-9440-7DF713C99FA9}" type="datetime1">
-              <a:rPr lang="ko-KR" altLang="en-US" smtClean="0"/>
-              <a:t>2025-04-30</a:t>
-            </a:fld>
-            <a:endParaRPr lang="ko-KR" altLang="en-US"/>
-          </a:p>
-        </p:txBody>
-      </p:sp>
-      <p:sp>
-        <p:nvSpPr>
-          <p:cNvPr id="6" name="슬라이드 번호 개체 틀 5">
-            <a:extLst>
-              <a:ext uri="{FF2B5EF4-FFF2-40B4-BE49-F238E27FC236}">
-                <a16:creationId xmlns:a16="http://schemas.microsoft.com/office/drawing/2014/main" id="{4D23E721-2A68-4990-706A-90B72D6C9281}"/>
-              </a:ext>
-            </a:extLst>
-          </p:cNvPr>
-          <p:cNvSpPr>
-            <a:spLocks noGrp="1"/>
-          </p:cNvSpPr>
-          <p:nvPr>
-            <p:ph type="sldNum" sz="quarter" idx="12"/>
-          </p:nvPr>
-        </p:nvSpPr>
-        <p:spPr/>
-        <p:txBody>
-          <a:bodyPr/>
-          <a:lstStyle/>
-          <a:p>
-            <a:fld id="{083A2CE0-18CD-4102-B738-4ACFF9E68BA4}" type="slidenum">
-              <a:rPr lang="ko-KR" altLang="en-US" smtClean="0"/>
-              <a:t>4</a:t>
-            </a:fld>
-            <a:endParaRPr lang="ko-KR" altLang="en-US"/>
-          </a:p>
-        </p:txBody>
-      </p:sp>
-    </p:spTree>
-    <p:extLst>
-      <p:ext uri="{BB962C8B-B14F-4D97-AF65-F5344CB8AC3E}">
-        <p14:creationId xmlns:p14="http://schemas.microsoft.com/office/powerpoint/2010/main" val="1354914802"/>
-      </p:ext>
-    </p:extLst>
-  </p:cSld>
-  <p:clrMapOvr>
-    <a:masterClrMapping/>
-  </p:clrMapOvr>
-</p:sld>
-</file>
-
-<file path=ppt/slides/slide40.xml><?xml version="1.0" encoding="utf-8"?>
+<file path=ppt/slides/slide44.xml><?xml version="1.0" encoding="utf-8"?>
 <p:sld xmlns:a="http://schemas.openxmlformats.org/drawingml/2006/main" xmlns:r="http://schemas.openxmlformats.org/officeDocument/2006/relationships" xmlns:p="http://schemas.openxmlformats.org/presentationml/2006/main">
   <p:cSld>
     <p:spTree>
@@ -20279,7 +21809,7 @@
           <a:p>
             <a:fld id="{083A2CE0-18CD-4102-B738-4ACFF9E68BA4}" type="slidenum">
               <a:rPr lang="ko-KR" altLang="en-US" smtClean="0"/>
-              <a:t>40</a:t>
+              <a:t>44</a:t>
             </a:fld>
             <a:endParaRPr lang="ko-KR" altLang="en-US"/>
           </a:p>
@@ -20328,7 +21858,7 @@
 </p:sld>
 </file>
 
-<file path=ppt/slides/slide41.xml><?xml version="1.0" encoding="utf-8"?>
+<file path=ppt/slides/slide45.xml><?xml version="1.0" encoding="utf-8"?>
 <p:sld xmlns:a="http://schemas.openxmlformats.org/drawingml/2006/main" xmlns:r="http://schemas.openxmlformats.org/officeDocument/2006/relationships" xmlns:p="http://schemas.openxmlformats.org/presentationml/2006/main">
   <p:cSld>
     <p:spTree>
@@ -20459,7 +21989,7 @@
           <a:p>
             <a:fld id="{083A2CE0-18CD-4102-B738-4ACFF9E68BA4}" type="slidenum">
               <a:rPr lang="ko-KR" altLang="en-US" smtClean="0"/>
-              <a:t>41</a:t>
+              <a:t>45</a:t>
             </a:fld>
             <a:endParaRPr lang="ko-KR" altLang="en-US"/>
           </a:p>
@@ -20713,7 +22243,7 @@
 </p:sld>
 </file>
 
-<file path=ppt/slides/slide42.xml><?xml version="1.0" encoding="utf-8"?>
+<file path=ppt/slides/slide46.xml><?xml version="1.0" encoding="utf-8"?>
 <p:sld xmlns:a="http://schemas.openxmlformats.org/drawingml/2006/main" xmlns:r="http://schemas.openxmlformats.org/officeDocument/2006/relationships" xmlns:p="http://schemas.openxmlformats.org/presentationml/2006/main">
   <p:cSld>
     <p:spTree>
@@ -21023,7 +22553,7 @@
           <a:p>
             <a:fld id="{083A2CE0-18CD-4102-B738-4ACFF9E68BA4}" type="slidenum">
               <a:rPr lang="ko-KR" altLang="en-US" smtClean="0"/>
-              <a:t>42</a:t>
+              <a:t>46</a:t>
             </a:fld>
             <a:endParaRPr lang="ko-KR" altLang="en-US"/>
           </a:p>
@@ -21042,7 +22572,7 @@
 </p:sld>
 </file>
 
-<file path=ppt/slides/slide43.xml><?xml version="1.0" encoding="utf-8"?>
+<file path=ppt/slides/slide47.xml><?xml version="1.0" encoding="utf-8"?>
 <p:sld xmlns:a="http://schemas.openxmlformats.org/drawingml/2006/main" xmlns:r="http://schemas.openxmlformats.org/officeDocument/2006/relationships" xmlns:p="http://schemas.openxmlformats.org/presentationml/2006/main">
   <p:cSld>
     <p:spTree>
@@ -21199,7 +22729,7 @@
           <a:p>
             <a:fld id="{083A2CE0-18CD-4102-B738-4ACFF9E68BA4}" type="slidenum">
               <a:rPr lang="ko-KR" altLang="en-US" smtClean="0"/>
-              <a:t>43</a:t>
+              <a:t>47</a:t>
             </a:fld>
             <a:endParaRPr lang="ko-KR" altLang="en-US"/>
           </a:p>
@@ -21278,7 +22808,7 @@
 </p:sld>
 </file>
 
-<file path=ppt/slides/slide44.xml><?xml version="1.0" encoding="utf-8"?>
+<file path=ppt/slides/slide48.xml><?xml version="1.0" encoding="utf-8"?>
 <p:sld xmlns:a="http://schemas.openxmlformats.org/drawingml/2006/main" xmlns:r="http://schemas.openxmlformats.org/officeDocument/2006/relationships" xmlns:p="http://schemas.openxmlformats.org/presentationml/2006/main">
   <p:cSld>
     <p:spTree>
@@ -21446,7 +22976,7 @@
           <a:p>
             <a:fld id="{083A2CE0-18CD-4102-B738-4ACFF9E68BA4}" type="slidenum">
               <a:rPr lang="ko-KR" altLang="en-US" smtClean="0"/>
-              <a:t>44</a:t>
+              <a:t>48</a:t>
             </a:fld>
             <a:endParaRPr lang="ko-KR" altLang="en-US"/>
           </a:p>
@@ -21525,7 +23055,7 @@
 </p:sld>
 </file>
 
-<file path=ppt/slides/slide45.xml><?xml version="1.0" encoding="utf-8"?>
+<file path=ppt/slides/slide49.xml><?xml version="1.0" encoding="utf-8"?>
 <p:sld xmlns:a="http://schemas.openxmlformats.org/drawingml/2006/main" xmlns:r="http://schemas.openxmlformats.org/officeDocument/2006/relationships" xmlns:p="http://schemas.openxmlformats.org/presentationml/2006/main">
   <p:cSld>
     <p:spTree>
@@ -21652,7 +23182,7 @@
           <a:p>
             <a:fld id="{083A2CE0-18CD-4102-B738-4ACFF9E68BA4}" type="slidenum">
               <a:rPr lang="ko-KR" altLang="en-US" smtClean="0"/>
-              <a:t>45</a:t>
+              <a:t>49</a:t>
             </a:fld>
             <a:endParaRPr lang="ko-KR" altLang="en-US"/>
           </a:p>
@@ -21765,309 +23295,6 @@
     <p:extLst>
       <p:ext uri="{BB962C8B-B14F-4D97-AF65-F5344CB8AC3E}">
         <p14:creationId xmlns:p14="http://schemas.microsoft.com/office/powerpoint/2010/main" val="4260155278"/>
-      </p:ext>
-    </p:extLst>
-  </p:cSld>
-  <p:clrMapOvr>
-    <a:masterClrMapping/>
-  </p:clrMapOvr>
-</p:sld>
-</file>
-
-<file path=ppt/slides/slide46.xml><?xml version="1.0" encoding="utf-8"?>
-<p:sld xmlns:a="http://schemas.openxmlformats.org/drawingml/2006/main" xmlns:r="http://schemas.openxmlformats.org/officeDocument/2006/relationships" xmlns:p="http://schemas.openxmlformats.org/presentationml/2006/main">
-  <p:cSld>
-    <p:spTree>
-      <p:nvGrpSpPr>
-        <p:cNvPr id="1" name=""/>
-        <p:cNvGrpSpPr/>
-        <p:nvPr/>
-      </p:nvGrpSpPr>
-      <p:grpSpPr>
-        <a:xfrm>
-          <a:off x="0" y="0"/>
-          <a:ext cx="0" cy="0"/>
-          <a:chOff x="0" y="0"/>
-          <a:chExt cx="0" cy="0"/>
-        </a:xfrm>
-      </p:grpSpPr>
-      <p:sp>
-        <p:nvSpPr>
-          <p:cNvPr id="2" name="제목 1">
-            <a:extLst>
-              <a:ext uri="{FF2B5EF4-FFF2-40B4-BE49-F238E27FC236}">
-                <a16:creationId xmlns:a16="http://schemas.microsoft.com/office/drawing/2014/main" id="{8ECE2325-7392-0406-C430-C4CD38FB075B}"/>
-              </a:ext>
-            </a:extLst>
-          </p:cNvPr>
-          <p:cNvSpPr>
-            <a:spLocks noGrp="1"/>
-          </p:cNvSpPr>
-          <p:nvPr>
-            <p:ph type="title"/>
-          </p:nvPr>
-        </p:nvSpPr>
-        <p:spPr/>
-        <p:txBody>
-          <a:bodyPr/>
-          <a:lstStyle/>
-          <a:p>
-            <a:r>
-              <a:rPr lang="ko-KR" altLang="en-US" dirty="0">
-                <a:solidFill>
-                  <a:srgbClr val="00B050"/>
-                </a:solidFill>
-              </a:rPr>
-              <a:t>실습</a:t>
-            </a:r>
-            <a:r>
-              <a:rPr lang="en-US" altLang="ko-KR" dirty="0">
-                <a:solidFill>
-                  <a:srgbClr val="00B050"/>
-                </a:solidFill>
-              </a:rPr>
-              <a:t>. while </a:t>
-            </a:r>
-            <a:r>
-              <a:rPr lang="ko-KR" altLang="en-US" dirty="0">
-                <a:solidFill>
-                  <a:srgbClr val="00B050"/>
-                </a:solidFill>
-              </a:rPr>
-              <a:t>문</a:t>
-            </a:r>
-          </a:p>
-        </p:txBody>
-      </p:sp>
-      <p:sp>
-        <p:nvSpPr>
-          <p:cNvPr id="3" name="내용 개체 틀 2">
-            <a:extLst>
-              <a:ext uri="{FF2B5EF4-FFF2-40B4-BE49-F238E27FC236}">
-                <a16:creationId xmlns:a16="http://schemas.microsoft.com/office/drawing/2014/main" id="{A1E4F010-CDDB-314B-16DE-53F80688E42C}"/>
-              </a:ext>
-            </a:extLst>
-          </p:cNvPr>
-          <p:cNvSpPr>
-            <a:spLocks noGrp="1"/>
-          </p:cNvSpPr>
-          <p:nvPr>
-            <p:ph idx="1"/>
-          </p:nvPr>
-        </p:nvSpPr>
-        <p:spPr/>
-        <p:txBody>
-          <a:bodyPr/>
-          <a:lstStyle/>
-          <a:p>
-            <a:r>
-              <a:rPr lang="ko-KR" altLang="en-US" dirty="0"/>
-              <a:t>가위바위보 게임</a:t>
-            </a:r>
-            <a:endParaRPr lang="en-US" altLang="ko-KR" dirty="0"/>
-          </a:p>
-          <a:p>
-            <a:pPr marL="514350" indent="-514350">
-              <a:buFont typeface="+mj-lt"/>
-              <a:buAutoNum type="arabicPeriod"/>
-            </a:pPr>
-            <a:r>
-              <a:rPr lang="ko-KR" altLang="en-US" dirty="0"/>
-              <a:t>가위</a:t>
-            </a:r>
-            <a:r>
-              <a:rPr lang="en-US" altLang="ko-KR" dirty="0"/>
-              <a:t>, </a:t>
-            </a:r>
-            <a:r>
-              <a:rPr lang="ko-KR" altLang="en-US" dirty="0"/>
-              <a:t>바위</a:t>
-            </a:r>
-            <a:r>
-              <a:rPr lang="en-US" altLang="ko-KR" dirty="0"/>
-              <a:t>, </a:t>
-            </a:r>
-            <a:r>
-              <a:rPr lang="ko-KR" altLang="en-US" dirty="0"/>
-              <a:t>보에 대한 버튼을 </a:t>
-            </a:r>
-            <a:r>
-              <a:rPr lang="en-US" altLang="ko-KR" dirty="0"/>
-              <a:t>3</a:t>
-            </a:r>
-            <a:r>
-              <a:rPr lang="ko-KR" altLang="en-US" dirty="0"/>
-              <a:t>개 생성</a:t>
-            </a:r>
-            <a:endParaRPr lang="en-US" altLang="ko-KR" dirty="0"/>
-          </a:p>
-          <a:p>
-            <a:pPr marL="514350" indent="-514350">
-              <a:buFont typeface="+mj-lt"/>
-              <a:buAutoNum type="arabicPeriod"/>
-            </a:pPr>
-            <a:r>
-              <a:rPr lang="ko-KR" altLang="en-US" dirty="0"/>
-              <a:t>셋 중 아무 버튼이나 클릭하면 컴퓨터도 가위</a:t>
-            </a:r>
-            <a:r>
-              <a:rPr lang="en-US" altLang="ko-KR" dirty="0"/>
-              <a:t>, </a:t>
-            </a:r>
-            <a:r>
-              <a:rPr lang="ko-KR" altLang="en-US" dirty="0"/>
-              <a:t>바위</a:t>
-            </a:r>
-            <a:r>
-              <a:rPr lang="en-US" altLang="ko-KR" dirty="0"/>
-              <a:t>, </a:t>
-            </a:r>
-            <a:r>
-              <a:rPr lang="ko-KR" altLang="en-US" dirty="0"/>
-              <a:t>보 중 하나를 랜덤하게 선택</a:t>
-            </a:r>
-            <a:endParaRPr lang="en-US" altLang="ko-KR" dirty="0"/>
-          </a:p>
-          <a:p>
-            <a:pPr marL="514350" indent="-514350">
-              <a:buFont typeface="+mj-lt"/>
-              <a:buAutoNum type="arabicPeriod"/>
-            </a:pPr>
-            <a:r>
-              <a:rPr lang="ko-KR" altLang="en-US" dirty="0"/>
-              <a:t>컴퓨터가 무엇을 선택했는지 화면에 표시하고</a:t>
-            </a:r>
-            <a:r>
-              <a:rPr lang="en-US" altLang="ko-KR" dirty="0"/>
-              <a:t>, </a:t>
-            </a:r>
-            <a:r>
-              <a:rPr lang="ko-KR" altLang="en-US" dirty="0"/>
-              <a:t>사용자가 선택한 것과 비교하여 승패를 가름</a:t>
-            </a:r>
-            <a:endParaRPr lang="en-US" altLang="ko-KR" dirty="0"/>
-          </a:p>
-          <a:p>
-            <a:pPr marL="514350" indent="-514350">
-              <a:buFont typeface="+mj-lt"/>
-              <a:buAutoNum type="arabicPeriod"/>
-            </a:pPr>
-            <a:r>
-              <a:rPr lang="ko-KR" altLang="en-US" dirty="0"/>
-              <a:t>사용자와 컴퓨터의 점수를 표시하고 먼저 </a:t>
-            </a:r>
-            <a:r>
-              <a:rPr lang="en-US" altLang="ko-KR" dirty="0"/>
-              <a:t>3</a:t>
-            </a:r>
-            <a:r>
-              <a:rPr lang="ko-KR" altLang="en-US" dirty="0"/>
-              <a:t>점을 얻는 쪽이 최종 승리</a:t>
-            </a:r>
-            <a:endParaRPr lang="en-US" altLang="ko-KR" dirty="0"/>
-          </a:p>
-          <a:p>
-            <a:pPr marL="514350" indent="-514350">
-              <a:buFont typeface="+mj-lt"/>
-              <a:buAutoNum type="arabicPeriod"/>
-            </a:pPr>
-            <a:r>
-              <a:rPr lang="en-US" altLang="ko-KR" dirty="0"/>
-              <a:t>Push </a:t>
-            </a:r>
-            <a:r>
-              <a:rPr lang="ko-KR" altLang="en-US" dirty="0"/>
-              <a:t>후 </a:t>
-            </a:r>
-            <a:r>
-              <a:rPr lang="en-US" altLang="ko-KR" dirty="0"/>
-              <a:t>Repo. </a:t>
-            </a:r>
-            <a:r>
-              <a:rPr lang="ko-KR" altLang="en-US" dirty="0"/>
-              <a:t>링크를 </a:t>
-            </a:r>
-            <a:r>
-              <a:rPr lang="ko-KR" altLang="en-US" dirty="0" err="1"/>
-              <a:t>슬랙</a:t>
-            </a:r>
-            <a:r>
-              <a:rPr lang="ko-KR" altLang="en-US" dirty="0"/>
-              <a:t> 댓글로 제출</a:t>
-            </a:r>
-            <a:endParaRPr lang="en-US" altLang="ko-KR" dirty="0"/>
-          </a:p>
-          <a:p>
-            <a:pPr marL="514350" indent="-514350">
-              <a:buFont typeface="+mj-lt"/>
-              <a:buAutoNum type="arabicPeriod"/>
-            </a:pPr>
-            <a:endParaRPr lang="ko-KR" altLang="en-US" dirty="0"/>
-          </a:p>
-        </p:txBody>
-      </p:sp>
-      <p:sp>
-        <p:nvSpPr>
-          <p:cNvPr id="4" name="날짜 개체 틀 3">
-            <a:extLst>
-              <a:ext uri="{FF2B5EF4-FFF2-40B4-BE49-F238E27FC236}">
-                <a16:creationId xmlns:a16="http://schemas.microsoft.com/office/drawing/2014/main" id="{DBF331F7-6F39-0889-6DB5-992845350DEE}"/>
-              </a:ext>
-            </a:extLst>
-          </p:cNvPr>
-          <p:cNvSpPr>
-            <a:spLocks noGrp="1"/>
-          </p:cNvSpPr>
-          <p:nvPr>
-            <p:ph type="dt" sz="half" idx="10"/>
-          </p:nvPr>
-        </p:nvSpPr>
-        <p:spPr/>
-        <p:txBody>
-          <a:bodyPr/>
-          <a:lstStyle/>
-          <a:p>
-            <a:fld id="{0F78D9C4-20C1-4B15-A116-16DC77AD9A1E}" type="datetime1">
-              <a:rPr lang="ko-KR" altLang="en-US" smtClean="0"/>
-              <a:t>2025-04-30</a:t>
-            </a:fld>
-            <a:endParaRPr lang="ko-KR" altLang="en-US"/>
-          </a:p>
-        </p:txBody>
-      </p:sp>
-      <p:sp>
-        <p:nvSpPr>
-          <p:cNvPr id="5" name="슬라이드 번호 개체 틀 4">
-            <a:extLst>
-              <a:ext uri="{FF2B5EF4-FFF2-40B4-BE49-F238E27FC236}">
-                <a16:creationId xmlns:a16="http://schemas.microsoft.com/office/drawing/2014/main" id="{83740C8A-C010-B5CA-1036-96B32EB620E1}"/>
-              </a:ext>
-            </a:extLst>
-          </p:cNvPr>
-          <p:cNvSpPr>
-            <a:spLocks noGrp="1"/>
-          </p:cNvSpPr>
-          <p:nvPr>
-            <p:ph type="sldNum" sz="quarter" idx="12"/>
-          </p:nvPr>
-        </p:nvSpPr>
-        <p:spPr/>
-        <p:txBody>
-          <a:bodyPr/>
-          <a:lstStyle/>
-          <a:p>
-            <a:fld id="{083A2CE0-18CD-4102-B738-4ACFF9E68BA4}" type="slidenum">
-              <a:rPr lang="ko-KR" altLang="en-US" smtClean="0"/>
-              <a:t>46</a:t>
-            </a:fld>
-            <a:endParaRPr lang="ko-KR" altLang="en-US"/>
-          </a:p>
-        </p:txBody>
-      </p:sp>
-    </p:spTree>
-    <p:extLst>
-      <p:ext uri="{BB962C8B-B14F-4D97-AF65-F5344CB8AC3E}">
-        <p14:creationId xmlns:p14="http://schemas.microsoft.com/office/powerpoint/2010/main" val="1361457749"/>
       </p:ext>
     </p:extLst>
   </p:cSld>
@@ -22533,10 +23760,6 @@
             <a:r>
               <a:rPr lang="ko-KR" altLang="en-US" dirty="0"/>
               <a:t>다양한 문자열 제어 함수를 사용하여 다방면으로 활용 가능</a:t>
-            </a:r>
-            <a:r>
-              <a:rPr lang="en-US" altLang="ko-KR" dirty="0"/>
-              <a:t/>
             </a:r>
             <a:br>
               <a:rPr lang="en-US" altLang="ko-KR" dirty="0"/>
@@ -22771,7 +23994,7 @@
         </p:nvGraphicFramePr>
         <p:xfrm>
           <a:off x="429323" y="1355791"/>
-          <a:ext cx="11318240" cy="4114800"/>
+          <a:ext cx="11318240" cy="4358640"/>
         </p:xfrm>
         <a:graphic>
           <a:graphicData uri="http://schemas.openxmlformats.org/drawingml/2006/table">

--- a/material/09_CSharp_기본문법 (배열, 문자열, 함수, 조건문, 반복문).pptx
+++ b/material/09_CSharp_기본문법 (배열, 문자열, 함수, 조건문, 반복문).pptx
@@ -62,12 +62,12 @@
   <p:notesSz cx="6858000" cy="9144000"/>
   <p:embeddedFontLst>
     <p:embeddedFont>
-      <p:font typeface="HY헤드라인M" panose="02030600000101010101" pitchFamily="18" charset="-127"/>
-      <p:regular r:id="rId52"/>
+      <p:font typeface="Pretendard GOV Black" panose="020B0600000101010101" charset="-127"/>
+      <p:bold r:id="rId52"/>
     </p:embeddedFont>
     <p:embeddedFont>
-      <p:font typeface="Pretendard ExtraBold" panose="020B0600000101010101" charset="-127"/>
-      <p:bold r:id="rId53"/>
+      <p:font typeface="HY헤드라인M" panose="02030600000101010101" pitchFamily="18" charset="-127"/>
+      <p:regular r:id="rId53"/>
     </p:embeddedFont>
     <p:embeddedFont>
       <p:font typeface="Consolas" panose="020B0609020204030204" pitchFamily="49" charset="0"/>
@@ -77,16 +77,16 @@
       <p:boldItalic r:id="rId57"/>
     </p:embeddedFont>
     <p:embeddedFont>
-      <p:font typeface="Pretendard GOV" panose="02000503000000020004" pitchFamily="2" charset="-127"/>
+      <p:font typeface="맑은 고딕" panose="020B0503020000020004" pitchFamily="50" charset="-127"/>
       <p:regular r:id="rId58"/>
       <p:bold r:id="rId59"/>
     </p:embeddedFont>
     <p:embeddedFont>
-      <p:font typeface="Pretendard GOV Black" panose="02000A03000000020004" pitchFamily="2" charset="-127"/>
+      <p:font typeface="Pretendard ExtraBold" panose="02000903000000020004" pitchFamily="2" charset="-127"/>
       <p:bold r:id="rId60"/>
     </p:embeddedFont>
     <p:embeddedFont>
-      <p:font typeface="맑은 고딕" panose="020B0503020000020004" pitchFamily="50" charset="-127"/>
+      <p:font typeface="Pretendard GOV" panose="020B0600000101010101" charset="-127"/>
       <p:regular r:id="rId61"/>
       <p:bold r:id="rId62"/>
     </p:embeddedFont>
@@ -279,7 +279,7 @@
           <a:p>
             <a:fld id="{2EF3F159-7250-4DD4-91C2-13B35D56E1AF}" type="datetimeFigureOut">
               <a:rPr lang="ko-KR" altLang="en-US" smtClean="0"/>
-              <a:t>2025-04-30</a:t>
+              <a:t>2025-06-08</a:t>
             </a:fld>
             <a:endParaRPr lang="ko-KR" altLang="en-US"/>
           </a:p>
@@ -698,6 +698,90 @@
           <a:bodyPr/>
           <a:lstStyle/>
           <a:p>
+            <a:endParaRPr lang="en-US" altLang="ko-KR" dirty="0"/>
+          </a:p>
+        </p:txBody>
+      </p:sp>
+      <p:sp>
+        <p:nvSpPr>
+          <p:cNvPr id="4" name="슬라이드 번호 개체 틀 3"/>
+          <p:cNvSpPr>
+            <a:spLocks noGrp="1"/>
+          </p:cNvSpPr>
+          <p:nvPr>
+            <p:ph type="sldNum" sz="quarter" idx="5"/>
+          </p:nvPr>
+        </p:nvSpPr>
+        <p:spPr/>
+        <p:txBody>
+          <a:bodyPr/>
+          <a:lstStyle/>
+          <a:p>
+            <a:fld id="{C09E5BFC-1559-42F1-8940-AB342D56BF02}" type="slidenum">
+              <a:rPr lang="ko-KR" altLang="en-US" smtClean="0"/>
+              <a:t>12</a:t>
+            </a:fld>
+            <a:endParaRPr lang="ko-KR" altLang="en-US"/>
+          </a:p>
+        </p:txBody>
+      </p:sp>
+    </p:spTree>
+    <p:extLst>
+      <p:ext uri="{BB962C8B-B14F-4D97-AF65-F5344CB8AC3E}">
+        <p14:creationId xmlns:p14="http://schemas.microsoft.com/office/powerpoint/2010/main" val="1477497809"/>
+      </p:ext>
+    </p:extLst>
+  </p:cSld>
+  <p:clrMapOvr>
+    <a:masterClrMapping/>
+  </p:clrMapOvr>
+</p:notes>
+</file>
+
+<file path=ppt/notesSlides/notesSlide11.xml><?xml version="1.0" encoding="utf-8"?>
+<p:notes xmlns:a="http://schemas.openxmlformats.org/drawingml/2006/main" xmlns:r="http://schemas.openxmlformats.org/officeDocument/2006/relationships" xmlns:p="http://schemas.openxmlformats.org/presentationml/2006/main">
+  <p:cSld>
+    <p:spTree>
+      <p:nvGrpSpPr>
+        <p:cNvPr id="1" name=""/>
+        <p:cNvGrpSpPr/>
+        <p:nvPr/>
+      </p:nvGrpSpPr>
+      <p:grpSpPr>
+        <a:xfrm>
+          <a:off x="0" y="0"/>
+          <a:ext cx="0" cy="0"/>
+          <a:chOff x="0" y="0"/>
+          <a:chExt cx="0" cy="0"/>
+        </a:xfrm>
+      </p:grpSpPr>
+      <p:sp>
+        <p:nvSpPr>
+          <p:cNvPr id="2" name="슬라이드 이미지 개체 틀 1"/>
+          <p:cNvSpPr>
+            <a:spLocks noGrp="1" noRot="1" noChangeAspect="1"/>
+          </p:cNvSpPr>
+          <p:nvPr>
+            <p:ph type="sldImg"/>
+          </p:nvPr>
+        </p:nvSpPr>
+        <p:spPr/>
+      </p:sp>
+      <p:sp>
+        <p:nvSpPr>
+          <p:cNvPr id="3" name="슬라이드 노트 개체 틀 2"/>
+          <p:cNvSpPr>
+            <a:spLocks noGrp="1"/>
+          </p:cNvSpPr>
+          <p:nvPr>
+            <p:ph type="body" idx="1"/>
+          </p:nvPr>
+        </p:nvSpPr>
+        <p:spPr/>
+        <p:txBody>
+          <a:bodyPr/>
+          <a:lstStyle/>
+          <a:p>
             <a:endParaRPr lang="ko-KR" altLang="en-US" dirty="0"/>
           </a:p>
         </p:txBody>
@@ -738,7 +822,7 @@
 </p:notes>
 </file>
 
-<file path=ppt/notesSlides/notesSlide11.xml><?xml version="1.0" encoding="utf-8"?>
+<file path=ppt/notesSlides/notesSlide12.xml><?xml version="1.0" encoding="utf-8"?>
 <p:notes xmlns:a="http://schemas.openxmlformats.org/drawingml/2006/main" xmlns:r="http://schemas.openxmlformats.org/officeDocument/2006/relationships" xmlns:p="http://schemas.openxmlformats.org/presentationml/2006/main">
   <p:cSld>
     <p:spTree>
@@ -837,90 +921,6 @@
     <p:extLst>
       <p:ext uri="{BB962C8B-B14F-4D97-AF65-F5344CB8AC3E}">
         <p14:creationId xmlns:p14="http://schemas.microsoft.com/office/powerpoint/2010/main" val="1440276894"/>
-      </p:ext>
-    </p:extLst>
-  </p:cSld>
-  <p:clrMapOvr>
-    <a:masterClrMapping/>
-  </p:clrMapOvr>
-</p:notes>
-</file>
-
-<file path=ppt/notesSlides/notesSlide12.xml><?xml version="1.0" encoding="utf-8"?>
-<p:notes xmlns:a="http://schemas.openxmlformats.org/drawingml/2006/main" xmlns:r="http://schemas.openxmlformats.org/officeDocument/2006/relationships" xmlns:p="http://schemas.openxmlformats.org/presentationml/2006/main">
-  <p:cSld>
-    <p:spTree>
-      <p:nvGrpSpPr>
-        <p:cNvPr id="1" name=""/>
-        <p:cNvGrpSpPr/>
-        <p:nvPr/>
-      </p:nvGrpSpPr>
-      <p:grpSpPr>
-        <a:xfrm>
-          <a:off x="0" y="0"/>
-          <a:ext cx="0" cy="0"/>
-          <a:chOff x="0" y="0"/>
-          <a:chExt cx="0" cy="0"/>
-        </a:xfrm>
-      </p:grpSpPr>
-      <p:sp>
-        <p:nvSpPr>
-          <p:cNvPr id="2" name="슬라이드 이미지 개체 틀 1"/>
-          <p:cNvSpPr>
-            <a:spLocks noGrp="1" noRot="1" noChangeAspect="1"/>
-          </p:cNvSpPr>
-          <p:nvPr>
-            <p:ph type="sldImg"/>
-          </p:nvPr>
-        </p:nvSpPr>
-        <p:spPr/>
-      </p:sp>
-      <p:sp>
-        <p:nvSpPr>
-          <p:cNvPr id="3" name="슬라이드 노트 개체 틀 2"/>
-          <p:cNvSpPr>
-            <a:spLocks noGrp="1"/>
-          </p:cNvSpPr>
-          <p:nvPr>
-            <p:ph type="body" idx="1"/>
-          </p:nvPr>
-        </p:nvSpPr>
-        <p:spPr/>
-        <p:txBody>
-          <a:bodyPr/>
-          <a:lstStyle/>
-          <a:p>
-            <a:endParaRPr lang="ko-KR" altLang="en-US" dirty="0"/>
-          </a:p>
-        </p:txBody>
-      </p:sp>
-      <p:sp>
-        <p:nvSpPr>
-          <p:cNvPr id="4" name="슬라이드 번호 개체 틀 3"/>
-          <p:cNvSpPr>
-            <a:spLocks noGrp="1"/>
-          </p:cNvSpPr>
-          <p:nvPr>
-            <p:ph type="sldNum" sz="quarter" idx="5"/>
-          </p:nvPr>
-        </p:nvSpPr>
-        <p:spPr/>
-        <p:txBody>
-          <a:bodyPr/>
-          <a:lstStyle/>
-          <a:p>
-            <a:fld id="{C09E5BFC-1559-42F1-8940-AB342D56BF02}" type="slidenum">
-              <a:rPr lang="ko-KR" altLang="en-US" smtClean="0"/>
-              <a:t>18</a:t>
-            </a:fld>
-            <a:endParaRPr lang="ko-KR" altLang="en-US"/>
-          </a:p>
-        </p:txBody>
-      </p:sp>
-    </p:spTree>
-    <p:extLst>
-      <p:ext uri="{BB962C8B-B14F-4D97-AF65-F5344CB8AC3E}">
-        <p14:creationId xmlns:p14="http://schemas.microsoft.com/office/powerpoint/2010/main" val="4176619647"/>
       </p:ext>
     </p:extLst>
   </p:cSld>
@@ -995,6 +995,90 @@
           <a:p>
             <a:fld id="{C09E5BFC-1559-42F1-8940-AB342D56BF02}" type="slidenum">
               <a:rPr lang="ko-KR" altLang="en-US" smtClean="0"/>
+              <a:t>18</a:t>
+            </a:fld>
+            <a:endParaRPr lang="ko-KR" altLang="en-US"/>
+          </a:p>
+        </p:txBody>
+      </p:sp>
+    </p:spTree>
+    <p:extLst>
+      <p:ext uri="{BB962C8B-B14F-4D97-AF65-F5344CB8AC3E}">
+        <p14:creationId xmlns:p14="http://schemas.microsoft.com/office/powerpoint/2010/main" val="4176619647"/>
+      </p:ext>
+    </p:extLst>
+  </p:cSld>
+  <p:clrMapOvr>
+    <a:masterClrMapping/>
+  </p:clrMapOvr>
+</p:notes>
+</file>
+
+<file path=ppt/notesSlides/notesSlide14.xml><?xml version="1.0" encoding="utf-8"?>
+<p:notes xmlns:a="http://schemas.openxmlformats.org/drawingml/2006/main" xmlns:r="http://schemas.openxmlformats.org/officeDocument/2006/relationships" xmlns:p="http://schemas.openxmlformats.org/presentationml/2006/main">
+  <p:cSld>
+    <p:spTree>
+      <p:nvGrpSpPr>
+        <p:cNvPr id="1" name=""/>
+        <p:cNvGrpSpPr/>
+        <p:nvPr/>
+      </p:nvGrpSpPr>
+      <p:grpSpPr>
+        <a:xfrm>
+          <a:off x="0" y="0"/>
+          <a:ext cx="0" cy="0"/>
+          <a:chOff x="0" y="0"/>
+          <a:chExt cx="0" cy="0"/>
+        </a:xfrm>
+      </p:grpSpPr>
+      <p:sp>
+        <p:nvSpPr>
+          <p:cNvPr id="2" name="슬라이드 이미지 개체 틀 1"/>
+          <p:cNvSpPr>
+            <a:spLocks noGrp="1" noRot="1" noChangeAspect="1"/>
+          </p:cNvSpPr>
+          <p:nvPr>
+            <p:ph type="sldImg"/>
+          </p:nvPr>
+        </p:nvSpPr>
+        <p:spPr/>
+      </p:sp>
+      <p:sp>
+        <p:nvSpPr>
+          <p:cNvPr id="3" name="슬라이드 노트 개체 틀 2"/>
+          <p:cNvSpPr>
+            <a:spLocks noGrp="1"/>
+          </p:cNvSpPr>
+          <p:nvPr>
+            <p:ph type="body" idx="1"/>
+          </p:nvPr>
+        </p:nvSpPr>
+        <p:spPr/>
+        <p:txBody>
+          <a:bodyPr/>
+          <a:lstStyle/>
+          <a:p>
+            <a:endParaRPr lang="ko-KR" altLang="en-US" dirty="0"/>
+          </a:p>
+        </p:txBody>
+      </p:sp>
+      <p:sp>
+        <p:nvSpPr>
+          <p:cNvPr id="4" name="슬라이드 번호 개체 틀 3"/>
+          <p:cNvSpPr>
+            <a:spLocks noGrp="1"/>
+          </p:cNvSpPr>
+          <p:nvPr>
+            <p:ph type="sldNum" sz="quarter" idx="5"/>
+          </p:nvPr>
+        </p:nvSpPr>
+        <p:spPr/>
+        <p:txBody>
+          <a:bodyPr/>
+          <a:lstStyle/>
+          <a:p>
+            <a:fld id="{C09E5BFC-1559-42F1-8940-AB342D56BF02}" type="slidenum">
+              <a:rPr lang="ko-KR" altLang="en-US" smtClean="0"/>
               <a:t>20</a:t>
             </a:fld>
             <a:endParaRPr lang="ko-KR" altLang="en-US"/>
@@ -1014,7 +1098,7 @@
 </p:notes>
 </file>
 
-<file path=ppt/notesSlides/notesSlide14.xml><?xml version="1.0" encoding="utf-8"?>
+<file path=ppt/notesSlides/notesSlide15.xml><?xml version="1.0" encoding="utf-8"?>
 <p:notes xmlns:a="http://schemas.openxmlformats.org/drawingml/2006/main" xmlns:r="http://schemas.openxmlformats.org/officeDocument/2006/relationships" xmlns:p="http://schemas.openxmlformats.org/presentationml/2006/main">
   <p:cSld>
     <p:spTree>
@@ -1076,74 +1160,6 @@
           <a:bodyPr/>
           <a:lstStyle/>
           <a:p>
-            <a:pPr>
-              <a:buNone/>
-            </a:pPr>
-            <a:r>
-              <a:rPr lang="ko-KR" altLang="en-US" dirty="0"/>
-              <a:t>조건식에는 </a:t>
-            </a:r>
-            <a:r>
-              <a:rPr lang="en-US" altLang="ko-KR" b="1" dirty="0"/>
-              <a:t>&amp;&amp;, ||</a:t>
-            </a:r>
-            <a:r>
-              <a:rPr lang="ko-KR" altLang="en-US" dirty="0"/>
-              <a:t> 사용하세요</a:t>
-            </a:r>
-            <a:r>
-              <a:rPr lang="en-US" altLang="ko-KR" dirty="0"/>
-              <a:t>! → </a:t>
-            </a:r>
-            <a:r>
-              <a:rPr lang="ko-KR" altLang="en-US" dirty="0"/>
-              <a:t>효율적이고 안전함</a:t>
-            </a:r>
-          </a:p>
-          <a:p>
-            <a:r>
-              <a:rPr lang="en-US" altLang="ko-KR" dirty="0"/>
-              <a:t>&amp;, |</a:t>
-            </a:r>
-            <a:r>
-              <a:rPr lang="ko-KR" altLang="en-US" dirty="0"/>
-              <a:t>는 </a:t>
-            </a:r>
-            <a:r>
-              <a:rPr lang="ko-KR" altLang="en-US" b="1" dirty="0"/>
-              <a:t>비트 연산</a:t>
-            </a:r>
-            <a:r>
-              <a:rPr lang="en-US" altLang="ko-KR" dirty="0"/>
-              <a:t>(</a:t>
-            </a:r>
-            <a:r>
-              <a:rPr lang="ko-KR" altLang="en-US" dirty="0"/>
-              <a:t>정수 연산</a:t>
-            </a:r>
-            <a:r>
-              <a:rPr lang="en-US" altLang="ko-KR" dirty="0"/>
-              <a:t>)</a:t>
-            </a:r>
-            <a:r>
-              <a:rPr lang="ko-KR" altLang="en-US" dirty="0"/>
-              <a:t>에서 사용하거나</a:t>
-            </a:r>
-            <a:r>
-              <a:rPr lang="en-US" altLang="ko-KR" dirty="0"/>
-              <a:t>, </a:t>
-            </a:r>
-            <a:r>
-              <a:rPr lang="ko-KR" altLang="en-US" b="1" dirty="0"/>
-              <a:t>조건을 모두 평가해야 할 특별한 경우</a:t>
-            </a:r>
-            <a:r>
-              <a:rPr lang="ko-KR" altLang="en-US" dirty="0"/>
-              <a:t>에만 사용</a:t>
-            </a:r>
-            <a:endParaRPr lang="en-US" altLang="ko-KR" dirty="0"/>
-          </a:p>
-          <a:p>
             <a:endParaRPr lang="en-US" altLang="ko-KR" dirty="0"/>
           </a:p>
         </p:txBody>
@@ -1181,93 +1197,6 @@
     <p:extLst>
       <p:ext uri="{BB962C8B-B14F-4D97-AF65-F5344CB8AC3E}">
         <p14:creationId xmlns:p14="http://schemas.microsoft.com/office/powerpoint/2010/main" val="3526736062"/>
-      </p:ext>
-    </p:extLst>
-  </p:cSld>
-  <p:clrMapOvr>
-    <a:masterClrMapping/>
-  </p:clrMapOvr>
-</p:notes>
-</file>
-
-<file path=ppt/notesSlides/notesSlide15.xml><?xml version="1.0" encoding="utf-8"?>
-<p:notes xmlns:a="http://schemas.openxmlformats.org/drawingml/2006/main" xmlns:r="http://schemas.openxmlformats.org/officeDocument/2006/relationships" xmlns:p="http://schemas.openxmlformats.org/presentationml/2006/main">
-  <p:cSld>
-    <p:spTree>
-      <p:nvGrpSpPr>
-        <p:cNvPr id="1" name=""/>
-        <p:cNvGrpSpPr/>
-        <p:nvPr/>
-      </p:nvGrpSpPr>
-      <p:grpSpPr>
-        <a:xfrm>
-          <a:off x="0" y="0"/>
-          <a:ext cx="0" cy="0"/>
-          <a:chOff x="0" y="0"/>
-          <a:chExt cx="0" cy="0"/>
-        </a:xfrm>
-      </p:grpSpPr>
-      <p:sp>
-        <p:nvSpPr>
-          <p:cNvPr id="2" name="슬라이드 이미지 개체 틀 1"/>
-          <p:cNvSpPr>
-            <a:spLocks noGrp="1" noRot="1" noChangeAspect="1"/>
-          </p:cNvSpPr>
-          <p:nvPr>
-            <p:ph type="sldImg"/>
-          </p:nvPr>
-        </p:nvSpPr>
-        <p:spPr/>
-      </p:sp>
-      <p:sp>
-        <p:nvSpPr>
-          <p:cNvPr id="3" name="슬라이드 노트 개체 틀 2"/>
-          <p:cNvSpPr>
-            <a:spLocks noGrp="1"/>
-          </p:cNvSpPr>
-          <p:nvPr>
-            <p:ph type="body" idx="1"/>
-          </p:nvPr>
-        </p:nvSpPr>
-        <p:spPr/>
-        <p:txBody>
-          <a:bodyPr/>
-          <a:lstStyle/>
-          <a:p>
-            <a:r>
-              <a:rPr lang="ko-KR" altLang="en-US" dirty="0"/>
-              <a:t>｜은　파이프라　읽음</a:t>
-            </a:r>
-          </a:p>
-        </p:txBody>
-      </p:sp>
-      <p:sp>
-        <p:nvSpPr>
-          <p:cNvPr id="4" name="슬라이드 번호 개체 틀 3"/>
-          <p:cNvSpPr>
-            <a:spLocks noGrp="1"/>
-          </p:cNvSpPr>
-          <p:nvPr>
-            <p:ph type="sldNum" sz="quarter" idx="5"/>
-          </p:nvPr>
-        </p:nvSpPr>
-        <p:spPr/>
-        <p:txBody>
-          <a:bodyPr/>
-          <a:lstStyle/>
-          <a:p>
-            <a:fld id="{C09E5BFC-1559-42F1-8940-AB342D56BF02}" type="slidenum">
-              <a:rPr lang="ko-KR" altLang="en-US" smtClean="0"/>
-              <a:t>22</a:t>
-            </a:fld>
-            <a:endParaRPr lang="ko-KR" altLang="en-US"/>
-          </a:p>
-        </p:txBody>
-      </p:sp>
-    </p:spTree>
-    <p:extLst>
-      <p:ext uri="{BB962C8B-B14F-4D97-AF65-F5344CB8AC3E}">
-        <p14:creationId xmlns:p14="http://schemas.microsoft.com/office/powerpoint/2010/main" val="1293192272"/>
       </p:ext>
     </p:extLst>
   </p:cSld>
@@ -1342,7 +1271,7 @@
           <a:p>
             <a:fld id="{C09E5BFC-1559-42F1-8940-AB342D56BF02}" type="slidenum">
               <a:rPr lang="ko-KR" altLang="en-US" smtClean="0"/>
-              <a:t>23</a:t>
+              <a:t>22</a:t>
             </a:fld>
             <a:endParaRPr lang="ko-KR" altLang="en-US"/>
           </a:p>
@@ -1351,7 +1280,7 @@
     </p:spTree>
     <p:extLst>
       <p:ext uri="{BB962C8B-B14F-4D97-AF65-F5344CB8AC3E}">
-        <p14:creationId xmlns:p14="http://schemas.microsoft.com/office/powerpoint/2010/main" val="857427129"/>
+        <p14:creationId xmlns:p14="http://schemas.microsoft.com/office/powerpoint/2010/main" val="1293192272"/>
       </p:ext>
     </p:extLst>
   </p:cSld>
@@ -1426,6 +1355,90 @@
           <a:p>
             <a:fld id="{C09E5BFC-1559-42F1-8940-AB342D56BF02}" type="slidenum">
               <a:rPr lang="ko-KR" altLang="en-US" smtClean="0"/>
+              <a:t>23</a:t>
+            </a:fld>
+            <a:endParaRPr lang="ko-KR" altLang="en-US"/>
+          </a:p>
+        </p:txBody>
+      </p:sp>
+    </p:spTree>
+    <p:extLst>
+      <p:ext uri="{BB962C8B-B14F-4D97-AF65-F5344CB8AC3E}">
+        <p14:creationId xmlns:p14="http://schemas.microsoft.com/office/powerpoint/2010/main" val="857427129"/>
+      </p:ext>
+    </p:extLst>
+  </p:cSld>
+  <p:clrMapOvr>
+    <a:masterClrMapping/>
+  </p:clrMapOvr>
+</p:notes>
+</file>
+
+<file path=ppt/notesSlides/notesSlide18.xml><?xml version="1.0" encoding="utf-8"?>
+<p:notes xmlns:a="http://schemas.openxmlformats.org/drawingml/2006/main" xmlns:r="http://schemas.openxmlformats.org/officeDocument/2006/relationships" xmlns:p="http://schemas.openxmlformats.org/presentationml/2006/main">
+  <p:cSld>
+    <p:spTree>
+      <p:nvGrpSpPr>
+        <p:cNvPr id="1" name=""/>
+        <p:cNvGrpSpPr/>
+        <p:nvPr/>
+      </p:nvGrpSpPr>
+      <p:grpSpPr>
+        <a:xfrm>
+          <a:off x="0" y="0"/>
+          <a:ext cx="0" cy="0"/>
+          <a:chOff x="0" y="0"/>
+          <a:chExt cx="0" cy="0"/>
+        </a:xfrm>
+      </p:grpSpPr>
+      <p:sp>
+        <p:nvSpPr>
+          <p:cNvPr id="2" name="슬라이드 이미지 개체 틀 1"/>
+          <p:cNvSpPr>
+            <a:spLocks noGrp="1" noRot="1" noChangeAspect="1"/>
+          </p:cNvSpPr>
+          <p:nvPr>
+            <p:ph type="sldImg"/>
+          </p:nvPr>
+        </p:nvSpPr>
+        <p:spPr/>
+      </p:sp>
+      <p:sp>
+        <p:nvSpPr>
+          <p:cNvPr id="3" name="슬라이드 노트 개체 틀 2"/>
+          <p:cNvSpPr>
+            <a:spLocks noGrp="1"/>
+          </p:cNvSpPr>
+          <p:nvPr>
+            <p:ph type="body" idx="1"/>
+          </p:nvPr>
+        </p:nvSpPr>
+        <p:spPr/>
+        <p:txBody>
+          <a:bodyPr/>
+          <a:lstStyle/>
+          <a:p>
+            <a:endParaRPr lang="ko-KR" altLang="en-US" dirty="0"/>
+          </a:p>
+        </p:txBody>
+      </p:sp>
+      <p:sp>
+        <p:nvSpPr>
+          <p:cNvPr id="4" name="슬라이드 번호 개체 틀 3"/>
+          <p:cNvSpPr>
+            <a:spLocks noGrp="1"/>
+          </p:cNvSpPr>
+          <p:nvPr>
+            <p:ph type="sldNum" sz="quarter" idx="5"/>
+          </p:nvPr>
+        </p:nvSpPr>
+        <p:spPr/>
+        <p:txBody>
+          <a:bodyPr/>
+          <a:lstStyle/>
+          <a:p>
+            <a:fld id="{C09E5BFC-1559-42F1-8940-AB342D56BF02}" type="slidenum">
+              <a:rPr lang="ko-KR" altLang="en-US" smtClean="0"/>
               <a:t>24</a:t>
             </a:fld>
             <a:endParaRPr lang="ko-KR" altLang="en-US"/>
@@ -1445,7 +1458,7 @@
 </p:notes>
 </file>
 
-<file path=ppt/notesSlides/notesSlide18.xml><?xml version="1.0" encoding="utf-8"?>
+<file path=ppt/notesSlides/notesSlide19.xml><?xml version="1.0" encoding="utf-8"?>
 <p:notes xmlns:a="http://schemas.openxmlformats.org/drawingml/2006/main" xmlns:r="http://schemas.openxmlformats.org/officeDocument/2006/relationships" xmlns:p="http://schemas.openxmlformats.org/presentationml/2006/main">
   <p:cSld>
     <p:spTree>
@@ -1544,90 +1557,6 @@
     <p:extLst>
       <p:ext uri="{BB962C8B-B14F-4D97-AF65-F5344CB8AC3E}">
         <p14:creationId xmlns:p14="http://schemas.microsoft.com/office/powerpoint/2010/main" val="246511245"/>
-      </p:ext>
-    </p:extLst>
-  </p:cSld>
-  <p:clrMapOvr>
-    <a:masterClrMapping/>
-  </p:clrMapOvr>
-</p:notes>
-</file>
-
-<file path=ppt/notesSlides/notesSlide19.xml><?xml version="1.0" encoding="utf-8"?>
-<p:notes xmlns:a="http://schemas.openxmlformats.org/drawingml/2006/main" xmlns:r="http://schemas.openxmlformats.org/officeDocument/2006/relationships" xmlns:p="http://schemas.openxmlformats.org/presentationml/2006/main">
-  <p:cSld>
-    <p:spTree>
-      <p:nvGrpSpPr>
-        <p:cNvPr id="1" name=""/>
-        <p:cNvGrpSpPr/>
-        <p:nvPr/>
-      </p:nvGrpSpPr>
-      <p:grpSpPr>
-        <a:xfrm>
-          <a:off x="0" y="0"/>
-          <a:ext cx="0" cy="0"/>
-          <a:chOff x="0" y="0"/>
-          <a:chExt cx="0" cy="0"/>
-        </a:xfrm>
-      </p:grpSpPr>
-      <p:sp>
-        <p:nvSpPr>
-          <p:cNvPr id="2" name="슬라이드 이미지 개체 틀 1"/>
-          <p:cNvSpPr>
-            <a:spLocks noGrp="1" noRot="1" noChangeAspect="1"/>
-          </p:cNvSpPr>
-          <p:nvPr>
-            <p:ph type="sldImg"/>
-          </p:nvPr>
-        </p:nvSpPr>
-        <p:spPr/>
-      </p:sp>
-      <p:sp>
-        <p:nvSpPr>
-          <p:cNvPr id="3" name="슬라이드 노트 개체 틀 2"/>
-          <p:cNvSpPr>
-            <a:spLocks noGrp="1"/>
-          </p:cNvSpPr>
-          <p:nvPr>
-            <p:ph type="body" idx="1"/>
-          </p:nvPr>
-        </p:nvSpPr>
-        <p:spPr/>
-        <p:txBody>
-          <a:bodyPr/>
-          <a:lstStyle/>
-          <a:p>
-            <a:endParaRPr lang="ko-KR" altLang="en-US" dirty="0"/>
-          </a:p>
-        </p:txBody>
-      </p:sp>
-      <p:sp>
-        <p:nvSpPr>
-          <p:cNvPr id="4" name="슬라이드 번호 개체 틀 3"/>
-          <p:cNvSpPr>
-            <a:spLocks noGrp="1"/>
-          </p:cNvSpPr>
-          <p:nvPr>
-            <p:ph type="sldNum" sz="quarter" idx="5"/>
-          </p:nvPr>
-        </p:nvSpPr>
-        <p:spPr/>
-        <p:txBody>
-          <a:bodyPr/>
-          <a:lstStyle/>
-          <a:p>
-            <a:fld id="{C09E5BFC-1559-42F1-8940-AB342D56BF02}" type="slidenum">
-              <a:rPr lang="ko-KR" altLang="en-US" smtClean="0"/>
-              <a:t>27</a:t>
-            </a:fld>
-            <a:endParaRPr lang="ko-KR" altLang="en-US"/>
-          </a:p>
-        </p:txBody>
-      </p:sp>
-    </p:spTree>
-    <p:extLst>
-      <p:ext uri="{BB962C8B-B14F-4D97-AF65-F5344CB8AC3E}">
-        <p14:creationId xmlns:p14="http://schemas.microsoft.com/office/powerpoint/2010/main" val="1577794228"/>
       </p:ext>
     </p:extLst>
   </p:cSld>
@@ -1765,52 +1694,90 @@
           <a:bodyPr/>
           <a:lstStyle/>
           <a:p>
-            <a:r>
-              <a:rPr lang="en-US" altLang="ko-KR" dirty="0">
-                <a:solidFill>
-                  <a:srgbClr val="7030A0"/>
-                </a:solidFill>
-              </a:rPr>
-              <a:t>case</a:t>
-            </a:r>
-            <a:r>
-              <a:rPr lang="en-US" altLang="ko-KR" dirty="0"/>
-              <a:t> </a:t>
-            </a:r>
-            <a:r>
-              <a:rPr lang="ko-KR" altLang="en-US" dirty="0"/>
-              <a:t>조건</a:t>
-            </a:r>
-            <a:r>
-              <a:rPr lang="en-US" altLang="ko-KR" baseline="0" dirty="0"/>
-              <a:t> : </a:t>
-            </a:r>
-            <a:r>
-              <a:rPr lang="ko-KR" altLang="en-US" dirty="0"/>
-              <a:t> 이건 잘못된 설명</a:t>
-            </a:r>
-            <a:r>
-              <a:rPr lang="en-US" altLang="ko-KR" dirty="0"/>
-              <a:t>.</a:t>
-            </a:r>
-          </a:p>
-          <a:p>
-            <a:r>
-              <a:rPr lang="ko-KR" altLang="en-US" dirty="0"/>
-              <a:t>단순 값 비교만 가능하고</a:t>
-            </a:r>
-            <a:r>
-              <a:rPr lang="en-US" altLang="ko-KR" dirty="0"/>
-              <a:t>, </a:t>
-            </a:r>
-            <a:r>
-              <a:rPr lang="ko-KR" altLang="en-US" dirty="0"/>
-              <a:t>조건식은 못씀</a:t>
-            </a:r>
-            <a:r>
-              <a:rPr lang="en-US" altLang="ko-KR" dirty="0"/>
-              <a:t>.</a:t>
-            </a:r>
+            <a:endParaRPr lang="ko-KR" altLang="en-US" dirty="0"/>
+          </a:p>
+        </p:txBody>
+      </p:sp>
+      <p:sp>
+        <p:nvSpPr>
+          <p:cNvPr id="4" name="슬라이드 번호 개체 틀 3"/>
+          <p:cNvSpPr>
+            <a:spLocks noGrp="1"/>
+          </p:cNvSpPr>
+          <p:nvPr>
+            <p:ph type="sldNum" sz="quarter" idx="5"/>
+          </p:nvPr>
+        </p:nvSpPr>
+        <p:spPr/>
+        <p:txBody>
+          <a:bodyPr/>
+          <a:lstStyle/>
+          <a:p>
+            <a:fld id="{C09E5BFC-1559-42F1-8940-AB342D56BF02}" type="slidenum">
+              <a:rPr lang="ko-KR" altLang="en-US" smtClean="0"/>
+              <a:t>27</a:t>
+            </a:fld>
+            <a:endParaRPr lang="ko-KR" altLang="en-US"/>
+          </a:p>
+        </p:txBody>
+      </p:sp>
+    </p:spTree>
+    <p:extLst>
+      <p:ext uri="{BB962C8B-B14F-4D97-AF65-F5344CB8AC3E}">
+        <p14:creationId xmlns:p14="http://schemas.microsoft.com/office/powerpoint/2010/main" val="1577794228"/>
+      </p:ext>
+    </p:extLst>
+  </p:cSld>
+  <p:clrMapOvr>
+    <a:masterClrMapping/>
+  </p:clrMapOvr>
+</p:notes>
+</file>
+
+<file path=ppt/notesSlides/notesSlide21.xml><?xml version="1.0" encoding="utf-8"?>
+<p:notes xmlns:a="http://schemas.openxmlformats.org/drawingml/2006/main" xmlns:r="http://schemas.openxmlformats.org/officeDocument/2006/relationships" xmlns:p="http://schemas.openxmlformats.org/presentationml/2006/main">
+  <p:cSld>
+    <p:spTree>
+      <p:nvGrpSpPr>
+        <p:cNvPr id="1" name=""/>
+        <p:cNvGrpSpPr/>
+        <p:nvPr/>
+      </p:nvGrpSpPr>
+      <p:grpSpPr>
+        <a:xfrm>
+          <a:off x="0" y="0"/>
+          <a:ext cx="0" cy="0"/>
+          <a:chOff x="0" y="0"/>
+          <a:chExt cx="0" cy="0"/>
+        </a:xfrm>
+      </p:grpSpPr>
+      <p:sp>
+        <p:nvSpPr>
+          <p:cNvPr id="2" name="슬라이드 이미지 개체 틀 1"/>
+          <p:cNvSpPr>
+            <a:spLocks noGrp="1" noRot="1" noChangeAspect="1"/>
+          </p:cNvSpPr>
+          <p:nvPr>
+            <p:ph type="sldImg"/>
+          </p:nvPr>
+        </p:nvSpPr>
+        <p:spPr/>
+      </p:sp>
+      <p:sp>
+        <p:nvSpPr>
+          <p:cNvPr id="3" name="슬라이드 노트 개체 틀 2"/>
+          <p:cNvSpPr>
+            <a:spLocks noGrp="1"/>
+          </p:cNvSpPr>
+          <p:nvPr>
+            <p:ph type="body" idx="1"/>
+          </p:nvPr>
+        </p:nvSpPr>
+        <p:spPr/>
+        <p:txBody>
+          <a:bodyPr/>
+          <a:lstStyle/>
+          <a:p>
             <a:endParaRPr lang="ko-KR" altLang="en-US" dirty="0"/>
           </a:p>
         </p:txBody>
@@ -1851,7 +1818,7 @@
 </p:notes>
 </file>
 
-<file path=ppt/notesSlides/notesSlide21.xml><?xml version="1.0" encoding="utf-8"?>
+<file path=ppt/notesSlides/notesSlide22.xml><?xml version="1.0" encoding="utf-8"?>
 <p:notes xmlns:a="http://schemas.openxmlformats.org/drawingml/2006/main" xmlns:r="http://schemas.openxmlformats.org/officeDocument/2006/relationships" xmlns:p="http://schemas.openxmlformats.org/presentationml/2006/main">
   <p:cSld>
     <p:spTree>
@@ -1959,7 +1926,7 @@
 </p:notes>
 </file>
 
-<file path=ppt/notesSlides/notesSlide22.xml><?xml version="1.0" encoding="utf-8"?>
+<file path=ppt/notesSlides/notesSlide23.xml><?xml version="1.0" encoding="utf-8"?>
 <p:notes xmlns:a="http://schemas.openxmlformats.org/drawingml/2006/main" xmlns:r="http://schemas.openxmlformats.org/officeDocument/2006/relationships" xmlns:p="http://schemas.openxmlformats.org/presentationml/2006/main">
   <p:cSld>
     <p:spTree>
@@ -2043,7 +2010,7 @@
 </p:notes>
 </file>
 
-<file path=ppt/notesSlides/notesSlide23.xml><?xml version="1.0" encoding="utf-8"?>
+<file path=ppt/notesSlides/notesSlide24.xml><?xml version="1.0" encoding="utf-8"?>
 <p:notes xmlns:a="http://schemas.openxmlformats.org/drawingml/2006/main" xmlns:r="http://schemas.openxmlformats.org/officeDocument/2006/relationships" xmlns:p="http://schemas.openxmlformats.org/presentationml/2006/main">
   <p:cSld>
     <p:spTree>
@@ -2151,7 +2118,7 @@
 </p:notes>
 </file>
 
-<file path=ppt/notesSlides/notesSlide24.xml><?xml version="1.0" encoding="utf-8"?>
+<file path=ppt/notesSlides/notesSlide25.xml><?xml version="1.0" encoding="utf-8"?>
 <p:notes xmlns:a="http://schemas.openxmlformats.org/drawingml/2006/main" xmlns:r="http://schemas.openxmlformats.org/officeDocument/2006/relationships" xmlns:p="http://schemas.openxmlformats.org/presentationml/2006/main">
   <p:cSld>
     <p:spTree>
@@ -2250,165 +2217,6 @@
     <p:extLst>
       <p:ext uri="{BB962C8B-B14F-4D97-AF65-F5344CB8AC3E}">
         <p14:creationId xmlns:p14="http://schemas.microsoft.com/office/powerpoint/2010/main" val="3799711009"/>
-      </p:ext>
-    </p:extLst>
-  </p:cSld>
-  <p:clrMapOvr>
-    <a:masterClrMapping/>
-  </p:clrMapOvr>
-</p:notes>
-</file>
-
-<file path=ppt/notesSlides/notesSlide25.xml><?xml version="1.0" encoding="utf-8"?>
-<p:notes xmlns:a="http://schemas.openxmlformats.org/drawingml/2006/main" xmlns:r="http://schemas.openxmlformats.org/officeDocument/2006/relationships" xmlns:p="http://schemas.openxmlformats.org/presentationml/2006/main">
-  <p:cSld>
-    <p:spTree>
-      <p:nvGrpSpPr>
-        <p:cNvPr id="1" name=""/>
-        <p:cNvGrpSpPr/>
-        <p:nvPr/>
-      </p:nvGrpSpPr>
-      <p:grpSpPr>
-        <a:xfrm>
-          <a:off x="0" y="0"/>
-          <a:ext cx="0" cy="0"/>
-          <a:chOff x="0" y="0"/>
-          <a:chExt cx="0" cy="0"/>
-        </a:xfrm>
-      </p:grpSpPr>
-      <p:sp>
-        <p:nvSpPr>
-          <p:cNvPr id="2" name="슬라이드 이미지 개체 틀 1"/>
-          <p:cNvSpPr>
-            <a:spLocks noGrp="1" noRot="1" noChangeAspect="1"/>
-          </p:cNvSpPr>
-          <p:nvPr>
-            <p:ph type="sldImg"/>
-          </p:nvPr>
-        </p:nvSpPr>
-        <p:spPr/>
-      </p:sp>
-      <p:sp>
-        <p:nvSpPr>
-          <p:cNvPr id="3" name="슬라이드 노트 개체 틀 2"/>
-          <p:cNvSpPr>
-            <a:spLocks noGrp="1"/>
-          </p:cNvSpPr>
-          <p:nvPr>
-            <p:ph type="body" idx="1"/>
-          </p:nvPr>
-        </p:nvSpPr>
-        <p:spPr/>
-        <p:txBody>
-          <a:bodyPr/>
-          <a:lstStyle/>
-          <a:p>
-            <a:r>
-              <a:rPr lang="en-US" altLang="ko-KR" dirty="0"/>
-              <a:t>Goto</a:t>
-            </a:r>
-            <a:r>
-              <a:rPr lang="ko-KR" altLang="en-US" dirty="0"/>
-              <a:t>문 </a:t>
-            </a:r>
-            <a:r>
-              <a:rPr lang="en-US" altLang="ko-KR" dirty="0"/>
-              <a:t>: </a:t>
-            </a:r>
-            <a:r>
-              <a:rPr lang="ko-KR" altLang="en-US" dirty="0"/>
-              <a:t>특정 위치로 프로그램의 흐름을 강제로 </a:t>
-            </a:r>
-            <a:r>
-              <a:rPr lang="ko-KR" altLang="en-US" dirty="0" err="1"/>
-              <a:t>점프시키는</a:t>
-            </a:r>
-            <a:r>
-              <a:rPr lang="ko-KR" altLang="en-US" dirty="0"/>
-              <a:t> </a:t>
-            </a:r>
-            <a:r>
-              <a:rPr lang="ko-KR" altLang="en-US" dirty="0" err="1"/>
-              <a:t>제어문</a:t>
-            </a:r>
-            <a:endParaRPr lang="en-US" altLang="ko-KR" dirty="0"/>
-          </a:p>
-          <a:p>
-            <a:endParaRPr lang="en-US" altLang="ko-KR" dirty="0"/>
-          </a:p>
-          <a:p>
-            <a:r>
-              <a:rPr lang="en-US" altLang="ko-KR" dirty="0"/>
-              <a:t>Goto </a:t>
-            </a:r>
-            <a:r>
-              <a:rPr lang="ko-KR" altLang="en-US" dirty="0"/>
-              <a:t>라벨이름</a:t>
-            </a:r>
-            <a:r>
-              <a:rPr lang="en-US" altLang="ko-KR" dirty="0"/>
-              <a:t>;</a:t>
-            </a:r>
-          </a:p>
-          <a:p>
-            <a:r>
-              <a:rPr lang="en-US" altLang="ko-KR" dirty="0"/>
-              <a:t>…</a:t>
-            </a:r>
-          </a:p>
-          <a:p>
-            <a:r>
-              <a:rPr lang="ko-KR" altLang="en-US" dirty="0"/>
-              <a:t>라벨이름</a:t>
-            </a:r>
-            <a:r>
-              <a:rPr lang="en-US" altLang="ko-KR" dirty="0"/>
-              <a:t>:</a:t>
-            </a:r>
-          </a:p>
-          <a:p>
-            <a:endParaRPr lang="en-US" altLang="ko-KR" dirty="0"/>
-          </a:p>
-          <a:p>
-            <a:r>
-              <a:rPr lang="ko-KR" altLang="en-US" dirty="0" err="1"/>
-              <a:t>ㄴ</a:t>
-            </a:r>
-            <a:r>
-              <a:rPr lang="ko-KR" altLang="en-US" dirty="0"/>
-              <a:t> 지정된 라벨로 무조건 이동하는 명령</a:t>
-            </a:r>
-            <a:endParaRPr lang="en-US" altLang="ko-KR" dirty="0"/>
-          </a:p>
-        </p:txBody>
-      </p:sp>
-      <p:sp>
-        <p:nvSpPr>
-          <p:cNvPr id="4" name="슬라이드 번호 개체 틀 3"/>
-          <p:cNvSpPr>
-            <a:spLocks noGrp="1"/>
-          </p:cNvSpPr>
-          <p:nvPr>
-            <p:ph type="sldNum" sz="quarter" idx="5"/>
-          </p:nvPr>
-        </p:nvSpPr>
-        <p:spPr/>
-        <p:txBody>
-          <a:bodyPr/>
-          <a:lstStyle/>
-          <a:p>
-            <a:fld id="{C09E5BFC-1559-42F1-8940-AB342D56BF02}" type="slidenum">
-              <a:rPr lang="ko-KR" altLang="en-US" smtClean="0"/>
-              <a:t>36</a:t>
-            </a:fld>
-            <a:endParaRPr lang="ko-KR" altLang="en-US"/>
-          </a:p>
-        </p:txBody>
-      </p:sp>
-    </p:spTree>
-    <p:extLst>
-      <p:ext uri="{BB962C8B-B14F-4D97-AF65-F5344CB8AC3E}">
-        <p14:creationId xmlns:p14="http://schemas.microsoft.com/office/powerpoint/2010/main" val="4264918260"/>
       </p:ext>
     </p:extLst>
   </p:cSld>
@@ -2468,39 +2276,160 @@
             </a:r>
             <a:r>
               <a:rPr lang="ko-KR" altLang="en-US" dirty="0"/>
-              <a:t>는 일반적으로 </a:t>
-            </a:r>
-            <a:r>
-              <a:rPr lang="en-US" altLang="ko-KR" dirty="0"/>
-              <a:t>switch</a:t>
-            </a:r>
-            <a:r>
-              <a:rPr lang="ko-KR" altLang="en-US" dirty="0"/>
-              <a:t>문 안에서 특정 </a:t>
-            </a:r>
-            <a:r>
-              <a:rPr lang="en-US" altLang="ko-KR" dirty="0"/>
-              <a:t>case</a:t>
-            </a:r>
-            <a:r>
-              <a:rPr lang="ko-KR" altLang="en-US" dirty="0"/>
-              <a:t>로 점프 이동할 때 쓰는 것이 가장 적절</a:t>
+              <a:t>문 </a:t>
+            </a:r>
+            <a:r>
+              <a:rPr lang="en-US" altLang="ko-KR" dirty="0"/>
+              <a:t>: </a:t>
+            </a:r>
+            <a:r>
+              <a:rPr lang="ko-KR" altLang="en-US" dirty="0"/>
+              <a:t>특정 위치로 프로그램의 흐름을 강제로 </a:t>
+            </a:r>
+            <a:r>
+              <a:rPr lang="ko-KR" altLang="en-US" dirty="0" err="1"/>
+              <a:t>점프시키는</a:t>
+            </a:r>
+            <a:r>
+              <a:rPr lang="ko-KR" altLang="en-US" dirty="0"/>
+              <a:t> </a:t>
+            </a:r>
+            <a:r>
+              <a:rPr lang="ko-KR" altLang="en-US" dirty="0" err="1"/>
+              <a:t>제어문</a:t>
             </a:r>
             <a:endParaRPr lang="en-US" altLang="ko-KR" dirty="0"/>
           </a:p>
           <a:p>
-            <a:r>
-              <a:rPr lang="ko-KR" altLang="en-US" dirty="0"/>
-              <a:t>여러 </a:t>
-            </a:r>
-            <a:r>
-              <a:rPr lang="en-US" altLang="ko-KR" dirty="0"/>
-              <a:t>case</a:t>
-            </a:r>
-            <a:r>
-              <a:rPr lang="ko-KR" altLang="en-US" dirty="0"/>
-              <a:t>가 중복된 코드를 실행해야 할 때</a:t>
-            </a:r>
+            <a:endParaRPr lang="en-US" altLang="ko-KR" dirty="0"/>
+          </a:p>
+          <a:p>
+            <a:r>
+              <a:rPr lang="en-US" altLang="ko-KR" dirty="0"/>
+              <a:t>Goto </a:t>
+            </a:r>
+            <a:r>
+              <a:rPr lang="ko-KR" altLang="en-US" dirty="0"/>
+              <a:t>라벨이름</a:t>
+            </a:r>
+            <a:r>
+              <a:rPr lang="en-US" altLang="ko-KR" dirty="0"/>
+              <a:t>;</a:t>
+            </a:r>
+          </a:p>
+          <a:p>
+            <a:r>
+              <a:rPr lang="en-US" altLang="ko-KR" dirty="0"/>
+              <a:t>…</a:t>
+            </a:r>
+          </a:p>
+          <a:p>
+            <a:r>
+              <a:rPr lang="ko-KR" altLang="en-US" dirty="0"/>
+              <a:t>라벨이름</a:t>
+            </a:r>
+            <a:r>
+              <a:rPr lang="en-US" altLang="ko-KR" dirty="0"/>
+              <a:t>:</a:t>
+            </a:r>
+          </a:p>
+          <a:p>
+            <a:endParaRPr lang="en-US" altLang="ko-KR" dirty="0"/>
+          </a:p>
+          <a:p>
+            <a:r>
+              <a:rPr lang="ko-KR" altLang="en-US" dirty="0" err="1"/>
+              <a:t>ㄴ</a:t>
+            </a:r>
+            <a:r>
+              <a:rPr lang="ko-KR" altLang="en-US" dirty="0"/>
+              <a:t> 지정된 라벨로 무조건 이동하는 명령</a:t>
+            </a:r>
+            <a:endParaRPr lang="en-US" altLang="ko-KR" dirty="0"/>
+          </a:p>
+        </p:txBody>
+      </p:sp>
+      <p:sp>
+        <p:nvSpPr>
+          <p:cNvPr id="4" name="슬라이드 번호 개체 틀 3"/>
+          <p:cNvSpPr>
+            <a:spLocks noGrp="1"/>
+          </p:cNvSpPr>
+          <p:nvPr>
+            <p:ph type="sldNum" sz="quarter" idx="5"/>
+          </p:nvPr>
+        </p:nvSpPr>
+        <p:spPr/>
+        <p:txBody>
+          <a:bodyPr/>
+          <a:lstStyle/>
+          <a:p>
+            <a:fld id="{C09E5BFC-1559-42F1-8940-AB342D56BF02}" type="slidenum">
+              <a:rPr lang="ko-KR" altLang="en-US" smtClean="0"/>
+              <a:t>36</a:t>
+            </a:fld>
+            <a:endParaRPr lang="ko-KR" altLang="en-US"/>
+          </a:p>
+        </p:txBody>
+      </p:sp>
+    </p:spTree>
+    <p:extLst>
+      <p:ext uri="{BB962C8B-B14F-4D97-AF65-F5344CB8AC3E}">
+        <p14:creationId xmlns:p14="http://schemas.microsoft.com/office/powerpoint/2010/main" val="4264918260"/>
+      </p:ext>
+    </p:extLst>
+  </p:cSld>
+  <p:clrMapOvr>
+    <a:masterClrMapping/>
+  </p:clrMapOvr>
+</p:notes>
+</file>
+
+<file path=ppt/notesSlides/notesSlide27.xml><?xml version="1.0" encoding="utf-8"?>
+<p:notes xmlns:a="http://schemas.openxmlformats.org/drawingml/2006/main" xmlns:r="http://schemas.openxmlformats.org/officeDocument/2006/relationships" xmlns:p="http://schemas.openxmlformats.org/presentationml/2006/main">
+  <p:cSld>
+    <p:spTree>
+      <p:nvGrpSpPr>
+        <p:cNvPr id="1" name=""/>
+        <p:cNvGrpSpPr/>
+        <p:nvPr/>
+      </p:nvGrpSpPr>
+      <p:grpSpPr>
+        <a:xfrm>
+          <a:off x="0" y="0"/>
+          <a:ext cx="0" cy="0"/>
+          <a:chOff x="0" y="0"/>
+          <a:chExt cx="0" cy="0"/>
+        </a:xfrm>
+      </p:grpSpPr>
+      <p:sp>
+        <p:nvSpPr>
+          <p:cNvPr id="2" name="슬라이드 이미지 개체 틀 1"/>
+          <p:cNvSpPr>
+            <a:spLocks noGrp="1" noRot="1" noChangeAspect="1"/>
+          </p:cNvSpPr>
+          <p:nvPr>
+            <p:ph type="sldImg"/>
+          </p:nvPr>
+        </p:nvSpPr>
+        <p:spPr/>
+      </p:sp>
+      <p:sp>
+        <p:nvSpPr>
+          <p:cNvPr id="3" name="슬라이드 노트 개체 틀 2"/>
+          <p:cNvSpPr>
+            <a:spLocks noGrp="1"/>
+          </p:cNvSpPr>
+          <p:nvPr>
+            <p:ph type="body" idx="1"/>
+          </p:nvPr>
+        </p:nvSpPr>
+        <p:spPr/>
+        <p:txBody>
+          <a:bodyPr/>
+          <a:lstStyle/>
+          <a:p>
+            <a:endParaRPr lang="ko-KR" altLang="en-US" dirty="0"/>
           </a:p>
         </p:txBody>
       </p:sp>
@@ -2540,7 +2469,7 @@
 </p:notes>
 </file>
 
-<file path=ppt/notesSlides/notesSlide27.xml><?xml version="1.0" encoding="utf-8"?>
+<file path=ppt/notesSlides/notesSlide28.xml><?xml version="1.0" encoding="utf-8"?>
 <p:notes xmlns:a="http://schemas.openxmlformats.org/drawingml/2006/main" xmlns:r="http://schemas.openxmlformats.org/officeDocument/2006/relationships" xmlns:p="http://schemas.openxmlformats.org/presentationml/2006/main">
   <p:cSld>
     <p:spTree>
@@ -2639,585 +2568,6 @@
     <p:extLst>
       <p:ext uri="{BB962C8B-B14F-4D97-AF65-F5344CB8AC3E}">
         <p14:creationId xmlns:p14="http://schemas.microsoft.com/office/powerpoint/2010/main" val="2126352399"/>
-      </p:ext>
-    </p:extLst>
-  </p:cSld>
-  <p:clrMapOvr>
-    <a:masterClrMapping/>
-  </p:clrMapOvr>
-</p:notes>
-</file>
-
-<file path=ppt/notesSlides/notesSlide28.xml><?xml version="1.0" encoding="utf-8"?>
-<p:notes xmlns:a="http://schemas.openxmlformats.org/drawingml/2006/main" xmlns:r="http://schemas.openxmlformats.org/officeDocument/2006/relationships" xmlns:p="http://schemas.openxmlformats.org/presentationml/2006/main">
-  <p:cSld>
-    <p:spTree>
-      <p:nvGrpSpPr>
-        <p:cNvPr id="1" name=""/>
-        <p:cNvGrpSpPr/>
-        <p:nvPr/>
-      </p:nvGrpSpPr>
-      <p:grpSpPr>
-        <a:xfrm>
-          <a:off x="0" y="0"/>
-          <a:ext cx="0" cy="0"/>
-          <a:chOff x="0" y="0"/>
-          <a:chExt cx="0" cy="0"/>
-        </a:xfrm>
-      </p:grpSpPr>
-      <p:sp>
-        <p:nvSpPr>
-          <p:cNvPr id="2" name="슬라이드 이미지 개체 틀 1"/>
-          <p:cNvSpPr>
-            <a:spLocks noGrp="1" noRot="1" noChangeAspect="1"/>
-          </p:cNvSpPr>
-          <p:nvPr>
-            <p:ph type="sldImg"/>
-          </p:nvPr>
-        </p:nvSpPr>
-        <p:spPr/>
-      </p:sp>
-      <p:sp>
-        <p:nvSpPr>
-          <p:cNvPr id="3" name="슬라이드 노트 개체 틀 2"/>
-          <p:cNvSpPr>
-            <a:spLocks noGrp="1"/>
-          </p:cNvSpPr>
-          <p:nvPr>
-            <p:ph type="body" idx="1"/>
-          </p:nvPr>
-        </p:nvSpPr>
-        <p:spPr/>
-        <p:txBody>
-          <a:bodyPr/>
-          <a:lstStyle/>
-          <a:p>
-            <a:r>
-              <a:rPr lang="en-US" altLang="ko-KR" dirty="0"/>
-              <a:t>*Big-O </a:t>
-            </a:r>
-            <a:r>
-              <a:rPr lang="ko-KR" altLang="en-US" dirty="0"/>
-              <a:t>표기법</a:t>
-            </a:r>
-            <a:endParaRPr lang="en-US" altLang="ko-KR" dirty="0"/>
-          </a:p>
-          <a:p>
-            <a:r>
-              <a:rPr lang="en-US" altLang="ko-KR" dirty="0"/>
-              <a:t>: </a:t>
-            </a:r>
-            <a:r>
-              <a:rPr lang="ko-KR" altLang="en-US" dirty="0"/>
-              <a:t>이 코드가 얼마나 빨리 실행되는지를 수학적으로 표현하는 방법</a:t>
-            </a:r>
-            <a:r>
-              <a:rPr lang="en-US" altLang="ko-KR" dirty="0"/>
-              <a:t>.</a:t>
-            </a:r>
-          </a:p>
-          <a:p>
-            <a:r>
-              <a:rPr lang="en-US" altLang="ko-KR" dirty="0"/>
-              <a:t>: </a:t>
-            </a:r>
-            <a:r>
-              <a:rPr lang="ko-KR" altLang="en-US" dirty="0"/>
-              <a:t>알고리즘이 </a:t>
-            </a:r>
-            <a:r>
-              <a:rPr lang="en-US" altLang="ko-KR" dirty="0"/>
-              <a:t>“</a:t>
-            </a:r>
-            <a:r>
-              <a:rPr lang="ko-KR" altLang="en-US" dirty="0"/>
-              <a:t>입력 크기 </a:t>
-            </a:r>
-            <a:r>
-              <a:rPr lang="en-US" altLang="ko-KR" dirty="0"/>
-              <a:t>N</a:t>
-            </a:r>
-            <a:r>
-              <a:rPr lang="ko-KR" altLang="en-US" dirty="0"/>
-              <a:t>에 따라 얼마나 많은 작업을 수행하는가</a:t>
-            </a:r>
-            <a:r>
-              <a:rPr lang="en-US" altLang="ko-KR" dirty="0"/>
-              <a:t>?”</a:t>
-            </a:r>
-            <a:r>
-              <a:rPr lang="ko-KR" altLang="en-US" dirty="0"/>
-              <a:t>를 나타내는 시간 복잡도 표기법</a:t>
-            </a:r>
-            <a:endParaRPr lang="en-US" altLang="ko-KR" dirty="0"/>
-          </a:p>
-          <a:p>
-            <a:r>
-              <a:rPr lang="ko-KR" altLang="en-US" dirty="0" err="1"/>
-              <a:t>ㄴ</a:t>
-            </a:r>
-            <a:r>
-              <a:rPr lang="ko-KR" altLang="en-US" dirty="0"/>
-              <a:t> 프로그래밍에서 성능을 판단할 때 꼭 필요한 개념</a:t>
-            </a:r>
-            <a:endParaRPr lang="en-US" altLang="ko-KR" dirty="0"/>
-          </a:p>
-          <a:p>
-            <a:r>
-              <a:rPr lang="ko-KR" altLang="en-US" dirty="0" err="1"/>
-              <a:t>ㄴ</a:t>
-            </a:r>
-            <a:r>
-              <a:rPr lang="ko-KR" altLang="en-US" dirty="0"/>
-              <a:t> 실행 시간을 </a:t>
-            </a:r>
-            <a:r>
-              <a:rPr lang="en-US" altLang="ko-KR" dirty="0"/>
-              <a:t>“</a:t>
-            </a:r>
-            <a:r>
-              <a:rPr lang="ko-KR" altLang="en-US" dirty="0"/>
-              <a:t>정확한 시간</a:t>
-            </a:r>
-            <a:r>
-              <a:rPr lang="en-US" altLang="ko-KR" dirty="0"/>
-              <a:t>＂</a:t>
-            </a:r>
-            <a:r>
-              <a:rPr lang="ko-KR" altLang="en-US" dirty="0"/>
-              <a:t>이 아니라 </a:t>
-            </a:r>
-            <a:r>
-              <a:rPr lang="en-US" altLang="ko-KR" dirty="0"/>
-              <a:t>‘</a:t>
-            </a:r>
-            <a:r>
-              <a:rPr lang="ko-KR" altLang="en-US" dirty="0"/>
-              <a:t>성장 속도</a:t>
-            </a:r>
-            <a:r>
-              <a:rPr lang="en-US" altLang="ko-KR" dirty="0"/>
-              <a:t>’</a:t>
-            </a:r>
-            <a:r>
-              <a:rPr lang="ko-KR" altLang="en-US" dirty="0"/>
-              <a:t>로 표현함</a:t>
-            </a:r>
-            <a:r>
-              <a:rPr lang="en-US" altLang="ko-KR" dirty="0"/>
-              <a:t>.</a:t>
-            </a:r>
-          </a:p>
-          <a:p>
-            <a:endParaRPr lang="en-US" altLang="ko-KR" dirty="0"/>
-          </a:p>
-          <a:p>
-            <a:r>
-              <a:rPr lang="en-US" altLang="ko-KR" dirty="0"/>
-              <a:t>*</a:t>
-            </a:r>
-            <a:r>
-              <a:rPr lang="ko-KR" altLang="en-US" dirty="0"/>
-              <a:t>시간 복잡도</a:t>
-            </a:r>
-            <a:endParaRPr lang="en-US" altLang="ko-KR" dirty="0"/>
-          </a:p>
-          <a:p>
-            <a:r>
-              <a:rPr lang="en-US" altLang="ko-KR" dirty="0"/>
-              <a:t>: </a:t>
-            </a:r>
-            <a:r>
-              <a:rPr lang="ko-KR" altLang="en-US" dirty="0"/>
-              <a:t>실행 시간</a:t>
-            </a:r>
-            <a:endParaRPr lang="en-US" altLang="ko-KR" dirty="0"/>
-          </a:p>
-          <a:p>
-            <a:endParaRPr lang="en-US" altLang="ko-KR" dirty="0"/>
-          </a:p>
-          <a:p>
-            <a:r>
-              <a:rPr lang="en-US" altLang="ko-KR" dirty="0"/>
-              <a:t>*</a:t>
-            </a:r>
-            <a:r>
-              <a:rPr lang="ko-KR" altLang="en-US" dirty="0"/>
-              <a:t>공간 복잡도</a:t>
-            </a:r>
-            <a:endParaRPr lang="en-US" altLang="ko-KR" dirty="0"/>
-          </a:p>
-          <a:p>
-            <a:r>
-              <a:rPr lang="en-US" altLang="ko-KR" dirty="0"/>
-              <a:t>: </a:t>
-            </a:r>
-            <a:r>
-              <a:rPr lang="ko-KR" altLang="en-US" dirty="0"/>
-              <a:t>필요한 메모리 크기</a:t>
-            </a:r>
-            <a:endParaRPr lang="en-US" altLang="ko-KR" dirty="0"/>
-          </a:p>
-          <a:p>
-            <a:endParaRPr lang="en-US" altLang="ko-KR" dirty="0"/>
-          </a:p>
-          <a:p>
-            <a:r>
-              <a:rPr lang="ko-KR" altLang="en-US" dirty="0"/>
-              <a:t>반복문은 대표적인 </a:t>
-            </a:r>
-            <a:r>
-              <a:rPr lang="ko-KR" altLang="en-US" dirty="0" err="1"/>
-              <a:t>시간복잡도</a:t>
-            </a:r>
-            <a:r>
-              <a:rPr lang="ko-KR" altLang="en-US" dirty="0"/>
-              <a:t> 요소</a:t>
-            </a:r>
-            <a:r>
-              <a:rPr lang="en-US" altLang="ko-KR" dirty="0"/>
-              <a:t>!</a:t>
-            </a:r>
-          </a:p>
-          <a:p>
-            <a:r>
-              <a:rPr lang="en-US" altLang="ko-KR" dirty="0"/>
-              <a:t>For : O(n)</a:t>
-            </a:r>
-          </a:p>
-          <a:p>
-            <a:r>
-              <a:rPr lang="ko-KR" altLang="en-US" dirty="0"/>
-              <a:t>이중 </a:t>
-            </a:r>
-            <a:r>
-              <a:rPr lang="en-US" altLang="ko-KR" dirty="0"/>
-              <a:t>for</a:t>
-            </a:r>
-            <a:r>
-              <a:rPr lang="ko-KR" altLang="en-US" dirty="0"/>
-              <a:t>문 </a:t>
-            </a:r>
-            <a:r>
-              <a:rPr lang="en-US" altLang="ko-KR" dirty="0"/>
-              <a:t>: O(n^2)</a:t>
-            </a:r>
-          </a:p>
-          <a:p>
-            <a:br>
-              <a:rPr lang="en-US" altLang="ko-KR" dirty="0"/>
-            </a:br>
-            <a:r>
-              <a:rPr lang="en-US" altLang="ko-KR" dirty="0">
-                <a:sym typeface="Wingdings" panose="05000000000000000000" pitchFamily="2" charset="2"/>
-              </a:rPr>
-              <a:t> (2) Big-O</a:t>
-            </a:r>
-            <a:r>
-              <a:rPr lang="ko-KR" altLang="en-US" dirty="0">
-                <a:sym typeface="Wingdings" panose="05000000000000000000" pitchFamily="2" charset="2"/>
-              </a:rPr>
-              <a:t>는 일반적으로 </a:t>
-            </a:r>
-            <a:r>
-              <a:rPr lang="en-US" altLang="ko-KR" dirty="0">
-                <a:sym typeface="Wingdings" panose="05000000000000000000" pitchFamily="2" charset="2"/>
-              </a:rPr>
-              <a:t>“</a:t>
-            </a:r>
-            <a:r>
-              <a:rPr lang="ko-KR" altLang="en-US" dirty="0">
-                <a:sym typeface="Wingdings" panose="05000000000000000000" pitchFamily="2" charset="2"/>
-              </a:rPr>
-              <a:t>가장 오래 걸릴 때</a:t>
-            </a:r>
-            <a:r>
-              <a:rPr lang="en-US" altLang="ko-KR" dirty="0">
-                <a:sym typeface="Wingdings" panose="05000000000000000000" pitchFamily="2" charset="2"/>
-              </a:rPr>
-              <a:t>(</a:t>
-            </a:r>
-            <a:r>
-              <a:rPr lang="ko-KR" altLang="en-US" dirty="0">
-                <a:sym typeface="Wingdings" panose="05000000000000000000" pitchFamily="2" charset="2"/>
-              </a:rPr>
-              <a:t>최악의 경우</a:t>
-            </a:r>
-            <a:r>
-              <a:rPr lang="en-US" altLang="ko-KR" dirty="0">
-                <a:sym typeface="Wingdings" panose="05000000000000000000" pitchFamily="2" charset="2"/>
-              </a:rPr>
-              <a:t>)”</a:t>
-            </a:r>
-            <a:r>
-              <a:rPr lang="ko-KR" altLang="en-US" dirty="0">
-                <a:sym typeface="Wingdings" panose="05000000000000000000" pitchFamily="2" charset="2"/>
-              </a:rPr>
-              <a:t>를 기준으로 계산함</a:t>
-            </a:r>
-            <a:r>
-              <a:rPr lang="en-US" altLang="ko-KR" dirty="0">
-                <a:sym typeface="Wingdings" panose="05000000000000000000" pitchFamily="2" charset="2"/>
-              </a:rPr>
-              <a:t>.</a:t>
-            </a:r>
-          </a:p>
-          <a:p>
-            <a:r>
-              <a:rPr lang="en-US" altLang="ko-KR" dirty="0">
-                <a:sym typeface="Wingdings" panose="05000000000000000000" pitchFamily="2" charset="2"/>
-              </a:rPr>
-              <a:t>Ex) </a:t>
-            </a:r>
-            <a:r>
-              <a:rPr lang="ko-KR" altLang="en-US" dirty="0">
-                <a:sym typeface="Wingdings" panose="05000000000000000000" pitchFamily="2" charset="2"/>
-              </a:rPr>
-              <a:t>정렬 알고리즘에서 이미 정렬된 경우는 빠르지만</a:t>
-            </a:r>
-            <a:r>
-              <a:rPr lang="en-US" altLang="ko-KR" dirty="0">
-                <a:sym typeface="Wingdings" panose="05000000000000000000" pitchFamily="2" charset="2"/>
-              </a:rPr>
-              <a:t>, </a:t>
-            </a:r>
-            <a:r>
-              <a:rPr lang="ko-KR" altLang="en-US" dirty="0">
-                <a:sym typeface="Wingdings" panose="05000000000000000000" pitchFamily="2" charset="2"/>
-              </a:rPr>
-              <a:t>우리는 정렬이 안되어 있을 때를 기준으로 시간 복잡도를 평가함</a:t>
-            </a:r>
-            <a:r>
-              <a:rPr lang="en-US" altLang="ko-KR" dirty="0">
-                <a:sym typeface="Wingdings" panose="05000000000000000000" pitchFamily="2" charset="2"/>
-              </a:rPr>
-              <a:t>.</a:t>
-            </a:r>
-          </a:p>
-          <a:p>
-            <a:pPr marL="171450" indent="-171450">
-              <a:buFont typeface="Wingdings" panose="05000000000000000000" pitchFamily="2" charset="2"/>
-              <a:buChar char="è"/>
-            </a:pPr>
-            <a:r>
-              <a:rPr lang="en-US" altLang="ko-KR" dirty="0">
-                <a:sym typeface="Wingdings" panose="05000000000000000000" pitchFamily="2" charset="2"/>
-              </a:rPr>
-              <a:t>(3) N</a:t>
-            </a:r>
-            <a:r>
-              <a:rPr lang="ko-KR" altLang="en-US" dirty="0">
-                <a:sym typeface="Wingdings" panose="05000000000000000000" pitchFamily="2" charset="2"/>
-              </a:rPr>
-              <a:t>이 커질 수록 상수는 성능에 미치는 영향이 미미해지기 때문</a:t>
-            </a:r>
-            <a:r>
-              <a:rPr lang="en-US" altLang="ko-KR" dirty="0">
-                <a:sym typeface="Wingdings" panose="05000000000000000000" pitchFamily="2" charset="2"/>
-              </a:rPr>
-              <a:t>.</a:t>
-            </a:r>
-          </a:p>
-          <a:p>
-            <a:pPr marL="0" indent="0">
-              <a:buFont typeface="Wingdings" panose="05000000000000000000" pitchFamily="2" charset="2"/>
-              <a:buNone/>
-            </a:pPr>
-            <a:r>
-              <a:rPr lang="en-US" altLang="ko-KR" dirty="0">
-                <a:sym typeface="Wingdings" panose="05000000000000000000" pitchFamily="2" charset="2"/>
-              </a:rPr>
-              <a:t>Ex) O(7N)</a:t>
-            </a:r>
-            <a:r>
-              <a:rPr lang="ko-KR" altLang="en-US" dirty="0">
-                <a:sym typeface="Wingdings" panose="05000000000000000000" pitchFamily="2" charset="2"/>
-              </a:rPr>
-              <a:t>은 실제로는 </a:t>
-            </a:r>
-            <a:r>
-              <a:rPr lang="en-US" altLang="ko-KR" dirty="0">
-                <a:sym typeface="Wingdings" panose="05000000000000000000" pitchFamily="2" charset="2"/>
-              </a:rPr>
-              <a:t>7N</a:t>
-            </a:r>
-            <a:r>
-              <a:rPr lang="ko-KR" altLang="en-US" dirty="0">
-                <a:sym typeface="Wingdings" panose="05000000000000000000" pitchFamily="2" charset="2"/>
-              </a:rPr>
-              <a:t>만큼 반복하지만</a:t>
-            </a:r>
-            <a:r>
-              <a:rPr lang="en-US" altLang="ko-KR" dirty="0">
-                <a:sym typeface="Wingdings" panose="05000000000000000000" pitchFamily="2" charset="2"/>
-              </a:rPr>
-              <a:t>, </a:t>
-            </a:r>
-            <a:r>
-              <a:rPr lang="ko-KR" altLang="en-US" dirty="0">
-                <a:sym typeface="Wingdings" panose="05000000000000000000" pitchFamily="2" charset="2"/>
-              </a:rPr>
-              <a:t>성장속도로 보면 </a:t>
-            </a:r>
-            <a:r>
-              <a:rPr lang="en-US" altLang="ko-KR" dirty="0">
-                <a:sym typeface="Wingdings" panose="05000000000000000000" pitchFamily="2" charset="2"/>
-              </a:rPr>
-              <a:t>N</a:t>
-            </a:r>
-            <a:r>
-              <a:rPr lang="ko-KR" altLang="en-US" dirty="0">
-                <a:sym typeface="Wingdings" panose="05000000000000000000" pitchFamily="2" charset="2"/>
-              </a:rPr>
-              <a:t>과 동일하다고 간주</a:t>
-            </a:r>
-            <a:r>
-              <a:rPr lang="en-US" altLang="ko-KR" dirty="0">
-                <a:sym typeface="Wingdings" panose="05000000000000000000" pitchFamily="2" charset="2"/>
-              </a:rPr>
-              <a:t>.</a:t>
-            </a:r>
-          </a:p>
-          <a:p>
-            <a:pPr marL="171450" indent="-171450">
-              <a:buFont typeface="Wingdings" panose="05000000000000000000" pitchFamily="2" charset="2"/>
-              <a:buChar char="è"/>
-            </a:pPr>
-            <a:r>
-              <a:rPr lang="en-US" altLang="ko-KR" dirty="0">
-                <a:sym typeface="Wingdings" panose="05000000000000000000" pitchFamily="2" charset="2"/>
-              </a:rPr>
-              <a:t>(4) </a:t>
-            </a:r>
-            <a:r>
-              <a:rPr lang="ko-KR" altLang="en-US" dirty="0" err="1">
-                <a:sym typeface="Wingdings" panose="05000000000000000000" pitchFamily="2" charset="2"/>
-              </a:rPr>
-              <a:t>입력값이</a:t>
-            </a:r>
-            <a:r>
-              <a:rPr lang="en-US" altLang="ko-KR" dirty="0">
-                <a:sym typeface="Wingdings" panose="05000000000000000000" pitchFamily="2" charset="2"/>
-              </a:rPr>
-              <a:t> </a:t>
-            </a:r>
-            <a:r>
-              <a:rPr lang="ko-KR" altLang="en-US" dirty="0">
-                <a:sym typeface="Wingdings" panose="05000000000000000000" pitchFamily="2" charset="2"/>
-              </a:rPr>
-              <a:t>커질수록 </a:t>
-            </a:r>
-            <a:r>
-              <a:rPr lang="en-US" altLang="ko-KR" dirty="0">
-                <a:sym typeface="Wingdings" panose="05000000000000000000" pitchFamily="2" charset="2"/>
-              </a:rPr>
-              <a:t>n^3</a:t>
-            </a:r>
-            <a:r>
-              <a:rPr lang="ko-KR" altLang="en-US" dirty="0">
-                <a:sym typeface="Wingdings" panose="05000000000000000000" pitchFamily="2" charset="2"/>
-              </a:rPr>
-              <a:t>항이 전체 실행 시간에 가장 큰 영향을 주기 때문</a:t>
-            </a:r>
-            <a:r>
-              <a:rPr lang="en-US" altLang="ko-KR" dirty="0">
-                <a:sym typeface="Wingdings" panose="05000000000000000000" pitchFamily="2" charset="2"/>
-              </a:rPr>
-              <a:t>.</a:t>
-            </a:r>
-          </a:p>
-          <a:p>
-            <a:pPr marL="0" indent="0">
-              <a:buFont typeface="Wingdings" panose="05000000000000000000" pitchFamily="2" charset="2"/>
-              <a:buNone/>
-            </a:pPr>
-            <a:r>
-              <a:rPr lang="en-US" altLang="ko-KR" dirty="0"/>
-              <a:t>Ex) n = 10 </a:t>
-            </a:r>
-            <a:r>
-              <a:rPr lang="ko-KR" altLang="en-US" dirty="0"/>
-              <a:t>이라</a:t>
-            </a:r>
-            <a:r>
-              <a:rPr lang="en-US" altLang="ko-KR" dirty="0"/>
-              <a:t> </a:t>
-            </a:r>
-            <a:r>
-              <a:rPr lang="ko-KR" altLang="en-US" dirty="0"/>
-              <a:t>가정</a:t>
-            </a:r>
-            <a:r>
-              <a:rPr lang="en-US" altLang="ko-KR" dirty="0"/>
-              <a:t>, N=10 </a:t>
-            </a:r>
-            <a:r>
-              <a:rPr lang="en-US" altLang="ko-KR" dirty="0">
-                <a:sym typeface="Wingdings" panose="05000000000000000000" pitchFamily="2" charset="2"/>
-              </a:rPr>
-              <a:t> N^3 = 1000, N^2 = 100, N=10</a:t>
-            </a:r>
-          </a:p>
-          <a:p>
-            <a:pPr marL="0" indent="0">
-              <a:buFont typeface="Wingdings" panose="05000000000000000000" pitchFamily="2" charset="2"/>
-              <a:buNone/>
-            </a:pPr>
-            <a:r>
-              <a:rPr lang="en-US" altLang="ko-KR" dirty="0">
-                <a:sym typeface="Wingdings" panose="05000000000000000000" pitchFamily="2" charset="2"/>
-              </a:rPr>
-              <a:t>- </a:t>
-            </a:r>
-            <a:r>
-              <a:rPr lang="ko-KR" altLang="en-US" dirty="0">
-                <a:sym typeface="Wingdings" panose="05000000000000000000" pitchFamily="2" charset="2"/>
-              </a:rPr>
-              <a:t>나머지는 거의 무시해도 될 만큼 </a:t>
-            </a:r>
-            <a:r>
-              <a:rPr lang="ko-KR" altLang="en-US" dirty="0" err="1">
-                <a:sym typeface="Wingdings" panose="05000000000000000000" pitchFamily="2" charset="2"/>
-              </a:rPr>
-              <a:t>작아짐</a:t>
-            </a:r>
-            <a:r>
-              <a:rPr lang="en-US" altLang="ko-KR" dirty="0">
-                <a:sym typeface="Wingdings" panose="05000000000000000000" pitchFamily="2" charset="2"/>
-              </a:rPr>
-              <a:t>.</a:t>
-            </a:r>
-            <a:endParaRPr lang="ko-KR" altLang="en-US" dirty="0"/>
-          </a:p>
-        </p:txBody>
-      </p:sp>
-      <p:sp>
-        <p:nvSpPr>
-          <p:cNvPr id="4" name="슬라이드 번호 개체 틀 3"/>
-          <p:cNvSpPr>
-            <a:spLocks noGrp="1"/>
-          </p:cNvSpPr>
-          <p:nvPr>
-            <p:ph type="sldNum" sz="quarter" idx="5"/>
-          </p:nvPr>
-        </p:nvSpPr>
-        <p:spPr/>
-        <p:txBody>
-          <a:bodyPr/>
-          <a:lstStyle/>
-          <a:p>
-            <a:fld id="{C09E5BFC-1559-42F1-8940-AB342D56BF02}" type="slidenum">
-              <a:rPr lang="ko-KR" altLang="en-US" smtClean="0"/>
-              <a:t>41</a:t>
-            </a:fld>
-            <a:endParaRPr lang="ko-KR" altLang="en-US"/>
-          </a:p>
-        </p:txBody>
-      </p:sp>
-    </p:spTree>
-    <p:extLst>
-      <p:ext uri="{BB962C8B-B14F-4D97-AF65-F5344CB8AC3E}">
-        <p14:creationId xmlns:p14="http://schemas.microsoft.com/office/powerpoint/2010/main" val="514268098"/>
       </p:ext>
     </p:extLst>
   </p:cSld>
@@ -3271,264 +2621,7 @@
           <a:bodyPr/>
           <a:lstStyle/>
           <a:p>
-            <a:r>
-              <a:rPr lang="ko-KR" altLang="en-US" dirty="0"/>
-              <a:t>입력 데이터의 크기</a:t>
-            </a:r>
-            <a:r>
-              <a:rPr lang="en-US" altLang="ko-KR" dirty="0"/>
-              <a:t>(n)</a:t>
-            </a:r>
-            <a:r>
-              <a:rPr lang="ko-KR" altLang="en-US" dirty="0"/>
-              <a:t>가 커질수록 각 알고리즘이 얼마나 빠르게</a:t>
-            </a:r>
-            <a:r>
-              <a:rPr lang="en-US" altLang="ko-KR" dirty="0"/>
-              <a:t>/</a:t>
-            </a:r>
-            <a:r>
-              <a:rPr lang="ko-KR" altLang="en-US" dirty="0"/>
-              <a:t>느리게 실행시간이 증가하는지를 비교한 그래프</a:t>
-            </a:r>
-            <a:endParaRPr lang="en-US" altLang="ko-KR" dirty="0"/>
-          </a:p>
-          <a:p>
-            <a:pPr marL="228600" indent="-228600">
-              <a:buAutoNum type="arabicPeriod"/>
-            </a:pPr>
-            <a:r>
-              <a:rPr lang="ko-KR" altLang="en-US" dirty="0"/>
-              <a:t>상수시간</a:t>
-            </a:r>
-            <a:endParaRPr lang="en-US" altLang="ko-KR" dirty="0"/>
-          </a:p>
-          <a:p>
-            <a:pPr marL="0" indent="0">
-              <a:buNone/>
-            </a:pPr>
-            <a:r>
-              <a:rPr lang="ko-KR" altLang="en-US" dirty="0" err="1"/>
-              <a:t>ㄴ</a:t>
-            </a:r>
-            <a:r>
-              <a:rPr lang="ko-KR" altLang="en-US" dirty="0"/>
-              <a:t> 입력 크기 </a:t>
-            </a:r>
-            <a:r>
-              <a:rPr lang="en-US" altLang="ko-KR" dirty="0"/>
-              <a:t>N</a:t>
-            </a:r>
-            <a:r>
-              <a:rPr lang="ko-KR" altLang="en-US" dirty="0"/>
-              <a:t>과 관계없이 항상 고정된 시간에 처리됨</a:t>
-            </a:r>
-            <a:r>
-              <a:rPr lang="en-US" altLang="ko-KR" dirty="0"/>
-              <a:t>.</a:t>
-            </a:r>
-          </a:p>
-          <a:p>
-            <a:pPr marL="0" indent="0">
-              <a:buNone/>
-            </a:pPr>
-            <a:endParaRPr lang="en-US" altLang="ko-KR" dirty="0"/>
-          </a:p>
-          <a:p>
-            <a:pPr marL="0" indent="0">
-              <a:buNone/>
-            </a:pPr>
-            <a:r>
-              <a:rPr lang="en-US" altLang="ko-KR" dirty="0"/>
-              <a:t>2. </a:t>
-            </a:r>
-            <a:r>
-              <a:rPr lang="ko-KR" altLang="en-US" dirty="0"/>
-              <a:t>로그 시간</a:t>
-            </a:r>
-            <a:endParaRPr lang="en-US" altLang="ko-KR" dirty="0"/>
-          </a:p>
-          <a:p>
-            <a:pPr marL="0" indent="0">
-              <a:buNone/>
-            </a:pPr>
-            <a:r>
-              <a:rPr lang="ko-KR" altLang="en-US" dirty="0" err="1"/>
-              <a:t>ㄴ예시</a:t>
-            </a:r>
-            <a:r>
-              <a:rPr lang="en-US" altLang="ko-KR" dirty="0"/>
-              <a:t>) </a:t>
-            </a:r>
-            <a:r>
-              <a:rPr lang="ko-KR" altLang="en-US" dirty="0"/>
-              <a:t>이진 탐색</a:t>
-            </a:r>
-            <a:endParaRPr lang="en-US" altLang="ko-KR" dirty="0"/>
-          </a:p>
-          <a:p>
-            <a:pPr marL="0" indent="0">
-              <a:buNone/>
-            </a:pPr>
-            <a:r>
-              <a:rPr lang="ko-KR" altLang="en-US" dirty="0" err="1"/>
-              <a:t>ㄴ</a:t>
-            </a:r>
-            <a:r>
-              <a:rPr lang="ko-KR" altLang="en-US" dirty="0"/>
-              <a:t> 데이터가 </a:t>
-            </a:r>
-            <a:r>
-              <a:rPr lang="en-US" altLang="ko-KR" dirty="0"/>
-              <a:t>2</a:t>
-            </a:r>
-            <a:r>
-              <a:rPr lang="ko-KR" altLang="en-US" dirty="0"/>
-              <a:t>배로 늘어나도 연산 횟수는 </a:t>
-            </a:r>
-            <a:r>
-              <a:rPr lang="en-US" altLang="ko-KR" dirty="0"/>
-              <a:t>1</a:t>
-            </a:r>
-            <a:r>
-              <a:rPr lang="ko-KR" altLang="en-US" dirty="0"/>
-              <a:t>씩만 증가 </a:t>
-            </a:r>
-            <a:r>
-              <a:rPr lang="en-US" altLang="ko-KR" dirty="0"/>
-              <a:t>-&gt; </a:t>
-            </a:r>
-            <a:r>
-              <a:rPr lang="ko-KR" altLang="en-US" dirty="0"/>
-              <a:t>절반씩 나누는 구조</a:t>
-            </a:r>
-            <a:endParaRPr lang="en-US" altLang="ko-KR" dirty="0"/>
-          </a:p>
-          <a:p>
-            <a:pPr marL="0" indent="0">
-              <a:buNone/>
-            </a:pPr>
-            <a:endParaRPr lang="en-US" altLang="ko-KR" dirty="0"/>
-          </a:p>
-          <a:p>
-            <a:pPr marL="0" indent="0">
-              <a:buNone/>
-            </a:pPr>
-            <a:r>
-              <a:rPr lang="en-US" altLang="ko-KR" dirty="0"/>
-              <a:t>3. </a:t>
-            </a:r>
-            <a:r>
-              <a:rPr lang="ko-KR" altLang="en-US" dirty="0"/>
-              <a:t>준선형 시간</a:t>
-            </a:r>
-            <a:endParaRPr lang="en-US" altLang="ko-KR" dirty="0"/>
-          </a:p>
-          <a:p>
-            <a:pPr marL="0" indent="0">
-              <a:buNone/>
-            </a:pPr>
-            <a:r>
-              <a:rPr lang="ko-KR" altLang="en-US" dirty="0" err="1"/>
-              <a:t>ㄴ</a:t>
-            </a:r>
-            <a:r>
-              <a:rPr lang="ko-KR" altLang="en-US" dirty="0"/>
-              <a:t> 대부분의 고급 정렬 알고리즘이 갖는 시간 복잡도</a:t>
-            </a:r>
-            <a:endParaRPr lang="en-US" altLang="ko-KR" dirty="0"/>
-          </a:p>
-          <a:p>
-            <a:pPr marL="0" indent="0">
-              <a:buNone/>
-            </a:pPr>
-            <a:endParaRPr lang="en-US" altLang="ko-KR" dirty="0"/>
-          </a:p>
-          <a:p>
-            <a:pPr marL="0" indent="0">
-              <a:buNone/>
-            </a:pPr>
-            <a:r>
-              <a:rPr lang="en-US" altLang="ko-KR" dirty="0"/>
-              <a:t>4. </a:t>
-            </a:r>
-            <a:r>
-              <a:rPr lang="ko-KR" altLang="en-US" dirty="0"/>
-              <a:t>이차 시간</a:t>
-            </a:r>
-            <a:endParaRPr lang="en-US" altLang="ko-KR" dirty="0"/>
-          </a:p>
-          <a:p>
-            <a:pPr marL="0" indent="0">
-              <a:buNone/>
-            </a:pPr>
-            <a:r>
-              <a:rPr lang="ko-KR" altLang="en-US" dirty="0"/>
-              <a:t>입력 크기가 커질수록 급격히 느려짐</a:t>
-            </a:r>
-            <a:r>
-              <a:rPr lang="en-US" altLang="ko-KR" dirty="0"/>
-              <a:t>.</a:t>
-            </a:r>
-          </a:p>
-          <a:p>
-            <a:pPr marL="0" indent="0">
-              <a:buNone/>
-            </a:pPr>
-            <a:endParaRPr lang="en-US" altLang="ko-KR" dirty="0"/>
-          </a:p>
-          <a:p>
-            <a:pPr marL="0" indent="0">
-              <a:buNone/>
-            </a:pPr>
-            <a:r>
-              <a:rPr lang="en-US" altLang="ko-KR" dirty="0"/>
-              <a:t>5. </a:t>
-            </a:r>
-            <a:r>
-              <a:rPr lang="ko-KR" altLang="en-US" dirty="0"/>
-              <a:t>지수 시간</a:t>
-            </a:r>
-            <a:endParaRPr lang="en-US" altLang="ko-KR" dirty="0"/>
-          </a:p>
-          <a:p>
-            <a:pPr marL="0" indent="0">
-              <a:buNone/>
-            </a:pPr>
-            <a:r>
-              <a:rPr lang="ko-KR" altLang="en-US" dirty="0" err="1"/>
-              <a:t>ㄴ</a:t>
-            </a:r>
-            <a:r>
-              <a:rPr lang="ko-KR" altLang="en-US" dirty="0"/>
-              <a:t> 예시</a:t>
-            </a:r>
-            <a:r>
-              <a:rPr lang="en-US" altLang="ko-KR" dirty="0"/>
-              <a:t>) </a:t>
-            </a:r>
-            <a:r>
-              <a:rPr lang="ko-KR" altLang="en-US" dirty="0"/>
-              <a:t>재귀적 피보나치 수열</a:t>
-            </a:r>
-            <a:endParaRPr lang="en-US" altLang="ko-KR" dirty="0"/>
-          </a:p>
-          <a:p>
-            <a:pPr marL="0" indent="0">
-              <a:buNone/>
-            </a:pPr>
-            <a:r>
-              <a:rPr lang="ko-KR" altLang="en-US" dirty="0" err="1"/>
-              <a:t>ㄴ</a:t>
-            </a:r>
-            <a:r>
-              <a:rPr lang="ko-KR" altLang="en-US" dirty="0"/>
-              <a:t> 입력 크기가 조금만 커져도 연산 횟수가 기하급수적으로 증가</a:t>
-            </a:r>
-            <a:r>
-              <a:rPr lang="en-US" altLang="ko-KR" dirty="0"/>
-              <a:t>.</a:t>
-            </a:r>
+            <a:endParaRPr lang="ko-KR" altLang="en-US" dirty="0"/>
           </a:p>
         </p:txBody>
       </p:sp>
@@ -3549,7 +2642,7 @@
           <a:p>
             <a:fld id="{C09E5BFC-1559-42F1-8940-AB342D56BF02}" type="slidenum">
               <a:rPr lang="ko-KR" altLang="en-US" smtClean="0"/>
-              <a:t>42</a:t>
+              <a:t>41</a:t>
             </a:fld>
             <a:endParaRPr lang="ko-KR" altLang="en-US"/>
           </a:p>
@@ -3558,7 +2651,7 @@
     </p:spTree>
     <p:extLst>
       <p:ext uri="{BB962C8B-B14F-4D97-AF65-F5344CB8AC3E}">
-        <p14:creationId xmlns:p14="http://schemas.microsoft.com/office/powerpoint/2010/main" val="2599045694"/>
+        <p14:creationId xmlns:p14="http://schemas.microsoft.com/office/powerpoint/2010/main" val="514268098"/>
       </p:ext>
     </p:extLst>
   </p:cSld>
@@ -3699,7 +2792,7 @@
           <a:bodyPr/>
           <a:lstStyle/>
           <a:p>
-            <a:endParaRPr lang="ko-KR" altLang="en-US" dirty="0"/>
+            <a:endParaRPr lang="en-US" altLang="ko-KR" dirty="0"/>
           </a:p>
         </p:txBody>
       </p:sp>
@@ -3720,7 +2813,7 @@
           <a:p>
             <a:fld id="{C09E5BFC-1559-42F1-8940-AB342D56BF02}" type="slidenum">
               <a:rPr lang="ko-KR" altLang="en-US" smtClean="0"/>
-              <a:t>44</a:t>
+              <a:t>42</a:t>
             </a:fld>
             <a:endParaRPr lang="ko-KR" altLang="en-US"/>
           </a:p>
@@ -3729,7 +2822,7 @@
     </p:spTree>
     <p:extLst>
       <p:ext uri="{BB962C8B-B14F-4D97-AF65-F5344CB8AC3E}">
-        <p14:creationId xmlns:p14="http://schemas.microsoft.com/office/powerpoint/2010/main" val="458695718"/>
+        <p14:creationId xmlns:p14="http://schemas.microsoft.com/office/powerpoint/2010/main" val="2599045694"/>
       </p:ext>
     </p:extLst>
   </p:cSld>
@@ -3783,242 +2876,7 @@
           <a:bodyPr/>
           <a:lstStyle/>
           <a:p>
-            <a:r>
-              <a:rPr lang="en-US" altLang="ko-KR" dirty="0"/>
-              <a:t>For</a:t>
-            </a:r>
-            <a:r>
-              <a:rPr lang="ko-KR" altLang="en-US" dirty="0"/>
-              <a:t>문과 </a:t>
-            </a:r>
-            <a:r>
-              <a:rPr lang="en-US" altLang="ko-KR" dirty="0"/>
-              <a:t>foreach</a:t>
-            </a:r>
-            <a:r>
-              <a:rPr lang="ko-KR" altLang="en-US" dirty="0"/>
-              <a:t>문 차이</a:t>
-            </a:r>
-            <a:endParaRPr lang="en-US" altLang="ko-KR" dirty="0"/>
-          </a:p>
-          <a:p>
-            <a:pPr marL="171450" indent="-171450">
-              <a:buFontTx/>
-              <a:buChar char="-"/>
-            </a:pPr>
-            <a:r>
-              <a:rPr lang="en-US" altLang="ko-KR" dirty="0"/>
-              <a:t>For</a:t>
-            </a:r>
-            <a:r>
-              <a:rPr lang="ko-KR" altLang="en-US" dirty="0"/>
-              <a:t>문 </a:t>
-            </a:r>
-            <a:r>
-              <a:rPr lang="en-US" altLang="ko-KR" dirty="0"/>
-              <a:t>: </a:t>
-            </a:r>
-            <a:r>
-              <a:rPr lang="ko-KR" altLang="en-US" dirty="0"/>
-              <a:t>보통 몇 번 반복할지 알고 있을 때 사용</a:t>
-            </a:r>
-            <a:endParaRPr lang="en-US" altLang="ko-KR" dirty="0"/>
-          </a:p>
-          <a:p>
-            <a:pPr marL="171450" indent="-171450">
-              <a:buFontTx/>
-              <a:buChar char="-"/>
-            </a:pPr>
-            <a:r>
-              <a:rPr lang="en-US" altLang="ko-KR" dirty="0"/>
-              <a:t>Foreach</a:t>
-            </a:r>
-            <a:r>
-              <a:rPr lang="ko-KR" altLang="en-US" dirty="0"/>
-              <a:t>문 </a:t>
-            </a:r>
-            <a:r>
-              <a:rPr lang="en-US" altLang="ko-KR" dirty="0"/>
-              <a:t>: </a:t>
-            </a:r>
-            <a:r>
-              <a:rPr lang="ko-KR" altLang="en-US" dirty="0"/>
-              <a:t>몇 번 반복할지 몰라도 컬렉션의 크기만큼 자동으로 반복해줌</a:t>
-            </a:r>
-            <a:r>
-              <a:rPr lang="en-US" altLang="ko-KR" dirty="0"/>
-              <a:t>.</a:t>
-            </a:r>
-          </a:p>
-          <a:p>
-            <a:pPr marL="171450" indent="-171450">
-              <a:buFontTx/>
-              <a:buChar char="-"/>
-            </a:pPr>
-            <a:endParaRPr lang="en-US" altLang="ko-KR" dirty="0"/>
-          </a:p>
-          <a:p>
-            <a:pPr marL="0" indent="0">
-              <a:buFontTx/>
-              <a:buNone/>
-            </a:pPr>
-            <a:r>
-              <a:rPr lang="en-US" altLang="ko-KR" dirty="0"/>
-              <a:t>*</a:t>
-            </a:r>
-            <a:r>
-              <a:rPr lang="ko-KR" altLang="en-US" dirty="0"/>
-              <a:t>컬렉션</a:t>
-            </a:r>
-            <a:r>
-              <a:rPr lang="en-US" altLang="ko-KR" dirty="0"/>
-              <a:t>*</a:t>
-            </a:r>
-          </a:p>
-          <a:p>
-            <a:pPr marL="0" indent="0">
-              <a:buFontTx/>
-              <a:buNone/>
-            </a:pPr>
-            <a:r>
-              <a:rPr lang="en-US" altLang="ko-KR" dirty="0"/>
-              <a:t>= </a:t>
-            </a:r>
-            <a:r>
-              <a:rPr lang="ko-KR" altLang="en-US" dirty="0"/>
-              <a:t>여러 개의 데이터를 하나로 묶어서 관리하는 자료 구조를 말함</a:t>
-            </a:r>
-            <a:r>
-              <a:rPr lang="en-US" altLang="ko-KR" dirty="0"/>
-              <a:t>. == </a:t>
-            </a:r>
-            <a:r>
-              <a:rPr lang="ko-KR" altLang="en-US" dirty="0"/>
-              <a:t>데이터들의 모음</a:t>
-            </a:r>
-            <a:r>
-              <a:rPr lang="en-US" altLang="ko-KR" dirty="0"/>
-              <a:t>.</a:t>
-            </a:r>
-          </a:p>
-          <a:p>
-            <a:pPr marL="0" indent="0">
-              <a:buFontTx/>
-              <a:buNone/>
-            </a:pPr>
-            <a:endParaRPr lang="en-US" altLang="ko-KR" dirty="0"/>
-          </a:p>
-          <a:p>
-            <a:pPr marL="0" indent="0">
-              <a:buFontTx/>
-              <a:buNone/>
-            </a:pPr>
-            <a:r>
-              <a:rPr lang="en-US" altLang="ko-KR" dirty="0"/>
-              <a:t>*foreach</a:t>
-            </a:r>
-            <a:r>
-              <a:rPr lang="ko-KR" altLang="en-US" dirty="0"/>
-              <a:t> 사용법</a:t>
-            </a:r>
-            <a:r>
-              <a:rPr lang="en-US" altLang="ko-KR" dirty="0"/>
-              <a:t>*</a:t>
-            </a:r>
-          </a:p>
-          <a:p>
-            <a:pPr marL="0" indent="0">
-              <a:buFontTx/>
-              <a:buNone/>
-            </a:pPr>
-            <a:r>
-              <a:rPr lang="en-US" altLang="ko-KR" dirty="0"/>
-              <a:t>Foreach (</a:t>
-            </a:r>
-            <a:r>
-              <a:rPr lang="ko-KR" altLang="en-US" dirty="0"/>
-              <a:t>자료형 </a:t>
-            </a:r>
-            <a:r>
-              <a:rPr lang="ko-KR" altLang="en-US" dirty="0" err="1"/>
-              <a:t>변수명</a:t>
-            </a:r>
-            <a:r>
-              <a:rPr lang="ko-KR" altLang="en-US" dirty="0"/>
-              <a:t> </a:t>
-            </a:r>
-            <a:r>
-              <a:rPr lang="en-US" altLang="ko-KR" dirty="0"/>
-              <a:t>in </a:t>
-            </a:r>
-            <a:r>
-              <a:rPr lang="ko-KR" altLang="en-US" dirty="0"/>
-              <a:t>컬렉션</a:t>
-            </a:r>
-            <a:r>
-              <a:rPr lang="en-US" altLang="ko-KR" dirty="0"/>
-              <a:t>) </a:t>
-            </a:r>
-            <a:br>
-              <a:rPr lang="en-US" altLang="ko-KR" dirty="0"/>
-            </a:br>
-            <a:r>
-              <a:rPr lang="en-US" altLang="ko-KR" dirty="0"/>
-              <a:t>{ </a:t>
-            </a:r>
-            <a:r>
-              <a:rPr lang="ko-KR" altLang="en-US" dirty="0"/>
-              <a:t>코드 내용 </a:t>
-            </a:r>
-            <a:r>
-              <a:rPr lang="en-US" altLang="ko-KR" dirty="0"/>
-              <a:t>}</a:t>
-            </a:r>
-          </a:p>
-          <a:p>
-            <a:pPr marL="0" indent="0">
-              <a:buFontTx/>
-              <a:buNone/>
-            </a:pPr>
-            <a:endParaRPr lang="en-US" altLang="ko-KR" dirty="0"/>
-          </a:p>
-          <a:p>
-            <a:pPr marL="0" indent="0">
-              <a:buFontTx/>
-              <a:buNone/>
-            </a:pPr>
-            <a:r>
-              <a:rPr lang="ko-KR" altLang="en-US" dirty="0"/>
-              <a:t>자료형</a:t>
-            </a:r>
-            <a:r>
-              <a:rPr lang="en-US" altLang="ko-KR" dirty="0"/>
-              <a:t>: </a:t>
-            </a:r>
-            <a:r>
-              <a:rPr lang="ko-KR" altLang="en-US" dirty="0"/>
-              <a:t>컬렉션 안에 들어있는 요소의 데이터 타입</a:t>
-            </a:r>
-            <a:endParaRPr lang="en-US" altLang="ko-KR" dirty="0"/>
-          </a:p>
-          <a:p>
-            <a:pPr marL="0" indent="0">
-              <a:buFontTx/>
-              <a:buNone/>
-            </a:pPr>
-            <a:r>
-              <a:rPr lang="ko-KR" altLang="en-US" dirty="0" err="1"/>
-              <a:t>변수명</a:t>
-            </a:r>
-            <a:r>
-              <a:rPr lang="en-US" altLang="ko-KR" dirty="0"/>
-              <a:t>: </a:t>
-            </a:r>
-            <a:r>
-              <a:rPr lang="ko-KR" altLang="en-US" dirty="0"/>
-              <a:t>꺼낸 요소를 담는 이름</a:t>
-            </a:r>
-            <a:endParaRPr lang="en-US" altLang="ko-KR" dirty="0"/>
+            <a:endParaRPr lang="ko-KR" altLang="en-US" dirty="0"/>
           </a:p>
         </p:txBody>
       </p:sp>
@@ -4029,7 +2887,7 @@
             <a:spLocks noGrp="1"/>
           </p:cNvSpPr>
           <p:nvPr>
-            <p:ph type="sldNum" sz="quarter" idx="5"/>
+            <p:ph type="sldNum" sz="quarter" idx="10"/>
           </p:nvPr>
         </p:nvSpPr>
         <p:spPr/>
@@ -4039,7 +2897,7 @@
           <a:p>
             <a:fld id="{C09E5BFC-1559-42F1-8940-AB342D56BF02}" type="slidenum">
               <a:rPr lang="ko-KR" altLang="en-US" smtClean="0"/>
-              <a:t>45</a:t>
+              <a:t>43</a:t>
             </a:fld>
             <a:endParaRPr lang="ko-KR" altLang="en-US"/>
           </a:p>
@@ -4048,7 +2906,7 @@
     </p:spTree>
     <p:extLst>
       <p:ext uri="{BB962C8B-B14F-4D97-AF65-F5344CB8AC3E}">
-        <p14:creationId xmlns:p14="http://schemas.microsoft.com/office/powerpoint/2010/main" val="4124922040"/>
+        <p14:creationId xmlns:p14="http://schemas.microsoft.com/office/powerpoint/2010/main" val="688845850"/>
       </p:ext>
     </p:extLst>
   </p:cSld>
@@ -4123,7 +2981,7 @@
           <a:p>
             <a:fld id="{C09E5BFC-1559-42F1-8940-AB342D56BF02}" type="slidenum">
               <a:rPr lang="ko-KR" altLang="en-US" smtClean="0"/>
-              <a:t>46</a:t>
+              <a:t>44</a:t>
             </a:fld>
             <a:endParaRPr lang="ko-KR" altLang="en-US"/>
           </a:p>
@@ -4132,7 +2990,7 @@
     </p:spTree>
     <p:extLst>
       <p:ext uri="{BB962C8B-B14F-4D97-AF65-F5344CB8AC3E}">
-        <p14:creationId xmlns:p14="http://schemas.microsoft.com/office/powerpoint/2010/main" val="1137311958"/>
+        <p14:creationId xmlns:p14="http://schemas.microsoft.com/office/powerpoint/2010/main" val="458695718"/>
       </p:ext>
     </p:extLst>
   </p:cSld>
@@ -4186,6 +3044,174 @@
           <a:bodyPr/>
           <a:lstStyle/>
           <a:p>
+            <a:endParaRPr lang="en-US" altLang="ko-KR" dirty="0"/>
+          </a:p>
+        </p:txBody>
+      </p:sp>
+      <p:sp>
+        <p:nvSpPr>
+          <p:cNvPr id="4" name="슬라이드 번호 개체 틀 3"/>
+          <p:cNvSpPr>
+            <a:spLocks noGrp="1"/>
+          </p:cNvSpPr>
+          <p:nvPr>
+            <p:ph type="sldNum" sz="quarter" idx="5"/>
+          </p:nvPr>
+        </p:nvSpPr>
+        <p:spPr/>
+        <p:txBody>
+          <a:bodyPr/>
+          <a:lstStyle/>
+          <a:p>
+            <a:fld id="{C09E5BFC-1559-42F1-8940-AB342D56BF02}" type="slidenum">
+              <a:rPr lang="ko-KR" altLang="en-US" smtClean="0"/>
+              <a:t>45</a:t>
+            </a:fld>
+            <a:endParaRPr lang="ko-KR" altLang="en-US"/>
+          </a:p>
+        </p:txBody>
+      </p:sp>
+    </p:spTree>
+    <p:extLst>
+      <p:ext uri="{BB962C8B-B14F-4D97-AF65-F5344CB8AC3E}">
+        <p14:creationId xmlns:p14="http://schemas.microsoft.com/office/powerpoint/2010/main" val="4124922040"/>
+      </p:ext>
+    </p:extLst>
+  </p:cSld>
+  <p:clrMapOvr>
+    <a:masterClrMapping/>
+  </p:clrMapOvr>
+</p:notes>
+</file>
+
+<file path=ppt/notesSlides/notesSlide34.xml><?xml version="1.0" encoding="utf-8"?>
+<p:notes xmlns:a="http://schemas.openxmlformats.org/drawingml/2006/main" xmlns:r="http://schemas.openxmlformats.org/officeDocument/2006/relationships" xmlns:p="http://schemas.openxmlformats.org/presentationml/2006/main">
+  <p:cSld>
+    <p:spTree>
+      <p:nvGrpSpPr>
+        <p:cNvPr id="1" name=""/>
+        <p:cNvGrpSpPr/>
+        <p:nvPr/>
+      </p:nvGrpSpPr>
+      <p:grpSpPr>
+        <a:xfrm>
+          <a:off x="0" y="0"/>
+          <a:ext cx="0" cy="0"/>
+          <a:chOff x="0" y="0"/>
+          <a:chExt cx="0" cy="0"/>
+        </a:xfrm>
+      </p:grpSpPr>
+      <p:sp>
+        <p:nvSpPr>
+          <p:cNvPr id="2" name="슬라이드 이미지 개체 틀 1"/>
+          <p:cNvSpPr>
+            <a:spLocks noGrp="1" noRot="1" noChangeAspect="1"/>
+          </p:cNvSpPr>
+          <p:nvPr>
+            <p:ph type="sldImg"/>
+          </p:nvPr>
+        </p:nvSpPr>
+        <p:spPr/>
+      </p:sp>
+      <p:sp>
+        <p:nvSpPr>
+          <p:cNvPr id="3" name="슬라이드 노트 개체 틀 2"/>
+          <p:cNvSpPr>
+            <a:spLocks noGrp="1"/>
+          </p:cNvSpPr>
+          <p:nvPr>
+            <p:ph type="body" idx="1"/>
+          </p:nvPr>
+        </p:nvSpPr>
+        <p:spPr/>
+        <p:txBody>
+          <a:bodyPr/>
+          <a:lstStyle/>
+          <a:p>
+            <a:endParaRPr lang="ko-KR" altLang="en-US" dirty="0"/>
+          </a:p>
+        </p:txBody>
+      </p:sp>
+      <p:sp>
+        <p:nvSpPr>
+          <p:cNvPr id="4" name="슬라이드 번호 개체 틀 3"/>
+          <p:cNvSpPr>
+            <a:spLocks noGrp="1"/>
+          </p:cNvSpPr>
+          <p:nvPr>
+            <p:ph type="sldNum" sz="quarter" idx="5"/>
+          </p:nvPr>
+        </p:nvSpPr>
+        <p:spPr/>
+        <p:txBody>
+          <a:bodyPr/>
+          <a:lstStyle/>
+          <a:p>
+            <a:fld id="{C09E5BFC-1559-42F1-8940-AB342D56BF02}" type="slidenum">
+              <a:rPr lang="ko-KR" altLang="en-US" smtClean="0"/>
+              <a:t>46</a:t>
+            </a:fld>
+            <a:endParaRPr lang="ko-KR" altLang="en-US"/>
+          </a:p>
+        </p:txBody>
+      </p:sp>
+    </p:spTree>
+    <p:extLst>
+      <p:ext uri="{BB962C8B-B14F-4D97-AF65-F5344CB8AC3E}">
+        <p14:creationId xmlns:p14="http://schemas.microsoft.com/office/powerpoint/2010/main" val="1137311958"/>
+      </p:ext>
+    </p:extLst>
+  </p:cSld>
+  <p:clrMapOvr>
+    <a:masterClrMapping/>
+  </p:clrMapOvr>
+</p:notes>
+</file>
+
+<file path=ppt/notesSlides/notesSlide35.xml><?xml version="1.0" encoding="utf-8"?>
+<p:notes xmlns:a="http://schemas.openxmlformats.org/drawingml/2006/main" xmlns:r="http://schemas.openxmlformats.org/officeDocument/2006/relationships" xmlns:p="http://schemas.openxmlformats.org/presentationml/2006/main">
+  <p:cSld>
+    <p:spTree>
+      <p:nvGrpSpPr>
+        <p:cNvPr id="1" name=""/>
+        <p:cNvGrpSpPr/>
+        <p:nvPr/>
+      </p:nvGrpSpPr>
+      <p:grpSpPr>
+        <a:xfrm>
+          <a:off x="0" y="0"/>
+          <a:ext cx="0" cy="0"/>
+          <a:chOff x="0" y="0"/>
+          <a:chExt cx="0" cy="0"/>
+        </a:xfrm>
+      </p:grpSpPr>
+      <p:sp>
+        <p:nvSpPr>
+          <p:cNvPr id="2" name="슬라이드 이미지 개체 틀 1"/>
+          <p:cNvSpPr>
+            <a:spLocks noGrp="1" noRot="1" noChangeAspect="1"/>
+          </p:cNvSpPr>
+          <p:nvPr>
+            <p:ph type="sldImg"/>
+          </p:nvPr>
+        </p:nvSpPr>
+        <p:spPr/>
+      </p:sp>
+      <p:sp>
+        <p:nvSpPr>
+          <p:cNvPr id="3" name="슬라이드 노트 개체 틀 2"/>
+          <p:cNvSpPr>
+            <a:spLocks noGrp="1"/>
+          </p:cNvSpPr>
+          <p:nvPr>
+            <p:ph type="body" idx="1"/>
+          </p:nvPr>
+        </p:nvSpPr>
+        <p:spPr/>
+        <p:txBody>
+          <a:bodyPr/>
+          <a:lstStyle/>
+          <a:p>
             <a:endParaRPr lang="ko-KR" altLang="en-US" dirty="0"/>
           </a:p>
         </p:txBody>
@@ -4226,7 +3252,7 @@
 </p:notes>
 </file>
 
-<file path=ppt/notesSlides/notesSlide34.xml><?xml version="1.0" encoding="utf-8"?>
+<file path=ppt/notesSlides/notesSlide36.xml><?xml version="1.0" encoding="utf-8"?>
 <p:notes xmlns:a="http://schemas.openxmlformats.org/drawingml/2006/main" xmlns:r="http://schemas.openxmlformats.org/officeDocument/2006/relationships" xmlns:p="http://schemas.openxmlformats.org/presentationml/2006/main">
   <p:cSld>
     <p:spTree>
@@ -4462,436 +3488,6 @@
           <a:bodyPr/>
           <a:lstStyle/>
           <a:p>
-            <a:r>
-              <a:rPr lang="ko-KR" altLang="en-US" dirty="0"/>
-              <a:t>유니코드에 대한 자세한 설명</a:t>
-            </a:r>
-            <a:endParaRPr lang="en-US" altLang="ko-KR" dirty="0"/>
-          </a:p>
-          <a:p>
-            <a:r>
-              <a:rPr lang="en-US" altLang="ko-KR" dirty="0"/>
-              <a:t>https://forward-movement.tistory.com/182</a:t>
-            </a:r>
-          </a:p>
-          <a:p>
-            <a:endParaRPr lang="en-US" altLang="ko-KR" dirty="0"/>
-          </a:p>
-          <a:p>
-            <a:pPr marL="171450" indent="-171450">
-              <a:buFontTx/>
-              <a:buChar char="-"/>
-            </a:pPr>
-            <a:r>
-              <a:rPr lang="ko-KR" altLang="en-US" dirty="0"/>
-              <a:t>전 세계의 모든 문자</a:t>
-            </a:r>
-            <a:r>
-              <a:rPr lang="en-US" altLang="ko-KR" dirty="0"/>
-              <a:t>(</a:t>
-            </a:r>
-            <a:r>
-              <a:rPr lang="ko-KR" altLang="en-US" dirty="0"/>
-              <a:t>언어</a:t>
-            </a:r>
-            <a:r>
-              <a:rPr lang="en-US" altLang="ko-KR" dirty="0"/>
-              <a:t>, </a:t>
-            </a:r>
-            <a:r>
-              <a:rPr lang="ko-KR" altLang="en-US" dirty="0"/>
-              <a:t>기호</a:t>
-            </a:r>
-            <a:r>
-              <a:rPr lang="en-US" altLang="ko-KR" dirty="0"/>
-              <a:t>, </a:t>
-            </a:r>
-            <a:r>
-              <a:rPr lang="ko-KR" altLang="en-US" dirty="0" err="1"/>
-              <a:t>이모지까지</a:t>
-            </a:r>
-            <a:r>
-              <a:rPr lang="en-US" altLang="ko-KR" dirty="0"/>
-              <a:t>)</a:t>
-            </a:r>
-            <a:r>
-              <a:rPr lang="ko-KR" altLang="en-US" dirty="0"/>
-              <a:t>를 하나의 통일된 기준으로 표현하기 위해 만든 문자 체계</a:t>
-            </a:r>
-            <a:endParaRPr lang="en-US" altLang="ko-KR" dirty="0"/>
-          </a:p>
-          <a:p>
-            <a:pPr marL="171450" indent="-171450">
-              <a:buFontTx/>
-              <a:buChar char="-"/>
-            </a:pPr>
-            <a:r>
-              <a:rPr lang="ko-KR" altLang="en-US" dirty="0"/>
-              <a:t>예전에는 </a:t>
-            </a:r>
-            <a:r>
-              <a:rPr lang="en-US" altLang="ko-KR" dirty="0"/>
-              <a:t>ASCII </a:t>
-            </a:r>
-            <a:r>
-              <a:rPr lang="ko-KR" altLang="en-US" dirty="0"/>
-              <a:t>코드만 썼음</a:t>
-            </a:r>
-            <a:r>
-              <a:rPr lang="en-US" altLang="ko-KR" dirty="0"/>
-              <a:t>. (</a:t>
-            </a:r>
-            <a:r>
-              <a:rPr lang="ko-KR" altLang="en-US" dirty="0"/>
-              <a:t>영어 숫자 특수문자 몇 개만 표현 가능</a:t>
-            </a:r>
-            <a:r>
-              <a:rPr lang="en-US" altLang="ko-KR" dirty="0"/>
-              <a:t>)</a:t>
-            </a:r>
-          </a:p>
-          <a:p>
-            <a:pPr marL="171450" indent="-171450">
-              <a:buFontTx/>
-              <a:buChar char="-"/>
-            </a:pPr>
-            <a:r>
-              <a:rPr lang="ko-KR" altLang="en-US" dirty="0"/>
-              <a:t>한 글자당 </a:t>
-            </a:r>
-            <a:r>
-              <a:rPr lang="en-US" altLang="ko-KR" dirty="0"/>
-              <a:t>8bit </a:t>
-            </a:r>
-            <a:r>
-              <a:rPr lang="ko-KR" altLang="en-US" dirty="0"/>
-              <a:t>사용함</a:t>
-            </a:r>
-            <a:r>
-              <a:rPr lang="en-US" altLang="ko-KR" dirty="0"/>
-              <a:t>.</a:t>
-            </a:r>
-          </a:p>
-          <a:p>
-            <a:pPr marL="171450" indent="-171450">
-              <a:buFontTx/>
-              <a:buChar char="-"/>
-            </a:pPr>
-            <a:r>
-              <a:rPr lang="ko-KR" altLang="en-US" dirty="0"/>
-              <a:t>그래서 한글 일본어 중국어 같은 다른 나라 문자를 표현 할 수가 없었음</a:t>
-            </a:r>
-            <a:r>
-              <a:rPr lang="en-US" altLang="ko-KR" dirty="0"/>
-              <a:t>.</a:t>
-            </a:r>
-          </a:p>
-          <a:p>
-            <a:pPr marL="171450" indent="-171450">
-              <a:buFontTx/>
-              <a:buChar char="-"/>
-            </a:pPr>
-            <a:r>
-              <a:rPr lang="en-US" altLang="ko-KR" dirty="0"/>
-              <a:t>-&gt;</a:t>
-            </a:r>
-            <a:r>
-              <a:rPr lang="en-US" altLang="ko-KR" baseline="0" dirty="0"/>
-              <a:t> </a:t>
-            </a:r>
-            <a:r>
-              <a:rPr lang="ko-KR" altLang="en-US" baseline="0" dirty="0"/>
-              <a:t>이것을 극복하기 위해 모든 나라 문자까지 표현할 수 있는 새로운 약속이 </a:t>
-            </a:r>
-            <a:r>
-              <a:rPr lang="ko-KR" altLang="en-US" baseline="0" dirty="0" err="1"/>
-              <a:t>필요해짐</a:t>
-            </a:r>
-            <a:r>
-              <a:rPr lang="en-US" altLang="ko-KR" baseline="0" dirty="0"/>
-              <a:t>. =&gt; </a:t>
-            </a:r>
-            <a:r>
-              <a:rPr lang="ko-KR" altLang="en-US" baseline="0" dirty="0"/>
-              <a:t>그게 유니코드</a:t>
-            </a:r>
-            <a:r>
-              <a:rPr lang="en-US" altLang="ko-KR" baseline="0" dirty="0"/>
-              <a:t>.</a:t>
-            </a:r>
-          </a:p>
-          <a:p>
-            <a:pPr marL="171450" indent="-171450">
-              <a:buFontTx/>
-              <a:buChar char="-"/>
-            </a:pPr>
-            <a:endParaRPr lang="en-US" altLang="ko-KR" baseline="0" dirty="0"/>
-          </a:p>
-          <a:p>
-            <a:pPr marL="171450" indent="-171450">
-              <a:buFontTx/>
-              <a:buChar char="-"/>
-            </a:pPr>
-            <a:r>
-              <a:rPr lang="ko-KR" altLang="en-US" b="1" dirty="0"/>
-              <a:t>유니코드는 </a:t>
-            </a:r>
-            <a:r>
-              <a:rPr lang="en-US" altLang="ko-KR" b="1" dirty="0"/>
-              <a:t>"</a:t>
-            </a:r>
-            <a:r>
-              <a:rPr lang="ko-KR" altLang="en-US" b="1" dirty="0"/>
-              <a:t>문자에 번호를 붙이는 약속</a:t>
-            </a:r>
-            <a:r>
-              <a:rPr lang="en-US" altLang="ko-KR" b="1" dirty="0"/>
-              <a:t>"</a:t>
-            </a:r>
-            <a:r>
-              <a:rPr lang="ko-KR" altLang="en-US" dirty="0"/>
-              <a:t> 입니다</a:t>
-            </a:r>
-            <a:r>
-              <a:rPr lang="en-US" altLang="ko-KR" dirty="0"/>
-              <a:t>. (</a:t>
-            </a:r>
-            <a:r>
-              <a:rPr lang="ko-KR" altLang="en-US" dirty="0"/>
-              <a:t>이걸 </a:t>
-            </a:r>
-            <a:r>
-              <a:rPr lang="ko-KR" altLang="en-US" b="1" dirty="0" err="1"/>
-              <a:t>부호화</a:t>
-            </a:r>
-            <a:r>
-              <a:rPr lang="ko-KR" altLang="en-US" dirty="0" err="1"/>
-              <a:t>라고</a:t>
-            </a:r>
-            <a:r>
-              <a:rPr lang="ko-KR" altLang="en-US" dirty="0"/>
-              <a:t> 해요</a:t>
-            </a:r>
-            <a:r>
-              <a:rPr lang="en-US" altLang="ko-KR" dirty="0"/>
-              <a:t>)</a:t>
-            </a:r>
-          </a:p>
-          <a:p>
-            <a:pPr marL="171450" indent="-171450">
-              <a:buFontTx/>
-              <a:buChar char="-"/>
-            </a:pPr>
-            <a:endParaRPr lang="en-US" altLang="ko-KR" dirty="0"/>
-          </a:p>
-          <a:p>
-            <a:r>
-              <a:rPr lang="ko-KR" altLang="en-US" b="1" dirty="0"/>
-              <a:t>유니코드 자체는 </a:t>
-            </a:r>
-            <a:r>
-              <a:rPr lang="en-US" altLang="ko-KR" b="1" dirty="0"/>
-              <a:t>'</a:t>
-            </a:r>
-            <a:r>
-              <a:rPr lang="ko-KR" altLang="en-US" b="1" dirty="0"/>
-              <a:t>번호 붙이기</a:t>
-            </a:r>
-            <a:r>
-              <a:rPr lang="en-US" altLang="ko-KR" b="1" dirty="0"/>
-              <a:t>' </a:t>
-            </a:r>
-            <a:r>
-              <a:rPr lang="ko-KR" altLang="en-US" b="1" dirty="0"/>
-              <a:t>약속</a:t>
-            </a:r>
-            <a:r>
-              <a:rPr lang="ko-KR" altLang="en-US" dirty="0"/>
-              <a:t>일 뿐입니다</a:t>
-            </a:r>
-            <a:r>
-              <a:rPr lang="en-US" altLang="ko-KR" dirty="0"/>
-              <a:t>.</a:t>
-            </a:r>
-            <a:br>
-              <a:rPr lang="en-US" altLang="ko-KR" dirty="0"/>
-            </a:br>
-            <a:r>
-              <a:rPr lang="ko-KR" altLang="en-US" b="1" dirty="0"/>
-              <a:t>컴퓨터에 저장할 때는 </a:t>
-            </a:r>
-            <a:r>
-              <a:rPr lang="en-US" altLang="ko-KR" b="1" dirty="0"/>
-              <a:t>"</a:t>
-            </a:r>
-            <a:r>
-              <a:rPr lang="ko-KR" altLang="en-US" b="1" dirty="0"/>
-              <a:t>파일 크기</a:t>
-            </a:r>
-            <a:r>
-              <a:rPr lang="en-US" altLang="ko-KR" b="1" dirty="0"/>
-              <a:t>"</a:t>
-            </a:r>
-            <a:r>
-              <a:rPr lang="ko-KR" altLang="en-US" b="1" dirty="0"/>
-              <a:t>가 중요</a:t>
-            </a:r>
-            <a:r>
-              <a:rPr lang="ko-KR" altLang="en-US" dirty="0"/>
-              <a:t>하니까</a:t>
-            </a:r>
-            <a:r>
-              <a:rPr lang="en-US" altLang="ko-KR" dirty="0"/>
-              <a:t>, </a:t>
-            </a:r>
-            <a:r>
-              <a:rPr lang="ko-KR" altLang="en-US" dirty="0"/>
-              <a:t>효율적으로 저장하는 방법이 필요합니다</a:t>
-            </a:r>
-            <a:r>
-              <a:rPr lang="en-US" altLang="ko-KR" dirty="0"/>
-              <a:t>.</a:t>
-            </a:r>
-          </a:p>
-          <a:p>
-            <a:r>
-              <a:rPr lang="ko-KR" altLang="en-US" dirty="0"/>
-              <a:t>그래서 나온 것들이</a:t>
-            </a:r>
-            <a:r>
-              <a:rPr lang="en-US" altLang="ko-KR" dirty="0"/>
-              <a:t>:</a:t>
-            </a:r>
-          </a:p>
-          <a:p>
-            <a:r>
-              <a:rPr lang="en-US" altLang="ko-KR" b="1" dirty="0"/>
-              <a:t>UTF-8</a:t>
-            </a:r>
-            <a:r>
-              <a:rPr lang="ko-KR" altLang="en-US" dirty="0"/>
-              <a:t> </a:t>
-            </a:r>
-            <a:r>
-              <a:rPr lang="en-US" altLang="ko-KR" dirty="0"/>
-              <a:t>: </a:t>
-            </a:r>
-            <a:r>
-              <a:rPr lang="ko-KR" altLang="en-US" dirty="0"/>
-              <a:t>가장 많이 쓰임</a:t>
-            </a:r>
-            <a:r>
-              <a:rPr lang="en-US" altLang="ko-KR" dirty="0"/>
-              <a:t>. </a:t>
-            </a:r>
-            <a:r>
-              <a:rPr lang="ko-KR" altLang="en-US" dirty="0"/>
-              <a:t>영어는 </a:t>
-            </a:r>
-            <a:r>
-              <a:rPr lang="en-US" altLang="ko-KR" dirty="0"/>
-              <a:t>1</a:t>
-            </a:r>
-            <a:r>
-              <a:rPr lang="ko-KR" altLang="en-US" dirty="0"/>
-              <a:t>바이트</a:t>
-            </a:r>
-            <a:r>
-              <a:rPr lang="en-US" altLang="ko-KR" dirty="0"/>
-              <a:t>, </a:t>
-            </a:r>
-            <a:r>
-              <a:rPr lang="ko-KR" altLang="en-US" dirty="0"/>
-              <a:t>한글은 </a:t>
-            </a:r>
-            <a:r>
-              <a:rPr lang="en-US" altLang="ko-KR" dirty="0"/>
-              <a:t>3</a:t>
-            </a:r>
-            <a:r>
-              <a:rPr lang="ko-KR" altLang="en-US" dirty="0"/>
-              <a:t>바이트</a:t>
-            </a:r>
-            <a:r>
-              <a:rPr lang="en-US" altLang="ko-KR" dirty="0"/>
-              <a:t>.</a:t>
-            </a:r>
-          </a:p>
-          <a:p>
-            <a:r>
-              <a:rPr lang="en-US" altLang="ko-KR" b="1" dirty="0"/>
-              <a:t>UTF-16</a:t>
-            </a:r>
-            <a:r>
-              <a:rPr lang="ko-KR" altLang="en-US" dirty="0"/>
-              <a:t> </a:t>
-            </a:r>
-            <a:r>
-              <a:rPr lang="en-US" altLang="ko-KR" dirty="0"/>
-              <a:t>: </a:t>
-            </a:r>
-            <a:r>
-              <a:rPr lang="ko-KR" altLang="en-US" dirty="0"/>
-              <a:t>주로 </a:t>
-            </a:r>
-            <a:r>
-              <a:rPr lang="en-US" altLang="ko-KR" dirty="0"/>
-              <a:t>2</a:t>
-            </a:r>
-            <a:r>
-              <a:rPr lang="ko-KR" altLang="en-US" dirty="0"/>
-              <a:t>바이트로 표현</a:t>
-            </a:r>
-            <a:r>
-              <a:rPr lang="en-US" altLang="ko-KR" dirty="0"/>
-              <a:t>.</a:t>
-            </a:r>
-          </a:p>
-          <a:p>
-            <a:r>
-              <a:rPr lang="en-US" altLang="ko-KR" dirty="0"/>
-              <a:t>(UTF = Unicode Transformation Format, </a:t>
-            </a:r>
-            <a:r>
-              <a:rPr lang="ko-KR" altLang="en-US" dirty="0"/>
-              <a:t>유니코드를 변환한 형식</a:t>
-            </a:r>
-            <a:r>
-              <a:rPr lang="en-US" altLang="ko-KR" dirty="0"/>
-              <a:t>)</a:t>
-            </a:r>
-          </a:p>
-          <a:p>
-            <a:r>
-              <a:rPr lang="ko-KR" altLang="en-US" dirty="0"/>
-              <a:t>유니코드를 실제 파일이나 통신에서 쓸 수 있게 압축하고 저장하는 방법이 </a:t>
-            </a:r>
-            <a:r>
-              <a:rPr lang="en-US" altLang="ko-KR" dirty="0"/>
-              <a:t>UTF-8, UTF-16 </a:t>
-            </a:r>
-            <a:r>
-              <a:rPr lang="ko-KR" altLang="en-US" dirty="0"/>
-              <a:t>같은 </a:t>
-            </a:r>
-            <a:r>
-              <a:rPr lang="ko-KR" altLang="en-US" dirty="0" err="1"/>
-              <a:t>인코딩</a:t>
-            </a:r>
-            <a:r>
-              <a:rPr lang="ko-KR" altLang="en-US" dirty="0"/>
-              <a:t> 방식입니다</a:t>
-            </a:r>
-            <a:r>
-              <a:rPr lang="en-US" altLang="ko-KR" dirty="0"/>
-              <a:t>.</a:t>
-            </a:r>
-          </a:p>
-          <a:p>
-            <a:pPr marL="171450" indent="-171450">
-              <a:buFontTx/>
-              <a:buChar char="-"/>
-            </a:pPr>
             <a:endParaRPr lang="en-US" altLang="ko-KR" dirty="0"/>
           </a:p>
         </p:txBody>
@@ -4976,32 +3572,6 @@
           <a:bodyPr/>
           <a:lstStyle/>
           <a:p>
-            <a:r>
-              <a:rPr lang="ko-KR" altLang="en-US" dirty="0"/>
-              <a:t>아래 링크는 </a:t>
-            </a:r>
-            <a:r>
-              <a:rPr lang="en-US" altLang="ko-KR" dirty="0"/>
-              <a:t>string </a:t>
-            </a:r>
-            <a:r>
-              <a:rPr lang="ko-KR" altLang="en-US" dirty="0"/>
-              <a:t>관련 마소 공식 매뉴얼</a:t>
-            </a:r>
-            <a:r>
-              <a:rPr lang="en-US" altLang="ko-KR" dirty="0"/>
-              <a:t>, </a:t>
-            </a:r>
-            <a:r>
-              <a:rPr lang="ko-KR" altLang="en-US" dirty="0"/>
-              <a:t>참고하여 사용 법을 숙지하면 좋습니다</a:t>
-            </a:r>
-            <a:r>
-              <a:rPr lang="en-US" altLang="ko-KR" dirty="0"/>
-              <a:t>.</a:t>
-            </a:r>
-          </a:p>
-          <a:p>
             <a:endParaRPr lang="ko-KR" altLang="en-US" dirty="0"/>
           </a:p>
         </p:txBody>
@@ -5013,7 +3583,7 @@
             <a:spLocks noGrp="1"/>
           </p:cNvSpPr>
           <p:nvPr>
-            <p:ph type="sldNum" sz="quarter" idx="5"/>
+            <p:ph type="sldNum" sz="quarter" idx="10"/>
           </p:nvPr>
         </p:nvSpPr>
         <p:spPr/>
@@ -5023,7 +3593,7 @@
           <a:p>
             <a:fld id="{C09E5BFC-1559-42F1-8940-AB342D56BF02}" type="slidenum">
               <a:rPr lang="ko-KR" altLang="en-US" smtClean="0"/>
-              <a:t>7</a:t>
+              <a:t>6</a:t>
             </a:fld>
             <a:endParaRPr lang="ko-KR" altLang="en-US"/>
           </a:p>
@@ -5032,7 +3602,7 @@
     </p:spTree>
     <p:extLst>
       <p:ext uri="{BB962C8B-B14F-4D97-AF65-F5344CB8AC3E}">
-        <p14:creationId xmlns:p14="http://schemas.microsoft.com/office/powerpoint/2010/main" val="665744064"/>
+        <p14:creationId xmlns:p14="http://schemas.microsoft.com/office/powerpoint/2010/main" val="1946818152"/>
       </p:ext>
     </p:extLst>
   </p:cSld>
@@ -5086,6 +3656,116 @@
           <a:bodyPr/>
           <a:lstStyle/>
           <a:p>
+            <a:r>
+              <a:rPr lang="ko-KR" altLang="en-US" dirty="0"/>
+              <a:t>아래 링크는 </a:t>
+            </a:r>
+            <a:r>
+              <a:rPr lang="en-US" altLang="ko-KR" dirty="0"/>
+              <a:t>string </a:t>
+            </a:r>
+            <a:r>
+              <a:rPr lang="ko-KR" altLang="en-US" dirty="0"/>
+              <a:t>관련 마소 공식 매뉴얼</a:t>
+            </a:r>
+            <a:r>
+              <a:rPr lang="en-US" altLang="ko-KR" dirty="0"/>
+              <a:t>, </a:t>
+            </a:r>
+            <a:r>
+              <a:rPr lang="ko-KR" altLang="en-US" dirty="0"/>
+              <a:t>참고하여 사용 법을 숙지하면 좋습니다</a:t>
+            </a:r>
+            <a:r>
+              <a:rPr lang="en-US" altLang="ko-KR" dirty="0"/>
+              <a:t>.</a:t>
+            </a:r>
+          </a:p>
+          <a:p>
+            <a:endParaRPr lang="ko-KR" altLang="en-US" dirty="0"/>
+          </a:p>
+        </p:txBody>
+      </p:sp>
+      <p:sp>
+        <p:nvSpPr>
+          <p:cNvPr id="4" name="슬라이드 번호 개체 틀 3"/>
+          <p:cNvSpPr>
+            <a:spLocks noGrp="1"/>
+          </p:cNvSpPr>
+          <p:nvPr>
+            <p:ph type="sldNum" sz="quarter" idx="5"/>
+          </p:nvPr>
+        </p:nvSpPr>
+        <p:spPr/>
+        <p:txBody>
+          <a:bodyPr/>
+          <a:lstStyle/>
+          <a:p>
+            <a:fld id="{C09E5BFC-1559-42F1-8940-AB342D56BF02}" type="slidenum">
+              <a:rPr lang="ko-KR" altLang="en-US" smtClean="0"/>
+              <a:t>7</a:t>
+            </a:fld>
+            <a:endParaRPr lang="ko-KR" altLang="en-US"/>
+          </a:p>
+        </p:txBody>
+      </p:sp>
+    </p:spTree>
+    <p:extLst>
+      <p:ext uri="{BB962C8B-B14F-4D97-AF65-F5344CB8AC3E}">
+        <p14:creationId xmlns:p14="http://schemas.microsoft.com/office/powerpoint/2010/main" val="665744064"/>
+      </p:ext>
+    </p:extLst>
+  </p:cSld>
+  <p:clrMapOvr>
+    <a:masterClrMapping/>
+  </p:clrMapOvr>
+</p:notes>
+</file>
+
+<file path=ppt/notesSlides/notesSlide8.xml><?xml version="1.0" encoding="utf-8"?>
+<p:notes xmlns:a="http://schemas.openxmlformats.org/drawingml/2006/main" xmlns:r="http://schemas.openxmlformats.org/officeDocument/2006/relationships" xmlns:p="http://schemas.openxmlformats.org/presentationml/2006/main">
+  <p:cSld>
+    <p:spTree>
+      <p:nvGrpSpPr>
+        <p:cNvPr id="1" name=""/>
+        <p:cNvGrpSpPr/>
+        <p:nvPr/>
+      </p:nvGrpSpPr>
+      <p:grpSpPr>
+        <a:xfrm>
+          <a:off x="0" y="0"/>
+          <a:ext cx="0" cy="0"/>
+          <a:chOff x="0" y="0"/>
+          <a:chExt cx="0" cy="0"/>
+        </a:xfrm>
+      </p:grpSpPr>
+      <p:sp>
+        <p:nvSpPr>
+          <p:cNvPr id="2" name="슬라이드 이미지 개체 틀 1"/>
+          <p:cNvSpPr>
+            <a:spLocks noGrp="1" noRot="1" noChangeAspect="1"/>
+          </p:cNvSpPr>
+          <p:nvPr>
+            <p:ph type="sldImg"/>
+          </p:nvPr>
+        </p:nvSpPr>
+        <p:spPr/>
+      </p:sp>
+      <p:sp>
+        <p:nvSpPr>
+          <p:cNvPr id="3" name="슬라이드 노트 개체 틀 2"/>
+          <p:cNvSpPr>
+            <a:spLocks noGrp="1"/>
+          </p:cNvSpPr>
+          <p:nvPr>
+            <p:ph type="body" idx="1"/>
+          </p:nvPr>
+        </p:nvSpPr>
+        <p:spPr/>
+        <p:txBody>
+          <a:bodyPr/>
+          <a:lstStyle/>
+          <a:p>
             <a:endParaRPr lang="ko-KR" altLang="en-US" dirty="0"/>
           </a:p>
         </p:txBody>
@@ -5126,7 +3806,7 @@
 </p:notes>
 </file>
 
-<file path=ppt/notesSlides/notesSlide8.xml><?xml version="1.0" encoding="utf-8"?>
+<file path=ppt/notesSlides/notesSlide9.xml><?xml version="1.0" encoding="utf-8"?>
 <p:notes xmlns:a="http://schemas.openxmlformats.org/drawingml/2006/main" xmlns:r="http://schemas.openxmlformats.org/officeDocument/2006/relationships" xmlns:p="http://schemas.openxmlformats.org/presentationml/2006/main">
   <p:cSld>
     <p:spTree>
@@ -5225,115 +3905,6 @@
     <p:extLst>
       <p:ext uri="{BB962C8B-B14F-4D97-AF65-F5344CB8AC3E}">
         <p14:creationId xmlns:p14="http://schemas.microsoft.com/office/powerpoint/2010/main" val="2625270136"/>
-      </p:ext>
-    </p:extLst>
-  </p:cSld>
-  <p:clrMapOvr>
-    <a:masterClrMapping/>
-  </p:clrMapOvr>
-</p:notes>
-</file>
-
-<file path=ppt/notesSlides/notesSlide9.xml><?xml version="1.0" encoding="utf-8"?>
-<p:notes xmlns:a="http://schemas.openxmlformats.org/drawingml/2006/main" xmlns:r="http://schemas.openxmlformats.org/officeDocument/2006/relationships" xmlns:p="http://schemas.openxmlformats.org/presentationml/2006/main">
-  <p:cSld>
-    <p:spTree>
-      <p:nvGrpSpPr>
-        <p:cNvPr id="1" name=""/>
-        <p:cNvGrpSpPr/>
-        <p:nvPr/>
-      </p:nvGrpSpPr>
-      <p:grpSpPr>
-        <a:xfrm>
-          <a:off x="0" y="0"/>
-          <a:ext cx="0" cy="0"/>
-          <a:chOff x="0" y="0"/>
-          <a:chExt cx="0" cy="0"/>
-        </a:xfrm>
-      </p:grpSpPr>
-      <p:sp>
-        <p:nvSpPr>
-          <p:cNvPr id="2" name="슬라이드 이미지 개체 틀 1"/>
-          <p:cNvSpPr>
-            <a:spLocks noGrp="1" noRot="1" noChangeAspect="1"/>
-          </p:cNvSpPr>
-          <p:nvPr>
-            <p:ph type="sldImg"/>
-          </p:nvPr>
-        </p:nvSpPr>
-        <p:spPr/>
-      </p:sp>
-      <p:sp>
-        <p:nvSpPr>
-          <p:cNvPr id="3" name="슬라이드 노트 개체 틀 2"/>
-          <p:cNvSpPr>
-            <a:spLocks noGrp="1"/>
-          </p:cNvSpPr>
-          <p:nvPr>
-            <p:ph type="body" idx="1"/>
-          </p:nvPr>
-        </p:nvSpPr>
-        <p:spPr/>
-        <p:txBody>
-          <a:bodyPr/>
-          <a:lstStyle/>
-          <a:p>
-            <a:r>
-              <a:rPr lang="ko-KR" altLang="en-US" dirty="0"/>
-              <a:t>변수를 선언하듯 함수도 사용을 하기 전에 선언을 먼저 해야 합니다</a:t>
-            </a:r>
-            <a:r>
-              <a:rPr lang="en-US" altLang="ko-KR" dirty="0"/>
-              <a:t>.</a:t>
-            </a:r>
-          </a:p>
-          <a:p>
-            <a:endParaRPr lang="en-US" altLang="ko-KR" dirty="0"/>
-          </a:p>
-          <a:p>
-            <a:r>
-              <a:rPr lang="ko-KR" altLang="en-US" dirty="0"/>
-              <a:t>중괄호 안에 사용하여 함수의 기능을 구현하는 코드를 작성합니다</a:t>
-            </a:r>
-            <a:r>
-              <a:rPr lang="en-US" altLang="ko-KR" dirty="0"/>
-              <a:t>.</a:t>
-            </a:r>
-            <a:r>
-              <a:rPr lang="ko-KR" altLang="en-US" dirty="0"/>
-              <a:t> </a:t>
-            </a:r>
-            <a:endParaRPr lang="en-US" altLang="ko-KR" dirty="0"/>
-          </a:p>
-        </p:txBody>
-      </p:sp>
-      <p:sp>
-        <p:nvSpPr>
-          <p:cNvPr id="4" name="슬라이드 번호 개체 틀 3"/>
-          <p:cNvSpPr>
-            <a:spLocks noGrp="1"/>
-          </p:cNvSpPr>
-          <p:nvPr>
-            <p:ph type="sldNum" sz="quarter" idx="5"/>
-          </p:nvPr>
-        </p:nvSpPr>
-        <p:spPr/>
-        <p:txBody>
-          <a:bodyPr/>
-          <a:lstStyle/>
-          <a:p>
-            <a:fld id="{C09E5BFC-1559-42F1-8940-AB342D56BF02}" type="slidenum">
-              <a:rPr lang="ko-KR" altLang="en-US" smtClean="0"/>
-              <a:t>12</a:t>
-            </a:fld>
-            <a:endParaRPr lang="ko-KR" altLang="en-US"/>
-          </a:p>
-        </p:txBody>
-      </p:sp>
-    </p:spTree>
-    <p:extLst>
-      <p:ext uri="{BB962C8B-B14F-4D97-AF65-F5344CB8AC3E}">
-        <p14:creationId xmlns:p14="http://schemas.microsoft.com/office/powerpoint/2010/main" val="1477497809"/>
       </p:ext>
     </p:extLst>
   </p:cSld>
@@ -5484,7 +4055,7 @@
           <a:p>
             <a:fld id="{442BEE3F-2E9A-4FD8-8B8A-8619F3E161C0}" type="datetime1">
               <a:rPr lang="ko-KR" altLang="en-US" smtClean="0"/>
-              <a:t>2025-04-30</a:t>
+              <a:t>2025-06-08</a:t>
             </a:fld>
             <a:endParaRPr lang="ko-KR" altLang="en-US"/>
           </a:p>
@@ -5670,7 +4241,7 @@
           <a:p>
             <a:fld id="{2EAE422B-0E68-47B5-84BB-CA2BDA8EE46C}" type="datetime1">
               <a:rPr lang="ko-KR" altLang="en-US" smtClean="0"/>
-              <a:t>2025-04-30</a:t>
+              <a:t>2025-06-08</a:t>
             </a:fld>
             <a:endParaRPr lang="ko-KR" altLang="en-US"/>
           </a:p>
@@ -5878,7 +4449,7 @@
           <a:p>
             <a:fld id="{AF7C623F-179B-417F-99B6-50F6DF228D4B}" type="datetime1">
               <a:rPr lang="ko-KR" altLang="en-US" smtClean="0"/>
-              <a:t>2025-04-30</a:t>
+              <a:t>2025-06-08</a:t>
             </a:fld>
             <a:endParaRPr lang="ko-KR" altLang="en-US"/>
           </a:p>
@@ -6116,7 +4687,7 @@
           <a:p>
             <a:fld id="{0F78D9C4-20C1-4B15-A116-16DC77AD9A1E}" type="datetime1">
               <a:rPr lang="ko-KR" altLang="en-US" smtClean="0"/>
-              <a:t>2025-04-30</a:t>
+              <a:t>2025-06-08</a:t>
             </a:fld>
             <a:endParaRPr lang="ko-KR" altLang="en-US"/>
           </a:p>
@@ -6391,7 +4962,7 @@
           <a:p>
             <a:fld id="{C7F43723-C509-4DEA-8428-B50818F79709}" type="datetime1">
               <a:rPr lang="ko-KR" altLang="en-US" smtClean="0"/>
-              <a:t>2025-04-30</a:t>
+              <a:t>2025-06-08</a:t>
             </a:fld>
             <a:endParaRPr lang="ko-KR" altLang="en-US"/>
           </a:p>
@@ -6656,7 +5227,7 @@
           <a:p>
             <a:fld id="{5D2B7482-EE74-4DBD-97F4-D0DAC0C0E4E5}" type="datetime1">
               <a:rPr lang="ko-KR" altLang="en-US" smtClean="0"/>
-              <a:t>2025-04-30</a:t>
+              <a:t>2025-06-08</a:t>
             </a:fld>
             <a:endParaRPr lang="ko-KR" altLang="en-US"/>
           </a:p>
@@ -7069,7 +5640,7 @@
           <a:p>
             <a:fld id="{051A8C49-CED7-4A86-9B4A-621D7F62EE92}" type="datetime1">
               <a:rPr lang="ko-KR" altLang="en-US" smtClean="0"/>
-              <a:t>2025-04-30</a:t>
+              <a:t>2025-06-08</a:t>
             </a:fld>
             <a:endParaRPr lang="ko-KR" altLang="en-US"/>
           </a:p>
@@ -7216,7 +5787,7 @@
           <a:p>
             <a:fld id="{84082D76-7079-412D-848B-E1B9E7A6A286}" type="datetime1">
               <a:rPr lang="ko-KR" altLang="en-US" smtClean="0"/>
-              <a:t>2025-04-30</a:t>
+              <a:t>2025-06-08</a:t>
             </a:fld>
             <a:endParaRPr lang="ko-KR" altLang="en-US"/>
           </a:p>
@@ -7329,7 +5900,7 @@
           <a:p>
             <a:fld id="{10C5FEB5-5F88-4F49-9108-1795E314F09F}" type="datetime1">
               <a:rPr lang="ko-KR" altLang="en-US" smtClean="0"/>
-              <a:t>2025-04-30</a:t>
+              <a:t>2025-06-08</a:t>
             </a:fld>
             <a:endParaRPr lang="ko-KR" altLang="en-US"/>
           </a:p>
@@ -7640,7 +6211,7 @@
           <a:p>
             <a:fld id="{E37ABBEE-D8D4-48AD-9887-4DC578B8A684}" type="datetime1">
               <a:rPr lang="ko-KR" altLang="en-US" smtClean="0"/>
-              <a:t>2025-04-30</a:t>
+              <a:t>2025-06-08</a:t>
             </a:fld>
             <a:endParaRPr lang="ko-KR" altLang="en-US"/>
           </a:p>
@@ -7931,7 +6502,7 @@
           <a:p>
             <a:fld id="{A2D6A55C-F3DD-45DD-9D50-F8680410167D}" type="datetime1">
               <a:rPr lang="ko-KR" altLang="en-US" smtClean="0"/>
-              <a:t>2025-04-30</a:t>
+              <a:t>2025-06-08</a:t>
             </a:fld>
             <a:endParaRPr lang="ko-KR" altLang="en-US"/>
           </a:p>
@@ -8175,7 +6746,7 @@
             <a:fld id="{7F5E23C3-0E3D-4E4E-8486-D7FB4C073DC1}" type="datetime1">
               <a:rPr lang="ko-KR" altLang="en-US" smtClean="0"/>
               <a:pPr/>
-              <a:t>2025-04-30</a:t>
+              <a:t>2025-06-08</a:t>
             </a:fld>
             <a:endParaRPr lang="ko-KR" altLang="en-US" dirty="0"/>
           </a:p>
@@ -8703,7 +7274,7 @@
           <a:p>
             <a:fld id="{2E2BEDFA-D8AA-4914-9440-7DF713C99FA9}" type="datetime1">
               <a:rPr lang="ko-KR" altLang="en-US" smtClean="0"/>
-              <a:t>2025-04-30</a:t>
+              <a:t>2025-06-08</a:t>
             </a:fld>
             <a:endParaRPr lang="ko-KR" altLang="en-US"/>
           </a:p>
@@ -8837,7 +7408,7 @@
           <a:p>
             <a:fld id="{2E2BEDFA-D8AA-4914-9440-7DF713C99FA9}" type="datetime1">
               <a:rPr lang="ko-KR" altLang="en-US" smtClean="0"/>
-              <a:t>2025-04-30</a:t>
+              <a:t>2025-06-08</a:t>
             </a:fld>
             <a:endParaRPr lang="ko-KR" altLang="en-US"/>
           </a:p>
@@ -9198,7 +7769,7 @@
           <a:p>
             <a:fld id="{0F78D9C4-20C1-4B15-A116-16DC77AD9A1E}" type="datetime1">
               <a:rPr lang="ko-KR" altLang="en-US" smtClean="0"/>
-              <a:t>2025-04-30</a:t>
+              <a:t>2025-06-08</a:t>
             </a:fld>
             <a:endParaRPr lang="ko-KR" altLang="en-US"/>
           </a:p>
@@ -9314,7 +7885,7 @@
           <a:p>
             <a:fld id="{0F78D9C4-20C1-4B15-A116-16DC77AD9A1E}" type="datetime1">
               <a:rPr lang="ko-KR" altLang="en-US" smtClean="0"/>
-              <a:t>2025-04-30</a:t>
+              <a:t>2025-06-08</a:t>
             </a:fld>
             <a:endParaRPr lang="ko-KR" altLang="en-US"/>
           </a:p>
@@ -9882,7 +8453,7 @@
           <a:p>
             <a:fld id="{0F78D9C4-20C1-4B15-A116-16DC77AD9A1E}" type="datetime1">
               <a:rPr lang="ko-KR" altLang="en-US" smtClean="0"/>
-              <a:t>2025-04-30</a:t>
+              <a:t>2025-06-08</a:t>
             </a:fld>
             <a:endParaRPr lang="ko-KR" altLang="en-US"/>
           </a:p>
@@ -10215,7 +8786,7 @@
           <a:p>
             <a:fld id="{0F78D9C4-20C1-4B15-A116-16DC77AD9A1E}" type="datetime1">
               <a:rPr lang="ko-KR" altLang="en-US" smtClean="0"/>
-              <a:t>2025-04-30</a:t>
+              <a:t>2025-06-08</a:t>
             </a:fld>
             <a:endParaRPr lang="ko-KR" altLang="en-US"/>
           </a:p>
@@ -10662,7 +9233,7 @@
           <a:p>
             <a:fld id="{0F78D9C4-20C1-4B15-A116-16DC77AD9A1E}" type="datetime1">
               <a:rPr lang="ko-KR" altLang="en-US" smtClean="0"/>
-              <a:t>2025-04-30</a:t>
+              <a:t>2025-06-08</a:t>
             </a:fld>
             <a:endParaRPr lang="ko-KR" altLang="en-US"/>
           </a:p>
@@ -11393,7 +9964,7 @@
           <a:p>
             <a:fld id="{0F78D9C4-20C1-4B15-A116-16DC77AD9A1E}" type="datetime1">
               <a:rPr lang="ko-KR" altLang="en-US" smtClean="0"/>
-              <a:t>2025-04-30</a:t>
+              <a:t>2025-06-08</a:t>
             </a:fld>
             <a:endParaRPr lang="ko-KR" altLang="en-US"/>
           </a:p>
@@ -11527,7 +10098,7 @@
           <a:p>
             <a:fld id="{2E2BEDFA-D8AA-4914-9440-7DF713C99FA9}" type="datetime1">
               <a:rPr lang="ko-KR" altLang="en-US" smtClean="0"/>
-              <a:t>2025-04-30</a:t>
+              <a:t>2025-06-08</a:t>
             </a:fld>
             <a:endParaRPr lang="ko-KR" altLang="en-US"/>
           </a:p>
@@ -11784,7 +10355,7 @@
           <a:p>
             <a:fld id="{0F78D9C4-20C1-4B15-A116-16DC77AD9A1E}" type="datetime1">
               <a:rPr lang="ko-KR" altLang="en-US" smtClean="0"/>
-              <a:t>2025-04-30</a:t>
+              <a:t>2025-06-08</a:t>
             </a:fld>
             <a:endParaRPr lang="ko-KR" altLang="en-US"/>
           </a:p>
@@ -12491,7 +11062,7 @@
           <a:p>
             <a:fld id="{0F78D9C4-20C1-4B15-A116-16DC77AD9A1E}" type="datetime1">
               <a:rPr lang="ko-KR" altLang="en-US" smtClean="0"/>
-              <a:t>2025-04-30</a:t>
+              <a:t>2025-06-08</a:t>
             </a:fld>
             <a:endParaRPr lang="ko-KR" altLang="en-US"/>
           </a:p>
@@ -12653,7 +11224,7 @@
           <a:p>
             <a:fld id="{0F78D9C4-20C1-4B15-A116-16DC77AD9A1E}" type="datetime1">
               <a:rPr lang="ko-KR" altLang="en-US" smtClean="0"/>
-              <a:t>2025-04-30</a:t>
+              <a:t>2025-06-08</a:t>
             </a:fld>
             <a:endParaRPr lang="ko-KR" altLang="en-US"/>
           </a:p>
@@ -13027,7 +11598,7 @@
           <a:p>
             <a:fld id="{0F78D9C4-20C1-4B15-A116-16DC77AD9A1E}" type="datetime1">
               <a:rPr lang="ko-KR" altLang="en-US" smtClean="0"/>
-              <a:t>2025-04-30</a:t>
+              <a:t>2025-06-08</a:t>
             </a:fld>
             <a:endParaRPr lang="ko-KR" altLang="en-US"/>
           </a:p>
@@ -13296,7 +11867,7 @@
           <a:p>
             <a:fld id="{0F78D9C4-20C1-4B15-A116-16DC77AD9A1E}" type="datetime1">
               <a:rPr lang="ko-KR" altLang="en-US" smtClean="0"/>
-              <a:t>2025-04-30</a:t>
+              <a:t>2025-06-08</a:t>
             </a:fld>
             <a:endParaRPr lang="ko-KR" altLang="en-US"/>
           </a:p>
@@ -14008,7 +12579,7 @@
           <a:p>
             <a:fld id="{0F78D9C4-20C1-4B15-A116-16DC77AD9A1E}" type="datetime1">
               <a:rPr lang="ko-KR" altLang="en-US" smtClean="0"/>
-              <a:t>2025-04-30</a:t>
+              <a:t>2025-06-08</a:t>
             </a:fld>
             <a:endParaRPr lang="ko-KR" altLang="en-US"/>
           </a:p>
@@ -14113,6 +12684,14 @@
   <p:clrMapOvr>
     <a:masterClrMapping/>
   </p:clrMapOvr>
+  <mc:AlternateContent xmlns:mc="http://schemas.openxmlformats.org/markup-compatibility/2006">
+    <mc:Choice xmlns:p14="http://schemas.microsoft.com/office/powerpoint/2010/main" Requires="p14">
+      <p:transition spd="slow" p14:dur="2000"/>
+    </mc:Choice>
+    <mc:Fallback>
+      <p:transition spd="slow"/>
+    </mc:Fallback>
+  </mc:AlternateContent>
 </p:sld>
 </file>
 
@@ -14537,7 +13116,7 @@
           <a:p>
             <a:fld id="{0F78D9C4-20C1-4B15-A116-16DC77AD9A1E}" type="datetime1">
               <a:rPr lang="ko-KR" altLang="en-US" smtClean="0"/>
-              <a:t>2025-04-30</a:t>
+              <a:t>2025-06-08</a:t>
             </a:fld>
             <a:endParaRPr lang="ko-KR" altLang="en-US"/>
           </a:p>
@@ -14808,7 +13387,7 @@
           <a:p>
             <a:fld id="{0F78D9C4-20C1-4B15-A116-16DC77AD9A1E}" type="datetime1">
               <a:rPr lang="ko-KR" altLang="en-US" smtClean="0"/>
-              <a:t>2025-04-30</a:t>
+              <a:t>2025-06-08</a:t>
             </a:fld>
             <a:endParaRPr lang="ko-KR" altLang="en-US"/>
           </a:p>
@@ -15147,6 +13726,10 @@
               <a:rPr lang="ko-KR" altLang="en-US" dirty="0"/>
               <a:t> 위 함수 내부에 작성한</a:t>
             </a:r>
+            <a:r>
+              <a:rPr lang="en-US" altLang="ko-KR" dirty="0"/>
+              <a:t/>
+            </a:r>
             <a:br>
               <a:rPr lang="en-US" altLang="ko-KR" dirty="0"/>
             </a:br>
@@ -15180,7 +13763,7 @@
           <a:p>
             <a:fld id="{0F78D9C4-20C1-4B15-A116-16DC77AD9A1E}" type="datetime1">
               <a:rPr lang="ko-KR" altLang="en-US" smtClean="0"/>
-              <a:t>2025-04-30</a:t>
+              <a:t>2025-06-08</a:t>
             </a:fld>
             <a:endParaRPr lang="ko-KR" altLang="en-US"/>
           </a:p>
@@ -15574,7 +14157,7 @@
           <a:p>
             <a:fld id="{0F78D9C4-20C1-4B15-A116-16DC77AD9A1E}" type="datetime1">
               <a:rPr lang="ko-KR" altLang="en-US" smtClean="0"/>
-              <a:t>2025-04-30</a:t>
+              <a:t>2025-06-08</a:t>
             </a:fld>
             <a:endParaRPr lang="ko-KR" altLang="en-US"/>
           </a:p>
@@ -15986,7 +14569,7 @@
           <a:p>
             <a:fld id="{0F78D9C4-20C1-4B15-A116-16DC77AD9A1E}" type="datetime1">
               <a:rPr lang="ko-KR" altLang="en-US" smtClean="0"/>
-              <a:t>2025-04-30</a:t>
+              <a:t>2025-06-08</a:t>
             </a:fld>
             <a:endParaRPr lang="ko-KR" altLang="en-US"/>
           </a:p>
@@ -16331,7 +14914,7 @@
           <a:p>
             <a:fld id="{0F78D9C4-20C1-4B15-A116-16DC77AD9A1E}" type="datetime1">
               <a:rPr lang="ko-KR" altLang="en-US" smtClean="0"/>
-              <a:t>2025-04-30</a:t>
+              <a:t>2025-06-08</a:t>
             </a:fld>
             <a:endParaRPr lang="ko-KR" altLang="en-US"/>
           </a:p>
@@ -16481,7 +15064,7 @@
           <a:p>
             <a:fld id="{0F78D9C4-20C1-4B15-A116-16DC77AD9A1E}" type="datetime1">
               <a:rPr lang="ko-KR" altLang="en-US" smtClean="0"/>
-              <a:t>2025-04-30</a:t>
+              <a:t>2025-06-08</a:t>
             </a:fld>
             <a:endParaRPr lang="ko-KR" altLang="en-US"/>
           </a:p>
@@ -17204,7 +15787,7 @@
           <a:p>
             <a:fld id="{0F78D9C4-20C1-4B15-A116-16DC77AD9A1E}" type="datetime1">
               <a:rPr lang="ko-KR" altLang="en-US" smtClean="0"/>
-              <a:t>2025-04-30</a:t>
+              <a:t>2025-06-08</a:t>
             </a:fld>
             <a:endParaRPr lang="ko-KR" altLang="en-US"/>
           </a:p>
@@ -17438,7 +16021,7 @@
           <a:p>
             <a:fld id="{0F78D9C4-20C1-4B15-A116-16DC77AD9A1E}" type="datetime1">
               <a:rPr lang="ko-KR" altLang="en-US" smtClean="0"/>
-              <a:t>2025-04-30</a:t>
+              <a:t>2025-06-08</a:t>
             </a:fld>
             <a:endParaRPr lang="ko-KR" altLang="en-US"/>
           </a:p>
@@ -17637,7 +16220,7 @@
           <a:p>
             <a:fld id="{0F78D9C4-20C1-4B15-A116-16DC77AD9A1E}" type="datetime1">
               <a:rPr lang="ko-KR" altLang="en-US" smtClean="0"/>
-              <a:t>2025-04-30</a:t>
+              <a:t>2025-06-08</a:t>
             </a:fld>
             <a:endParaRPr lang="ko-KR" altLang="en-US"/>
           </a:p>
@@ -18179,7 +16762,7 @@
           <a:p>
             <a:fld id="{0F78D9C4-20C1-4B15-A116-16DC77AD9A1E}" type="datetime1">
               <a:rPr lang="ko-KR" altLang="en-US" smtClean="0"/>
-              <a:t>2025-04-30</a:t>
+              <a:t>2025-06-08</a:t>
             </a:fld>
             <a:endParaRPr lang="ko-KR" altLang="en-US"/>
           </a:p>
@@ -18537,7 +17120,7 @@
           <a:p>
             <a:fld id="{0F78D9C4-20C1-4B15-A116-16DC77AD9A1E}" type="datetime1">
               <a:rPr lang="ko-KR" altLang="en-US" smtClean="0"/>
-              <a:t>2025-04-30</a:t>
+              <a:t>2025-06-08</a:t>
             </a:fld>
             <a:endParaRPr lang="ko-KR" altLang="en-US"/>
           </a:p>
@@ -18679,7 +17262,7 @@
           <a:p>
             <a:fld id="{0F78D9C4-20C1-4B15-A116-16DC77AD9A1E}" type="datetime1">
               <a:rPr lang="ko-KR" altLang="en-US" smtClean="0"/>
-              <a:t>2025-04-30</a:t>
+              <a:t>2025-06-08</a:t>
             </a:fld>
             <a:endParaRPr lang="ko-KR" altLang="en-US"/>
           </a:p>
@@ -18881,7 +17464,7 @@
           <a:p>
             <a:fld id="{0F78D9C4-20C1-4B15-A116-16DC77AD9A1E}" type="datetime1">
               <a:rPr lang="ko-KR" altLang="en-US" smtClean="0"/>
-              <a:t>2025-04-30</a:t>
+              <a:t>2025-06-08</a:t>
             </a:fld>
             <a:endParaRPr lang="ko-KR" altLang="en-US"/>
           </a:p>
@@ -19144,7 +17727,7 @@
           <a:p>
             <a:fld id="{0F78D9C4-20C1-4B15-A116-16DC77AD9A1E}" type="datetime1">
               <a:rPr lang="ko-KR" altLang="en-US" smtClean="0"/>
-              <a:t>2025-04-30</a:t>
+              <a:t>2025-06-08</a:t>
             </a:fld>
             <a:endParaRPr lang="ko-KR" altLang="en-US"/>
           </a:p>
@@ -19609,7 +18192,7 @@
           <a:p>
             <a:fld id="{0F78D9C4-20C1-4B15-A116-16DC77AD9A1E}" type="datetime1">
               <a:rPr lang="ko-KR" altLang="en-US" smtClean="0"/>
-              <a:t>2025-04-30</a:t>
+              <a:t>2025-06-08</a:t>
             </a:fld>
             <a:endParaRPr lang="ko-KR" altLang="en-US"/>
           </a:p>
@@ -20102,7 +18685,7 @@
           <a:p>
             <a:fld id="{0F78D9C4-20C1-4B15-A116-16DC77AD9A1E}" type="datetime1">
               <a:rPr lang="ko-KR" altLang="en-US" smtClean="0"/>
-              <a:t>2025-04-30</a:t>
+              <a:t>2025-06-08</a:t>
             </a:fld>
             <a:endParaRPr lang="ko-KR" altLang="en-US"/>
           </a:p>
@@ -20237,7 +18820,7 @@
           <a:p>
             <a:fld id="{2E2BEDFA-D8AA-4914-9440-7DF713C99FA9}" type="datetime1">
               <a:rPr lang="ko-KR" altLang="en-US" smtClean="0"/>
-              <a:t>2025-04-30</a:t>
+              <a:t>2025-06-08</a:t>
             </a:fld>
             <a:endParaRPr lang="ko-KR" altLang="en-US"/>
           </a:p>
@@ -20371,7 +18954,7 @@
           <a:p>
             <a:fld id="{2E2BEDFA-D8AA-4914-9440-7DF713C99FA9}" type="datetime1">
               <a:rPr lang="ko-KR" altLang="en-US" smtClean="0"/>
-              <a:t>2025-04-30</a:t>
+              <a:t>2025-06-08</a:t>
             </a:fld>
             <a:endParaRPr lang="ko-KR" altLang="en-US"/>
           </a:p>
@@ -20637,7 +19220,7 @@
           <a:p>
             <a:fld id="{0F78D9C4-20C1-4B15-A116-16DC77AD9A1E}" type="datetime1">
               <a:rPr lang="ko-KR" altLang="en-US" smtClean="0"/>
-              <a:t>2025-04-30</a:t>
+              <a:t>2025-06-08</a:t>
             </a:fld>
             <a:endParaRPr lang="ko-KR" altLang="en-US"/>
           </a:p>
@@ -20940,7 +19523,7 @@
           <a:p>
             <a:fld id="{0F78D9C4-20C1-4B15-A116-16DC77AD9A1E}" type="datetime1">
               <a:rPr lang="ko-KR" altLang="en-US" smtClean="0"/>
-              <a:t>2025-04-30</a:t>
+              <a:t>2025-06-08</a:t>
             </a:fld>
             <a:endParaRPr lang="ko-KR" altLang="en-US"/>
           </a:p>
@@ -21266,7 +19849,7 @@
           <a:p>
             <a:fld id="{0F78D9C4-20C1-4B15-A116-16DC77AD9A1E}" type="datetime1">
               <a:rPr lang="ko-KR" altLang="en-US" smtClean="0"/>
-              <a:t>2025-04-30</a:t>
+              <a:t>2025-06-08</a:t>
             </a:fld>
             <a:endParaRPr lang="ko-KR" altLang="en-US"/>
           </a:p>
@@ -21446,7 +20029,7 @@
           <a:p>
             <a:fld id="{0F78D9C4-20C1-4B15-A116-16DC77AD9A1E}" type="datetime1">
               <a:rPr lang="ko-KR" altLang="en-US" smtClean="0"/>
-              <a:t>2025-04-30</a:t>
+              <a:t>2025-06-08</a:t>
             </a:fld>
             <a:endParaRPr lang="ko-KR" altLang="en-US"/>
           </a:p>
@@ -21496,7 +20079,7 @@
           <p:nvPr/>
         </p:nvPicPr>
         <p:blipFill>
-          <a:blip r:embed="rId2"/>
+          <a:blip r:embed="rId3"/>
           <a:stretch>
             <a:fillRect/>
           </a:stretch>
@@ -21526,7 +20109,7 @@
           <p:nvPr/>
         </p:nvPicPr>
         <p:blipFill>
-          <a:blip r:embed="rId3"/>
+          <a:blip r:embed="rId4"/>
           <a:srcRect r="47531"/>
           <a:stretch/>
         </p:blipFill>
@@ -21780,7 +20363,7 @@
           <a:p>
             <a:fld id="{0F78D9C4-20C1-4B15-A116-16DC77AD9A1E}" type="datetime1">
               <a:rPr lang="ko-KR" altLang="en-US" smtClean="0"/>
-              <a:t>2025-04-30</a:t>
+              <a:t>2025-06-08</a:t>
             </a:fld>
             <a:endParaRPr lang="ko-KR" altLang="en-US"/>
           </a:p>
@@ -21960,7 +20543,7 @@
           <a:p>
             <a:fld id="{0F78D9C4-20C1-4B15-A116-16DC77AD9A1E}" type="datetime1">
               <a:rPr lang="ko-KR" altLang="en-US" smtClean="0"/>
-              <a:t>2025-04-30</a:t>
+              <a:t>2025-06-08</a:t>
             </a:fld>
             <a:endParaRPr lang="ko-KR" altLang="en-US"/>
           </a:p>
@@ -22524,7 +21107,7 @@
           <a:p>
             <a:fld id="{0F78D9C4-20C1-4B15-A116-16DC77AD9A1E}" type="datetime1">
               <a:rPr lang="ko-KR" altLang="en-US" smtClean="0"/>
-              <a:t>2025-04-30</a:t>
+              <a:t>2025-06-08</a:t>
             </a:fld>
             <a:endParaRPr lang="ko-KR" altLang="en-US"/>
           </a:p>
@@ -22700,7 +21283,7 @@
           <a:p>
             <a:fld id="{0F78D9C4-20C1-4B15-A116-16DC77AD9A1E}" type="datetime1">
               <a:rPr lang="ko-KR" altLang="en-US" smtClean="0"/>
-              <a:t>2025-04-30</a:t>
+              <a:t>2025-06-08</a:t>
             </a:fld>
             <a:endParaRPr lang="ko-KR" altLang="en-US"/>
           </a:p>
@@ -22947,7 +21530,7 @@
           <a:p>
             <a:fld id="{0F78D9C4-20C1-4B15-A116-16DC77AD9A1E}" type="datetime1">
               <a:rPr lang="ko-KR" altLang="en-US" smtClean="0"/>
-              <a:t>2025-04-30</a:t>
+              <a:t>2025-06-08</a:t>
             </a:fld>
             <a:endParaRPr lang="ko-KR" altLang="en-US"/>
           </a:p>
@@ -23153,7 +21736,7 @@
           <a:p>
             <a:fld id="{0F78D9C4-20C1-4B15-A116-16DC77AD9A1E}" type="datetime1">
               <a:rPr lang="ko-KR" altLang="en-US" smtClean="0"/>
-              <a:t>2025-04-30</a:t>
+              <a:t>2025-06-08</a:t>
             </a:fld>
             <a:endParaRPr lang="ko-KR" altLang="en-US"/>
           </a:p>
@@ -23510,7 +22093,7 @@
           <a:p>
             <a:fld id="{0F78D9C4-20C1-4B15-A116-16DC77AD9A1E}" type="datetime1">
               <a:rPr lang="ko-KR" altLang="en-US" smtClean="0"/>
-              <a:t>2025-04-30</a:t>
+              <a:t>2025-06-08</a:t>
             </a:fld>
             <a:endParaRPr lang="ko-KR" altLang="en-US"/>
           </a:p>
@@ -23761,6 +22344,10 @@
               <a:rPr lang="ko-KR" altLang="en-US" dirty="0"/>
               <a:t>다양한 문자열 제어 함수를 사용하여 다방면으로 활용 가능</a:t>
             </a:r>
+            <a:r>
+              <a:rPr lang="en-US" altLang="ko-KR" dirty="0"/>
+              <a:t/>
+            </a:r>
             <a:br>
               <a:rPr lang="en-US" altLang="ko-KR" dirty="0"/>
             </a:br>
@@ -23791,7 +22378,7 @@
           <a:p>
             <a:fld id="{0F78D9C4-20C1-4B15-A116-16DC77AD9A1E}" type="datetime1">
               <a:rPr lang="ko-KR" altLang="en-US" smtClean="0"/>
-              <a:t>2025-04-30</a:t>
+              <a:t>2025-06-08</a:t>
             </a:fld>
             <a:endParaRPr lang="ko-KR" altLang="en-US"/>
           </a:p>
@@ -23841,7 +22428,7 @@
           <p:nvPr/>
         </p:nvPicPr>
         <p:blipFill>
-          <a:blip r:embed="rId2"/>
+          <a:blip r:embed="rId3"/>
           <a:stretch>
             <a:fillRect/>
           </a:stretch>
@@ -23937,7 +22524,7 @@
           <a:p>
             <a:fld id="{0F78D9C4-20C1-4B15-A116-16DC77AD9A1E}" type="datetime1">
               <a:rPr lang="ko-KR" altLang="en-US" smtClean="0"/>
-              <a:t>2025-04-30</a:t>
+              <a:t>2025-06-08</a:t>
             </a:fld>
             <a:endParaRPr lang="ko-KR" altLang="en-US"/>
           </a:p>
@@ -25124,7 +23711,7 @@
           <a:p>
             <a:fld id="{0F78D9C4-20C1-4B15-A116-16DC77AD9A1E}" type="datetime1">
               <a:rPr lang="ko-KR" altLang="en-US" smtClean="0"/>
-              <a:t>2025-04-30</a:t>
+              <a:t>2025-06-08</a:t>
             </a:fld>
             <a:endParaRPr lang="ko-KR" altLang="en-US"/>
           </a:p>
@@ -25581,7 +24168,7 @@
           <a:p>
             <a:fld id="{0F78D9C4-20C1-4B15-A116-16DC77AD9A1E}" type="datetime1">
               <a:rPr lang="ko-KR" altLang="en-US" smtClean="0"/>
-              <a:t>2025-04-30</a:t>
+              <a:t>2025-06-08</a:t>
             </a:fld>
             <a:endParaRPr lang="ko-KR" altLang="en-US"/>
           </a:p>
